--- a/Lecture/LoopIt.pptx
+++ b/Lecture/LoopIt.pptx
@@ -11,8 +11,13 @@
     <p:sldId id="261" r:id="rId5"/>
     <p:sldId id="262" r:id="rId6"/>
     <p:sldId id="263" r:id="rId7"/>
-    <p:sldId id="264" r:id="rId8"/>
-    <p:sldId id="265" r:id="rId9"/>
+    <p:sldId id="266" r:id="rId8"/>
+    <p:sldId id="264" r:id="rId9"/>
+    <p:sldId id="265" r:id="rId10"/>
+    <p:sldId id="267" r:id="rId11"/>
+    <p:sldId id="268" r:id="rId12"/>
+    <p:sldId id="269" r:id="rId13"/>
+    <p:sldId id="270" r:id="rId14"/>
   </p:sldIdLst>
   <p:sldSz cx="12192000" cy="6858000"/>
   <p:notesSz cx="6858000" cy="9144000"/>
@@ -3920,6 +3925,4397 @@
 </p:sld>
 </file>
 
+<file path=ppt/slides/slide10.xml><?xml version="1.0" encoding="utf-8"?>
+<p:sld xmlns:a="http://schemas.openxmlformats.org/drawingml/2006/main" xmlns:r="http://schemas.openxmlformats.org/officeDocument/2006/relationships" xmlns:p="http://schemas.openxmlformats.org/presentationml/2006/main">
+  <p:cSld>
+    <p:bg>
+      <p:bgPr>
+        <a:solidFill>
+          <a:schemeClr val="bg1"/>
+        </a:solidFill>
+        <a:effectLst/>
+      </p:bgPr>
+    </p:bg>
+    <p:spTree>
+      <p:nvGrpSpPr>
+        <p:cNvPr id="1" name=""/>
+        <p:cNvGrpSpPr/>
+        <p:nvPr/>
+      </p:nvGrpSpPr>
+      <p:grpSpPr>
+        <a:xfrm>
+          <a:off x="0" y="0"/>
+          <a:ext cx="0" cy="0"/>
+          <a:chOff x="0" y="0"/>
+          <a:chExt cx="0" cy="0"/>
+        </a:xfrm>
+      </p:grpSpPr>
+      <p:sp useBgFill="1">
+        <p:nvSpPr>
+          <p:cNvPr id="27" name="Rectangle 18">
+            <a:extLst>
+              <a:ext uri="{FF2B5EF4-FFF2-40B4-BE49-F238E27FC236}">
+                <a16:creationId xmlns:a16="http://schemas.microsoft.com/office/drawing/2014/main" id="{8651CFA9-6065-4243-AC48-858E359780B1}"/>
+              </a:ext>
+              <a:ext uri="{C183D7F6-B498-43B3-948B-1728B52AA6E4}">
+                <adec:decorative xmlns:adec="http://schemas.microsoft.com/office/drawing/2017/decorative" val="1"/>
+              </a:ext>
+            </a:extLst>
+          </p:cNvPr>
+          <p:cNvSpPr>
+            <a:spLocks noGrp="1" noRot="1" noChangeAspect="1" noMove="1" noResize="1" noEditPoints="1" noAdjustHandles="1" noChangeArrowheads="1" noChangeShapeType="1" noTextEdit="1"/>
+          </p:cNvSpPr>
+          <p:nvPr>
+            <p:extLst>
+              <p:ext uri="{386F3935-93C4-4BCD-93E2-E3B085C9AB24}">
+                <p16:designElem xmlns:p16="http://schemas.microsoft.com/office/powerpoint/2015/main" val="1"/>
+              </p:ext>
+            </p:extLst>
+          </p:nvPr>
+        </p:nvSpPr>
+        <p:spPr>
+          <a:xfrm>
+            <a:off x="0" y="0"/>
+            <a:ext cx="12192000" cy="6858000"/>
+          </a:xfrm>
+          <a:prstGeom prst="rect">
+            <a:avLst/>
+          </a:prstGeom>
+          <a:ln>
+            <a:noFill/>
+          </a:ln>
+        </p:spPr>
+        <p:style>
+          <a:lnRef idx="2">
+            <a:schemeClr val="accent1">
+              <a:shade val="50000"/>
+            </a:schemeClr>
+          </a:lnRef>
+          <a:fillRef idx="1">
+            <a:schemeClr val="accent1"/>
+          </a:fillRef>
+          <a:effectRef idx="0">
+            <a:schemeClr val="accent1"/>
+          </a:effectRef>
+          <a:fontRef idx="minor">
+            <a:schemeClr val="lt1"/>
+          </a:fontRef>
+        </p:style>
+        <p:txBody>
+          <a:bodyPr rtlCol="0" anchor="ctr"/>
+          <a:lstStyle/>
+          <a:p>
+            <a:pPr algn="ctr"/>
+            <a:endParaRPr lang="en-US">
+              <a:solidFill>
+                <a:schemeClr val="tx1">
+                  <a:lumMod val="65000"/>
+                  <a:lumOff val="35000"/>
+                </a:schemeClr>
+              </a:solidFill>
+              <a:latin typeface="AvenirNext LT Pro Medium" panose="020B0504020202020204" pitchFamily="34" charset="0"/>
+            </a:endParaRPr>
+          </a:p>
+        </p:txBody>
+      </p:sp>
+      <p:sp>
+        <p:nvSpPr>
+          <p:cNvPr id="28" name="Rectangle 20">
+            <a:extLst>
+              <a:ext uri="{FF2B5EF4-FFF2-40B4-BE49-F238E27FC236}">
+                <a16:creationId xmlns:a16="http://schemas.microsoft.com/office/drawing/2014/main" id="{37962AE0-6A1C-4B76-9D52-10E5E6D7D3BB}"/>
+              </a:ext>
+              <a:ext uri="{C183D7F6-B498-43B3-948B-1728B52AA6E4}">
+                <adec:decorative xmlns:adec="http://schemas.microsoft.com/office/drawing/2017/decorative" val="1"/>
+              </a:ext>
+            </a:extLst>
+          </p:cNvPr>
+          <p:cNvSpPr>
+            <a:spLocks noGrp="1" noRot="1" noChangeAspect="1" noMove="1" noResize="1" noEditPoints="1" noAdjustHandles="1" noChangeArrowheads="1" noChangeShapeType="1" noTextEdit="1"/>
+          </p:cNvSpPr>
+          <p:nvPr>
+            <p:extLst>
+              <p:ext uri="{386F3935-93C4-4BCD-93E2-E3B085C9AB24}">
+                <p16:designElem xmlns:p16="http://schemas.microsoft.com/office/powerpoint/2015/main" val="1"/>
+              </p:ext>
+            </p:extLst>
+          </p:nvPr>
+        </p:nvSpPr>
+        <p:spPr>
+          <a:xfrm>
+            <a:off x="-3048" y="0"/>
+            <a:ext cx="12188952" cy="6858000"/>
+          </a:xfrm>
+          <a:prstGeom prst="rect">
+            <a:avLst/>
+          </a:prstGeom>
+          <a:solidFill>
+            <a:schemeClr val="bg2">
+              <a:alpha val="70000"/>
+            </a:schemeClr>
+          </a:solidFill>
+          <a:ln>
+            <a:noFill/>
+          </a:ln>
+        </p:spPr>
+        <p:style>
+          <a:lnRef idx="2">
+            <a:schemeClr val="accent1">
+              <a:shade val="50000"/>
+            </a:schemeClr>
+          </a:lnRef>
+          <a:fillRef idx="1">
+            <a:schemeClr val="accent1"/>
+          </a:fillRef>
+          <a:effectRef idx="0">
+            <a:schemeClr val="accent1"/>
+          </a:effectRef>
+          <a:fontRef idx="minor">
+            <a:schemeClr val="lt1"/>
+          </a:fontRef>
+        </p:style>
+        <p:txBody>
+          <a:bodyPr rtlCol="0" anchor="ctr"/>
+          <a:lstStyle/>
+          <a:p>
+            <a:pPr algn="ctr"/>
+            <a:endParaRPr lang="en-US">
+              <a:solidFill>
+                <a:schemeClr val="tx1">
+                  <a:lumMod val="65000"/>
+                  <a:lumOff val="35000"/>
+                </a:schemeClr>
+              </a:solidFill>
+              <a:latin typeface="AvenirNext LT Pro Medium" panose="020B0504020202020204" pitchFamily="34" charset="0"/>
+            </a:endParaRPr>
+          </a:p>
+        </p:txBody>
+      </p:sp>
+      <p:sp>
+        <p:nvSpPr>
+          <p:cNvPr id="29" name="Rectangle 22">
+            <a:extLst>
+              <a:ext uri="{FF2B5EF4-FFF2-40B4-BE49-F238E27FC236}">
+                <a16:creationId xmlns:a16="http://schemas.microsoft.com/office/drawing/2014/main" id="{BF49D5AE-15AF-4BC1-8AC5-F5FA95199E94}"/>
+              </a:ext>
+              <a:ext uri="{C183D7F6-B498-43B3-948B-1728B52AA6E4}">
+                <adec:decorative xmlns:adec="http://schemas.microsoft.com/office/drawing/2017/decorative" val="1"/>
+              </a:ext>
+            </a:extLst>
+          </p:cNvPr>
+          <p:cNvSpPr>
+            <a:spLocks noGrp="1" noRot="1" noChangeAspect="1" noMove="1" noResize="1" noEditPoints="1" noAdjustHandles="1" noChangeArrowheads="1" noChangeShapeType="1" noTextEdit="1"/>
+          </p:cNvSpPr>
+          <p:nvPr>
+            <p:extLst>
+              <p:ext uri="{386F3935-93C4-4BCD-93E2-E3B085C9AB24}">
+                <p16:designElem xmlns:p16="http://schemas.microsoft.com/office/powerpoint/2015/main" val="1"/>
+              </p:ext>
+            </p:extLst>
+          </p:nvPr>
+        </p:nvSpPr>
+        <p:spPr>
+          <a:xfrm>
+            <a:off x="-3048" y="0"/>
+            <a:ext cx="12195048" cy="1295400"/>
+          </a:xfrm>
+          <a:prstGeom prst="rect">
+            <a:avLst/>
+          </a:prstGeom>
+          <a:solidFill>
+            <a:schemeClr val="tx2">
+              <a:lumMod val="90000"/>
+              <a:lumOff val="10000"/>
+            </a:schemeClr>
+          </a:solidFill>
+          <a:ln>
+            <a:noFill/>
+          </a:ln>
+        </p:spPr>
+        <p:style>
+          <a:lnRef idx="2">
+            <a:schemeClr val="accent1">
+              <a:shade val="50000"/>
+            </a:schemeClr>
+          </a:lnRef>
+          <a:fillRef idx="1">
+            <a:schemeClr val="accent1"/>
+          </a:fillRef>
+          <a:effectRef idx="0">
+            <a:schemeClr val="accent1"/>
+          </a:effectRef>
+          <a:fontRef idx="minor">
+            <a:schemeClr val="lt1"/>
+          </a:fontRef>
+        </p:style>
+        <p:txBody>
+          <a:bodyPr rtlCol="0" anchor="ctr"/>
+          <a:lstStyle/>
+          <a:p>
+            <a:pPr algn="ctr"/>
+            <a:endParaRPr lang="en-US" dirty="0"/>
+          </a:p>
+        </p:txBody>
+      </p:sp>
+      <p:sp>
+        <p:nvSpPr>
+          <p:cNvPr id="30" name="Rectangle 24">
+            <a:extLst>
+              <a:ext uri="{FF2B5EF4-FFF2-40B4-BE49-F238E27FC236}">
+                <a16:creationId xmlns:a16="http://schemas.microsoft.com/office/drawing/2014/main" id="{5608A5E7-BD2D-419A-8079-3103083AB134}"/>
+              </a:ext>
+              <a:ext uri="{C183D7F6-B498-43B3-948B-1728B52AA6E4}">
+                <adec:decorative xmlns:adec="http://schemas.microsoft.com/office/drawing/2017/decorative" val="1"/>
+              </a:ext>
+            </a:extLst>
+          </p:cNvPr>
+          <p:cNvSpPr>
+            <a:spLocks noGrp="1" noRot="1" noChangeAspect="1" noMove="1" noResize="1" noEditPoints="1" noAdjustHandles="1" noChangeArrowheads="1" noChangeShapeType="1" noTextEdit="1"/>
+          </p:cNvSpPr>
+          <p:nvPr>
+            <p:extLst>
+              <p:ext uri="{386F3935-93C4-4BCD-93E2-E3B085C9AB24}">
+                <p16:designElem xmlns:p16="http://schemas.microsoft.com/office/powerpoint/2015/main" val="1"/>
+              </p:ext>
+            </p:extLst>
+          </p:nvPr>
+        </p:nvSpPr>
+        <p:spPr>
+          <a:xfrm>
+            <a:off x="1524" y="0"/>
+            <a:ext cx="12188952" cy="1295400"/>
+          </a:xfrm>
+          <a:prstGeom prst="rect">
+            <a:avLst/>
+          </a:prstGeom>
+          <a:blipFill dpi="0" rotWithShape="1">
+            <a:blip r:embed="rId2">
+              <a:alphaModFix amt="24000"/>
+              <a:duotone>
+                <a:schemeClr val="accent1">
+                  <a:shade val="45000"/>
+                  <a:satMod val="135000"/>
+                </a:schemeClr>
+                <a:prstClr val="white"/>
+              </a:duotone>
+            </a:blip>
+            <a:srcRect/>
+            <a:tile tx="889000" ty="0" sx="100000" sy="100000" flip="none" algn="tl"/>
+          </a:blipFill>
+          <a:ln>
+            <a:noFill/>
+          </a:ln>
+        </p:spPr>
+        <p:style>
+          <a:lnRef idx="2">
+            <a:schemeClr val="accent1">
+              <a:shade val="50000"/>
+            </a:schemeClr>
+          </a:lnRef>
+          <a:fillRef idx="1">
+            <a:schemeClr val="accent1"/>
+          </a:fillRef>
+          <a:effectRef idx="0">
+            <a:schemeClr val="accent1"/>
+          </a:effectRef>
+          <a:fontRef idx="minor">
+            <a:schemeClr val="lt1"/>
+          </a:fontRef>
+        </p:style>
+        <p:txBody>
+          <a:bodyPr rtlCol="0" anchor="ctr"/>
+          <a:lstStyle/>
+          <a:p>
+            <a:pPr algn="ctr"/>
+            <a:endParaRPr lang="en-US" dirty="0"/>
+          </a:p>
+        </p:txBody>
+      </p:sp>
+      <p:sp>
+        <p:nvSpPr>
+          <p:cNvPr id="2" name="Title 1">
+            <a:extLst>
+              <a:ext uri="{FF2B5EF4-FFF2-40B4-BE49-F238E27FC236}">
+                <a16:creationId xmlns:a16="http://schemas.microsoft.com/office/drawing/2014/main" id="{435A2D9F-DF11-409A-8AFF-42DD6CF6FD8A}"/>
+              </a:ext>
+            </a:extLst>
+          </p:cNvPr>
+          <p:cNvSpPr>
+            <a:spLocks noGrp="1"/>
+          </p:cNvSpPr>
+          <p:nvPr>
+            <p:ph type="title"/>
+          </p:nvPr>
+        </p:nvSpPr>
+        <p:spPr>
+          <a:xfrm>
+            <a:off x="493453" y="-457200"/>
+            <a:ext cx="9988166" cy="1752600"/>
+          </a:xfrm>
+        </p:spPr>
+        <p:txBody>
+          <a:bodyPr anchor="b">
+            <a:normAutofit/>
+          </a:bodyPr>
+          <a:lstStyle/>
+          <a:p>
+            <a:r>
+              <a:rPr lang="en-US" dirty="0"/>
+              <a:t>Modern C++</a:t>
+            </a:r>
+          </a:p>
+        </p:txBody>
+      </p:sp>
+      <p:sp>
+        <p:nvSpPr>
+          <p:cNvPr id="37" name="TextBox 36">
+            <a:extLst>
+              <a:ext uri="{FF2B5EF4-FFF2-40B4-BE49-F238E27FC236}">
+                <a16:creationId xmlns:a16="http://schemas.microsoft.com/office/drawing/2014/main" id="{BF650DF9-77F0-4C5E-8BAB-3AA33FF39F16}"/>
+              </a:ext>
+            </a:extLst>
+          </p:cNvPr>
+          <p:cNvSpPr txBox="1"/>
+          <p:nvPr/>
+        </p:nvSpPr>
+        <p:spPr>
+          <a:xfrm>
+            <a:off x="430349" y="1561491"/>
+            <a:ext cx="10987360" cy="3841501"/>
+          </a:xfrm>
+          <a:prstGeom prst="rect">
+            <a:avLst/>
+          </a:prstGeom>
+          <a:noFill/>
+        </p:spPr>
+        <p:txBody>
+          <a:bodyPr wrap="square">
+            <a:spAutoFit/>
+          </a:bodyPr>
+          <a:lstStyle/>
+          <a:p>
+            <a:pPr marL="228600" indent="-228600">
+              <a:lnSpc>
+                <a:spcPct val="110000"/>
+              </a:lnSpc>
+              <a:spcBef>
+                <a:spcPts val="1000"/>
+              </a:spcBef>
+              <a:buClr>
+                <a:schemeClr val="accent1"/>
+              </a:buClr>
+              <a:buFont typeface="Arial" panose="020B0604020202020204" pitchFamily="34" charset="0"/>
+              <a:buChar char="•"/>
+            </a:pPr>
+            <a:r>
+              <a:rPr lang="en-US" dirty="0">
+                <a:solidFill>
+                  <a:schemeClr val="tx2"/>
+                </a:solidFill>
+              </a:rPr>
+              <a:t>C++ is a language with a formal specification. However, it is a </a:t>
+            </a:r>
+            <a:r>
+              <a:rPr lang="en-US" i="1" dirty="0">
+                <a:solidFill>
+                  <a:schemeClr val="tx2"/>
+                </a:solidFill>
+              </a:rPr>
+              <a:t>living</a:t>
+            </a:r>
+            <a:r>
+              <a:rPr lang="en-US" dirty="0">
+                <a:solidFill>
+                  <a:schemeClr val="tx2"/>
+                </a:solidFill>
+              </a:rPr>
+              <a:t> language!</a:t>
+            </a:r>
+          </a:p>
+          <a:p>
+            <a:pPr marL="685800" lvl="1" indent="-228600">
+              <a:lnSpc>
+                <a:spcPct val="110000"/>
+              </a:lnSpc>
+              <a:spcBef>
+                <a:spcPts val="1000"/>
+              </a:spcBef>
+              <a:buClr>
+                <a:schemeClr val="accent1"/>
+              </a:buClr>
+              <a:buFont typeface="Arial" panose="020B0604020202020204" pitchFamily="34" charset="0"/>
+              <a:buChar char="•"/>
+            </a:pPr>
+            <a:r>
+              <a:rPr lang="en-US" dirty="0">
+                <a:solidFill>
+                  <a:schemeClr val="tx2"/>
+                </a:solidFill>
+              </a:rPr>
+              <a:t>C++ 98, C++ 03, </a:t>
+            </a:r>
+            <a:r>
+              <a:rPr lang="en-US" b="1" dirty="0">
+                <a:solidFill>
+                  <a:schemeClr val="tx2"/>
+                </a:solidFill>
+              </a:rPr>
+              <a:t>C++ 11</a:t>
+            </a:r>
+            <a:r>
+              <a:rPr lang="en-US" dirty="0">
+                <a:solidFill>
+                  <a:schemeClr val="tx2"/>
+                </a:solidFill>
+              </a:rPr>
+              <a:t>, C++ 14, C++ 17, C++20</a:t>
+            </a:r>
+          </a:p>
+          <a:p>
+            <a:pPr marL="685800" lvl="1" indent="-228600">
+              <a:lnSpc>
+                <a:spcPct val="110000"/>
+              </a:lnSpc>
+              <a:spcBef>
+                <a:spcPts val="1000"/>
+              </a:spcBef>
+              <a:buClr>
+                <a:schemeClr val="accent1"/>
+              </a:buClr>
+              <a:buFont typeface="Arial" panose="020B0604020202020204" pitchFamily="34" charset="0"/>
+              <a:buChar char="•"/>
+            </a:pPr>
+            <a:r>
+              <a:rPr lang="en-US" dirty="0">
+                <a:solidFill>
+                  <a:schemeClr val="tx2"/>
+                </a:solidFill>
+              </a:rPr>
+              <a:t>Strong backwards compatibility!</a:t>
+            </a:r>
+          </a:p>
+          <a:p>
+            <a:pPr marL="228600" indent="-228600">
+              <a:lnSpc>
+                <a:spcPct val="110000"/>
+              </a:lnSpc>
+              <a:spcBef>
+                <a:spcPts val="1000"/>
+              </a:spcBef>
+              <a:buClr>
+                <a:schemeClr val="accent1"/>
+              </a:buClr>
+              <a:buFont typeface="Arial" panose="020B0604020202020204" pitchFamily="34" charset="0"/>
+              <a:buChar char="•"/>
+            </a:pPr>
+            <a:r>
+              <a:rPr lang="en-US" dirty="0">
+                <a:solidFill>
+                  <a:schemeClr val="tx2"/>
+                </a:solidFill>
+              </a:rPr>
+              <a:t>C++11 introduced many enhancements that greatly improved code quality and efficiency </a:t>
+            </a:r>
+          </a:p>
+          <a:p>
+            <a:pPr marL="228600" indent="-228600">
+              <a:lnSpc>
+                <a:spcPct val="110000"/>
+              </a:lnSpc>
+              <a:spcBef>
+                <a:spcPts val="1000"/>
+              </a:spcBef>
+              <a:buClr>
+                <a:schemeClr val="accent1"/>
+              </a:buClr>
+              <a:buFont typeface="Arial" panose="020B0604020202020204" pitchFamily="34" charset="0"/>
+              <a:buChar char="•"/>
+            </a:pPr>
+            <a:r>
+              <a:rPr lang="en-US" dirty="0">
+                <a:solidFill>
+                  <a:schemeClr val="tx2"/>
+                </a:solidFill>
+              </a:rPr>
+              <a:t>C++ 11 and after is considered </a:t>
+            </a:r>
+            <a:r>
+              <a:rPr lang="en-US" b="1" i="1" dirty="0">
+                <a:solidFill>
+                  <a:schemeClr val="tx2"/>
+                </a:solidFill>
+              </a:rPr>
+              <a:t>Modern C++</a:t>
+            </a:r>
+            <a:endParaRPr lang="en-US" dirty="0">
+              <a:solidFill>
+                <a:schemeClr val="tx2"/>
+              </a:solidFill>
+            </a:endParaRPr>
+          </a:p>
+          <a:p>
+            <a:pPr marL="228600" indent="-228600">
+              <a:lnSpc>
+                <a:spcPct val="110000"/>
+              </a:lnSpc>
+              <a:spcBef>
+                <a:spcPts val="1000"/>
+              </a:spcBef>
+              <a:buClr>
+                <a:schemeClr val="accent1"/>
+              </a:buClr>
+              <a:buFont typeface="Arial" panose="020B0604020202020204" pitchFamily="34" charset="0"/>
+              <a:buChar char="•"/>
+            </a:pPr>
+            <a:r>
+              <a:rPr lang="en-US" dirty="0">
+                <a:solidFill>
+                  <a:schemeClr val="tx2"/>
+                </a:solidFill>
+              </a:rPr>
+              <a:t>We will review a new </a:t>
+            </a:r>
+            <a:r>
+              <a:rPr lang="en-US" dirty="0">
+                <a:solidFill>
+                  <a:srgbClr val="C00000"/>
+                </a:solidFill>
+              </a:rPr>
+              <a:t>for</a:t>
+            </a:r>
+            <a:r>
+              <a:rPr lang="en-US" dirty="0">
+                <a:solidFill>
+                  <a:schemeClr val="tx2"/>
+                </a:solidFill>
+              </a:rPr>
+              <a:t> loop constructs introduced in C++11: Range-based for loops</a:t>
+            </a:r>
+          </a:p>
+          <a:p>
+            <a:pPr marL="228600" indent="-228600">
+              <a:lnSpc>
+                <a:spcPct val="110000"/>
+              </a:lnSpc>
+              <a:spcBef>
+                <a:spcPts val="1000"/>
+              </a:spcBef>
+              <a:buClr>
+                <a:schemeClr val="accent1"/>
+              </a:buClr>
+              <a:buFont typeface="Arial" panose="020B0604020202020204" pitchFamily="34" charset="0"/>
+              <a:buChar char="•"/>
+            </a:pPr>
+            <a:r>
+              <a:rPr lang="en-US" dirty="0">
+                <a:solidFill>
+                  <a:schemeClr val="tx2"/>
+                </a:solidFill>
+              </a:rPr>
+              <a:t>These don’t replace previously discussed patterns; they simply augment them</a:t>
+            </a:r>
+          </a:p>
+          <a:p>
+            <a:pPr marL="228600" indent="-228600">
+              <a:lnSpc>
+                <a:spcPct val="110000"/>
+              </a:lnSpc>
+              <a:spcBef>
+                <a:spcPts val="1000"/>
+              </a:spcBef>
+              <a:buClr>
+                <a:schemeClr val="accent1"/>
+              </a:buClr>
+              <a:buFont typeface="Arial" panose="020B0604020202020204" pitchFamily="34" charset="0"/>
+              <a:buChar char="•"/>
+            </a:pPr>
+            <a:endParaRPr lang="en-US" dirty="0"/>
+          </a:p>
+          <a:p>
+            <a:pPr marL="228600" indent="-228600">
+              <a:lnSpc>
+                <a:spcPct val="110000"/>
+              </a:lnSpc>
+              <a:spcBef>
+                <a:spcPts val="1000"/>
+              </a:spcBef>
+              <a:buClr>
+                <a:schemeClr val="accent1"/>
+              </a:buClr>
+              <a:buFont typeface="Arial" panose="020B0604020202020204" pitchFamily="34" charset="0"/>
+              <a:buChar char="•"/>
+            </a:pPr>
+            <a:endParaRPr lang="en-US" dirty="0"/>
+          </a:p>
+        </p:txBody>
+      </p:sp>
+    </p:spTree>
+    <p:extLst>
+      <p:ext uri="{BB962C8B-B14F-4D97-AF65-F5344CB8AC3E}">
+        <p14:creationId xmlns:p14="http://schemas.microsoft.com/office/powerpoint/2010/main" val="3419536657"/>
+      </p:ext>
+    </p:extLst>
+  </p:cSld>
+  <p:clrMapOvr>
+    <a:masterClrMapping/>
+  </p:clrMapOvr>
+</p:sld>
+</file>
+
+<file path=ppt/slides/slide11.xml><?xml version="1.0" encoding="utf-8"?>
+<p:sld xmlns:a="http://schemas.openxmlformats.org/drawingml/2006/main" xmlns:r="http://schemas.openxmlformats.org/officeDocument/2006/relationships" xmlns:p="http://schemas.openxmlformats.org/presentationml/2006/main">
+  <p:cSld>
+    <p:bg>
+      <p:bgPr>
+        <a:solidFill>
+          <a:schemeClr val="bg1"/>
+        </a:solidFill>
+        <a:effectLst/>
+      </p:bgPr>
+    </p:bg>
+    <p:spTree>
+      <p:nvGrpSpPr>
+        <p:cNvPr id="1" name=""/>
+        <p:cNvGrpSpPr/>
+        <p:nvPr/>
+      </p:nvGrpSpPr>
+      <p:grpSpPr>
+        <a:xfrm>
+          <a:off x="0" y="0"/>
+          <a:ext cx="0" cy="0"/>
+          <a:chOff x="0" y="0"/>
+          <a:chExt cx="0" cy="0"/>
+        </a:xfrm>
+      </p:grpSpPr>
+      <p:sp useBgFill="1">
+        <p:nvSpPr>
+          <p:cNvPr id="27" name="Rectangle 18">
+            <a:extLst>
+              <a:ext uri="{FF2B5EF4-FFF2-40B4-BE49-F238E27FC236}">
+                <a16:creationId xmlns:a16="http://schemas.microsoft.com/office/drawing/2014/main" id="{8651CFA9-6065-4243-AC48-858E359780B1}"/>
+              </a:ext>
+              <a:ext uri="{C183D7F6-B498-43B3-948B-1728B52AA6E4}">
+                <adec:decorative xmlns:adec="http://schemas.microsoft.com/office/drawing/2017/decorative" val="1"/>
+              </a:ext>
+            </a:extLst>
+          </p:cNvPr>
+          <p:cNvSpPr>
+            <a:spLocks noGrp="1" noRot="1" noChangeAspect="1" noMove="1" noResize="1" noEditPoints="1" noAdjustHandles="1" noChangeArrowheads="1" noChangeShapeType="1" noTextEdit="1"/>
+          </p:cNvSpPr>
+          <p:nvPr>
+            <p:extLst>
+              <p:ext uri="{386F3935-93C4-4BCD-93E2-E3B085C9AB24}">
+                <p16:designElem xmlns:p16="http://schemas.microsoft.com/office/powerpoint/2015/main" val="1"/>
+              </p:ext>
+            </p:extLst>
+          </p:nvPr>
+        </p:nvSpPr>
+        <p:spPr>
+          <a:xfrm>
+            <a:off x="0" y="0"/>
+            <a:ext cx="12192000" cy="6858000"/>
+          </a:xfrm>
+          <a:prstGeom prst="rect">
+            <a:avLst/>
+          </a:prstGeom>
+          <a:ln>
+            <a:noFill/>
+          </a:ln>
+        </p:spPr>
+        <p:style>
+          <a:lnRef idx="2">
+            <a:schemeClr val="accent1">
+              <a:shade val="50000"/>
+            </a:schemeClr>
+          </a:lnRef>
+          <a:fillRef idx="1">
+            <a:schemeClr val="accent1"/>
+          </a:fillRef>
+          <a:effectRef idx="0">
+            <a:schemeClr val="accent1"/>
+          </a:effectRef>
+          <a:fontRef idx="minor">
+            <a:schemeClr val="lt1"/>
+          </a:fontRef>
+        </p:style>
+        <p:txBody>
+          <a:bodyPr rtlCol="0" anchor="ctr"/>
+          <a:lstStyle/>
+          <a:p>
+            <a:pPr algn="ctr"/>
+            <a:endParaRPr lang="en-US">
+              <a:solidFill>
+                <a:schemeClr val="tx1">
+                  <a:lumMod val="65000"/>
+                  <a:lumOff val="35000"/>
+                </a:schemeClr>
+              </a:solidFill>
+              <a:latin typeface="AvenirNext LT Pro Medium" panose="020B0504020202020204" pitchFamily="34" charset="0"/>
+            </a:endParaRPr>
+          </a:p>
+        </p:txBody>
+      </p:sp>
+      <p:sp>
+        <p:nvSpPr>
+          <p:cNvPr id="28" name="Rectangle 20">
+            <a:extLst>
+              <a:ext uri="{FF2B5EF4-FFF2-40B4-BE49-F238E27FC236}">
+                <a16:creationId xmlns:a16="http://schemas.microsoft.com/office/drawing/2014/main" id="{37962AE0-6A1C-4B76-9D52-10E5E6D7D3BB}"/>
+              </a:ext>
+              <a:ext uri="{C183D7F6-B498-43B3-948B-1728B52AA6E4}">
+                <adec:decorative xmlns:adec="http://schemas.microsoft.com/office/drawing/2017/decorative" val="1"/>
+              </a:ext>
+            </a:extLst>
+          </p:cNvPr>
+          <p:cNvSpPr>
+            <a:spLocks noGrp="1" noRot="1" noChangeAspect="1" noMove="1" noResize="1" noEditPoints="1" noAdjustHandles="1" noChangeArrowheads="1" noChangeShapeType="1" noTextEdit="1"/>
+          </p:cNvSpPr>
+          <p:nvPr>
+            <p:extLst>
+              <p:ext uri="{386F3935-93C4-4BCD-93E2-E3B085C9AB24}">
+                <p16:designElem xmlns:p16="http://schemas.microsoft.com/office/powerpoint/2015/main" val="1"/>
+              </p:ext>
+            </p:extLst>
+          </p:nvPr>
+        </p:nvSpPr>
+        <p:spPr>
+          <a:xfrm>
+            <a:off x="-3048" y="0"/>
+            <a:ext cx="12188952" cy="6858000"/>
+          </a:xfrm>
+          <a:prstGeom prst="rect">
+            <a:avLst/>
+          </a:prstGeom>
+          <a:solidFill>
+            <a:schemeClr val="bg2">
+              <a:alpha val="70000"/>
+            </a:schemeClr>
+          </a:solidFill>
+          <a:ln>
+            <a:noFill/>
+          </a:ln>
+        </p:spPr>
+        <p:style>
+          <a:lnRef idx="2">
+            <a:schemeClr val="accent1">
+              <a:shade val="50000"/>
+            </a:schemeClr>
+          </a:lnRef>
+          <a:fillRef idx="1">
+            <a:schemeClr val="accent1"/>
+          </a:fillRef>
+          <a:effectRef idx="0">
+            <a:schemeClr val="accent1"/>
+          </a:effectRef>
+          <a:fontRef idx="minor">
+            <a:schemeClr val="lt1"/>
+          </a:fontRef>
+        </p:style>
+        <p:txBody>
+          <a:bodyPr rtlCol="0" anchor="ctr"/>
+          <a:lstStyle/>
+          <a:p>
+            <a:pPr algn="ctr"/>
+            <a:endParaRPr lang="en-US">
+              <a:solidFill>
+                <a:schemeClr val="tx1">
+                  <a:lumMod val="65000"/>
+                  <a:lumOff val="35000"/>
+                </a:schemeClr>
+              </a:solidFill>
+              <a:latin typeface="AvenirNext LT Pro Medium" panose="020B0504020202020204" pitchFamily="34" charset="0"/>
+            </a:endParaRPr>
+          </a:p>
+        </p:txBody>
+      </p:sp>
+      <p:sp>
+        <p:nvSpPr>
+          <p:cNvPr id="29" name="Rectangle 22">
+            <a:extLst>
+              <a:ext uri="{FF2B5EF4-FFF2-40B4-BE49-F238E27FC236}">
+                <a16:creationId xmlns:a16="http://schemas.microsoft.com/office/drawing/2014/main" id="{BF49D5AE-15AF-4BC1-8AC5-F5FA95199E94}"/>
+              </a:ext>
+              <a:ext uri="{C183D7F6-B498-43B3-948B-1728B52AA6E4}">
+                <adec:decorative xmlns:adec="http://schemas.microsoft.com/office/drawing/2017/decorative" val="1"/>
+              </a:ext>
+            </a:extLst>
+          </p:cNvPr>
+          <p:cNvSpPr>
+            <a:spLocks noGrp="1" noRot="1" noChangeAspect="1" noMove="1" noResize="1" noEditPoints="1" noAdjustHandles="1" noChangeArrowheads="1" noChangeShapeType="1" noTextEdit="1"/>
+          </p:cNvSpPr>
+          <p:nvPr>
+            <p:extLst>
+              <p:ext uri="{386F3935-93C4-4BCD-93E2-E3B085C9AB24}">
+                <p16:designElem xmlns:p16="http://schemas.microsoft.com/office/powerpoint/2015/main" val="1"/>
+              </p:ext>
+            </p:extLst>
+          </p:nvPr>
+        </p:nvSpPr>
+        <p:spPr>
+          <a:xfrm>
+            <a:off x="-3048" y="0"/>
+            <a:ext cx="12195048" cy="1295400"/>
+          </a:xfrm>
+          <a:prstGeom prst="rect">
+            <a:avLst/>
+          </a:prstGeom>
+          <a:solidFill>
+            <a:schemeClr val="tx2">
+              <a:lumMod val="90000"/>
+              <a:lumOff val="10000"/>
+            </a:schemeClr>
+          </a:solidFill>
+          <a:ln>
+            <a:noFill/>
+          </a:ln>
+        </p:spPr>
+        <p:style>
+          <a:lnRef idx="2">
+            <a:schemeClr val="accent1">
+              <a:shade val="50000"/>
+            </a:schemeClr>
+          </a:lnRef>
+          <a:fillRef idx="1">
+            <a:schemeClr val="accent1"/>
+          </a:fillRef>
+          <a:effectRef idx="0">
+            <a:schemeClr val="accent1"/>
+          </a:effectRef>
+          <a:fontRef idx="minor">
+            <a:schemeClr val="lt1"/>
+          </a:fontRef>
+        </p:style>
+        <p:txBody>
+          <a:bodyPr rtlCol="0" anchor="ctr"/>
+          <a:lstStyle/>
+          <a:p>
+            <a:pPr algn="ctr"/>
+            <a:endParaRPr lang="en-US" dirty="0"/>
+          </a:p>
+        </p:txBody>
+      </p:sp>
+      <p:pic>
+        <p:nvPicPr>
+          <p:cNvPr id="7" name="Picture 6">
+            <a:extLst>
+              <a:ext uri="{FF2B5EF4-FFF2-40B4-BE49-F238E27FC236}">
+                <a16:creationId xmlns:a16="http://schemas.microsoft.com/office/drawing/2014/main" id="{CA136111-B0F2-45B4-B799-BED40C0E6C93}"/>
+              </a:ext>
+            </a:extLst>
+          </p:cNvPr>
+          <p:cNvPicPr>
+            <a:picLocks noChangeAspect="1"/>
+          </p:cNvPicPr>
+          <p:nvPr/>
+        </p:nvPicPr>
+        <p:blipFill>
+          <a:blip r:embed="rId2"/>
+          <a:stretch>
+            <a:fillRect/>
+          </a:stretch>
+        </p:blipFill>
+        <p:spPr>
+          <a:xfrm>
+            <a:off x="6986150" y="1311691"/>
+            <a:ext cx="5195664" cy="3457944"/>
+          </a:xfrm>
+          <a:prstGeom prst="rect">
+            <a:avLst/>
+          </a:prstGeom>
+        </p:spPr>
+      </p:pic>
+      <p:sp>
+        <p:nvSpPr>
+          <p:cNvPr id="30" name="Rectangle 24">
+            <a:extLst>
+              <a:ext uri="{FF2B5EF4-FFF2-40B4-BE49-F238E27FC236}">
+                <a16:creationId xmlns:a16="http://schemas.microsoft.com/office/drawing/2014/main" id="{5608A5E7-BD2D-419A-8079-3103083AB134}"/>
+              </a:ext>
+              <a:ext uri="{C183D7F6-B498-43B3-948B-1728B52AA6E4}">
+                <adec:decorative xmlns:adec="http://schemas.microsoft.com/office/drawing/2017/decorative" val="1"/>
+              </a:ext>
+            </a:extLst>
+          </p:cNvPr>
+          <p:cNvSpPr>
+            <a:spLocks noGrp="1" noRot="1" noChangeAspect="1" noMove="1" noResize="1" noEditPoints="1" noAdjustHandles="1" noChangeArrowheads="1" noChangeShapeType="1" noTextEdit="1"/>
+          </p:cNvSpPr>
+          <p:nvPr>
+            <p:extLst>
+              <p:ext uri="{386F3935-93C4-4BCD-93E2-E3B085C9AB24}">
+                <p16:designElem xmlns:p16="http://schemas.microsoft.com/office/powerpoint/2015/main" val="1"/>
+              </p:ext>
+            </p:extLst>
+          </p:nvPr>
+        </p:nvSpPr>
+        <p:spPr>
+          <a:xfrm>
+            <a:off x="1524" y="0"/>
+            <a:ext cx="12188952" cy="1295400"/>
+          </a:xfrm>
+          <a:prstGeom prst="rect">
+            <a:avLst/>
+          </a:prstGeom>
+          <a:blipFill dpi="0" rotWithShape="1">
+            <a:blip r:embed="rId3">
+              <a:alphaModFix amt="24000"/>
+              <a:duotone>
+                <a:schemeClr val="accent1">
+                  <a:shade val="45000"/>
+                  <a:satMod val="135000"/>
+                </a:schemeClr>
+                <a:prstClr val="white"/>
+              </a:duotone>
+            </a:blip>
+            <a:srcRect/>
+            <a:tile tx="889000" ty="0" sx="100000" sy="100000" flip="none" algn="tl"/>
+          </a:blipFill>
+          <a:ln>
+            <a:noFill/>
+          </a:ln>
+        </p:spPr>
+        <p:style>
+          <a:lnRef idx="2">
+            <a:schemeClr val="accent1">
+              <a:shade val="50000"/>
+            </a:schemeClr>
+          </a:lnRef>
+          <a:fillRef idx="1">
+            <a:schemeClr val="accent1"/>
+          </a:fillRef>
+          <a:effectRef idx="0">
+            <a:schemeClr val="accent1"/>
+          </a:effectRef>
+          <a:fontRef idx="minor">
+            <a:schemeClr val="lt1"/>
+          </a:fontRef>
+        </p:style>
+        <p:txBody>
+          <a:bodyPr rtlCol="0" anchor="ctr"/>
+          <a:lstStyle/>
+          <a:p>
+            <a:pPr algn="ctr"/>
+            <a:endParaRPr lang="en-US" dirty="0"/>
+          </a:p>
+        </p:txBody>
+      </p:sp>
+      <p:sp>
+        <p:nvSpPr>
+          <p:cNvPr id="2" name="Title 1">
+            <a:extLst>
+              <a:ext uri="{FF2B5EF4-FFF2-40B4-BE49-F238E27FC236}">
+                <a16:creationId xmlns:a16="http://schemas.microsoft.com/office/drawing/2014/main" id="{435A2D9F-DF11-409A-8AFF-42DD6CF6FD8A}"/>
+              </a:ext>
+            </a:extLst>
+          </p:cNvPr>
+          <p:cNvSpPr>
+            <a:spLocks noGrp="1"/>
+          </p:cNvSpPr>
+          <p:nvPr>
+            <p:ph type="title"/>
+          </p:nvPr>
+        </p:nvSpPr>
+        <p:spPr>
+          <a:xfrm>
+            <a:off x="493453" y="-457200"/>
+            <a:ext cx="9988166" cy="1752600"/>
+          </a:xfrm>
+        </p:spPr>
+        <p:txBody>
+          <a:bodyPr anchor="b">
+            <a:normAutofit/>
+          </a:bodyPr>
+          <a:lstStyle/>
+          <a:p>
+            <a:r>
+              <a:rPr lang="en-US" dirty="0"/>
+              <a:t>Range-based For Loop</a:t>
+            </a:r>
+          </a:p>
+        </p:txBody>
+      </p:sp>
+      <p:sp>
+        <p:nvSpPr>
+          <p:cNvPr id="26" name="TextBox 25">
+            <a:extLst>
+              <a:ext uri="{FF2B5EF4-FFF2-40B4-BE49-F238E27FC236}">
+                <a16:creationId xmlns:a16="http://schemas.microsoft.com/office/drawing/2014/main" id="{DE9DAED5-200A-4CC5-9401-DCF0B0447DFC}"/>
+              </a:ext>
+            </a:extLst>
+          </p:cNvPr>
+          <p:cNvSpPr txBox="1"/>
+          <p:nvPr/>
+        </p:nvSpPr>
+        <p:spPr>
+          <a:xfrm>
+            <a:off x="430349" y="1561491"/>
+            <a:ext cx="10987360" cy="4274440"/>
+          </a:xfrm>
+          <a:prstGeom prst="rect">
+            <a:avLst/>
+          </a:prstGeom>
+          <a:noFill/>
+        </p:spPr>
+        <p:txBody>
+          <a:bodyPr wrap="square">
+            <a:spAutoFit/>
+          </a:bodyPr>
+          <a:lstStyle/>
+          <a:p>
+            <a:pPr marL="228600" indent="-228600">
+              <a:lnSpc>
+                <a:spcPct val="110000"/>
+              </a:lnSpc>
+              <a:spcBef>
+                <a:spcPts val="1000"/>
+              </a:spcBef>
+              <a:buClr>
+                <a:schemeClr val="accent1"/>
+              </a:buClr>
+              <a:buFont typeface="Arial" panose="020B0604020202020204" pitchFamily="34" charset="0"/>
+              <a:buChar char="•"/>
+            </a:pPr>
+            <a:r>
+              <a:rPr lang="en-US" dirty="0"/>
+              <a:t>Execute loop body for each </a:t>
+            </a:r>
+            <a:r>
+              <a:rPr lang="en-US" i="1" dirty="0"/>
+              <a:t>element</a:t>
+            </a:r>
+            <a:r>
+              <a:rPr lang="en-US" dirty="0"/>
+              <a:t> inside </a:t>
+            </a:r>
+            <a:r>
+              <a:rPr lang="en-US" i="1" dirty="0"/>
+              <a:t>Range</a:t>
+            </a:r>
+          </a:p>
+          <a:p>
+            <a:pPr marL="228600" indent="-228600">
+              <a:lnSpc>
+                <a:spcPct val="110000"/>
+              </a:lnSpc>
+              <a:spcBef>
+                <a:spcPts val="1000"/>
+              </a:spcBef>
+              <a:buClr>
+                <a:schemeClr val="accent1"/>
+              </a:buClr>
+              <a:buFont typeface="Arial" panose="020B0604020202020204" pitchFamily="34" charset="0"/>
+              <a:buChar char="•"/>
+            </a:pPr>
+            <a:r>
+              <a:rPr lang="en-US" dirty="0"/>
+              <a:t>A </a:t>
+            </a:r>
+            <a:r>
+              <a:rPr lang="en-US" i="1" dirty="0"/>
+              <a:t>Range</a:t>
+            </a:r>
+            <a:r>
+              <a:rPr lang="en-US" dirty="0"/>
+              <a:t> is a sequence of elements, e.g., [1, 2, 3]</a:t>
+            </a:r>
+          </a:p>
+          <a:p>
+            <a:pPr marL="228600" indent="-228600">
+              <a:lnSpc>
+                <a:spcPct val="110000"/>
+              </a:lnSpc>
+              <a:spcBef>
+                <a:spcPts val="1000"/>
+              </a:spcBef>
+              <a:buClr>
+                <a:schemeClr val="accent1"/>
+              </a:buClr>
+              <a:buFont typeface="Arial" panose="020B0604020202020204" pitchFamily="34" charset="0"/>
+              <a:buChar char="•"/>
+            </a:pPr>
+            <a:endParaRPr lang="en-US" b="1" i="1" dirty="0"/>
+          </a:p>
+          <a:p>
+            <a:pPr marL="228600" indent="-228600">
+              <a:lnSpc>
+                <a:spcPct val="110000"/>
+              </a:lnSpc>
+              <a:spcBef>
+                <a:spcPts val="1000"/>
+              </a:spcBef>
+              <a:buClr>
+                <a:schemeClr val="accent1"/>
+              </a:buClr>
+              <a:buFont typeface="Arial" panose="020B0604020202020204" pitchFamily="34" charset="0"/>
+              <a:buChar char="•"/>
+            </a:pPr>
+            <a:endParaRPr lang="en-US" dirty="0"/>
+          </a:p>
+          <a:p>
+            <a:pPr marL="228600" indent="-228600">
+              <a:lnSpc>
+                <a:spcPct val="110000"/>
+              </a:lnSpc>
+              <a:spcBef>
+                <a:spcPts val="1000"/>
+              </a:spcBef>
+              <a:buClr>
+                <a:schemeClr val="accent1"/>
+              </a:buClr>
+              <a:buFont typeface="Arial" panose="020B0604020202020204" pitchFamily="34" charset="0"/>
+              <a:buChar char="•"/>
+            </a:pPr>
+            <a:endParaRPr lang="en-US" dirty="0"/>
+          </a:p>
+          <a:p>
+            <a:pPr marL="228600" indent="-228600">
+              <a:lnSpc>
+                <a:spcPct val="110000"/>
+              </a:lnSpc>
+              <a:spcBef>
+                <a:spcPts val="1000"/>
+              </a:spcBef>
+              <a:buClr>
+                <a:schemeClr val="accent1"/>
+              </a:buClr>
+              <a:buFont typeface="Arial" panose="020B0604020202020204" pitchFamily="34" charset="0"/>
+              <a:buChar char="•"/>
+            </a:pPr>
+            <a:endParaRPr lang="en-US" dirty="0"/>
+          </a:p>
+          <a:p>
+            <a:pPr marL="228600" indent="-228600">
+              <a:lnSpc>
+                <a:spcPct val="110000"/>
+              </a:lnSpc>
+              <a:spcBef>
+                <a:spcPts val="1000"/>
+              </a:spcBef>
+              <a:buClr>
+                <a:schemeClr val="accent1"/>
+              </a:buClr>
+              <a:buFont typeface="Arial" panose="020B0604020202020204" pitchFamily="34" charset="0"/>
+              <a:buChar char="•"/>
+            </a:pPr>
+            <a:endParaRPr lang="en-US" dirty="0"/>
+          </a:p>
+          <a:p>
+            <a:pPr marL="228600" indent="-228600">
+              <a:lnSpc>
+                <a:spcPct val="110000"/>
+              </a:lnSpc>
+              <a:spcBef>
+                <a:spcPts val="1000"/>
+              </a:spcBef>
+              <a:buClr>
+                <a:schemeClr val="accent1"/>
+              </a:buClr>
+              <a:buFont typeface="Arial" panose="020B0604020202020204" pitchFamily="34" charset="0"/>
+              <a:buChar char="•"/>
+            </a:pPr>
+            <a:endParaRPr lang="en-US" dirty="0"/>
+          </a:p>
+          <a:p>
+            <a:pPr marL="228600" indent="-228600">
+              <a:lnSpc>
+                <a:spcPct val="110000"/>
+              </a:lnSpc>
+              <a:spcBef>
+                <a:spcPts val="1000"/>
+              </a:spcBef>
+              <a:buClr>
+                <a:schemeClr val="accent1"/>
+              </a:buClr>
+              <a:buFont typeface="Arial" panose="020B0604020202020204" pitchFamily="34" charset="0"/>
+              <a:buChar char="•"/>
+            </a:pPr>
+            <a:endParaRPr lang="en-US" dirty="0"/>
+          </a:p>
+          <a:p>
+            <a:pPr marL="228600" indent="-228600">
+              <a:lnSpc>
+                <a:spcPct val="110000"/>
+              </a:lnSpc>
+              <a:spcBef>
+                <a:spcPts val="1000"/>
+              </a:spcBef>
+              <a:buClr>
+                <a:schemeClr val="accent1"/>
+              </a:buClr>
+              <a:buFont typeface="Arial" panose="020B0604020202020204" pitchFamily="34" charset="0"/>
+              <a:buChar char="•"/>
+            </a:pPr>
+            <a:endParaRPr lang="en-US" dirty="0"/>
+          </a:p>
+        </p:txBody>
+      </p:sp>
+      <p:grpSp>
+        <p:nvGrpSpPr>
+          <p:cNvPr id="32" name="Group 31">
+            <a:extLst>
+              <a:ext uri="{FF2B5EF4-FFF2-40B4-BE49-F238E27FC236}">
+                <a16:creationId xmlns:a16="http://schemas.microsoft.com/office/drawing/2014/main" id="{57F118AC-D309-4A90-B7A7-1765447CFC50}"/>
+              </a:ext>
+            </a:extLst>
+          </p:cNvPr>
+          <p:cNvGrpSpPr/>
+          <p:nvPr/>
+        </p:nvGrpSpPr>
+        <p:grpSpPr>
+          <a:xfrm>
+            <a:off x="6288277" y="3970813"/>
+            <a:ext cx="2506474" cy="369332"/>
+            <a:chOff x="6796579" y="2569060"/>
+            <a:chExt cx="2305305" cy="369332"/>
+          </a:xfrm>
+        </p:grpSpPr>
+        <p:cxnSp>
+          <p:nvCxnSpPr>
+            <p:cNvPr id="33" name="Straight Arrow Connector 32">
+              <a:extLst>
+                <a:ext uri="{FF2B5EF4-FFF2-40B4-BE49-F238E27FC236}">
+                  <a16:creationId xmlns:a16="http://schemas.microsoft.com/office/drawing/2014/main" id="{89B124DA-F18D-4BFB-8716-9D41C9AA3CEB}"/>
+                </a:ext>
+              </a:extLst>
+            </p:cNvPr>
+            <p:cNvCxnSpPr>
+              <a:cxnSpLocks/>
+            </p:cNvCxnSpPr>
+            <p:nvPr/>
+          </p:nvCxnSpPr>
+          <p:spPr>
+            <a:xfrm>
+              <a:off x="7488196" y="2775815"/>
+              <a:ext cx="844509" cy="1"/>
+            </a:xfrm>
+            <a:prstGeom prst="straightConnector1">
+              <a:avLst/>
+            </a:prstGeom>
+            <a:ln>
+              <a:solidFill>
+                <a:srgbClr val="C00000"/>
+              </a:solidFill>
+              <a:tailEnd type="triangle"/>
+            </a:ln>
+          </p:spPr>
+          <p:style>
+            <a:lnRef idx="3">
+              <a:schemeClr val="accent1"/>
+            </a:lnRef>
+            <a:fillRef idx="0">
+              <a:schemeClr val="accent1"/>
+            </a:fillRef>
+            <a:effectRef idx="2">
+              <a:schemeClr val="accent1"/>
+            </a:effectRef>
+            <a:fontRef idx="minor">
+              <a:schemeClr val="tx1"/>
+            </a:fontRef>
+          </p:style>
+        </p:cxnSp>
+        <p:sp>
+          <p:nvSpPr>
+            <p:cNvPr id="34" name="TextBox 33">
+              <a:extLst>
+                <a:ext uri="{FF2B5EF4-FFF2-40B4-BE49-F238E27FC236}">
+                  <a16:creationId xmlns:a16="http://schemas.microsoft.com/office/drawing/2014/main" id="{5BDB5AB5-162C-448C-9CF6-8E80C94AD8E0}"/>
+                </a:ext>
+              </a:extLst>
+            </p:cNvPr>
+            <p:cNvSpPr txBox="1"/>
+            <p:nvPr/>
+          </p:nvSpPr>
+          <p:spPr>
+            <a:xfrm>
+              <a:off x="6796579" y="2569060"/>
+              <a:ext cx="647934" cy="369332"/>
+            </a:xfrm>
+            <a:prstGeom prst="rect">
+              <a:avLst/>
+            </a:prstGeom>
+            <a:noFill/>
+          </p:spPr>
+          <p:txBody>
+            <a:bodyPr wrap="none" rtlCol="0">
+              <a:spAutoFit/>
+            </a:bodyPr>
+            <a:lstStyle/>
+            <a:p>
+              <a:r>
+                <a:rPr lang="en-US" dirty="0"/>
+                <a:t>type</a:t>
+              </a:r>
+            </a:p>
+          </p:txBody>
+        </p:sp>
+        <p:sp>
+          <p:nvSpPr>
+            <p:cNvPr id="35" name="Rectangle 34">
+              <a:extLst>
+                <a:ext uri="{FF2B5EF4-FFF2-40B4-BE49-F238E27FC236}">
+                  <a16:creationId xmlns:a16="http://schemas.microsoft.com/office/drawing/2014/main" id="{4C5B0025-B8BE-47CA-9B91-907D16BF3457}"/>
+                </a:ext>
+              </a:extLst>
+            </p:cNvPr>
+            <p:cNvSpPr/>
+            <p:nvPr/>
+          </p:nvSpPr>
+          <p:spPr>
+            <a:xfrm>
+              <a:off x="8376388" y="2654381"/>
+              <a:ext cx="725496" cy="215819"/>
+            </a:xfrm>
+            <a:prstGeom prst="rect">
+              <a:avLst/>
+            </a:prstGeom>
+            <a:noFill/>
+            <a:ln>
+              <a:solidFill>
+                <a:srgbClr val="C00000"/>
+              </a:solidFill>
+            </a:ln>
+          </p:spPr>
+          <p:style>
+            <a:lnRef idx="2">
+              <a:schemeClr val="accent1">
+                <a:shade val="50000"/>
+              </a:schemeClr>
+            </a:lnRef>
+            <a:fillRef idx="1">
+              <a:schemeClr val="accent1"/>
+            </a:fillRef>
+            <a:effectRef idx="0">
+              <a:schemeClr val="accent1"/>
+            </a:effectRef>
+            <a:fontRef idx="minor">
+              <a:schemeClr val="lt1"/>
+            </a:fontRef>
+          </p:style>
+          <p:txBody>
+            <a:bodyPr rtlCol="0" anchor="ctr"/>
+            <a:lstStyle/>
+            <a:p>
+              <a:pPr algn="ctr"/>
+              <a:endParaRPr lang="en-US"/>
+            </a:p>
+          </p:txBody>
+        </p:sp>
+      </p:grpSp>
+      <p:grpSp>
+        <p:nvGrpSpPr>
+          <p:cNvPr id="67" name="Group 66">
+            <a:extLst>
+              <a:ext uri="{FF2B5EF4-FFF2-40B4-BE49-F238E27FC236}">
+                <a16:creationId xmlns:a16="http://schemas.microsoft.com/office/drawing/2014/main" id="{41160E82-D8A8-4883-949D-879E11A530C2}"/>
+              </a:ext>
+            </a:extLst>
+          </p:cNvPr>
+          <p:cNvGrpSpPr/>
+          <p:nvPr/>
+        </p:nvGrpSpPr>
+        <p:grpSpPr>
+          <a:xfrm>
+            <a:off x="5303111" y="4328702"/>
+            <a:ext cx="4983889" cy="369332"/>
+            <a:chOff x="5209306" y="2573857"/>
+            <a:chExt cx="4983889" cy="369332"/>
+          </a:xfrm>
+        </p:grpSpPr>
+        <p:cxnSp>
+          <p:nvCxnSpPr>
+            <p:cNvPr id="68" name="Straight Arrow Connector 67">
+              <a:extLst>
+                <a:ext uri="{FF2B5EF4-FFF2-40B4-BE49-F238E27FC236}">
+                  <a16:creationId xmlns:a16="http://schemas.microsoft.com/office/drawing/2014/main" id="{C9ACCAE7-2E55-4779-9D36-356030720385}"/>
+                </a:ext>
+              </a:extLst>
+            </p:cNvPr>
+            <p:cNvCxnSpPr>
+              <a:cxnSpLocks/>
+            </p:cNvCxnSpPr>
+            <p:nvPr/>
+          </p:nvCxnSpPr>
+          <p:spPr>
+            <a:xfrm flipV="1">
+              <a:off x="6437395" y="2773506"/>
+              <a:ext cx="3127150" cy="2310"/>
+            </a:xfrm>
+            <a:prstGeom prst="straightConnector1">
+              <a:avLst/>
+            </a:prstGeom>
+            <a:ln>
+              <a:solidFill>
+                <a:srgbClr val="C00000"/>
+              </a:solidFill>
+              <a:tailEnd type="triangle"/>
+            </a:ln>
+          </p:spPr>
+          <p:style>
+            <a:lnRef idx="3">
+              <a:schemeClr val="accent1"/>
+            </a:lnRef>
+            <a:fillRef idx="0">
+              <a:schemeClr val="accent1"/>
+            </a:fillRef>
+            <a:effectRef idx="2">
+              <a:schemeClr val="accent1"/>
+            </a:effectRef>
+            <a:fontRef idx="minor">
+              <a:schemeClr val="tx1"/>
+            </a:fontRef>
+          </p:style>
+        </p:cxnSp>
+        <p:sp>
+          <p:nvSpPr>
+            <p:cNvPr id="69" name="TextBox 68">
+              <a:extLst>
+                <a:ext uri="{FF2B5EF4-FFF2-40B4-BE49-F238E27FC236}">
+                  <a16:creationId xmlns:a16="http://schemas.microsoft.com/office/drawing/2014/main" id="{32EEAA40-F1C2-4AE1-8C2D-ED629C77E834}"/>
+                </a:ext>
+              </a:extLst>
+            </p:cNvPr>
+            <p:cNvSpPr txBox="1"/>
+            <p:nvPr/>
+          </p:nvSpPr>
+          <p:spPr>
+            <a:xfrm>
+              <a:off x="5209306" y="2573857"/>
+              <a:ext cx="2366353" cy="369332"/>
+            </a:xfrm>
+            <a:prstGeom prst="rect">
+              <a:avLst/>
+            </a:prstGeom>
+            <a:noFill/>
+          </p:spPr>
+          <p:txBody>
+            <a:bodyPr wrap="square" rtlCol="0">
+              <a:spAutoFit/>
+            </a:bodyPr>
+            <a:lstStyle/>
+            <a:p>
+              <a:r>
+                <a:rPr lang="en-US" dirty="0"/>
+                <a:t>Use element</a:t>
+              </a:r>
+            </a:p>
+          </p:txBody>
+        </p:sp>
+        <p:sp>
+          <p:nvSpPr>
+            <p:cNvPr id="70" name="Rectangle 69">
+              <a:extLst>
+                <a:ext uri="{FF2B5EF4-FFF2-40B4-BE49-F238E27FC236}">
+                  <a16:creationId xmlns:a16="http://schemas.microsoft.com/office/drawing/2014/main" id="{318C8DD8-0746-4B80-8570-27E6B7B500BD}"/>
+                </a:ext>
+              </a:extLst>
+            </p:cNvPr>
+            <p:cNvSpPr/>
+            <p:nvPr/>
+          </p:nvSpPr>
+          <p:spPr>
+            <a:xfrm>
+              <a:off x="9621695" y="2656846"/>
+              <a:ext cx="571500" cy="215819"/>
+            </a:xfrm>
+            <a:prstGeom prst="rect">
+              <a:avLst/>
+            </a:prstGeom>
+            <a:noFill/>
+            <a:ln>
+              <a:solidFill>
+                <a:srgbClr val="C00000"/>
+              </a:solidFill>
+            </a:ln>
+          </p:spPr>
+          <p:style>
+            <a:lnRef idx="2">
+              <a:schemeClr val="accent1">
+                <a:shade val="50000"/>
+              </a:schemeClr>
+            </a:lnRef>
+            <a:fillRef idx="1">
+              <a:schemeClr val="accent1"/>
+            </a:fillRef>
+            <a:effectRef idx="0">
+              <a:schemeClr val="accent1"/>
+            </a:effectRef>
+            <a:fontRef idx="minor">
+              <a:schemeClr val="lt1"/>
+            </a:fontRef>
+          </p:style>
+          <p:txBody>
+            <a:bodyPr rtlCol="0" anchor="ctr"/>
+            <a:lstStyle/>
+            <a:p>
+              <a:pPr algn="ctr"/>
+              <a:endParaRPr lang="en-US"/>
+            </a:p>
+          </p:txBody>
+        </p:sp>
+      </p:grpSp>
+      <p:grpSp>
+        <p:nvGrpSpPr>
+          <p:cNvPr id="53" name="Group 52">
+            <a:extLst>
+              <a:ext uri="{FF2B5EF4-FFF2-40B4-BE49-F238E27FC236}">
+                <a16:creationId xmlns:a16="http://schemas.microsoft.com/office/drawing/2014/main" id="{86A7A573-7AFB-4C16-923C-E932CC6AB3C6}"/>
+              </a:ext>
+            </a:extLst>
+          </p:cNvPr>
+          <p:cNvGrpSpPr/>
+          <p:nvPr/>
+        </p:nvGrpSpPr>
+        <p:grpSpPr>
+          <a:xfrm>
+            <a:off x="5101855" y="3982194"/>
+            <a:ext cx="4471006" cy="369332"/>
+            <a:chOff x="6796579" y="2569060"/>
+            <a:chExt cx="4471006" cy="369332"/>
+          </a:xfrm>
+        </p:grpSpPr>
+        <p:cxnSp>
+          <p:nvCxnSpPr>
+            <p:cNvPr id="55" name="Straight Arrow Connector 54">
+              <a:extLst>
+                <a:ext uri="{FF2B5EF4-FFF2-40B4-BE49-F238E27FC236}">
+                  <a16:creationId xmlns:a16="http://schemas.microsoft.com/office/drawing/2014/main" id="{15ADF351-98B8-4E74-B46A-265FBF988233}"/>
+                </a:ext>
+              </a:extLst>
+            </p:cNvPr>
+            <p:cNvCxnSpPr>
+              <a:cxnSpLocks/>
+            </p:cNvCxnSpPr>
+            <p:nvPr/>
+          </p:nvCxnSpPr>
+          <p:spPr>
+            <a:xfrm>
+              <a:off x="8729669" y="2765784"/>
+              <a:ext cx="1712200" cy="0"/>
+            </a:xfrm>
+            <a:prstGeom prst="straightConnector1">
+              <a:avLst/>
+            </a:prstGeom>
+            <a:ln>
+              <a:solidFill>
+                <a:srgbClr val="C00000"/>
+              </a:solidFill>
+              <a:tailEnd type="triangle"/>
+            </a:ln>
+          </p:spPr>
+          <p:style>
+            <a:lnRef idx="3">
+              <a:schemeClr val="accent1"/>
+            </a:lnRef>
+            <a:fillRef idx="0">
+              <a:schemeClr val="accent1"/>
+            </a:fillRef>
+            <a:effectRef idx="2">
+              <a:schemeClr val="accent1"/>
+            </a:effectRef>
+            <a:fontRef idx="minor">
+              <a:schemeClr val="tx1"/>
+            </a:fontRef>
+          </p:style>
+        </p:cxnSp>
+        <p:sp>
+          <p:nvSpPr>
+            <p:cNvPr id="56" name="TextBox 55">
+              <a:extLst>
+                <a:ext uri="{FF2B5EF4-FFF2-40B4-BE49-F238E27FC236}">
+                  <a16:creationId xmlns:a16="http://schemas.microsoft.com/office/drawing/2014/main" id="{6F2CA034-009C-443E-8AFB-09A068C59B42}"/>
+                </a:ext>
+              </a:extLst>
+            </p:cNvPr>
+            <p:cNvSpPr txBox="1"/>
+            <p:nvPr/>
+          </p:nvSpPr>
+          <p:spPr>
+            <a:xfrm>
+              <a:off x="6796579" y="2569060"/>
+              <a:ext cx="1943161" cy="369332"/>
+            </a:xfrm>
+            <a:prstGeom prst="rect">
+              <a:avLst/>
+            </a:prstGeom>
+            <a:noFill/>
+          </p:spPr>
+          <p:txBody>
+            <a:bodyPr wrap="none" rtlCol="0">
+              <a:spAutoFit/>
+            </a:bodyPr>
+            <a:lstStyle/>
+            <a:p>
+              <a:r>
+                <a:rPr lang="en-US" dirty="0"/>
+                <a:t>element variable</a:t>
+              </a:r>
+            </a:p>
+          </p:txBody>
+        </p:sp>
+        <p:sp>
+          <p:nvSpPr>
+            <p:cNvPr id="57" name="Rectangle 56">
+              <a:extLst>
+                <a:ext uri="{FF2B5EF4-FFF2-40B4-BE49-F238E27FC236}">
+                  <a16:creationId xmlns:a16="http://schemas.microsoft.com/office/drawing/2014/main" id="{481C6498-0E8C-4B47-9F3F-39A325AF5328}"/>
+                </a:ext>
+              </a:extLst>
+            </p:cNvPr>
+            <p:cNvSpPr/>
+            <p:nvPr/>
+          </p:nvSpPr>
+          <p:spPr>
+            <a:xfrm>
+              <a:off x="10498407" y="2645816"/>
+              <a:ext cx="769178" cy="215819"/>
+            </a:xfrm>
+            <a:prstGeom prst="rect">
+              <a:avLst/>
+            </a:prstGeom>
+            <a:noFill/>
+            <a:ln>
+              <a:solidFill>
+                <a:srgbClr val="C00000"/>
+              </a:solidFill>
+            </a:ln>
+          </p:spPr>
+          <p:style>
+            <a:lnRef idx="2">
+              <a:schemeClr val="accent1">
+                <a:shade val="50000"/>
+              </a:schemeClr>
+            </a:lnRef>
+            <a:fillRef idx="1">
+              <a:schemeClr val="accent1"/>
+            </a:fillRef>
+            <a:effectRef idx="0">
+              <a:schemeClr val="accent1"/>
+            </a:effectRef>
+            <a:fontRef idx="minor">
+              <a:schemeClr val="lt1"/>
+            </a:fontRef>
+          </p:style>
+          <p:txBody>
+            <a:bodyPr rtlCol="0" anchor="ctr"/>
+            <a:lstStyle/>
+            <a:p>
+              <a:pPr algn="ctr"/>
+              <a:endParaRPr lang="en-US"/>
+            </a:p>
+          </p:txBody>
+        </p:sp>
+      </p:grpSp>
+      <p:grpSp>
+        <p:nvGrpSpPr>
+          <p:cNvPr id="58" name="Group 57">
+            <a:extLst>
+              <a:ext uri="{FF2B5EF4-FFF2-40B4-BE49-F238E27FC236}">
+                <a16:creationId xmlns:a16="http://schemas.microsoft.com/office/drawing/2014/main" id="{3995D606-5D41-4531-B416-F8639E5962DC}"/>
+              </a:ext>
+            </a:extLst>
+          </p:cNvPr>
+          <p:cNvGrpSpPr/>
+          <p:nvPr/>
+        </p:nvGrpSpPr>
+        <p:grpSpPr>
+          <a:xfrm>
+            <a:off x="5762411" y="3942535"/>
+            <a:ext cx="4583050" cy="369332"/>
+            <a:chOff x="7485676" y="2562908"/>
+            <a:chExt cx="4583050" cy="369332"/>
+          </a:xfrm>
+        </p:grpSpPr>
+        <p:cxnSp>
+          <p:nvCxnSpPr>
+            <p:cNvPr id="59" name="Straight Arrow Connector 58">
+              <a:extLst>
+                <a:ext uri="{FF2B5EF4-FFF2-40B4-BE49-F238E27FC236}">
+                  <a16:creationId xmlns:a16="http://schemas.microsoft.com/office/drawing/2014/main" id="{2088BD9B-A4E0-4D47-A912-F3E99C3F1BAC}"/>
+                </a:ext>
+              </a:extLst>
+            </p:cNvPr>
+            <p:cNvCxnSpPr>
+              <a:cxnSpLocks/>
+            </p:cNvCxnSpPr>
+            <p:nvPr/>
+          </p:nvCxnSpPr>
+          <p:spPr>
+            <a:xfrm>
+              <a:off x="8729669" y="2765784"/>
+              <a:ext cx="2543314" cy="0"/>
+            </a:xfrm>
+            <a:prstGeom prst="straightConnector1">
+              <a:avLst/>
+            </a:prstGeom>
+            <a:ln>
+              <a:solidFill>
+                <a:srgbClr val="C00000"/>
+              </a:solidFill>
+              <a:tailEnd type="triangle"/>
+            </a:ln>
+          </p:spPr>
+          <p:style>
+            <a:lnRef idx="3">
+              <a:schemeClr val="accent1"/>
+            </a:lnRef>
+            <a:fillRef idx="0">
+              <a:schemeClr val="accent1"/>
+            </a:fillRef>
+            <a:effectRef idx="2">
+              <a:schemeClr val="accent1"/>
+            </a:effectRef>
+            <a:fontRef idx="minor">
+              <a:schemeClr val="tx1"/>
+            </a:fontRef>
+          </p:style>
+        </p:cxnSp>
+        <p:sp>
+          <p:nvSpPr>
+            <p:cNvPr id="60" name="TextBox 59">
+              <a:extLst>
+                <a:ext uri="{FF2B5EF4-FFF2-40B4-BE49-F238E27FC236}">
+                  <a16:creationId xmlns:a16="http://schemas.microsoft.com/office/drawing/2014/main" id="{1897FEDA-C582-4545-B6AC-0D87F6E9F8C5}"/>
+                </a:ext>
+              </a:extLst>
+            </p:cNvPr>
+            <p:cNvSpPr txBox="1"/>
+            <p:nvPr/>
+          </p:nvSpPr>
+          <p:spPr>
+            <a:xfrm>
+              <a:off x="7485676" y="2562908"/>
+              <a:ext cx="1287917" cy="369332"/>
+            </a:xfrm>
+            <a:prstGeom prst="rect">
+              <a:avLst/>
+            </a:prstGeom>
+            <a:noFill/>
+          </p:spPr>
+          <p:txBody>
+            <a:bodyPr wrap="none" rtlCol="0">
+              <a:spAutoFit/>
+            </a:bodyPr>
+            <a:lstStyle/>
+            <a:p>
+              <a:r>
+                <a:rPr lang="en-US" dirty="0"/>
+                <a:t>range (list)</a:t>
+              </a:r>
+            </a:p>
+          </p:txBody>
+        </p:sp>
+        <p:sp>
+          <p:nvSpPr>
+            <p:cNvPr id="61" name="Rectangle 60">
+              <a:extLst>
+                <a:ext uri="{FF2B5EF4-FFF2-40B4-BE49-F238E27FC236}">
+                  <a16:creationId xmlns:a16="http://schemas.microsoft.com/office/drawing/2014/main" id="{F0884516-0D8A-4796-A212-9E964199C41A}"/>
+                </a:ext>
+              </a:extLst>
+            </p:cNvPr>
+            <p:cNvSpPr/>
+            <p:nvPr/>
+          </p:nvSpPr>
+          <p:spPr>
+            <a:xfrm>
+              <a:off x="11299548" y="2670012"/>
+              <a:ext cx="769178" cy="215819"/>
+            </a:xfrm>
+            <a:prstGeom prst="rect">
+              <a:avLst/>
+            </a:prstGeom>
+            <a:noFill/>
+            <a:ln>
+              <a:solidFill>
+                <a:srgbClr val="C00000"/>
+              </a:solidFill>
+            </a:ln>
+          </p:spPr>
+          <p:style>
+            <a:lnRef idx="2">
+              <a:schemeClr val="accent1">
+                <a:shade val="50000"/>
+              </a:schemeClr>
+            </a:lnRef>
+            <a:fillRef idx="1">
+              <a:schemeClr val="accent1"/>
+            </a:fillRef>
+            <a:effectRef idx="0">
+              <a:schemeClr val="accent1"/>
+            </a:effectRef>
+            <a:fontRef idx="minor">
+              <a:schemeClr val="lt1"/>
+            </a:fontRef>
+          </p:style>
+          <p:txBody>
+            <a:bodyPr rtlCol="0" anchor="ctr"/>
+            <a:lstStyle/>
+            <a:p>
+              <a:pPr algn="ctr"/>
+              <a:endParaRPr lang="en-US"/>
+            </a:p>
+          </p:txBody>
+        </p:sp>
+      </p:grpSp>
+      <p:grpSp>
+        <p:nvGrpSpPr>
+          <p:cNvPr id="20" name="Group 19">
+            <a:extLst>
+              <a:ext uri="{FF2B5EF4-FFF2-40B4-BE49-F238E27FC236}">
+                <a16:creationId xmlns:a16="http://schemas.microsoft.com/office/drawing/2014/main" id="{CE271E8F-DA28-4761-B8FF-109C636D54BD}"/>
+              </a:ext>
+            </a:extLst>
+          </p:cNvPr>
+          <p:cNvGrpSpPr/>
+          <p:nvPr/>
+        </p:nvGrpSpPr>
+        <p:grpSpPr>
+          <a:xfrm>
+            <a:off x="1582640" y="4924007"/>
+            <a:ext cx="5521650" cy="1835109"/>
+            <a:chOff x="1118864" y="4960927"/>
+            <a:chExt cx="5521650" cy="1835109"/>
+          </a:xfrm>
+        </p:grpSpPr>
+        <p:sp>
+          <p:nvSpPr>
+            <p:cNvPr id="50" name="TextBox 49">
+              <a:extLst>
+                <a:ext uri="{FF2B5EF4-FFF2-40B4-BE49-F238E27FC236}">
+                  <a16:creationId xmlns:a16="http://schemas.microsoft.com/office/drawing/2014/main" id="{81874DC5-CE93-4AC2-B623-D4969528C697}"/>
+                </a:ext>
+              </a:extLst>
+            </p:cNvPr>
+            <p:cNvSpPr txBox="1"/>
+            <p:nvPr/>
+          </p:nvSpPr>
+          <p:spPr>
+            <a:xfrm>
+              <a:off x="1118864" y="5762059"/>
+              <a:ext cx="2935034" cy="369332"/>
+            </a:xfrm>
+            <a:prstGeom prst="rect">
+              <a:avLst/>
+            </a:prstGeom>
+            <a:noFill/>
+          </p:spPr>
+          <p:txBody>
+            <a:bodyPr wrap="none" rtlCol="0">
+              <a:spAutoFit/>
+            </a:bodyPr>
+            <a:lstStyle/>
+            <a:p>
+              <a:r>
+                <a:rPr lang="en-US" dirty="0"/>
+                <a:t>Example Program Output:</a:t>
+              </a:r>
+            </a:p>
+          </p:txBody>
+        </p:sp>
+        <p:pic>
+          <p:nvPicPr>
+            <p:cNvPr id="19" name="Picture 18">
+              <a:extLst>
+                <a:ext uri="{FF2B5EF4-FFF2-40B4-BE49-F238E27FC236}">
+                  <a16:creationId xmlns:a16="http://schemas.microsoft.com/office/drawing/2014/main" id="{52D839FE-158F-435A-A34B-26665478CF73}"/>
+                </a:ext>
+              </a:extLst>
+            </p:cNvPr>
+            <p:cNvPicPr>
+              <a:picLocks noChangeAspect="1"/>
+            </p:cNvPicPr>
+            <p:nvPr/>
+          </p:nvPicPr>
+          <p:blipFill>
+            <a:blip r:embed="rId4"/>
+            <a:stretch>
+              <a:fillRect/>
+            </a:stretch>
+          </p:blipFill>
+          <p:spPr>
+            <a:xfrm>
+              <a:off x="4257832" y="4960927"/>
+              <a:ext cx="2382682" cy="1835109"/>
+            </a:xfrm>
+            <a:prstGeom prst="rect">
+              <a:avLst/>
+            </a:prstGeom>
+          </p:spPr>
+        </p:pic>
+      </p:grpSp>
+      <p:grpSp>
+        <p:nvGrpSpPr>
+          <p:cNvPr id="106" name="Group 105">
+            <a:extLst>
+              <a:ext uri="{FF2B5EF4-FFF2-40B4-BE49-F238E27FC236}">
+                <a16:creationId xmlns:a16="http://schemas.microsoft.com/office/drawing/2014/main" id="{761B77A1-F5CF-4649-81E0-418858930F73}"/>
+              </a:ext>
+            </a:extLst>
+          </p:cNvPr>
+          <p:cNvGrpSpPr/>
+          <p:nvPr/>
+        </p:nvGrpSpPr>
+        <p:grpSpPr>
+          <a:xfrm>
+            <a:off x="807243" y="2545409"/>
+            <a:ext cx="3042935" cy="2548890"/>
+            <a:chOff x="819561" y="2208859"/>
+            <a:chExt cx="3042935" cy="2548890"/>
+          </a:xfrm>
+        </p:grpSpPr>
+        <p:sp>
+          <p:nvSpPr>
+            <p:cNvPr id="72" name="Rectangle 71">
+              <a:extLst>
+                <a:ext uri="{FF2B5EF4-FFF2-40B4-BE49-F238E27FC236}">
+                  <a16:creationId xmlns:a16="http://schemas.microsoft.com/office/drawing/2014/main" id="{9A258E18-1AFB-4927-8ACA-90EB141440FF}"/>
+                </a:ext>
+              </a:extLst>
+            </p:cNvPr>
+            <p:cNvSpPr/>
+            <p:nvPr/>
+          </p:nvSpPr>
+          <p:spPr>
+            <a:xfrm>
+              <a:off x="2711664" y="2757487"/>
+              <a:ext cx="1147368" cy="576596"/>
+            </a:xfrm>
+            <a:prstGeom prst="rect">
+              <a:avLst/>
+            </a:prstGeom>
+            <a:solidFill>
+              <a:srgbClr val="0D62AF"/>
+            </a:solidFill>
+          </p:spPr>
+          <p:style>
+            <a:lnRef idx="2">
+              <a:schemeClr val="accent1">
+                <a:shade val="50000"/>
+              </a:schemeClr>
+            </a:lnRef>
+            <a:fillRef idx="1">
+              <a:schemeClr val="accent1"/>
+            </a:fillRef>
+            <a:effectRef idx="0">
+              <a:schemeClr val="accent1"/>
+            </a:effectRef>
+            <a:fontRef idx="minor">
+              <a:schemeClr val="lt1"/>
+            </a:fontRef>
+          </p:style>
+          <p:txBody>
+            <a:bodyPr rtlCol="0" anchor="ctr"/>
+            <a:lstStyle/>
+            <a:p>
+              <a:pPr algn="ctr"/>
+              <a:r>
+                <a:rPr lang="en-US" sz="1600" dirty="0"/>
+                <a:t>Loop Body</a:t>
+              </a:r>
+            </a:p>
+          </p:txBody>
+        </p:sp>
+        <p:sp>
+          <p:nvSpPr>
+            <p:cNvPr id="79" name="Oval 78">
+              <a:extLst>
+                <a:ext uri="{FF2B5EF4-FFF2-40B4-BE49-F238E27FC236}">
+                  <a16:creationId xmlns:a16="http://schemas.microsoft.com/office/drawing/2014/main" id="{5EA1313D-94D7-40CC-ACA1-D6895AA1E3D8}"/>
+                </a:ext>
+              </a:extLst>
+            </p:cNvPr>
+            <p:cNvSpPr/>
+            <p:nvPr/>
+          </p:nvSpPr>
+          <p:spPr>
+            <a:xfrm>
+              <a:off x="1023847" y="4298952"/>
+              <a:ext cx="739674" cy="458797"/>
+            </a:xfrm>
+            <a:prstGeom prst="ellipse">
+              <a:avLst/>
+            </a:prstGeom>
+            <a:solidFill>
+              <a:srgbClr val="0D62AF"/>
+            </a:solidFill>
+          </p:spPr>
+          <p:style>
+            <a:lnRef idx="2">
+              <a:schemeClr val="accent1">
+                <a:shade val="50000"/>
+              </a:schemeClr>
+            </a:lnRef>
+            <a:fillRef idx="1">
+              <a:schemeClr val="accent1"/>
+            </a:fillRef>
+            <a:effectRef idx="0">
+              <a:schemeClr val="accent1"/>
+            </a:effectRef>
+            <a:fontRef idx="minor">
+              <a:schemeClr val="lt1"/>
+            </a:fontRef>
+          </p:style>
+          <p:txBody>
+            <a:bodyPr lIns="0" tIns="0" rIns="0" bIns="0" rtlCol="0" anchor="ctr"/>
+            <a:lstStyle/>
+            <a:p>
+              <a:pPr algn="ctr"/>
+              <a:r>
+                <a:rPr lang="en-US" dirty="0"/>
+                <a:t>End</a:t>
+              </a:r>
+            </a:p>
+          </p:txBody>
+        </p:sp>
+        <p:sp>
+          <p:nvSpPr>
+            <p:cNvPr id="81" name="Oval 80">
+              <a:extLst>
+                <a:ext uri="{FF2B5EF4-FFF2-40B4-BE49-F238E27FC236}">
+                  <a16:creationId xmlns:a16="http://schemas.microsoft.com/office/drawing/2014/main" id="{A0CEAC53-092B-4584-B5CF-8F80DC1E682F}"/>
+                </a:ext>
+              </a:extLst>
+            </p:cNvPr>
+            <p:cNvSpPr/>
+            <p:nvPr/>
+          </p:nvSpPr>
+          <p:spPr>
+            <a:xfrm>
+              <a:off x="1029759" y="2208859"/>
+              <a:ext cx="739674" cy="458797"/>
+            </a:xfrm>
+            <a:prstGeom prst="ellipse">
+              <a:avLst/>
+            </a:prstGeom>
+            <a:solidFill>
+              <a:srgbClr val="0D62AF"/>
+            </a:solidFill>
+          </p:spPr>
+          <p:style>
+            <a:lnRef idx="2">
+              <a:schemeClr val="accent1">
+                <a:shade val="50000"/>
+              </a:schemeClr>
+            </a:lnRef>
+            <a:fillRef idx="1">
+              <a:schemeClr val="accent1"/>
+            </a:fillRef>
+            <a:effectRef idx="0">
+              <a:schemeClr val="accent1"/>
+            </a:effectRef>
+            <a:fontRef idx="minor">
+              <a:schemeClr val="lt1"/>
+            </a:fontRef>
+          </p:style>
+          <p:txBody>
+            <a:bodyPr lIns="0" tIns="0" rIns="0" bIns="0" rtlCol="0" anchor="ctr"/>
+            <a:lstStyle/>
+            <a:p>
+              <a:pPr algn="ctr"/>
+              <a:r>
+                <a:rPr lang="en-US" dirty="0"/>
+                <a:t>Start</a:t>
+              </a:r>
+            </a:p>
+          </p:txBody>
+        </p:sp>
+        <p:cxnSp>
+          <p:nvCxnSpPr>
+            <p:cNvPr id="82" name="Connector: Elbow 81">
+              <a:extLst>
+                <a:ext uri="{FF2B5EF4-FFF2-40B4-BE49-F238E27FC236}">
+                  <a16:creationId xmlns:a16="http://schemas.microsoft.com/office/drawing/2014/main" id="{60D68D86-FBFB-4694-AABD-746F8323CD0C}"/>
+                </a:ext>
+              </a:extLst>
+            </p:cNvPr>
+            <p:cNvCxnSpPr>
+              <a:cxnSpLocks/>
+            </p:cNvCxnSpPr>
+            <p:nvPr/>
+          </p:nvCxnSpPr>
+          <p:spPr>
+            <a:xfrm rot="5400000">
+              <a:off x="1278718" y="2776537"/>
+              <a:ext cx="229055" cy="1"/>
+            </a:xfrm>
+            <a:prstGeom prst="bentConnector3">
+              <a:avLst>
+                <a:gd name="adj1" fmla="val 50000"/>
+              </a:avLst>
+            </a:prstGeom>
+            <a:ln w="28575">
+              <a:solidFill>
+                <a:srgbClr val="0D62AF"/>
+              </a:solidFill>
+              <a:headEnd type="none" w="med" len="med"/>
+              <a:tailEnd type="triangle" w="med" len="med"/>
+            </a:ln>
+          </p:spPr>
+          <p:style>
+            <a:lnRef idx="1">
+              <a:schemeClr val="accent1"/>
+            </a:lnRef>
+            <a:fillRef idx="0">
+              <a:schemeClr val="accent1"/>
+            </a:fillRef>
+            <a:effectRef idx="0">
+              <a:schemeClr val="accent1"/>
+            </a:effectRef>
+            <a:fontRef idx="minor">
+              <a:schemeClr val="tx1"/>
+            </a:fontRef>
+          </p:style>
+        </p:cxnSp>
+        <p:sp>
+          <p:nvSpPr>
+            <p:cNvPr id="83" name="Flowchart: Alternate Process 82">
+              <a:extLst>
+                <a:ext uri="{FF2B5EF4-FFF2-40B4-BE49-F238E27FC236}">
+                  <a16:creationId xmlns:a16="http://schemas.microsoft.com/office/drawing/2014/main" id="{ACA42C1D-FDFA-46AD-ABDB-348F65C5E6CA}"/>
+                </a:ext>
+              </a:extLst>
+            </p:cNvPr>
+            <p:cNvSpPr/>
+            <p:nvPr/>
+          </p:nvSpPr>
+          <p:spPr>
+            <a:xfrm>
+              <a:off x="819561" y="2874225"/>
+              <a:ext cx="1147368" cy="341947"/>
+            </a:xfrm>
+            <a:prstGeom prst="flowChartAlternateProcess">
+              <a:avLst/>
+            </a:prstGeom>
+            <a:solidFill>
+              <a:srgbClr val="0D62AF"/>
+            </a:solidFill>
+          </p:spPr>
+          <p:style>
+            <a:lnRef idx="2">
+              <a:schemeClr val="accent1">
+                <a:shade val="50000"/>
+              </a:schemeClr>
+            </a:lnRef>
+            <a:fillRef idx="1">
+              <a:schemeClr val="accent1"/>
+            </a:fillRef>
+            <a:effectRef idx="0">
+              <a:schemeClr val="accent1"/>
+            </a:effectRef>
+            <a:fontRef idx="minor">
+              <a:schemeClr val="lt1"/>
+            </a:fontRef>
+          </p:style>
+          <p:txBody>
+            <a:bodyPr lIns="0" tIns="0" rIns="0" bIns="0" rtlCol="0" anchor="ctr"/>
+            <a:lstStyle/>
+            <a:p>
+              <a:pPr algn="ctr"/>
+              <a:r>
+                <a:rPr lang="en-US" sz="1600" dirty="0"/>
+                <a:t>Range</a:t>
+              </a:r>
+            </a:p>
+          </p:txBody>
+        </p:sp>
+        <p:sp>
+          <p:nvSpPr>
+            <p:cNvPr id="88" name="Flowchart: Alternate Process 87">
+              <a:extLst>
+                <a:ext uri="{FF2B5EF4-FFF2-40B4-BE49-F238E27FC236}">
+                  <a16:creationId xmlns:a16="http://schemas.microsoft.com/office/drawing/2014/main" id="{A20C7B3D-046B-4AED-84E3-57B102CB872E}"/>
+                </a:ext>
+              </a:extLst>
+            </p:cNvPr>
+            <p:cNvSpPr/>
+            <p:nvPr/>
+          </p:nvSpPr>
+          <p:spPr>
+            <a:xfrm>
+              <a:off x="2715128" y="3641198"/>
+              <a:ext cx="1147368" cy="282569"/>
+            </a:xfrm>
+            <a:prstGeom prst="flowChartAlternateProcess">
+              <a:avLst/>
+            </a:prstGeom>
+            <a:solidFill>
+              <a:srgbClr val="0D62AF"/>
+            </a:solidFill>
+          </p:spPr>
+          <p:style>
+            <a:lnRef idx="2">
+              <a:schemeClr val="accent1">
+                <a:shade val="50000"/>
+              </a:schemeClr>
+            </a:lnRef>
+            <a:fillRef idx="1">
+              <a:schemeClr val="accent1"/>
+            </a:fillRef>
+            <a:effectRef idx="0">
+              <a:schemeClr val="accent1"/>
+            </a:effectRef>
+            <a:fontRef idx="minor">
+              <a:schemeClr val="lt1"/>
+            </a:fontRef>
+          </p:style>
+          <p:txBody>
+            <a:bodyPr lIns="0" tIns="0" rIns="0" bIns="0" rtlCol="0" anchor="ctr"/>
+            <a:lstStyle/>
+            <a:p>
+              <a:pPr algn="ctr"/>
+              <a:r>
+                <a:rPr lang="en-US" sz="1600" dirty="0"/>
+                <a:t>Element</a:t>
+              </a:r>
+            </a:p>
+          </p:txBody>
+        </p:sp>
+        <p:sp>
+          <p:nvSpPr>
+            <p:cNvPr id="23" name="Flowchart: Predefined Process 22">
+              <a:extLst>
+                <a:ext uri="{FF2B5EF4-FFF2-40B4-BE49-F238E27FC236}">
+                  <a16:creationId xmlns:a16="http://schemas.microsoft.com/office/drawing/2014/main" id="{B16969D5-949D-4C0F-A6FB-F49C510D170E}"/>
+                </a:ext>
+              </a:extLst>
+            </p:cNvPr>
+            <p:cNvSpPr/>
+            <p:nvPr/>
+          </p:nvSpPr>
+          <p:spPr>
+            <a:xfrm>
+              <a:off x="919289" y="3526494"/>
+              <a:ext cx="947872" cy="518204"/>
+            </a:xfrm>
+            <a:prstGeom prst="flowChartPredefinedProcess">
+              <a:avLst/>
+            </a:prstGeom>
+            <a:solidFill>
+              <a:srgbClr val="0D62AF"/>
+            </a:solidFill>
+          </p:spPr>
+          <p:style>
+            <a:lnRef idx="2">
+              <a:schemeClr val="accent1">
+                <a:shade val="50000"/>
+              </a:schemeClr>
+            </a:lnRef>
+            <a:fillRef idx="1">
+              <a:schemeClr val="accent1"/>
+            </a:fillRef>
+            <a:effectRef idx="0">
+              <a:schemeClr val="accent1"/>
+            </a:effectRef>
+            <a:fontRef idx="minor">
+              <a:schemeClr val="lt1"/>
+            </a:fontRef>
+          </p:style>
+          <p:txBody>
+            <a:bodyPr rtlCol="0" anchor="ctr"/>
+            <a:lstStyle/>
+            <a:p>
+              <a:pPr algn="ctr"/>
+              <a:r>
+                <a:rPr lang="en-US" dirty="0"/>
+                <a:t>Next</a:t>
+              </a:r>
+            </a:p>
+          </p:txBody>
+        </p:sp>
+        <p:cxnSp>
+          <p:nvCxnSpPr>
+            <p:cNvPr id="93" name="Straight Arrow Connector 92">
+              <a:extLst>
+                <a:ext uri="{FF2B5EF4-FFF2-40B4-BE49-F238E27FC236}">
+                  <a16:creationId xmlns:a16="http://schemas.microsoft.com/office/drawing/2014/main" id="{D0639394-6541-4209-A464-796D01BD5EFA}"/>
+                </a:ext>
+              </a:extLst>
+            </p:cNvPr>
+            <p:cNvCxnSpPr>
+              <a:stCxn id="23" idx="3"/>
+              <a:endCxn id="88" idx="1"/>
+            </p:cNvCxnSpPr>
+            <p:nvPr/>
+          </p:nvCxnSpPr>
+          <p:spPr>
+            <a:xfrm flipV="1">
+              <a:off x="1867161" y="3782483"/>
+              <a:ext cx="847967" cy="3113"/>
+            </a:xfrm>
+            <a:prstGeom prst="straightConnector1">
+              <a:avLst/>
+            </a:prstGeom>
+            <a:ln w="28575">
+              <a:solidFill>
+                <a:srgbClr val="0D62AF"/>
+              </a:solidFill>
+              <a:tailEnd type="triangle"/>
+            </a:ln>
+          </p:spPr>
+          <p:style>
+            <a:lnRef idx="1">
+              <a:schemeClr val="accent1"/>
+            </a:lnRef>
+            <a:fillRef idx="0">
+              <a:schemeClr val="accent1"/>
+            </a:fillRef>
+            <a:effectRef idx="0">
+              <a:schemeClr val="accent1"/>
+            </a:effectRef>
+            <a:fontRef idx="minor">
+              <a:schemeClr val="tx1"/>
+            </a:fontRef>
+          </p:style>
+        </p:cxnSp>
+        <p:cxnSp>
+          <p:nvCxnSpPr>
+            <p:cNvPr id="94" name="Straight Arrow Connector 93">
+              <a:extLst>
+                <a:ext uri="{FF2B5EF4-FFF2-40B4-BE49-F238E27FC236}">
+                  <a16:creationId xmlns:a16="http://schemas.microsoft.com/office/drawing/2014/main" id="{FBF59181-2E55-42DC-A0BD-F72C3A96511C}"/>
+                </a:ext>
+              </a:extLst>
+            </p:cNvPr>
+            <p:cNvCxnSpPr>
+              <a:cxnSpLocks/>
+              <a:stCxn id="72" idx="1"/>
+              <a:endCxn id="83" idx="3"/>
+            </p:cNvCxnSpPr>
+            <p:nvPr/>
+          </p:nvCxnSpPr>
+          <p:spPr>
+            <a:xfrm flipH="1" flipV="1">
+              <a:off x="1966929" y="3045199"/>
+              <a:ext cx="744735" cy="586"/>
+            </a:xfrm>
+            <a:prstGeom prst="straightConnector1">
+              <a:avLst/>
+            </a:prstGeom>
+            <a:ln w="28575">
+              <a:solidFill>
+                <a:srgbClr val="0D62AF"/>
+              </a:solidFill>
+              <a:tailEnd type="triangle"/>
+            </a:ln>
+          </p:spPr>
+          <p:style>
+            <a:lnRef idx="1">
+              <a:schemeClr val="accent1"/>
+            </a:lnRef>
+            <a:fillRef idx="0">
+              <a:schemeClr val="accent1"/>
+            </a:fillRef>
+            <a:effectRef idx="0">
+              <a:schemeClr val="accent1"/>
+            </a:effectRef>
+            <a:fontRef idx="minor">
+              <a:schemeClr val="tx1"/>
+            </a:fontRef>
+          </p:style>
+        </p:cxnSp>
+        <p:cxnSp>
+          <p:nvCxnSpPr>
+            <p:cNvPr id="97" name="Straight Arrow Connector 96">
+              <a:extLst>
+                <a:ext uri="{FF2B5EF4-FFF2-40B4-BE49-F238E27FC236}">
+                  <a16:creationId xmlns:a16="http://schemas.microsoft.com/office/drawing/2014/main" id="{943CC8B1-718E-45C1-984E-12E41A8CB79F}"/>
+                </a:ext>
+              </a:extLst>
+            </p:cNvPr>
+            <p:cNvCxnSpPr>
+              <a:cxnSpLocks/>
+              <a:stCxn id="83" idx="2"/>
+              <a:endCxn id="23" idx="0"/>
+            </p:cNvCxnSpPr>
+            <p:nvPr/>
+          </p:nvCxnSpPr>
+          <p:spPr>
+            <a:xfrm flipH="1">
+              <a:off x="1393225" y="3216172"/>
+              <a:ext cx="20" cy="310322"/>
+            </a:xfrm>
+            <a:prstGeom prst="straightConnector1">
+              <a:avLst/>
+            </a:prstGeom>
+            <a:ln w="28575">
+              <a:solidFill>
+                <a:srgbClr val="0D62AF"/>
+              </a:solidFill>
+              <a:tailEnd type="triangle"/>
+            </a:ln>
+          </p:spPr>
+          <p:style>
+            <a:lnRef idx="1">
+              <a:schemeClr val="accent1"/>
+            </a:lnRef>
+            <a:fillRef idx="0">
+              <a:schemeClr val="accent1"/>
+            </a:fillRef>
+            <a:effectRef idx="0">
+              <a:schemeClr val="accent1"/>
+            </a:effectRef>
+            <a:fontRef idx="minor">
+              <a:schemeClr val="tx1"/>
+            </a:fontRef>
+          </p:style>
+        </p:cxnSp>
+        <p:cxnSp>
+          <p:nvCxnSpPr>
+            <p:cNvPr id="100" name="Straight Arrow Connector 99">
+              <a:extLst>
+                <a:ext uri="{FF2B5EF4-FFF2-40B4-BE49-F238E27FC236}">
+                  <a16:creationId xmlns:a16="http://schemas.microsoft.com/office/drawing/2014/main" id="{67AEF438-0704-4886-8D77-B750C48B8EC7}"/>
+                </a:ext>
+              </a:extLst>
+            </p:cNvPr>
+            <p:cNvCxnSpPr>
+              <a:cxnSpLocks/>
+              <a:stCxn id="88" idx="0"/>
+              <a:endCxn id="72" idx="2"/>
+            </p:cNvCxnSpPr>
+            <p:nvPr/>
+          </p:nvCxnSpPr>
+          <p:spPr>
+            <a:xfrm flipH="1" flipV="1">
+              <a:off x="3285348" y="3334083"/>
+              <a:ext cx="3464" cy="307115"/>
+            </a:xfrm>
+            <a:prstGeom prst="straightConnector1">
+              <a:avLst/>
+            </a:prstGeom>
+            <a:ln w="28575">
+              <a:solidFill>
+                <a:srgbClr val="0D62AF"/>
+              </a:solidFill>
+              <a:tailEnd type="triangle"/>
+            </a:ln>
+          </p:spPr>
+          <p:style>
+            <a:lnRef idx="1">
+              <a:schemeClr val="accent1"/>
+            </a:lnRef>
+            <a:fillRef idx="0">
+              <a:schemeClr val="accent1"/>
+            </a:fillRef>
+            <a:effectRef idx="0">
+              <a:schemeClr val="accent1"/>
+            </a:effectRef>
+            <a:fontRef idx="minor">
+              <a:schemeClr val="tx1"/>
+            </a:fontRef>
+          </p:style>
+        </p:cxnSp>
+        <p:cxnSp>
+          <p:nvCxnSpPr>
+            <p:cNvPr id="103" name="Straight Arrow Connector 102">
+              <a:extLst>
+                <a:ext uri="{FF2B5EF4-FFF2-40B4-BE49-F238E27FC236}">
+                  <a16:creationId xmlns:a16="http://schemas.microsoft.com/office/drawing/2014/main" id="{C6620C60-1830-4BD9-A59C-BCBB7D625B9D}"/>
+                </a:ext>
+              </a:extLst>
+            </p:cNvPr>
+            <p:cNvCxnSpPr>
+              <a:cxnSpLocks/>
+              <a:stCxn id="23" idx="2"/>
+              <a:endCxn id="79" idx="0"/>
+            </p:cNvCxnSpPr>
+            <p:nvPr/>
+          </p:nvCxnSpPr>
+          <p:spPr>
+            <a:xfrm>
+              <a:off x="1393225" y="4044698"/>
+              <a:ext cx="459" cy="254254"/>
+            </a:xfrm>
+            <a:prstGeom prst="straightConnector1">
+              <a:avLst/>
+            </a:prstGeom>
+            <a:ln w="28575">
+              <a:solidFill>
+                <a:srgbClr val="0D62AF"/>
+              </a:solidFill>
+              <a:tailEnd type="triangle"/>
+            </a:ln>
+          </p:spPr>
+          <p:style>
+            <a:lnRef idx="1">
+              <a:schemeClr val="accent1"/>
+            </a:lnRef>
+            <a:fillRef idx="0">
+              <a:schemeClr val="accent1"/>
+            </a:fillRef>
+            <a:effectRef idx="0">
+              <a:schemeClr val="accent1"/>
+            </a:effectRef>
+            <a:fontRef idx="minor">
+              <a:schemeClr val="tx1"/>
+            </a:fontRef>
+          </p:style>
+        </p:cxnSp>
+      </p:grpSp>
+    </p:spTree>
+    <p:extLst>
+      <p:ext uri="{BB962C8B-B14F-4D97-AF65-F5344CB8AC3E}">
+        <p14:creationId xmlns:p14="http://schemas.microsoft.com/office/powerpoint/2010/main" val="136186133"/>
+      </p:ext>
+    </p:extLst>
+  </p:cSld>
+  <p:clrMapOvr>
+    <a:masterClrMapping/>
+  </p:clrMapOvr>
+  <p:timing>
+    <p:tnLst>
+      <p:par>
+        <p:cTn id="1" dur="indefinite" restart="never" nodeType="tmRoot">
+          <p:childTnLst>
+            <p:seq concurrent="1" nextAc="seek">
+              <p:cTn id="2" dur="indefinite" nodeType="mainSeq">
+                <p:childTnLst>
+                  <p:par>
+                    <p:cTn id="3" fill="hold">
+                      <p:stCondLst>
+                        <p:cond delay="indefinite"/>
+                      </p:stCondLst>
+                      <p:childTnLst>
+                        <p:par>
+                          <p:cTn id="4" fill="hold">
+                            <p:stCondLst>
+                              <p:cond delay="0"/>
+                            </p:stCondLst>
+                            <p:childTnLst>
+                              <p:par>
+                                <p:cTn id="5" presetID="1" presetClass="entr" presetSubtype="0" fill="hold" nodeType="clickEffect">
+                                  <p:stCondLst>
+                                    <p:cond delay="0"/>
+                                  </p:stCondLst>
+                                  <p:childTnLst>
+                                    <p:set>
+                                      <p:cBhvr>
+                                        <p:cTn id="6" dur="1" fill="hold">
+                                          <p:stCondLst>
+                                            <p:cond delay="0"/>
+                                          </p:stCondLst>
+                                        </p:cTn>
+                                        <p:tgtEl>
+                                          <p:spTgt spid="32"/>
+                                        </p:tgtEl>
+                                        <p:attrNameLst>
+                                          <p:attrName>style.visibility</p:attrName>
+                                        </p:attrNameLst>
+                                      </p:cBhvr>
+                                      <p:to>
+                                        <p:strVal val="visible"/>
+                                      </p:to>
+                                    </p:set>
+                                  </p:childTnLst>
+                                </p:cTn>
+                              </p:par>
+                            </p:childTnLst>
+                          </p:cTn>
+                        </p:par>
+                      </p:childTnLst>
+                    </p:cTn>
+                  </p:par>
+                  <p:par>
+                    <p:cTn id="7" fill="hold">
+                      <p:stCondLst>
+                        <p:cond delay="indefinite"/>
+                      </p:stCondLst>
+                      <p:childTnLst>
+                        <p:par>
+                          <p:cTn id="8" fill="hold">
+                            <p:stCondLst>
+                              <p:cond delay="0"/>
+                            </p:stCondLst>
+                            <p:childTnLst>
+                              <p:par>
+                                <p:cTn id="9" presetID="1" presetClass="entr" presetSubtype="0" fill="hold" nodeType="clickEffect">
+                                  <p:stCondLst>
+                                    <p:cond delay="0"/>
+                                  </p:stCondLst>
+                                  <p:childTnLst>
+                                    <p:set>
+                                      <p:cBhvr>
+                                        <p:cTn id="10" dur="1" fill="hold">
+                                          <p:stCondLst>
+                                            <p:cond delay="0"/>
+                                          </p:stCondLst>
+                                        </p:cTn>
+                                        <p:tgtEl>
+                                          <p:spTgt spid="53"/>
+                                        </p:tgtEl>
+                                        <p:attrNameLst>
+                                          <p:attrName>style.visibility</p:attrName>
+                                        </p:attrNameLst>
+                                      </p:cBhvr>
+                                      <p:to>
+                                        <p:strVal val="visible"/>
+                                      </p:to>
+                                    </p:set>
+                                  </p:childTnLst>
+                                </p:cTn>
+                              </p:par>
+                              <p:par>
+                                <p:cTn id="11" presetID="1" presetClass="exit" presetSubtype="0" fill="hold" nodeType="withEffect">
+                                  <p:stCondLst>
+                                    <p:cond delay="0"/>
+                                  </p:stCondLst>
+                                  <p:childTnLst>
+                                    <p:set>
+                                      <p:cBhvr>
+                                        <p:cTn id="12" dur="1" fill="hold">
+                                          <p:stCondLst>
+                                            <p:cond delay="0"/>
+                                          </p:stCondLst>
+                                        </p:cTn>
+                                        <p:tgtEl>
+                                          <p:spTgt spid="32"/>
+                                        </p:tgtEl>
+                                        <p:attrNameLst>
+                                          <p:attrName>style.visibility</p:attrName>
+                                        </p:attrNameLst>
+                                      </p:cBhvr>
+                                      <p:to>
+                                        <p:strVal val="hidden"/>
+                                      </p:to>
+                                    </p:set>
+                                  </p:childTnLst>
+                                </p:cTn>
+                              </p:par>
+                            </p:childTnLst>
+                          </p:cTn>
+                        </p:par>
+                      </p:childTnLst>
+                    </p:cTn>
+                  </p:par>
+                  <p:par>
+                    <p:cTn id="13" fill="hold">
+                      <p:stCondLst>
+                        <p:cond delay="indefinite"/>
+                      </p:stCondLst>
+                      <p:childTnLst>
+                        <p:par>
+                          <p:cTn id="14" fill="hold">
+                            <p:stCondLst>
+                              <p:cond delay="0"/>
+                            </p:stCondLst>
+                            <p:childTnLst>
+                              <p:par>
+                                <p:cTn id="15" presetID="1" presetClass="entr" presetSubtype="0" fill="hold" nodeType="clickEffect">
+                                  <p:stCondLst>
+                                    <p:cond delay="0"/>
+                                  </p:stCondLst>
+                                  <p:childTnLst>
+                                    <p:set>
+                                      <p:cBhvr>
+                                        <p:cTn id="16" dur="1" fill="hold">
+                                          <p:stCondLst>
+                                            <p:cond delay="0"/>
+                                          </p:stCondLst>
+                                        </p:cTn>
+                                        <p:tgtEl>
+                                          <p:spTgt spid="58"/>
+                                        </p:tgtEl>
+                                        <p:attrNameLst>
+                                          <p:attrName>style.visibility</p:attrName>
+                                        </p:attrNameLst>
+                                      </p:cBhvr>
+                                      <p:to>
+                                        <p:strVal val="visible"/>
+                                      </p:to>
+                                    </p:set>
+                                  </p:childTnLst>
+                                </p:cTn>
+                              </p:par>
+                              <p:par>
+                                <p:cTn id="17" presetID="1" presetClass="exit" presetSubtype="0" fill="hold" nodeType="withEffect">
+                                  <p:stCondLst>
+                                    <p:cond delay="0"/>
+                                  </p:stCondLst>
+                                  <p:childTnLst>
+                                    <p:set>
+                                      <p:cBhvr>
+                                        <p:cTn id="18" dur="1" fill="hold">
+                                          <p:stCondLst>
+                                            <p:cond delay="0"/>
+                                          </p:stCondLst>
+                                        </p:cTn>
+                                        <p:tgtEl>
+                                          <p:spTgt spid="53"/>
+                                        </p:tgtEl>
+                                        <p:attrNameLst>
+                                          <p:attrName>style.visibility</p:attrName>
+                                        </p:attrNameLst>
+                                      </p:cBhvr>
+                                      <p:to>
+                                        <p:strVal val="hidden"/>
+                                      </p:to>
+                                    </p:set>
+                                  </p:childTnLst>
+                                </p:cTn>
+                              </p:par>
+                            </p:childTnLst>
+                          </p:cTn>
+                        </p:par>
+                      </p:childTnLst>
+                    </p:cTn>
+                  </p:par>
+                  <p:par>
+                    <p:cTn id="19" fill="hold">
+                      <p:stCondLst>
+                        <p:cond delay="indefinite"/>
+                      </p:stCondLst>
+                      <p:childTnLst>
+                        <p:par>
+                          <p:cTn id="20" fill="hold">
+                            <p:stCondLst>
+                              <p:cond delay="0"/>
+                            </p:stCondLst>
+                            <p:childTnLst>
+                              <p:par>
+                                <p:cTn id="21" presetID="1" presetClass="entr" presetSubtype="0" fill="hold" nodeType="clickEffect">
+                                  <p:stCondLst>
+                                    <p:cond delay="0"/>
+                                  </p:stCondLst>
+                                  <p:childTnLst>
+                                    <p:set>
+                                      <p:cBhvr>
+                                        <p:cTn id="22" dur="1" fill="hold">
+                                          <p:stCondLst>
+                                            <p:cond delay="0"/>
+                                          </p:stCondLst>
+                                        </p:cTn>
+                                        <p:tgtEl>
+                                          <p:spTgt spid="67"/>
+                                        </p:tgtEl>
+                                        <p:attrNameLst>
+                                          <p:attrName>style.visibility</p:attrName>
+                                        </p:attrNameLst>
+                                      </p:cBhvr>
+                                      <p:to>
+                                        <p:strVal val="visible"/>
+                                      </p:to>
+                                    </p:set>
+                                  </p:childTnLst>
+                                </p:cTn>
+                              </p:par>
+                              <p:par>
+                                <p:cTn id="23" presetID="1" presetClass="exit" presetSubtype="0" fill="hold" nodeType="withEffect">
+                                  <p:stCondLst>
+                                    <p:cond delay="0"/>
+                                  </p:stCondLst>
+                                  <p:childTnLst>
+                                    <p:set>
+                                      <p:cBhvr>
+                                        <p:cTn id="24" dur="1" fill="hold">
+                                          <p:stCondLst>
+                                            <p:cond delay="0"/>
+                                          </p:stCondLst>
+                                        </p:cTn>
+                                        <p:tgtEl>
+                                          <p:spTgt spid="58"/>
+                                        </p:tgtEl>
+                                        <p:attrNameLst>
+                                          <p:attrName>style.visibility</p:attrName>
+                                        </p:attrNameLst>
+                                      </p:cBhvr>
+                                      <p:to>
+                                        <p:strVal val="hidden"/>
+                                      </p:to>
+                                    </p:set>
+                                  </p:childTnLst>
+                                </p:cTn>
+                              </p:par>
+                            </p:childTnLst>
+                          </p:cTn>
+                        </p:par>
+                      </p:childTnLst>
+                    </p:cTn>
+                  </p:par>
+                  <p:par>
+                    <p:cTn id="25" fill="hold">
+                      <p:stCondLst>
+                        <p:cond delay="indefinite"/>
+                      </p:stCondLst>
+                      <p:childTnLst>
+                        <p:par>
+                          <p:cTn id="26" fill="hold">
+                            <p:stCondLst>
+                              <p:cond delay="0"/>
+                            </p:stCondLst>
+                            <p:childTnLst>
+                              <p:par>
+                                <p:cTn id="27" presetID="1" presetClass="entr" presetSubtype="0" fill="hold" nodeType="clickEffect">
+                                  <p:stCondLst>
+                                    <p:cond delay="0"/>
+                                  </p:stCondLst>
+                                  <p:childTnLst>
+                                    <p:set>
+                                      <p:cBhvr>
+                                        <p:cTn id="28" dur="1" fill="hold">
+                                          <p:stCondLst>
+                                            <p:cond delay="0"/>
+                                          </p:stCondLst>
+                                        </p:cTn>
+                                        <p:tgtEl>
+                                          <p:spTgt spid="20"/>
+                                        </p:tgtEl>
+                                        <p:attrNameLst>
+                                          <p:attrName>style.visibility</p:attrName>
+                                        </p:attrNameLst>
+                                      </p:cBhvr>
+                                      <p:to>
+                                        <p:strVal val="visible"/>
+                                      </p:to>
+                                    </p:set>
+                                  </p:childTnLst>
+                                </p:cTn>
+                              </p:par>
+                            </p:childTnLst>
+                          </p:cTn>
+                        </p:par>
+                      </p:childTnLst>
+                    </p:cTn>
+                  </p:par>
+                </p:childTnLst>
+              </p:cTn>
+              <p:prevCondLst>
+                <p:cond evt="onPrev" delay="0">
+                  <p:tgtEl>
+                    <p:sldTgt/>
+                  </p:tgtEl>
+                </p:cond>
+              </p:prevCondLst>
+              <p:nextCondLst>
+                <p:cond evt="onNext" delay="0">
+                  <p:tgtEl>
+                    <p:sldTgt/>
+                  </p:tgtEl>
+                </p:cond>
+              </p:nextCondLst>
+            </p:seq>
+          </p:childTnLst>
+        </p:cTn>
+      </p:par>
+    </p:tnLst>
+  </p:timing>
+</p:sld>
+</file>
+
+<file path=ppt/slides/slide12.xml><?xml version="1.0" encoding="utf-8"?>
+<p:sld xmlns:a="http://schemas.openxmlformats.org/drawingml/2006/main" xmlns:r="http://schemas.openxmlformats.org/officeDocument/2006/relationships" xmlns:p="http://schemas.openxmlformats.org/presentationml/2006/main">
+  <p:cSld>
+    <p:bg>
+      <p:bgPr>
+        <a:solidFill>
+          <a:schemeClr val="bg1"/>
+        </a:solidFill>
+        <a:effectLst/>
+      </p:bgPr>
+    </p:bg>
+    <p:spTree>
+      <p:nvGrpSpPr>
+        <p:cNvPr id="1" name=""/>
+        <p:cNvGrpSpPr/>
+        <p:nvPr/>
+      </p:nvGrpSpPr>
+      <p:grpSpPr>
+        <a:xfrm>
+          <a:off x="0" y="0"/>
+          <a:ext cx="0" cy="0"/>
+          <a:chOff x="0" y="0"/>
+          <a:chExt cx="0" cy="0"/>
+        </a:xfrm>
+      </p:grpSpPr>
+      <p:sp useBgFill="1">
+        <p:nvSpPr>
+          <p:cNvPr id="27" name="Rectangle 18">
+            <a:extLst>
+              <a:ext uri="{FF2B5EF4-FFF2-40B4-BE49-F238E27FC236}">
+                <a16:creationId xmlns:a16="http://schemas.microsoft.com/office/drawing/2014/main" id="{8651CFA9-6065-4243-AC48-858E359780B1}"/>
+              </a:ext>
+              <a:ext uri="{C183D7F6-B498-43B3-948B-1728B52AA6E4}">
+                <adec:decorative xmlns:adec="http://schemas.microsoft.com/office/drawing/2017/decorative" val="1"/>
+              </a:ext>
+            </a:extLst>
+          </p:cNvPr>
+          <p:cNvSpPr>
+            <a:spLocks noGrp="1" noRot="1" noChangeAspect="1" noMove="1" noResize="1" noEditPoints="1" noAdjustHandles="1" noChangeArrowheads="1" noChangeShapeType="1" noTextEdit="1"/>
+          </p:cNvSpPr>
+          <p:nvPr>
+            <p:extLst>
+              <p:ext uri="{386F3935-93C4-4BCD-93E2-E3B085C9AB24}">
+                <p16:designElem xmlns:p16="http://schemas.microsoft.com/office/powerpoint/2015/main" val="1"/>
+              </p:ext>
+            </p:extLst>
+          </p:nvPr>
+        </p:nvSpPr>
+        <p:spPr>
+          <a:xfrm>
+            <a:off x="0" y="0"/>
+            <a:ext cx="12192000" cy="6858000"/>
+          </a:xfrm>
+          <a:prstGeom prst="rect">
+            <a:avLst/>
+          </a:prstGeom>
+          <a:ln>
+            <a:noFill/>
+          </a:ln>
+        </p:spPr>
+        <p:style>
+          <a:lnRef idx="2">
+            <a:schemeClr val="accent1">
+              <a:shade val="50000"/>
+            </a:schemeClr>
+          </a:lnRef>
+          <a:fillRef idx="1">
+            <a:schemeClr val="accent1"/>
+          </a:fillRef>
+          <a:effectRef idx="0">
+            <a:schemeClr val="accent1"/>
+          </a:effectRef>
+          <a:fontRef idx="minor">
+            <a:schemeClr val="lt1"/>
+          </a:fontRef>
+        </p:style>
+        <p:txBody>
+          <a:bodyPr rtlCol="0" anchor="ctr"/>
+          <a:lstStyle/>
+          <a:p>
+            <a:pPr algn="ctr"/>
+            <a:endParaRPr lang="en-US">
+              <a:solidFill>
+                <a:schemeClr val="tx1">
+                  <a:lumMod val="65000"/>
+                  <a:lumOff val="35000"/>
+                </a:schemeClr>
+              </a:solidFill>
+              <a:latin typeface="AvenirNext LT Pro Medium" panose="020B0504020202020204" pitchFamily="34" charset="0"/>
+            </a:endParaRPr>
+          </a:p>
+        </p:txBody>
+      </p:sp>
+      <p:sp>
+        <p:nvSpPr>
+          <p:cNvPr id="28" name="Rectangle 20">
+            <a:extLst>
+              <a:ext uri="{FF2B5EF4-FFF2-40B4-BE49-F238E27FC236}">
+                <a16:creationId xmlns:a16="http://schemas.microsoft.com/office/drawing/2014/main" id="{37962AE0-6A1C-4B76-9D52-10E5E6D7D3BB}"/>
+              </a:ext>
+              <a:ext uri="{C183D7F6-B498-43B3-948B-1728B52AA6E4}">
+                <adec:decorative xmlns:adec="http://schemas.microsoft.com/office/drawing/2017/decorative" val="1"/>
+              </a:ext>
+            </a:extLst>
+          </p:cNvPr>
+          <p:cNvSpPr>
+            <a:spLocks noGrp="1" noRot="1" noChangeAspect="1" noMove="1" noResize="1" noEditPoints="1" noAdjustHandles="1" noChangeArrowheads="1" noChangeShapeType="1" noTextEdit="1"/>
+          </p:cNvSpPr>
+          <p:nvPr>
+            <p:extLst>
+              <p:ext uri="{386F3935-93C4-4BCD-93E2-E3B085C9AB24}">
+                <p16:designElem xmlns:p16="http://schemas.microsoft.com/office/powerpoint/2015/main" val="1"/>
+              </p:ext>
+            </p:extLst>
+          </p:nvPr>
+        </p:nvSpPr>
+        <p:spPr>
+          <a:xfrm>
+            <a:off x="-3048" y="0"/>
+            <a:ext cx="12188952" cy="6858000"/>
+          </a:xfrm>
+          <a:prstGeom prst="rect">
+            <a:avLst/>
+          </a:prstGeom>
+          <a:solidFill>
+            <a:schemeClr val="bg2">
+              <a:alpha val="70000"/>
+            </a:schemeClr>
+          </a:solidFill>
+          <a:ln>
+            <a:noFill/>
+          </a:ln>
+        </p:spPr>
+        <p:style>
+          <a:lnRef idx="2">
+            <a:schemeClr val="accent1">
+              <a:shade val="50000"/>
+            </a:schemeClr>
+          </a:lnRef>
+          <a:fillRef idx="1">
+            <a:schemeClr val="accent1"/>
+          </a:fillRef>
+          <a:effectRef idx="0">
+            <a:schemeClr val="accent1"/>
+          </a:effectRef>
+          <a:fontRef idx="minor">
+            <a:schemeClr val="lt1"/>
+          </a:fontRef>
+        </p:style>
+        <p:txBody>
+          <a:bodyPr rtlCol="0" anchor="ctr"/>
+          <a:lstStyle/>
+          <a:p>
+            <a:pPr algn="ctr"/>
+            <a:endParaRPr lang="en-US">
+              <a:solidFill>
+                <a:schemeClr val="tx1">
+                  <a:lumMod val="65000"/>
+                  <a:lumOff val="35000"/>
+                </a:schemeClr>
+              </a:solidFill>
+              <a:latin typeface="AvenirNext LT Pro Medium" panose="020B0504020202020204" pitchFamily="34" charset="0"/>
+            </a:endParaRPr>
+          </a:p>
+        </p:txBody>
+      </p:sp>
+      <p:sp>
+        <p:nvSpPr>
+          <p:cNvPr id="29" name="Rectangle 22">
+            <a:extLst>
+              <a:ext uri="{FF2B5EF4-FFF2-40B4-BE49-F238E27FC236}">
+                <a16:creationId xmlns:a16="http://schemas.microsoft.com/office/drawing/2014/main" id="{BF49D5AE-15AF-4BC1-8AC5-F5FA95199E94}"/>
+              </a:ext>
+              <a:ext uri="{C183D7F6-B498-43B3-948B-1728B52AA6E4}">
+                <adec:decorative xmlns:adec="http://schemas.microsoft.com/office/drawing/2017/decorative" val="1"/>
+              </a:ext>
+            </a:extLst>
+          </p:cNvPr>
+          <p:cNvSpPr>
+            <a:spLocks noGrp="1" noRot="1" noChangeAspect="1" noMove="1" noResize="1" noEditPoints="1" noAdjustHandles="1" noChangeArrowheads="1" noChangeShapeType="1" noTextEdit="1"/>
+          </p:cNvSpPr>
+          <p:nvPr>
+            <p:extLst>
+              <p:ext uri="{386F3935-93C4-4BCD-93E2-E3B085C9AB24}">
+                <p16:designElem xmlns:p16="http://schemas.microsoft.com/office/powerpoint/2015/main" val="1"/>
+              </p:ext>
+            </p:extLst>
+          </p:nvPr>
+        </p:nvSpPr>
+        <p:spPr>
+          <a:xfrm>
+            <a:off x="-3048" y="0"/>
+            <a:ext cx="12195048" cy="1295400"/>
+          </a:xfrm>
+          <a:prstGeom prst="rect">
+            <a:avLst/>
+          </a:prstGeom>
+          <a:solidFill>
+            <a:schemeClr val="tx2">
+              <a:lumMod val="90000"/>
+              <a:lumOff val="10000"/>
+            </a:schemeClr>
+          </a:solidFill>
+          <a:ln>
+            <a:noFill/>
+          </a:ln>
+        </p:spPr>
+        <p:style>
+          <a:lnRef idx="2">
+            <a:schemeClr val="accent1">
+              <a:shade val="50000"/>
+            </a:schemeClr>
+          </a:lnRef>
+          <a:fillRef idx="1">
+            <a:schemeClr val="accent1"/>
+          </a:fillRef>
+          <a:effectRef idx="0">
+            <a:schemeClr val="accent1"/>
+          </a:effectRef>
+          <a:fontRef idx="minor">
+            <a:schemeClr val="lt1"/>
+          </a:fontRef>
+        </p:style>
+        <p:txBody>
+          <a:bodyPr rtlCol="0" anchor="ctr"/>
+          <a:lstStyle/>
+          <a:p>
+            <a:pPr algn="ctr"/>
+            <a:endParaRPr lang="en-US" dirty="0"/>
+          </a:p>
+        </p:txBody>
+      </p:sp>
+      <p:sp>
+        <p:nvSpPr>
+          <p:cNvPr id="30" name="Rectangle 24">
+            <a:extLst>
+              <a:ext uri="{FF2B5EF4-FFF2-40B4-BE49-F238E27FC236}">
+                <a16:creationId xmlns:a16="http://schemas.microsoft.com/office/drawing/2014/main" id="{5608A5E7-BD2D-419A-8079-3103083AB134}"/>
+              </a:ext>
+              <a:ext uri="{C183D7F6-B498-43B3-948B-1728B52AA6E4}">
+                <adec:decorative xmlns:adec="http://schemas.microsoft.com/office/drawing/2017/decorative" val="1"/>
+              </a:ext>
+            </a:extLst>
+          </p:cNvPr>
+          <p:cNvSpPr>
+            <a:spLocks noGrp="1" noRot="1" noChangeAspect="1" noMove="1" noResize="1" noEditPoints="1" noAdjustHandles="1" noChangeArrowheads="1" noChangeShapeType="1" noTextEdit="1"/>
+          </p:cNvSpPr>
+          <p:nvPr>
+            <p:extLst>
+              <p:ext uri="{386F3935-93C4-4BCD-93E2-E3B085C9AB24}">
+                <p16:designElem xmlns:p16="http://schemas.microsoft.com/office/powerpoint/2015/main" val="1"/>
+              </p:ext>
+            </p:extLst>
+          </p:nvPr>
+        </p:nvSpPr>
+        <p:spPr>
+          <a:xfrm>
+            <a:off x="1524" y="0"/>
+            <a:ext cx="12188952" cy="1295400"/>
+          </a:xfrm>
+          <a:prstGeom prst="rect">
+            <a:avLst/>
+          </a:prstGeom>
+          <a:blipFill dpi="0" rotWithShape="1">
+            <a:blip r:embed="rId2">
+              <a:alphaModFix amt="24000"/>
+              <a:duotone>
+                <a:schemeClr val="accent1">
+                  <a:shade val="45000"/>
+                  <a:satMod val="135000"/>
+                </a:schemeClr>
+                <a:prstClr val="white"/>
+              </a:duotone>
+            </a:blip>
+            <a:srcRect/>
+            <a:tile tx="889000" ty="0" sx="100000" sy="100000" flip="none" algn="tl"/>
+          </a:blipFill>
+          <a:ln>
+            <a:noFill/>
+          </a:ln>
+        </p:spPr>
+        <p:style>
+          <a:lnRef idx="2">
+            <a:schemeClr val="accent1">
+              <a:shade val="50000"/>
+            </a:schemeClr>
+          </a:lnRef>
+          <a:fillRef idx="1">
+            <a:schemeClr val="accent1"/>
+          </a:fillRef>
+          <a:effectRef idx="0">
+            <a:schemeClr val="accent1"/>
+          </a:effectRef>
+          <a:fontRef idx="minor">
+            <a:schemeClr val="lt1"/>
+          </a:fontRef>
+        </p:style>
+        <p:txBody>
+          <a:bodyPr rtlCol="0" anchor="ctr"/>
+          <a:lstStyle/>
+          <a:p>
+            <a:pPr algn="ctr"/>
+            <a:endParaRPr lang="en-US" dirty="0"/>
+          </a:p>
+        </p:txBody>
+      </p:sp>
+      <p:sp>
+        <p:nvSpPr>
+          <p:cNvPr id="2" name="Title 1">
+            <a:extLst>
+              <a:ext uri="{FF2B5EF4-FFF2-40B4-BE49-F238E27FC236}">
+                <a16:creationId xmlns:a16="http://schemas.microsoft.com/office/drawing/2014/main" id="{435A2D9F-DF11-409A-8AFF-42DD6CF6FD8A}"/>
+              </a:ext>
+            </a:extLst>
+          </p:cNvPr>
+          <p:cNvSpPr>
+            <a:spLocks noGrp="1"/>
+          </p:cNvSpPr>
+          <p:nvPr>
+            <p:ph type="title"/>
+          </p:nvPr>
+        </p:nvSpPr>
+        <p:spPr>
+          <a:xfrm>
+            <a:off x="493453" y="-457200"/>
+            <a:ext cx="9988166" cy="1752600"/>
+          </a:xfrm>
+        </p:spPr>
+        <p:txBody>
+          <a:bodyPr anchor="b">
+            <a:normAutofit/>
+          </a:bodyPr>
+          <a:lstStyle/>
+          <a:p>
+            <a:r>
+              <a:rPr lang="en-US" dirty="0"/>
+              <a:t>Range-based For Loop – Auto!</a:t>
+            </a:r>
+          </a:p>
+        </p:txBody>
+      </p:sp>
+      <p:sp>
+        <p:nvSpPr>
+          <p:cNvPr id="26" name="TextBox 25">
+            <a:extLst>
+              <a:ext uri="{FF2B5EF4-FFF2-40B4-BE49-F238E27FC236}">
+                <a16:creationId xmlns:a16="http://schemas.microsoft.com/office/drawing/2014/main" id="{DE9DAED5-200A-4CC5-9401-DCF0B0447DFC}"/>
+              </a:ext>
+            </a:extLst>
+          </p:cNvPr>
+          <p:cNvSpPr txBox="1"/>
+          <p:nvPr/>
+        </p:nvSpPr>
+        <p:spPr>
+          <a:xfrm>
+            <a:off x="430349" y="1561491"/>
+            <a:ext cx="6489648" cy="3713261"/>
+          </a:xfrm>
+          <a:prstGeom prst="rect">
+            <a:avLst/>
+          </a:prstGeom>
+          <a:noFill/>
+        </p:spPr>
+        <p:txBody>
+          <a:bodyPr wrap="square">
+            <a:spAutoFit/>
+          </a:bodyPr>
+          <a:lstStyle/>
+          <a:p>
+            <a:pPr marL="228600" indent="-228600">
+              <a:lnSpc>
+                <a:spcPct val="110000"/>
+              </a:lnSpc>
+              <a:spcBef>
+                <a:spcPts val="1000"/>
+              </a:spcBef>
+              <a:buClr>
+                <a:schemeClr val="accent1"/>
+              </a:buClr>
+              <a:buFont typeface="Arial" panose="020B0604020202020204" pitchFamily="34" charset="0"/>
+              <a:buChar char="•"/>
+            </a:pPr>
+            <a:r>
+              <a:rPr lang="en-US" dirty="0"/>
+              <a:t>C++ 11 introduced the </a:t>
+            </a:r>
+            <a:r>
+              <a:rPr lang="en-US" dirty="0">
+                <a:solidFill>
+                  <a:srgbClr val="C00000"/>
+                </a:solidFill>
+              </a:rPr>
+              <a:t>auto</a:t>
+            </a:r>
+            <a:r>
+              <a:rPr lang="en-US" dirty="0"/>
+              <a:t> keyword</a:t>
+            </a:r>
+          </a:p>
+          <a:p>
+            <a:pPr marL="228600" indent="-228600">
+              <a:lnSpc>
+                <a:spcPct val="110000"/>
+              </a:lnSpc>
+              <a:spcBef>
+                <a:spcPts val="1000"/>
+              </a:spcBef>
+              <a:buClr>
+                <a:schemeClr val="accent1"/>
+              </a:buClr>
+              <a:buFont typeface="Arial" panose="020B0604020202020204" pitchFamily="34" charset="0"/>
+              <a:buChar char="•"/>
+            </a:pPr>
+            <a:r>
+              <a:rPr lang="en-US" dirty="0">
+                <a:solidFill>
+                  <a:srgbClr val="C00000"/>
+                </a:solidFill>
+              </a:rPr>
+              <a:t>auto</a:t>
+            </a:r>
+            <a:r>
+              <a:rPr lang="en-US" dirty="0"/>
+              <a:t> declares a variable whose type is deduced/inferred</a:t>
+            </a:r>
+          </a:p>
+          <a:p>
+            <a:pPr marL="228600" indent="-228600">
+              <a:lnSpc>
+                <a:spcPct val="110000"/>
+              </a:lnSpc>
+              <a:spcBef>
+                <a:spcPts val="1000"/>
+              </a:spcBef>
+              <a:buClr>
+                <a:schemeClr val="accent1"/>
+              </a:buClr>
+              <a:buFont typeface="Arial" panose="020B0604020202020204" pitchFamily="34" charset="0"/>
+              <a:buChar char="•"/>
+            </a:pPr>
+            <a:r>
+              <a:rPr lang="en-US" dirty="0">
+                <a:solidFill>
+                  <a:srgbClr val="C00000"/>
+                </a:solidFill>
+              </a:rPr>
+              <a:t>auto</a:t>
+            </a:r>
+            <a:r>
+              <a:rPr lang="en-US" dirty="0"/>
+              <a:t> n = 10 ; The variable n is of type </a:t>
+            </a:r>
+            <a:r>
+              <a:rPr lang="en-US" dirty="0">
+                <a:solidFill>
+                  <a:srgbClr val="C00000"/>
+                </a:solidFill>
+              </a:rPr>
+              <a:t>int</a:t>
+            </a:r>
+          </a:p>
+          <a:p>
+            <a:pPr marL="228600" indent="-228600">
+              <a:lnSpc>
+                <a:spcPct val="110000"/>
+              </a:lnSpc>
+              <a:spcBef>
+                <a:spcPts val="1000"/>
+              </a:spcBef>
+              <a:buClr>
+                <a:schemeClr val="accent1"/>
+              </a:buClr>
+              <a:buFont typeface="Arial" panose="020B0604020202020204" pitchFamily="34" charset="0"/>
+              <a:buChar char="•"/>
+            </a:pPr>
+            <a:r>
+              <a:rPr lang="en-US" dirty="0"/>
+              <a:t>Range-based for loops can use auto to deduce the type of the </a:t>
+            </a:r>
+            <a:r>
+              <a:rPr lang="en-US" i="1" dirty="0"/>
+              <a:t>element </a:t>
+            </a:r>
+            <a:r>
+              <a:rPr lang="en-US" dirty="0"/>
+              <a:t>inside of the range</a:t>
+            </a:r>
+            <a:endParaRPr lang="en-US" i="1" dirty="0"/>
+          </a:p>
+          <a:p>
+            <a:pPr marL="228600" indent="-228600">
+              <a:lnSpc>
+                <a:spcPct val="110000"/>
+              </a:lnSpc>
+              <a:spcBef>
+                <a:spcPts val="1000"/>
+              </a:spcBef>
+              <a:buClr>
+                <a:schemeClr val="accent1"/>
+              </a:buClr>
+              <a:buFont typeface="Arial" panose="020B0604020202020204" pitchFamily="34" charset="0"/>
+              <a:buChar char="•"/>
+            </a:pPr>
+            <a:r>
+              <a:rPr lang="en-US" dirty="0"/>
+              <a:t>This makes code less verbose</a:t>
+            </a:r>
+          </a:p>
+          <a:p>
+            <a:pPr marL="228600" indent="-228600">
+              <a:lnSpc>
+                <a:spcPct val="110000"/>
+              </a:lnSpc>
+              <a:spcBef>
+                <a:spcPts val="1000"/>
+              </a:spcBef>
+              <a:buClr>
+                <a:schemeClr val="accent1"/>
+              </a:buClr>
+              <a:buFont typeface="Arial" panose="020B0604020202020204" pitchFamily="34" charset="0"/>
+              <a:buChar char="•"/>
+            </a:pPr>
+            <a:endParaRPr lang="en-US" dirty="0"/>
+          </a:p>
+          <a:p>
+            <a:pPr marL="228600" indent="-228600">
+              <a:lnSpc>
+                <a:spcPct val="110000"/>
+              </a:lnSpc>
+              <a:spcBef>
+                <a:spcPts val="1000"/>
+              </a:spcBef>
+              <a:buClr>
+                <a:schemeClr val="accent1"/>
+              </a:buClr>
+              <a:buFont typeface="Arial" panose="020B0604020202020204" pitchFamily="34" charset="0"/>
+              <a:buChar char="•"/>
+            </a:pPr>
+            <a:endParaRPr lang="en-US" dirty="0"/>
+          </a:p>
+          <a:p>
+            <a:pPr marL="228600" indent="-228600">
+              <a:lnSpc>
+                <a:spcPct val="110000"/>
+              </a:lnSpc>
+              <a:spcBef>
+                <a:spcPts val="1000"/>
+              </a:spcBef>
+              <a:buClr>
+                <a:schemeClr val="accent1"/>
+              </a:buClr>
+              <a:buFont typeface="Arial" panose="020B0604020202020204" pitchFamily="34" charset="0"/>
+              <a:buChar char="•"/>
+            </a:pPr>
+            <a:endParaRPr lang="en-US" dirty="0"/>
+          </a:p>
+        </p:txBody>
+      </p:sp>
+      <p:pic>
+        <p:nvPicPr>
+          <p:cNvPr id="6" name="Picture 5">
+            <a:extLst>
+              <a:ext uri="{FF2B5EF4-FFF2-40B4-BE49-F238E27FC236}">
+                <a16:creationId xmlns:a16="http://schemas.microsoft.com/office/drawing/2014/main" id="{98AFC0AD-8DE9-4C02-B742-C3A78164F1AA}"/>
+              </a:ext>
+            </a:extLst>
+          </p:cNvPr>
+          <p:cNvPicPr>
+            <a:picLocks noChangeAspect="1"/>
+          </p:cNvPicPr>
+          <p:nvPr/>
+        </p:nvPicPr>
+        <p:blipFill>
+          <a:blip r:embed="rId3"/>
+          <a:stretch>
+            <a:fillRect/>
+          </a:stretch>
+        </p:blipFill>
+        <p:spPr>
+          <a:xfrm>
+            <a:off x="6919997" y="1310140"/>
+            <a:ext cx="5259442" cy="3784159"/>
+          </a:xfrm>
+          <a:prstGeom prst="rect">
+            <a:avLst/>
+          </a:prstGeom>
+        </p:spPr>
+      </p:pic>
+      <p:grpSp>
+        <p:nvGrpSpPr>
+          <p:cNvPr id="32" name="Group 31">
+            <a:extLst>
+              <a:ext uri="{FF2B5EF4-FFF2-40B4-BE49-F238E27FC236}">
+                <a16:creationId xmlns:a16="http://schemas.microsoft.com/office/drawing/2014/main" id="{57F118AC-D309-4A90-B7A7-1765447CFC50}"/>
+              </a:ext>
+            </a:extLst>
+          </p:cNvPr>
+          <p:cNvGrpSpPr/>
+          <p:nvPr/>
+        </p:nvGrpSpPr>
+        <p:grpSpPr>
+          <a:xfrm>
+            <a:off x="6240445" y="3707883"/>
+            <a:ext cx="2060480" cy="369332"/>
+            <a:chOff x="6796579" y="2569060"/>
+            <a:chExt cx="1895106" cy="369332"/>
+          </a:xfrm>
+        </p:grpSpPr>
+        <p:cxnSp>
+          <p:nvCxnSpPr>
+            <p:cNvPr id="33" name="Straight Arrow Connector 32">
+              <a:extLst>
+                <a:ext uri="{FF2B5EF4-FFF2-40B4-BE49-F238E27FC236}">
+                  <a16:creationId xmlns:a16="http://schemas.microsoft.com/office/drawing/2014/main" id="{89B124DA-F18D-4BFB-8716-9D41C9AA3CEB}"/>
+                </a:ext>
+              </a:extLst>
+            </p:cNvPr>
+            <p:cNvCxnSpPr>
+              <a:cxnSpLocks/>
+            </p:cNvCxnSpPr>
+            <p:nvPr/>
+          </p:nvCxnSpPr>
+          <p:spPr>
+            <a:xfrm>
+              <a:off x="7341208" y="2775816"/>
+              <a:ext cx="991497" cy="0"/>
+            </a:xfrm>
+            <a:prstGeom prst="straightConnector1">
+              <a:avLst/>
+            </a:prstGeom>
+            <a:ln>
+              <a:solidFill>
+                <a:srgbClr val="C00000"/>
+              </a:solidFill>
+              <a:tailEnd type="triangle"/>
+            </a:ln>
+          </p:spPr>
+          <p:style>
+            <a:lnRef idx="3">
+              <a:schemeClr val="accent1"/>
+            </a:lnRef>
+            <a:fillRef idx="0">
+              <a:schemeClr val="accent1"/>
+            </a:fillRef>
+            <a:effectRef idx="2">
+              <a:schemeClr val="accent1"/>
+            </a:effectRef>
+            <a:fontRef idx="minor">
+              <a:schemeClr val="tx1"/>
+            </a:fontRef>
+          </p:style>
+        </p:cxnSp>
+        <p:sp>
+          <p:nvSpPr>
+            <p:cNvPr id="34" name="TextBox 33">
+              <a:extLst>
+                <a:ext uri="{FF2B5EF4-FFF2-40B4-BE49-F238E27FC236}">
+                  <a16:creationId xmlns:a16="http://schemas.microsoft.com/office/drawing/2014/main" id="{5BDB5AB5-162C-448C-9CF6-8E80C94AD8E0}"/>
+                </a:ext>
+              </a:extLst>
+            </p:cNvPr>
+            <p:cNvSpPr txBox="1"/>
+            <p:nvPr/>
+          </p:nvSpPr>
+          <p:spPr>
+            <a:xfrm>
+              <a:off x="6796579" y="2569060"/>
+              <a:ext cx="647934" cy="369332"/>
+            </a:xfrm>
+            <a:prstGeom prst="rect">
+              <a:avLst/>
+            </a:prstGeom>
+            <a:noFill/>
+          </p:spPr>
+          <p:txBody>
+            <a:bodyPr wrap="none" rtlCol="0">
+              <a:spAutoFit/>
+            </a:bodyPr>
+            <a:lstStyle/>
+            <a:p>
+              <a:r>
+                <a:rPr lang="en-US" dirty="0"/>
+                <a:t>type</a:t>
+              </a:r>
+            </a:p>
+          </p:txBody>
+        </p:sp>
+        <p:sp>
+          <p:nvSpPr>
+            <p:cNvPr id="35" name="Rectangle 34">
+              <a:extLst>
+                <a:ext uri="{FF2B5EF4-FFF2-40B4-BE49-F238E27FC236}">
+                  <a16:creationId xmlns:a16="http://schemas.microsoft.com/office/drawing/2014/main" id="{4C5B0025-B8BE-47CA-9B91-907D16BF3457}"/>
+                </a:ext>
+              </a:extLst>
+            </p:cNvPr>
+            <p:cNvSpPr/>
+            <p:nvPr/>
+          </p:nvSpPr>
+          <p:spPr>
+            <a:xfrm>
+              <a:off x="8376388" y="2654381"/>
+              <a:ext cx="315297" cy="215819"/>
+            </a:xfrm>
+            <a:prstGeom prst="rect">
+              <a:avLst/>
+            </a:prstGeom>
+            <a:noFill/>
+            <a:ln>
+              <a:solidFill>
+                <a:srgbClr val="C00000"/>
+              </a:solidFill>
+            </a:ln>
+          </p:spPr>
+          <p:style>
+            <a:lnRef idx="2">
+              <a:schemeClr val="accent1">
+                <a:shade val="50000"/>
+              </a:schemeClr>
+            </a:lnRef>
+            <a:fillRef idx="1">
+              <a:schemeClr val="accent1"/>
+            </a:fillRef>
+            <a:effectRef idx="0">
+              <a:schemeClr val="accent1"/>
+            </a:effectRef>
+            <a:fontRef idx="minor">
+              <a:schemeClr val="lt1"/>
+            </a:fontRef>
+          </p:style>
+          <p:txBody>
+            <a:bodyPr rtlCol="0" anchor="ctr"/>
+            <a:lstStyle/>
+            <a:p>
+              <a:pPr algn="ctr"/>
+              <a:endParaRPr lang="en-US"/>
+            </a:p>
+          </p:txBody>
+        </p:sp>
+      </p:grpSp>
+      <p:cxnSp>
+        <p:nvCxnSpPr>
+          <p:cNvPr id="46" name="Straight Arrow Connector 45">
+            <a:extLst>
+              <a:ext uri="{FF2B5EF4-FFF2-40B4-BE49-F238E27FC236}">
+                <a16:creationId xmlns:a16="http://schemas.microsoft.com/office/drawing/2014/main" id="{56602B2E-0F5A-42B2-B07C-99855ADF3205}"/>
+              </a:ext>
+            </a:extLst>
+          </p:cNvPr>
+          <p:cNvCxnSpPr>
+            <a:cxnSpLocks/>
+          </p:cNvCxnSpPr>
+          <p:nvPr/>
+        </p:nvCxnSpPr>
+        <p:spPr>
+          <a:xfrm flipV="1">
+            <a:off x="8185150" y="2959100"/>
+            <a:ext cx="584200" cy="834104"/>
+          </a:xfrm>
+          <a:prstGeom prst="straightConnector1">
+            <a:avLst/>
+          </a:prstGeom>
+          <a:ln>
+            <a:solidFill>
+              <a:srgbClr val="C00000"/>
+            </a:solidFill>
+            <a:tailEnd type="triangle"/>
+          </a:ln>
+        </p:spPr>
+        <p:style>
+          <a:lnRef idx="3">
+            <a:schemeClr val="accent1"/>
+          </a:lnRef>
+          <a:fillRef idx="0">
+            <a:schemeClr val="accent1"/>
+          </a:fillRef>
+          <a:effectRef idx="2">
+            <a:schemeClr val="accent1"/>
+          </a:effectRef>
+          <a:fontRef idx="minor">
+            <a:schemeClr val="tx1"/>
+          </a:fontRef>
+        </p:style>
+      </p:cxnSp>
+    </p:spTree>
+    <p:extLst>
+      <p:ext uri="{BB962C8B-B14F-4D97-AF65-F5344CB8AC3E}">
+        <p14:creationId xmlns:p14="http://schemas.microsoft.com/office/powerpoint/2010/main" val="3742728340"/>
+      </p:ext>
+    </p:extLst>
+  </p:cSld>
+  <p:clrMapOvr>
+    <a:masterClrMapping/>
+  </p:clrMapOvr>
+  <p:timing>
+    <p:tnLst>
+      <p:par>
+        <p:cTn id="1" dur="indefinite" restart="never" nodeType="tmRoot">
+          <p:childTnLst>
+            <p:seq concurrent="1" nextAc="seek">
+              <p:cTn id="2" dur="indefinite" nodeType="mainSeq">
+                <p:childTnLst>
+                  <p:par>
+                    <p:cTn id="3" fill="hold">
+                      <p:stCondLst>
+                        <p:cond delay="indefinite"/>
+                      </p:stCondLst>
+                      <p:childTnLst>
+                        <p:par>
+                          <p:cTn id="4" fill="hold">
+                            <p:stCondLst>
+                              <p:cond delay="0"/>
+                            </p:stCondLst>
+                            <p:childTnLst>
+                              <p:par>
+                                <p:cTn id="5" presetID="1" presetClass="entr" presetSubtype="0" fill="hold" nodeType="clickEffect">
+                                  <p:stCondLst>
+                                    <p:cond delay="0"/>
+                                  </p:stCondLst>
+                                  <p:childTnLst>
+                                    <p:set>
+                                      <p:cBhvr>
+                                        <p:cTn id="6" dur="1" fill="hold">
+                                          <p:stCondLst>
+                                            <p:cond delay="0"/>
+                                          </p:stCondLst>
+                                        </p:cTn>
+                                        <p:tgtEl>
+                                          <p:spTgt spid="32"/>
+                                        </p:tgtEl>
+                                        <p:attrNameLst>
+                                          <p:attrName>style.visibility</p:attrName>
+                                        </p:attrNameLst>
+                                      </p:cBhvr>
+                                      <p:to>
+                                        <p:strVal val="visible"/>
+                                      </p:to>
+                                    </p:set>
+                                  </p:childTnLst>
+                                </p:cTn>
+                              </p:par>
+                              <p:par>
+                                <p:cTn id="7" presetID="1" presetClass="exit" presetSubtype="0" fill="hold" nodeType="withEffect">
+                                  <p:stCondLst>
+                                    <p:cond delay="0"/>
+                                  </p:stCondLst>
+                                  <p:childTnLst>
+                                    <p:set>
+                                      <p:cBhvr>
+                                        <p:cTn id="8" dur="1" fill="hold">
+                                          <p:stCondLst>
+                                            <p:cond delay="0"/>
+                                          </p:stCondLst>
+                                        </p:cTn>
+                                        <p:tgtEl>
+                                          <p:spTgt spid="32"/>
+                                        </p:tgtEl>
+                                        <p:attrNameLst>
+                                          <p:attrName>style.visibility</p:attrName>
+                                        </p:attrNameLst>
+                                      </p:cBhvr>
+                                      <p:to>
+                                        <p:strVal val="hidden"/>
+                                      </p:to>
+                                    </p:set>
+                                  </p:childTnLst>
+                                </p:cTn>
+                              </p:par>
+                            </p:childTnLst>
+                          </p:cTn>
+                        </p:par>
+                      </p:childTnLst>
+                    </p:cTn>
+                  </p:par>
+                  <p:par>
+                    <p:cTn id="9" fill="hold">
+                      <p:stCondLst>
+                        <p:cond delay="indefinite"/>
+                      </p:stCondLst>
+                      <p:childTnLst>
+                        <p:par>
+                          <p:cTn id="10" fill="hold">
+                            <p:stCondLst>
+                              <p:cond delay="0"/>
+                            </p:stCondLst>
+                            <p:childTnLst>
+                              <p:par>
+                                <p:cTn id="11" presetID="1" presetClass="entr" presetSubtype="0" fill="hold" nodeType="clickEffect">
+                                  <p:stCondLst>
+                                    <p:cond delay="0"/>
+                                  </p:stCondLst>
+                                  <p:childTnLst>
+                                    <p:set>
+                                      <p:cBhvr>
+                                        <p:cTn id="12" dur="1" fill="hold">
+                                          <p:stCondLst>
+                                            <p:cond delay="0"/>
+                                          </p:stCondLst>
+                                        </p:cTn>
+                                        <p:tgtEl>
+                                          <p:spTgt spid="46"/>
+                                        </p:tgtEl>
+                                        <p:attrNameLst>
+                                          <p:attrName>style.visibility</p:attrName>
+                                        </p:attrNameLst>
+                                      </p:cBhvr>
+                                      <p:to>
+                                        <p:strVal val="visible"/>
+                                      </p:to>
+                                    </p:set>
+                                  </p:childTnLst>
+                                </p:cTn>
+                              </p:par>
+                            </p:childTnLst>
+                          </p:cTn>
+                        </p:par>
+                      </p:childTnLst>
+                    </p:cTn>
+                  </p:par>
+                </p:childTnLst>
+              </p:cTn>
+              <p:prevCondLst>
+                <p:cond evt="onPrev" delay="0">
+                  <p:tgtEl>
+                    <p:sldTgt/>
+                  </p:tgtEl>
+                </p:cond>
+              </p:prevCondLst>
+              <p:nextCondLst>
+                <p:cond evt="onNext" delay="0">
+                  <p:tgtEl>
+                    <p:sldTgt/>
+                  </p:tgtEl>
+                </p:cond>
+              </p:nextCondLst>
+            </p:seq>
+          </p:childTnLst>
+        </p:cTn>
+      </p:par>
+    </p:tnLst>
+  </p:timing>
+</p:sld>
+</file>
+
+<file path=ppt/slides/slide13.xml><?xml version="1.0" encoding="utf-8"?>
+<p:sld xmlns:a="http://schemas.openxmlformats.org/drawingml/2006/main" xmlns:r="http://schemas.openxmlformats.org/officeDocument/2006/relationships" xmlns:p="http://schemas.openxmlformats.org/presentationml/2006/main">
+  <p:cSld>
+    <p:bg>
+      <p:bgPr>
+        <a:solidFill>
+          <a:schemeClr val="bg1"/>
+        </a:solidFill>
+        <a:effectLst/>
+      </p:bgPr>
+    </p:bg>
+    <p:spTree>
+      <p:nvGrpSpPr>
+        <p:cNvPr id="1" name=""/>
+        <p:cNvGrpSpPr/>
+        <p:nvPr/>
+      </p:nvGrpSpPr>
+      <p:grpSpPr>
+        <a:xfrm>
+          <a:off x="0" y="0"/>
+          <a:ext cx="0" cy="0"/>
+          <a:chOff x="0" y="0"/>
+          <a:chExt cx="0" cy="0"/>
+        </a:xfrm>
+      </p:grpSpPr>
+      <p:sp useBgFill="1">
+        <p:nvSpPr>
+          <p:cNvPr id="27" name="Rectangle 18">
+            <a:extLst>
+              <a:ext uri="{FF2B5EF4-FFF2-40B4-BE49-F238E27FC236}">
+                <a16:creationId xmlns:a16="http://schemas.microsoft.com/office/drawing/2014/main" id="{8651CFA9-6065-4243-AC48-858E359780B1}"/>
+              </a:ext>
+              <a:ext uri="{C183D7F6-B498-43B3-948B-1728B52AA6E4}">
+                <adec:decorative xmlns:adec="http://schemas.microsoft.com/office/drawing/2017/decorative" val="1"/>
+              </a:ext>
+            </a:extLst>
+          </p:cNvPr>
+          <p:cNvSpPr>
+            <a:spLocks noGrp="1" noRot="1" noChangeAspect="1" noMove="1" noResize="1" noEditPoints="1" noAdjustHandles="1" noChangeArrowheads="1" noChangeShapeType="1" noTextEdit="1"/>
+          </p:cNvSpPr>
+          <p:nvPr>
+            <p:extLst>
+              <p:ext uri="{386F3935-93C4-4BCD-93E2-E3B085C9AB24}">
+                <p16:designElem xmlns:p16="http://schemas.microsoft.com/office/powerpoint/2015/main" val="1"/>
+              </p:ext>
+            </p:extLst>
+          </p:nvPr>
+        </p:nvSpPr>
+        <p:spPr>
+          <a:xfrm>
+            <a:off x="0" y="0"/>
+            <a:ext cx="12192000" cy="6858000"/>
+          </a:xfrm>
+          <a:prstGeom prst="rect">
+            <a:avLst/>
+          </a:prstGeom>
+          <a:ln>
+            <a:noFill/>
+          </a:ln>
+        </p:spPr>
+        <p:style>
+          <a:lnRef idx="2">
+            <a:schemeClr val="accent1">
+              <a:shade val="50000"/>
+            </a:schemeClr>
+          </a:lnRef>
+          <a:fillRef idx="1">
+            <a:schemeClr val="accent1"/>
+          </a:fillRef>
+          <a:effectRef idx="0">
+            <a:schemeClr val="accent1"/>
+          </a:effectRef>
+          <a:fontRef idx="minor">
+            <a:schemeClr val="lt1"/>
+          </a:fontRef>
+        </p:style>
+        <p:txBody>
+          <a:bodyPr rtlCol="0" anchor="ctr"/>
+          <a:lstStyle/>
+          <a:p>
+            <a:pPr algn="ctr"/>
+            <a:endParaRPr lang="en-US">
+              <a:solidFill>
+                <a:schemeClr val="tx1">
+                  <a:lumMod val="65000"/>
+                  <a:lumOff val="35000"/>
+                </a:schemeClr>
+              </a:solidFill>
+              <a:latin typeface="AvenirNext LT Pro Medium" panose="020B0504020202020204" pitchFamily="34" charset="0"/>
+            </a:endParaRPr>
+          </a:p>
+        </p:txBody>
+      </p:sp>
+      <p:sp>
+        <p:nvSpPr>
+          <p:cNvPr id="28" name="Rectangle 20">
+            <a:extLst>
+              <a:ext uri="{FF2B5EF4-FFF2-40B4-BE49-F238E27FC236}">
+                <a16:creationId xmlns:a16="http://schemas.microsoft.com/office/drawing/2014/main" id="{37962AE0-6A1C-4B76-9D52-10E5E6D7D3BB}"/>
+              </a:ext>
+              <a:ext uri="{C183D7F6-B498-43B3-948B-1728B52AA6E4}">
+                <adec:decorative xmlns:adec="http://schemas.microsoft.com/office/drawing/2017/decorative" val="1"/>
+              </a:ext>
+            </a:extLst>
+          </p:cNvPr>
+          <p:cNvSpPr>
+            <a:spLocks noGrp="1" noRot="1" noChangeAspect="1" noMove="1" noResize="1" noEditPoints="1" noAdjustHandles="1" noChangeArrowheads="1" noChangeShapeType="1" noTextEdit="1"/>
+          </p:cNvSpPr>
+          <p:nvPr>
+            <p:extLst>
+              <p:ext uri="{386F3935-93C4-4BCD-93E2-E3B085C9AB24}">
+                <p16:designElem xmlns:p16="http://schemas.microsoft.com/office/powerpoint/2015/main" val="1"/>
+              </p:ext>
+            </p:extLst>
+          </p:nvPr>
+        </p:nvSpPr>
+        <p:spPr>
+          <a:xfrm>
+            <a:off x="-3048" y="0"/>
+            <a:ext cx="12188952" cy="6858000"/>
+          </a:xfrm>
+          <a:prstGeom prst="rect">
+            <a:avLst/>
+          </a:prstGeom>
+          <a:solidFill>
+            <a:schemeClr val="bg2">
+              <a:alpha val="70000"/>
+            </a:schemeClr>
+          </a:solidFill>
+          <a:ln>
+            <a:noFill/>
+          </a:ln>
+        </p:spPr>
+        <p:style>
+          <a:lnRef idx="2">
+            <a:schemeClr val="accent1">
+              <a:shade val="50000"/>
+            </a:schemeClr>
+          </a:lnRef>
+          <a:fillRef idx="1">
+            <a:schemeClr val="accent1"/>
+          </a:fillRef>
+          <a:effectRef idx="0">
+            <a:schemeClr val="accent1"/>
+          </a:effectRef>
+          <a:fontRef idx="minor">
+            <a:schemeClr val="lt1"/>
+          </a:fontRef>
+        </p:style>
+        <p:txBody>
+          <a:bodyPr rtlCol="0" anchor="ctr"/>
+          <a:lstStyle/>
+          <a:p>
+            <a:pPr algn="ctr"/>
+            <a:endParaRPr lang="en-US">
+              <a:solidFill>
+                <a:schemeClr val="tx1">
+                  <a:lumMod val="65000"/>
+                  <a:lumOff val="35000"/>
+                </a:schemeClr>
+              </a:solidFill>
+              <a:latin typeface="AvenirNext LT Pro Medium" panose="020B0504020202020204" pitchFamily="34" charset="0"/>
+            </a:endParaRPr>
+          </a:p>
+        </p:txBody>
+      </p:sp>
+      <p:sp>
+        <p:nvSpPr>
+          <p:cNvPr id="29" name="Rectangle 22">
+            <a:extLst>
+              <a:ext uri="{FF2B5EF4-FFF2-40B4-BE49-F238E27FC236}">
+                <a16:creationId xmlns:a16="http://schemas.microsoft.com/office/drawing/2014/main" id="{BF49D5AE-15AF-4BC1-8AC5-F5FA95199E94}"/>
+              </a:ext>
+              <a:ext uri="{C183D7F6-B498-43B3-948B-1728B52AA6E4}">
+                <adec:decorative xmlns:adec="http://schemas.microsoft.com/office/drawing/2017/decorative" val="1"/>
+              </a:ext>
+            </a:extLst>
+          </p:cNvPr>
+          <p:cNvSpPr>
+            <a:spLocks noGrp="1" noRot="1" noChangeAspect="1" noMove="1" noResize="1" noEditPoints="1" noAdjustHandles="1" noChangeArrowheads="1" noChangeShapeType="1" noTextEdit="1"/>
+          </p:cNvSpPr>
+          <p:nvPr>
+            <p:extLst>
+              <p:ext uri="{386F3935-93C4-4BCD-93E2-E3B085C9AB24}">
+                <p16:designElem xmlns:p16="http://schemas.microsoft.com/office/powerpoint/2015/main" val="1"/>
+              </p:ext>
+            </p:extLst>
+          </p:nvPr>
+        </p:nvSpPr>
+        <p:spPr>
+          <a:xfrm>
+            <a:off x="-3048" y="0"/>
+            <a:ext cx="12195048" cy="1295400"/>
+          </a:xfrm>
+          <a:prstGeom prst="rect">
+            <a:avLst/>
+          </a:prstGeom>
+          <a:solidFill>
+            <a:schemeClr val="tx2">
+              <a:lumMod val="90000"/>
+              <a:lumOff val="10000"/>
+            </a:schemeClr>
+          </a:solidFill>
+          <a:ln>
+            <a:noFill/>
+          </a:ln>
+        </p:spPr>
+        <p:style>
+          <a:lnRef idx="2">
+            <a:schemeClr val="accent1">
+              <a:shade val="50000"/>
+            </a:schemeClr>
+          </a:lnRef>
+          <a:fillRef idx="1">
+            <a:schemeClr val="accent1"/>
+          </a:fillRef>
+          <a:effectRef idx="0">
+            <a:schemeClr val="accent1"/>
+          </a:effectRef>
+          <a:fontRef idx="minor">
+            <a:schemeClr val="lt1"/>
+          </a:fontRef>
+        </p:style>
+        <p:txBody>
+          <a:bodyPr rtlCol="0" anchor="ctr"/>
+          <a:lstStyle/>
+          <a:p>
+            <a:pPr algn="ctr"/>
+            <a:endParaRPr lang="en-US" dirty="0"/>
+          </a:p>
+        </p:txBody>
+      </p:sp>
+      <p:sp>
+        <p:nvSpPr>
+          <p:cNvPr id="30" name="Rectangle 24">
+            <a:extLst>
+              <a:ext uri="{FF2B5EF4-FFF2-40B4-BE49-F238E27FC236}">
+                <a16:creationId xmlns:a16="http://schemas.microsoft.com/office/drawing/2014/main" id="{5608A5E7-BD2D-419A-8079-3103083AB134}"/>
+              </a:ext>
+              <a:ext uri="{C183D7F6-B498-43B3-948B-1728B52AA6E4}">
+                <adec:decorative xmlns:adec="http://schemas.microsoft.com/office/drawing/2017/decorative" val="1"/>
+              </a:ext>
+            </a:extLst>
+          </p:cNvPr>
+          <p:cNvSpPr>
+            <a:spLocks noGrp="1" noRot="1" noChangeAspect="1" noMove="1" noResize="1" noEditPoints="1" noAdjustHandles="1" noChangeArrowheads="1" noChangeShapeType="1" noTextEdit="1"/>
+          </p:cNvSpPr>
+          <p:nvPr>
+            <p:extLst>
+              <p:ext uri="{386F3935-93C4-4BCD-93E2-E3B085C9AB24}">
+                <p16:designElem xmlns:p16="http://schemas.microsoft.com/office/powerpoint/2015/main" val="1"/>
+              </p:ext>
+            </p:extLst>
+          </p:nvPr>
+        </p:nvSpPr>
+        <p:spPr>
+          <a:xfrm>
+            <a:off x="1524" y="0"/>
+            <a:ext cx="12188952" cy="1295400"/>
+          </a:xfrm>
+          <a:prstGeom prst="rect">
+            <a:avLst/>
+          </a:prstGeom>
+          <a:blipFill dpi="0" rotWithShape="1">
+            <a:blip r:embed="rId2">
+              <a:alphaModFix amt="24000"/>
+              <a:duotone>
+                <a:schemeClr val="accent1">
+                  <a:shade val="45000"/>
+                  <a:satMod val="135000"/>
+                </a:schemeClr>
+                <a:prstClr val="white"/>
+              </a:duotone>
+            </a:blip>
+            <a:srcRect/>
+            <a:tile tx="889000" ty="0" sx="100000" sy="100000" flip="none" algn="tl"/>
+          </a:blipFill>
+          <a:ln>
+            <a:noFill/>
+          </a:ln>
+        </p:spPr>
+        <p:style>
+          <a:lnRef idx="2">
+            <a:schemeClr val="accent1">
+              <a:shade val="50000"/>
+            </a:schemeClr>
+          </a:lnRef>
+          <a:fillRef idx="1">
+            <a:schemeClr val="accent1"/>
+          </a:fillRef>
+          <a:effectRef idx="0">
+            <a:schemeClr val="accent1"/>
+          </a:effectRef>
+          <a:fontRef idx="minor">
+            <a:schemeClr val="lt1"/>
+          </a:fontRef>
+        </p:style>
+        <p:txBody>
+          <a:bodyPr rtlCol="0" anchor="ctr"/>
+          <a:lstStyle/>
+          <a:p>
+            <a:pPr algn="ctr"/>
+            <a:endParaRPr lang="en-US" dirty="0"/>
+          </a:p>
+        </p:txBody>
+      </p:sp>
+      <p:sp>
+        <p:nvSpPr>
+          <p:cNvPr id="2" name="Title 1">
+            <a:extLst>
+              <a:ext uri="{FF2B5EF4-FFF2-40B4-BE49-F238E27FC236}">
+                <a16:creationId xmlns:a16="http://schemas.microsoft.com/office/drawing/2014/main" id="{435A2D9F-DF11-409A-8AFF-42DD6CF6FD8A}"/>
+              </a:ext>
+            </a:extLst>
+          </p:cNvPr>
+          <p:cNvSpPr>
+            <a:spLocks noGrp="1"/>
+          </p:cNvSpPr>
+          <p:nvPr>
+            <p:ph type="title"/>
+          </p:nvPr>
+        </p:nvSpPr>
+        <p:spPr>
+          <a:xfrm>
+            <a:off x="493453" y="-457200"/>
+            <a:ext cx="9988166" cy="1752600"/>
+          </a:xfrm>
+        </p:spPr>
+        <p:txBody>
+          <a:bodyPr anchor="b">
+            <a:normAutofit/>
+          </a:bodyPr>
+          <a:lstStyle/>
+          <a:p>
+            <a:r>
+              <a:rPr lang="en-US"/>
+              <a:t>Nested For Loops</a:t>
+            </a:r>
+            <a:endParaRPr lang="en-US" dirty="0"/>
+          </a:p>
+        </p:txBody>
+      </p:sp>
+      <p:sp>
+        <p:nvSpPr>
+          <p:cNvPr id="26" name="TextBox 25">
+            <a:extLst>
+              <a:ext uri="{FF2B5EF4-FFF2-40B4-BE49-F238E27FC236}">
+                <a16:creationId xmlns:a16="http://schemas.microsoft.com/office/drawing/2014/main" id="{DE9DAED5-200A-4CC5-9401-DCF0B0447DFC}"/>
+              </a:ext>
+            </a:extLst>
+          </p:cNvPr>
+          <p:cNvSpPr txBox="1"/>
+          <p:nvPr/>
+        </p:nvSpPr>
+        <p:spPr>
+          <a:xfrm>
+            <a:off x="430349" y="1561491"/>
+            <a:ext cx="6489648" cy="3713261"/>
+          </a:xfrm>
+          <a:prstGeom prst="rect">
+            <a:avLst/>
+          </a:prstGeom>
+          <a:noFill/>
+        </p:spPr>
+        <p:txBody>
+          <a:bodyPr wrap="square">
+            <a:spAutoFit/>
+          </a:bodyPr>
+          <a:lstStyle/>
+          <a:p>
+            <a:pPr marL="228600" indent="-228600">
+              <a:lnSpc>
+                <a:spcPct val="110000"/>
+              </a:lnSpc>
+              <a:spcBef>
+                <a:spcPts val="1000"/>
+              </a:spcBef>
+              <a:buClr>
+                <a:schemeClr val="accent1"/>
+              </a:buClr>
+              <a:buFont typeface="Arial" panose="020B0604020202020204" pitchFamily="34" charset="0"/>
+              <a:buChar char="•"/>
+            </a:pPr>
+            <a:r>
+              <a:rPr lang="en-US" dirty="0"/>
+              <a:t>C++ 11 introduced the </a:t>
+            </a:r>
+            <a:r>
+              <a:rPr lang="en-US" dirty="0">
+                <a:solidFill>
+                  <a:srgbClr val="C00000"/>
+                </a:solidFill>
+              </a:rPr>
+              <a:t>auto</a:t>
+            </a:r>
+            <a:r>
+              <a:rPr lang="en-US" dirty="0"/>
+              <a:t> keyword</a:t>
+            </a:r>
+          </a:p>
+          <a:p>
+            <a:pPr marL="228600" indent="-228600">
+              <a:lnSpc>
+                <a:spcPct val="110000"/>
+              </a:lnSpc>
+              <a:spcBef>
+                <a:spcPts val="1000"/>
+              </a:spcBef>
+              <a:buClr>
+                <a:schemeClr val="accent1"/>
+              </a:buClr>
+              <a:buFont typeface="Arial" panose="020B0604020202020204" pitchFamily="34" charset="0"/>
+              <a:buChar char="•"/>
+            </a:pPr>
+            <a:r>
+              <a:rPr lang="en-US" dirty="0">
+                <a:solidFill>
+                  <a:srgbClr val="C00000"/>
+                </a:solidFill>
+              </a:rPr>
+              <a:t>auto</a:t>
+            </a:r>
+            <a:r>
+              <a:rPr lang="en-US" dirty="0"/>
+              <a:t> declares a variable whose type is deduced/inferred</a:t>
+            </a:r>
+          </a:p>
+          <a:p>
+            <a:pPr marL="228600" indent="-228600">
+              <a:lnSpc>
+                <a:spcPct val="110000"/>
+              </a:lnSpc>
+              <a:spcBef>
+                <a:spcPts val="1000"/>
+              </a:spcBef>
+              <a:buClr>
+                <a:schemeClr val="accent1"/>
+              </a:buClr>
+              <a:buFont typeface="Arial" panose="020B0604020202020204" pitchFamily="34" charset="0"/>
+              <a:buChar char="•"/>
+            </a:pPr>
+            <a:r>
+              <a:rPr lang="en-US" dirty="0">
+                <a:solidFill>
+                  <a:srgbClr val="C00000"/>
+                </a:solidFill>
+              </a:rPr>
+              <a:t>auto</a:t>
+            </a:r>
+            <a:r>
+              <a:rPr lang="en-US" dirty="0"/>
+              <a:t> n = 10 ; The variable n is of type </a:t>
+            </a:r>
+            <a:r>
+              <a:rPr lang="en-US" dirty="0">
+                <a:solidFill>
+                  <a:srgbClr val="C00000"/>
+                </a:solidFill>
+              </a:rPr>
+              <a:t>int</a:t>
+            </a:r>
+          </a:p>
+          <a:p>
+            <a:pPr marL="228600" indent="-228600">
+              <a:lnSpc>
+                <a:spcPct val="110000"/>
+              </a:lnSpc>
+              <a:spcBef>
+                <a:spcPts val="1000"/>
+              </a:spcBef>
+              <a:buClr>
+                <a:schemeClr val="accent1"/>
+              </a:buClr>
+              <a:buFont typeface="Arial" panose="020B0604020202020204" pitchFamily="34" charset="0"/>
+              <a:buChar char="•"/>
+            </a:pPr>
+            <a:r>
+              <a:rPr lang="en-US" dirty="0"/>
+              <a:t>Range-based for loops can use auto to deduce the type of the </a:t>
+            </a:r>
+            <a:r>
+              <a:rPr lang="en-US" i="1" dirty="0"/>
+              <a:t>element </a:t>
+            </a:r>
+            <a:r>
+              <a:rPr lang="en-US" dirty="0"/>
+              <a:t>inside of the range</a:t>
+            </a:r>
+            <a:endParaRPr lang="en-US" i="1" dirty="0"/>
+          </a:p>
+          <a:p>
+            <a:pPr marL="228600" indent="-228600">
+              <a:lnSpc>
+                <a:spcPct val="110000"/>
+              </a:lnSpc>
+              <a:spcBef>
+                <a:spcPts val="1000"/>
+              </a:spcBef>
+              <a:buClr>
+                <a:schemeClr val="accent1"/>
+              </a:buClr>
+              <a:buFont typeface="Arial" panose="020B0604020202020204" pitchFamily="34" charset="0"/>
+              <a:buChar char="•"/>
+            </a:pPr>
+            <a:r>
+              <a:rPr lang="en-US" dirty="0"/>
+              <a:t>This makes code less verbose</a:t>
+            </a:r>
+          </a:p>
+          <a:p>
+            <a:pPr marL="228600" indent="-228600">
+              <a:lnSpc>
+                <a:spcPct val="110000"/>
+              </a:lnSpc>
+              <a:spcBef>
+                <a:spcPts val="1000"/>
+              </a:spcBef>
+              <a:buClr>
+                <a:schemeClr val="accent1"/>
+              </a:buClr>
+              <a:buFont typeface="Arial" panose="020B0604020202020204" pitchFamily="34" charset="0"/>
+              <a:buChar char="•"/>
+            </a:pPr>
+            <a:endParaRPr lang="en-US" dirty="0"/>
+          </a:p>
+          <a:p>
+            <a:pPr marL="228600" indent="-228600">
+              <a:lnSpc>
+                <a:spcPct val="110000"/>
+              </a:lnSpc>
+              <a:spcBef>
+                <a:spcPts val="1000"/>
+              </a:spcBef>
+              <a:buClr>
+                <a:schemeClr val="accent1"/>
+              </a:buClr>
+              <a:buFont typeface="Arial" panose="020B0604020202020204" pitchFamily="34" charset="0"/>
+              <a:buChar char="•"/>
+            </a:pPr>
+            <a:endParaRPr lang="en-US" dirty="0"/>
+          </a:p>
+          <a:p>
+            <a:pPr marL="228600" indent="-228600">
+              <a:lnSpc>
+                <a:spcPct val="110000"/>
+              </a:lnSpc>
+              <a:spcBef>
+                <a:spcPts val="1000"/>
+              </a:spcBef>
+              <a:buClr>
+                <a:schemeClr val="accent1"/>
+              </a:buClr>
+              <a:buFont typeface="Arial" panose="020B0604020202020204" pitchFamily="34" charset="0"/>
+              <a:buChar char="•"/>
+            </a:pPr>
+            <a:endParaRPr lang="en-US" dirty="0"/>
+          </a:p>
+        </p:txBody>
+      </p:sp>
+    </p:spTree>
+    <p:extLst>
+      <p:ext uri="{BB962C8B-B14F-4D97-AF65-F5344CB8AC3E}">
+        <p14:creationId xmlns:p14="http://schemas.microsoft.com/office/powerpoint/2010/main" val="851372088"/>
+      </p:ext>
+    </p:extLst>
+  </p:cSld>
+  <p:clrMapOvr>
+    <a:masterClrMapping/>
+  </p:clrMapOvr>
+</p:sld>
+</file>
+
 <file path=ppt/slides/slide2.xml><?xml version="1.0" encoding="utf-8"?>
 <p:sld xmlns:a="http://schemas.openxmlformats.org/drawingml/2006/main" xmlns:r="http://schemas.openxmlformats.org/officeDocument/2006/relationships" xmlns:p="http://schemas.openxmlformats.org/presentationml/2006/main">
   <p:cSld>
@@ -4672,7 +9068,7 @@
         </p:blipFill>
         <p:spPr>
           <a:xfrm>
-            <a:off x="2414052" y="4859273"/>
+            <a:off x="2466468" y="4859273"/>
             <a:ext cx="1411735" cy="1411735"/>
           </a:xfrm>
           <a:prstGeom prst="rect">
@@ -5745,7 +10141,7 @@
           <a:p>
             <a:r>
               <a:rPr lang="en-US" dirty="0"/>
-              <a:t>What We Are Learning</a:t>
+              <a:t>What We Are Learning - Loops</a:t>
             </a:r>
           </a:p>
         </p:txBody>
@@ -6149,7 +10545,7 @@
             <a:pPr algn="ctr"/>
             <a:r>
               <a:rPr lang="en-US" sz="1600" dirty="0"/>
-              <a:t>Code Block</a:t>
+              <a:t>Loop Body</a:t>
             </a:r>
           </a:p>
         </p:txBody>
@@ -6654,7 +11050,7 @@
           <a:p>
             <a:r>
               <a:rPr lang="en-US" dirty="0"/>
-              <a:t>While Loops</a:t>
+              <a:t>While Loops - Basic</a:t>
             </a:r>
           </a:p>
         </p:txBody>
@@ -6886,7 +11282,14 @@
             <a:pPr algn="ctr"/>
             <a:r>
               <a:rPr lang="en-US" sz="1600" dirty="0"/>
-              <a:t>Code Block</a:t>
+              <a:t>Loop </a:t>
+            </a:r>
+          </a:p>
+          <a:p>
+            <a:pPr algn="ctr"/>
+            <a:r>
+              <a:rPr lang="en-US" sz="1600" dirty="0"/>
+              <a:t>Body</a:t>
             </a:r>
           </a:p>
         </p:txBody>
@@ -9013,7 +13416,14 @@
             <a:pPr algn="ctr"/>
             <a:r>
               <a:rPr lang="en-US" sz="1600" dirty="0"/>
-              <a:t>Code Block</a:t>
+              <a:t>Loop</a:t>
+            </a:r>
+          </a:p>
+          <a:p>
+            <a:pPr algn="ctr"/>
+            <a:r>
+              <a:rPr lang="en-US" sz="1600" dirty="0"/>
+              <a:t>Body</a:t>
             </a:r>
           </a:p>
         </p:txBody>
@@ -10240,6 +14650,2043 @@
           </a:p>
         </p:txBody>
       </p:sp>
+      <p:sp>
+        <p:nvSpPr>
+          <p:cNvPr id="29" name="Rectangle 22">
+            <a:extLst>
+              <a:ext uri="{FF2B5EF4-FFF2-40B4-BE49-F238E27FC236}">
+                <a16:creationId xmlns:a16="http://schemas.microsoft.com/office/drawing/2014/main" id="{BF49D5AE-15AF-4BC1-8AC5-F5FA95199E94}"/>
+              </a:ext>
+              <a:ext uri="{C183D7F6-B498-43B3-948B-1728B52AA6E4}">
+                <adec:decorative xmlns:adec="http://schemas.microsoft.com/office/drawing/2017/decorative" val="1"/>
+              </a:ext>
+            </a:extLst>
+          </p:cNvPr>
+          <p:cNvSpPr>
+            <a:spLocks noGrp="1" noRot="1" noChangeAspect="1" noMove="1" noResize="1" noEditPoints="1" noAdjustHandles="1" noChangeArrowheads="1" noChangeShapeType="1" noTextEdit="1"/>
+          </p:cNvSpPr>
+          <p:nvPr>
+            <p:extLst>
+              <p:ext uri="{386F3935-93C4-4BCD-93E2-E3B085C9AB24}">
+                <p16:designElem xmlns:p16="http://schemas.microsoft.com/office/powerpoint/2015/main" val="1"/>
+              </p:ext>
+            </p:extLst>
+          </p:nvPr>
+        </p:nvSpPr>
+        <p:spPr>
+          <a:xfrm>
+            <a:off x="-3048" y="0"/>
+            <a:ext cx="12195048" cy="1295400"/>
+          </a:xfrm>
+          <a:prstGeom prst="rect">
+            <a:avLst/>
+          </a:prstGeom>
+          <a:solidFill>
+            <a:schemeClr val="tx2">
+              <a:lumMod val="90000"/>
+              <a:lumOff val="10000"/>
+            </a:schemeClr>
+          </a:solidFill>
+          <a:ln>
+            <a:noFill/>
+          </a:ln>
+        </p:spPr>
+        <p:style>
+          <a:lnRef idx="2">
+            <a:schemeClr val="accent1">
+              <a:shade val="50000"/>
+            </a:schemeClr>
+          </a:lnRef>
+          <a:fillRef idx="1">
+            <a:schemeClr val="accent1"/>
+          </a:fillRef>
+          <a:effectRef idx="0">
+            <a:schemeClr val="accent1"/>
+          </a:effectRef>
+          <a:fontRef idx="minor">
+            <a:schemeClr val="lt1"/>
+          </a:fontRef>
+        </p:style>
+        <p:txBody>
+          <a:bodyPr rtlCol="0" anchor="ctr"/>
+          <a:lstStyle/>
+          <a:p>
+            <a:pPr algn="ctr"/>
+            <a:endParaRPr lang="en-US" dirty="0"/>
+          </a:p>
+        </p:txBody>
+      </p:sp>
+      <p:sp>
+        <p:nvSpPr>
+          <p:cNvPr id="30" name="Rectangle 24">
+            <a:extLst>
+              <a:ext uri="{FF2B5EF4-FFF2-40B4-BE49-F238E27FC236}">
+                <a16:creationId xmlns:a16="http://schemas.microsoft.com/office/drawing/2014/main" id="{5608A5E7-BD2D-419A-8079-3103083AB134}"/>
+              </a:ext>
+              <a:ext uri="{C183D7F6-B498-43B3-948B-1728B52AA6E4}">
+                <adec:decorative xmlns:adec="http://schemas.microsoft.com/office/drawing/2017/decorative" val="1"/>
+              </a:ext>
+            </a:extLst>
+          </p:cNvPr>
+          <p:cNvSpPr>
+            <a:spLocks noGrp="1" noRot="1" noChangeAspect="1" noMove="1" noResize="1" noEditPoints="1" noAdjustHandles="1" noChangeArrowheads="1" noChangeShapeType="1" noTextEdit="1"/>
+          </p:cNvSpPr>
+          <p:nvPr>
+            <p:extLst>
+              <p:ext uri="{386F3935-93C4-4BCD-93E2-E3B085C9AB24}">
+                <p16:designElem xmlns:p16="http://schemas.microsoft.com/office/powerpoint/2015/main" val="1"/>
+              </p:ext>
+            </p:extLst>
+          </p:nvPr>
+        </p:nvSpPr>
+        <p:spPr>
+          <a:xfrm>
+            <a:off x="1524" y="0"/>
+            <a:ext cx="12188952" cy="1295400"/>
+          </a:xfrm>
+          <a:prstGeom prst="rect">
+            <a:avLst/>
+          </a:prstGeom>
+          <a:blipFill dpi="0" rotWithShape="1">
+            <a:blip r:embed="rId2">
+              <a:alphaModFix amt="24000"/>
+              <a:duotone>
+                <a:schemeClr val="accent1">
+                  <a:shade val="45000"/>
+                  <a:satMod val="135000"/>
+                </a:schemeClr>
+                <a:prstClr val="white"/>
+              </a:duotone>
+            </a:blip>
+            <a:srcRect/>
+            <a:tile tx="889000" ty="0" sx="100000" sy="100000" flip="none" algn="tl"/>
+          </a:blipFill>
+          <a:ln>
+            <a:noFill/>
+          </a:ln>
+        </p:spPr>
+        <p:style>
+          <a:lnRef idx="2">
+            <a:schemeClr val="accent1">
+              <a:shade val="50000"/>
+            </a:schemeClr>
+          </a:lnRef>
+          <a:fillRef idx="1">
+            <a:schemeClr val="accent1"/>
+          </a:fillRef>
+          <a:effectRef idx="0">
+            <a:schemeClr val="accent1"/>
+          </a:effectRef>
+          <a:fontRef idx="minor">
+            <a:schemeClr val="lt1"/>
+          </a:fontRef>
+        </p:style>
+        <p:txBody>
+          <a:bodyPr rtlCol="0" anchor="ctr"/>
+          <a:lstStyle/>
+          <a:p>
+            <a:pPr algn="ctr"/>
+            <a:endParaRPr lang="en-US" dirty="0"/>
+          </a:p>
+        </p:txBody>
+      </p:sp>
+      <p:sp>
+        <p:nvSpPr>
+          <p:cNvPr id="2" name="Title 1">
+            <a:extLst>
+              <a:ext uri="{FF2B5EF4-FFF2-40B4-BE49-F238E27FC236}">
+                <a16:creationId xmlns:a16="http://schemas.microsoft.com/office/drawing/2014/main" id="{435A2D9F-DF11-409A-8AFF-42DD6CF6FD8A}"/>
+              </a:ext>
+            </a:extLst>
+          </p:cNvPr>
+          <p:cNvSpPr>
+            <a:spLocks noGrp="1"/>
+          </p:cNvSpPr>
+          <p:nvPr>
+            <p:ph type="title"/>
+          </p:nvPr>
+        </p:nvSpPr>
+        <p:spPr>
+          <a:xfrm>
+            <a:off x="493453" y="-457200"/>
+            <a:ext cx="9988166" cy="1752600"/>
+          </a:xfrm>
+        </p:spPr>
+        <p:txBody>
+          <a:bodyPr anchor="b">
+            <a:normAutofit/>
+          </a:bodyPr>
+          <a:lstStyle/>
+          <a:p>
+            <a:r>
+              <a:rPr lang="en-US" dirty="0"/>
+              <a:t>While Loops – Do While</a:t>
+            </a:r>
+          </a:p>
+        </p:txBody>
+      </p:sp>
+      <p:sp>
+        <p:nvSpPr>
+          <p:cNvPr id="26" name="TextBox 25">
+            <a:extLst>
+              <a:ext uri="{FF2B5EF4-FFF2-40B4-BE49-F238E27FC236}">
+                <a16:creationId xmlns:a16="http://schemas.microsoft.com/office/drawing/2014/main" id="{DE9DAED5-200A-4CC5-9401-DCF0B0447DFC}"/>
+              </a:ext>
+            </a:extLst>
+          </p:cNvPr>
+          <p:cNvSpPr txBox="1"/>
+          <p:nvPr/>
+        </p:nvSpPr>
+        <p:spPr>
+          <a:xfrm>
+            <a:off x="430349" y="1561491"/>
+            <a:ext cx="10987360" cy="5573257"/>
+          </a:xfrm>
+          <a:prstGeom prst="rect">
+            <a:avLst/>
+          </a:prstGeom>
+          <a:noFill/>
+        </p:spPr>
+        <p:txBody>
+          <a:bodyPr wrap="square">
+            <a:spAutoFit/>
+          </a:bodyPr>
+          <a:lstStyle/>
+          <a:p>
+            <a:pPr marL="285750" indent="-285750">
+              <a:lnSpc>
+                <a:spcPct val="110000"/>
+              </a:lnSpc>
+              <a:spcBef>
+                <a:spcPts val="1000"/>
+              </a:spcBef>
+              <a:buClr>
+                <a:schemeClr val="accent1"/>
+              </a:buClr>
+              <a:buFont typeface="Arial" panose="020B0604020202020204" pitchFamily="34" charset="0"/>
+              <a:buChar char="•"/>
+            </a:pPr>
+            <a:r>
+              <a:rPr lang="en-US" dirty="0">
+                <a:solidFill>
+                  <a:srgbClr val="C00000"/>
+                </a:solidFill>
+              </a:rPr>
+              <a:t>Do while</a:t>
+            </a:r>
+            <a:r>
+              <a:rPr lang="en-US" dirty="0">
+                <a:solidFill>
+                  <a:schemeClr val="tx2"/>
+                </a:solidFill>
+              </a:rPr>
+              <a:t> loops execute Loop Body </a:t>
+            </a:r>
+            <a:r>
+              <a:rPr lang="en-US" i="1" dirty="0">
+                <a:solidFill>
+                  <a:schemeClr val="tx2"/>
+                </a:solidFill>
+              </a:rPr>
+              <a:t>first, </a:t>
+            </a:r>
+            <a:r>
+              <a:rPr lang="en-US" dirty="0">
+                <a:solidFill>
+                  <a:schemeClr val="tx2"/>
+                </a:solidFill>
+              </a:rPr>
+              <a:t>then conditional </a:t>
+            </a:r>
+          </a:p>
+          <a:p>
+            <a:pPr marL="285750" indent="-285750">
+              <a:lnSpc>
+                <a:spcPct val="110000"/>
+              </a:lnSpc>
+              <a:spcBef>
+                <a:spcPts val="1000"/>
+              </a:spcBef>
+              <a:buClr>
+                <a:schemeClr val="accent1"/>
+              </a:buClr>
+              <a:buFont typeface="Arial" panose="020B0604020202020204" pitchFamily="34" charset="0"/>
+              <a:buChar char="•"/>
+            </a:pPr>
+            <a:endParaRPr lang="en-US" dirty="0">
+              <a:solidFill>
+                <a:schemeClr val="tx2"/>
+              </a:solidFill>
+            </a:endParaRPr>
+          </a:p>
+          <a:p>
+            <a:pPr marL="285750" indent="-285750">
+              <a:lnSpc>
+                <a:spcPct val="110000"/>
+              </a:lnSpc>
+              <a:spcBef>
+                <a:spcPts val="1000"/>
+              </a:spcBef>
+              <a:buClr>
+                <a:schemeClr val="accent1"/>
+              </a:buClr>
+              <a:buFont typeface="Arial" panose="020B0604020202020204" pitchFamily="34" charset="0"/>
+              <a:buChar char="•"/>
+            </a:pPr>
+            <a:endParaRPr lang="en-US" dirty="0"/>
+          </a:p>
+          <a:p>
+            <a:pPr marL="285750" indent="-285750">
+              <a:lnSpc>
+                <a:spcPct val="110000"/>
+              </a:lnSpc>
+              <a:spcBef>
+                <a:spcPts val="1000"/>
+              </a:spcBef>
+              <a:buClr>
+                <a:schemeClr val="accent1"/>
+              </a:buClr>
+              <a:buFont typeface="Arial" panose="020B0604020202020204" pitchFamily="34" charset="0"/>
+              <a:buChar char="•"/>
+            </a:pPr>
+            <a:endParaRPr lang="en-US" dirty="0"/>
+          </a:p>
+          <a:p>
+            <a:pPr marL="285750" indent="-285750">
+              <a:lnSpc>
+                <a:spcPct val="110000"/>
+              </a:lnSpc>
+              <a:spcBef>
+                <a:spcPts val="1000"/>
+              </a:spcBef>
+              <a:buClr>
+                <a:schemeClr val="accent1"/>
+              </a:buClr>
+              <a:buFont typeface="Arial" panose="020B0604020202020204" pitchFamily="34" charset="0"/>
+              <a:buChar char="•"/>
+            </a:pPr>
+            <a:endParaRPr lang="en-US" dirty="0"/>
+          </a:p>
+          <a:p>
+            <a:pPr marL="285750" indent="-285750">
+              <a:lnSpc>
+                <a:spcPct val="110000"/>
+              </a:lnSpc>
+              <a:spcBef>
+                <a:spcPts val="1000"/>
+              </a:spcBef>
+              <a:buClr>
+                <a:schemeClr val="accent1"/>
+              </a:buClr>
+              <a:buFont typeface="Arial" panose="020B0604020202020204" pitchFamily="34" charset="0"/>
+              <a:buChar char="•"/>
+            </a:pPr>
+            <a:endParaRPr lang="en-US" dirty="0"/>
+          </a:p>
+          <a:p>
+            <a:pPr marL="285750" indent="-285750">
+              <a:lnSpc>
+                <a:spcPct val="110000"/>
+              </a:lnSpc>
+              <a:spcBef>
+                <a:spcPts val="1000"/>
+              </a:spcBef>
+              <a:buClr>
+                <a:schemeClr val="accent1"/>
+              </a:buClr>
+              <a:buFont typeface="Arial" panose="020B0604020202020204" pitchFamily="34" charset="0"/>
+              <a:buChar char="•"/>
+            </a:pPr>
+            <a:endParaRPr lang="en-US" dirty="0"/>
+          </a:p>
+          <a:p>
+            <a:pPr marL="285750" indent="-285750">
+              <a:lnSpc>
+                <a:spcPct val="110000"/>
+              </a:lnSpc>
+              <a:spcBef>
+                <a:spcPts val="1000"/>
+              </a:spcBef>
+              <a:buClr>
+                <a:schemeClr val="accent1"/>
+              </a:buClr>
+              <a:buFont typeface="Arial" panose="020B0604020202020204" pitchFamily="34" charset="0"/>
+              <a:buChar char="•"/>
+            </a:pPr>
+            <a:endParaRPr lang="en-US" dirty="0"/>
+          </a:p>
+          <a:p>
+            <a:pPr marL="285750" indent="-285750">
+              <a:lnSpc>
+                <a:spcPct val="110000"/>
+              </a:lnSpc>
+              <a:spcBef>
+                <a:spcPts val="1000"/>
+              </a:spcBef>
+              <a:buClr>
+                <a:schemeClr val="accent1"/>
+              </a:buClr>
+              <a:buFont typeface="Arial" panose="020B0604020202020204" pitchFamily="34" charset="0"/>
+              <a:buChar char="•"/>
+            </a:pPr>
+            <a:r>
+              <a:rPr lang="en-US" dirty="0">
+                <a:solidFill>
+                  <a:schemeClr val="tx2"/>
+                </a:solidFill>
+              </a:rPr>
+              <a:t>It doesn’t matter that repeat is set to False in Line 6</a:t>
+            </a:r>
+          </a:p>
+          <a:p>
+            <a:pPr marL="285750" indent="-285750">
+              <a:lnSpc>
+                <a:spcPct val="110000"/>
+              </a:lnSpc>
+              <a:spcBef>
+                <a:spcPts val="1000"/>
+              </a:spcBef>
+              <a:buClr>
+                <a:schemeClr val="accent1"/>
+              </a:buClr>
+              <a:buFont typeface="Arial" panose="020B0604020202020204" pitchFamily="34" charset="0"/>
+              <a:buChar char="•"/>
+            </a:pPr>
+            <a:r>
+              <a:rPr lang="en-US" dirty="0">
+                <a:solidFill>
+                  <a:schemeClr val="tx2"/>
+                </a:solidFill>
+              </a:rPr>
+              <a:t>Loop Body is executed at </a:t>
+            </a:r>
+            <a:r>
+              <a:rPr lang="en-US" i="1" dirty="0">
+                <a:solidFill>
+                  <a:schemeClr val="tx2"/>
+                </a:solidFill>
+              </a:rPr>
+              <a:t>least</a:t>
+            </a:r>
+            <a:r>
+              <a:rPr lang="en-US" dirty="0">
+                <a:solidFill>
+                  <a:schemeClr val="tx2"/>
+                </a:solidFill>
+              </a:rPr>
+              <a:t> </a:t>
+            </a:r>
+            <a:r>
+              <a:rPr lang="en-US" i="1" dirty="0">
+                <a:solidFill>
+                  <a:schemeClr val="tx2"/>
+                </a:solidFill>
+              </a:rPr>
+              <a:t>once</a:t>
+            </a:r>
+          </a:p>
+          <a:p>
+            <a:pPr marL="742950" lvl="1" indent="-285750">
+              <a:lnSpc>
+                <a:spcPct val="110000"/>
+              </a:lnSpc>
+              <a:spcBef>
+                <a:spcPts val="1000"/>
+              </a:spcBef>
+              <a:buClr>
+                <a:schemeClr val="accent1"/>
+              </a:buClr>
+              <a:buFont typeface="Arial" panose="020B0604020202020204" pitchFamily="34" charset="0"/>
+              <a:buChar char="•"/>
+            </a:pPr>
+            <a:endParaRPr lang="en-US" dirty="0">
+              <a:solidFill>
+                <a:schemeClr val="tx2"/>
+              </a:solidFill>
+            </a:endParaRPr>
+          </a:p>
+          <a:p>
+            <a:pPr marL="742950" lvl="1" indent="-285750">
+              <a:lnSpc>
+                <a:spcPct val="110000"/>
+              </a:lnSpc>
+              <a:spcBef>
+                <a:spcPts val="1000"/>
+              </a:spcBef>
+              <a:buClr>
+                <a:schemeClr val="accent1"/>
+              </a:buClr>
+              <a:buFont typeface="Arial" panose="020B0604020202020204" pitchFamily="34" charset="0"/>
+              <a:buChar char="•"/>
+            </a:pPr>
+            <a:r>
+              <a:rPr lang="en-US" dirty="0">
+                <a:solidFill>
+                  <a:schemeClr val="tx2"/>
+                </a:solidFill>
+              </a:rPr>
+              <a:t>Often used for game loops: Get Input, Update Game, Render</a:t>
+            </a:r>
+          </a:p>
+          <a:p>
+            <a:pPr marL="742950" lvl="1" indent="-285750">
+              <a:lnSpc>
+                <a:spcPct val="110000"/>
+              </a:lnSpc>
+              <a:spcBef>
+                <a:spcPts val="1000"/>
+              </a:spcBef>
+              <a:buClr>
+                <a:schemeClr val="accent1"/>
+              </a:buClr>
+              <a:buFont typeface="Arial" panose="020B0604020202020204" pitchFamily="34" charset="0"/>
+              <a:buChar char="•"/>
+            </a:pPr>
+            <a:endParaRPr lang="en-US" dirty="0"/>
+          </a:p>
+        </p:txBody>
+      </p:sp>
+      <p:sp>
+        <p:nvSpPr>
+          <p:cNvPr id="3" name="Rectangle 2">
+            <a:extLst>
+              <a:ext uri="{FF2B5EF4-FFF2-40B4-BE49-F238E27FC236}">
+                <a16:creationId xmlns:a16="http://schemas.microsoft.com/office/drawing/2014/main" id="{C0CD5D73-9131-42EC-BA6F-1B8ED28E2C58}"/>
+              </a:ext>
+            </a:extLst>
+          </p:cNvPr>
+          <p:cNvSpPr/>
+          <p:nvPr/>
+        </p:nvSpPr>
+        <p:spPr>
+          <a:xfrm>
+            <a:off x="1011552" y="3095791"/>
+            <a:ext cx="1147368" cy="576596"/>
+          </a:xfrm>
+          <a:prstGeom prst="rect">
+            <a:avLst/>
+          </a:prstGeom>
+          <a:solidFill>
+            <a:srgbClr val="0D62AF"/>
+          </a:solidFill>
+        </p:spPr>
+        <p:style>
+          <a:lnRef idx="2">
+            <a:schemeClr val="accent1">
+              <a:shade val="50000"/>
+            </a:schemeClr>
+          </a:lnRef>
+          <a:fillRef idx="1">
+            <a:schemeClr val="accent1"/>
+          </a:fillRef>
+          <a:effectRef idx="0">
+            <a:schemeClr val="accent1"/>
+          </a:effectRef>
+          <a:fontRef idx="minor">
+            <a:schemeClr val="lt1"/>
+          </a:fontRef>
+        </p:style>
+        <p:txBody>
+          <a:bodyPr rtlCol="0" anchor="ctr"/>
+          <a:lstStyle/>
+          <a:p>
+            <a:pPr algn="ctr"/>
+            <a:r>
+              <a:rPr lang="en-US" sz="1600" dirty="0"/>
+              <a:t>Loop</a:t>
+            </a:r>
+          </a:p>
+          <a:p>
+            <a:pPr algn="ctr"/>
+            <a:r>
+              <a:rPr lang="en-US" sz="1600" dirty="0"/>
+              <a:t>Body</a:t>
+            </a:r>
+          </a:p>
+        </p:txBody>
+      </p:sp>
+      <p:sp>
+        <p:nvSpPr>
+          <p:cNvPr id="10" name="Flowchart: Decision 9">
+            <a:extLst>
+              <a:ext uri="{FF2B5EF4-FFF2-40B4-BE49-F238E27FC236}">
+                <a16:creationId xmlns:a16="http://schemas.microsoft.com/office/drawing/2014/main" id="{B871BEAE-0BC2-4EA0-ABFF-FB227F07B916}"/>
+              </a:ext>
+            </a:extLst>
+          </p:cNvPr>
+          <p:cNvSpPr/>
+          <p:nvPr/>
+        </p:nvSpPr>
+        <p:spPr>
+          <a:xfrm>
+            <a:off x="2715555" y="2942531"/>
+            <a:ext cx="1297389" cy="884966"/>
+          </a:xfrm>
+          <a:prstGeom prst="flowChartDecision">
+            <a:avLst/>
+          </a:prstGeom>
+          <a:solidFill>
+            <a:srgbClr val="0D62AF"/>
+          </a:solidFill>
+        </p:spPr>
+        <p:style>
+          <a:lnRef idx="2">
+            <a:schemeClr val="accent1">
+              <a:shade val="50000"/>
+            </a:schemeClr>
+          </a:lnRef>
+          <a:fillRef idx="1">
+            <a:schemeClr val="accent1"/>
+          </a:fillRef>
+          <a:effectRef idx="0">
+            <a:schemeClr val="accent1"/>
+          </a:effectRef>
+          <a:fontRef idx="minor">
+            <a:schemeClr val="lt1"/>
+          </a:fontRef>
+        </p:style>
+        <p:txBody>
+          <a:bodyPr wrap="none" lIns="0" tIns="0" rIns="0" bIns="0" rtlCol="0" anchor="ctr" anchorCtr="0">
+            <a:noAutofit/>
+          </a:bodyPr>
+          <a:lstStyle/>
+          <a:p>
+            <a:pPr algn="ctr"/>
+            <a:r>
+              <a:rPr lang="en-US" sz="1600" dirty="0"/>
+              <a:t>Conditional</a:t>
+            </a:r>
+            <a:endParaRPr lang="en-US" sz="1400" dirty="0"/>
+          </a:p>
+        </p:txBody>
+      </p:sp>
+      <p:cxnSp>
+        <p:nvCxnSpPr>
+          <p:cNvPr id="5" name="Connector: Elbow 4">
+            <a:extLst>
+              <a:ext uri="{FF2B5EF4-FFF2-40B4-BE49-F238E27FC236}">
+                <a16:creationId xmlns:a16="http://schemas.microsoft.com/office/drawing/2014/main" id="{EDB8A431-C58B-427F-94CD-852C954704BD}"/>
+              </a:ext>
+            </a:extLst>
+          </p:cNvPr>
+          <p:cNvCxnSpPr>
+            <a:cxnSpLocks/>
+            <a:stCxn id="10" idx="0"/>
+            <a:endCxn id="3" idx="0"/>
+          </p:cNvCxnSpPr>
+          <p:nvPr/>
+        </p:nvCxnSpPr>
+        <p:spPr>
+          <a:xfrm rot="16200000" flipH="1" flipV="1">
+            <a:off x="2398113" y="2129654"/>
+            <a:ext cx="153260" cy="1779014"/>
+          </a:xfrm>
+          <a:prstGeom prst="bentConnector3">
+            <a:avLst>
+              <a:gd name="adj1" fmla="val -149158"/>
+            </a:avLst>
+          </a:prstGeom>
+          <a:ln w="28575">
+            <a:solidFill>
+              <a:srgbClr val="0D62AF"/>
+            </a:solidFill>
+            <a:tailEnd type="triangle"/>
+          </a:ln>
+        </p:spPr>
+        <p:style>
+          <a:lnRef idx="1">
+            <a:schemeClr val="accent1"/>
+          </a:lnRef>
+          <a:fillRef idx="0">
+            <a:schemeClr val="accent1"/>
+          </a:fillRef>
+          <a:effectRef idx="0">
+            <a:schemeClr val="accent1"/>
+          </a:effectRef>
+          <a:fontRef idx="minor">
+            <a:schemeClr val="tx1"/>
+          </a:fontRef>
+        </p:style>
+      </p:cxnSp>
+      <p:sp>
+        <p:nvSpPr>
+          <p:cNvPr id="4" name="TextBox 3">
+            <a:extLst>
+              <a:ext uri="{FF2B5EF4-FFF2-40B4-BE49-F238E27FC236}">
+                <a16:creationId xmlns:a16="http://schemas.microsoft.com/office/drawing/2014/main" id="{55CA0771-6337-4C33-B323-85022F4F9106}"/>
+              </a:ext>
+            </a:extLst>
+          </p:cNvPr>
+          <p:cNvSpPr txBox="1"/>
+          <p:nvPr/>
+        </p:nvSpPr>
+        <p:spPr>
+          <a:xfrm>
+            <a:off x="3318203" y="2617532"/>
+            <a:ext cx="316112" cy="369332"/>
+          </a:xfrm>
+          <a:prstGeom prst="rect">
+            <a:avLst/>
+          </a:prstGeom>
+          <a:noFill/>
+        </p:spPr>
+        <p:txBody>
+          <a:bodyPr wrap="none" rtlCol="0">
+            <a:spAutoFit/>
+          </a:bodyPr>
+          <a:lstStyle/>
+          <a:p>
+            <a:r>
+              <a:rPr lang="en-US" dirty="0"/>
+              <a:t>T</a:t>
+            </a:r>
+          </a:p>
+        </p:txBody>
+      </p:sp>
+      <p:pic>
+        <p:nvPicPr>
+          <p:cNvPr id="32" name="Picture 31">
+            <a:extLst>
+              <a:ext uri="{FF2B5EF4-FFF2-40B4-BE49-F238E27FC236}">
+                <a16:creationId xmlns:a16="http://schemas.microsoft.com/office/drawing/2014/main" id="{821F7AAC-18E4-45B1-8B01-135FBF70D434}"/>
+              </a:ext>
+            </a:extLst>
+          </p:cNvPr>
+          <p:cNvPicPr>
+            <a:picLocks noChangeAspect="1"/>
+          </p:cNvPicPr>
+          <p:nvPr/>
+        </p:nvPicPr>
+        <p:blipFill>
+          <a:blip r:embed="rId3"/>
+          <a:stretch>
+            <a:fillRect/>
+          </a:stretch>
+        </p:blipFill>
+        <p:spPr>
+          <a:xfrm>
+            <a:off x="7459443" y="1790700"/>
+            <a:ext cx="4551387" cy="3975342"/>
+          </a:xfrm>
+          <a:prstGeom prst="rect">
+            <a:avLst/>
+          </a:prstGeom>
+        </p:spPr>
+      </p:pic>
+      <p:sp>
+        <p:nvSpPr>
+          <p:cNvPr id="14" name="TextBox 13">
+            <a:extLst>
+              <a:ext uri="{FF2B5EF4-FFF2-40B4-BE49-F238E27FC236}">
+                <a16:creationId xmlns:a16="http://schemas.microsoft.com/office/drawing/2014/main" id="{6D2A0E66-F143-4FB3-8049-94E684CAFF3C}"/>
+              </a:ext>
+            </a:extLst>
+          </p:cNvPr>
+          <p:cNvSpPr txBox="1"/>
+          <p:nvPr/>
+        </p:nvSpPr>
+        <p:spPr>
+          <a:xfrm>
+            <a:off x="3022076" y="3725194"/>
+            <a:ext cx="314510" cy="369332"/>
+          </a:xfrm>
+          <a:prstGeom prst="rect">
+            <a:avLst/>
+          </a:prstGeom>
+          <a:noFill/>
+        </p:spPr>
+        <p:txBody>
+          <a:bodyPr wrap="none" rtlCol="0">
+            <a:spAutoFit/>
+          </a:bodyPr>
+          <a:lstStyle/>
+          <a:p>
+            <a:r>
+              <a:rPr lang="en-US" dirty="0"/>
+              <a:t>F</a:t>
+            </a:r>
+          </a:p>
+        </p:txBody>
+      </p:sp>
+      <p:sp>
+        <p:nvSpPr>
+          <p:cNvPr id="9" name="Oval 8">
+            <a:extLst>
+              <a:ext uri="{FF2B5EF4-FFF2-40B4-BE49-F238E27FC236}">
+                <a16:creationId xmlns:a16="http://schemas.microsoft.com/office/drawing/2014/main" id="{702F23A7-2678-43CB-8265-51E17779B9A1}"/>
+              </a:ext>
+            </a:extLst>
+          </p:cNvPr>
+          <p:cNvSpPr/>
+          <p:nvPr/>
+        </p:nvSpPr>
+        <p:spPr>
+          <a:xfrm>
+            <a:off x="2994412" y="4042905"/>
+            <a:ext cx="739674" cy="458797"/>
+          </a:xfrm>
+          <a:prstGeom prst="ellipse">
+            <a:avLst/>
+          </a:prstGeom>
+          <a:solidFill>
+            <a:srgbClr val="0D62AF"/>
+          </a:solidFill>
+        </p:spPr>
+        <p:style>
+          <a:lnRef idx="2">
+            <a:schemeClr val="accent1">
+              <a:shade val="50000"/>
+            </a:schemeClr>
+          </a:lnRef>
+          <a:fillRef idx="1">
+            <a:schemeClr val="accent1"/>
+          </a:fillRef>
+          <a:effectRef idx="0">
+            <a:schemeClr val="accent1"/>
+          </a:effectRef>
+          <a:fontRef idx="minor">
+            <a:schemeClr val="lt1"/>
+          </a:fontRef>
+        </p:style>
+        <p:txBody>
+          <a:bodyPr lIns="0" tIns="0" rIns="0" bIns="0" rtlCol="0" anchor="ctr"/>
+          <a:lstStyle/>
+          <a:p>
+            <a:pPr algn="ctr"/>
+            <a:r>
+              <a:rPr lang="en-US" dirty="0"/>
+              <a:t>End</a:t>
+            </a:r>
+          </a:p>
+        </p:txBody>
+      </p:sp>
+      <p:cxnSp>
+        <p:nvCxnSpPr>
+          <p:cNvPr id="18" name="Connector: Elbow 17">
+            <a:extLst>
+              <a:ext uri="{FF2B5EF4-FFF2-40B4-BE49-F238E27FC236}">
+                <a16:creationId xmlns:a16="http://schemas.microsoft.com/office/drawing/2014/main" id="{8D3EA150-57DA-4A6B-8CAD-81BFA4614E57}"/>
+              </a:ext>
+            </a:extLst>
+          </p:cNvPr>
+          <p:cNvCxnSpPr>
+            <a:cxnSpLocks/>
+            <a:stCxn id="10" idx="2"/>
+            <a:endCxn id="9" idx="0"/>
+          </p:cNvCxnSpPr>
+          <p:nvPr/>
+        </p:nvCxnSpPr>
+        <p:spPr>
+          <a:xfrm rot="5400000">
+            <a:off x="3256546" y="3935201"/>
+            <a:ext cx="215408" cy="1"/>
+          </a:xfrm>
+          <a:prstGeom prst="bentConnector3">
+            <a:avLst>
+              <a:gd name="adj1" fmla="val 50000"/>
+            </a:avLst>
+          </a:prstGeom>
+          <a:ln w="28575">
+            <a:solidFill>
+              <a:srgbClr val="0D62AF"/>
+            </a:solidFill>
+            <a:tailEnd type="triangle"/>
+          </a:ln>
+        </p:spPr>
+        <p:style>
+          <a:lnRef idx="1">
+            <a:schemeClr val="accent1"/>
+          </a:lnRef>
+          <a:fillRef idx="0">
+            <a:schemeClr val="accent1"/>
+          </a:fillRef>
+          <a:effectRef idx="0">
+            <a:schemeClr val="accent1"/>
+          </a:effectRef>
+          <a:fontRef idx="minor">
+            <a:schemeClr val="tx1"/>
+          </a:fontRef>
+        </p:style>
+      </p:cxnSp>
+      <p:grpSp>
+        <p:nvGrpSpPr>
+          <p:cNvPr id="36" name="Group 35">
+            <a:extLst>
+              <a:ext uri="{FF2B5EF4-FFF2-40B4-BE49-F238E27FC236}">
+                <a16:creationId xmlns:a16="http://schemas.microsoft.com/office/drawing/2014/main" id="{87870DE7-037E-4AE4-9C82-B2538F1DFA30}"/>
+              </a:ext>
+            </a:extLst>
+          </p:cNvPr>
+          <p:cNvGrpSpPr/>
+          <p:nvPr/>
+        </p:nvGrpSpPr>
+        <p:grpSpPr>
+          <a:xfrm>
+            <a:off x="5097216" y="2887292"/>
+            <a:ext cx="4608759" cy="369332"/>
+            <a:chOff x="5175605" y="2577000"/>
+            <a:chExt cx="4576437" cy="369332"/>
+          </a:xfrm>
+        </p:grpSpPr>
+        <p:cxnSp>
+          <p:nvCxnSpPr>
+            <p:cNvPr id="37" name="Straight Arrow Connector 36">
+              <a:extLst>
+                <a:ext uri="{FF2B5EF4-FFF2-40B4-BE49-F238E27FC236}">
+                  <a16:creationId xmlns:a16="http://schemas.microsoft.com/office/drawing/2014/main" id="{81154E18-36C6-4130-8EFC-86A3A059455B}"/>
+                </a:ext>
+              </a:extLst>
+            </p:cNvPr>
+            <p:cNvCxnSpPr>
+              <a:cxnSpLocks/>
+            </p:cNvCxnSpPr>
+            <p:nvPr/>
+          </p:nvCxnSpPr>
+          <p:spPr>
+            <a:xfrm>
+              <a:off x="7402466" y="2761672"/>
+              <a:ext cx="844509" cy="1"/>
+            </a:xfrm>
+            <a:prstGeom prst="straightConnector1">
+              <a:avLst/>
+            </a:prstGeom>
+            <a:ln>
+              <a:solidFill>
+                <a:srgbClr val="C00000"/>
+              </a:solidFill>
+              <a:tailEnd type="triangle"/>
+            </a:ln>
+          </p:spPr>
+          <p:style>
+            <a:lnRef idx="3">
+              <a:schemeClr val="accent1"/>
+            </a:lnRef>
+            <a:fillRef idx="0">
+              <a:schemeClr val="accent1"/>
+            </a:fillRef>
+            <a:effectRef idx="2">
+              <a:schemeClr val="accent1"/>
+            </a:effectRef>
+            <a:fontRef idx="minor">
+              <a:schemeClr val="tx1"/>
+            </a:fontRef>
+          </p:style>
+        </p:cxnSp>
+        <p:sp>
+          <p:nvSpPr>
+            <p:cNvPr id="38" name="TextBox 37">
+              <a:extLst>
+                <a:ext uri="{FF2B5EF4-FFF2-40B4-BE49-F238E27FC236}">
+                  <a16:creationId xmlns:a16="http://schemas.microsoft.com/office/drawing/2014/main" id="{DDB0C833-1DC5-4364-BA52-6C2242A99DEF}"/>
+                </a:ext>
+              </a:extLst>
+            </p:cNvPr>
+            <p:cNvSpPr txBox="1"/>
+            <p:nvPr/>
+          </p:nvSpPr>
+          <p:spPr>
+            <a:xfrm>
+              <a:off x="5175605" y="2577000"/>
+              <a:ext cx="2134232" cy="369332"/>
+            </a:xfrm>
+            <a:prstGeom prst="rect">
+              <a:avLst/>
+            </a:prstGeom>
+            <a:noFill/>
+          </p:spPr>
+          <p:txBody>
+            <a:bodyPr wrap="none" rtlCol="0">
+              <a:spAutoFit/>
+            </a:bodyPr>
+            <a:lstStyle/>
+            <a:p>
+              <a:r>
+                <a:rPr lang="en-US" dirty="0"/>
+                <a:t>Condition Variable</a:t>
+              </a:r>
+            </a:p>
+          </p:txBody>
+        </p:sp>
+        <p:sp>
+          <p:nvSpPr>
+            <p:cNvPr id="39" name="Rectangle 38">
+              <a:extLst>
+                <a:ext uri="{FF2B5EF4-FFF2-40B4-BE49-F238E27FC236}">
+                  <a16:creationId xmlns:a16="http://schemas.microsoft.com/office/drawing/2014/main" id="{A591812A-C76D-4180-A2B3-4D8E687D9A5B}"/>
+                </a:ext>
+              </a:extLst>
+            </p:cNvPr>
+            <p:cNvSpPr/>
+            <p:nvPr/>
+          </p:nvSpPr>
+          <p:spPr>
+            <a:xfrm>
+              <a:off x="8266466" y="2653756"/>
+              <a:ext cx="1485576" cy="215819"/>
+            </a:xfrm>
+            <a:prstGeom prst="rect">
+              <a:avLst/>
+            </a:prstGeom>
+            <a:noFill/>
+            <a:ln>
+              <a:solidFill>
+                <a:srgbClr val="C00000"/>
+              </a:solidFill>
+            </a:ln>
+          </p:spPr>
+          <p:style>
+            <a:lnRef idx="2">
+              <a:schemeClr val="accent1">
+                <a:shade val="50000"/>
+              </a:schemeClr>
+            </a:lnRef>
+            <a:fillRef idx="1">
+              <a:schemeClr val="accent1"/>
+            </a:fillRef>
+            <a:effectRef idx="0">
+              <a:schemeClr val="accent1"/>
+            </a:effectRef>
+            <a:fontRef idx="minor">
+              <a:schemeClr val="lt1"/>
+            </a:fontRef>
+          </p:style>
+          <p:txBody>
+            <a:bodyPr rtlCol="0" anchor="ctr"/>
+            <a:lstStyle/>
+            <a:p>
+              <a:pPr algn="ctr"/>
+              <a:endParaRPr lang="en-US"/>
+            </a:p>
+          </p:txBody>
+        </p:sp>
+      </p:grpSp>
+      <p:grpSp>
+        <p:nvGrpSpPr>
+          <p:cNvPr id="40" name="Group 39">
+            <a:extLst>
+              <a:ext uri="{FF2B5EF4-FFF2-40B4-BE49-F238E27FC236}">
+                <a16:creationId xmlns:a16="http://schemas.microsoft.com/office/drawing/2014/main" id="{CD13E40E-C825-4959-BEC7-A8C645BD0362}"/>
+              </a:ext>
+            </a:extLst>
+          </p:cNvPr>
+          <p:cNvGrpSpPr/>
+          <p:nvPr/>
+        </p:nvGrpSpPr>
+        <p:grpSpPr>
+          <a:xfrm>
+            <a:off x="5374509" y="4132370"/>
+            <a:ext cx="4634679" cy="369332"/>
+            <a:chOff x="5601521" y="2575867"/>
+            <a:chExt cx="4634679" cy="369332"/>
+          </a:xfrm>
+        </p:grpSpPr>
+        <p:cxnSp>
+          <p:nvCxnSpPr>
+            <p:cNvPr id="41" name="Straight Arrow Connector 40">
+              <a:extLst>
+                <a:ext uri="{FF2B5EF4-FFF2-40B4-BE49-F238E27FC236}">
+                  <a16:creationId xmlns:a16="http://schemas.microsoft.com/office/drawing/2014/main" id="{8895DAD7-6728-4FEB-AD2D-A28983B3FB2C}"/>
+                </a:ext>
+              </a:extLst>
+            </p:cNvPr>
+            <p:cNvCxnSpPr>
+              <a:cxnSpLocks/>
+            </p:cNvCxnSpPr>
+            <p:nvPr/>
+          </p:nvCxnSpPr>
+          <p:spPr>
+            <a:xfrm>
+              <a:off x="7488196" y="2775815"/>
+              <a:ext cx="1105785" cy="0"/>
+            </a:xfrm>
+            <a:prstGeom prst="straightConnector1">
+              <a:avLst/>
+            </a:prstGeom>
+            <a:ln>
+              <a:solidFill>
+                <a:srgbClr val="C00000"/>
+              </a:solidFill>
+              <a:tailEnd type="triangle"/>
+            </a:ln>
+          </p:spPr>
+          <p:style>
+            <a:lnRef idx="3">
+              <a:schemeClr val="accent1"/>
+            </a:lnRef>
+            <a:fillRef idx="0">
+              <a:schemeClr val="accent1"/>
+            </a:fillRef>
+            <a:effectRef idx="2">
+              <a:schemeClr val="accent1"/>
+            </a:effectRef>
+            <a:fontRef idx="minor">
+              <a:schemeClr val="tx1"/>
+            </a:fontRef>
+          </p:style>
+        </p:cxnSp>
+        <p:sp>
+          <p:nvSpPr>
+            <p:cNvPr id="42" name="TextBox 41">
+              <a:extLst>
+                <a:ext uri="{FF2B5EF4-FFF2-40B4-BE49-F238E27FC236}">
+                  <a16:creationId xmlns:a16="http://schemas.microsoft.com/office/drawing/2014/main" id="{6AD0A592-586E-4BA1-A135-EE758F4D5E5B}"/>
+                </a:ext>
+              </a:extLst>
+            </p:cNvPr>
+            <p:cNvSpPr txBox="1"/>
+            <p:nvPr/>
+          </p:nvSpPr>
+          <p:spPr>
+            <a:xfrm>
+              <a:off x="5601521" y="2575867"/>
+              <a:ext cx="1880579" cy="369332"/>
+            </a:xfrm>
+            <a:prstGeom prst="rect">
+              <a:avLst/>
+            </a:prstGeom>
+            <a:noFill/>
+          </p:spPr>
+          <p:txBody>
+            <a:bodyPr wrap="none" rtlCol="0">
+              <a:spAutoFit/>
+            </a:bodyPr>
+            <a:lstStyle/>
+            <a:p>
+              <a:r>
+                <a:rPr lang="en-US" dirty="0"/>
+                <a:t>Update Variable</a:t>
+              </a:r>
+            </a:p>
+          </p:txBody>
+        </p:sp>
+        <p:sp>
+          <p:nvSpPr>
+            <p:cNvPr id="43" name="Rectangle 42">
+              <a:extLst>
+                <a:ext uri="{FF2B5EF4-FFF2-40B4-BE49-F238E27FC236}">
+                  <a16:creationId xmlns:a16="http://schemas.microsoft.com/office/drawing/2014/main" id="{D09FC72A-1AF0-4F38-BE51-85C843BA18DB}"/>
+                </a:ext>
+              </a:extLst>
+            </p:cNvPr>
+            <p:cNvSpPr/>
+            <p:nvPr/>
+          </p:nvSpPr>
+          <p:spPr>
+            <a:xfrm>
+              <a:off x="8600077" y="2652623"/>
+              <a:ext cx="1636123" cy="215819"/>
+            </a:xfrm>
+            <a:prstGeom prst="rect">
+              <a:avLst/>
+            </a:prstGeom>
+            <a:noFill/>
+            <a:ln>
+              <a:solidFill>
+                <a:srgbClr val="C00000"/>
+              </a:solidFill>
+            </a:ln>
+          </p:spPr>
+          <p:style>
+            <a:lnRef idx="2">
+              <a:schemeClr val="accent1">
+                <a:shade val="50000"/>
+              </a:schemeClr>
+            </a:lnRef>
+            <a:fillRef idx="1">
+              <a:schemeClr val="accent1"/>
+            </a:fillRef>
+            <a:effectRef idx="0">
+              <a:schemeClr val="accent1"/>
+            </a:effectRef>
+            <a:fontRef idx="minor">
+              <a:schemeClr val="lt1"/>
+            </a:fontRef>
+          </p:style>
+          <p:txBody>
+            <a:bodyPr rtlCol="0" anchor="ctr"/>
+            <a:lstStyle/>
+            <a:p>
+              <a:pPr algn="ctr"/>
+              <a:endParaRPr lang="en-US"/>
+            </a:p>
+          </p:txBody>
+        </p:sp>
+      </p:grpSp>
+      <p:sp>
+        <p:nvSpPr>
+          <p:cNvPr id="44" name="Oval 43">
+            <a:extLst>
+              <a:ext uri="{FF2B5EF4-FFF2-40B4-BE49-F238E27FC236}">
+                <a16:creationId xmlns:a16="http://schemas.microsoft.com/office/drawing/2014/main" id="{E289B08C-3F40-4CCF-A6E1-D0A050666E3E}"/>
+              </a:ext>
+            </a:extLst>
+          </p:cNvPr>
+          <p:cNvSpPr/>
+          <p:nvPr/>
+        </p:nvSpPr>
+        <p:spPr>
+          <a:xfrm>
+            <a:off x="1227008" y="2118780"/>
+            <a:ext cx="739674" cy="458797"/>
+          </a:xfrm>
+          <a:prstGeom prst="ellipse">
+            <a:avLst/>
+          </a:prstGeom>
+          <a:solidFill>
+            <a:srgbClr val="0D62AF"/>
+          </a:solidFill>
+        </p:spPr>
+        <p:style>
+          <a:lnRef idx="2">
+            <a:schemeClr val="accent1">
+              <a:shade val="50000"/>
+            </a:schemeClr>
+          </a:lnRef>
+          <a:fillRef idx="1">
+            <a:schemeClr val="accent1"/>
+          </a:fillRef>
+          <a:effectRef idx="0">
+            <a:schemeClr val="accent1"/>
+          </a:effectRef>
+          <a:fontRef idx="minor">
+            <a:schemeClr val="lt1"/>
+          </a:fontRef>
+        </p:style>
+        <p:txBody>
+          <a:bodyPr lIns="0" tIns="0" rIns="0" bIns="0" rtlCol="0" anchor="ctr"/>
+          <a:lstStyle/>
+          <a:p>
+            <a:pPr algn="ctr"/>
+            <a:r>
+              <a:rPr lang="en-US" dirty="0"/>
+              <a:t>Start</a:t>
+            </a:r>
+          </a:p>
+        </p:txBody>
+      </p:sp>
+      <p:cxnSp>
+        <p:nvCxnSpPr>
+          <p:cNvPr id="45" name="Connector: Elbow 44">
+            <a:extLst>
+              <a:ext uri="{FF2B5EF4-FFF2-40B4-BE49-F238E27FC236}">
+                <a16:creationId xmlns:a16="http://schemas.microsoft.com/office/drawing/2014/main" id="{56E3DA4E-6C64-4F1A-AD4E-0ECCE3881E9E}"/>
+              </a:ext>
+            </a:extLst>
+          </p:cNvPr>
+          <p:cNvCxnSpPr>
+            <a:cxnSpLocks/>
+          </p:cNvCxnSpPr>
+          <p:nvPr/>
+        </p:nvCxnSpPr>
+        <p:spPr>
+          <a:xfrm rot="5400000">
+            <a:off x="1470709" y="2687670"/>
+            <a:ext cx="229055" cy="1"/>
+          </a:xfrm>
+          <a:prstGeom prst="bentConnector3">
+            <a:avLst>
+              <a:gd name="adj1" fmla="val 50000"/>
+            </a:avLst>
+          </a:prstGeom>
+          <a:ln w="28575">
+            <a:solidFill>
+              <a:srgbClr val="0D62AF"/>
+            </a:solidFill>
+            <a:headEnd type="none" w="med" len="med"/>
+            <a:tailEnd type="none" w="med" len="med"/>
+          </a:ln>
+        </p:spPr>
+        <p:style>
+          <a:lnRef idx="1">
+            <a:schemeClr val="accent1"/>
+          </a:lnRef>
+          <a:fillRef idx="0">
+            <a:schemeClr val="accent1"/>
+          </a:fillRef>
+          <a:effectRef idx="0">
+            <a:schemeClr val="accent1"/>
+          </a:effectRef>
+          <a:fontRef idx="minor">
+            <a:schemeClr val="tx1"/>
+          </a:fontRef>
+        </p:style>
+      </p:cxnSp>
+      <p:cxnSp>
+        <p:nvCxnSpPr>
+          <p:cNvPr id="46" name="Connector: Elbow 45">
+            <a:extLst>
+              <a:ext uri="{FF2B5EF4-FFF2-40B4-BE49-F238E27FC236}">
+                <a16:creationId xmlns:a16="http://schemas.microsoft.com/office/drawing/2014/main" id="{40CF530E-06ED-4580-B4C2-EA0C2525BD20}"/>
+              </a:ext>
+            </a:extLst>
+          </p:cNvPr>
+          <p:cNvCxnSpPr>
+            <a:cxnSpLocks/>
+            <a:stCxn id="3" idx="3"/>
+            <a:endCxn id="10" idx="1"/>
+          </p:cNvCxnSpPr>
+          <p:nvPr/>
+        </p:nvCxnSpPr>
+        <p:spPr>
+          <a:xfrm>
+            <a:off x="2158920" y="3384089"/>
+            <a:ext cx="556635" cy="925"/>
+          </a:xfrm>
+          <a:prstGeom prst="bentConnector3">
+            <a:avLst>
+              <a:gd name="adj1" fmla="val 50000"/>
+            </a:avLst>
+          </a:prstGeom>
+          <a:ln w="28575">
+            <a:solidFill>
+              <a:srgbClr val="0D62AF"/>
+            </a:solidFill>
+            <a:tailEnd type="triangle"/>
+          </a:ln>
+        </p:spPr>
+        <p:style>
+          <a:lnRef idx="1">
+            <a:schemeClr val="accent1"/>
+          </a:lnRef>
+          <a:fillRef idx="0">
+            <a:schemeClr val="accent1"/>
+          </a:fillRef>
+          <a:effectRef idx="0">
+            <a:schemeClr val="accent1"/>
+          </a:effectRef>
+          <a:fontRef idx="minor">
+            <a:schemeClr val="tx1"/>
+          </a:fontRef>
+        </p:style>
+      </p:cxnSp>
+      <p:grpSp>
+        <p:nvGrpSpPr>
+          <p:cNvPr id="47" name="Group 46">
+            <a:extLst>
+              <a:ext uri="{FF2B5EF4-FFF2-40B4-BE49-F238E27FC236}">
+                <a16:creationId xmlns:a16="http://schemas.microsoft.com/office/drawing/2014/main" id="{D2320606-D163-42AD-B1F8-8CB989B08BB6}"/>
+              </a:ext>
+            </a:extLst>
+          </p:cNvPr>
+          <p:cNvGrpSpPr/>
+          <p:nvPr/>
+        </p:nvGrpSpPr>
+        <p:grpSpPr>
+          <a:xfrm>
+            <a:off x="4997204" y="4512813"/>
+            <a:ext cx="4280147" cy="369332"/>
+            <a:chOff x="5175605" y="2577000"/>
+            <a:chExt cx="4250129" cy="369332"/>
+          </a:xfrm>
+        </p:grpSpPr>
+        <p:cxnSp>
+          <p:nvCxnSpPr>
+            <p:cNvPr id="48" name="Straight Arrow Connector 47">
+              <a:extLst>
+                <a:ext uri="{FF2B5EF4-FFF2-40B4-BE49-F238E27FC236}">
+                  <a16:creationId xmlns:a16="http://schemas.microsoft.com/office/drawing/2014/main" id="{8110CA13-90E5-469F-82EB-23A208E1F003}"/>
+                </a:ext>
+              </a:extLst>
+            </p:cNvPr>
+            <p:cNvCxnSpPr>
+              <a:cxnSpLocks/>
+            </p:cNvCxnSpPr>
+            <p:nvPr/>
+          </p:nvCxnSpPr>
+          <p:spPr>
+            <a:xfrm>
+              <a:off x="7488196" y="2775815"/>
+              <a:ext cx="844509" cy="1"/>
+            </a:xfrm>
+            <a:prstGeom prst="straightConnector1">
+              <a:avLst/>
+            </a:prstGeom>
+            <a:ln>
+              <a:solidFill>
+                <a:srgbClr val="C00000"/>
+              </a:solidFill>
+              <a:tailEnd type="triangle"/>
+            </a:ln>
+          </p:spPr>
+          <p:style>
+            <a:lnRef idx="3">
+              <a:schemeClr val="accent1"/>
+            </a:lnRef>
+            <a:fillRef idx="0">
+              <a:schemeClr val="accent1"/>
+            </a:fillRef>
+            <a:effectRef idx="2">
+              <a:schemeClr val="accent1"/>
+            </a:effectRef>
+            <a:fontRef idx="minor">
+              <a:schemeClr val="tx1"/>
+            </a:fontRef>
+          </p:style>
+        </p:cxnSp>
+        <p:sp>
+          <p:nvSpPr>
+            <p:cNvPr id="49" name="TextBox 48">
+              <a:extLst>
+                <a:ext uri="{FF2B5EF4-FFF2-40B4-BE49-F238E27FC236}">
+                  <a16:creationId xmlns:a16="http://schemas.microsoft.com/office/drawing/2014/main" id="{519B6EF3-D824-4807-ABE7-F6863C40A436}"/>
+                </a:ext>
+              </a:extLst>
+            </p:cNvPr>
+            <p:cNvSpPr txBox="1"/>
+            <p:nvPr/>
+          </p:nvSpPr>
+          <p:spPr>
+            <a:xfrm>
+              <a:off x="5175605" y="2577000"/>
+              <a:ext cx="2349757" cy="369332"/>
+            </a:xfrm>
+            <a:prstGeom prst="rect">
+              <a:avLst/>
+            </a:prstGeom>
+            <a:noFill/>
+          </p:spPr>
+          <p:txBody>
+            <a:bodyPr wrap="none" rtlCol="0">
+              <a:spAutoFit/>
+            </a:bodyPr>
+            <a:lstStyle/>
+            <a:p>
+              <a:r>
+                <a:rPr lang="en-US" dirty="0"/>
+                <a:t>Condition Statement</a:t>
+              </a:r>
+            </a:p>
+          </p:txBody>
+        </p:sp>
+        <p:sp>
+          <p:nvSpPr>
+            <p:cNvPr id="50" name="Rectangle 49">
+              <a:extLst>
+                <a:ext uri="{FF2B5EF4-FFF2-40B4-BE49-F238E27FC236}">
+                  <a16:creationId xmlns:a16="http://schemas.microsoft.com/office/drawing/2014/main" id="{C479D85E-3C26-4959-947F-0A37FDF332A0}"/>
+                </a:ext>
+              </a:extLst>
+            </p:cNvPr>
+            <p:cNvSpPr/>
+            <p:nvPr/>
+          </p:nvSpPr>
+          <p:spPr>
+            <a:xfrm>
+              <a:off x="8365775" y="2653756"/>
+              <a:ext cx="1059959" cy="215819"/>
+            </a:xfrm>
+            <a:prstGeom prst="rect">
+              <a:avLst/>
+            </a:prstGeom>
+            <a:noFill/>
+            <a:ln>
+              <a:solidFill>
+                <a:srgbClr val="C00000"/>
+              </a:solidFill>
+            </a:ln>
+          </p:spPr>
+          <p:style>
+            <a:lnRef idx="2">
+              <a:schemeClr val="accent1">
+                <a:shade val="50000"/>
+              </a:schemeClr>
+            </a:lnRef>
+            <a:fillRef idx="1">
+              <a:schemeClr val="accent1"/>
+            </a:fillRef>
+            <a:effectRef idx="0">
+              <a:schemeClr val="accent1"/>
+            </a:effectRef>
+            <a:fontRef idx="minor">
+              <a:schemeClr val="lt1"/>
+            </a:fontRef>
+          </p:style>
+          <p:txBody>
+            <a:bodyPr rtlCol="0" anchor="ctr"/>
+            <a:lstStyle/>
+            <a:p>
+              <a:pPr algn="ctr"/>
+              <a:endParaRPr lang="en-US"/>
+            </a:p>
+          </p:txBody>
+        </p:sp>
+      </p:grpSp>
+    </p:spTree>
+    <p:extLst>
+      <p:ext uri="{BB962C8B-B14F-4D97-AF65-F5344CB8AC3E}">
+        <p14:creationId xmlns:p14="http://schemas.microsoft.com/office/powerpoint/2010/main" val="331385774"/>
+      </p:ext>
+    </p:extLst>
+  </p:cSld>
+  <p:clrMapOvr>
+    <a:masterClrMapping/>
+  </p:clrMapOvr>
+  <p:timing>
+    <p:tnLst>
+      <p:par>
+        <p:cTn id="1" dur="indefinite" restart="never" nodeType="tmRoot">
+          <p:childTnLst>
+            <p:seq concurrent="1" nextAc="seek">
+              <p:cTn id="2" dur="indefinite" nodeType="mainSeq">
+                <p:childTnLst>
+                  <p:par>
+                    <p:cTn id="3" fill="hold">
+                      <p:stCondLst>
+                        <p:cond delay="indefinite"/>
+                      </p:stCondLst>
+                      <p:childTnLst>
+                        <p:par>
+                          <p:cTn id="4" fill="hold">
+                            <p:stCondLst>
+                              <p:cond delay="0"/>
+                            </p:stCondLst>
+                            <p:childTnLst>
+                              <p:par>
+                                <p:cTn id="5" presetID="1" presetClass="entr" presetSubtype="0" fill="hold" nodeType="clickEffect">
+                                  <p:stCondLst>
+                                    <p:cond delay="0"/>
+                                  </p:stCondLst>
+                                  <p:childTnLst>
+                                    <p:set>
+                                      <p:cBhvr>
+                                        <p:cTn id="6" dur="1" fill="hold">
+                                          <p:stCondLst>
+                                            <p:cond delay="0"/>
+                                          </p:stCondLst>
+                                        </p:cTn>
+                                        <p:tgtEl>
+                                          <p:spTgt spid="36"/>
+                                        </p:tgtEl>
+                                        <p:attrNameLst>
+                                          <p:attrName>style.visibility</p:attrName>
+                                        </p:attrNameLst>
+                                      </p:cBhvr>
+                                      <p:to>
+                                        <p:strVal val="visible"/>
+                                      </p:to>
+                                    </p:set>
+                                  </p:childTnLst>
+                                </p:cTn>
+                              </p:par>
+                            </p:childTnLst>
+                          </p:cTn>
+                        </p:par>
+                      </p:childTnLst>
+                    </p:cTn>
+                  </p:par>
+                  <p:par>
+                    <p:cTn id="7" fill="hold">
+                      <p:stCondLst>
+                        <p:cond delay="indefinite"/>
+                      </p:stCondLst>
+                      <p:childTnLst>
+                        <p:par>
+                          <p:cTn id="8" fill="hold">
+                            <p:stCondLst>
+                              <p:cond delay="0"/>
+                            </p:stCondLst>
+                            <p:childTnLst>
+                              <p:par>
+                                <p:cTn id="9" presetID="1" presetClass="entr" presetSubtype="0" fill="hold" nodeType="clickEffect">
+                                  <p:stCondLst>
+                                    <p:cond delay="0"/>
+                                  </p:stCondLst>
+                                  <p:childTnLst>
+                                    <p:set>
+                                      <p:cBhvr>
+                                        <p:cTn id="10" dur="1" fill="hold">
+                                          <p:stCondLst>
+                                            <p:cond delay="0"/>
+                                          </p:stCondLst>
+                                        </p:cTn>
+                                        <p:tgtEl>
+                                          <p:spTgt spid="40"/>
+                                        </p:tgtEl>
+                                        <p:attrNameLst>
+                                          <p:attrName>style.visibility</p:attrName>
+                                        </p:attrNameLst>
+                                      </p:cBhvr>
+                                      <p:to>
+                                        <p:strVal val="visible"/>
+                                      </p:to>
+                                    </p:set>
+                                  </p:childTnLst>
+                                </p:cTn>
+                              </p:par>
+                              <p:par>
+                                <p:cTn id="11" presetID="1" presetClass="exit" presetSubtype="0" fill="hold" nodeType="withEffect">
+                                  <p:stCondLst>
+                                    <p:cond delay="0"/>
+                                  </p:stCondLst>
+                                  <p:childTnLst>
+                                    <p:set>
+                                      <p:cBhvr>
+                                        <p:cTn id="12" dur="1" fill="hold">
+                                          <p:stCondLst>
+                                            <p:cond delay="0"/>
+                                          </p:stCondLst>
+                                        </p:cTn>
+                                        <p:tgtEl>
+                                          <p:spTgt spid="36"/>
+                                        </p:tgtEl>
+                                        <p:attrNameLst>
+                                          <p:attrName>style.visibility</p:attrName>
+                                        </p:attrNameLst>
+                                      </p:cBhvr>
+                                      <p:to>
+                                        <p:strVal val="hidden"/>
+                                      </p:to>
+                                    </p:set>
+                                  </p:childTnLst>
+                                </p:cTn>
+                              </p:par>
+                            </p:childTnLst>
+                          </p:cTn>
+                        </p:par>
+                      </p:childTnLst>
+                    </p:cTn>
+                  </p:par>
+                  <p:par>
+                    <p:cTn id="13" fill="hold">
+                      <p:stCondLst>
+                        <p:cond delay="indefinite"/>
+                      </p:stCondLst>
+                      <p:childTnLst>
+                        <p:par>
+                          <p:cTn id="14" fill="hold">
+                            <p:stCondLst>
+                              <p:cond delay="0"/>
+                            </p:stCondLst>
+                            <p:childTnLst>
+                              <p:par>
+                                <p:cTn id="15" presetID="1" presetClass="entr" presetSubtype="0" fill="hold" nodeType="clickEffect">
+                                  <p:stCondLst>
+                                    <p:cond delay="0"/>
+                                  </p:stCondLst>
+                                  <p:childTnLst>
+                                    <p:set>
+                                      <p:cBhvr>
+                                        <p:cTn id="16" dur="1" fill="hold">
+                                          <p:stCondLst>
+                                            <p:cond delay="0"/>
+                                          </p:stCondLst>
+                                        </p:cTn>
+                                        <p:tgtEl>
+                                          <p:spTgt spid="26">
+                                            <p:txEl>
+                                              <p:pRg st="8" end="8"/>
+                                            </p:txEl>
+                                          </p:spTgt>
+                                        </p:tgtEl>
+                                        <p:attrNameLst>
+                                          <p:attrName>style.visibility</p:attrName>
+                                        </p:attrNameLst>
+                                      </p:cBhvr>
+                                      <p:to>
+                                        <p:strVal val="visible"/>
+                                      </p:to>
+                                    </p:set>
+                                  </p:childTnLst>
+                                </p:cTn>
+                              </p:par>
+                            </p:childTnLst>
+                          </p:cTn>
+                        </p:par>
+                      </p:childTnLst>
+                    </p:cTn>
+                  </p:par>
+                  <p:par>
+                    <p:cTn id="17" fill="hold">
+                      <p:stCondLst>
+                        <p:cond delay="indefinite"/>
+                      </p:stCondLst>
+                      <p:childTnLst>
+                        <p:par>
+                          <p:cTn id="18" fill="hold">
+                            <p:stCondLst>
+                              <p:cond delay="0"/>
+                            </p:stCondLst>
+                            <p:childTnLst>
+                              <p:par>
+                                <p:cTn id="19" presetID="1" presetClass="entr" presetSubtype="0" fill="hold" nodeType="clickEffect">
+                                  <p:stCondLst>
+                                    <p:cond delay="0"/>
+                                  </p:stCondLst>
+                                  <p:childTnLst>
+                                    <p:set>
+                                      <p:cBhvr>
+                                        <p:cTn id="20" dur="1" fill="hold">
+                                          <p:stCondLst>
+                                            <p:cond delay="0"/>
+                                          </p:stCondLst>
+                                        </p:cTn>
+                                        <p:tgtEl>
+                                          <p:spTgt spid="26">
+                                            <p:txEl>
+                                              <p:pRg st="9" end="9"/>
+                                            </p:txEl>
+                                          </p:spTgt>
+                                        </p:tgtEl>
+                                        <p:attrNameLst>
+                                          <p:attrName>style.visibility</p:attrName>
+                                        </p:attrNameLst>
+                                      </p:cBhvr>
+                                      <p:to>
+                                        <p:strVal val="visible"/>
+                                      </p:to>
+                                    </p:set>
+                                  </p:childTnLst>
+                                </p:cTn>
+                              </p:par>
+                            </p:childTnLst>
+                          </p:cTn>
+                        </p:par>
+                      </p:childTnLst>
+                    </p:cTn>
+                  </p:par>
+                  <p:par>
+                    <p:cTn id="21" fill="hold">
+                      <p:stCondLst>
+                        <p:cond delay="indefinite"/>
+                      </p:stCondLst>
+                      <p:childTnLst>
+                        <p:par>
+                          <p:cTn id="22" fill="hold">
+                            <p:stCondLst>
+                              <p:cond delay="0"/>
+                            </p:stCondLst>
+                            <p:childTnLst>
+                              <p:par>
+                                <p:cTn id="23" presetID="1" presetClass="entr" presetSubtype="0" fill="hold" nodeType="clickEffect">
+                                  <p:stCondLst>
+                                    <p:cond delay="0"/>
+                                  </p:stCondLst>
+                                  <p:childTnLst>
+                                    <p:set>
+                                      <p:cBhvr>
+                                        <p:cTn id="24" dur="1" fill="hold">
+                                          <p:stCondLst>
+                                            <p:cond delay="0"/>
+                                          </p:stCondLst>
+                                        </p:cTn>
+                                        <p:tgtEl>
+                                          <p:spTgt spid="26">
+                                            <p:txEl>
+                                              <p:pRg st="0" end="0"/>
+                                            </p:txEl>
+                                          </p:spTgt>
+                                        </p:tgtEl>
+                                        <p:attrNameLst>
+                                          <p:attrName>style.visibility</p:attrName>
+                                        </p:attrNameLst>
+                                      </p:cBhvr>
+                                      <p:to>
+                                        <p:strVal val="visible"/>
+                                      </p:to>
+                                    </p:set>
+                                  </p:childTnLst>
+                                </p:cTn>
+                              </p:par>
+                              <p:par>
+                                <p:cTn id="25" presetID="1" presetClass="entr" presetSubtype="0" fill="hold" nodeType="withEffect">
+                                  <p:stCondLst>
+                                    <p:cond delay="0"/>
+                                  </p:stCondLst>
+                                  <p:childTnLst>
+                                    <p:set>
+                                      <p:cBhvr>
+                                        <p:cTn id="26" dur="1" fill="hold">
+                                          <p:stCondLst>
+                                            <p:cond delay="0"/>
+                                          </p:stCondLst>
+                                        </p:cTn>
+                                        <p:tgtEl>
+                                          <p:spTgt spid="26">
+                                            <p:txEl>
+                                              <p:pRg st="11" end="11"/>
+                                            </p:txEl>
+                                          </p:spTgt>
+                                        </p:tgtEl>
+                                        <p:attrNameLst>
+                                          <p:attrName>style.visibility</p:attrName>
+                                        </p:attrNameLst>
+                                      </p:cBhvr>
+                                      <p:to>
+                                        <p:strVal val="visible"/>
+                                      </p:to>
+                                    </p:set>
+                                  </p:childTnLst>
+                                </p:cTn>
+                              </p:par>
+                            </p:childTnLst>
+                          </p:cTn>
+                        </p:par>
+                      </p:childTnLst>
+                    </p:cTn>
+                  </p:par>
+                  <p:par>
+                    <p:cTn id="27" fill="hold">
+                      <p:stCondLst>
+                        <p:cond delay="indefinite"/>
+                      </p:stCondLst>
+                      <p:childTnLst>
+                        <p:par>
+                          <p:cTn id="28" fill="hold">
+                            <p:stCondLst>
+                              <p:cond delay="0"/>
+                            </p:stCondLst>
+                            <p:childTnLst>
+                              <p:par>
+                                <p:cTn id="29" presetID="1" presetClass="entr" presetSubtype="0" fill="hold" nodeType="clickEffect">
+                                  <p:stCondLst>
+                                    <p:cond delay="0"/>
+                                  </p:stCondLst>
+                                  <p:childTnLst>
+                                    <p:set>
+                                      <p:cBhvr>
+                                        <p:cTn id="30" dur="1" fill="hold">
+                                          <p:stCondLst>
+                                            <p:cond delay="0"/>
+                                          </p:stCondLst>
+                                        </p:cTn>
+                                        <p:tgtEl>
+                                          <p:spTgt spid="47"/>
+                                        </p:tgtEl>
+                                        <p:attrNameLst>
+                                          <p:attrName>style.visibility</p:attrName>
+                                        </p:attrNameLst>
+                                      </p:cBhvr>
+                                      <p:to>
+                                        <p:strVal val="visible"/>
+                                      </p:to>
+                                    </p:set>
+                                  </p:childTnLst>
+                                </p:cTn>
+                              </p:par>
+                              <p:par>
+                                <p:cTn id="31" presetID="1" presetClass="exit" presetSubtype="0" fill="hold" nodeType="withEffect">
+                                  <p:stCondLst>
+                                    <p:cond delay="0"/>
+                                  </p:stCondLst>
+                                  <p:childTnLst>
+                                    <p:set>
+                                      <p:cBhvr>
+                                        <p:cTn id="32" dur="1" fill="hold">
+                                          <p:stCondLst>
+                                            <p:cond delay="0"/>
+                                          </p:stCondLst>
+                                        </p:cTn>
+                                        <p:tgtEl>
+                                          <p:spTgt spid="47"/>
+                                        </p:tgtEl>
+                                        <p:attrNameLst>
+                                          <p:attrName>style.visibility</p:attrName>
+                                        </p:attrNameLst>
+                                      </p:cBhvr>
+                                      <p:to>
+                                        <p:strVal val="hidden"/>
+                                      </p:to>
+                                    </p:set>
+                                  </p:childTnLst>
+                                </p:cTn>
+                              </p:par>
+                            </p:childTnLst>
+                          </p:cTn>
+                        </p:par>
+                      </p:childTnLst>
+                    </p:cTn>
+                  </p:par>
+                </p:childTnLst>
+              </p:cTn>
+              <p:prevCondLst>
+                <p:cond evt="onPrev" delay="0">
+                  <p:tgtEl>
+                    <p:sldTgt/>
+                  </p:tgtEl>
+                </p:cond>
+              </p:prevCondLst>
+              <p:nextCondLst>
+                <p:cond evt="onNext" delay="0">
+                  <p:tgtEl>
+                    <p:sldTgt/>
+                  </p:tgtEl>
+                </p:cond>
+              </p:nextCondLst>
+            </p:seq>
+          </p:childTnLst>
+        </p:cTn>
+      </p:par>
+    </p:tnLst>
+  </p:timing>
+</p:sld>
+</file>
+
+<file path=ppt/slides/slide8.xml><?xml version="1.0" encoding="utf-8"?>
+<p:sld xmlns:a="http://schemas.openxmlformats.org/drawingml/2006/main" xmlns:r="http://schemas.openxmlformats.org/officeDocument/2006/relationships" xmlns:p="http://schemas.openxmlformats.org/presentationml/2006/main">
+  <p:cSld>
+    <p:bg>
+      <p:bgPr>
+        <a:solidFill>
+          <a:schemeClr val="bg1"/>
+        </a:solidFill>
+        <a:effectLst/>
+      </p:bgPr>
+    </p:bg>
+    <p:spTree>
+      <p:nvGrpSpPr>
+        <p:cNvPr id="1" name=""/>
+        <p:cNvGrpSpPr/>
+        <p:nvPr/>
+      </p:nvGrpSpPr>
+      <p:grpSpPr>
+        <a:xfrm>
+          <a:off x="0" y="0"/>
+          <a:ext cx="0" cy="0"/>
+          <a:chOff x="0" y="0"/>
+          <a:chExt cx="0" cy="0"/>
+        </a:xfrm>
+      </p:grpSpPr>
+      <p:sp useBgFill="1">
+        <p:nvSpPr>
+          <p:cNvPr id="27" name="Rectangle 18">
+            <a:extLst>
+              <a:ext uri="{FF2B5EF4-FFF2-40B4-BE49-F238E27FC236}">
+                <a16:creationId xmlns:a16="http://schemas.microsoft.com/office/drawing/2014/main" id="{8651CFA9-6065-4243-AC48-858E359780B1}"/>
+              </a:ext>
+              <a:ext uri="{C183D7F6-B498-43B3-948B-1728B52AA6E4}">
+                <adec:decorative xmlns:adec="http://schemas.microsoft.com/office/drawing/2017/decorative" val="1"/>
+              </a:ext>
+            </a:extLst>
+          </p:cNvPr>
+          <p:cNvSpPr>
+            <a:spLocks noGrp="1" noRot="1" noChangeAspect="1" noMove="1" noResize="1" noEditPoints="1" noAdjustHandles="1" noChangeArrowheads="1" noChangeShapeType="1" noTextEdit="1"/>
+          </p:cNvSpPr>
+          <p:nvPr>
+            <p:extLst>
+              <p:ext uri="{386F3935-93C4-4BCD-93E2-E3B085C9AB24}">
+                <p16:designElem xmlns:p16="http://schemas.microsoft.com/office/powerpoint/2015/main" val="1"/>
+              </p:ext>
+            </p:extLst>
+          </p:nvPr>
+        </p:nvSpPr>
+        <p:spPr>
+          <a:xfrm>
+            <a:off x="0" y="0"/>
+            <a:ext cx="12192000" cy="6858000"/>
+          </a:xfrm>
+          <a:prstGeom prst="rect">
+            <a:avLst/>
+          </a:prstGeom>
+          <a:ln>
+            <a:noFill/>
+          </a:ln>
+        </p:spPr>
+        <p:style>
+          <a:lnRef idx="2">
+            <a:schemeClr val="accent1">
+              <a:shade val="50000"/>
+            </a:schemeClr>
+          </a:lnRef>
+          <a:fillRef idx="1">
+            <a:schemeClr val="accent1"/>
+          </a:fillRef>
+          <a:effectRef idx="0">
+            <a:schemeClr val="accent1"/>
+          </a:effectRef>
+          <a:fontRef idx="minor">
+            <a:schemeClr val="lt1"/>
+          </a:fontRef>
+        </p:style>
+        <p:txBody>
+          <a:bodyPr rtlCol="0" anchor="ctr"/>
+          <a:lstStyle/>
+          <a:p>
+            <a:pPr algn="ctr"/>
+            <a:endParaRPr lang="en-US">
+              <a:solidFill>
+                <a:schemeClr val="tx1">
+                  <a:lumMod val="65000"/>
+                  <a:lumOff val="35000"/>
+                </a:schemeClr>
+              </a:solidFill>
+              <a:latin typeface="AvenirNext LT Pro Medium" panose="020B0504020202020204" pitchFamily="34" charset="0"/>
+            </a:endParaRPr>
+          </a:p>
+        </p:txBody>
+      </p:sp>
+      <p:sp>
+        <p:nvSpPr>
+          <p:cNvPr id="28" name="Rectangle 20">
+            <a:extLst>
+              <a:ext uri="{FF2B5EF4-FFF2-40B4-BE49-F238E27FC236}">
+                <a16:creationId xmlns:a16="http://schemas.microsoft.com/office/drawing/2014/main" id="{37962AE0-6A1C-4B76-9D52-10E5E6D7D3BB}"/>
+              </a:ext>
+              <a:ext uri="{C183D7F6-B498-43B3-948B-1728B52AA6E4}">
+                <adec:decorative xmlns:adec="http://schemas.microsoft.com/office/drawing/2017/decorative" val="1"/>
+              </a:ext>
+            </a:extLst>
+          </p:cNvPr>
+          <p:cNvSpPr>
+            <a:spLocks noGrp="1" noRot="1" noChangeAspect="1" noMove="1" noResize="1" noEditPoints="1" noAdjustHandles="1" noChangeArrowheads="1" noChangeShapeType="1" noTextEdit="1"/>
+          </p:cNvSpPr>
+          <p:nvPr>
+            <p:extLst>
+              <p:ext uri="{386F3935-93C4-4BCD-93E2-E3B085C9AB24}">
+                <p16:designElem xmlns:p16="http://schemas.microsoft.com/office/powerpoint/2015/main" val="1"/>
+              </p:ext>
+            </p:extLst>
+          </p:nvPr>
+        </p:nvSpPr>
+        <p:spPr>
+          <a:xfrm>
+            <a:off x="-3048" y="0"/>
+            <a:ext cx="12188952" cy="6858000"/>
+          </a:xfrm>
+          <a:prstGeom prst="rect">
+            <a:avLst/>
+          </a:prstGeom>
+          <a:solidFill>
+            <a:schemeClr val="bg2">
+              <a:alpha val="70000"/>
+            </a:schemeClr>
+          </a:solidFill>
+          <a:ln>
+            <a:noFill/>
+          </a:ln>
+        </p:spPr>
+        <p:style>
+          <a:lnRef idx="2">
+            <a:schemeClr val="accent1">
+              <a:shade val="50000"/>
+            </a:schemeClr>
+          </a:lnRef>
+          <a:fillRef idx="1">
+            <a:schemeClr val="accent1"/>
+          </a:fillRef>
+          <a:effectRef idx="0">
+            <a:schemeClr val="accent1"/>
+          </a:effectRef>
+          <a:fontRef idx="minor">
+            <a:schemeClr val="lt1"/>
+          </a:fontRef>
+        </p:style>
+        <p:txBody>
+          <a:bodyPr rtlCol="0" anchor="ctr"/>
+          <a:lstStyle/>
+          <a:p>
+            <a:pPr algn="ctr"/>
+            <a:endParaRPr lang="en-US">
+              <a:solidFill>
+                <a:schemeClr val="tx1">
+                  <a:lumMod val="65000"/>
+                  <a:lumOff val="35000"/>
+                </a:schemeClr>
+              </a:solidFill>
+              <a:latin typeface="AvenirNext LT Pro Medium" panose="020B0504020202020204" pitchFamily="34" charset="0"/>
+            </a:endParaRPr>
+          </a:p>
+        </p:txBody>
+      </p:sp>
       <p:pic>
         <p:nvPicPr>
           <p:cNvPr id="11" name="Picture 10">
@@ -10488,10 +16935,18 @@
             <a:r>
               <a:rPr lang="en-US" dirty="0">
                 <a:solidFill>
+                  <a:srgbClr val="C00000"/>
+                </a:solidFill>
+              </a:rPr>
+              <a:t>For</a:t>
+            </a:r>
+            <a:r>
+              <a:rPr lang="en-US" dirty="0">
+                <a:solidFill>
                   <a:schemeClr val="tx2"/>
                 </a:solidFill>
               </a:rPr>
-              <a:t>For loops have an </a:t>
+              <a:t> loops have an </a:t>
             </a:r>
             <a:r>
               <a:rPr lang="en-US" b="1" dirty="0">
@@ -10696,7 +17151,7 @@
             <a:pPr algn="ctr"/>
             <a:r>
               <a:rPr lang="en-US" sz="1600" dirty="0"/>
-              <a:t>Code Block</a:t>
+              <a:t>Loop Body</a:t>
             </a:r>
           </a:p>
         </p:txBody>
@@ -12818,7 +19273,7 @@
 </p:sld>
 </file>
 
-<file path=ppt/slides/slide8.xml><?xml version="1.0" encoding="utf-8"?>
+<file path=ppt/slides/slide9.xml><?xml version="1.0" encoding="utf-8"?>
 <p:sld xmlns:a="http://schemas.openxmlformats.org/drawingml/2006/main" xmlns:r="http://schemas.openxmlformats.org/officeDocument/2006/relationships" xmlns:p="http://schemas.openxmlformats.org/presentationml/2006/main">
   <p:cSld>
     <p:bg>
@@ -12986,10 +19441,10 @@
       </p:sp>
       <p:pic>
         <p:nvPicPr>
-          <p:cNvPr id="11" name="Picture 10">
-            <a:extLst>
-              <a:ext uri="{FF2B5EF4-FFF2-40B4-BE49-F238E27FC236}">
-                <a16:creationId xmlns:a16="http://schemas.microsoft.com/office/drawing/2014/main" id="{1B582FE1-DA7E-496A-A351-F44073BCB445}"/>
+          <p:cNvPr id="7" name="Picture 6">
+            <a:extLst>
+              <a:ext uri="{FF2B5EF4-FFF2-40B4-BE49-F238E27FC236}">
+                <a16:creationId xmlns:a16="http://schemas.microsoft.com/office/drawing/2014/main" id="{4515F804-08C6-49E7-8025-E31B946CECAB}"/>
               </a:ext>
             </a:extLst>
           </p:cNvPr>
@@ -13000,13 +19455,13 @@
         </p:nvPicPr>
         <p:blipFill rotWithShape="1">
           <a:blip r:embed="rId2"/>
-          <a:srcRect r="4038"/>
+          <a:srcRect t="18923"/>
           <a:stretch/>
         </p:blipFill>
         <p:spPr>
           <a:xfrm>
-            <a:off x="7073984" y="1212660"/>
-            <a:ext cx="5110827" cy="4150708"/>
+            <a:off x="7096540" y="1614079"/>
+            <a:ext cx="5095460" cy="3990416"/>
           </a:xfrm>
           <a:prstGeom prst="rect">
             <a:avLst/>
@@ -13235,7 +19690,7 @@
                   <a:schemeClr val="tx2"/>
                 </a:solidFill>
               </a:rPr>
-              <a:t>For loops have an </a:t>
+              <a:t>You can </a:t>
             </a:r>
             <a:r>
               <a:rPr lang="en-US" b="1" dirty="0">
@@ -13243,7 +19698,7 @@
                   <a:schemeClr val="tx2"/>
                 </a:solidFill>
               </a:rPr>
-              <a:t>initialization</a:t>
+              <a:t>skip </a:t>
             </a:r>
             <a:r>
               <a:rPr lang="en-US" dirty="0">
@@ -13251,33 +19706,21 @@
                   <a:schemeClr val="tx2"/>
                 </a:solidFill>
               </a:rPr>
-              <a:t>, </a:t>
-            </a:r>
-            <a:r>
-              <a:rPr lang="en-US" b="1" dirty="0">
+              <a:t>execution of remaining loop with </a:t>
+            </a:r>
+            <a:r>
+              <a:rPr lang="en-US" dirty="0">
                 <a:solidFill>
-                  <a:schemeClr val="tx2"/>
+                  <a:srgbClr val="C00000"/>
                 </a:solidFill>
               </a:rPr>
-              <a:t>conditional</a:t>
-            </a:r>
-            <a:r>
-              <a:rPr lang="en-US" dirty="0">
-                <a:solidFill>
-                  <a:schemeClr val="tx2"/>
-                </a:solidFill>
-              </a:rPr>
-              <a:t>, and </a:t>
-            </a:r>
-            <a:r>
-              <a:rPr lang="en-US" b="1" dirty="0">
-                <a:solidFill>
-                  <a:schemeClr val="tx2"/>
-                </a:solidFill>
-              </a:rPr>
-              <a:t>update</a:t>
-            </a:r>
-            <a:endParaRPr lang="en-US" b="1" dirty="0"/>
+              <a:t>continue</a:t>
+            </a:r>
+            <a:endParaRPr lang="en-US" b="1" dirty="0">
+              <a:solidFill>
+                <a:srgbClr val="C00000"/>
+              </a:solidFill>
+            </a:endParaRPr>
           </a:p>
           <a:p>
             <a:pPr marL="228600" indent="-228600">
@@ -13393,337 +19836,12 @@
           </a:p>
         </p:txBody>
       </p:sp>
-      <p:sp>
-        <p:nvSpPr>
-          <p:cNvPr id="3" name="Rectangle 2">
-            <a:extLst>
-              <a:ext uri="{FF2B5EF4-FFF2-40B4-BE49-F238E27FC236}">
-                <a16:creationId xmlns:a16="http://schemas.microsoft.com/office/drawing/2014/main" id="{C0CD5D73-9131-42EC-BA6F-1B8ED28E2C58}"/>
-              </a:ext>
-            </a:extLst>
-          </p:cNvPr>
-          <p:cNvSpPr/>
-          <p:nvPr/>
-        </p:nvSpPr>
-        <p:spPr>
-          <a:xfrm>
-            <a:off x="2945567" y="3886804"/>
-            <a:ext cx="1147368" cy="576596"/>
-          </a:xfrm>
-          <a:prstGeom prst="rect">
-            <a:avLst/>
-          </a:prstGeom>
-          <a:solidFill>
-            <a:srgbClr val="0D62AF"/>
-          </a:solidFill>
-        </p:spPr>
-        <p:style>
-          <a:lnRef idx="2">
-            <a:schemeClr val="accent1">
-              <a:shade val="50000"/>
-            </a:schemeClr>
-          </a:lnRef>
-          <a:fillRef idx="1">
-            <a:schemeClr val="accent1"/>
-          </a:fillRef>
-          <a:effectRef idx="0">
-            <a:schemeClr val="accent1"/>
-          </a:effectRef>
-          <a:fontRef idx="minor">
-            <a:schemeClr val="lt1"/>
-          </a:fontRef>
-        </p:style>
-        <p:txBody>
-          <a:bodyPr rtlCol="0" anchor="ctr"/>
-          <a:lstStyle/>
-          <a:p>
-            <a:pPr algn="ctr"/>
-            <a:r>
-              <a:rPr lang="en-US" sz="1600" dirty="0"/>
-              <a:t>Code Block</a:t>
-            </a:r>
-          </a:p>
-        </p:txBody>
-      </p:sp>
-      <p:sp>
-        <p:nvSpPr>
-          <p:cNvPr id="10" name="Flowchart: Decision 9">
-            <a:extLst>
-              <a:ext uri="{FF2B5EF4-FFF2-40B4-BE49-F238E27FC236}">
-                <a16:creationId xmlns:a16="http://schemas.microsoft.com/office/drawing/2014/main" id="{B871BEAE-0BC2-4EA0-ABFF-FB227F07B916}"/>
-              </a:ext>
-            </a:extLst>
-          </p:cNvPr>
-          <p:cNvSpPr/>
-          <p:nvPr/>
-        </p:nvSpPr>
-        <p:spPr>
-          <a:xfrm>
-            <a:off x="1118864" y="3732041"/>
-            <a:ext cx="1297389" cy="884966"/>
-          </a:xfrm>
-          <a:prstGeom prst="flowChartDecision">
-            <a:avLst/>
-          </a:prstGeom>
-          <a:solidFill>
-            <a:srgbClr val="0D62AF"/>
-          </a:solidFill>
-        </p:spPr>
-        <p:style>
-          <a:lnRef idx="2">
-            <a:schemeClr val="accent1">
-              <a:shade val="50000"/>
-            </a:schemeClr>
-          </a:lnRef>
-          <a:fillRef idx="1">
-            <a:schemeClr val="accent1"/>
-          </a:fillRef>
-          <a:effectRef idx="0">
-            <a:schemeClr val="accent1"/>
-          </a:effectRef>
-          <a:fontRef idx="minor">
-            <a:schemeClr val="lt1"/>
-          </a:fontRef>
-        </p:style>
-        <p:txBody>
-          <a:bodyPr wrap="none" lIns="0" tIns="0" rIns="0" bIns="0" rtlCol="0" anchor="ctr" anchorCtr="0">
-            <a:noAutofit/>
-          </a:bodyPr>
-          <a:lstStyle/>
-          <a:p>
-            <a:pPr algn="ctr"/>
-            <a:r>
-              <a:rPr lang="en-US" sz="1600" dirty="0"/>
-              <a:t>Conditional</a:t>
-            </a:r>
-            <a:endParaRPr lang="en-US" sz="1400" dirty="0"/>
-          </a:p>
-        </p:txBody>
-      </p:sp>
-      <p:cxnSp>
-        <p:nvCxnSpPr>
-          <p:cNvPr id="5" name="Connector: Elbow 4">
-            <a:extLst>
-              <a:ext uri="{FF2B5EF4-FFF2-40B4-BE49-F238E27FC236}">
-                <a16:creationId xmlns:a16="http://schemas.microsoft.com/office/drawing/2014/main" id="{EDB8A431-C58B-427F-94CD-852C954704BD}"/>
-              </a:ext>
-            </a:extLst>
-          </p:cNvPr>
-          <p:cNvCxnSpPr>
-            <a:cxnSpLocks/>
-            <a:stCxn id="10" idx="3"/>
-            <a:endCxn id="3" idx="1"/>
-          </p:cNvCxnSpPr>
-          <p:nvPr/>
-        </p:nvCxnSpPr>
-        <p:spPr>
-          <a:xfrm>
-            <a:off x="2416253" y="4174524"/>
-            <a:ext cx="529314" cy="578"/>
-          </a:xfrm>
-          <a:prstGeom prst="bentConnector3">
-            <a:avLst>
-              <a:gd name="adj1" fmla="val 50000"/>
-            </a:avLst>
-          </a:prstGeom>
-          <a:ln w="28575">
-            <a:solidFill>
-              <a:srgbClr val="0D62AF"/>
-            </a:solidFill>
-            <a:tailEnd type="triangle"/>
-          </a:ln>
-        </p:spPr>
-        <p:style>
-          <a:lnRef idx="1">
-            <a:schemeClr val="accent1"/>
-          </a:lnRef>
-          <a:fillRef idx="0">
-            <a:schemeClr val="accent1"/>
-          </a:fillRef>
-          <a:effectRef idx="0">
-            <a:schemeClr val="accent1"/>
-          </a:effectRef>
-          <a:fontRef idx="minor">
-            <a:schemeClr val="tx1"/>
-          </a:fontRef>
-        </p:style>
-      </p:cxnSp>
-      <p:sp>
-        <p:nvSpPr>
-          <p:cNvPr id="4" name="TextBox 3">
-            <a:extLst>
-              <a:ext uri="{FF2B5EF4-FFF2-40B4-BE49-F238E27FC236}">
-                <a16:creationId xmlns:a16="http://schemas.microsoft.com/office/drawing/2014/main" id="{55CA0771-6337-4C33-B323-85022F4F9106}"/>
-              </a:ext>
-            </a:extLst>
-          </p:cNvPr>
-          <p:cNvSpPr txBox="1"/>
-          <p:nvPr/>
-        </p:nvSpPr>
-        <p:spPr>
-          <a:xfrm>
-            <a:off x="2436613" y="3829211"/>
-            <a:ext cx="316112" cy="369332"/>
-          </a:xfrm>
-          <a:prstGeom prst="rect">
-            <a:avLst/>
-          </a:prstGeom>
-          <a:noFill/>
-        </p:spPr>
-        <p:txBody>
-          <a:bodyPr wrap="none" rtlCol="0">
-            <a:spAutoFit/>
-          </a:bodyPr>
-          <a:lstStyle/>
-          <a:p>
-            <a:r>
-              <a:rPr lang="en-US" dirty="0"/>
-              <a:t>T</a:t>
-            </a:r>
-          </a:p>
-        </p:txBody>
-      </p:sp>
-      <p:sp>
-        <p:nvSpPr>
-          <p:cNvPr id="14" name="TextBox 13">
-            <a:extLst>
-              <a:ext uri="{FF2B5EF4-FFF2-40B4-BE49-F238E27FC236}">
-                <a16:creationId xmlns:a16="http://schemas.microsoft.com/office/drawing/2014/main" id="{6D2A0E66-F143-4FB3-8049-94E684CAFF3C}"/>
-              </a:ext>
-            </a:extLst>
-          </p:cNvPr>
-          <p:cNvSpPr txBox="1"/>
-          <p:nvPr/>
-        </p:nvSpPr>
-        <p:spPr>
-          <a:xfrm>
-            <a:off x="1425385" y="4528351"/>
-            <a:ext cx="314510" cy="369332"/>
-          </a:xfrm>
-          <a:prstGeom prst="rect">
-            <a:avLst/>
-          </a:prstGeom>
-          <a:noFill/>
-        </p:spPr>
-        <p:txBody>
-          <a:bodyPr wrap="none" rtlCol="0">
-            <a:spAutoFit/>
-          </a:bodyPr>
-          <a:lstStyle/>
-          <a:p>
-            <a:r>
-              <a:rPr lang="en-US" dirty="0"/>
-              <a:t>F</a:t>
-            </a:r>
-          </a:p>
-        </p:txBody>
-      </p:sp>
-      <p:sp>
-        <p:nvSpPr>
-          <p:cNvPr id="9" name="Oval 8">
-            <a:extLst>
-              <a:ext uri="{FF2B5EF4-FFF2-40B4-BE49-F238E27FC236}">
-                <a16:creationId xmlns:a16="http://schemas.microsoft.com/office/drawing/2014/main" id="{702F23A7-2678-43CB-8265-51E17779B9A1}"/>
-              </a:ext>
-            </a:extLst>
-          </p:cNvPr>
-          <p:cNvSpPr/>
-          <p:nvPr/>
-        </p:nvSpPr>
-        <p:spPr>
-          <a:xfrm>
-            <a:off x="1397721" y="4846062"/>
-            <a:ext cx="739674" cy="458797"/>
-          </a:xfrm>
-          <a:prstGeom prst="ellipse">
-            <a:avLst/>
-          </a:prstGeom>
-          <a:solidFill>
-            <a:srgbClr val="0D62AF"/>
-          </a:solidFill>
-        </p:spPr>
-        <p:style>
-          <a:lnRef idx="2">
-            <a:schemeClr val="accent1">
-              <a:shade val="50000"/>
-            </a:schemeClr>
-          </a:lnRef>
-          <a:fillRef idx="1">
-            <a:schemeClr val="accent1"/>
-          </a:fillRef>
-          <a:effectRef idx="0">
-            <a:schemeClr val="accent1"/>
-          </a:effectRef>
-          <a:fontRef idx="minor">
-            <a:schemeClr val="lt1"/>
-          </a:fontRef>
-        </p:style>
-        <p:txBody>
-          <a:bodyPr lIns="0" tIns="0" rIns="0" bIns="0" rtlCol="0" anchor="ctr"/>
-          <a:lstStyle/>
-          <a:p>
-            <a:pPr algn="ctr"/>
-            <a:r>
-              <a:rPr lang="en-US" dirty="0"/>
-              <a:t>End</a:t>
-            </a:r>
-          </a:p>
-        </p:txBody>
-      </p:sp>
-      <p:cxnSp>
-        <p:nvCxnSpPr>
-          <p:cNvPr id="18" name="Connector: Elbow 17">
-            <a:extLst>
-              <a:ext uri="{FF2B5EF4-FFF2-40B4-BE49-F238E27FC236}">
-                <a16:creationId xmlns:a16="http://schemas.microsoft.com/office/drawing/2014/main" id="{8D3EA150-57DA-4A6B-8CAD-81BFA4614E57}"/>
-              </a:ext>
-            </a:extLst>
-          </p:cNvPr>
-          <p:cNvCxnSpPr>
-            <a:cxnSpLocks/>
-            <a:stCxn id="10" idx="2"/>
-            <a:endCxn id="9" idx="0"/>
-          </p:cNvCxnSpPr>
-          <p:nvPr/>
-        </p:nvCxnSpPr>
-        <p:spPr>
-          <a:xfrm rot="5400000">
-            <a:off x="1653032" y="4731534"/>
-            <a:ext cx="229055" cy="1"/>
-          </a:xfrm>
-          <a:prstGeom prst="bentConnector3">
-            <a:avLst>
-              <a:gd name="adj1" fmla="val 50000"/>
-            </a:avLst>
-          </a:prstGeom>
-          <a:ln w="28575">
-            <a:solidFill>
-              <a:srgbClr val="0D62AF"/>
-            </a:solidFill>
-            <a:tailEnd type="triangle"/>
-          </a:ln>
-        </p:spPr>
-        <p:style>
-          <a:lnRef idx="1">
-            <a:schemeClr val="accent1"/>
-          </a:lnRef>
-          <a:fillRef idx="0">
-            <a:schemeClr val="accent1"/>
-          </a:fillRef>
-          <a:effectRef idx="0">
-            <a:schemeClr val="accent1"/>
-          </a:effectRef>
-          <a:fontRef idx="minor">
-            <a:schemeClr val="tx1"/>
-          </a:fontRef>
-        </p:style>
-      </p:cxnSp>
       <p:grpSp>
         <p:nvGrpSpPr>
-          <p:cNvPr id="31" name="Group 30">
-            <a:extLst>
-              <a:ext uri="{FF2B5EF4-FFF2-40B4-BE49-F238E27FC236}">
-                <a16:creationId xmlns:a16="http://schemas.microsoft.com/office/drawing/2014/main" id="{CEC60ACF-818D-485A-A5BB-26DD9836A4C8}"/>
+          <p:cNvPr id="52" name="Group 51">
+            <a:extLst>
+              <a:ext uri="{FF2B5EF4-FFF2-40B4-BE49-F238E27FC236}">
+                <a16:creationId xmlns:a16="http://schemas.microsoft.com/office/drawing/2014/main" id="{0292A01F-C6A1-43BA-A771-766849303164}"/>
               </a:ext>
             </a:extLst>
           </p:cNvPr>
@@ -13732,97 +19850,18 @@
         </p:nvGrpSpPr>
         <p:grpSpPr>
           <a:xfrm>
-            <a:off x="5162905" y="2560646"/>
-            <a:ext cx="7002856" cy="804853"/>
-            <a:chOff x="5175605" y="2481750"/>
-            <a:chExt cx="7002856" cy="804853"/>
+            <a:off x="742541" y="2208859"/>
+            <a:ext cx="2974072" cy="3087650"/>
+            <a:chOff x="1118864" y="2217209"/>
+            <a:chExt cx="2974072" cy="3087650"/>
           </a:xfrm>
         </p:grpSpPr>
-        <p:cxnSp>
-          <p:nvCxnSpPr>
-            <p:cNvPr id="21" name="Straight Arrow Connector 20">
+        <p:sp>
+          <p:nvSpPr>
+            <p:cNvPr id="3" name="Rectangle 2">
               <a:extLst>
                 <a:ext uri="{FF2B5EF4-FFF2-40B4-BE49-F238E27FC236}">
-                  <a16:creationId xmlns:a16="http://schemas.microsoft.com/office/drawing/2014/main" id="{141A3C08-ABAE-4581-ABC9-A5C4346D3718}"/>
-                </a:ext>
-              </a:extLst>
-            </p:cNvPr>
-            <p:cNvCxnSpPr>
-              <a:cxnSpLocks/>
-            </p:cNvCxnSpPr>
-            <p:nvPr/>
-          </p:nvCxnSpPr>
-          <p:spPr>
-            <a:xfrm>
-              <a:off x="7061538" y="2666415"/>
-              <a:ext cx="679112" cy="0"/>
-            </a:xfrm>
-            <a:prstGeom prst="straightConnector1">
-              <a:avLst/>
-            </a:prstGeom>
-            <a:ln>
-              <a:solidFill>
-                <a:srgbClr val="C00000"/>
-              </a:solidFill>
-              <a:tailEnd type="triangle"/>
-            </a:ln>
-          </p:spPr>
-          <p:style>
-            <a:lnRef idx="3">
-              <a:schemeClr val="accent1"/>
-            </a:lnRef>
-            <a:fillRef idx="0">
-              <a:schemeClr val="accent1"/>
-            </a:fillRef>
-            <a:effectRef idx="2">
-              <a:schemeClr val="accent1"/>
-            </a:effectRef>
-            <a:fontRef idx="minor">
-              <a:schemeClr val="tx1"/>
-            </a:fontRef>
-          </p:style>
-        </p:cxnSp>
-        <p:sp>
-          <p:nvSpPr>
-            <p:cNvPr id="24" name="TextBox 23">
-              <a:extLst>
-                <a:ext uri="{FF2B5EF4-FFF2-40B4-BE49-F238E27FC236}">
-                  <a16:creationId xmlns:a16="http://schemas.microsoft.com/office/drawing/2014/main" id="{252EB428-6E71-4957-8545-13A8F99E18E4}"/>
-                </a:ext>
-              </a:extLst>
-            </p:cNvPr>
-            <p:cNvSpPr txBox="1"/>
-            <p:nvPr/>
-          </p:nvSpPr>
-          <p:spPr>
-            <a:xfrm>
-              <a:off x="5175605" y="2481750"/>
-              <a:ext cx="1977914" cy="369332"/>
-            </a:xfrm>
-            <a:prstGeom prst="rect">
-              <a:avLst/>
-            </a:prstGeom>
-            <a:noFill/>
-          </p:spPr>
-          <p:txBody>
-            <a:bodyPr wrap="none" rtlCol="0">
-              <a:spAutoFit/>
-            </a:bodyPr>
-            <a:lstStyle/>
-            <a:p>
-              <a:r>
-                <a:rPr lang="en-US" dirty="0"/>
-                <a:t>List of Reindeers </a:t>
-              </a:r>
-            </a:p>
-          </p:txBody>
-        </p:sp>
-        <p:sp>
-          <p:nvSpPr>
-            <p:cNvPr id="25" name="Rectangle 24">
-              <a:extLst>
-                <a:ext uri="{FF2B5EF4-FFF2-40B4-BE49-F238E27FC236}">
-                  <a16:creationId xmlns:a16="http://schemas.microsoft.com/office/drawing/2014/main" id="{1E5E8101-F847-438B-9BA7-13BBFE7400D4}"/>
+                  <a16:creationId xmlns:a16="http://schemas.microsoft.com/office/drawing/2014/main" id="{C0CD5D73-9131-42EC-BA6F-1B8ED28E2C58}"/>
                 </a:ext>
               </a:extLst>
             </p:cNvPr>
@@ -13831,18 +19870,15 @@
           </p:nvSpPr>
           <p:spPr>
             <a:xfrm>
-              <a:off x="7823201" y="2577000"/>
-              <a:ext cx="4355260" cy="709603"/>
+              <a:off x="2945567" y="3886804"/>
+              <a:ext cx="1147368" cy="576596"/>
             </a:xfrm>
             <a:prstGeom prst="rect">
               <a:avLst/>
             </a:prstGeom>
-            <a:noFill/>
-            <a:ln>
-              <a:solidFill>
-                <a:srgbClr val="C00000"/>
-              </a:solidFill>
-            </a:ln>
+            <a:solidFill>
+              <a:srgbClr val="0D62AF"/>
+            </a:solidFill>
           </p:spPr>
           <p:style>
             <a:lnRef idx="2">
@@ -13865,124 +19901,19 @@
             <a:lstStyle/>
             <a:p>
               <a:pPr algn="ctr"/>
-              <a:endParaRPr lang="en-US"/>
-            </a:p>
-          </p:txBody>
-        </p:sp>
-      </p:grpSp>
-      <p:grpSp>
-        <p:nvGrpSpPr>
-          <p:cNvPr id="32" name="Group 31">
-            <a:extLst>
-              <a:ext uri="{FF2B5EF4-FFF2-40B4-BE49-F238E27FC236}">
-                <a16:creationId xmlns:a16="http://schemas.microsoft.com/office/drawing/2014/main" id="{57F118AC-D309-4A90-B7A7-1765447CFC50}"/>
-              </a:ext>
-            </a:extLst>
-          </p:cNvPr>
-          <p:cNvGrpSpPr/>
-          <p:nvPr/>
-        </p:nvGrpSpPr>
-        <p:grpSpPr>
-          <a:xfrm>
-            <a:off x="4638822" y="3885683"/>
-            <a:ext cx="3472512" cy="369332"/>
-            <a:chOff x="5251062" y="2580337"/>
-            <a:chExt cx="3472512" cy="369332"/>
-          </a:xfrm>
-        </p:grpSpPr>
-        <p:cxnSp>
-          <p:nvCxnSpPr>
-            <p:cNvPr id="33" name="Straight Arrow Connector 32">
-              <a:extLst>
-                <a:ext uri="{FF2B5EF4-FFF2-40B4-BE49-F238E27FC236}">
-                  <a16:creationId xmlns:a16="http://schemas.microsoft.com/office/drawing/2014/main" id="{89B124DA-F18D-4BFB-8716-9D41C9AA3CEB}"/>
-                </a:ext>
-              </a:extLst>
-            </p:cNvPr>
-            <p:cNvCxnSpPr>
-              <a:cxnSpLocks/>
-            </p:cNvCxnSpPr>
-            <p:nvPr/>
-          </p:nvCxnSpPr>
-          <p:spPr>
-            <a:xfrm>
-              <a:off x="7488196" y="2775815"/>
-              <a:ext cx="844509" cy="1"/>
-            </a:xfrm>
-            <a:prstGeom prst="straightConnector1">
-              <a:avLst/>
-            </a:prstGeom>
-            <a:ln>
-              <a:solidFill>
-                <a:srgbClr val="C00000"/>
-              </a:solidFill>
-              <a:tailEnd type="triangle"/>
-            </a:ln>
-          </p:spPr>
-          <p:style>
-            <a:lnRef idx="3">
-              <a:schemeClr val="accent1"/>
-            </a:lnRef>
-            <a:fillRef idx="0">
-              <a:schemeClr val="accent1"/>
-            </a:fillRef>
-            <a:effectRef idx="2">
-              <a:schemeClr val="accent1"/>
-            </a:effectRef>
-            <a:fontRef idx="minor">
-              <a:schemeClr val="tx1"/>
-            </a:fontRef>
-          </p:style>
-        </p:cxnSp>
-        <p:sp>
-          <p:nvSpPr>
-            <p:cNvPr id="34" name="TextBox 33">
-              <a:extLst>
-                <a:ext uri="{FF2B5EF4-FFF2-40B4-BE49-F238E27FC236}">
-                  <a16:creationId xmlns:a16="http://schemas.microsoft.com/office/drawing/2014/main" id="{5BDB5AB5-162C-448C-9CF6-8E80C94AD8E0}"/>
-                </a:ext>
-              </a:extLst>
-            </p:cNvPr>
-            <p:cNvSpPr txBox="1"/>
-            <p:nvPr/>
-          </p:nvSpPr>
-          <p:spPr>
-            <a:xfrm>
-              <a:off x="5251062" y="2580337"/>
-              <a:ext cx="2104487" cy="369332"/>
-            </a:xfrm>
-            <a:prstGeom prst="rect">
-              <a:avLst/>
-            </a:prstGeom>
-            <a:noFill/>
-          </p:spPr>
-          <p:txBody>
-            <a:bodyPr wrap="none" rtlCol="0">
-              <a:spAutoFit/>
-            </a:bodyPr>
-            <a:lstStyle/>
-            <a:p>
               <a:r>
-                <a:rPr lang="en-US" dirty="0">
-                  <a:solidFill>
-                    <a:srgbClr val="C00000"/>
-                  </a:solidFill>
-                </a:rPr>
-                <a:t>For</a:t>
-              </a:r>
-              <a:r>
-                <a:rPr lang="en-US" dirty="0"/>
-                <a:t> Loop Keyword</a:t>
+                <a:rPr lang="en-US" sz="1600" dirty="0"/>
+                <a:t>Loop Body</a:t>
               </a:r>
             </a:p>
           </p:txBody>
         </p:sp>
         <p:sp>
           <p:nvSpPr>
-            <p:cNvPr id="35" name="Rectangle 34">
+            <p:cNvPr id="10" name="Flowchart: Decision 9">
               <a:extLst>
                 <a:ext uri="{FF2B5EF4-FFF2-40B4-BE49-F238E27FC236}">
-                  <a16:creationId xmlns:a16="http://schemas.microsoft.com/office/drawing/2014/main" id="{4C5B0025-B8BE-47CA-9B91-907D16BF3457}"/>
+                  <a16:creationId xmlns:a16="http://schemas.microsoft.com/office/drawing/2014/main" id="{B871BEAE-0BC2-4EA0-ABFF-FB227F07B916}"/>
                 </a:ext>
               </a:extLst>
             </p:cNvPr>
@@ -13991,18 +19922,15 @@
           </p:nvSpPr>
           <p:spPr>
             <a:xfrm>
-              <a:off x="8332706" y="2654381"/>
-              <a:ext cx="390868" cy="215819"/>
+              <a:off x="1118864" y="3732041"/>
+              <a:ext cx="1297389" cy="884966"/>
             </a:xfrm>
-            <a:prstGeom prst="rect">
+            <a:prstGeom prst="flowChartDecision">
               <a:avLst/>
             </a:prstGeom>
-            <a:noFill/>
-            <a:ln>
-              <a:solidFill>
-                <a:srgbClr val="C00000"/>
-              </a:solidFill>
-            </a:ln>
+            <a:solidFill>
+              <a:srgbClr val="0D62AF"/>
+            </a:solidFill>
           </p:spPr>
           <p:style>
             <a:lnRef idx="2">
@@ -14021,72 +19949,61 @@
             </a:fontRef>
           </p:style>
           <p:txBody>
-            <a:bodyPr rtlCol="0" anchor="ctr"/>
+            <a:bodyPr wrap="none" lIns="0" tIns="0" rIns="0" bIns="0" rtlCol="0" anchor="ctr" anchorCtr="0">
+              <a:noAutofit/>
+            </a:bodyPr>
             <a:lstStyle/>
             <a:p>
               <a:pPr algn="ctr"/>
-              <a:endParaRPr lang="en-US"/>
+              <a:r>
+                <a:rPr lang="en-US" sz="1600" dirty="0"/>
+                <a:t>Conditional</a:t>
+              </a:r>
+              <a:endParaRPr lang="en-US" sz="1400" dirty="0"/>
             </a:p>
           </p:txBody>
         </p:sp>
-      </p:grpSp>
-      <p:grpSp>
-        <p:nvGrpSpPr>
-          <p:cNvPr id="36" name="Group 35">
-            <a:extLst>
-              <a:ext uri="{FF2B5EF4-FFF2-40B4-BE49-F238E27FC236}">
-                <a16:creationId xmlns:a16="http://schemas.microsoft.com/office/drawing/2014/main" id="{87870DE7-037E-4AE4-9C82-B2538F1DFA30}"/>
-              </a:ext>
-            </a:extLst>
-          </p:cNvPr>
-          <p:cNvGrpSpPr/>
-          <p:nvPr/>
-        </p:nvGrpSpPr>
-        <p:grpSpPr>
-          <a:xfrm>
-            <a:off x="4520880" y="3896072"/>
-            <a:ext cx="5779152" cy="369332"/>
-            <a:chOff x="4012914" y="2579882"/>
-            <a:chExt cx="5779152" cy="369332"/>
-          </a:xfrm>
-        </p:grpSpPr>
         <p:cxnSp>
           <p:nvCxnSpPr>
-            <p:cNvPr id="37" name="Straight Arrow Connector 36">
+            <p:cNvPr id="5" name="Connector: Elbow 4">
               <a:extLst>
                 <a:ext uri="{FF2B5EF4-FFF2-40B4-BE49-F238E27FC236}">
-                  <a16:creationId xmlns:a16="http://schemas.microsoft.com/office/drawing/2014/main" id="{81154E18-36C6-4130-8EFC-86A3A059455B}"/>
+                  <a16:creationId xmlns:a16="http://schemas.microsoft.com/office/drawing/2014/main" id="{EDB8A431-C58B-427F-94CD-852C954704BD}"/>
                 </a:ext>
               </a:extLst>
             </p:cNvPr>
             <p:cNvCxnSpPr>
               <a:cxnSpLocks/>
+              <a:stCxn id="10" idx="3"/>
+              <a:endCxn id="3" idx="1"/>
             </p:cNvCxnSpPr>
             <p:nvPr/>
           </p:nvCxnSpPr>
           <p:spPr>
             <a:xfrm>
-              <a:off x="6437395" y="2775816"/>
-              <a:ext cx="1895310" cy="0"/>
+              <a:off x="2416253" y="4174524"/>
+              <a:ext cx="529314" cy="578"/>
             </a:xfrm>
-            <a:prstGeom prst="straightConnector1">
-              <a:avLst/>
+            <a:prstGeom prst="bentConnector3">
+              <a:avLst>
+                <a:gd name="adj1" fmla="val 50000"/>
+              </a:avLst>
             </a:prstGeom>
-            <a:ln>
+            <a:ln w="28575">
               <a:solidFill>
-                <a:srgbClr val="C00000"/>
+                <a:srgbClr val="0D62AF"/>
               </a:solidFill>
               <a:tailEnd type="triangle"/>
             </a:ln>
           </p:spPr>
           <p:style>
-            <a:lnRef idx="3">
+            <a:lnRef idx="1">
               <a:schemeClr val="accent1"/>
             </a:lnRef>
             <a:fillRef idx="0">
               <a:schemeClr val="accent1"/>
             </a:fillRef>
-            <a:effectRef idx="2">
+            <a:effectRef idx="0">
               <a:schemeClr val="accent1"/>
             </a:effectRef>
             <a:fontRef idx="minor">
@@ -14096,10 +20013,10 @@
         </p:cxnSp>
         <p:sp>
           <p:nvSpPr>
-            <p:cNvPr id="38" name="TextBox 37">
+            <p:cNvPr id="4" name="TextBox 3">
               <a:extLst>
                 <a:ext uri="{FF2B5EF4-FFF2-40B4-BE49-F238E27FC236}">
-                  <a16:creationId xmlns:a16="http://schemas.microsoft.com/office/drawing/2014/main" id="{DDB0C833-1DC5-4364-BA52-6C2242A99DEF}"/>
+                  <a16:creationId xmlns:a16="http://schemas.microsoft.com/office/drawing/2014/main" id="{55CA0771-6337-4C33-B323-85022F4F9106}"/>
                 </a:ext>
               </a:extLst>
             </p:cNvPr>
@@ -14108,8 +20025,8 @@
           </p:nvSpPr>
           <p:spPr>
             <a:xfrm>
-              <a:off x="4012914" y="2579882"/>
-              <a:ext cx="2366353" cy="369332"/>
+              <a:off x="2436613" y="3829211"/>
+              <a:ext cx="316112" cy="369332"/>
             </a:xfrm>
             <a:prstGeom prst="rect">
               <a:avLst/>
@@ -14117,24 +20034,59 @@
             <a:noFill/>
           </p:spPr>
           <p:txBody>
-            <a:bodyPr wrap="square" rtlCol="0">
+            <a:bodyPr wrap="none" rtlCol="0">
               <a:spAutoFit/>
             </a:bodyPr>
             <a:lstStyle/>
             <a:p>
               <a:r>
                 <a:rPr lang="en-US" dirty="0"/>
-                <a:t>Condition Statement</a:t>
+                <a:t>T</a:t>
               </a:r>
             </a:p>
           </p:txBody>
         </p:sp>
         <p:sp>
           <p:nvSpPr>
-            <p:cNvPr id="39" name="Rectangle 38">
+            <p:cNvPr id="14" name="TextBox 13">
               <a:extLst>
                 <a:ext uri="{FF2B5EF4-FFF2-40B4-BE49-F238E27FC236}">
-                  <a16:creationId xmlns:a16="http://schemas.microsoft.com/office/drawing/2014/main" id="{A591812A-C76D-4180-A2B3-4D8E687D9A5B}"/>
+                  <a16:creationId xmlns:a16="http://schemas.microsoft.com/office/drawing/2014/main" id="{6D2A0E66-F143-4FB3-8049-94E684CAFF3C}"/>
+                </a:ext>
+              </a:extLst>
+            </p:cNvPr>
+            <p:cNvSpPr txBox="1"/>
+            <p:nvPr/>
+          </p:nvSpPr>
+          <p:spPr>
+            <a:xfrm>
+              <a:off x="1425385" y="4528351"/>
+              <a:ext cx="314510" cy="369332"/>
+            </a:xfrm>
+            <a:prstGeom prst="rect">
+              <a:avLst/>
+            </a:prstGeom>
+            <a:noFill/>
+          </p:spPr>
+          <p:txBody>
+            <a:bodyPr wrap="none" rtlCol="0">
+              <a:spAutoFit/>
+            </a:bodyPr>
+            <a:lstStyle/>
+            <a:p>
+              <a:r>
+                <a:rPr lang="en-US" dirty="0"/>
+                <a:t>F</a:t>
+              </a:r>
+            </a:p>
+          </p:txBody>
+        </p:sp>
+        <p:sp>
+          <p:nvSpPr>
+            <p:cNvPr id="9" name="Oval 8">
+              <a:extLst>
+                <a:ext uri="{FF2B5EF4-FFF2-40B4-BE49-F238E27FC236}">
+                  <a16:creationId xmlns:a16="http://schemas.microsoft.com/office/drawing/2014/main" id="{702F23A7-2678-43CB-8265-51E17779B9A1}"/>
                 </a:ext>
               </a:extLst>
             </p:cNvPr>
@@ -14143,18 +20095,15 @@
           </p:nvSpPr>
           <p:spPr>
             <a:xfrm>
-              <a:off x="8357851" y="2653756"/>
-              <a:ext cx="1434215" cy="215819"/>
+              <a:off x="1397721" y="4846062"/>
+              <a:ext cx="739674" cy="458797"/>
             </a:xfrm>
-            <a:prstGeom prst="rect">
+            <a:prstGeom prst="ellipse">
               <a:avLst/>
             </a:prstGeom>
-            <a:noFill/>
-            <a:ln>
-              <a:solidFill>
-                <a:srgbClr val="C00000"/>
-              </a:solidFill>
-            </a:ln>
+            <a:solidFill>
+              <a:srgbClr val="0D62AF"/>
+            </a:solidFill>
           </p:spPr>
           <p:style>
             <a:lnRef idx="2">
@@ -14173,72 +20122,58 @@
             </a:fontRef>
           </p:style>
           <p:txBody>
-            <a:bodyPr rtlCol="0" anchor="ctr"/>
+            <a:bodyPr lIns="0" tIns="0" rIns="0" bIns="0" rtlCol="0" anchor="ctr"/>
             <a:lstStyle/>
             <a:p>
               <a:pPr algn="ctr"/>
-              <a:endParaRPr lang="en-US"/>
+              <a:r>
+                <a:rPr lang="en-US" dirty="0"/>
+                <a:t>End</a:t>
+              </a:r>
             </a:p>
           </p:txBody>
         </p:sp>
-      </p:grpSp>
-      <p:grpSp>
-        <p:nvGrpSpPr>
-          <p:cNvPr id="40" name="Group 39">
-            <a:extLst>
-              <a:ext uri="{FF2B5EF4-FFF2-40B4-BE49-F238E27FC236}">
-                <a16:creationId xmlns:a16="http://schemas.microsoft.com/office/drawing/2014/main" id="{CD13E40E-C825-4959-BEC7-A8C645BD0362}"/>
-              </a:ext>
-            </a:extLst>
-          </p:cNvPr>
-          <p:cNvGrpSpPr/>
-          <p:nvPr/>
-        </p:nvGrpSpPr>
-        <p:grpSpPr>
-          <a:xfrm>
-            <a:off x="5090524" y="3884581"/>
-            <a:ext cx="3734574" cy="369332"/>
-            <a:chOff x="5601521" y="2575867"/>
-            <a:chExt cx="3734574" cy="369332"/>
-          </a:xfrm>
-        </p:grpSpPr>
         <p:cxnSp>
           <p:nvCxnSpPr>
-            <p:cNvPr id="41" name="Straight Arrow Connector 40">
+            <p:cNvPr id="18" name="Connector: Elbow 17">
               <a:extLst>
                 <a:ext uri="{FF2B5EF4-FFF2-40B4-BE49-F238E27FC236}">
-                  <a16:creationId xmlns:a16="http://schemas.microsoft.com/office/drawing/2014/main" id="{8895DAD7-6728-4FEB-AD2D-A28983B3FB2C}"/>
+                  <a16:creationId xmlns:a16="http://schemas.microsoft.com/office/drawing/2014/main" id="{8D3EA150-57DA-4A6B-8CAD-81BFA4614E57}"/>
                 </a:ext>
               </a:extLst>
             </p:cNvPr>
             <p:cNvCxnSpPr>
               <a:cxnSpLocks/>
+              <a:stCxn id="10" idx="2"/>
+              <a:endCxn id="9" idx="0"/>
             </p:cNvCxnSpPr>
             <p:nvPr/>
           </p:nvCxnSpPr>
           <p:spPr>
-            <a:xfrm>
-              <a:off x="7488196" y="2775815"/>
-              <a:ext cx="844509" cy="1"/>
+            <a:xfrm rot="5400000">
+              <a:off x="1653032" y="4731534"/>
+              <a:ext cx="229055" cy="1"/>
             </a:xfrm>
-            <a:prstGeom prst="straightConnector1">
-              <a:avLst/>
+            <a:prstGeom prst="bentConnector3">
+              <a:avLst>
+                <a:gd name="adj1" fmla="val 50000"/>
+              </a:avLst>
             </a:prstGeom>
-            <a:ln>
+            <a:ln w="28575">
               <a:solidFill>
-                <a:srgbClr val="C00000"/>
+                <a:srgbClr val="0D62AF"/>
               </a:solidFill>
               <a:tailEnd type="triangle"/>
             </a:ln>
           </p:spPr>
           <p:style>
-            <a:lnRef idx="3">
+            <a:lnRef idx="1">
               <a:schemeClr val="accent1"/>
             </a:lnRef>
             <a:fillRef idx="0">
               <a:schemeClr val="accent1"/>
             </a:fillRef>
-            <a:effectRef idx="2">
+            <a:effectRef idx="0">
               <a:schemeClr val="accent1"/>
             </a:effectRef>
             <a:fontRef idx="minor">
@@ -14248,45 +20183,10 @@
         </p:cxnSp>
         <p:sp>
           <p:nvSpPr>
-            <p:cNvPr id="42" name="TextBox 41">
+            <p:cNvPr id="44" name="Oval 43">
               <a:extLst>
                 <a:ext uri="{FF2B5EF4-FFF2-40B4-BE49-F238E27FC236}">
-                  <a16:creationId xmlns:a16="http://schemas.microsoft.com/office/drawing/2014/main" id="{6AD0A592-586E-4BA1-A135-EE758F4D5E5B}"/>
-                </a:ext>
-              </a:extLst>
-            </p:cNvPr>
-            <p:cNvSpPr txBox="1"/>
-            <p:nvPr/>
-          </p:nvSpPr>
-          <p:spPr>
-            <a:xfrm>
-              <a:off x="5601521" y="2575867"/>
-              <a:ext cx="1437573" cy="369332"/>
-            </a:xfrm>
-            <a:prstGeom prst="rect">
-              <a:avLst/>
-            </a:prstGeom>
-            <a:noFill/>
-          </p:spPr>
-          <p:txBody>
-            <a:bodyPr wrap="none" rtlCol="0">
-              <a:spAutoFit/>
-            </a:bodyPr>
-            <a:lstStyle/>
-            <a:p>
-              <a:r>
-                <a:rPr lang="en-US" dirty="0"/>
-                <a:t>Initialization</a:t>
-              </a:r>
-            </a:p>
-          </p:txBody>
-        </p:sp>
-        <p:sp>
-          <p:nvSpPr>
-            <p:cNvPr id="43" name="Rectangle 42">
-              <a:extLst>
-                <a:ext uri="{FF2B5EF4-FFF2-40B4-BE49-F238E27FC236}">
-                  <a16:creationId xmlns:a16="http://schemas.microsoft.com/office/drawing/2014/main" id="{D09FC72A-1AF0-4F38-BE51-85C843BA18DB}"/>
+                  <a16:creationId xmlns:a16="http://schemas.microsoft.com/office/drawing/2014/main" id="{1322237D-EED7-4EA0-89B3-10945B48AED1}"/>
                 </a:ext>
               </a:extLst>
             </p:cNvPr>
@@ -14295,18 +20195,15 @@
           </p:nvSpPr>
           <p:spPr>
             <a:xfrm>
-              <a:off x="8600078" y="2652623"/>
-              <a:ext cx="736017" cy="215819"/>
+              <a:off x="1406082" y="2217209"/>
+              <a:ext cx="739674" cy="458797"/>
             </a:xfrm>
-            <a:prstGeom prst="rect">
+            <a:prstGeom prst="ellipse">
               <a:avLst/>
             </a:prstGeom>
-            <a:noFill/>
-            <a:ln>
-              <a:solidFill>
-                <a:srgbClr val="C00000"/>
-              </a:solidFill>
-            </a:ln>
+            <a:solidFill>
+              <a:srgbClr val="0D62AF"/>
+            </a:solidFill>
           </p:spPr>
           <p:style>
             <a:lnRef idx="2">
@@ -14325,386 +20222,23 @@
             </a:fontRef>
           </p:style>
           <p:txBody>
-            <a:bodyPr rtlCol="0" anchor="ctr"/>
+            <a:bodyPr lIns="0" tIns="0" rIns="0" bIns="0" rtlCol="0" anchor="ctr"/>
             <a:lstStyle/>
             <a:p>
               <a:pPr algn="ctr"/>
-              <a:endParaRPr lang="en-US"/>
+              <a:r>
+                <a:rPr lang="en-US" dirty="0"/>
+                <a:t>Start</a:t>
+              </a:r>
             </a:p>
           </p:txBody>
         </p:sp>
-      </p:grpSp>
-      <p:sp>
-        <p:nvSpPr>
-          <p:cNvPr id="44" name="Oval 43">
-            <a:extLst>
-              <a:ext uri="{FF2B5EF4-FFF2-40B4-BE49-F238E27FC236}">
-                <a16:creationId xmlns:a16="http://schemas.microsoft.com/office/drawing/2014/main" id="{1322237D-EED7-4EA0-89B3-10945B48AED1}"/>
-              </a:ext>
-            </a:extLst>
-          </p:cNvPr>
-          <p:cNvSpPr/>
-          <p:nvPr/>
-        </p:nvSpPr>
-        <p:spPr>
-          <a:xfrm>
-            <a:off x="1406082" y="2217209"/>
-            <a:ext cx="739674" cy="458797"/>
-          </a:xfrm>
-          <a:prstGeom prst="ellipse">
-            <a:avLst/>
-          </a:prstGeom>
-          <a:solidFill>
-            <a:srgbClr val="0D62AF"/>
-          </a:solidFill>
-        </p:spPr>
-        <p:style>
-          <a:lnRef idx="2">
-            <a:schemeClr val="accent1">
-              <a:shade val="50000"/>
-            </a:schemeClr>
-          </a:lnRef>
-          <a:fillRef idx="1">
-            <a:schemeClr val="accent1"/>
-          </a:fillRef>
-          <a:effectRef idx="0">
-            <a:schemeClr val="accent1"/>
-          </a:effectRef>
-          <a:fontRef idx="minor">
-            <a:schemeClr val="lt1"/>
-          </a:fontRef>
-        </p:style>
-        <p:txBody>
-          <a:bodyPr lIns="0" tIns="0" rIns="0" bIns="0" rtlCol="0" anchor="ctr"/>
-          <a:lstStyle/>
-          <a:p>
-            <a:pPr algn="ctr"/>
-            <a:r>
-              <a:rPr lang="en-US" dirty="0"/>
-              <a:t>Start</a:t>
-            </a:r>
-          </a:p>
-        </p:txBody>
-      </p:sp>
-      <p:cxnSp>
-        <p:nvCxnSpPr>
-          <p:cNvPr id="45" name="Connector: Elbow 44">
-            <a:extLst>
-              <a:ext uri="{FF2B5EF4-FFF2-40B4-BE49-F238E27FC236}">
-                <a16:creationId xmlns:a16="http://schemas.microsoft.com/office/drawing/2014/main" id="{FADEB14A-94AE-468C-8FCE-C4714743404D}"/>
-              </a:ext>
-            </a:extLst>
-          </p:cNvPr>
-          <p:cNvCxnSpPr>
-            <a:cxnSpLocks/>
-          </p:cNvCxnSpPr>
-          <p:nvPr/>
-        </p:nvCxnSpPr>
-        <p:spPr>
-          <a:xfrm rot="5400000">
-            <a:off x="1655041" y="2784887"/>
-            <a:ext cx="229055" cy="1"/>
-          </a:xfrm>
-          <a:prstGeom prst="bentConnector3">
-            <a:avLst>
-              <a:gd name="adj1" fmla="val 50000"/>
-            </a:avLst>
-          </a:prstGeom>
-          <a:ln w="28575">
-            <a:solidFill>
-              <a:srgbClr val="0D62AF"/>
-            </a:solidFill>
-            <a:headEnd type="none" w="med" len="med"/>
-            <a:tailEnd type="triangle" w="med" len="med"/>
-          </a:ln>
-        </p:spPr>
-        <p:style>
-          <a:lnRef idx="1">
-            <a:schemeClr val="accent1"/>
-          </a:lnRef>
-          <a:fillRef idx="0">
-            <a:schemeClr val="accent1"/>
-          </a:fillRef>
-          <a:effectRef idx="0">
-            <a:schemeClr val="accent1"/>
-          </a:effectRef>
-          <a:fontRef idx="minor">
-            <a:schemeClr val="tx1"/>
-          </a:fontRef>
-        </p:style>
-      </p:cxnSp>
-      <p:sp>
-        <p:nvSpPr>
-          <p:cNvPr id="46" name="Rectangle 45">
-            <a:extLst>
-              <a:ext uri="{FF2B5EF4-FFF2-40B4-BE49-F238E27FC236}">
-                <a16:creationId xmlns:a16="http://schemas.microsoft.com/office/drawing/2014/main" id="{AF1C1456-5B69-43AB-BCBA-57A722272094}"/>
-              </a:ext>
-            </a:extLst>
-          </p:cNvPr>
-          <p:cNvSpPr/>
-          <p:nvPr/>
-        </p:nvSpPr>
-        <p:spPr>
-          <a:xfrm>
-            <a:off x="1194453" y="2897954"/>
-            <a:ext cx="1147368" cy="341947"/>
-          </a:xfrm>
-          <a:prstGeom prst="rect">
-            <a:avLst/>
-          </a:prstGeom>
-          <a:solidFill>
-            <a:srgbClr val="0D62AF"/>
-          </a:solidFill>
-        </p:spPr>
-        <p:style>
-          <a:lnRef idx="2">
-            <a:schemeClr val="accent1">
-              <a:shade val="50000"/>
-            </a:schemeClr>
-          </a:lnRef>
-          <a:fillRef idx="1">
-            <a:schemeClr val="accent1"/>
-          </a:fillRef>
-          <a:effectRef idx="0">
-            <a:schemeClr val="accent1"/>
-          </a:effectRef>
-          <a:fontRef idx="minor">
-            <a:schemeClr val="lt1"/>
-          </a:fontRef>
-        </p:style>
-        <p:txBody>
-          <a:bodyPr lIns="0" tIns="0" rIns="0" bIns="0" rtlCol="0" anchor="ctr"/>
-          <a:lstStyle/>
-          <a:p>
-            <a:pPr algn="ctr"/>
-            <a:r>
-              <a:rPr lang="en-US" sz="1600" dirty="0"/>
-              <a:t>Initialization</a:t>
-            </a:r>
-          </a:p>
-        </p:txBody>
-      </p:sp>
-      <p:cxnSp>
-        <p:nvCxnSpPr>
-          <p:cNvPr id="47" name="Connector: Elbow 46">
-            <a:extLst>
-              <a:ext uri="{FF2B5EF4-FFF2-40B4-BE49-F238E27FC236}">
-                <a16:creationId xmlns:a16="http://schemas.microsoft.com/office/drawing/2014/main" id="{BDCEC21B-8F42-4B6E-919B-4748B2E5B4DD}"/>
-              </a:ext>
-            </a:extLst>
-          </p:cNvPr>
-          <p:cNvCxnSpPr>
-            <a:cxnSpLocks/>
-            <a:endCxn id="10" idx="0"/>
-          </p:cNvCxnSpPr>
-          <p:nvPr/>
-        </p:nvCxnSpPr>
-        <p:spPr>
-          <a:xfrm rot="5400000">
-            <a:off x="1520849" y="3484749"/>
-            <a:ext cx="494003" cy="581"/>
-          </a:xfrm>
-          <a:prstGeom prst="bentConnector3">
-            <a:avLst>
-              <a:gd name="adj1" fmla="val 50000"/>
-            </a:avLst>
-          </a:prstGeom>
-          <a:ln w="28575">
-            <a:solidFill>
-              <a:srgbClr val="0D62AF"/>
-            </a:solidFill>
-            <a:headEnd type="none" w="med" len="med"/>
-            <a:tailEnd type="none" w="med" len="med"/>
-          </a:ln>
-        </p:spPr>
-        <p:style>
-          <a:lnRef idx="1">
-            <a:schemeClr val="accent1"/>
-          </a:lnRef>
-          <a:fillRef idx="0">
-            <a:schemeClr val="accent1"/>
-          </a:fillRef>
-          <a:effectRef idx="0">
-            <a:schemeClr val="accent1"/>
-          </a:effectRef>
-          <a:fontRef idx="minor">
-            <a:schemeClr val="tx1"/>
-          </a:fontRef>
-        </p:style>
-      </p:cxnSp>
-      <p:sp>
-        <p:nvSpPr>
-          <p:cNvPr id="48" name="Rectangle 47">
-            <a:extLst>
-              <a:ext uri="{FF2B5EF4-FFF2-40B4-BE49-F238E27FC236}">
-                <a16:creationId xmlns:a16="http://schemas.microsoft.com/office/drawing/2014/main" id="{60E33C9F-1253-48AF-B59B-2A8A78A7012D}"/>
-              </a:ext>
-            </a:extLst>
-          </p:cNvPr>
-          <p:cNvSpPr/>
-          <p:nvPr/>
-        </p:nvSpPr>
-        <p:spPr>
-          <a:xfrm>
-            <a:off x="2945568" y="3215466"/>
-            <a:ext cx="1147368" cy="282569"/>
-          </a:xfrm>
-          <a:prstGeom prst="rect">
-            <a:avLst/>
-          </a:prstGeom>
-          <a:solidFill>
-            <a:srgbClr val="0D62AF"/>
-          </a:solidFill>
-        </p:spPr>
-        <p:style>
-          <a:lnRef idx="2">
-            <a:schemeClr val="accent1">
-              <a:shade val="50000"/>
-            </a:schemeClr>
-          </a:lnRef>
-          <a:fillRef idx="1">
-            <a:schemeClr val="accent1"/>
-          </a:fillRef>
-          <a:effectRef idx="0">
-            <a:schemeClr val="accent1"/>
-          </a:effectRef>
-          <a:fontRef idx="minor">
-            <a:schemeClr val="lt1"/>
-          </a:fontRef>
-        </p:style>
-        <p:txBody>
-          <a:bodyPr lIns="0" tIns="0" rIns="0" bIns="0" rtlCol="0" anchor="ctr"/>
-          <a:lstStyle/>
-          <a:p>
-            <a:pPr algn="ctr"/>
-            <a:r>
-              <a:rPr lang="en-US" sz="1600" dirty="0"/>
-              <a:t>Update</a:t>
-            </a:r>
-          </a:p>
-        </p:txBody>
-      </p:sp>
-      <p:cxnSp>
-        <p:nvCxnSpPr>
-          <p:cNvPr id="51" name="Connector: Elbow 50">
-            <a:extLst>
-              <a:ext uri="{FF2B5EF4-FFF2-40B4-BE49-F238E27FC236}">
-                <a16:creationId xmlns:a16="http://schemas.microsoft.com/office/drawing/2014/main" id="{0523D773-8F06-4B14-A618-F882B6D5081A}"/>
-              </a:ext>
-            </a:extLst>
-          </p:cNvPr>
-          <p:cNvCxnSpPr>
-            <a:cxnSpLocks/>
-            <a:stCxn id="3" idx="0"/>
-            <a:endCxn id="48" idx="2"/>
-          </p:cNvCxnSpPr>
-          <p:nvPr/>
-        </p:nvCxnSpPr>
-        <p:spPr>
-          <a:xfrm rot="5400000" flipH="1" flipV="1">
-            <a:off x="3324867" y="3692420"/>
-            <a:ext cx="388769" cy="1"/>
-          </a:xfrm>
-          <a:prstGeom prst="bentConnector3">
-            <a:avLst>
-              <a:gd name="adj1" fmla="val 50000"/>
-            </a:avLst>
-          </a:prstGeom>
-          <a:ln w="28575">
-            <a:solidFill>
-              <a:srgbClr val="0D62AF"/>
-            </a:solidFill>
-            <a:tailEnd type="triangle"/>
-          </a:ln>
-        </p:spPr>
-        <p:style>
-          <a:lnRef idx="1">
-            <a:schemeClr val="accent1"/>
-          </a:lnRef>
-          <a:fillRef idx="0">
-            <a:schemeClr val="accent1"/>
-          </a:fillRef>
-          <a:effectRef idx="0">
-            <a:schemeClr val="accent1"/>
-          </a:effectRef>
-          <a:fontRef idx="minor">
-            <a:schemeClr val="tx1"/>
-          </a:fontRef>
-        </p:style>
-      </p:cxnSp>
-      <p:cxnSp>
-        <p:nvCxnSpPr>
-          <p:cNvPr id="54" name="Connector: Elbow 53">
-            <a:extLst>
-              <a:ext uri="{FF2B5EF4-FFF2-40B4-BE49-F238E27FC236}">
-                <a16:creationId xmlns:a16="http://schemas.microsoft.com/office/drawing/2014/main" id="{EFDD87BC-5D37-4062-9E99-3BDA17712FC5}"/>
-              </a:ext>
-            </a:extLst>
-          </p:cNvPr>
-          <p:cNvCxnSpPr>
-            <a:cxnSpLocks/>
-            <a:stCxn id="48" idx="1"/>
-            <a:endCxn id="10" idx="0"/>
-          </p:cNvCxnSpPr>
-          <p:nvPr/>
-        </p:nvCxnSpPr>
-        <p:spPr>
-          <a:xfrm rot="10800000" flipV="1">
-            <a:off x="1767560" y="3356751"/>
-            <a:ext cx="1178009" cy="375290"/>
-          </a:xfrm>
-          <a:prstGeom prst="bentConnector2">
-            <a:avLst/>
-          </a:prstGeom>
-          <a:ln w="28575">
-            <a:solidFill>
-              <a:srgbClr val="0D62AF"/>
-            </a:solidFill>
-            <a:tailEnd type="triangle"/>
-          </a:ln>
-        </p:spPr>
-        <p:style>
-          <a:lnRef idx="1">
-            <a:schemeClr val="accent1"/>
-          </a:lnRef>
-          <a:fillRef idx="0">
-            <a:schemeClr val="accent1"/>
-          </a:fillRef>
-          <a:effectRef idx="0">
-            <a:schemeClr val="accent1"/>
-          </a:effectRef>
-          <a:fontRef idx="minor">
-            <a:schemeClr val="tx1"/>
-          </a:fontRef>
-        </p:style>
-      </p:cxnSp>
-      <p:grpSp>
-        <p:nvGrpSpPr>
-          <p:cNvPr id="62" name="Group 61">
-            <a:extLst>
-              <a:ext uri="{FF2B5EF4-FFF2-40B4-BE49-F238E27FC236}">
-                <a16:creationId xmlns:a16="http://schemas.microsoft.com/office/drawing/2014/main" id="{42AAAD7F-60F6-48D8-965A-4C603DD7EF82}"/>
-              </a:ext>
-            </a:extLst>
-          </p:cNvPr>
-          <p:cNvGrpSpPr/>
-          <p:nvPr/>
-        </p:nvGrpSpPr>
-        <p:grpSpPr>
-          <a:xfrm>
-            <a:off x="4761642" y="3889776"/>
-            <a:ext cx="5932615" cy="369332"/>
-            <a:chOff x="4232886" y="2579882"/>
-            <a:chExt cx="5932615" cy="369332"/>
-          </a:xfrm>
-        </p:grpSpPr>
         <p:cxnSp>
           <p:nvCxnSpPr>
-            <p:cNvPr id="63" name="Straight Arrow Connector 62">
+            <p:cNvPr id="45" name="Connector: Elbow 44">
               <a:extLst>
                 <a:ext uri="{FF2B5EF4-FFF2-40B4-BE49-F238E27FC236}">
-                  <a16:creationId xmlns:a16="http://schemas.microsoft.com/office/drawing/2014/main" id="{5CDEC7B1-4E3E-4ED0-98CF-6257E04A7B09}"/>
+                  <a16:creationId xmlns:a16="http://schemas.microsoft.com/office/drawing/2014/main" id="{FADEB14A-94AE-468C-8FCE-C4714743404D}"/>
                 </a:ext>
               </a:extLst>
             </p:cNvPr>
@@ -14714,28 +20248,31 @@
             <p:nvPr/>
           </p:nvCxnSpPr>
           <p:spPr>
-            <a:xfrm>
-              <a:off x="6437395" y="2775816"/>
-              <a:ext cx="3354671" cy="0"/>
+            <a:xfrm rot="5400000">
+              <a:off x="1655041" y="2784887"/>
+              <a:ext cx="229055" cy="1"/>
             </a:xfrm>
-            <a:prstGeom prst="straightConnector1">
-              <a:avLst/>
+            <a:prstGeom prst="bentConnector3">
+              <a:avLst>
+                <a:gd name="adj1" fmla="val 50000"/>
+              </a:avLst>
             </a:prstGeom>
-            <a:ln>
+            <a:ln w="28575">
               <a:solidFill>
-                <a:srgbClr val="C00000"/>
+                <a:srgbClr val="0D62AF"/>
               </a:solidFill>
-              <a:tailEnd type="triangle"/>
+              <a:headEnd type="none" w="med" len="med"/>
+              <a:tailEnd type="triangle" w="med" len="med"/>
             </a:ln>
           </p:spPr>
           <p:style>
-            <a:lnRef idx="3">
+            <a:lnRef idx="1">
               <a:schemeClr val="accent1"/>
             </a:lnRef>
             <a:fillRef idx="0">
               <a:schemeClr val="accent1"/>
             </a:fillRef>
-            <a:effectRef idx="2">
+            <a:effectRef idx="0">
               <a:schemeClr val="accent1"/>
             </a:effectRef>
             <a:fontRef idx="minor">
@@ -14745,45 +20282,10 @@
         </p:cxnSp>
         <p:sp>
           <p:nvSpPr>
-            <p:cNvPr id="64" name="TextBox 63">
+            <p:cNvPr id="46" name="Rectangle 45">
               <a:extLst>
                 <a:ext uri="{FF2B5EF4-FFF2-40B4-BE49-F238E27FC236}">
-                  <a16:creationId xmlns:a16="http://schemas.microsoft.com/office/drawing/2014/main" id="{305D35A2-2C60-44D0-89AB-6B9D4FB6AD10}"/>
-                </a:ext>
-              </a:extLst>
-            </p:cNvPr>
-            <p:cNvSpPr txBox="1"/>
-            <p:nvPr/>
-          </p:nvSpPr>
-          <p:spPr>
-            <a:xfrm>
-              <a:off x="4232886" y="2579882"/>
-              <a:ext cx="2366353" cy="369332"/>
-            </a:xfrm>
-            <a:prstGeom prst="rect">
-              <a:avLst/>
-            </a:prstGeom>
-            <a:noFill/>
-          </p:spPr>
-          <p:txBody>
-            <a:bodyPr wrap="square" rtlCol="0">
-              <a:spAutoFit/>
-            </a:bodyPr>
-            <a:lstStyle/>
-            <a:p>
-              <a:r>
-                <a:rPr lang="en-US" dirty="0"/>
-                <a:t>Update Statement</a:t>
-              </a:r>
-            </a:p>
-          </p:txBody>
-        </p:sp>
-        <p:sp>
-          <p:nvSpPr>
-            <p:cNvPr id="65" name="Rectangle 64">
-              <a:extLst>
-                <a:ext uri="{FF2B5EF4-FFF2-40B4-BE49-F238E27FC236}">
-                  <a16:creationId xmlns:a16="http://schemas.microsoft.com/office/drawing/2014/main" id="{8EE2FEE8-6B08-4861-A7C6-56F3A19EC3F2}"/>
+                  <a16:creationId xmlns:a16="http://schemas.microsoft.com/office/drawing/2014/main" id="{AF1C1456-5B69-43AB-BCBA-57A722272094}"/>
                 </a:ext>
               </a:extLst>
             </p:cNvPr>
@@ -14792,18 +20294,15 @@
           </p:nvSpPr>
           <p:spPr>
             <a:xfrm>
-              <a:off x="9810735" y="2656846"/>
-              <a:ext cx="354766" cy="215819"/>
+              <a:off x="1194453" y="2897954"/>
+              <a:ext cx="1147368" cy="341947"/>
             </a:xfrm>
             <a:prstGeom prst="rect">
               <a:avLst/>
             </a:prstGeom>
-            <a:noFill/>
-            <a:ln>
-              <a:solidFill>
-                <a:srgbClr val="C00000"/>
-              </a:solidFill>
-            </a:ln>
+            <a:solidFill>
+              <a:srgbClr val="0D62AF"/>
+            </a:solidFill>
           </p:spPr>
           <p:style>
             <a:lnRef idx="2">
@@ -14822,14 +20321,211 @@
             </a:fontRef>
           </p:style>
           <p:txBody>
-            <a:bodyPr rtlCol="0" anchor="ctr"/>
+            <a:bodyPr lIns="0" tIns="0" rIns="0" bIns="0" rtlCol="0" anchor="ctr"/>
             <a:lstStyle/>
             <a:p>
               <a:pPr algn="ctr"/>
-              <a:endParaRPr lang="en-US"/>
+              <a:r>
+                <a:rPr lang="en-US" sz="1600" dirty="0"/>
+                <a:t>Initialization</a:t>
+              </a:r>
             </a:p>
           </p:txBody>
         </p:sp>
+        <p:cxnSp>
+          <p:nvCxnSpPr>
+            <p:cNvPr id="47" name="Connector: Elbow 46">
+              <a:extLst>
+                <a:ext uri="{FF2B5EF4-FFF2-40B4-BE49-F238E27FC236}">
+                  <a16:creationId xmlns:a16="http://schemas.microsoft.com/office/drawing/2014/main" id="{BDCEC21B-8F42-4B6E-919B-4748B2E5B4DD}"/>
+                </a:ext>
+              </a:extLst>
+            </p:cNvPr>
+            <p:cNvCxnSpPr>
+              <a:cxnSpLocks/>
+              <a:endCxn id="10" idx="0"/>
+            </p:cNvCxnSpPr>
+            <p:nvPr/>
+          </p:nvCxnSpPr>
+          <p:spPr>
+            <a:xfrm rot="5400000">
+              <a:off x="1520849" y="3484749"/>
+              <a:ext cx="494003" cy="581"/>
+            </a:xfrm>
+            <a:prstGeom prst="bentConnector3">
+              <a:avLst>
+                <a:gd name="adj1" fmla="val 50000"/>
+              </a:avLst>
+            </a:prstGeom>
+            <a:ln w="28575">
+              <a:solidFill>
+                <a:srgbClr val="0D62AF"/>
+              </a:solidFill>
+              <a:headEnd type="none" w="med" len="med"/>
+              <a:tailEnd type="none" w="med" len="med"/>
+            </a:ln>
+          </p:spPr>
+          <p:style>
+            <a:lnRef idx="1">
+              <a:schemeClr val="accent1"/>
+            </a:lnRef>
+            <a:fillRef idx="0">
+              <a:schemeClr val="accent1"/>
+            </a:fillRef>
+            <a:effectRef idx="0">
+              <a:schemeClr val="accent1"/>
+            </a:effectRef>
+            <a:fontRef idx="minor">
+              <a:schemeClr val="tx1"/>
+            </a:fontRef>
+          </p:style>
+        </p:cxnSp>
+        <p:sp>
+          <p:nvSpPr>
+            <p:cNvPr id="48" name="Rectangle 47">
+              <a:extLst>
+                <a:ext uri="{FF2B5EF4-FFF2-40B4-BE49-F238E27FC236}">
+                  <a16:creationId xmlns:a16="http://schemas.microsoft.com/office/drawing/2014/main" id="{60E33C9F-1253-48AF-B59B-2A8A78A7012D}"/>
+                </a:ext>
+              </a:extLst>
+            </p:cNvPr>
+            <p:cNvSpPr/>
+            <p:nvPr/>
+          </p:nvSpPr>
+          <p:spPr>
+            <a:xfrm>
+              <a:off x="2945568" y="3215466"/>
+              <a:ext cx="1147368" cy="282569"/>
+            </a:xfrm>
+            <a:prstGeom prst="rect">
+              <a:avLst/>
+            </a:prstGeom>
+            <a:solidFill>
+              <a:srgbClr val="0D62AF"/>
+            </a:solidFill>
+          </p:spPr>
+          <p:style>
+            <a:lnRef idx="2">
+              <a:schemeClr val="accent1">
+                <a:shade val="50000"/>
+              </a:schemeClr>
+            </a:lnRef>
+            <a:fillRef idx="1">
+              <a:schemeClr val="accent1"/>
+            </a:fillRef>
+            <a:effectRef idx="0">
+              <a:schemeClr val="accent1"/>
+            </a:effectRef>
+            <a:fontRef idx="minor">
+              <a:schemeClr val="lt1"/>
+            </a:fontRef>
+          </p:style>
+          <p:txBody>
+            <a:bodyPr lIns="0" tIns="0" rIns="0" bIns="0" rtlCol="0" anchor="ctr"/>
+            <a:lstStyle/>
+            <a:p>
+              <a:pPr algn="ctr"/>
+              <a:r>
+                <a:rPr lang="en-US" sz="1600" dirty="0"/>
+                <a:t>Update</a:t>
+              </a:r>
+            </a:p>
+          </p:txBody>
+        </p:sp>
+        <p:cxnSp>
+          <p:nvCxnSpPr>
+            <p:cNvPr id="51" name="Connector: Elbow 50">
+              <a:extLst>
+                <a:ext uri="{FF2B5EF4-FFF2-40B4-BE49-F238E27FC236}">
+                  <a16:creationId xmlns:a16="http://schemas.microsoft.com/office/drawing/2014/main" id="{0523D773-8F06-4B14-A618-F882B6D5081A}"/>
+                </a:ext>
+              </a:extLst>
+            </p:cNvPr>
+            <p:cNvCxnSpPr>
+              <a:cxnSpLocks/>
+              <a:stCxn id="3" idx="0"/>
+              <a:endCxn id="48" idx="2"/>
+            </p:cNvCxnSpPr>
+            <p:nvPr/>
+          </p:nvCxnSpPr>
+          <p:spPr>
+            <a:xfrm rot="5400000" flipH="1" flipV="1">
+              <a:off x="3324867" y="3692420"/>
+              <a:ext cx="388769" cy="1"/>
+            </a:xfrm>
+            <a:prstGeom prst="bentConnector3">
+              <a:avLst>
+                <a:gd name="adj1" fmla="val 50000"/>
+              </a:avLst>
+            </a:prstGeom>
+            <a:ln w="28575">
+              <a:solidFill>
+                <a:srgbClr val="0D62AF"/>
+              </a:solidFill>
+              <a:tailEnd type="triangle"/>
+            </a:ln>
+          </p:spPr>
+          <p:style>
+            <a:lnRef idx="1">
+              <a:schemeClr val="accent1"/>
+            </a:lnRef>
+            <a:fillRef idx="0">
+              <a:schemeClr val="accent1"/>
+            </a:fillRef>
+            <a:effectRef idx="0">
+              <a:schemeClr val="accent1"/>
+            </a:effectRef>
+            <a:fontRef idx="minor">
+              <a:schemeClr val="tx1"/>
+            </a:fontRef>
+          </p:style>
+        </p:cxnSp>
+        <p:cxnSp>
+          <p:nvCxnSpPr>
+            <p:cNvPr id="54" name="Connector: Elbow 53">
+              <a:extLst>
+                <a:ext uri="{FF2B5EF4-FFF2-40B4-BE49-F238E27FC236}">
+                  <a16:creationId xmlns:a16="http://schemas.microsoft.com/office/drawing/2014/main" id="{EFDD87BC-5D37-4062-9E99-3BDA17712FC5}"/>
+                </a:ext>
+              </a:extLst>
+            </p:cNvPr>
+            <p:cNvCxnSpPr>
+              <a:cxnSpLocks/>
+              <a:stCxn id="48" idx="1"/>
+              <a:endCxn id="10" idx="0"/>
+            </p:cNvCxnSpPr>
+            <p:nvPr/>
+          </p:nvCxnSpPr>
+          <p:spPr>
+            <a:xfrm rot="10800000" flipV="1">
+              <a:off x="1767560" y="3356751"/>
+              <a:ext cx="1178009" cy="375290"/>
+            </a:xfrm>
+            <a:prstGeom prst="bentConnector2">
+              <a:avLst/>
+            </a:prstGeom>
+            <a:ln w="28575">
+              <a:solidFill>
+                <a:srgbClr val="0D62AF"/>
+              </a:solidFill>
+              <a:tailEnd type="triangle"/>
+            </a:ln>
+          </p:spPr>
+          <p:style>
+            <a:lnRef idx="1">
+              <a:schemeClr val="accent1"/>
+            </a:lnRef>
+            <a:fillRef idx="0">
+              <a:schemeClr val="accent1"/>
+            </a:fillRef>
+            <a:effectRef idx="0">
+              <a:schemeClr val="accent1"/>
+            </a:effectRef>
+            <a:fontRef idx="minor">
+              <a:schemeClr val="tx1"/>
+            </a:fontRef>
+          </p:style>
+        </p:cxnSp>
       </p:grpSp>
       <p:grpSp>
         <p:nvGrpSpPr>
@@ -14845,10 +20541,10 @@
         </p:nvGrpSpPr>
         <p:grpSpPr>
           <a:xfrm>
-            <a:off x="5473941" y="4205535"/>
-            <a:ext cx="4956195" cy="369332"/>
-            <a:chOff x="5209306" y="2573857"/>
-            <a:chExt cx="4956195" cy="369332"/>
+            <a:off x="4126470" y="3829211"/>
+            <a:ext cx="5442372" cy="369332"/>
+            <a:chOff x="5074864" y="2556396"/>
+            <a:chExt cx="4433119" cy="369332"/>
           </a:xfrm>
         </p:grpSpPr>
         <p:cxnSp>
@@ -14867,8 +20563,8 @@
           </p:nvCxnSpPr>
           <p:spPr>
             <a:xfrm>
-              <a:off x="6437395" y="2775816"/>
-              <a:ext cx="1213870" cy="0"/>
+              <a:off x="7331682" y="2775816"/>
+              <a:ext cx="319582" cy="0"/>
             </a:xfrm>
             <a:prstGeom prst="straightConnector1">
               <a:avLst/>
@@ -14909,7 +20605,7 @@
           </p:nvSpPr>
           <p:spPr>
             <a:xfrm>
-              <a:off x="5209306" y="2573857"/>
+              <a:off x="5074864" y="2556396"/>
               <a:ext cx="2366353" cy="369332"/>
             </a:xfrm>
             <a:prstGeom prst="rect">
@@ -14925,7 +20621,15 @@
             <a:p>
               <a:r>
                 <a:rPr lang="en-US" dirty="0"/>
-                <a:t>Use index</a:t>
+                <a:t>Conditional </a:t>
+              </a:r>
+              <a:r>
+                <a:rPr lang="en-US" b="1" dirty="0"/>
+                <a:t>in</a:t>
+              </a:r>
+              <a:r>
+                <a:rPr lang="en-US" dirty="0"/>
+                <a:t> Loop Body</a:t>
               </a:r>
             </a:p>
           </p:txBody>
@@ -14944,8 +20648,8 @@
           </p:nvSpPr>
           <p:spPr>
             <a:xfrm>
-              <a:off x="7683492" y="2656846"/>
-              <a:ext cx="2482009" cy="215819"/>
+              <a:off x="8161858" y="2656846"/>
+              <a:ext cx="1346125" cy="215819"/>
             </a:xfrm>
             <a:prstGeom prst="rect">
               <a:avLst/>
@@ -14985,10 +20689,10 @@
       </p:grpSp>
       <p:grpSp>
         <p:nvGrpSpPr>
-          <p:cNvPr id="74" name="Group 73">
-            <a:extLst>
-              <a:ext uri="{FF2B5EF4-FFF2-40B4-BE49-F238E27FC236}">
-                <a16:creationId xmlns:a16="http://schemas.microsoft.com/office/drawing/2014/main" id="{722C78A9-BD27-4E7D-997E-2D8579961562}"/>
+          <p:cNvPr id="53" name="Group 52">
+            <a:extLst>
+              <a:ext uri="{FF2B5EF4-FFF2-40B4-BE49-F238E27FC236}">
+                <a16:creationId xmlns:a16="http://schemas.microsoft.com/office/drawing/2014/main" id="{E6886B1D-D4AC-4CB6-ABAC-F1B795E7B49E}"/>
               </a:ext>
             </a:extLst>
           </p:cNvPr>
@@ -14997,10 +20701,127 @@
         </p:nvGrpSpPr>
         <p:grpSpPr>
           <a:xfrm>
-            <a:off x="1118864" y="4970053"/>
-            <a:ext cx="5513873" cy="1844651"/>
-            <a:chOff x="1118864" y="4970053"/>
-            <a:chExt cx="5513873" cy="1844651"/>
+            <a:off x="7844818" y="4417063"/>
+            <a:ext cx="895670" cy="215819"/>
+            <a:chOff x="7331682" y="2656846"/>
+            <a:chExt cx="1399508" cy="215819"/>
+          </a:xfrm>
+        </p:grpSpPr>
+        <p:cxnSp>
+          <p:nvCxnSpPr>
+            <p:cNvPr id="55" name="Straight Arrow Connector 54">
+              <a:extLst>
+                <a:ext uri="{FF2B5EF4-FFF2-40B4-BE49-F238E27FC236}">
+                  <a16:creationId xmlns:a16="http://schemas.microsoft.com/office/drawing/2014/main" id="{BBE00F17-13A1-4BCE-A134-EAFD02F46144}"/>
+                </a:ext>
+              </a:extLst>
+            </p:cNvPr>
+            <p:cNvCxnSpPr>
+              <a:cxnSpLocks/>
+            </p:cNvCxnSpPr>
+            <p:nvPr/>
+          </p:nvCxnSpPr>
+          <p:spPr>
+            <a:xfrm>
+              <a:off x="7331682" y="2775816"/>
+              <a:ext cx="319582" cy="0"/>
+            </a:xfrm>
+            <a:prstGeom prst="straightConnector1">
+              <a:avLst/>
+            </a:prstGeom>
+            <a:ln>
+              <a:solidFill>
+                <a:srgbClr val="C00000"/>
+              </a:solidFill>
+              <a:tailEnd type="triangle"/>
+            </a:ln>
+          </p:spPr>
+          <p:style>
+            <a:lnRef idx="3">
+              <a:schemeClr val="accent1"/>
+            </a:lnRef>
+            <a:fillRef idx="0">
+              <a:schemeClr val="accent1"/>
+            </a:fillRef>
+            <a:effectRef idx="2">
+              <a:schemeClr val="accent1"/>
+            </a:effectRef>
+            <a:fontRef idx="minor">
+              <a:schemeClr val="tx1"/>
+            </a:fontRef>
+          </p:style>
+        </p:cxnSp>
+        <p:sp>
+          <p:nvSpPr>
+            <p:cNvPr id="57" name="Rectangle 56">
+              <a:extLst>
+                <a:ext uri="{FF2B5EF4-FFF2-40B4-BE49-F238E27FC236}">
+                  <a16:creationId xmlns:a16="http://schemas.microsoft.com/office/drawing/2014/main" id="{172970AE-EB6D-4C70-8A49-370861DF91A6}"/>
+                </a:ext>
+              </a:extLst>
+            </p:cNvPr>
+            <p:cNvSpPr/>
+            <p:nvPr/>
+          </p:nvSpPr>
+          <p:spPr>
+            <a:xfrm>
+              <a:off x="7651264" y="2656846"/>
+              <a:ext cx="1079926" cy="215819"/>
+            </a:xfrm>
+            <a:prstGeom prst="rect">
+              <a:avLst/>
+            </a:prstGeom>
+            <a:noFill/>
+            <a:ln>
+              <a:solidFill>
+                <a:srgbClr val="C00000"/>
+              </a:solidFill>
+            </a:ln>
+          </p:spPr>
+          <p:style>
+            <a:lnRef idx="2">
+              <a:schemeClr val="accent1">
+                <a:shade val="50000"/>
+              </a:schemeClr>
+            </a:lnRef>
+            <a:fillRef idx="1">
+              <a:schemeClr val="accent1"/>
+            </a:fillRef>
+            <a:effectRef idx="0">
+              <a:schemeClr val="accent1"/>
+            </a:effectRef>
+            <a:fontRef idx="minor">
+              <a:schemeClr val="lt1"/>
+            </a:fontRef>
+          </p:style>
+          <p:txBody>
+            <a:bodyPr rtlCol="0" anchor="ctr"/>
+            <a:lstStyle/>
+            <a:p>
+              <a:pPr algn="ctr"/>
+              <a:endParaRPr lang="en-US"/>
+            </a:p>
+          </p:txBody>
+        </p:sp>
+      </p:grpSp>
+      <p:grpSp>
+        <p:nvGrpSpPr>
+          <p:cNvPr id="15" name="Group 14">
+            <a:extLst>
+              <a:ext uri="{FF2B5EF4-FFF2-40B4-BE49-F238E27FC236}">
+                <a16:creationId xmlns:a16="http://schemas.microsoft.com/office/drawing/2014/main" id="{6F2EA953-7FE2-4114-9AB8-C2FBC74AB839}"/>
+              </a:ext>
+            </a:extLst>
+          </p:cNvPr>
+          <p:cNvGrpSpPr/>
+          <p:nvPr/>
+        </p:nvGrpSpPr>
+        <p:grpSpPr>
+          <a:xfrm>
+            <a:off x="1124345" y="4773733"/>
+            <a:ext cx="5693337" cy="2030433"/>
+            <a:chOff x="1118864" y="4804845"/>
+            <a:chExt cx="5693337" cy="2030433"/>
           </a:xfrm>
         </p:grpSpPr>
         <p:sp>
@@ -15040,10 +20861,10 @@
         </p:sp>
         <p:pic>
           <p:nvPicPr>
-            <p:cNvPr id="73" name="Picture 72">
+            <p:cNvPr id="13" name="Picture 12">
               <a:extLst>
                 <a:ext uri="{FF2B5EF4-FFF2-40B4-BE49-F238E27FC236}">
-                  <a16:creationId xmlns:a16="http://schemas.microsoft.com/office/drawing/2014/main" id="{76BA2288-9909-450F-AD45-1109C4167158}"/>
+                  <a16:creationId xmlns:a16="http://schemas.microsoft.com/office/drawing/2014/main" id="{E9F6C09B-84CF-4BEB-BF87-B4B6E14BEF4E}"/>
                 </a:ext>
               </a:extLst>
             </p:cNvPr>
@@ -15052,16 +20873,15 @@
             </p:cNvPicPr>
             <p:nvPr/>
           </p:nvPicPr>
-          <p:blipFill>
+          <p:blipFill rotWithShape="1">
             <a:blip r:embed="rId4"/>
-            <a:stretch>
-              <a:fillRect/>
-            </a:stretch>
+            <a:srcRect t="-1" r="10706" b="1090"/>
+            <a:stretch/>
           </p:blipFill>
           <p:spPr>
             <a:xfrm>
-              <a:off x="4161731" y="4970053"/>
-              <a:ext cx="2471006" cy="1844651"/>
+              <a:off x="4162871" y="4804845"/>
+              <a:ext cx="2649330" cy="2030433"/>
             </a:xfrm>
             <a:prstGeom prst="rect">
               <a:avLst/>
@@ -15069,6 +20889,415 @@
           </p:spPr>
         </p:pic>
       </p:grpSp>
+      <p:grpSp>
+        <p:nvGrpSpPr>
+          <p:cNvPr id="49" name="Group 48">
+            <a:extLst>
+              <a:ext uri="{FF2B5EF4-FFF2-40B4-BE49-F238E27FC236}">
+                <a16:creationId xmlns:a16="http://schemas.microsoft.com/office/drawing/2014/main" id="{C29FB264-90F8-45EF-90F1-90F9F68E9F7F}"/>
+              </a:ext>
+            </a:extLst>
+          </p:cNvPr>
+          <p:cNvGrpSpPr/>
+          <p:nvPr/>
+        </p:nvGrpSpPr>
+        <p:grpSpPr>
+          <a:xfrm>
+            <a:off x="7670223" y="3788748"/>
+            <a:ext cx="3753228" cy="1301334"/>
+            <a:chOff x="7664481" y="4391878"/>
+            <a:chExt cx="3753228" cy="1301334"/>
+          </a:xfrm>
+        </p:grpSpPr>
+        <p:sp>
+          <p:nvSpPr>
+            <p:cNvPr id="16" name="Rectangle 15">
+              <a:extLst>
+                <a:ext uri="{FF2B5EF4-FFF2-40B4-BE49-F238E27FC236}">
+                  <a16:creationId xmlns:a16="http://schemas.microsoft.com/office/drawing/2014/main" id="{CBCC7E36-2E7C-428C-B987-B7EC900BADD0}"/>
+                </a:ext>
+              </a:extLst>
+            </p:cNvPr>
+            <p:cNvSpPr/>
+            <p:nvPr/>
+          </p:nvSpPr>
+          <p:spPr>
+            <a:xfrm>
+              <a:off x="7910513" y="5376863"/>
+              <a:ext cx="3507196" cy="316349"/>
+            </a:xfrm>
+            <a:custGeom>
+              <a:avLst/>
+              <a:gdLst>
+                <a:gd name="connsiteX0" fmla="*/ 0 w 3507196"/>
+                <a:gd name="connsiteY0" fmla="*/ 0 h 316349"/>
+                <a:gd name="connsiteX1" fmla="*/ 654677 w 3507196"/>
+                <a:gd name="connsiteY1" fmla="*/ 0 h 316349"/>
+                <a:gd name="connsiteX2" fmla="*/ 1204137 w 3507196"/>
+                <a:gd name="connsiteY2" fmla="*/ 0 h 316349"/>
+                <a:gd name="connsiteX3" fmla="*/ 1683454 w 3507196"/>
+                <a:gd name="connsiteY3" fmla="*/ 0 h 316349"/>
+                <a:gd name="connsiteX4" fmla="*/ 2267987 w 3507196"/>
+                <a:gd name="connsiteY4" fmla="*/ 0 h 316349"/>
+                <a:gd name="connsiteX5" fmla="*/ 2852519 w 3507196"/>
+                <a:gd name="connsiteY5" fmla="*/ 0 h 316349"/>
+                <a:gd name="connsiteX6" fmla="*/ 3507196 w 3507196"/>
+                <a:gd name="connsiteY6" fmla="*/ 0 h 316349"/>
+                <a:gd name="connsiteX7" fmla="*/ 3507196 w 3507196"/>
+                <a:gd name="connsiteY7" fmla="*/ 316349 h 316349"/>
+                <a:gd name="connsiteX8" fmla="*/ 2887591 w 3507196"/>
+                <a:gd name="connsiteY8" fmla="*/ 316349 h 316349"/>
+                <a:gd name="connsiteX9" fmla="*/ 2267987 w 3507196"/>
+                <a:gd name="connsiteY9" fmla="*/ 316349 h 316349"/>
+                <a:gd name="connsiteX10" fmla="*/ 1613310 w 3507196"/>
+                <a:gd name="connsiteY10" fmla="*/ 316349 h 316349"/>
+                <a:gd name="connsiteX11" fmla="*/ 958634 w 3507196"/>
+                <a:gd name="connsiteY11" fmla="*/ 316349 h 316349"/>
+                <a:gd name="connsiteX12" fmla="*/ 0 w 3507196"/>
+                <a:gd name="connsiteY12" fmla="*/ 316349 h 316349"/>
+                <a:gd name="connsiteX13" fmla="*/ 0 w 3507196"/>
+                <a:gd name="connsiteY13" fmla="*/ 0 h 316349"/>
+              </a:gdLst>
+              <a:ahLst/>
+              <a:cxnLst>
+                <a:cxn ang="0">
+                  <a:pos x="connsiteX0" y="connsiteY0"/>
+                </a:cxn>
+                <a:cxn ang="0">
+                  <a:pos x="connsiteX1" y="connsiteY1"/>
+                </a:cxn>
+                <a:cxn ang="0">
+                  <a:pos x="connsiteX2" y="connsiteY2"/>
+                </a:cxn>
+                <a:cxn ang="0">
+                  <a:pos x="connsiteX3" y="connsiteY3"/>
+                </a:cxn>
+                <a:cxn ang="0">
+                  <a:pos x="connsiteX4" y="connsiteY4"/>
+                </a:cxn>
+                <a:cxn ang="0">
+                  <a:pos x="connsiteX5" y="connsiteY5"/>
+                </a:cxn>
+                <a:cxn ang="0">
+                  <a:pos x="connsiteX6" y="connsiteY6"/>
+                </a:cxn>
+                <a:cxn ang="0">
+                  <a:pos x="connsiteX7" y="connsiteY7"/>
+                </a:cxn>
+                <a:cxn ang="0">
+                  <a:pos x="connsiteX8" y="connsiteY8"/>
+                </a:cxn>
+                <a:cxn ang="0">
+                  <a:pos x="connsiteX9" y="connsiteY9"/>
+                </a:cxn>
+                <a:cxn ang="0">
+                  <a:pos x="connsiteX10" y="connsiteY10"/>
+                </a:cxn>
+                <a:cxn ang="0">
+                  <a:pos x="connsiteX11" y="connsiteY11"/>
+                </a:cxn>
+                <a:cxn ang="0">
+                  <a:pos x="connsiteX12" y="connsiteY12"/>
+                </a:cxn>
+                <a:cxn ang="0">
+                  <a:pos x="connsiteX13" y="connsiteY13"/>
+                </a:cxn>
+              </a:cxnLst>
+              <a:rect l="l" t="t" r="r" b="b"/>
+              <a:pathLst>
+                <a:path w="3507196" h="316349" fill="none" extrusionOk="0">
+                  <a:moveTo>
+                    <a:pt x="0" y="0"/>
+                  </a:moveTo>
+                  <a:cubicBezTo>
+                    <a:pt x="227423" y="-40568"/>
+                    <a:pt x="382027" y="75559"/>
+                    <a:pt x="654677" y="0"/>
+                  </a:cubicBezTo>
+                  <a:cubicBezTo>
+                    <a:pt x="927327" y="-75559"/>
+                    <a:pt x="1039547" y="57872"/>
+                    <a:pt x="1204137" y="0"/>
+                  </a:cubicBezTo>
+                  <a:cubicBezTo>
+                    <a:pt x="1368727" y="-57872"/>
+                    <a:pt x="1554849" y="35888"/>
+                    <a:pt x="1683454" y="0"/>
+                  </a:cubicBezTo>
+                  <a:cubicBezTo>
+                    <a:pt x="1812059" y="-35888"/>
+                    <a:pt x="2075190" y="50689"/>
+                    <a:pt x="2267987" y="0"/>
+                  </a:cubicBezTo>
+                  <a:cubicBezTo>
+                    <a:pt x="2460784" y="-50689"/>
+                    <a:pt x="2641965" y="31006"/>
+                    <a:pt x="2852519" y="0"/>
+                  </a:cubicBezTo>
+                  <a:cubicBezTo>
+                    <a:pt x="3063073" y="-31006"/>
+                    <a:pt x="3286406" y="3888"/>
+                    <a:pt x="3507196" y="0"/>
+                  </a:cubicBezTo>
+                  <a:cubicBezTo>
+                    <a:pt x="3513161" y="111251"/>
+                    <a:pt x="3499146" y="207130"/>
+                    <a:pt x="3507196" y="316349"/>
+                  </a:cubicBezTo>
+                  <a:cubicBezTo>
+                    <a:pt x="3285619" y="361315"/>
+                    <a:pt x="3019663" y="262306"/>
+                    <a:pt x="2887591" y="316349"/>
+                  </a:cubicBezTo>
+                  <a:cubicBezTo>
+                    <a:pt x="2755520" y="370392"/>
+                    <a:pt x="2467573" y="264431"/>
+                    <a:pt x="2267987" y="316349"/>
+                  </a:cubicBezTo>
+                  <a:cubicBezTo>
+                    <a:pt x="2068401" y="368267"/>
+                    <a:pt x="1814251" y="294311"/>
+                    <a:pt x="1613310" y="316349"/>
+                  </a:cubicBezTo>
+                  <a:cubicBezTo>
+                    <a:pt x="1412369" y="338387"/>
+                    <a:pt x="1240493" y="291274"/>
+                    <a:pt x="958634" y="316349"/>
+                  </a:cubicBezTo>
+                  <a:cubicBezTo>
+                    <a:pt x="676775" y="341424"/>
+                    <a:pt x="353464" y="221007"/>
+                    <a:pt x="0" y="316349"/>
+                  </a:cubicBezTo>
+                  <a:cubicBezTo>
+                    <a:pt x="-16141" y="224985"/>
+                    <a:pt x="7525" y="112218"/>
+                    <a:pt x="0" y="0"/>
+                  </a:cubicBezTo>
+                  <a:close/>
+                </a:path>
+                <a:path w="3507196" h="316349" stroke="0" extrusionOk="0">
+                  <a:moveTo>
+                    <a:pt x="0" y="0"/>
+                  </a:moveTo>
+                  <a:cubicBezTo>
+                    <a:pt x="193231" y="-30969"/>
+                    <a:pt x="284911" y="37243"/>
+                    <a:pt x="479317" y="0"/>
+                  </a:cubicBezTo>
+                  <a:cubicBezTo>
+                    <a:pt x="673723" y="-37243"/>
+                    <a:pt x="838114" y="64223"/>
+                    <a:pt x="1028777" y="0"/>
+                  </a:cubicBezTo>
+                  <a:cubicBezTo>
+                    <a:pt x="1219440" y="-64223"/>
+                    <a:pt x="1383128" y="3094"/>
+                    <a:pt x="1683454" y="0"/>
+                  </a:cubicBezTo>
+                  <a:cubicBezTo>
+                    <a:pt x="1983780" y="-3094"/>
+                    <a:pt x="1983243" y="29440"/>
+                    <a:pt x="2162771" y="0"/>
+                  </a:cubicBezTo>
+                  <a:cubicBezTo>
+                    <a:pt x="2342299" y="-29440"/>
+                    <a:pt x="2495109" y="20827"/>
+                    <a:pt x="2782375" y="0"/>
+                  </a:cubicBezTo>
+                  <a:cubicBezTo>
+                    <a:pt x="3069641" y="-20827"/>
+                    <a:pt x="3201732" y="26972"/>
+                    <a:pt x="3507196" y="0"/>
+                  </a:cubicBezTo>
+                  <a:cubicBezTo>
+                    <a:pt x="3510259" y="99639"/>
+                    <a:pt x="3507032" y="232404"/>
+                    <a:pt x="3507196" y="316349"/>
+                  </a:cubicBezTo>
+                  <a:cubicBezTo>
+                    <a:pt x="3267167" y="368771"/>
+                    <a:pt x="3095487" y="274408"/>
+                    <a:pt x="2922663" y="316349"/>
+                  </a:cubicBezTo>
+                  <a:cubicBezTo>
+                    <a:pt x="2749839" y="358290"/>
+                    <a:pt x="2579432" y="280929"/>
+                    <a:pt x="2338131" y="316349"/>
+                  </a:cubicBezTo>
+                  <a:cubicBezTo>
+                    <a:pt x="2096830" y="351769"/>
+                    <a:pt x="2026121" y="313500"/>
+                    <a:pt x="1753598" y="316349"/>
+                  </a:cubicBezTo>
+                  <a:cubicBezTo>
+                    <a:pt x="1481075" y="319198"/>
+                    <a:pt x="1416674" y="309104"/>
+                    <a:pt x="1098921" y="316349"/>
+                  </a:cubicBezTo>
+                  <a:cubicBezTo>
+                    <a:pt x="781168" y="323594"/>
+                    <a:pt x="705752" y="252282"/>
+                    <a:pt x="549461" y="316349"/>
+                  </a:cubicBezTo>
+                  <a:cubicBezTo>
+                    <a:pt x="393170" y="380416"/>
+                    <a:pt x="200526" y="252981"/>
+                    <a:pt x="0" y="316349"/>
+                  </a:cubicBezTo>
+                  <a:cubicBezTo>
+                    <a:pt x="-18944" y="230026"/>
+                    <a:pt x="12454" y="66456"/>
+                    <a:pt x="0" y="0"/>
+                  </a:cubicBezTo>
+                  <a:close/>
+                </a:path>
+              </a:pathLst>
+            </a:custGeom>
+            <a:solidFill>
+              <a:srgbClr val="C00000">
+                <a:alpha val="42000"/>
+              </a:srgbClr>
+            </a:solidFill>
+            <a:ln>
+              <a:solidFill>
+                <a:schemeClr val="tx1"/>
+              </a:solidFill>
+              <a:extLst>
+                <a:ext uri="{C807C97D-BFC1-408E-A445-0C87EB9F89A2}">
+                  <ask:lineSketchStyleProps xmlns:ask="http://schemas.microsoft.com/office/drawing/2018/sketchyshapes" sd="840372365">
+                    <a:prstGeom prst="rect">
+                      <a:avLst/>
+                    </a:prstGeom>
+                    <ask:type>
+                      <ask:lineSketchScribble/>
+                    </ask:type>
+                  </ask:lineSketchStyleProps>
+                </a:ext>
+              </a:extLst>
+            </a:ln>
+          </p:spPr>
+          <p:style>
+            <a:lnRef idx="2">
+              <a:schemeClr val="accent1">
+                <a:shade val="50000"/>
+              </a:schemeClr>
+            </a:lnRef>
+            <a:fillRef idx="1">
+              <a:schemeClr val="accent1"/>
+            </a:fillRef>
+            <a:effectRef idx="0">
+              <a:schemeClr val="accent1"/>
+            </a:effectRef>
+            <a:fontRef idx="minor">
+              <a:schemeClr val="lt1"/>
+            </a:fontRef>
+          </p:style>
+          <p:txBody>
+            <a:bodyPr rtlCol="0" anchor="ctr"/>
+            <a:lstStyle/>
+            <a:p>
+              <a:pPr algn="ctr"/>
+              <a:endParaRPr lang="en-US"/>
+            </a:p>
+          </p:txBody>
+        </p:sp>
+        <p:sp>
+          <p:nvSpPr>
+            <p:cNvPr id="23" name="Arrow: Bent 22">
+              <a:extLst>
+                <a:ext uri="{FF2B5EF4-FFF2-40B4-BE49-F238E27FC236}">
+                  <a16:creationId xmlns:a16="http://schemas.microsoft.com/office/drawing/2014/main" id="{98D7E996-6C14-4F87-926C-27F8E154C938}"/>
+                </a:ext>
+              </a:extLst>
+            </p:cNvPr>
+            <p:cNvSpPr/>
+            <p:nvPr/>
+          </p:nvSpPr>
+          <p:spPr>
+            <a:xfrm>
+              <a:off x="7664481" y="4391878"/>
+              <a:ext cx="247699" cy="854511"/>
+            </a:xfrm>
+            <a:prstGeom prst="bentArrow">
+              <a:avLst/>
+            </a:prstGeom>
+          </p:spPr>
+          <p:style>
+            <a:lnRef idx="2">
+              <a:schemeClr val="accent1">
+                <a:shade val="50000"/>
+              </a:schemeClr>
+            </a:lnRef>
+            <a:fillRef idx="1">
+              <a:schemeClr val="accent1"/>
+            </a:fillRef>
+            <a:effectRef idx="0">
+              <a:schemeClr val="accent1"/>
+            </a:effectRef>
+            <a:fontRef idx="minor">
+              <a:schemeClr val="lt1"/>
+            </a:fontRef>
+          </p:style>
+          <p:txBody>
+            <a:bodyPr rtlCol="0" anchor="ctr"/>
+            <a:lstStyle/>
+            <a:p>
+              <a:pPr algn="ctr"/>
+              <a:endParaRPr lang="en-US">
+                <a:solidFill>
+                  <a:schemeClr val="tx1"/>
+                </a:solidFill>
+              </a:endParaRPr>
+            </a:p>
+          </p:txBody>
+        </p:sp>
+      </p:grpSp>
+      <p:cxnSp>
+        <p:nvCxnSpPr>
+          <p:cNvPr id="76" name="Straight Arrow Connector 75">
+            <a:extLst>
+              <a:ext uri="{FF2B5EF4-FFF2-40B4-BE49-F238E27FC236}">
+                <a16:creationId xmlns:a16="http://schemas.microsoft.com/office/drawing/2014/main" id="{EC7CCBDB-24CD-40FA-B155-99DFCE8A28AB}"/>
+              </a:ext>
+            </a:extLst>
+          </p:cNvPr>
+          <p:cNvCxnSpPr>
+            <a:cxnSpLocks/>
+          </p:cNvCxnSpPr>
+          <p:nvPr/>
+        </p:nvCxnSpPr>
+        <p:spPr>
+          <a:xfrm>
+            <a:off x="4139170" y="6004431"/>
+            <a:ext cx="2691212" cy="0"/>
+          </a:xfrm>
+          <a:prstGeom prst="straightConnector1">
+            <a:avLst/>
+          </a:prstGeom>
+          <a:ln>
+            <a:solidFill>
+              <a:srgbClr val="C00000"/>
+            </a:solidFill>
+            <a:headEnd type="none" w="med" len="med"/>
+            <a:tailEnd type="none" w="med" len="med"/>
+          </a:ln>
+        </p:spPr>
+        <p:style>
+          <a:lnRef idx="3">
+            <a:schemeClr val="accent1"/>
+          </a:lnRef>
+          <a:fillRef idx="0">
+            <a:schemeClr val="accent1"/>
+          </a:fillRef>
+          <a:effectRef idx="2">
+            <a:schemeClr val="accent1"/>
+          </a:effectRef>
+          <a:fontRef idx="minor">
+            <a:schemeClr val="tx1"/>
+          </a:fontRef>
+        </p:style>
+      </p:cxnSp>
     </p:spTree>
     <p:extLst>
       <p:ext uri="{BB962C8B-B14F-4D97-AF65-F5344CB8AC3E}">
@@ -15113,7 +21342,7 @@
                                           </p:stCondLst>
                                         </p:cTn>
                                         <p:tgtEl>
-                                          <p:spTgt spid="31"/>
+                                          <p:spTgt spid="67"/>
                                         </p:tgtEl>
                                         <p:attrNameLst>
                                           <p:attrName>style.visibility</p:attrName>
@@ -15158,7 +21387,7 @@
                                           </p:stCondLst>
                                         </p:cTn>
                                         <p:tgtEl>
-                                          <p:spTgt spid="32"/>
+                                          <p:spTgt spid="53"/>
                                         </p:tgtEl>
                                         <p:attrNameLst>
                                           <p:attrName>style.visibility</p:attrName>
@@ -15185,7 +21414,7 @@
                                           </p:stCondLst>
                                         </p:cTn>
                                         <p:tgtEl>
-                                          <p:spTgt spid="31"/>
+                                          <p:spTgt spid="67"/>
                                         </p:tgtEl>
                                         <p:attrNameLst>
                                           <p:attrName>style.visibility</p:attrName>
@@ -15230,7 +21459,52 @@
                                           </p:stCondLst>
                                         </p:cTn>
                                         <p:tgtEl>
-                                          <p:spTgt spid="40"/>
+                                          <p:spTgt spid="49"/>
+                                        </p:tgtEl>
+                                        <p:attrNameLst>
+                                          <p:attrName>style.visibility</p:attrName>
+                                        </p:attrNameLst>
+                                      </p:cBhvr>
+                                      <p:to>
+                                        <p:strVal val="visible"/>
+                                      </p:to>
+                                    </p:set>
+                                  </p:childTnLst>
+                                </p:cTn>
+                              </p:par>
+                            </p:childTnLst>
+                          </p:cTn>
+                        </p:par>
+                      </p:childTnLst>
+                    </p:cTn>
+                  </p:par>
+                  <p:par>
+                    <p:cTn id="17" fill="hold">
+                      <p:stCondLst>
+                        <p:cond delay="indefinite"/>
+                      </p:stCondLst>
+                      <p:childTnLst>
+                        <p:par>
+                          <p:cTn id="18" fill="hold">
+                            <p:stCondLst>
+                              <p:cond delay="0"/>
+                            </p:stCondLst>
+                            <p:childTnLst>
+                              <p:par>
+                                <p:cTn id="19" presetID="1" presetClass="entr" presetSubtype="0" fill="hold" nodeType="clickEffect">
+                                  <p:stCondLst>
+                                    <p:cond delay="0"/>
+                                  </p:stCondLst>
+                                  <p:childTnLst>
+                                    <p:set>
+                                      <p:cBhvr>
+                                        <p:cTn id="20" dur="1" fill="hold">
+                                          <p:stCondLst>
+                                            <p:cond delay="0"/>
+                                          </p:stCondLst>
+                                        </p:cTn>
+                                        <p:tgtEl>
+                                          <p:spTgt spid="15"/>
                                         </p:tgtEl>
                                         <p:attrNameLst>
                                           <p:attrName>style.visibility</p:attrName>
@@ -15244,52 +21518,7 @@
                                 </p:cTn>
                               </p:par>
                               <p:par>
-                                <p:cTn id="17" presetID="1" presetClass="exit" presetSubtype="0" fill="hold" nodeType="withEffect">
-                                  <p:stCondLst>
-                                    <p:cond delay="0"/>
-                                  </p:stCondLst>
-                                  <p:childTnLst>
-                                    <p:set>
-                                      <p:cBhvr>
-                                        <p:cTn id="18" dur="1" fill="hold">
-                                          <p:stCondLst>
-                                            <p:cond delay="0"/>
-                                          </p:stCondLst>
-                                        </p:cTn>
-                                        <p:tgtEl>
-                                          <p:spTgt spid="32"/>
-                                        </p:tgtEl>
-                                        <p:attrNameLst>
-                                          <p:attrName>style.visibility</p:attrName>
-                                        </p:attrNameLst>
-                                      </p:cBhvr>
-                                      <p:to>
-                                        <p:strVal val="hidden"/>
-                                      </p:to>
-                                    </p:set>
-                                  </p:childTnLst>
-                                </p:cTn>
-                              </p:par>
-                            </p:childTnLst>
-                          </p:cTn>
-                        </p:par>
-                      </p:childTnLst>
-                    </p:cTn>
-                  </p:par>
-                  <p:par>
-                    <p:cTn id="19" fill="hold">
-                      <p:stCondLst>
-                        <p:cond delay="indefinite"/>
-                      </p:stCondLst>
-                      <p:childTnLst>
-                        <p:par>
-                          <p:cTn id="20" fill="hold">
-                            <p:stCondLst>
-                              <p:cond delay="0"/>
-                            </p:stCondLst>
-                            <p:childTnLst>
-                              <p:par>
-                                <p:cTn id="21" presetID="1" presetClass="entr" presetSubtype="0" fill="hold" nodeType="clickEffect">
+                                <p:cTn id="21" presetID="1" presetClass="exit" presetSubtype="0" fill="hold" nodeType="withEffect">
                                   <p:stCondLst>
                                     <p:cond delay="0"/>
                                   </p:stCondLst>
@@ -15302,14 +21531,14 @@
                                           </p:stCondLst>
                                         </p:cTn>
                                         <p:tgtEl>
-                                          <p:spTgt spid="36"/>
+                                          <p:spTgt spid="49"/>
                                         </p:tgtEl>
                                         <p:attrNameLst>
                                           <p:attrName>style.visibility</p:attrName>
                                         </p:attrNameLst>
                                       </p:cBhvr>
                                       <p:to>
-                                        <p:strVal val="visible"/>
+                                        <p:strVal val="hidden"/>
                                       </p:to>
                                     </p:set>
                                   </p:childTnLst>
@@ -15329,7 +21558,7 @@
                                           </p:stCondLst>
                                         </p:cTn>
                                         <p:tgtEl>
-                                          <p:spTgt spid="40"/>
+                                          <p:spTgt spid="53"/>
                                         </p:tgtEl>
                                         <p:attrNameLst>
                                           <p:attrName>style.visibility</p:attrName>
@@ -15374,151 +21603,7 @@
                                           </p:stCondLst>
                                         </p:cTn>
                                         <p:tgtEl>
-                                          <p:spTgt spid="62"/>
-                                        </p:tgtEl>
-                                        <p:attrNameLst>
-                                          <p:attrName>style.visibility</p:attrName>
-                                        </p:attrNameLst>
-                                      </p:cBhvr>
-                                      <p:to>
-                                        <p:strVal val="visible"/>
-                                      </p:to>
-                                    </p:set>
-                                  </p:childTnLst>
-                                </p:cTn>
-                              </p:par>
-                              <p:par>
-                                <p:cTn id="29" presetID="1" presetClass="exit" presetSubtype="0" fill="hold" nodeType="withEffect">
-                                  <p:stCondLst>
-                                    <p:cond delay="0"/>
-                                  </p:stCondLst>
-                                  <p:childTnLst>
-                                    <p:set>
-                                      <p:cBhvr>
-                                        <p:cTn id="30" dur="1" fill="hold">
-                                          <p:stCondLst>
-                                            <p:cond delay="0"/>
-                                          </p:stCondLst>
-                                        </p:cTn>
-                                        <p:tgtEl>
-                                          <p:spTgt spid="36"/>
-                                        </p:tgtEl>
-                                        <p:attrNameLst>
-                                          <p:attrName>style.visibility</p:attrName>
-                                        </p:attrNameLst>
-                                      </p:cBhvr>
-                                      <p:to>
-                                        <p:strVal val="hidden"/>
-                                      </p:to>
-                                    </p:set>
-                                  </p:childTnLst>
-                                </p:cTn>
-                              </p:par>
-                            </p:childTnLst>
-                          </p:cTn>
-                        </p:par>
-                      </p:childTnLst>
-                    </p:cTn>
-                  </p:par>
-                  <p:par>
-                    <p:cTn id="31" fill="hold">
-                      <p:stCondLst>
-                        <p:cond delay="indefinite"/>
-                      </p:stCondLst>
-                      <p:childTnLst>
-                        <p:par>
-                          <p:cTn id="32" fill="hold">
-                            <p:stCondLst>
-                              <p:cond delay="0"/>
-                            </p:stCondLst>
-                            <p:childTnLst>
-                              <p:par>
-                                <p:cTn id="33" presetID="1" presetClass="entr" presetSubtype="0" fill="hold" nodeType="clickEffect">
-                                  <p:stCondLst>
-                                    <p:cond delay="0"/>
-                                  </p:stCondLst>
-                                  <p:childTnLst>
-                                    <p:set>
-                                      <p:cBhvr>
-                                        <p:cTn id="34" dur="1" fill="hold">
-                                          <p:stCondLst>
-                                            <p:cond delay="0"/>
-                                          </p:stCondLst>
-                                        </p:cTn>
-                                        <p:tgtEl>
-                                          <p:spTgt spid="67"/>
-                                        </p:tgtEl>
-                                        <p:attrNameLst>
-                                          <p:attrName>style.visibility</p:attrName>
-                                        </p:attrNameLst>
-                                      </p:cBhvr>
-                                      <p:to>
-                                        <p:strVal val="visible"/>
-                                      </p:to>
-                                    </p:set>
-                                  </p:childTnLst>
-                                </p:cTn>
-                              </p:par>
-                              <p:par>
-                                <p:cTn id="35" presetID="1" presetClass="exit" presetSubtype="0" fill="hold" nodeType="withEffect">
-                                  <p:stCondLst>
-                                    <p:cond delay="0"/>
-                                  </p:stCondLst>
-                                  <p:childTnLst>
-                                    <p:set>
-                                      <p:cBhvr>
-                                        <p:cTn id="36" dur="1" fill="hold">
-                                          <p:stCondLst>
-                                            <p:cond delay="0"/>
-                                          </p:stCondLst>
-                                        </p:cTn>
-                                        <p:tgtEl>
-                                          <p:spTgt spid="62"/>
-                                        </p:tgtEl>
-                                        <p:attrNameLst>
-                                          <p:attrName>style.visibility</p:attrName>
-                                        </p:attrNameLst>
-                                      </p:cBhvr>
-                                      <p:to>
-                                        <p:strVal val="hidden"/>
-                                      </p:to>
-                                    </p:set>
-                                  </p:childTnLst>
-                                </p:cTn>
-                              </p:par>
-                            </p:childTnLst>
-                          </p:cTn>
-                        </p:par>
-                      </p:childTnLst>
-                    </p:cTn>
-                  </p:par>
-                  <p:par>
-                    <p:cTn id="37" fill="hold">
-                      <p:stCondLst>
-                        <p:cond delay="indefinite"/>
-                      </p:stCondLst>
-                      <p:childTnLst>
-                        <p:par>
-                          <p:cTn id="38" fill="hold">
-                            <p:stCondLst>
-                              <p:cond delay="0"/>
-                            </p:stCondLst>
-                            <p:childTnLst>
-                              <p:par>
-                                <p:cTn id="39" presetID="1" presetClass="entr" presetSubtype="0" fill="hold" nodeType="clickEffect">
-                                  <p:stCondLst>
-                                    <p:cond delay="0"/>
-                                  </p:stCondLst>
-                                  <p:childTnLst>
-                                    <p:set>
-                                      <p:cBhvr>
-                                        <p:cTn id="40" dur="1" fill="hold">
-                                          <p:stCondLst>
-                                            <p:cond delay="0"/>
-                                          </p:stCondLst>
-                                        </p:cTn>
-                                        <p:tgtEl>
-                                          <p:spTgt spid="74"/>
+                                          <p:spTgt spid="76"/>
                                         </p:tgtEl>
                                         <p:attrNameLst>
                                           <p:attrName>style.visibility</p:attrName>

--- a/Lecture/LoopIt.pptx
+++ b/Lecture/LoopIt.pptx
@@ -14,10 +14,10 @@
     <p:sldId id="266" r:id="rId8"/>
     <p:sldId id="264" r:id="rId9"/>
     <p:sldId id="265" r:id="rId10"/>
-    <p:sldId id="267" r:id="rId11"/>
-    <p:sldId id="268" r:id="rId12"/>
-    <p:sldId id="269" r:id="rId13"/>
-    <p:sldId id="270" r:id="rId14"/>
+    <p:sldId id="270" r:id="rId11"/>
+    <p:sldId id="267" r:id="rId12"/>
+    <p:sldId id="268" r:id="rId13"/>
+    <p:sldId id="269" r:id="rId14"/>
   </p:sldIdLst>
   <p:sldSz cx="12192000" cy="6858000"/>
   <p:notesSz cx="6858000" cy="9144000"/>
@@ -3686,6 +3686,21 @@
                   <a:schemeClr val="tx2"/>
                 </a:solidFill>
               </a:rPr>
+              <a:t>Introduction to</a:t>
+            </a:r>
+            <a:br>
+              <a:rPr lang="en-US" dirty="0">
+                <a:solidFill>
+                  <a:schemeClr val="tx2"/>
+                </a:solidFill>
+              </a:rPr>
+            </a:br>
+            <a:r>
+              <a:rPr lang="en-US" dirty="0">
+                <a:solidFill>
+                  <a:schemeClr val="tx2"/>
+                </a:solidFill>
+              </a:rPr>
               <a:t>C++ Loops</a:t>
             </a:r>
           </a:p>
@@ -4261,6 +4276,1325 @@
           <a:p>
             <a:r>
               <a:rPr lang="en-US" dirty="0"/>
+              <a:t>Nested For Loops</a:t>
+            </a:r>
+          </a:p>
+        </p:txBody>
+      </p:sp>
+      <p:sp>
+        <p:nvSpPr>
+          <p:cNvPr id="16" name="TextBox 15">
+            <a:extLst>
+              <a:ext uri="{FF2B5EF4-FFF2-40B4-BE49-F238E27FC236}">
+                <a16:creationId xmlns:a16="http://schemas.microsoft.com/office/drawing/2014/main" id="{8FEB53F5-B85C-4C4B-B56C-CE3B7E9B6796}"/>
+              </a:ext>
+            </a:extLst>
+          </p:cNvPr>
+          <p:cNvSpPr txBox="1"/>
+          <p:nvPr/>
+        </p:nvSpPr>
+        <p:spPr>
+          <a:xfrm>
+            <a:off x="430349" y="1561491"/>
+            <a:ext cx="5106851" cy="4707379"/>
+          </a:xfrm>
+          <a:prstGeom prst="rect">
+            <a:avLst/>
+          </a:prstGeom>
+          <a:noFill/>
+        </p:spPr>
+        <p:txBody>
+          <a:bodyPr wrap="square">
+            <a:spAutoFit/>
+          </a:bodyPr>
+          <a:lstStyle/>
+          <a:p>
+            <a:pPr marL="228600" indent="-228600">
+              <a:lnSpc>
+                <a:spcPct val="110000"/>
+              </a:lnSpc>
+              <a:spcBef>
+                <a:spcPts val="1000"/>
+              </a:spcBef>
+              <a:buClr>
+                <a:schemeClr val="accent1"/>
+              </a:buClr>
+              <a:buFont typeface="Arial" panose="020B0604020202020204" pitchFamily="34" charset="0"/>
+              <a:buChar char="•"/>
+            </a:pPr>
+            <a:r>
+              <a:rPr lang="en-US" dirty="0">
+                <a:solidFill>
+                  <a:srgbClr val="C00000"/>
+                </a:solidFill>
+              </a:rPr>
+              <a:t>For</a:t>
+            </a:r>
+            <a:r>
+              <a:rPr lang="en-US" dirty="0">
+                <a:solidFill>
+                  <a:schemeClr val="tx2"/>
+                </a:solidFill>
+              </a:rPr>
+              <a:t> loops can be </a:t>
+            </a:r>
+            <a:r>
+              <a:rPr lang="en-US" i="1" dirty="0">
+                <a:solidFill>
+                  <a:schemeClr val="tx2"/>
+                </a:solidFill>
+              </a:rPr>
+              <a:t>nested, </a:t>
+            </a:r>
+            <a:r>
+              <a:rPr lang="en-US" dirty="0">
+                <a:solidFill>
+                  <a:schemeClr val="tx2"/>
+                </a:solidFill>
+              </a:rPr>
+              <a:t>a loop inside a loop</a:t>
+            </a:r>
+          </a:p>
+          <a:p>
+            <a:pPr marL="228600" indent="-228600">
+              <a:lnSpc>
+                <a:spcPct val="110000"/>
+              </a:lnSpc>
+              <a:spcBef>
+                <a:spcPts val="1000"/>
+              </a:spcBef>
+              <a:buClr>
+                <a:schemeClr val="accent1"/>
+              </a:buClr>
+              <a:buFont typeface="Arial" panose="020B0604020202020204" pitchFamily="34" charset="0"/>
+              <a:buChar char="•"/>
+            </a:pPr>
+            <a:r>
+              <a:rPr lang="en-US" dirty="0">
+                <a:solidFill>
+                  <a:schemeClr val="tx2"/>
+                </a:solidFill>
+              </a:rPr>
+              <a:t>Two for loops: </a:t>
+            </a:r>
+            <a:r>
+              <a:rPr lang="en-US" b="1" dirty="0">
+                <a:solidFill>
+                  <a:schemeClr val="tx2"/>
+                </a:solidFill>
+              </a:rPr>
+              <a:t>outer</a:t>
+            </a:r>
+            <a:r>
+              <a:rPr lang="en-US" dirty="0">
+                <a:solidFill>
+                  <a:schemeClr val="tx2"/>
+                </a:solidFill>
+              </a:rPr>
+              <a:t> &amp; </a:t>
+            </a:r>
+            <a:r>
+              <a:rPr lang="en-US" b="1" dirty="0">
+                <a:solidFill>
+                  <a:schemeClr val="tx2"/>
+                </a:solidFill>
+              </a:rPr>
+              <a:t>inner</a:t>
+            </a:r>
+          </a:p>
+          <a:p>
+            <a:pPr marL="228600" indent="-228600">
+              <a:lnSpc>
+                <a:spcPct val="110000"/>
+              </a:lnSpc>
+              <a:spcBef>
+                <a:spcPts val="1000"/>
+              </a:spcBef>
+              <a:buClr>
+                <a:schemeClr val="accent1"/>
+              </a:buClr>
+              <a:buFont typeface="Arial" panose="020B0604020202020204" pitchFamily="34" charset="0"/>
+              <a:buChar char="•"/>
+            </a:pPr>
+            <a:r>
+              <a:rPr lang="en-US" dirty="0">
+                <a:solidFill>
+                  <a:schemeClr val="tx2"/>
+                </a:solidFill>
+              </a:rPr>
+              <a:t>Example printing a square</a:t>
+            </a:r>
+          </a:p>
+          <a:p>
+            <a:pPr marL="228600" indent="-228600">
+              <a:lnSpc>
+                <a:spcPct val="110000"/>
+              </a:lnSpc>
+              <a:spcBef>
+                <a:spcPts val="1000"/>
+              </a:spcBef>
+              <a:buClr>
+                <a:schemeClr val="accent1"/>
+              </a:buClr>
+              <a:buFont typeface="Arial" panose="020B0604020202020204" pitchFamily="34" charset="0"/>
+              <a:buChar char="•"/>
+            </a:pPr>
+            <a:r>
+              <a:rPr lang="en-US" dirty="0">
+                <a:solidFill>
+                  <a:schemeClr val="tx2"/>
+                </a:solidFill>
+              </a:rPr>
+              <a:t>Outer loop = rows, Inner loop = columns </a:t>
+            </a:r>
+            <a:endParaRPr lang="en-US" dirty="0"/>
+          </a:p>
+          <a:p>
+            <a:pPr marL="228600" indent="-228600">
+              <a:lnSpc>
+                <a:spcPct val="110000"/>
+              </a:lnSpc>
+              <a:spcBef>
+                <a:spcPts val="1000"/>
+              </a:spcBef>
+              <a:buClr>
+                <a:schemeClr val="accent1"/>
+              </a:buClr>
+              <a:buFont typeface="Arial" panose="020B0604020202020204" pitchFamily="34" charset="0"/>
+              <a:buChar char="•"/>
+            </a:pPr>
+            <a:endParaRPr lang="en-US" dirty="0"/>
+          </a:p>
+          <a:p>
+            <a:pPr marL="228600" indent="-228600">
+              <a:lnSpc>
+                <a:spcPct val="110000"/>
+              </a:lnSpc>
+              <a:spcBef>
+                <a:spcPts val="1000"/>
+              </a:spcBef>
+              <a:buClr>
+                <a:schemeClr val="accent1"/>
+              </a:buClr>
+              <a:buFont typeface="Arial" panose="020B0604020202020204" pitchFamily="34" charset="0"/>
+              <a:buChar char="•"/>
+            </a:pPr>
+            <a:endParaRPr lang="en-US" dirty="0"/>
+          </a:p>
+          <a:p>
+            <a:pPr marL="228600" indent="-228600">
+              <a:lnSpc>
+                <a:spcPct val="110000"/>
+              </a:lnSpc>
+              <a:spcBef>
+                <a:spcPts val="1000"/>
+              </a:spcBef>
+              <a:buClr>
+                <a:schemeClr val="accent1"/>
+              </a:buClr>
+              <a:buFont typeface="Arial" panose="020B0604020202020204" pitchFamily="34" charset="0"/>
+              <a:buChar char="•"/>
+            </a:pPr>
+            <a:endParaRPr lang="en-US" dirty="0"/>
+          </a:p>
+          <a:p>
+            <a:pPr marL="228600" indent="-228600">
+              <a:lnSpc>
+                <a:spcPct val="110000"/>
+              </a:lnSpc>
+              <a:spcBef>
+                <a:spcPts val="1000"/>
+              </a:spcBef>
+              <a:buClr>
+                <a:schemeClr val="accent1"/>
+              </a:buClr>
+              <a:buFont typeface="Arial" panose="020B0604020202020204" pitchFamily="34" charset="0"/>
+              <a:buChar char="•"/>
+            </a:pPr>
+            <a:endParaRPr lang="en-US" dirty="0"/>
+          </a:p>
+          <a:p>
+            <a:pPr marL="228600" indent="-228600">
+              <a:lnSpc>
+                <a:spcPct val="110000"/>
+              </a:lnSpc>
+              <a:spcBef>
+                <a:spcPts val="1000"/>
+              </a:spcBef>
+              <a:buClr>
+                <a:schemeClr val="accent1"/>
+              </a:buClr>
+              <a:buFont typeface="Arial" panose="020B0604020202020204" pitchFamily="34" charset="0"/>
+              <a:buChar char="•"/>
+            </a:pPr>
+            <a:endParaRPr lang="en-US" dirty="0"/>
+          </a:p>
+          <a:p>
+            <a:pPr marL="228600" indent="-228600">
+              <a:lnSpc>
+                <a:spcPct val="110000"/>
+              </a:lnSpc>
+              <a:spcBef>
+                <a:spcPts val="1000"/>
+              </a:spcBef>
+              <a:buClr>
+                <a:schemeClr val="accent1"/>
+              </a:buClr>
+              <a:buFont typeface="Arial" panose="020B0604020202020204" pitchFamily="34" charset="0"/>
+              <a:buChar char="•"/>
+            </a:pPr>
+            <a:endParaRPr lang="en-US" dirty="0"/>
+          </a:p>
+          <a:p>
+            <a:pPr marL="228600" indent="-228600">
+              <a:lnSpc>
+                <a:spcPct val="110000"/>
+              </a:lnSpc>
+              <a:spcBef>
+                <a:spcPts val="1000"/>
+              </a:spcBef>
+              <a:buClr>
+                <a:schemeClr val="accent1"/>
+              </a:buClr>
+              <a:buFont typeface="Arial" panose="020B0604020202020204" pitchFamily="34" charset="0"/>
+              <a:buChar char="•"/>
+            </a:pPr>
+            <a:endParaRPr lang="en-US" dirty="0"/>
+          </a:p>
+        </p:txBody>
+      </p:sp>
+      <p:pic>
+        <p:nvPicPr>
+          <p:cNvPr id="11" name="Picture 10">
+            <a:extLst>
+              <a:ext uri="{FF2B5EF4-FFF2-40B4-BE49-F238E27FC236}">
+                <a16:creationId xmlns:a16="http://schemas.microsoft.com/office/drawing/2014/main" id="{F9E88EBF-0141-4255-B5A1-AB0346E968DE}"/>
+              </a:ext>
+            </a:extLst>
+          </p:cNvPr>
+          <p:cNvPicPr>
+            <a:picLocks noChangeAspect="1"/>
+          </p:cNvPicPr>
+          <p:nvPr/>
+        </p:nvPicPr>
+        <p:blipFill>
+          <a:blip r:embed="rId3"/>
+          <a:stretch>
+            <a:fillRect/>
+          </a:stretch>
+        </p:blipFill>
+        <p:spPr>
+          <a:xfrm>
+            <a:off x="5751903" y="1295400"/>
+            <a:ext cx="6432550" cy="5204832"/>
+          </a:xfrm>
+          <a:prstGeom prst="rect">
+            <a:avLst/>
+          </a:prstGeom>
+        </p:spPr>
+      </p:pic>
+      <p:sp>
+        <p:nvSpPr>
+          <p:cNvPr id="23" name="Rectangle 22">
+            <a:extLst>
+              <a:ext uri="{FF2B5EF4-FFF2-40B4-BE49-F238E27FC236}">
+                <a16:creationId xmlns:a16="http://schemas.microsoft.com/office/drawing/2014/main" id="{0F4315C0-E045-4C0A-AB0A-D611C9757596}"/>
+              </a:ext>
+            </a:extLst>
+          </p:cNvPr>
+          <p:cNvSpPr/>
+          <p:nvPr/>
+        </p:nvSpPr>
+        <p:spPr>
+          <a:xfrm>
+            <a:off x="6810766" y="3676649"/>
+            <a:ext cx="3057134" cy="238531"/>
+          </a:xfrm>
+          <a:prstGeom prst="rect">
+            <a:avLst/>
+          </a:prstGeom>
+          <a:noFill/>
+          <a:ln>
+            <a:solidFill>
+              <a:srgbClr val="C00000"/>
+            </a:solidFill>
+          </a:ln>
+        </p:spPr>
+        <p:style>
+          <a:lnRef idx="2">
+            <a:schemeClr val="accent1">
+              <a:shade val="50000"/>
+            </a:schemeClr>
+          </a:lnRef>
+          <a:fillRef idx="1">
+            <a:schemeClr val="accent1"/>
+          </a:fillRef>
+          <a:effectRef idx="0">
+            <a:schemeClr val="accent1"/>
+          </a:effectRef>
+          <a:fontRef idx="minor">
+            <a:schemeClr val="lt1"/>
+          </a:fontRef>
+        </p:style>
+        <p:txBody>
+          <a:bodyPr rtlCol="0" anchor="ctr"/>
+          <a:lstStyle/>
+          <a:p>
+            <a:pPr algn="ctr"/>
+            <a:endParaRPr lang="en-US"/>
+          </a:p>
+        </p:txBody>
+      </p:sp>
+      <p:sp>
+        <p:nvSpPr>
+          <p:cNvPr id="24" name="Rectangle 23">
+            <a:extLst>
+              <a:ext uri="{FF2B5EF4-FFF2-40B4-BE49-F238E27FC236}">
+                <a16:creationId xmlns:a16="http://schemas.microsoft.com/office/drawing/2014/main" id="{FEC4B2FD-AA78-431B-8383-2803FAF918A9}"/>
+              </a:ext>
+            </a:extLst>
+          </p:cNvPr>
+          <p:cNvSpPr/>
+          <p:nvPr/>
+        </p:nvSpPr>
+        <p:spPr>
+          <a:xfrm>
+            <a:off x="7045716" y="4457699"/>
+            <a:ext cx="3057134" cy="238531"/>
+          </a:xfrm>
+          <a:prstGeom prst="rect">
+            <a:avLst/>
+          </a:prstGeom>
+          <a:noFill/>
+          <a:ln>
+            <a:solidFill>
+              <a:srgbClr val="C00000"/>
+            </a:solidFill>
+          </a:ln>
+        </p:spPr>
+        <p:style>
+          <a:lnRef idx="2">
+            <a:schemeClr val="accent1">
+              <a:shade val="50000"/>
+            </a:schemeClr>
+          </a:lnRef>
+          <a:fillRef idx="1">
+            <a:schemeClr val="accent1"/>
+          </a:fillRef>
+          <a:effectRef idx="0">
+            <a:schemeClr val="accent1"/>
+          </a:effectRef>
+          <a:fontRef idx="minor">
+            <a:schemeClr val="lt1"/>
+          </a:fontRef>
+        </p:style>
+        <p:txBody>
+          <a:bodyPr rtlCol="0" anchor="ctr"/>
+          <a:lstStyle/>
+          <a:p>
+            <a:pPr algn="ctr"/>
+            <a:endParaRPr lang="en-US"/>
+          </a:p>
+        </p:txBody>
+      </p:sp>
+      <p:sp>
+        <p:nvSpPr>
+          <p:cNvPr id="12" name="TextBox 11">
+            <a:extLst>
+              <a:ext uri="{FF2B5EF4-FFF2-40B4-BE49-F238E27FC236}">
+                <a16:creationId xmlns:a16="http://schemas.microsoft.com/office/drawing/2014/main" id="{3195498E-C001-495E-B151-78681F54DFAA}"/>
+              </a:ext>
+            </a:extLst>
+          </p:cNvPr>
+          <p:cNvSpPr txBox="1"/>
+          <p:nvPr/>
+        </p:nvSpPr>
+        <p:spPr>
+          <a:xfrm>
+            <a:off x="7254057" y="4838374"/>
+            <a:ext cx="4241802" cy="369332"/>
+          </a:xfrm>
+          <a:prstGeom prst="rect">
+            <a:avLst/>
+          </a:prstGeom>
+          <a:solidFill>
+            <a:schemeClr val="bg1"/>
+          </a:solidFill>
+          <a:ln>
+            <a:solidFill>
+              <a:srgbClr val="C00000"/>
+            </a:solidFill>
+          </a:ln>
+        </p:spPr>
+        <p:txBody>
+          <a:bodyPr wrap="none" rtlCol="0">
+            <a:spAutoFit/>
+          </a:bodyPr>
+          <a:lstStyle/>
+          <a:p>
+            <a:r>
+              <a:rPr lang="en-US" dirty="0"/>
+              <a:t>Variable ‘</a:t>
+            </a:r>
+            <a:r>
+              <a:rPr lang="en-US" dirty="0" err="1"/>
+              <a:t>i</a:t>
+            </a:r>
+            <a:r>
+              <a:rPr lang="en-US" dirty="0"/>
+              <a:t>’ stays constant in inner loop </a:t>
+            </a:r>
+          </a:p>
+        </p:txBody>
+      </p:sp>
+      <p:grpSp>
+        <p:nvGrpSpPr>
+          <p:cNvPr id="14" name="Group 13">
+            <a:extLst>
+              <a:ext uri="{FF2B5EF4-FFF2-40B4-BE49-F238E27FC236}">
+                <a16:creationId xmlns:a16="http://schemas.microsoft.com/office/drawing/2014/main" id="{CD328991-14BD-481E-BA8F-ADBD8C02ED05}"/>
+              </a:ext>
+            </a:extLst>
+          </p:cNvPr>
+          <p:cNvGrpSpPr/>
+          <p:nvPr/>
+        </p:nvGrpSpPr>
+        <p:grpSpPr>
+          <a:xfrm>
+            <a:off x="97362" y="4093512"/>
+            <a:ext cx="4631220" cy="1598223"/>
+            <a:chOff x="94767" y="4645962"/>
+            <a:chExt cx="4631220" cy="1598223"/>
+          </a:xfrm>
+        </p:grpSpPr>
+        <p:pic>
+          <p:nvPicPr>
+            <p:cNvPr id="9" name="Picture 8">
+              <a:extLst>
+                <a:ext uri="{FF2B5EF4-FFF2-40B4-BE49-F238E27FC236}">
+                  <a16:creationId xmlns:a16="http://schemas.microsoft.com/office/drawing/2014/main" id="{D9CBD562-F2D1-44CD-BAE3-1DE9B0C70EA3}"/>
+                </a:ext>
+              </a:extLst>
+            </p:cNvPr>
+            <p:cNvPicPr>
+              <a:picLocks noChangeAspect="1"/>
+            </p:cNvPicPr>
+            <p:nvPr/>
+          </p:nvPicPr>
+          <p:blipFill rotWithShape="1">
+            <a:blip r:embed="rId4"/>
+            <a:srcRect t="15196"/>
+            <a:stretch/>
+          </p:blipFill>
+          <p:spPr>
+            <a:xfrm>
+              <a:off x="925512" y="5048250"/>
+              <a:ext cx="3648075" cy="1171249"/>
+            </a:xfrm>
+            <a:prstGeom prst="rect">
+              <a:avLst/>
+            </a:prstGeom>
+          </p:spPr>
+        </p:pic>
+        <p:sp>
+          <p:nvSpPr>
+            <p:cNvPr id="13" name="TextBox 12">
+              <a:extLst>
+                <a:ext uri="{FF2B5EF4-FFF2-40B4-BE49-F238E27FC236}">
+                  <a16:creationId xmlns:a16="http://schemas.microsoft.com/office/drawing/2014/main" id="{9CC92FEC-948C-44E4-8118-5F4E39AF2C96}"/>
+                </a:ext>
+              </a:extLst>
+            </p:cNvPr>
+            <p:cNvSpPr txBox="1"/>
+            <p:nvPr/>
+          </p:nvSpPr>
+          <p:spPr>
+            <a:xfrm>
+              <a:off x="94767" y="4982338"/>
+              <a:ext cx="824649" cy="369332"/>
+            </a:xfrm>
+            <a:prstGeom prst="rect">
+              <a:avLst/>
+            </a:prstGeom>
+            <a:noFill/>
+          </p:spPr>
+          <p:txBody>
+            <a:bodyPr wrap="none" rtlCol="0">
+              <a:spAutoFit/>
+            </a:bodyPr>
+            <a:lstStyle/>
+            <a:p>
+              <a:r>
+                <a:rPr lang="en-US" dirty="0"/>
+                <a:t>Row 0</a:t>
+              </a:r>
+            </a:p>
+          </p:txBody>
+        </p:sp>
+        <p:sp>
+          <p:nvSpPr>
+            <p:cNvPr id="36" name="TextBox 35">
+              <a:extLst>
+                <a:ext uri="{FF2B5EF4-FFF2-40B4-BE49-F238E27FC236}">
+                  <a16:creationId xmlns:a16="http://schemas.microsoft.com/office/drawing/2014/main" id="{C0C984A1-8A30-45EE-9BF4-4AFAD44BD935}"/>
+                </a:ext>
+              </a:extLst>
+            </p:cNvPr>
+            <p:cNvSpPr txBox="1"/>
+            <p:nvPr/>
+          </p:nvSpPr>
+          <p:spPr>
+            <a:xfrm>
+              <a:off x="94767" y="5874853"/>
+              <a:ext cx="824649" cy="369332"/>
+            </a:xfrm>
+            <a:prstGeom prst="rect">
+              <a:avLst/>
+            </a:prstGeom>
+            <a:noFill/>
+          </p:spPr>
+          <p:txBody>
+            <a:bodyPr wrap="none" rtlCol="0">
+              <a:spAutoFit/>
+            </a:bodyPr>
+            <a:lstStyle/>
+            <a:p>
+              <a:r>
+                <a:rPr lang="en-US" dirty="0"/>
+                <a:t>Row 4</a:t>
+              </a:r>
+            </a:p>
+          </p:txBody>
+        </p:sp>
+        <p:sp>
+          <p:nvSpPr>
+            <p:cNvPr id="37" name="TextBox 36">
+              <a:extLst>
+                <a:ext uri="{FF2B5EF4-FFF2-40B4-BE49-F238E27FC236}">
+                  <a16:creationId xmlns:a16="http://schemas.microsoft.com/office/drawing/2014/main" id="{F71D8F87-94CB-4A08-B853-25D972D29B6A}"/>
+                </a:ext>
+              </a:extLst>
+            </p:cNvPr>
+            <p:cNvSpPr txBox="1"/>
+            <p:nvPr/>
+          </p:nvSpPr>
+          <p:spPr>
+            <a:xfrm>
+              <a:off x="743477" y="4645962"/>
+              <a:ext cx="1212576" cy="369332"/>
+            </a:xfrm>
+            <a:prstGeom prst="rect">
+              <a:avLst/>
+            </a:prstGeom>
+            <a:noFill/>
+          </p:spPr>
+          <p:txBody>
+            <a:bodyPr wrap="none" rtlCol="0">
+              <a:spAutoFit/>
+            </a:bodyPr>
+            <a:lstStyle/>
+            <a:p>
+              <a:r>
+                <a:rPr lang="en-US" dirty="0"/>
+                <a:t>Column 0</a:t>
+              </a:r>
+            </a:p>
+          </p:txBody>
+        </p:sp>
+        <p:sp>
+          <p:nvSpPr>
+            <p:cNvPr id="38" name="TextBox 37">
+              <a:extLst>
+                <a:ext uri="{FF2B5EF4-FFF2-40B4-BE49-F238E27FC236}">
+                  <a16:creationId xmlns:a16="http://schemas.microsoft.com/office/drawing/2014/main" id="{42F12F0B-E6D6-47EB-A765-82200D69DB14}"/>
+                </a:ext>
+              </a:extLst>
+            </p:cNvPr>
+            <p:cNvSpPr txBox="1"/>
+            <p:nvPr/>
+          </p:nvSpPr>
+          <p:spPr>
+            <a:xfrm>
+              <a:off x="3513411" y="4682973"/>
+              <a:ext cx="1212576" cy="369332"/>
+            </a:xfrm>
+            <a:prstGeom prst="rect">
+              <a:avLst/>
+            </a:prstGeom>
+            <a:noFill/>
+          </p:spPr>
+          <p:txBody>
+            <a:bodyPr wrap="none" rtlCol="0">
+              <a:spAutoFit/>
+            </a:bodyPr>
+            <a:lstStyle/>
+            <a:p>
+              <a:r>
+                <a:rPr lang="en-US" dirty="0"/>
+                <a:t>Column 4</a:t>
+              </a:r>
+            </a:p>
+          </p:txBody>
+        </p:sp>
+      </p:grpSp>
+      <p:sp>
+        <p:nvSpPr>
+          <p:cNvPr id="15" name="Rectangle 14">
+            <a:extLst>
+              <a:ext uri="{FF2B5EF4-FFF2-40B4-BE49-F238E27FC236}">
+                <a16:creationId xmlns:a16="http://schemas.microsoft.com/office/drawing/2014/main" id="{00E91C9C-904F-4EEC-AFEB-3C54A9A0BBAB}"/>
+              </a:ext>
+            </a:extLst>
+          </p:cNvPr>
+          <p:cNvSpPr/>
+          <p:nvPr/>
+        </p:nvSpPr>
+        <p:spPr>
+          <a:xfrm>
+            <a:off x="863600" y="4457699"/>
+            <a:ext cx="3740150" cy="262883"/>
+          </a:xfrm>
+          <a:prstGeom prst="rect">
+            <a:avLst/>
+          </a:prstGeom>
+          <a:noFill/>
+          <a:ln w="19050">
+            <a:solidFill>
+              <a:srgbClr val="C00000"/>
+            </a:solidFill>
+          </a:ln>
+        </p:spPr>
+        <p:style>
+          <a:lnRef idx="2">
+            <a:schemeClr val="accent1">
+              <a:shade val="50000"/>
+            </a:schemeClr>
+          </a:lnRef>
+          <a:fillRef idx="1">
+            <a:schemeClr val="accent1"/>
+          </a:fillRef>
+          <a:effectRef idx="0">
+            <a:schemeClr val="accent1"/>
+          </a:effectRef>
+          <a:fontRef idx="minor">
+            <a:schemeClr val="lt1"/>
+          </a:fontRef>
+        </p:style>
+        <p:txBody>
+          <a:bodyPr rtlCol="0" anchor="ctr"/>
+          <a:lstStyle/>
+          <a:p>
+            <a:pPr algn="ctr"/>
+            <a:endParaRPr lang="en-US"/>
+          </a:p>
+        </p:txBody>
+      </p:sp>
+    </p:spTree>
+    <p:extLst>
+      <p:ext uri="{BB962C8B-B14F-4D97-AF65-F5344CB8AC3E}">
+        <p14:creationId xmlns:p14="http://schemas.microsoft.com/office/powerpoint/2010/main" val="851372088"/>
+      </p:ext>
+    </p:extLst>
+  </p:cSld>
+  <p:clrMapOvr>
+    <a:masterClrMapping/>
+  </p:clrMapOvr>
+  <p:timing>
+    <p:tnLst>
+      <p:par>
+        <p:cTn id="1" dur="indefinite" restart="never" nodeType="tmRoot">
+          <p:childTnLst>
+            <p:seq concurrent="1" nextAc="seek">
+              <p:cTn id="2" dur="indefinite" nodeType="mainSeq">
+                <p:childTnLst>
+                  <p:par>
+                    <p:cTn id="3" fill="hold">
+                      <p:stCondLst>
+                        <p:cond delay="indefinite"/>
+                      </p:stCondLst>
+                      <p:childTnLst>
+                        <p:par>
+                          <p:cTn id="4" fill="hold">
+                            <p:stCondLst>
+                              <p:cond delay="0"/>
+                            </p:stCondLst>
+                            <p:childTnLst>
+                              <p:par>
+                                <p:cTn id="5" presetID="1" presetClass="entr" presetSubtype="0" fill="hold" grpId="0" nodeType="clickEffect">
+                                  <p:stCondLst>
+                                    <p:cond delay="0"/>
+                                  </p:stCondLst>
+                                  <p:childTnLst>
+                                    <p:set>
+                                      <p:cBhvr>
+                                        <p:cTn id="6" dur="1" fill="hold">
+                                          <p:stCondLst>
+                                            <p:cond delay="0"/>
+                                          </p:stCondLst>
+                                        </p:cTn>
+                                        <p:tgtEl>
+                                          <p:spTgt spid="23"/>
+                                        </p:tgtEl>
+                                        <p:attrNameLst>
+                                          <p:attrName>style.visibility</p:attrName>
+                                        </p:attrNameLst>
+                                      </p:cBhvr>
+                                      <p:to>
+                                        <p:strVal val="visible"/>
+                                      </p:to>
+                                    </p:set>
+                                  </p:childTnLst>
+                                </p:cTn>
+                              </p:par>
+                            </p:childTnLst>
+                          </p:cTn>
+                        </p:par>
+                      </p:childTnLst>
+                    </p:cTn>
+                  </p:par>
+                  <p:par>
+                    <p:cTn id="7" fill="hold">
+                      <p:stCondLst>
+                        <p:cond delay="indefinite"/>
+                      </p:stCondLst>
+                      <p:childTnLst>
+                        <p:par>
+                          <p:cTn id="8" fill="hold">
+                            <p:stCondLst>
+                              <p:cond delay="0"/>
+                            </p:stCondLst>
+                            <p:childTnLst>
+                              <p:par>
+                                <p:cTn id="9" presetID="1" presetClass="entr" presetSubtype="0" fill="hold" grpId="0" nodeType="clickEffect">
+                                  <p:stCondLst>
+                                    <p:cond delay="0"/>
+                                  </p:stCondLst>
+                                  <p:childTnLst>
+                                    <p:set>
+                                      <p:cBhvr>
+                                        <p:cTn id="10" dur="1" fill="hold">
+                                          <p:stCondLst>
+                                            <p:cond delay="0"/>
+                                          </p:stCondLst>
+                                        </p:cTn>
+                                        <p:tgtEl>
+                                          <p:spTgt spid="24"/>
+                                        </p:tgtEl>
+                                        <p:attrNameLst>
+                                          <p:attrName>style.visibility</p:attrName>
+                                        </p:attrNameLst>
+                                      </p:cBhvr>
+                                      <p:to>
+                                        <p:strVal val="visible"/>
+                                      </p:to>
+                                    </p:set>
+                                  </p:childTnLst>
+                                </p:cTn>
+                              </p:par>
+                            </p:childTnLst>
+                          </p:cTn>
+                        </p:par>
+                      </p:childTnLst>
+                    </p:cTn>
+                  </p:par>
+                  <p:par>
+                    <p:cTn id="11" fill="hold">
+                      <p:stCondLst>
+                        <p:cond delay="indefinite"/>
+                      </p:stCondLst>
+                      <p:childTnLst>
+                        <p:par>
+                          <p:cTn id="12" fill="hold">
+                            <p:stCondLst>
+                              <p:cond delay="0"/>
+                            </p:stCondLst>
+                            <p:childTnLst>
+                              <p:par>
+                                <p:cTn id="13" presetID="1" presetClass="entr" presetSubtype="0" fill="hold" grpId="0" nodeType="clickEffect">
+                                  <p:stCondLst>
+                                    <p:cond delay="0"/>
+                                  </p:stCondLst>
+                                  <p:childTnLst>
+                                    <p:set>
+                                      <p:cBhvr>
+                                        <p:cTn id="14" dur="1" fill="hold">
+                                          <p:stCondLst>
+                                            <p:cond delay="0"/>
+                                          </p:stCondLst>
+                                        </p:cTn>
+                                        <p:tgtEl>
+                                          <p:spTgt spid="12"/>
+                                        </p:tgtEl>
+                                        <p:attrNameLst>
+                                          <p:attrName>style.visibility</p:attrName>
+                                        </p:attrNameLst>
+                                      </p:cBhvr>
+                                      <p:to>
+                                        <p:strVal val="visible"/>
+                                      </p:to>
+                                    </p:set>
+                                  </p:childTnLst>
+                                </p:cTn>
+                              </p:par>
+                            </p:childTnLst>
+                          </p:cTn>
+                        </p:par>
+                      </p:childTnLst>
+                    </p:cTn>
+                  </p:par>
+                  <p:par>
+                    <p:cTn id="15" fill="hold">
+                      <p:stCondLst>
+                        <p:cond delay="indefinite"/>
+                      </p:stCondLst>
+                      <p:childTnLst>
+                        <p:par>
+                          <p:cTn id="16" fill="hold">
+                            <p:stCondLst>
+                              <p:cond delay="0"/>
+                            </p:stCondLst>
+                            <p:childTnLst>
+                              <p:par>
+                                <p:cTn id="17" presetID="1" presetClass="entr" presetSubtype="0" fill="hold" grpId="1" nodeType="clickEffect">
+                                  <p:stCondLst>
+                                    <p:cond delay="0"/>
+                                  </p:stCondLst>
+                                  <p:childTnLst>
+                                    <p:set>
+                                      <p:cBhvr>
+                                        <p:cTn id="18" dur="1" fill="hold">
+                                          <p:stCondLst>
+                                            <p:cond delay="0"/>
+                                          </p:stCondLst>
+                                        </p:cTn>
+                                        <p:tgtEl>
+                                          <p:spTgt spid="15"/>
+                                        </p:tgtEl>
+                                        <p:attrNameLst>
+                                          <p:attrName>style.visibility</p:attrName>
+                                        </p:attrNameLst>
+                                      </p:cBhvr>
+                                      <p:to>
+                                        <p:strVal val="visible"/>
+                                      </p:to>
+                                    </p:set>
+                                  </p:childTnLst>
+                                </p:cTn>
+                              </p:par>
+                            </p:childTnLst>
+                          </p:cTn>
+                        </p:par>
+                      </p:childTnLst>
+                    </p:cTn>
+                  </p:par>
+                  <p:par>
+                    <p:cTn id="19" fill="hold">
+                      <p:stCondLst>
+                        <p:cond delay="indefinite"/>
+                      </p:stCondLst>
+                      <p:childTnLst>
+                        <p:par>
+                          <p:cTn id="20" fill="hold">
+                            <p:stCondLst>
+                              <p:cond delay="0"/>
+                            </p:stCondLst>
+                            <p:childTnLst>
+                              <p:par>
+                                <p:cTn id="21" presetID="42" presetClass="path" presetSubtype="0" accel="50000" decel="50000" fill="hold" grpId="0" nodeType="clickEffect">
+                                  <p:stCondLst>
+                                    <p:cond delay="0"/>
+                                  </p:stCondLst>
+                                  <p:childTnLst>
+                                    <p:animMotion origin="layout" path="M 1.25E-6 -2.96296E-6 L 0.00182 0.1382 " pathEditMode="relative" rAng="0" ptsTypes="AA">
+                                      <p:cBhvr>
+                                        <p:cTn id="22" dur="2000" fill="hold"/>
+                                        <p:tgtEl>
+                                          <p:spTgt spid="15"/>
+                                        </p:tgtEl>
+                                        <p:attrNameLst>
+                                          <p:attrName>ppt_x</p:attrName>
+                                          <p:attrName>ppt_y</p:attrName>
+                                        </p:attrNameLst>
+                                      </p:cBhvr>
+                                      <p:rCtr x="91" y="6898"/>
+                                    </p:animMotion>
+                                  </p:childTnLst>
+                                </p:cTn>
+                              </p:par>
+                            </p:childTnLst>
+                          </p:cTn>
+                        </p:par>
+                      </p:childTnLst>
+                    </p:cTn>
+                  </p:par>
+                </p:childTnLst>
+              </p:cTn>
+              <p:prevCondLst>
+                <p:cond evt="onPrev" delay="0">
+                  <p:tgtEl>
+                    <p:sldTgt/>
+                  </p:tgtEl>
+                </p:cond>
+              </p:prevCondLst>
+              <p:nextCondLst>
+                <p:cond evt="onNext" delay="0">
+                  <p:tgtEl>
+                    <p:sldTgt/>
+                  </p:tgtEl>
+                </p:cond>
+              </p:nextCondLst>
+            </p:seq>
+          </p:childTnLst>
+        </p:cTn>
+      </p:par>
+    </p:tnLst>
+    <p:bldLst>
+      <p:bldP spid="23" grpId="0" animBg="1"/>
+      <p:bldP spid="24" grpId="0" animBg="1"/>
+      <p:bldP spid="12" grpId="0" animBg="1"/>
+      <p:bldP spid="15" grpId="0" animBg="1"/>
+      <p:bldP spid="15" grpId="1" animBg="1"/>
+    </p:bldLst>
+  </p:timing>
+</p:sld>
+</file>
+
+<file path=ppt/slides/slide11.xml><?xml version="1.0" encoding="utf-8"?>
+<p:sld xmlns:a="http://schemas.openxmlformats.org/drawingml/2006/main" xmlns:r="http://schemas.openxmlformats.org/officeDocument/2006/relationships" xmlns:p="http://schemas.openxmlformats.org/presentationml/2006/main">
+  <p:cSld>
+    <p:bg>
+      <p:bgPr>
+        <a:solidFill>
+          <a:schemeClr val="bg1"/>
+        </a:solidFill>
+        <a:effectLst/>
+      </p:bgPr>
+    </p:bg>
+    <p:spTree>
+      <p:nvGrpSpPr>
+        <p:cNvPr id="1" name=""/>
+        <p:cNvGrpSpPr/>
+        <p:nvPr/>
+      </p:nvGrpSpPr>
+      <p:grpSpPr>
+        <a:xfrm>
+          <a:off x="0" y="0"/>
+          <a:ext cx="0" cy="0"/>
+          <a:chOff x="0" y="0"/>
+          <a:chExt cx="0" cy="0"/>
+        </a:xfrm>
+      </p:grpSpPr>
+      <p:sp useBgFill="1">
+        <p:nvSpPr>
+          <p:cNvPr id="27" name="Rectangle 18">
+            <a:extLst>
+              <a:ext uri="{FF2B5EF4-FFF2-40B4-BE49-F238E27FC236}">
+                <a16:creationId xmlns:a16="http://schemas.microsoft.com/office/drawing/2014/main" id="{8651CFA9-6065-4243-AC48-858E359780B1}"/>
+              </a:ext>
+              <a:ext uri="{C183D7F6-B498-43B3-948B-1728B52AA6E4}">
+                <adec:decorative xmlns:adec="http://schemas.microsoft.com/office/drawing/2017/decorative" val="1"/>
+              </a:ext>
+            </a:extLst>
+          </p:cNvPr>
+          <p:cNvSpPr>
+            <a:spLocks noGrp="1" noRot="1" noChangeAspect="1" noMove="1" noResize="1" noEditPoints="1" noAdjustHandles="1" noChangeArrowheads="1" noChangeShapeType="1" noTextEdit="1"/>
+          </p:cNvSpPr>
+          <p:nvPr>
+            <p:extLst>
+              <p:ext uri="{386F3935-93C4-4BCD-93E2-E3B085C9AB24}">
+                <p16:designElem xmlns:p16="http://schemas.microsoft.com/office/powerpoint/2015/main" val="1"/>
+              </p:ext>
+            </p:extLst>
+          </p:nvPr>
+        </p:nvSpPr>
+        <p:spPr>
+          <a:xfrm>
+            <a:off x="0" y="0"/>
+            <a:ext cx="12192000" cy="6858000"/>
+          </a:xfrm>
+          <a:prstGeom prst="rect">
+            <a:avLst/>
+          </a:prstGeom>
+          <a:ln>
+            <a:noFill/>
+          </a:ln>
+        </p:spPr>
+        <p:style>
+          <a:lnRef idx="2">
+            <a:schemeClr val="accent1">
+              <a:shade val="50000"/>
+            </a:schemeClr>
+          </a:lnRef>
+          <a:fillRef idx="1">
+            <a:schemeClr val="accent1"/>
+          </a:fillRef>
+          <a:effectRef idx="0">
+            <a:schemeClr val="accent1"/>
+          </a:effectRef>
+          <a:fontRef idx="minor">
+            <a:schemeClr val="lt1"/>
+          </a:fontRef>
+        </p:style>
+        <p:txBody>
+          <a:bodyPr rtlCol="0" anchor="ctr"/>
+          <a:lstStyle/>
+          <a:p>
+            <a:pPr algn="ctr"/>
+            <a:endParaRPr lang="en-US">
+              <a:solidFill>
+                <a:schemeClr val="tx1">
+                  <a:lumMod val="65000"/>
+                  <a:lumOff val="35000"/>
+                </a:schemeClr>
+              </a:solidFill>
+              <a:latin typeface="AvenirNext LT Pro Medium" panose="020B0504020202020204" pitchFamily="34" charset="0"/>
+            </a:endParaRPr>
+          </a:p>
+        </p:txBody>
+      </p:sp>
+      <p:sp>
+        <p:nvSpPr>
+          <p:cNvPr id="28" name="Rectangle 20">
+            <a:extLst>
+              <a:ext uri="{FF2B5EF4-FFF2-40B4-BE49-F238E27FC236}">
+                <a16:creationId xmlns:a16="http://schemas.microsoft.com/office/drawing/2014/main" id="{37962AE0-6A1C-4B76-9D52-10E5E6D7D3BB}"/>
+              </a:ext>
+              <a:ext uri="{C183D7F6-B498-43B3-948B-1728B52AA6E4}">
+                <adec:decorative xmlns:adec="http://schemas.microsoft.com/office/drawing/2017/decorative" val="1"/>
+              </a:ext>
+            </a:extLst>
+          </p:cNvPr>
+          <p:cNvSpPr>
+            <a:spLocks noGrp="1" noRot="1" noChangeAspect="1" noMove="1" noResize="1" noEditPoints="1" noAdjustHandles="1" noChangeArrowheads="1" noChangeShapeType="1" noTextEdit="1"/>
+          </p:cNvSpPr>
+          <p:nvPr>
+            <p:extLst>
+              <p:ext uri="{386F3935-93C4-4BCD-93E2-E3B085C9AB24}">
+                <p16:designElem xmlns:p16="http://schemas.microsoft.com/office/powerpoint/2015/main" val="1"/>
+              </p:ext>
+            </p:extLst>
+          </p:nvPr>
+        </p:nvSpPr>
+        <p:spPr>
+          <a:xfrm>
+            <a:off x="-3048" y="0"/>
+            <a:ext cx="12188952" cy="6858000"/>
+          </a:xfrm>
+          <a:prstGeom prst="rect">
+            <a:avLst/>
+          </a:prstGeom>
+          <a:solidFill>
+            <a:schemeClr val="bg2">
+              <a:alpha val="70000"/>
+            </a:schemeClr>
+          </a:solidFill>
+          <a:ln>
+            <a:noFill/>
+          </a:ln>
+        </p:spPr>
+        <p:style>
+          <a:lnRef idx="2">
+            <a:schemeClr val="accent1">
+              <a:shade val="50000"/>
+            </a:schemeClr>
+          </a:lnRef>
+          <a:fillRef idx="1">
+            <a:schemeClr val="accent1"/>
+          </a:fillRef>
+          <a:effectRef idx="0">
+            <a:schemeClr val="accent1"/>
+          </a:effectRef>
+          <a:fontRef idx="minor">
+            <a:schemeClr val="lt1"/>
+          </a:fontRef>
+        </p:style>
+        <p:txBody>
+          <a:bodyPr rtlCol="0" anchor="ctr"/>
+          <a:lstStyle/>
+          <a:p>
+            <a:pPr algn="ctr"/>
+            <a:endParaRPr lang="en-US">
+              <a:solidFill>
+                <a:schemeClr val="tx1">
+                  <a:lumMod val="65000"/>
+                  <a:lumOff val="35000"/>
+                </a:schemeClr>
+              </a:solidFill>
+              <a:latin typeface="AvenirNext LT Pro Medium" panose="020B0504020202020204" pitchFamily="34" charset="0"/>
+            </a:endParaRPr>
+          </a:p>
+        </p:txBody>
+      </p:sp>
+      <p:sp>
+        <p:nvSpPr>
+          <p:cNvPr id="29" name="Rectangle 22">
+            <a:extLst>
+              <a:ext uri="{FF2B5EF4-FFF2-40B4-BE49-F238E27FC236}">
+                <a16:creationId xmlns:a16="http://schemas.microsoft.com/office/drawing/2014/main" id="{BF49D5AE-15AF-4BC1-8AC5-F5FA95199E94}"/>
+              </a:ext>
+              <a:ext uri="{C183D7F6-B498-43B3-948B-1728B52AA6E4}">
+                <adec:decorative xmlns:adec="http://schemas.microsoft.com/office/drawing/2017/decorative" val="1"/>
+              </a:ext>
+            </a:extLst>
+          </p:cNvPr>
+          <p:cNvSpPr>
+            <a:spLocks noGrp="1" noRot="1" noChangeAspect="1" noMove="1" noResize="1" noEditPoints="1" noAdjustHandles="1" noChangeArrowheads="1" noChangeShapeType="1" noTextEdit="1"/>
+          </p:cNvSpPr>
+          <p:nvPr>
+            <p:extLst>
+              <p:ext uri="{386F3935-93C4-4BCD-93E2-E3B085C9AB24}">
+                <p16:designElem xmlns:p16="http://schemas.microsoft.com/office/powerpoint/2015/main" val="1"/>
+              </p:ext>
+            </p:extLst>
+          </p:nvPr>
+        </p:nvSpPr>
+        <p:spPr>
+          <a:xfrm>
+            <a:off x="-3048" y="0"/>
+            <a:ext cx="12195048" cy="1295400"/>
+          </a:xfrm>
+          <a:prstGeom prst="rect">
+            <a:avLst/>
+          </a:prstGeom>
+          <a:solidFill>
+            <a:schemeClr val="tx2">
+              <a:lumMod val="90000"/>
+              <a:lumOff val="10000"/>
+            </a:schemeClr>
+          </a:solidFill>
+          <a:ln>
+            <a:noFill/>
+          </a:ln>
+        </p:spPr>
+        <p:style>
+          <a:lnRef idx="2">
+            <a:schemeClr val="accent1">
+              <a:shade val="50000"/>
+            </a:schemeClr>
+          </a:lnRef>
+          <a:fillRef idx="1">
+            <a:schemeClr val="accent1"/>
+          </a:fillRef>
+          <a:effectRef idx="0">
+            <a:schemeClr val="accent1"/>
+          </a:effectRef>
+          <a:fontRef idx="minor">
+            <a:schemeClr val="lt1"/>
+          </a:fontRef>
+        </p:style>
+        <p:txBody>
+          <a:bodyPr rtlCol="0" anchor="ctr"/>
+          <a:lstStyle/>
+          <a:p>
+            <a:pPr algn="ctr"/>
+            <a:endParaRPr lang="en-US" dirty="0"/>
+          </a:p>
+        </p:txBody>
+      </p:sp>
+      <p:sp>
+        <p:nvSpPr>
+          <p:cNvPr id="30" name="Rectangle 24">
+            <a:extLst>
+              <a:ext uri="{FF2B5EF4-FFF2-40B4-BE49-F238E27FC236}">
+                <a16:creationId xmlns:a16="http://schemas.microsoft.com/office/drawing/2014/main" id="{5608A5E7-BD2D-419A-8079-3103083AB134}"/>
+              </a:ext>
+              <a:ext uri="{C183D7F6-B498-43B3-948B-1728B52AA6E4}">
+                <adec:decorative xmlns:adec="http://schemas.microsoft.com/office/drawing/2017/decorative" val="1"/>
+              </a:ext>
+            </a:extLst>
+          </p:cNvPr>
+          <p:cNvSpPr>
+            <a:spLocks noGrp="1" noRot="1" noChangeAspect="1" noMove="1" noResize="1" noEditPoints="1" noAdjustHandles="1" noChangeArrowheads="1" noChangeShapeType="1" noTextEdit="1"/>
+          </p:cNvSpPr>
+          <p:nvPr>
+            <p:extLst>
+              <p:ext uri="{386F3935-93C4-4BCD-93E2-E3B085C9AB24}">
+                <p16:designElem xmlns:p16="http://schemas.microsoft.com/office/powerpoint/2015/main" val="1"/>
+              </p:ext>
+            </p:extLst>
+          </p:nvPr>
+        </p:nvSpPr>
+        <p:spPr>
+          <a:xfrm>
+            <a:off x="1524" y="0"/>
+            <a:ext cx="12188952" cy="1295400"/>
+          </a:xfrm>
+          <a:prstGeom prst="rect">
+            <a:avLst/>
+          </a:prstGeom>
+          <a:blipFill dpi="0" rotWithShape="1">
+            <a:blip r:embed="rId2">
+              <a:alphaModFix amt="24000"/>
+              <a:duotone>
+                <a:schemeClr val="accent1">
+                  <a:shade val="45000"/>
+                  <a:satMod val="135000"/>
+                </a:schemeClr>
+                <a:prstClr val="white"/>
+              </a:duotone>
+            </a:blip>
+            <a:srcRect/>
+            <a:tile tx="889000" ty="0" sx="100000" sy="100000" flip="none" algn="tl"/>
+          </a:blipFill>
+          <a:ln>
+            <a:noFill/>
+          </a:ln>
+        </p:spPr>
+        <p:style>
+          <a:lnRef idx="2">
+            <a:schemeClr val="accent1">
+              <a:shade val="50000"/>
+            </a:schemeClr>
+          </a:lnRef>
+          <a:fillRef idx="1">
+            <a:schemeClr val="accent1"/>
+          </a:fillRef>
+          <a:effectRef idx="0">
+            <a:schemeClr val="accent1"/>
+          </a:effectRef>
+          <a:fontRef idx="minor">
+            <a:schemeClr val="lt1"/>
+          </a:fontRef>
+        </p:style>
+        <p:txBody>
+          <a:bodyPr rtlCol="0" anchor="ctr"/>
+          <a:lstStyle/>
+          <a:p>
+            <a:pPr algn="ctr"/>
+            <a:endParaRPr lang="en-US" dirty="0"/>
+          </a:p>
+        </p:txBody>
+      </p:sp>
+      <p:sp>
+        <p:nvSpPr>
+          <p:cNvPr id="2" name="Title 1">
+            <a:extLst>
+              <a:ext uri="{FF2B5EF4-FFF2-40B4-BE49-F238E27FC236}">
+                <a16:creationId xmlns:a16="http://schemas.microsoft.com/office/drawing/2014/main" id="{435A2D9F-DF11-409A-8AFF-42DD6CF6FD8A}"/>
+              </a:ext>
+            </a:extLst>
+          </p:cNvPr>
+          <p:cNvSpPr>
+            <a:spLocks noGrp="1"/>
+          </p:cNvSpPr>
+          <p:nvPr>
+            <p:ph type="title"/>
+          </p:nvPr>
+        </p:nvSpPr>
+        <p:spPr>
+          <a:xfrm>
+            <a:off x="493453" y="-457200"/>
+            <a:ext cx="9988166" cy="1752600"/>
+          </a:xfrm>
+        </p:spPr>
+        <p:txBody>
+          <a:bodyPr anchor="b">
+            <a:normAutofit/>
+          </a:bodyPr>
+          <a:lstStyle/>
+          <a:p>
+            <a:r>
+              <a:rPr lang="en-US" dirty="0"/>
               <a:t>Modern C++</a:t>
             </a:r>
           </a:p>
@@ -4562,7 +5896,7 @@
 </p:sld>
 </file>
 
-<file path=ppt/slides/slide11.xml><?xml version="1.0" encoding="utf-8"?>
+<file path=ppt/slides/slide12.xml><?xml version="1.0" encoding="utf-8"?>
 <p:sld xmlns:a="http://schemas.openxmlformats.org/drawingml/2006/main" xmlns:r="http://schemas.openxmlformats.org/officeDocument/2006/relationships" xmlns:p="http://schemas.openxmlformats.org/presentationml/2006/main">
   <p:cSld>
     <p:bg>
@@ -6800,7 +8134,7 @@
 </p:sld>
 </file>
 
-<file path=ppt/slides/slide12.xml><?xml version="1.0" encoding="utf-8"?>
+<file path=ppt/slides/slide13.xml><?xml version="1.0" encoding="utf-8"?>
 <p:sld xmlns:a="http://schemas.openxmlformats.org/drawingml/2006/main" xmlns:r="http://schemas.openxmlformats.org/officeDocument/2006/relationships" xmlns:p="http://schemas.openxmlformats.org/presentationml/2006/main">
   <p:cSld>
     <p:bg>
@@ -7744,7 +9078,780 @@
 </p:sld>
 </file>
 
-<file path=ppt/slides/slide13.xml><?xml version="1.0" encoding="utf-8"?>
+<file path=ppt/slides/slide2.xml><?xml version="1.0" encoding="utf-8"?>
+<p:sld xmlns:a="http://schemas.openxmlformats.org/drawingml/2006/main" xmlns:r="http://schemas.openxmlformats.org/officeDocument/2006/relationships" xmlns:p="http://schemas.openxmlformats.org/presentationml/2006/main">
+  <p:cSld>
+    <p:bg>
+      <p:bgPr>
+        <a:solidFill>
+          <a:schemeClr val="bg1"/>
+        </a:solidFill>
+        <a:effectLst/>
+      </p:bgPr>
+    </p:bg>
+    <p:spTree>
+      <p:nvGrpSpPr>
+        <p:cNvPr id="1" name=""/>
+        <p:cNvGrpSpPr/>
+        <p:nvPr/>
+      </p:nvGrpSpPr>
+      <p:grpSpPr>
+        <a:xfrm>
+          <a:off x="0" y="0"/>
+          <a:ext cx="0" cy="0"/>
+          <a:chOff x="0" y="0"/>
+          <a:chExt cx="0" cy="0"/>
+        </a:xfrm>
+      </p:grpSpPr>
+      <p:sp useBgFill="1">
+        <p:nvSpPr>
+          <p:cNvPr id="57" name="Rectangle 56">
+            <a:extLst>
+              <a:ext uri="{FF2B5EF4-FFF2-40B4-BE49-F238E27FC236}">
+                <a16:creationId xmlns:a16="http://schemas.microsoft.com/office/drawing/2014/main" id="{8651CFA9-6065-4243-AC48-858E359780B1}"/>
+              </a:ext>
+              <a:ext uri="{C183D7F6-B498-43B3-948B-1728B52AA6E4}">
+                <adec:decorative xmlns:adec="http://schemas.microsoft.com/office/drawing/2017/decorative" val="1"/>
+              </a:ext>
+            </a:extLst>
+          </p:cNvPr>
+          <p:cNvSpPr>
+            <a:spLocks noGrp="1" noRot="1" noChangeAspect="1" noMove="1" noResize="1" noEditPoints="1" noAdjustHandles="1" noChangeArrowheads="1" noChangeShapeType="1" noTextEdit="1"/>
+          </p:cNvSpPr>
+          <p:nvPr>
+            <p:extLst>
+              <p:ext uri="{386F3935-93C4-4BCD-93E2-E3B085C9AB24}">
+                <p16:designElem xmlns:p16="http://schemas.microsoft.com/office/powerpoint/2015/main" val="1"/>
+              </p:ext>
+            </p:extLst>
+          </p:nvPr>
+        </p:nvSpPr>
+        <p:spPr>
+          <a:xfrm>
+            <a:off x="0" y="0"/>
+            <a:ext cx="12188952" cy="6858000"/>
+          </a:xfrm>
+          <a:prstGeom prst="rect">
+            <a:avLst/>
+          </a:prstGeom>
+          <a:ln>
+            <a:noFill/>
+          </a:ln>
+        </p:spPr>
+        <p:style>
+          <a:lnRef idx="2">
+            <a:schemeClr val="accent1">
+              <a:shade val="50000"/>
+            </a:schemeClr>
+          </a:lnRef>
+          <a:fillRef idx="1">
+            <a:schemeClr val="accent1"/>
+          </a:fillRef>
+          <a:effectRef idx="0">
+            <a:schemeClr val="accent1"/>
+          </a:effectRef>
+          <a:fontRef idx="minor">
+            <a:schemeClr val="lt1"/>
+          </a:fontRef>
+        </p:style>
+        <p:txBody>
+          <a:bodyPr rtlCol="0" anchor="ctr"/>
+          <a:lstStyle/>
+          <a:p>
+            <a:pPr algn="ctr"/>
+            <a:endParaRPr lang="en-US" dirty="0">
+              <a:solidFill>
+                <a:schemeClr val="tx1">
+                  <a:lumMod val="65000"/>
+                  <a:lumOff val="35000"/>
+                </a:schemeClr>
+              </a:solidFill>
+              <a:latin typeface="AvenirNext LT Pro Medium" panose="020B0504020202020204" pitchFamily="34" charset="0"/>
+            </a:endParaRPr>
+          </a:p>
+        </p:txBody>
+      </p:sp>
+      <p:sp>
+        <p:nvSpPr>
+          <p:cNvPr id="59" name="Rectangle 58">
+            <a:extLst>
+              <a:ext uri="{FF2B5EF4-FFF2-40B4-BE49-F238E27FC236}">
+                <a16:creationId xmlns:a16="http://schemas.microsoft.com/office/drawing/2014/main" id="{FBC8BBE5-981E-4B0B-9654-32B5668BFF31}"/>
+              </a:ext>
+              <a:ext uri="{C183D7F6-B498-43B3-948B-1728B52AA6E4}">
+                <adec:decorative xmlns:adec="http://schemas.microsoft.com/office/drawing/2017/decorative" val="1"/>
+              </a:ext>
+            </a:extLst>
+          </p:cNvPr>
+          <p:cNvSpPr>
+            <a:spLocks noGrp="1" noRot="1" noChangeAspect="1" noMove="1" noResize="1" noEditPoints="1" noAdjustHandles="1" noChangeArrowheads="1" noChangeShapeType="1" noTextEdit="1"/>
+          </p:cNvSpPr>
+          <p:nvPr>
+            <p:extLst>
+              <p:ext uri="{386F3935-93C4-4BCD-93E2-E3B085C9AB24}">
+                <p16:designElem xmlns:p16="http://schemas.microsoft.com/office/powerpoint/2015/main" val="1"/>
+              </p:ext>
+            </p:extLst>
+          </p:nvPr>
+        </p:nvSpPr>
+        <p:spPr>
+          <a:xfrm>
+            <a:off x="3048" y="0"/>
+            <a:ext cx="12188952" cy="6858000"/>
+          </a:xfrm>
+          <a:prstGeom prst="rect">
+            <a:avLst/>
+          </a:prstGeom>
+          <a:solidFill>
+            <a:schemeClr val="bg2">
+              <a:alpha val="70000"/>
+            </a:schemeClr>
+          </a:solidFill>
+          <a:ln>
+            <a:noFill/>
+          </a:ln>
+        </p:spPr>
+        <p:style>
+          <a:lnRef idx="2">
+            <a:schemeClr val="accent1">
+              <a:shade val="50000"/>
+            </a:schemeClr>
+          </a:lnRef>
+          <a:fillRef idx="1">
+            <a:schemeClr val="accent1"/>
+          </a:fillRef>
+          <a:effectRef idx="0">
+            <a:schemeClr val="accent1"/>
+          </a:effectRef>
+          <a:fontRef idx="minor">
+            <a:schemeClr val="lt1"/>
+          </a:fontRef>
+        </p:style>
+        <p:txBody>
+          <a:bodyPr rtlCol="0" anchor="ctr"/>
+          <a:lstStyle/>
+          <a:p>
+            <a:pPr algn="ctr"/>
+            <a:endParaRPr lang="en-US">
+              <a:solidFill>
+                <a:schemeClr val="tx1">
+                  <a:lumMod val="65000"/>
+                  <a:lumOff val="35000"/>
+                </a:schemeClr>
+              </a:solidFill>
+              <a:latin typeface="AvenirNext LT Pro Medium" panose="020B0504020202020204" pitchFamily="34" charset="0"/>
+            </a:endParaRPr>
+          </a:p>
+        </p:txBody>
+      </p:sp>
+      <p:sp>
+        <p:nvSpPr>
+          <p:cNvPr id="2" name="Title 1">
+            <a:extLst>
+              <a:ext uri="{FF2B5EF4-FFF2-40B4-BE49-F238E27FC236}">
+                <a16:creationId xmlns:a16="http://schemas.microsoft.com/office/drawing/2014/main" id="{7C17F303-584A-48C6-8A80-7B3A2B2AA754}"/>
+              </a:ext>
+            </a:extLst>
+          </p:cNvPr>
+          <p:cNvSpPr>
+            <a:spLocks noGrp="1"/>
+          </p:cNvSpPr>
+          <p:nvPr>
+            <p:ph type="title"/>
+          </p:nvPr>
+        </p:nvSpPr>
+        <p:spPr>
+          <a:xfrm>
+            <a:off x="733365" y="74462"/>
+            <a:ext cx="4953000" cy="1664573"/>
+          </a:xfrm>
+        </p:spPr>
+        <p:txBody>
+          <a:bodyPr>
+            <a:normAutofit/>
+          </a:bodyPr>
+          <a:lstStyle/>
+          <a:p>
+            <a:r>
+              <a:rPr lang="en-US" dirty="0">
+                <a:solidFill>
+                  <a:schemeClr val="tx2"/>
+                </a:solidFill>
+              </a:rPr>
+              <a:t>About Me</a:t>
+            </a:r>
+          </a:p>
+        </p:txBody>
+      </p:sp>
+      <p:sp>
+        <p:nvSpPr>
+          <p:cNvPr id="6" name="Content Placeholder 5">
+            <a:extLst>
+              <a:ext uri="{FF2B5EF4-FFF2-40B4-BE49-F238E27FC236}">
+                <a16:creationId xmlns:a16="http://schemas.microsoft.com/office/drawing/2014/main" id="{2B36B8F5-3AAF-47B5-8B3B-140B9E8C8BD1}"/>
+              </a:ext>
+            </a:extLst>
+          </p:cNvPr>
+          <p:cNvSpPr>
+            <a:spLocks noGrp="1"/>
+          </p:cNvSpPr>
+          <p:nvPr>
+            <p:ph idx="1"/>
+          </p:nvPr>
+        </p:nvSpPr>
+        <p:spPr>
+          <a:xfrm>
+            <a:off x="494175" y="1926587"/>
+            <a:ext cx="5302249" cy="3288340"/>
+          </a:xfrm>
+        </p:spPr>
+        <p:txBody>
+          <a:bodyPr>
+            <a:normAutofit/>
+          </a:bodyPr>
+          <a:lstStyle/>
+          <a:p>
+            <a:r>
+              <a:rPr lang="en-US" sz="1800" dirty="0">
+                <a:solidFill>
+                  <a:schemeClr val="tx2"/>
+                </a:solidFill>
+              </a:rPr>
+              <a:t>Chemical Engineering and Computer Science @ Brigham Young University</a:t>
+            </a:r>
+          </a:p>
+          <a:p>
+            <a:r>
+              <a:rPr lang="en-US" sz="1800" dirty="0">
+                <a:solidFill>
+                  <a:schemeClr val="tx2"/>
+                </a:solidFill>
+              </a:rPr>
+              <a:t>3 years as a control systems engineer @ Valero</a:t>
+            </a:r>
+          </a:p>
+          <a:p>
+            <a:r>
+              <a:rPr lang="en-US" sz="1800" dirty="0">
+                <a:solidFill>
+                  <a:schemeClr val="tx2"/>
+                </a:solidFill>
+              </a:rPr>
+              <a:t>5</a:t>
+            </a:r>
+            <a:r>
+              <a:rPr lang="en-US" sz="1800" baseline="30000" dirty="0">
+                <a:solidFill>
+                  <a:schemeClr val="tx2"/>
+                </a:solidFill>
+              </a:rPr>
+              <a:t>th</a:t>
+            </a:r>
+            <a:r>
+              <a:rPr lang="en-US" sz="1800" dirty="0">
+                <a:solidFill>
+                  <a:schemeClr val="tx2"/>
+                </a:solidFill>
+              </a:rPr>
+              <a:t> Year PhD Robotics @ University of Michigan</a:t>
+            </a:r>
+          </a:p>
+          <a:p>
+            <a:r>
+              <a:rPr lang="en-US" sz="1800" dirty="0">
+                <a:solidFill>
+                  <a:schemeClr val="tx2"/>
+                </a:solidFill>
+              </a:rPr>
+              <a:t>Research focused on urgent landing for Unmanned Aerial Vehicles</a:t>
+            </a:r>
+          </a:p>
+          <a:p>
+            <a:r>
+              <a:rPr lang="en-US" sz="1800" dirty="0">
+                <a:solidFill>
+                  <a:schemeClr val="tx2"/>
+                </a:solidFill>
+              </a:rPr>
+              <a:t>Love C++ and Python!</a:t>
+            </a:r>
+          </a:p>
+        </p:txBody>
+      </p:sp>
+      <p:sp>
+        <p:nvSpPr>
+          <p:cNvPr id="61" name="Rectangle 60">
+            <a:extLst>
+              <a:ext uri="{FF2B5EF4-FFF2-40B4-BE49-F238E27FC236}">
+                <a16:creationId xmlns:a16="http://schemas.microsoft.com/office/drawing/2014/main" id="{094C9708-F6A4-4956-B261-A4A2C4DFEBF7}"/>
+              </a:ext>
+              <a:ext uri="{C183D7F6-B498-43B3-948B-1728B52AA6E4}">
+                <adec:decorative xmlns:adec="http://schemas.microsoft.com/office/drawing/2017/decorative" val="1"/>
+              </a:ext>
+            </a:extLst>
+          </p:cNvPr>
+          <p:cNvSpPr>
+            <a:spLocks noGrp="1" noRot="1" noChangeAspect="1" noMove="1" noResize="1" noEditPoints="1" noAdjustHandles="1" noChangeArrowheads="1" noChangeShapeType="1" noTextEdit="1"/>
+          </p:cNvSpPr>
+          <p:nvPr>
+            <p:extLst>
+              <p:ext uri="{386F3935-93C4-4BCD-93E2-E3B085C9AB24}">
+                <p16:designElem xmlns:p16="http://schemas.microsoft.com/office/powerpoint/2015/main" val="1"/>
+              </p:ext>
+            </p:extLst>
+          </p:nvPr>
+        </p:nvSpPr>
+        <p:spPr>
+          <a:xfrm>
+            <a:off x="6248400" y="0"/>
+            <a:ext cx="5943600" cy="6858000"/>
+          </a:xfrm>
+          <a:prstGeom prst="rect">
+            <a:avLst/>
+          </a:prstGeom>
+          <a:solidFill>
+            <a:schemeClr val="bg2">
+              <a:alpha val="60000"/>
+            </a:schemeClr>
+          </a:solidFill>
+          <a:ln>
+            <a:noFill/>
+          </a:ln>
+        </p:spPr>
+        <p:style>
+          <a:lnRef idx="2">
+            <a:schemeClr val="accent1">
+              <a:shade val="50000"/>
+            </a:schemeClr>
+          </a:lnRef>
+          <a:fillRef idx="1">
+            <a:schemeClr val="accent1"/>
+          </a:fillRef>
+          <a:effectRef idx="0">
+            <a:schemeClr val="accent1"/>
+          </a:effectRef>
+          <a:fontRef idx="minor">
+            <a:schemeClr val="lt1"/>
+          </a:fontRef>
+        </p:style>
+        <p:txBody>
+          <a:bodyPr rtlCol="0" anchor="ctr"/>
+          <a:lstStyle/>
+          <a:p>
+            <a:pPr algn="ctr"/>
+            <a:endParaRPr lang="en-US" dirty="0">
+              <a:solidFill>
+                <a:schemeClr val="tx1">
+                  <a:lumMod val="65000"/>
+                  <a:lumOff val="35000"/>
+                </a:schemeClr>
+              </a:solidFill>
+              <a:latin typeface="AvenirNext LT Pro Medium" panose="020B0504020202020204" pitchFamily="34" charset="0"/>
+            </a:endParaRPr>
+          </a:p>
+        </p:txBody>
+      </p:sp>
+      <p:sp>
+        <p:nvSpPr>
+          <p:cNvPr id="63" name="Rectangle 62">
+            <a:extLst>
+              <a:ext uri="{FF2B5EF4-FFF2-40B4-BE49-F238E27FC236}">
+                <a16:creationId xmlns:a16="http://schemas.microsoft.com/office/drawing/2014/main" id="{592DB257-3E16-4A3C-9E28-4682828127AD}"/>
+              </a:ext>
+              <a:ext uri="{C183D7F6-B498-43B3-948B-1728B52AA6E4}">
+                <adec:decorative xmlns:adec="http://schemas.microsoft.com/office/drawing/2017/decorative" val="1"/>
+              </a:ext>
+            </a:extLst>
+          </p:cNvPr>
+          <p:cNvSpPr>
+            <a:spLocks noGrp="1" noRot="1" noChangeAspect="1" noMove="1" noResize="1" noEditPoints="1" noAdjustHandles="1" noChangeArrowheads="1" noChangeShapeType="1" noTextEdit="1"/>
+          </p:cNvSpPr>
+          <p:nvPr>
+            <p:extLst>
+              <p:ext uri="{386F3935-93C4-4BCD-93E2-E3B085C9AB24}">
+                <p16:designElem xmlns:p16="http://schemas.microsoft.com/office/powerpoint/2015/main" val="1"/>
+              </p:ext>
+            </p:extLst>
+          </p:nvPr>
+        </p:nvSpPr>
+        <p:spPr>
+          <a:xfrm>
+            <a:off x="6190666" y="0"/>
+            <a:ext cx="6001333" cy="6858000"/>
+          </a:xfrm>
+          <a:prstGeom prst="rect">
+            <a:avLst/>
+          </a:prstGeom>
+          <a:solidFill>
+            <a:schemeClr val="tx2">
+              <a:lumMod val="90000"/>
+              <a:lumOff val="10000"/>
+            </a:schemeClr>
+          </a:solidFill>
+          <a:ln>
+            <a:noFill/>
+          </a:ln>
+        </p:spPr>
+        <p:style>
+          <a:lnRef idx="2">
+            <a:schemeClr val="accent1">
+              <a:shade val="50000"/>
+            </a:schemeClr>
+          </a:lnRef>
+          <a:fillRef idx="1">
+            <a:schemeClr val="accent1"/>
+          </a:fillRef>
+          <a:effectRef idx="0">
+            <a:schemeClr val="accent1"/>
+          </a:effectRef>
+          <a:fontRef idx="minor">
+            <a:schemeClr val="lt1"/>
+          </a:fontRef>
+        </p:style>
+        <p:txBody>
+          <a:bodyPr rtlCol="0" anchor="ctr"/>
+          <a:lstStyle/>
+          <a:p>
+            <a:pPr algn="ctr"/>
+            <a:endParaRPr lang="en-US" dirty="0">
+              <a:solidFill>
+                <a:schemeClr val="tx1">
+                  <a:lumMod val="65000"/>
+                  <a:lumOff val="35000"/>
+                </a:schemeClr>
+              </a:solidFill>
+              <a:latin typeface="AvenirNext LT Pro Medium" panose="020B0504020202020204" pitchFamily="34" charset="0"/>
+            </a:endParaRPr>
+          </a:p>
+        </p:txBody>
+      </p:sp>
+      <p:sp>
+        <p:nvSpPr>
+          <p:cNvPr id="65" name="Rectangle 64">
+            <a:extLst>
+              <a:ext uri="{FF2B5EF4-FFF2-40B4-BE49-F238E27FC236}">
+                <a16:creationId xmlns:a16="http://schemas.microsoft.com/office/drawing/2014/main" id="{487685E6-1160-459B-8C70-301404C06C23}"/>
+              </a:ext>
+              <a:ext uri="{C183D7F6-B498-43B3-948B-1728B52AA6E4}">
+                <adec:decorative xmlns:adec="http://schemas.microsoft.com/office/drawing/2017/decorative" val="1"/>
+              </a:ext>
+            </a:extLst>
+          </p:cNvPr>
+          <p:cNvSpPr>
+            <a:spLocks noGrp="1" noRot="1" noChangeAspect="1" noMove="1" noResize="1" noEditPoints="1" noAdjustHandles="1" noChangeArrowheads="1" noChangeShapeType="1" noTextEdit="1"/>
+          </p:cNvSpPr>
+          <p:nvPr>
+            <p:extLst>
+              <p:ext uri="{386F3935-93C4-4BCD-93E2-E3B085C9AB24}">
+                <p16:designElem xmlns:p16="http://schemas.microsoft.com/office/powerpoint/2015/main" val="1"/>
+              </p:ext>
+            </p:extLst>
+          </p:nvPr>
+        </p:nvSpPr>
+        <p:spPr>
+          <a:xfrm rot="10800000">
+            <a:off x="6196875" y="0"/>
+            <a:ext cx="5992075" cy="6858000"/>
+          </a:xfrm>
+          <a:prstGeom prst="rect">
+            <a:avLst/>
+          </a:prstGeom>
+          <a:blipFill dpi="0" rotWithShape="1">
+            <a:blip r:embed="rId2">
+              <a:alphaModFix amt="20000"/>
+              <a:duotone>
+                <a:schemeClr val="accent1">
+                  <a:shade val="45000"/>
+                  <a:satMod val="135000"/>
+                </a:schemeClr>
+                <a:prstClr val="white"/>
+              </a:duotone>
+            </a:blip>
+            <a:srcRect/>
+            <a:tile tx="889000" ty="0" sx="100000" sy="100000" flip="none" algn="tl"/>
+          </a:blipFill>
+          <a:ln>
+            <a:noFill/>
+          </a:ln>
+        </p:spPr>
+        <p:style>
+          <a:lnRef idx="2">
+            <a:schemeClr val="accent1">
+              <a:shade val="50000"/>
+            </a:schemeClr>
+          </a:lnRef>
+          <a:fillRef idx="1">
+            <a:schemeClr val="accent1"/>
+          </a:fillRef>
+          <a:effectRef idx="0">
+            <a:schemeClr val="accent1"/>
+          </a:effectRef>
+          <a:fontRef idx="minor">
+            <a:schemeClr val="lt1"/>
+          </a:fontRef>
+        </p:style>
+        <p:txBody>
+          <a:bodyPr rtlCol="0" anchor="ctr"/>
+          <a:lstStyle/>
+          <a:p>
+            <a:pPr algn="ctr"/>
+            <a:endParaRPr lang="en-US" dirty="0"/>
+          </a:p>
+        </p:txBody>
+      </p:sp>
+      <p:pic>
+        <p:nvPicPr>
+          <p:cNvPr id="33" name="Picture 32">
+            <a:extLst>
+              <a:ext uri="{FF2B5EF4-FFF2-40B4-BE49-F238E27FC236}">
+                <a16:creationId xmlns:a16="http://schemas.microsoft.com/office/drawing/2014/main" id="{D34A1EC5-55A0-4A91-BEA9-C591429D6056}"/>
+              </a:ext>
+            </a:extLst>
+          </p:cNvPr>
+          <p:cNvPicPr>
+            <a:picLocks noChangeAspect="1"/>
+          </p:cNvPicPr>
+          <p:nvPr/>
+        </p:nvPicPr>
+        <p:blipFill rotWithShape="1">
+          <a:blip r:embed="rId3">
+            <a:extLst>
+              <a:ext uri="{28A0092B-C50C-407E-A947-70E740481C1C}">
+                <a14:useLocalDpi xmlns:a14="http://schemas.microsoft.com/office/drawing/2010/main" val="0"/>
+              </a:ext>
+            </a:extLst>
+          </a:blip>
+          <a:srcRect l="2342" t="-524" r="-2344" b="15523"/>
+          <a:stretch/>
+        </p:blipFill>
+        <p:spPr>
+          <a:xfrm>
+            <a:off x="8487604" y="11833"/>
+            <a:ext cx="1407456" cy="1407445"/>
+          </a:xfrm>
+          <a:prstGeom prst="rect">
+            <a:avLst/>
+          </a:prstGeom>
+          <a:ln>
+            <a:noFill/>
+          </a:ln>
+          <a:effectLst>
+            <a:outerShdw blurRad="292100" dist="139700" dir="2700000" algn="tl" rotWithShape="0">
+              <a:srgbClr val="333333">
+                <a:alpha val="65000"/>
+              </a:srgbClr>
+            </a:outerShdw>
+          </a:effectLst>
+        </p:spPr>
+      </p:pic>
+      <p:pic>
+        <p:nvPicPr>
+          <p:cNvPr id="9" name="Picture 8" descr="A picture containing factory, building, outdoor&#10;&#10;Description automatically generated">
+            <a:extLst>
+              <a:ext uri="{FF2B5EF4-FFF2-40B4-BE49-F238E27FC236}">
+                <a16:creationId xmlns:a16="http://schemas.microsoft.com/office/drawing/2014/main" id="{173910DD-3866-4ABB-81F1-0DA0A2BC5516}"/>
+              </a:ext>
+            </a:extLst>
+          </p:cNvPr>
+          <p:cNvPicPr>
+            <a:picLocks noChangeAspect="1"/>
+          </p:cNvPicPr>
+          <p:nvPr/>
+        </p:nvPicPr>
+        <p:blipFill>
+          <a:blip r:embed="rId4">
+            <a:extLst>
+              <a:ext uri="{28A0092B-C50C-407E-A947-70E740481C1C}">
+                <a14:useLocalDpi xmlns:a14="http://schemas.microsoft.com/office/drawing/2010/main" val="0"/>
+              </a:ext>
+            </a:extLst>
+          </a:blip>
+          <a:stretch>
+            <a:fillRect/>
+          </a:stretch>
+        </p:blipFill>
+        <p:spPr>
+          <a:xfrm>
+            <a:off x="7152352" y="1607811"/>
+            <a:ext cx="4077960" cy="2648571"/>
+          </a:xfrm>
+          <a:prstGeom prst="rect">
+            <a:avLst/>
+          </a:prstGeom>
+        </p:spPr>
+      </p:pic>
+      <p:pic>
+        <p:nvPicPr>
+          <p:cNvPr id="40" name="Picture 39">
+            <a:extLst>
+              <a:ext uri="{FF2B5EF4-FFF2-40B4-BE49-F238E27FC236}">
+                <a16:creationId xmlns:a16="http://schemas.microsoft.com/office/drawing/2014/main" id="{1D6C2464-D33F-4E39-B829-142DC9BCBA49}"/>
+              </a:ext>
+            </a:extLst>
+          </p:cNvPr>
+          <p:cNvPicPr>
+            <a:picLocks noChangeAspect="1"/>
+          </p:cNvPicPr>
+          <p:nvPr/>
+        </p:nvPicPr>
+        <p:blipFill>
+          <a:blip r:embed="rId5"/>
+          <a:srcRect l="1278" r="1278"/>
+          <a:stretch/>
+        </p:blipFill>
+        <p:spPr>
+          <a:xfrm>
+            <a:off x="7181220" y="4444916"/>
+            <a:ext cx="4077960" cy="2092444"/>
+          </a:xfrm>
+          <a:prstGeom prst="rect">
+            <a:avLst/>
+          </a:prstGeom>
+        </p:spPr>
+      </p:pic>
+      <p:pic>
+        <p:nvPicPr>
+          <p:cNvPr id="16" name="Picture 15" descr="A picture containing text, sign&#10;&#10;Description automatically generated">
+            <a:extLst>
+              <a:ext uri="{FF2B5EF4-FFF2-40B4-BE49-F238E27FC236}">
+                <a16:creationId xmlns:a16="http://schemas.microsoft.com/office/drawing/2014/main" id="{7475D4DD-E293-49C6-990D-6545288CE21F}"/>
+              </a:ext>
+            </a:extLst>
+          </p:cNvPr>
+          <p:cNvPicPr>
+            <a:picLocks noChangeAspect="1"/>
+          </p:cNvPicPr>
+          <p:nvPr/>
+        </p:nvPicPr>
+        <p:blipFill>
+          <a:blip r:embed="rId6">
+            <a:extLst>
+              <a:ext uri="{28A0092B-C50C-407E-A947-70E740481C1C}">
+                <a14:useLocalDpi xmlns:a14="http://schemas.microsoft.com/office/drawing/2010/main" val="0"/>
+              </a:ext>
+            </a:extLst>
+          </a:blip>
+          <a:stretch>
+            <a:fillRect/>
+          </a:stretch>
+        </p:blipFill>
+        <p:spPr>
+          <a:xfrm>
+            <a:off x="1582919" y="5046825"/>
+            <a:ext cx="1036631" cy="1036631"/>
+          </a:xfrm>
+          <a:prstGeom prst="rect">
+            <a:avLst/>
+          </a:prstGeom>
+        </p:spPr>
+      </p:pic>
+      <p:pic>
+        <p:nvPicPr>
+          <p:cNvPr id="23" name="Picture 22" descr="Icon&#10;&#10;Description automatically generated">
+            <a:extLst>
+              <a:ext uri="{FF2B5EF4-FFF2-40B4-BE49-F238E27FC236}">
+                <a16:creationId xmlns:a16="http://schemas.microsoft.com/office/drawing/2014/main" id="{7BA09598-7FC2-4610-8DF3-B97D6FE05C37}"/>
+              </a:ext>
+            </a:extLst>
+          </p:cNvPr>
+          <p:cNvPicPr>
+            <a:picLocks noChangeAspect="1"/>
+          </p:cNvPicPr>
+          <p:nvPr/>
+        </p:nvPicPr>
+        <p:blipFill>
+          <a:blip r:embed="rId7">
+            <a:extLst>
+              <a:ext uri="{BEBA8EAE-BF5A-486C-A8C5-ECC9F3942E4B}">
+                <a14:imgProps xmlns:a14="http://schemas.microsoft.com/office/drawing/2010/main">
+                  <a14:imgLayer r:embed="rId8">
+                    <a14:imgEffect>
+                      <a14:backgroundRemoval t="6137" b="89819" l="10000" r="90000">
+                        <a14:foregroundMark x1="53023" y1="9484" x2="53023" y2="9484"/>
+                        <a14:foregroundMark x1="47093" y1="6137" x2="47093" y2="6137"/>
+                        <a14:foregroundMark x1="47791" y1="6137" x2="47791" y2="6137"/>
+                        <a14:foregroundMark x1="47326" y1="6137" x2="47326" y2="6137"/>
+                        <a14:foregroundMark x1="84419" y1="37378" x2="84419" y2="37378"/>
+                        <a14:foregroundMark x1="77791" y1="37657" x2="77791" y2="37657"/>
+                        <a14:foregroundMark x1="74070" y1="33612" x2="80581" y2="54533"/>
+                        <a14:foregroundMark x1="80581" y1="54533" x2="78023" y2="54393"/>
+                        <a14:foregroundMark x1="74535" y1="42678" x2="74070" y2="41841"/>
+                        <a14:foregroundMark x1="39651" y1="59693" x2="41512" y2="81869"/>
+                        <a14:foregroundMark x1="41512" y1="81869" x2="52558" y2="85914"/>
+                      </a14:backgroundRemoval>
+                    </a14:imgEffect>
+                  </a14:imgLayer>
+                </a14:imgProps>
+              </a:ext>
+              <a:ext uri="{28A0092B-C50C-407E-A947-70E740481C1C}">
+                <a14:useLocalDpi xmlns:a14="http://schemas.microsoft.com/office/drawing/2010/main" val="0"/>
+              </a:ext>
+            </a:extLst>
+          </a:blip>
+          <a:stretch>
+            <a:fillRect/>
+          </a:stretch>
+        </p:blipFill>
+        <p:spPr>
+          <a:xfrm>
+            <a:off x="3701884" y="5079409"/>
+            <a:ext cx="1165212" cy="971461"/>
+          </a:xfrm>
+          <a:prstGeom prst="rect">
+            <a:avLst/>
+          </a:prstGeom>
+        </p:spPr>
+      </p:pic>
+      <p:pic>
+        <p:nvPicPr>
+          <p:cNvPr id="31" name="Picture 30">
+            <a:extLst>
+              <a:ext uri="{FF2B5EF4-FFF2-40B4-BE49-F238E27FC236}">
+                <a16:creationId xmlns:a16="http://schemas.microsoft.com/office/drawing/2014/main" id="{A8602401-D357-418D-BB44-57605105CD60}"/>
+              </a:ext>
+            </a:extLst>
+          </p:cNvPr>
+          <p:cNvPicPr>
+            <a:picLocks noChangeAspect="1"/>
+          </p:cNvPicPr>
+          <p:nvPr/>
+        </p:nvPicPr>
+        <p:blipFill>
+          <a:blip r:embed="rId9">
+            <a:extLst>
+              <a:ext uri="{28A0092B-C50C-407E-A947-70E740481C1C}">
+                <a14:useLocalDpi xmlns:a14="http://schemas.microsoft.com/office/drawing/2010/main" val="0"/>
+              </a:ext>
+            </a:extLst>
+          </a:blip>
+          <a:stretch>
+            <a:fillRect/>
+          </a:stretch>
+        </p:blipFill>
+        <p:spPr>
+          <a:xfrm>
+            <a:off x="2466468" y="4859273"/>
+            <a:ext cx="1411735" cy="1411735"/>
+          </a:xfrm>
+          <a:prstGeom prst="rect">
+            <a:avLst/>
+          </a:prstGeom>
+        </p:spPr>
+      </p:pic>
+    </p:spTree>
+    <p:extLst>
+      <p:ext uri="{BB962C8B-B14F-4D97-AF65-F5344CB8AC3E}">
+        <p14:creationId xmlns:p14="http://schemas.microsoft.com/office/powerpoint/2010/main" val="3614430457"/>
+      </p:ext>
+    </p:extLst>
+  </p:cSld>
+  <p:clrMapOvr>
+    <a:masterClrMapping/>
+  </p:clrMapOvr>
+</p:sld>
+</file>
+
+<file path=ppt/slides/slide3.xml><?xml version="1.0" encoding="utf-8"?>
 <p:sld xmlns:a="http://schemas.openxmlformats.org/drawingml/2006/main" xmlns:r="http://schemas.openxmlformats.org/officeDocument/2006/relationships" xmlns:p="http://schemas.openxmlformats.org/presentationml/2006/main">
   <p:cSld>
     <p:bg>
@@ -8079,1351 +10186,6 @@
           <a:lstStyle/>
           <a:p>
             <a:r>
-              <a:rPr lang="en-US"/>
-              <a:t>Nested For Loops</a:t>
-            </a:r>
-            <a:endParaRPr lang="en-US" dirty="0"/>
-          </a:p>
-        </p:txBody>
-      </p:sp>
-      <p:sp>
-        <p:nvSpPr>
-          <p:cNvPr id="26" name="TextBox 25">
-            <a:extLst>
-              <a:ext uri="{FF2B5EF4-FFF2-40B4-BE49-F238E27FC236}">
-                <a16:creationId xmlns:a16="http://schemas.microsoft.com/office/drawing/2014/main" id="{DE9DAED5-200A-4CC5-9401-DCF0B0447DFC}"/>
-              </a:ext>
-            </a:extLst>
-          </p:cNvPr>
-          <p:cNvSpPr txBox="1"/>
-          <p:nvPr/>
-        </p:nvSpPr>
-        <p:spPr>
-          <a:xfrm>
-            <a:off x="430349" y="1561491"/>
-            <a:ext cx="6489648" cy="3713261"/>
-          </a:xfrm>
-          <a:prstGeom prst="rect">
-            <a:avLst/>
-          </a:prstGeom>
-          <a:noFill/>
-        </p:spPr>
-        <p:txBody>
-          <a:bodyPr wrap="square">
-            <a:spAutoFit/>
-          </a:bodyPr>
-          <a:lstStyle/>
-          <a:p>
-            <a:pPr marL="228600" indent="-228600">
-              <a:lnSpc>
-                <a:spcPct val="110000"/>
-              </a:lnSpc>
-              <a:spcBef>
-                <a:spcPts val="1000"/>
-              </a:spcBef>
-              <a:buClr>
-                <a:schemeClr val="accent1"/>
-              </a:buClr>
-              <a:buFont typeface="Arial" panose="020B0604020202020204" pitchFamily="34" charset="0"/>
-              <a:buChar char="•"/>
-            </a:pPr>
-            <a:r>
-              <a:rPr lang="en-US" dirty="0"/>
-              <a:t>C++ 11 introduced the </a:t>
-            </a:r>
-            <a:r>
-              <a:rPr lang="en-US" dirty="0">
-                <a:solidFill>
-                  <a:srgbClr val="C00000"/>
-                </a:solidFill>
-              </a:rPr>
-              <a:t>auto</a:t>
-            </a:r>
-            <a:r>
-              <a:rPr lang="en-US" dirty="0"/>
-              <a:t> keyword</a:t>
-            </a:r>
-          </a:p>
-          <a:p>
-            <a:pPr marL="228600" indent="-228600">
-              <a:lnSpc>
-                <a:spcPct val="110000"/>
-              </a:lnSpc>
-              <a:spcBef>
-                <a:spcPts val="1000"/>
-              </a:spcBef>
-              <a:buClr>
-                <a:schemeClr val="accent1"/>
-              </a:buClr>
-              <a:buFont typeface="Arial" panose="020B0604020202020204" pitchFamily="34" charset="0"/>
-              <a:buChar char="•"/>
-            </a:pPr>
-            <a:r>
-              <a:rPr lang="en-US" dirty="0">
-                <a:solidFill>
-                  <a:srgbClr val="C00000"/>
-                </a:solidFill>
-              </a:rPr>
-              <a:t>auto</a:t>
-            </a:r>
-            <a:r>
-              <a:rPr lang="en-US" dirty="0"/>
-              <a:t> declares a variable whose type is deduced/inferred</a:t>
-            </a:r>
-          </a:p>
-          <a:p>
-            <a:pPr marL="228600" indent="-228600">
-              <a:lnSpc>
-                <a:spcPct val="110000"/>
-              </a:lnSpc>
-              <a:spcBef>
-                <a:spcPts val="1000"/>
-              </a:spcBef>
-              <a:buClr>
-                <a:schemeClr val="accent1"/>
-              </a:buClr>
-              <a:buFont typeface="Arial" panose="020B0604020202020204" pitchFamily="34" charset="0"/>
-              <a:buChar char="•"/>
-            </a:pPr>
-            <a:r>
-              <a:rPr lang="en-US" dirty="0">
-                <a:solidFill>
-                  <a:srgbClr val="C00000"/>
-                </a:solidFill>
-              </a:rPr>
-              <a:t>auto</a:t>
-            </a:r>
-            <a:r>
-              <a:rPr lang="en-US" dirty="0"/>
-              <a:t> n = 10 ; The variable n is of type </a:t>
-            </a:r>
-            <a:r>
-              <a:rPr lang="en-US" dirty="0">
-                <a:solidFill>
-                  <a:srgbClr val="C00000"/>
-                </a:solidFill>
-              </a:rPr>
-              <a:t>int</a:t>
-            </a:r>
-          </a:p>
-          <a:p>
-            <a:pPr marL="228600" indent="-228600">
-              <a:lnSpc>
-                <a:spcPct val="110000"/>
-              </a:lnSpc>
-              <a:spcBef>
-                <a:spcPts val="1000"/>
-              </a:spcBef>
-              <a:buClr>
-                <a:schemeClr val="accent1"/>
-              </a:buClr>
-              <a:buFont typeface="Arial" panose="020B0604020202020204" pitchFamily="34" charset="0"/>
-              <a:buChar char="•"/>
-            </a:pPr>
-            <a:r>
-              <a:rPr lang="en-US" dirty="0"/>
-              <a:t>Range-based for loops can use auto to deduce the type of the </a:t>
-            </a:r>
-            <a:r>
-              <a:rPr lang="en-US" i="1" dirty="0"/>
-              <a:t>element </a:t>
-            </a:r>
-            <a:r>
-              <a:rPr lang="en-US" dirty="0"/>
-              <a:t>inside of the range</a:t>
-            </a:r>
-            <a:endParaRPr lang="en-US" i="1" dirty="0"/>
-          </a:p>
-          <a:p>
-            <a:pPr marL="228600" indent="-228600">
-              <a:lnSpc>
-                <a:spcPct val="110000"/>
-              </a:lnSpc>
-              <a:spcBef>
-                <a:spcPts val="1000"/>
-              </a:spcBef>
-              <a:buClr>
-                <a:schemeClr val="accent1"/>
-              </a:buClr>
-              <a:buFont typeface="Arial" panose="020B0604020202020204" pitchFamily="34" charset="0"/>
-              <a:buChar char="•"/>
-            </a:pPr>
-            <a:r>
-              <a:rPr lang="en-US" dirty="0"/>
-              <a:t>This makes code less verbose</a:t>
-            </a:r>
-          </a:p>
-          <a:p>
-            <a:pPr marL="228600" indent="-228600">
-              <a:lnSpc>
-                <a:spcPct val="110000"/>
-              </a:lnSpc>
-              <a:spcBef>
-                <a:spcPts val="1000"/>
-              </a:spcBef>
-              <a:buClr>
-                <a:schemeClr val="accent1"/>
-              </a:buClr>
-              <a:buFont typeface="Arial" panose="020B0604020202020204" pitchFamily="34" charset="0"/>
-              <a:buChar char="•"/>
-            </a:pPr>
-            <a:endParaRPr lang="en-US" dirty="0"/>
-          </a:p>
-          <a:p>
-            <a:pPr marL="228600" indent="-228600">
-              <a:lnSpc>
-                <a:spcPct val="110000"/>
-              </a:lnSpc>
-              <a:spcBef>
-                <a:spcPts val="1000"/>
-              </a:spcBef>
-              <a:buClr>
-                <a:schemeClr val="accent1"/>
-              </a:buClr>
-              <a:buFont typeface="Arial" panose="020B0604020202020204" pitchFamily="34" charset="0"/>
-              <a:buChar char="•"/>
-            </a:pPr>
-            <a:endParaRPr lang="en-US" dirty="0"/>
-          </a:p>
-          <a:p>
-            <a:pPr marL="228600" indent="-228600">
-              <a:lnSpc>
-                <a:spcPct val="110000"/>
-              </a:lnSpc>
-              <a:spcBef>
-                <a:spcPts val="1000"/>
-              </a:spcBef>
-              <a:buClr>
-                <a:schemeClr val="accent1"/>
-              </a:buClr>
-              <a:buFont typeface="Arial" panose="020B0604020202020204" pitchFamily="34" charset="0"/>
-              <a:buChar char="•"/>
-            </a:pPr>
-            <a:endParaRPr lang="en-US" dirty="0"/>
-          </a:p>
-        </p:txBody>
-      </p:sp>
-    </p:spTree>
-    <p:extLst>
-      <p:ext uri="{BB962C8B-B14F-4D97-AF65-F5344CB8AC3E}">
-        <p14:creationId xmlns:p14="http://schemas.microsoft.com/office/powerpoint/2010/main" val="851372088"/>
-      </p:ext>
-    </p:extLst>
-  </p:cSld>
-  <p:clrMapOvr>
-    <a:masterClrMapping/>
-  </p:clrMapOvr>
-</p:sld>
-</file>
-
-<file path=ppt/slides/slide2.xml><?xml version="1.0" encoding="utf-8"?>
-<p:sld xmlns:a="http://schemas.openxmlformats.org/drawingml/2006/main" xmlns:r="http://schemas.openxmlformats.org/officeDocument/2006/relationships" xmlns:p="http://schemas.openxmlformats.org/presentationml/2006/main">
-  <p:cSld>
-    <p:bg>
-      <p:bgPr>
-        <a:solidFill>
-          <a:schemeClr val="bg1"/>
-        </a:solidFill>
-        <a:effectLst/>
-      </p:bgPr>
-    </p:bg>
-    <p:spTree>
-      <p:nvGrpSpPr>
-        <p:cNvPr id="1" name=""/>
-        <p:cNvGrpSpPr/>
-        <p:nvPr/>
-      </p:nvGrpSpPr>
-      <p:grpSpPr>
-        <a:xfrm>
-          <a:off x="0" y="0"/>
-          <a:ext cx="0" cy="0"/>
-          <a:chOff x="0" y="0"/>
-          <a:chExt cx="0" cy="0"/>
-        </a:xfrm>
-      </p:grpSpPr>
-      <p:sp useBgFill="1">
-        <p:nvSpPr>
-          <p:cNvPr id="57" name="Rectangle 56">
-            <a:extLst>
-              <a:ext uri="{FF2B5EF4-FFF2-40B4-BE49-F238E27FC236}">
-                <a16:creationId xmlns:a16="http://schemas.microsoft.com/office/drawing/2014/main" id="{8651CFA9-6065-4243-AC48-858E359780B1}"/>
-              </a:ext>
-              <a:ext uri="{C183D7F6-B498-43B3-948B-1728B52AA6E4}">
-                <adec:decorative xmlns:adec="http://schemas.microsoft.com/office/drawing/2017/decorative" val="1"/>
-              </a:ext>
-            </a:extLst>
-          </p:cNvPr>
-          <p:cNvSpPr>
-            <a:spLocks noGrp="1" noRot="1" noChangeAspect="1" noMove="1" noResize="1" noEditPoints="1" noAdjustHandles="1" noChangeArrowheads="1" noChangeShapeType="1" noTextEdit="1"/>
-          </p:cNvSpPr>
-          <p:nvPr>
-            <p:extLst>
-              <p:ext uri="{386F3935-93C4-4BCD-93E2-E3B085C9AB24}">
-                <p16:designElem xmlns:p16="http://schemas.microsoft.com/office/powerpoint/2015/main" val="1"/>
-              </p:ext>
-            </p:extLst>
-          </p:nvPr>
-        </p:nvSpPr>
-        <p:spPr>
-          <a:xfrm>
-            <a:off x="0" y="0"/>
-            <a:ext cx="12188952" cy="6858000"/>
-          </a:xfrm>
-          <a:prstGeom prst="rect">
-            <a:avLst/>
-          </a:prstGeom>
-          <a:ln>
-            <a:noFill/>
-          </a:ln>
-        </p:spPr>
-        <p:style>
-          <a:lnRef idx="2">
-            <a:schemeClr val="accent1">
-              <a:shade val="50000"/>
-            </a:schemeClr>
-          </a:lnRef>
-          <a:fillRef idx="1">
-            <a:schemeClr val="accent1"/>
-          </a:fillRef>
-          <a:effectRef idx="0">
-            <a:schemeClr val="accent1"/>
-          </a:effectRef>
-          <a:fontRef idx="minor">
-            <a:schemeClr val="lt1"/>
-          </a:fontRef>
-        </p:style>
-        <p:txBody>
-          <a:bodyPr rtlCol="0" anchor="ctr"/>
-          <a:lstStyle/>
-          <a:p>
-            <a:pPr algn="ctr"/>
-            <a:endParaRPr lang="en-US" dirty="0">
-              <a:solidFill>
-                <a:schemeClr val="tx1">
-                  <a:lumMod val="65000"/>
-                  <a:lumOff val="35000"/>
-                </a:schemeClr>
-              </a:solidFill>
-              <a:latin typeface="AvenirNext LT Pro Medium" panose="020B0504020202020204" pitchFamily="34" charset="0"/>
-            </a:endParaRPr>
-          </a:p>
-        </p:txBody>
-      </p:sp>
-      <p:sp>
-        <p:nvSpPr>
-          <p:cNvPr id="59" name="Rectangle 58">
-            <a:extLst>
-              <a:ext uri="{FF2B5EF4-FFF2-40B4-BE49-F238E27FC236}">
-                <a16:creationId xmlns:a16="http://schemas.microsoft.com/office/drawing/2014/main" id="{FBC8BBE5-981E-4B0B-9654-32B5668BFF31}"/>
-              </a:ext>
-              <a:ext uri="{C183D7F6-B498-43B3-948B-1728B52AA6E4}">
-                <adec:decorative xmlns:adec="http://schemas.microsoft.com/office/drawing/2017/decorative" val="1"/>
-              </a:ext>
-            </a:extLst>
-          </p:cNvPr>
-          <p:cNvSpPr>
-            <a:spLocks noGrp="1" noRot="1" noChangeAspect="1" noMove="1" noResize="1" noEditPoints="1" noAdjustHandles="1" noChangeArrowheads="1" noChangeShapeType="1" noTextEdit="1"/>
-          </p:cNvSpPr>
-          <p:nvPr>
-            <p:extLst>
-              <p:ext uri="{386F3935-93C4-4BCD-93E2-E3B085C9AB24}">
-                <p16:designElem xmlns:p16="http://schemas.microsoft.com/office/powerpoint/2015/main" val="1"/>
-              </p:ext>
-            </p:extLst>
-          </p:nvPr>
-        </p:nvSpPr>
-        <p:spPr>
-          <a:xfrm>
-            <a:off x="3048" y="0"/>
-            <a:ext cx="12188952" cy="6858000"/>
-          </a:xfrm>
-          <a:prstGeom prst="rect">
-            <a:avLst/>
-          </a:prstGeom>
-          <a:solidFill>
-            <a:schemeClr val="bg2">
-              <a:alpha val="70000"/>
-            </a:schemeClr>
-          </a:solidFill>
-          <a:ln>
-            <a:noFill/>
-          </a:ln>
-        </p:spPr>
-        <p:style>
-          <a:lnRef idx="2">
-            <a:schemeClr val="accent1">
-              <a:shade val="50000"/>
-            </a:schemeClr>
-          </a:lnRef>
-          <a:fillRef idx="1">
-            <a:schemeClr val="accent1"/>
-          </a:fillRef>
-          <a:effectRef idx="0">
-            <a:schemeClr val="accent1"/>
-          </a:effectRef>
-          <a:fontRef idx="minor">
-            <a:schemeClr val="lt1"/>
-          </a:fontRef>
-        </p:style>
-        <p:txBody>
-          <a:bodyPr rtlCol="0" anchor="ctr"/>
-          <a:lstStyle/>
-          <a:p>
-            <a:pPr algn="ctr"/>
-            <a:endParaRPr lang="en-US">
-              <a:solidFill>
-                <a:schemeClr val="tx1">
-                  <a:lumMod val="65000"/>
-                  <a:lumOff val="35000"/>
-                </a:schemeClr>
-              </a:solidFill>
-              <a:latin typeface="AvenirNext LT Pro Medium" panose="020B0504020202020204" pitchFamily="34" charset="0"/>
-            </a:endParaRPr>
-          </a:p>
-        </p:txBody>
-      </p:sp>
-      <p:sp>
-        <p:nvSpPr>
-          <p:cNvPr id="2" name="Title 1">
-            <a:extLst>
-              <a:ext uri="{FF2B5EF4-FFF2-40B4-BE49-F238E27FC236}">
-                <a16:creationId xmlns:a16="http://schemas.microsoft.com/office/drawing/2014/main" id="{7C17F303-584A-48C6-8A80-7B3A2B2AA754}"/>
-              </a:ext>
-            </a:extLst>
-          </p:cNvPr>
-          <p:cNvSpPr>
-            <a:spLocks noGrp="1"/>
-          </p:cNvSpPr>
-          <p:nvPr>
-            <p:ph type="title"/>
-          </p:nvPr>
-        </p:nvSpPr>
-        <p:spPr>
-          <a:xfrm>
-            <a:off x="733365" y="74462"/>
-            <a:ext cx="4953000" cy="1664573"/>
-          </a:xfrm>
-        </p:spPr>
-        <p:txBody>
-          <a:bodyPr>
-            <a:normAutofit/>
-          </a:bodyPr>
-          <a:lstStyle/>
-          <a:p>
-            <a:r>
-              <a:rPr lang="en-US" dirty="0">
-                <a:solidFill>
-                  <a:schemeClr val="tx2"/>
-                </a:solidFill>
-              </a:rPr>
-              <a:t>About Me</a:t>
-            </a:r>
-          </a:p>
-        </p:txBody>
-      </p:sp>
-      <p:sp>
-        <p:nvSpPr>
-          <p:cNvPr id="6" name="Content Placeholder 5">
-            <a:extLst>
-              <a:ext uri="{FF2B5EF4-FFF2-40B4-BE49-F238E27FC236}">
-                <a16:creationId xmlns:a16="http://schemas.microsoft.com/office/drawing/2014/main" id="{2B36B8F5-3AAF-47B5-8B3B-140B9E8C8BD1}"/>
-              </a:ext>
-            </a:extLst>
-          </p:cNvPr>
-          <p:cNvSpPr>
-            <a:spLocks noGrp="1"/>
-          </p:cNvSpPr>
-          <p:nvPr>
-            <p:ph idx="1"/>
-          </p:nvPr>
-        </p:nvSpPr>
-        <p:spPr>
-          <a:xfrm>
-            <a:off x="494175" y="1926587"/>
-            <a:ext cx="5302249" cy="3288340"/>
-          </a:xfrm>
-        </p:spPr>
-        <p:txBody>
-          <a:bodyPr>
-            <a:normAutofit/>
-          </a:bodyPr>
-          <a:lstStyle/>
-          <a:p>
-            <a:r>
-              <a:rPr lang="en-US" sz="1800" dirty="0">
-                <a:solidFill>
-                  <a:schemeClr val="tx2"/>
-                </a:solidFill>
-              </a:rPr>
-              <a:t>Chemical Engineering and Computer Science @ Brigham Young University</a:t>
-            </a:r>
-          </a:p>
-          <a:p>
-            <a:r>
-              <a:rPr lang="en-US" sz="1800" dirty="0">
-                <a:solidFill>
-                  <a:schemeClr val="tx2"/>
-                </a:solidFill>
-              </a:rPr>
-              <a:t>3 years as a control systems engineer @ Valero</a:t>
-            </a:r>
-          </a:p>
-          <a:p>
-            <a:r>
-              <a:rPr lang="en-US" sz="1800" dirty="0">
-                <a:solidFill>
-                  <a:schemeClr val="tx2"/>
-                </a:solidFill>
-              </a:rPr>
-              <a:t>5</a:t>
-            </a:r>
-            <a:r>
-              <a:rPr lang="en-US" sz="1800" baseline="30000" dirty="0">
-                <a:solidFill>
-                  <a:schemeClr val="tx2"/>
-                </a:solidFill>
-              </a:rPr>
-              <a:t>th</a:t>
-            </a:r>
-            <a:r>
-              <a:rPr lang="en-US" sz="1800" dirty="0">
-                <a:solidFill>
-                  <a:schemeClr val="tx2"/>
-                </a:solidFill>
-              </a:rPr>
-              <a:t> Year PhD Robotics @ University of Michigan</a:t>
-            </a:r>
-          </a:p>
-          <a:p>
-            <a:r>
-              <a:rPr lang="en-US" sz="1800" dirty="0">
-                <a:solidFill>
-                  <a:schemeClr val="tx2"/>
-                </a:solidFill>
-              </a:rPr>
-              <a:t>Research focused on urgent landing for Unmanned Aerial Vehicles</a:t>
-            </a:r>
-          </a:p>
-          <a:p>
-            <a:r>
-              <a:rPr lang="en-US" sz="1800" dirty="0">
-                <a:solidFill>
-                  <a:schemeClr val="tx2"/>
-                </a:solidFill>
-              </a:rPr>
-              <a:t>Love C++ and Python!</a:t>
-            </a:r>
-          </a:p>
-        </p:txBody>
-      </p:sp>
-      <p:sp>
-        <p:nvSpPr>
-          <p:cNvPr id="61" name="Rectangle 60">
-            <a:extLst>
-              <a:ext uri="{FF2B5EF4-FFF2-40B4-BE49-F238E27FC236}">
-                <a16:creationId xmlns:a16="http://schemas.microsoft.com/office/drawing/2014/main" id="{094C9708-F6A4-4956-B261-A4A2C4DFEBF7}"/>
-              </a:ext>
-              <a:ext uri="{C183D7F6-B498-43B3-948B-1728B52AA6E4}">
-                <adec:decorative xmlns:adec="http://schemas.microsoft.com/office/drawing/2017/decorative" val="1"/>
-              </a:ext>
-            </a:extLst>
-          </p:cNvPr>
-          <p:cNvSpPr>
-            <a:spLocks noGrp="1" noRot="1" noChangeAspect="1" noMove="1" noResize="1" noEditPoints="1" noAdjustHandles="1" noChangeArrowheads="1" noChangeShapeType="1" noTextEdit="1"/>
-          </p:cNvSpPr>
-          <p:nvPr>
-            <p:extLst>
-              <p:ext uri="{386F3935-93C4-4BCD-93E2-E3B085C9AB24}">
-                <p16:designElem xmlns:p16="http://schemas.microsoft.com/office/powerpoint/2015/main" val="1"/>
-              </p:ext>
-            </p:extLst>
-          </p:nvPr>
-        </p:nvSpPr>
-        <p:spPr>
-          <a:xfrm>
-            <a:off x="6248400" y="0"/>
-            <a:ext cx="5943600" cy="6858000"/>
-          </a:xfrm>
-          <a:prstGeom prst="rect">
-            <a:avLst/>
-          </a:prstGeom>
-          <a:solidFill>
-            <a:schemeClr val="bg2">
-              <a:alpha val="60000"/>
-            </a:schemeClr>
-          </a:solidFill>
-          <a:ln>
-            <a:noFill/>
-          </a:ln>
-        </p:spPr>
-        <p:style>
-          <a:lnRef idx="2">
-            <a:schemeClr val="accent1">
-              <a:shade val="50000"/>
-            </a:schemeClr>
-          </a:lnRef>
-          <a:fillRef idx="1">
-            <a:schemeClr val="accent1"/>
-          </a:fillRef>
-          <a:effectRef idx="0">
-            <a:schemeClr val="accent1"/>
-          </a:effectRef>
-          <a:fontRef idx="minor">
-            <a:schemeClr val="lt1"/>
-          </a:fontRef>
-        </p:style>
-        <p:txBody>
-          <a:bodyPr rtlCol="0" anchor="ctr"/>
-          <a:lstStyle/>
-          <a:p>
-            <a:pPr algn="ctr"/>
-            <a:endParaRPr lang="en-US" dirty="0">
-              <a:solidFill>
-                <a:schemeClr val="tx1">
-                  <a:lumMod val="65000"/>
-                  <a:lumOff val="35000"/>
-                </a:schemeClr>
-              </a:solidFill>
-              <a:latin typeface="AvenirNext LT Pro Medium" panose="020B0504020202020204" pitchFamily="34" charset="0"/>
-            </a:endParaRPr>
-          </a:p>
-        </p:txBody>
-      </p:sp>
-      <p:sp>
-        <p:nvSpPr>
-          <p:cNvPr id="63" name="Rectangle 62">
-            <a:extLst>
-              <a:ext uri="{FF2B5EF4-FFF2-40B4-BE49-F238E27FC236}">
-                <a16:creationId xmlns:a16="http://schemas.microsoft.com/office/drawing/2014/main" id="{592DB257-3E16-4A3C-9E28-4682828127AD}"/>
-              </a:ext>
-              <a:ext uri="{C183D7F6-B498-43B3-948B-1728B52AA6E4}">
-                <adec:decorative xmlns:adec="http://schemas.microsoft.com/office/drawing/2017/decorative" val="1"/>
-              </a:ext>
-            </a:extLst>
-          </p:cNvPr>
-          <p:cNvSpPr>
-            <a:spLocks noGrp="1" noRot="1" noChangeAspect="1" noMove="1" noResize="1" noEditPoints="1" noAdjustHandles="1" noChangeArrowheads="1" noChangeShapeType="1" noTextEdit="1"/>
-          </p:cNvSpPr>
-          <p:nvPr>
-            <p:extLst>
-              <p:ext uri="{386F3935-93C4-4BCD-93E2-E3B085C9AB24}">
-                <p16:designElem xmlns:p16="http://schemas.microsoft.com/office/powerpoint/2015/main" val="1"/>
-              </p:ext>
-            </p:extLst>
-          </p:nvPr>
-        </p:nvSpPr>
-        <p:spPr>
-          <a:xfrm>
-            <a:off x="6190666" y="0"/>
-            <a:ext cx="6001333" cy="6858000"/>
-          </a:xfrm>
-          <a:prstGeom prst="rect">
-            <a:avLst/>
-          </a:prstGeom>
-          <a:solidFill>
-            <a:schemeClr val="tx2">
-              <a:lumMod val="90000"/>
-              <a:lumOff val="10000"/>
-            </a:schemeClr>
-          </a:solidFill>
-          <a:ln>
-            <a:noFill/>
-          </a:ln>
-        </p:spPr>
-        <p:style>
-          <a:lnRef idx="2">
-            <a:schemeClr val="accent1">
-              <a:shade val="50000"/>
-            </a:schemeClr>
-          </a:lnRef>
-          <a:fillRef idx="1">
-            <a:schemeClr val="accent1"/>
-          </a:fillRef>
-          <a:effectRef idx="0">
-            <a:schemeClr val="accent1"/>
-          </a:effectRef>
-          <a:fontRef idx="minor">
-            <a:schemeClr val="lt1"/>
-          </a:fontRef>
-        </p:style>
-        <p:txBody>
-          <a:bodyPr rtlCol="0" anchor="ctr"/>
-          <a:lstStyle/>
-          <a:p>
-            <a:pPr algn="ctr"/>
-            <a:endParaRPr lang="en-US" dirty="0">
-              <a:solidFill>
-                <a:schemeClr val="tx1">
-                  <a:lumMod val="65000"/>
-                  <a:lumOff val="35000"/>
-                </a:schemeClr>
-              </a:solidFill>
-              <a:latin typeface="AvenirNext LT Pro Medium" panose="020B0504020202020204" pitchFamily="34" charset="0"/>
-            </a:endParaRPr>
-          </a:p>
-        </p:txBody>
-      </p:sp>
-      <p:sp>
-        <p:nvSpPr>
-          <p:cNvPr id="65" name="Rectangle 64">
-            <a:extLst>
-              <a:ext uri="{FF2B5EF4-FFF2-40B4-BE49-F238E27FC236}">
-                <a16:creationId xmlns:a16="http://schemas.microsoft.com/office/drawing/2014/main" id="{487685E6-1160-459B-8C70-301404C06C23}"/>
-              </a:ext>
-              <a:ext uri="{C183D7F6-B498-43B3-948B-1728B52AA6E4}">
-                <adec:decorative xmlns:adec="http://schemas.microsoft.com/office/drawing/2017/decorative" val="1"/>
-              </a:ext>
-            </a:extLst>
-          </p:cNvPr>
-          <p:cNvSpPr>
-            <a:spLocks noGrp="1" noRot="1" noChangeAspect="1" noMove="1" noResize="1" noEditPoints="1" noAdjustHandles="1" noChangeArrowheads="1" noChangeShapeType="1" noTextEdit="1"/>
-          </p:cNvSpPr>
-          <p:nvPr>
-            <p:extLst>
-              <p:ext uri="{386F3935-93C4-4BCD-93E2-E3B085C9AB24}">
-                <p16:designElem xmlns:p16="http://schemas.microsoft.com/office/powerpoint/2015/main" val="1"/>
-              </p:ext>
-            </p:extLst>
-          </p:nvPr>
-        </p:nvSpPr>
-        <p:spPr>
-          <a:xfrm rot="10800000">
-            <a:off x="6196875" y="0"/>
-            <a:ext cx="5992075" cy="6858000"/>
-          </a:xfrm>
-          <a:prstGeom prst="rect">
-            <a:avLst/>
-          </a:prstGeom>
-          <a:blipFill dpi="0" rotWithShape="1">
-            <a:blip r:embed="rId2">
-              <a:alphaModFix amt="20000"/>
-              <a:duotone>
-                <a:schemeClr val="accent1">
-                  <a:shade val="45000"/>
-                  <a:satMod val="135000"/>
-                </a:schemeClr>
-                <a:prstClr val="white"/>
-              </a:duotone>
-            </a:blip>
-            <a:srcRect/>
-            <a:tile tx="889000" ty="0" sx="100000" sy="100000" flip="none" algn="tl"/>
-          </a:blipFill>
-          <a:ln>
-            <a:noFill/>
-          </a:ln>
-        </p:spPr>
-        <p:style>
-          <a:lnRef idx="2">
-            <a:schemeClr val="accent1">
-              <a:shade val="50000"/>
-            </a:schemeClr>
-          </a:lnRef>
-          <a:fillRef idx="1">
-            <a:schemeClr val="accent1"/>
-          </a:fillRef>
-          <a:effectRef idx="0">
-            <a:schemeClr val="accent1"/>
-          </a:effectRef>
-          <a:fontRef idx="minor">
-            <a:schemeClr val="lt1"/>
-          </a:fontRef>
-        </p:style>
-        <p:txBody>
-          <a:bodyPr rtlCol="0" anchor="ctr"/>
-          <a:lstStyle/>
-          <a:p>
-            <a:pPr algn="ctr"/>
-            <a:endParaRPr lang="en-US" dirty="0"/>
-          </a:p>
-        </p:txBody>
-      </p:sp>
-      <p:pic>
-        <p:nvPicPr>
-          <p:cNvPr id="33" name="Picture 32">
-            <a:extLst>
-              <a:ext uri="{FF2B5EF4-FFF2-40B4-BE49-F238E27FC236}">
-                <a16:creationId xmlns:a16="http://schemas.microsoft.com/office/drawing/2014/main" id="{D34A1EC5-55A0-4A91-BEA9-C591429D6056}"/>
-              </a:ext>
-            </a:extLst>
-          </p:cNvPr>
-          <p:cNvPicPr>
-            <a:picLocks noChangeAspect="1"/>
-          </p:cNvPicPr>
-          <p:nvPr/>
-        </p:nvPicPr>
-        <p:blipFill rotWithShape="1">
-          <a:blip r:embed="rId3">
-            <a:extLst>
-              <a:ext uri="{28A0092B-C50C-407E-A947-70E740481C1C}">
-                <a14:useLocalDpi xmlns:a14="http://schemas.microsoft.com/office/drawing/2010/main" val="0"/>
-              </a:ext>
-            </a:extLst>
-          </a:blip>
-          <a:srcRect l="2342" t="-524" r="-2344" b="15523"/>
-          <a:stretch/>
-        </p:blipFill>
-        <p:spPr>
-          <a:xfrm>
-            <a:off x="8487604" y="11833"/>
-            <a:ext cx="1407456" cy="1407445"/>
-          </a:xfrm>
-          <a:prstGeom prst="rect">
-            <a:avLst/>
-          </a:prstGeom>
-          <a:ln>
-            <a:noFill/>
-          </a:ln>
-          <a:effectLst>
-            <a:outerShdw blurRad="292100" dist="139700" dir="2700000" algn="tl" rotWithShape="0">
-              <a:srgbClr val="333333">
-                <a:alpha val="65000"/>
-              </a:srgbClr>
-            </a:outerShdw>
-          </a:effectLst>
-        </p:spPr>
-      </p:pic>
-      <p:pic>
-        <p:nvPicPr>
-          <p:cNvPr id="9" name="Picture 8" descr="A picture containing factory, building, outdoor&#10;&#10;Description automatically generated">
-            <a:extLst>
-              <a:ext uri="{FF2B5EF4-FFF2-40B4-BE49-F238E27FC236}">
-                <a16:creationId xmlns:a16="http://schemas.microsoft.com/office/drawing/2014/main" id="{173910DD-3866-4ABB-81F1-0DA0A2BC5516}"/>
-              </a:ext>
-            </a:extLst>
-          </p:cNvPr>
-          <p:cNvPicPr>
-            <a:picLocks noChangeAspect="1"/>
-          </p:cNvPicPr>
-          <p:nvPr/>
-        </p:nvPicPr>
-        <p:blipFill>
-          <a:blip r:embed="rId4">
-            <a:extLst>
-              <a:ext uri="{28A0092B-C50C-407E-A947-70E740481C1C}">
-                <a14:useLocalDpi xmlns:a14="http://schemas.microsoft.com/office/drawing/2010/main" val="0"/>
-              </a:ext>
-            </a:extLst>
-          </a:blip>
-          <a:stretch>
-            <a:fillRect/>
-          </a:stretch>
-        </p:blipFill>
-        <p:spPr>
-          <a:xfrm>
-            <a:off x="7152352" y="1607811"/>
-            <a:ext cx="4077960" cy="2648571"/>
-          </a:xfrm>
-          <a:prstGeom prst="rect">
-            <a:avLst/>
-          </a:prstGeom>
-        </p:spPr>
-      </p:pic>
-      <p:pic>
-        <p:nvPicPr>
-          <p:cNvPr id="40" name="Picture 39">
-            <a:extLst>
-              <a:ext uri="{FF2B5EF4-FFF2-40B4-BE49-F238E27FC236}">
-                <a16:creationId xmlns:a16="http://schemas.microsoft.com/office/drawing/2014/main" id="{1D6C2464-D33F-4E39-B829-142DC9BCBA49}"/>
-              </a:ext>
-            </a:extLst>
-          </p:cNvPr>
-          <p:cNvPicPr>
-            <a:picLocks noChangeAspect="1"/>
-          </p:cNvPicPr>
-          <p:nvPr/>
-        </p:nvPicPr>
-        <p:blipFill>
-          <a:blip r:embed="rId5"/>
-          <a:srcRect l="1278" r="1278"/>
-          <a:stretch/>
-        </p:blipFill>
-        <p:spPr>
-          <a:xfrm>
-            <a:off x="7181220" y="4444916"/>
-            <a:ext cx="4077960" cy="2092444"/>
-          </a:xfrm>
-          <a:prstGeom prst="rect">
-            <a:avLst/>
-          </a:prstGeom>
-        </p:spPr>
-      </p:pic>
-      <p:pic>
-        <p:nvPicPr>
-          <p:cNvPr id="16" name="Picture 15" descr="A picture containing text, sign&#10;&#10;Description automatically generated">
-            <a:extLst>
-              <a:ext uri="{FF2B5EF4-FFF2-40B4-BE49-F238E27FC236}">
-                <a16:creationId xmlns:a16="http://schemas.microsoft.com/office/drawing/2014/main" id="{7475D4DD-E293-49C6-990D-6545288CE21F}"/>
-              </a:ext>
-            </a:extLst>
-          </p:cNvPr>
-          <p:cNvPicPr>
-            <a:picLocks noChangeAspect="1"/>
-          </p:cNvPicPr>
-          <p:nvPr/>
-        </p:nvPicPr>
-        <p:blipFill>
-          <a:blip r:embed="rId6">
-            <a:extLst>
-              <a:ext uri="{28A0092B-C50C-407E-A947-70E740481C1C}">
-                <a14:useLocalDpi xmlns:a14="http://schemas.microsoft.com/office/drawing/2010/main" val="0"/>
-              </a:ext>
-            </a:extLst>
-          </a:blip>
-          <a:stretch>
-            <a:fillRect/>
-          </a:stretch>
-        </p:blipFill>
-        <p:spPr>
-          <a:xfrm>
-            <a:off x="1582919" y="5046825"/>
-            <a:ext cx="1036631" cy="1036631"/>
-          </a:xfrm>
-          <a:prstGeom prst="rect">
-            <a:avLst/>
-          </a:prstGeom>
-        </p:spPr>
-      </p:pic>
-      <p:pic>
-        <p:nvPicPr>
-          <p:cNvPr id="23" name="Picture 22" descr="Icon&#10;&#10;Description automatically generated">
-            <a:extLst>
-              <a:ext uri="{FF2B5EF4-FFF2-40B4-BE49-F238E27FC236}">
-                <a16:creationId xmlns:a16="http://schemas.microsoft.com/office/drawing/2014/main" id="{7BA09598-7FC2-4610-8DF3-B97D6FE05C37}"/>
-              </a:ext>
-            </a:extLst>
-          </p:cNvPr>
-          <p:cNvPicPr>
-            <a:picLocks noChangeAspect="1"/>
-          </p:cNvPicPr>
-          <p:nvPr/>
-        </p:nvPicPr>
-        <p:blipFill>
-          <a:blip r:embed="rId7">
-            <a:extLst>
-              <a:ext uri="{BEBA8EAE-BF5A-486C-A8C5-ECC9F3942E4B}">
-                <a14:imgProps xmlns:a14="http://schemas.microsoft.com/office/drawing/2010/main">
-                  <a14:imgLayer r:embed="rId8">
-                    <a14:imgEffect>
-                      <a14:backgroundRemoval t="6137" b="89819" l="10000" r="90000">
-                        <a14:foregroundMark x1="53023" y1="9484" x2="53023" y2="9484"/>
-                        <a14:foregroundMark x1="47093" y1="6137" x2="47093" y2="6137"/>
-                        <a14:foregroundMark x1="47791" y1="6137" x2="47791" y2="6137"/>
-                        <a14:foregroundMark x1="47326" y1="6137" x2="47326" y2="6137"/>
-                        <a14:foregroundMark x1="84419" y1="37378" x2="84419" y2="37378"/>
-                        <a14:foregroundMark x1="77791" y1="37657" x2="77791" y2="37657"/>
-                        <a14:foregroundMark x1="74070" y1="33612" x2="80581" y2="54533"/>
-                        <a14:foregroundMark x1="80581" y1="54533" x2="78023" y2="54393"/>
-                        <a14:foregroundMark x1="74535" y1="42678" x2="74070" y2="41841"/>
-                        <a14:foregroundMark x1="39651" y1="59693" x2="41512" y2="81869"/>
-                        <a14:foregroundMark x1="41512" y1="81869" x2="52558" y2="85914"/>
-                      </a14:backgroundRemoval>
-                    </a14:imgEffect>
-                  </a14:imgLayer>
-                </a14:imgProps>
-              </a:ext>
-              <a:ext uri="{28A0092B-C50C-407E-A947-70E740481C1C}">
-                <a14:useLocalDpi xmlns:a14="http://schemas.microsoft.com/office/drawing/2010/main" val="0"/>
-              </a:ext>
-            </a:extLst>
-          </a:blip>
-          <a:stretch>
-            <a:fillRect/>
-          </a:stretch>
-        </p:blipFill>
-        <p:spPr>
-          <a:xfrm>
-            <a:off x="3701884" y="5079409"/>
-            <a:ext cx="1165212" cy="971461"/>
-          </a:xfrm>
-          <a:prstGeom prst="rect">
-            <a:avLst/>
-          </a:prstGeom>
-        </p:spPr>
-      </p:pic>
-      <p:pic>
-        <p:nvPicPr>
-          <p:cNvPr id="31" name="Picture 30">
-            <a:extLst>
-              <a:ext uri="{FF2B5EF4-FFF2-40B4-BE49-F238E27FC236}">
-                <a16:creationId xmlns:a16="http://schemas.microsoft.com/office/drawing/2014/main" id="{A8602401-D357-418D-BB44-57605105CD60}"/>
-              </a:ext>
-            </a:extLst>
-          </p:cNvPr>
-          <p:cNvPicPr>
-            <a:picLocks noChangeAspect="1"/>
-          </p:cNvPicPr>
-          <p:nvPr/>
-        </p:nvPicPr>
-        <p:blipFill>
-          <a:blip r:embed="rId9">
-            <a:extLst>
-              <a:ext uri="{28A0092B-C50C-407E-A947-70E740481C1C}">
-                <a14:useLocalDpi xmlns:a14="http://schemas.microsoft.com/office/drawing/2010/main" val="0"/>
-              </a:ext>
-            </a:extLst>
-          </a:blip>
-          <a:stretch>
-            <a:fillRect/>
-          </a:stretch>
-        </p:blipFill>
-        <p:spPr>
-          <a:xfrm>
-            <a:off x="2466468" y="4859273"/>
-            <a:ext cx="1411735" cy="1411735"/>
-          </a:xfrm>
-          <a:prstGeom prst="rect">
-            <a:avLst/>
-          </a:prstGeom>
-        </p:spPr>
-      </p:pic>
-    </p:spTree>
-    <p:extLst>
-      <p:ext uri="{BB962C8B-B14F-4D97-AF65-F5344CB8AC3E}">
-        <p14:creationId xmlns:p14="http://schemas.microsoft.com/office/powerpoint/2010/main" val="3614430457"/>
-      </p:ext>
-    </p:extLst>
-  </p:cSld>
-  <p:clrMapOvr>
-    <a:masterClrMapping/>
-  </p:clrMapOvr>
-</p:sld>
-</file>
-
-<file path=ppt/slides/slide3.xml><?xml version="1.0" encoding="utf-8"?>
-<p:sld xmlns:a="http://schemas.openxmlformats.org/drawingml/2006/main" xmlns:r="http://schemas.openxmlformats.org/officeDocument/2006/relationships" xmlns:p="http://schemas.openxmlformats.org/presentationml/2006/main">
-  <p:cSld>
-    <p:bg>
-      <p:bgPr>
-        <a:solidFill>
-          <a:schemeClr val="bg1"/>
-        </a:solidFill>
-        <a:effectLst/>
-      </p:bgPr>
-    </p:bg>
-    <p:spTree>
-      <p:nvGrpSpPr>
-        <p:cNvPr id="1" name=""/>
-        <p:cNvGrpSpPr/>
-        <p:nvPr/>
-      </p:nvGrpSpPr>
-      <p:grpSpPr>
-        <a:xfrm>
-          <a:off x="0" y="0"/>
-          <a:ext cx="0" cy="0"/>
-          <a:chOff x="0" y="0"/>
-          <a:chExt cx="0" cy="0"/>
-        </a:xfrm>
-      </p:grpSpPr>
-      <p:sp useBgFill="1">
-        <p:nvSpPr>
-          <p:cNvPr id="27" name="Rectangle 18">
-            <a:extLst>
-              <a:ext uri="{FF2B5EF4-FFF2-40B4-BE49-F238E27FC236}">
-                <a16:creationId xmlns:a16="http://schemas.microsoft.com/office/drawing/2014/main" id="{8651CFA9-6065-4243-AC48-858E359780B1}"/>
-              </a:ext>
-              <a:ext uri="{C183D7F6-B498-43B3-948B-1728B52AA6E4}">
-                <adec:decorative xmlns:adec="http://schemas.microsoft.com/office/drawing/2017/decorative" val="1"/>
-              </a:ext>
-            </a:extLst>
-          </p:cNvPr>
-          <p:cNvSpPr>
-            <a:spLocks noGrp="1" noRot="1" noChangeAspect="1" noMove="1" noResize="1" noEditPoints="1" noAdjustHandles="1" noChangeArrowheads="1" noChangeShapeType="1" noTextEdit="1"/>
-          </p:cNvSpPr>
-          <p:nvPr>
-            <p:extLst>
-              <p:ext uri="{386F3935-93C4-4BCD-93E2-E3B085C9AB24}">
-                <p16:designElem xmlns:p16="http://schemas.microsoft.com/office/powerpoint/2015/main" val="1"/>
-              </p:ext>
-            </p:extLst>
-          </p:nvPr>
-        </p:nvSpPr>
-        <p:spPr>
-          <a:xfrm>
-            <a:off x="0" y="0"/>
-            <a:ext cx="12192000" cy="6858000"/>
-          </a:xfrm>
-          <a:prstGeom prst="rect">
-            <a:avLst/>
-          </a:prstGeom>
-          <a:ln>
-            <a:noFill/>
-          </a:ln>
-        </p:spPr>
-        <p:style>
-          <a:lnRef idx="2">
-            <a:schemeClr val="accent1">
-              <a:shade val="50000"/>
-            </a:schemeClr>
-          </a:lnRef>
-          <a:fillRef idx="1">
-            <a:schemeClr val="accent1"/>
-          </a:fillRef>
-          <a:effectRef idx="0">
-            <a:schemeClr val="accent1"/>
-          </a:effectRef>
-          <a:fontRef idx="minor">
-            <a:schemeClr val="lt1"/>
-          </a:fontRef>
-        </p:style>
-        <p:txBody>
-          <a:bodyPr rtlCol="0" anchor="ctr"/>
-          <a:lstStyle/>
-          <a:p>
-            <a:pPr algn="ctr"/>
-            <a:endParaRPr lang="en-US">
-              <a:solidFill>
-                <a:schemeClr val="tx1">
-                  <a:lumMod val="65000"/>
-                  <a:lumOff val="35000"/>
-                </a:schemeClr>
-              </a:solidFill>
-              <a:latin typeface="AvenirNext LT Pro Medium" panose="020B0504020202020204" pitchFamily="34" charset="0"/>
-            </a:endParaRPr>
-          </a:p>
-        </p:txBody>
-      </p:sp>
-      <p:sp>
-        <p:nvSpPr>
-          <p:cNvPr id="28" name="Rectangle 20">
-            <a:extLst>
-              <a:ext uri="{FF2B5EF4-FFF2-40B4-BE49-F238E27FC236}">
-                <a16:creationId xmlns:a16="http://schemas.microsoft.com/office/drawing/2014/main" id="{37962AE0-6A1C-4B76-9D52-10E5E6D7D3BB}"/>
-              </a:ext>
-              <a:ext uri="{C183D7F6-B498-43B3-948B-1728B52AA6E4}">
-                <adec:decorative xmlns:adec="http://schemas.microsoft.com/office/drawing/2017/decorative" val="1"/>
-              </a:ext>
-            </a:extLst>
-          </p:cNvPr>
-          <p:cNvSpPr>
-            <a:spLocks noGrp="1" noRot="1" noChangeAspect="1" noMove="1" noResize="1" noEditPoints="1" noAdjustHandles="1" noChangeArrowheads="1" noChangeShapeType="1" noTextEdit="1"/>
-          </p:cNvSpPr>
-          <p:nvPr>
-            <p:extLst>
-              <p:ext uri="{386F3935-93C4-4BCD-93E2-E3B085C9AB24}">
-                <p16:designElem xmlns:p16="http://schemas.microsoft.com/office/powerpoint/2015/main" val="1"/>
-              </p:ext>
-            </p:extLst>
-          </p:nvPr>
-        </p:nvSpPr>
-        <p:spPr>
-          <a:xfrm>
-            <a:off x="-3048" y="0"/>
-            <a:ext cx="12188952" cy="6858000"/>
-          </a:xfrm>
-          <a:prstGeom prst="rect">
-            <a:avLst/>
-          </a:prstGeom>
-          <a:solidFill>
-            <a:schemeClr val="bg2">
-              <a:alpha val="70000"/>
-            </a:schemeClr>
-          </a:solidFill>
-          <a:ln>
-            <a:noFill/>
-          </a:ln>
-        </p:spPr>
-        <p:style>
-          <a:lnRef idx="2">
-            <a:schemeClr val="accent1">
-              <a:shade val="50000"/>
-            </a:schemeClr>
-          </a:lnRef>
-          <a:fillRef idx="1">
-            <a:schemeClr val="accent1"/>
-          </a:fillRef>
-          <a:effectRef idx="0">
-            <a:schemeClr val="accent1"/>
-          </a:effectRef>
-          <a:fontRef idx="minor">
-            <a:schemeClr val="lt1"/>
-          </a:fontRef>
-        </p:style>
-        <p:txBody>
-          <a:bodyPr rtlCol="0" anchor="ctr"/>
-          <a:lstStyle/>
-          <a:p>
-            <a:pPr algn="ctr"/>
-            <a:endParaRPr lang="en-US">
-              <a:solidFill>
-                <a:schemeClr val="tx1">
-                  <a:lumMod val="65000"/>
-                  <a:lumOff val="35000"/>
-                </a:schemeClr>
-              </a:solidFill>
-              <a:latin typeface="AvenirNext LT Pro Medium" panose="020B0504020202020204" pitchFamily="34" charset="0"/>
-            </a:endParaRPr>
-          </a:p>
-        </p:txBody>
-      </p:sp>
-      <p:sp>
-        <p:nvSpPr>
-          <p:cNvPr id="29" name="Rectangle 22">
-            <a:extLst>
-              <a:ext uri="{FF2B5EF4-FFF2-40B4-BE49-F238E27FC236}">
-                <a16:creationId xmlns:a16="http://schemas.microsoft.com/office/drawing/2014/main" id="{BF49D5AE-15AF-4BC1-8AC5-F5FA95199E94}"/>
-              </a:ext>
-              <a:ext uri="{C183D7F6-B498-43B3-948B-1728B52AA6E4}">
-                <adec:decorative xmlns:adec="http://schemas.microsoft.com/office/drawing/2017/decorative" val="1"/>
-              </a:ext>
-            </a:extLst>
-          </p:cNvPr>
-          <p:cNvSpPr>
-            <a:spLocks noGrp="1" noRot="1" noChangeAspect="1" noMove="1" noResize="1" noEditPoints="1" noAdjustHandles="1" noChangeArrowheads="1" noChangeShapeType="1" noTextEdit="1"/>
-          </p:cNvSpPr>
-          <p:nvPr>
-            <p:extLst>
-              <p:ext uri="{386F3935-93C4-4BCD-93E2-E3B085C9AB24}">
-                <p16:designElem xmlns:p16="http://schemas.microsoft.com/office/powerpoint/2015/main" val="1"/>
-              </p:ext>
-            </p:extLst>
-          </p:nvPr>
-        </p:nvSpPr>
-        <p:spPr>
-          <a:xfrm>
-            <a:off x="-3048" y="0"/>
-            <a:ext cx="12195048" cy="1295400"/>
-          </a:xfrm>
-          <a:prstGeom prst="rect">
-            <a:avLst/>
-          </a:prstGeom>
-          <a:solidFill>
-            <a:schemeClr val="tx2">
-              <a:lumMod val="90000"/>
-              <a:lumOff val="10000"/>
-            </a:schemeClr>
-          </a:solidFill>
-          <a:ln>
-            <a:noFill/>
-          </a:ln>
-        </p:spPr>
-        <p:style>
-          <a:lnRef idx="2">
-            <a:schemeClr val="accent1">
-              <a:shade val="50000"/>
-            </a:schemeClr>
-          </a:lnRef>
-          <a:fillRef idx="1">
-            <a:schemeClr val="accent1"/>
-          </a:fillRef>
-          <a:effectRef idx="0">
-            <a:schemeClr val="accent1"/>
-          </a:effectRef>
-          <a:fontRef idx="minor">
-            <a:schemeClr val="lt1"/>
-          </a:fontRef>
-        </p:style>
-        <p:txBody>
-          <a:bodyPr rtlCol="0" anchor="ctr"/>
-          <a:lstStyle/>
-          <a:p>
-            <a:pPr algn="ctr"/>
-            <a:endParaRPr lang="en-US" dirty="0"/>
-          </a:p>
-        </p:txBody>
-      </p:sp>
-      <p:sp>
-        <p:nvSpPr>
-          <p:cNvPr id="30" name="Rectangle 24">
-            <a:extLst>
-              <a:ext uri="{FF2B5EF4-FFF2-40B4-BE49-F238E27FC236}">
-                <a16:creationId xmlns:a16="http://schemas.microsoft.com/office/drawing/2014/main" id="{5608A5E7-BD2D-419A-8079-3103083AB134}"/>
-              </a:ext>
-              <a:ext uri="{C183D7F6-B498-43B3-948B-1728B52AA6E4}">
-                <adec:decorative xmlns:adec="http://schemas.microsoft.com/office/drawing/2017/decorative" val="1"/>
-              </a:ext>
-            </a:extLst>
-          </p:cNvPr>
-          <p:cNvSpPr>
-            <a:spLocks noGrp="1" noRot="1" noChangeAspect="1" noMove="1" noResize="1" noEditPoints="1" noAdjustHandles="1" noChangeArrowheads="1" noChangeShapeType="1" noTextEdit="1"/>
-          </p:cNvSpPr>
-          <p:nvPr>
-            <p:extLst>
-              <p:ext uri="{386F3935-93C4-4BCD-93E2-E3B085C9AB24}">
-                <p16:designElem xmlns:p16="http://schemas.microsoft.com/office/powerpoint/2015/main" val="1"/>
-              </p:ext>
-            </p:extLst>
-          </p:nvPr>
-        </p:nvSpPr>
-        <p:spPr>
-          <a:xfrm>
-            <a:off x="1524" y="0"/>
-            <a:ext cx="12188952" cy="1295400"/>
-          </a:xfrm>
-          <a:prstGeom prst="rect">
-            <a:avLst/>
-          </a:prstGeom>
-          <a:blipFill dpi="0" rotWithShape="1">
-            <a:blip r:embed="rId2">
-              <a:alphaModFix amt="24000"/>
-              <a:duotone>
-                <a:schemeClr val="accent1">
-                  <a:shade val="45000"/>
-                  <a:satMod val="135000"/>
-                </a:schemeClr>
-                <a:prstClr val="white"/>
-              </a:duotone>
-            </a:blip>
-            <a:srcRect/>
-            <a:tile tx="889000" ty="0" sx="100000" sy="100000" flip="none" algn="tl"/>
-          </a:blipFill>
-          <a:ln>
-            <a:noFill/>
-          </a:ln>
-        </p:spPr>
-        <p:style>
-          <a:lnRef idx="2">
-            <a:schemeClr val="accent1">
-              <a:shade val="50000"/>
-            </a:schemeClr>
-          </a:lnRef>
-          <a:fillRef idx="1">
-            <a:schemeClr val="accent1"/>
-          </a:fillRef>
-          <a:effectRef idx="0">
-            <a:schemeClr val="accent1"/>
-          </a:effectRef>
-          <a:fontRef idx="minor">
-            <a:schemeClr val="lt1"/>
-          </a:fontRef>
-        </p:style>
-        <p:txBody>
-          <a:bodyPr rtlCol="0" anchor="ctr"/>
-          <a:lstStyle/>
-          <a:p>
-            <a:pPr algn="ctr"/>
-            <a:endParaRPr lang="en-US" dirty="0"/>
-          </a:p>
-        </p:txBody>
-      </p:sp>
-      <p:sp>
-        <p:nvSpPr>
-          <p:cNvPr id="2" name="Title 1">
-            <a:extLst>
-              <a:ext uri="{FF2B5EF4-FFF2-40B4-BE49-F238E27FC236}">
-                <a16:creationId xmlns:a16="http://schemas.microsoft.com/office/drawing/2014/main" id="{435A2D9F-DF11-409A-8AFF-42DD6CF6FD8A}"/>
-              </a:ext>
-            </a:extLst>
-          </p:cNvPr>
-          <p:cNvSpPr>
-            <a:spLocks noGrp="1"/>
-          </p:cNvSpPr>
-          <p:nvPr>
-            <p:ph type="title"/>
-          </p:nvPr>
-        </p:nvSpPr>
-        <p:spPr>
-          <a:xfrm>
-            <a:off x="493453" y="-457200"/>
-            <a:ext cx="9988166" cy="1752600"/>
-          </a:xfrm>
-        </p:spPr>
-        <p:txBody>
-          <a:bodyPr anchor="b">
-            <a:normAutofit/>
-          </a:bodyPr>
-          <a:lstStyle/>
-          <a:p>
-            <a:r>
               <a:rPr lang="en-US" dirty="0"/>
               <a:t>Getting Started</a:t>
             </a:r>
@@ -9445,7 +10207,7 @@
         <p:spPr>
           <a:xfrm>
             <a:off x="525599" y="1561491"/>
-            <a:ext cx="10987360" cy="4707379"/>
+            <a:ext cx="10987360" cy="5140318"/>
           </a:xfrm>
           <a:prstGeom prst="rect">
             <a:avLst/>
@@ -9514,7 +10276,7 @@
                   <a:schemeClr val="tx2"/>
                 </a:solidFill>
               </a:rPr>
-              <a:t>Examples can be run in your in browser using </a:t>
+              <a:t>Examples can be run in your browser using </a:t>
             </a:r>
             <a:r>
               <a:rPr lang="en-US" dirty="0">
@@ -9533,6 +10295,26 @@
               </a:rPr>
               <a:t>, C++ compiler and editor</a:t>
             </a:r>
+          </a:p>
+          <a:p>
+            <a:pPr marL="228600" indent="-228600">
+              <a:lnSpc>
+                <a:spcPct val="110000"/>
+              </a:lnSpc>
+              <a:spcBef>
+                <a:spcPts val="1000"/>
+              </a:spcBef>
+              <a:buClr>
+                <a:schemeClr val="accent1"/>
+              </a:buClr>
+              <a:buFont typeface="Arial" panose="020B0604020202020204" pitchFamily="34" charset="0"/>
+              <a:buChar char="•"/>
+            </a:pPr>
+            <a:endParaRPr lang="en-US" dirty="0">
+              <a:solidFill>
+                <a:schemeClr val="tx2"/>
+              </a:solidFill>
+            </a:endParaRPr>
           </a:p>
           <a:p>
             <a:pPr marL="228600" indent="-228600">
@@ -9786,6 +10568,36 @@
           <a:xfrm>
             <a:off x="2241702" y="2531112"/>
             <a:ext cx="6580516" cy="2765397"/>
+          </a:xfrm>
+          <a:prstGeom prst="rect">
+            <a:avLst/>
+          </a:prstGeom>
+        </p:spPr>
+      </p:pic>
+      <p:pic>
+        <p:nvPicPr>
+          <p:cNvPr id="4" name="Picture 3">
+            <a:extLst>
+              <a:ext uri="{FF2B5EF4-FFF2-40B4-BE49-F238E27FC236}">
+                <a16:creationId xmlns:a16="http://schemas.microsoft.com/office/drawing/2014/main" id="{C5093A6E-FF2C-4EEF-BE58-1D8F3BCBAD4D}"/>
+              </a:ext>
+            </a:extLst>
+          </p:cNvPr>
+          <p:cNvPicPr>
+            <a:picLocks noChangeAspect="1"/>
+          </p:cNvPicPr>
+          <p:nvPr/>
+        </p:nvPicPr>
+        <p:blipFill>
+          <a:blip r:embed="rId6"/>
+          <a:stretch>
+            <a:fillRect/>
+          </a:stretch>
+        </p:blipFill>
+        <p:spPr>
+          <a:xfrm>
+            <a:off x="1695449" y="2311604"/>
+            <a:ext cx="7734301" cy="3467576"/>
           </a:xfrm>
           <a:prstGeom prst="rect">
             <a:avLst/>
@@ -14840,7 +15652,7 @@
         <p:spPr>
           <a:xfrm>
             <a:off x="430349" y="1561491"/>
-            <a:ext cx="10987360" cy="5573257"/>
+            <a:ext cx="10987360" cy="5140318"/>
           </a:xfrm>
           <a:prstGeom prst="rect">
             <a:avLst/>
@@ -15084,21 +15896,6 @@
               </a:rPr>
               <a:t>once</a:t>
             </a:r>
-          </a:p>
-          <a:p>
-            <a:pPr marL="742950" lvl="1" indent="-285750">
-              <a:lnSpc>
-                <a:spcPct val="110000"/>
-              </a:lnSpc>
-              <a:spcBef>
-                <a:spcPts val="1000"/>
-              </a:spcBef>
-              <a:buClr>
-                <a:schemeClr val="accent1"/>
-              </a:buClr>
-              <a:buFont typeface="Arial" panose="020B0604020202020204" pitchFamily="34" charset="0"/>
-              <a:buChar char="•"/>
-            </a:pPr>
             <a:endParaRPr lang="en-US" dirty="0">
               <a:solidFill>
                 <a:schemeClr val="tx2"/>
@@ -16403,7 +17200,7 @@
                                         <p:tgtEl>
                                           <p:spTgt spid="26">
                                             <p:txEl>
-                                              <p:pRg st="11" end="11"/>
+                                              <p:pRg st="10" end="10"/>
                                             </p:txEl>
                                           </p:spTgt>
                                         </p:tgtEl>

--- a/Lecture/LoopIt.pptx
+++ b/Lecture/LoopIt.pptx
@@ -4,6 +4,9 @@
   <p:sldMasterIdLst>
     <p:sldMasterId id="2147483686" r:id="rId1"/>
   </p:sldMasterIdLst>
+  <p:notesMasterIdLst>
+    <p:notesMasterId r:id="rId17"/>
+  </p:notesMasterIdLst>
   <p:sldIdLst>
     <p:sldId id="256" r:id="rId2"/>
     <p:sldId id="257" r:id="rId3"/>
@@ -18,6 +21,8 @@
     <p:sldId id="267" r:id="rId12"/>
     <p:sldId id="268" r:id="rId13"/>
     <p:sldId id="269" r:id="rId14"/>
+    <p:sldId id="271" r:id="rId15"/>
+    <p:sldId id="272" r:id="rId16"/>
   </p:sldIdLst>
   <p:sldSz cx="12192000" cy="6858000"/>
   <p:notesSz cx="6858000" cy="9144000"/>
@@ -124,6 +129,2606 @@
 </p:presentation>
 </file>
 
+<file path=ppt/notesMasters/notesMaster1.xml><?xml version="1.0" encoding="utf-8"?>
+<p:notesMaster xmlns:a="http://schemas.openxmlformats.org/drawingml/2006/main" xmlns:r="http://schemas.openxmlformats.org/officeDocument/2006/relationships" xmlns:p="http://schemas.openxmlformats.org/presentationml/2006/main">
+  <p:cSld>
+    <p:bg>
+      <p:bgRef idx="1001">
+        <a:schemeClr val="bg1"/>
+      </p:bgRef>
+    </p:bg>
+    <p:spTree>
+      <p:nvGrpSpPr>
+        <p:cNvPr id="1" name=""/>
+        <p:cNvGrpSpPr/>
+        <p:nvPr/>
+      </p:nvGrpSpPr>
+      <p:grpSpPr>
+        <a:xfrm>
+          <a:off x="0" y="0"/>
+          <a:ext cx="0" cy="0"/>
+          <a:chOff x="0" y="0"/>
+          <a:chExt cx="0" cy="0"/>
+        </a:xfrm>
+      </p:grpSpPr>
+      <p:sp>
+        <p:nvSpPr>
+          <p:cNvPr id="2" name="Header Placeholder 1"/>
+          <p:cNvSpPr>
+            <a:spLocks noGrp="1"/>
+          </p:cNvSpPr>
+          <p:nvPr>
+            <p:ph type="hdr" sz="quarter"/>
+          </p:nvPr>
+        </p:nvSpPr>
+        <p:spPr>
+          <a:xfrm>
+            <a:off x="0" y="0"/>
+            <a:ext cx="2971800" cy="458788"/>
+          </a:xfrm>
+          <a:prstGeom prst="rect">
+            <a:avLst/>
+          </a:prstGeom>
+        </p:spPr>
+        <p:txBody>
+          <a:bodyPr vert="horz" lIns="91440" tIns="45720" rIns="91440" bIns="45720" rtlCol="0"/>
+          <a:lstStyle>
+            <a:lvl1pPr algn="l">
+              <a:defRPr sz="1200"/>
+            </a:lvl1pPr>
+          </a:lstStyle>
+          <a:p>
+            <a:endParaRPr lang="en-US"/>
+          </a:p>
+        </p:txBody>
+      </p:sp>
+      <p:sp>
+        <p:nvSpPr>
+          <p:cNvPr id="3" name="Date Placeholder 2"/>
+          <p:cNvSpPr>
+            <a:spLocks noGrp="1"/>
+          </p:cNvSpPr>
+          <p:nvPr>
+            <p:ph type="dt" idx="1"/>
+          </p:nvPr>
+        </p:nvSpPr>
+        <p:spPr>
+          <a:xfrm>
+            <a:off x="3884613" y="0"/>
+            <a:ext cx="2971800" cy="458788"/>
+          </a:xfrm>
+          <a:prstGeom prst="rect">
+            <a:avLst/>
+          </a:prstGeom>
+        </p:spPr>
+        <p:txBody>
+          <a:bodyPr vert="horz" lIns="91440" tIns="45720" rIns="91440" bIns="45720" rtlCol="0"/>
+          <a:lstStyle>
+            <a:lvl1pPr algn="r">
+              <a:defRPr sz="1200"/>
+            </a:lvl1pPr>
+          </a:lstStyle>
+          <a:p>
+            <a:fld id="{294FAA22-9F67-4B29-B3DC-F710BF906F09}" type="datetimeFigureOut">
+              <a:rPr lang="en-US" smtClean="0"/>
+              <a:t>12/11/2020</a:t>
+            </a:fld>
+            <a:endParaRPr lang="en-US"/>
+          </a:p>
+        </p:txBody>
+      </p:sp>
+      <p:sp>
+        <p:nvSpPr>
+          <p:cNvPr id="4" name="Slide Image Placeholder 3"/>
+          <p:cNvSpPr>
+            <a:spLocks noGrp="1" noRot="1" noChangeAspect="1"/>
+          </p:cNvSpPr>
+          <p:nvPr>
+            <p:ph type="sldImg" idx="2"/>
+          </p:nvPr>
+        </p:nvSpPr>
+        <p:spPr>
+          <a:xfrm>
+            <a:off x="685800" y="1143000"/>
+            <a:ext cx="5486400" cy="3086100"/>
+          </a:xfrm>
+          <a:prstGeom prst="rect">
+            <a:avLst/>
+          </a:prstGeom>
+          <a:noFill/>
+          <a:ln w="12700">
+            <a:solidFill>
+              <a:prstClr val="black"/>
+            </a:solidFill>
+          </a:ln>
+        </p:spPr>
+        <p:txBody>
+          <a:bodyPr vert="horz" lIns="91440" tIns="45720" rIns="91440" bIns="45720" rtlCol="0" anchor="ctr"/>
+          <a:lstStyle/>
+          <a:p>
+            <a:endParaRPr lang="en-US"/>
+          </a:p>
+        </p:txBody>
+      </p:sp>
+      <p:sp>
+        <p:nvSpPr>
+          <p:cNvPr id="5" name="Notes Placeholder 4"/>
+          <p:cNvSpPr>
+            <a:spLocks noGrp="1"/>
+          </p:cNvSpPr>
+          <p:nvPr>
+            <p:ph type="body" sz="quarter" idx="3"/>
+          </p:nvPr>
+        </p:nvSpPr>
+        <p:spPr>
+          <a:xfrm>
+            <a:off x="685800" y="4400550"/>
+            <a:ext cx="5486400" cy="3600450"/>
+          </a:xfrm>
+          <a:prstGeom prst="rect">
+            <a:avLst/>
+          </a:prstGeom>
+        </p:spPr>
+        <p:txBody>
+          <a:bodyPr vert="horz" lIns="91440" tIns="45720" rIns="91440" bIns="45720" rtlCol="0"/>
+          <a:lstStyle/>
+          <a:p>
+            <a:pPr lvl="0"/>
+            <a:r>
+              <a:rPr lang="en-US"/>
+              <a:t>Click to edit Master text styles</a:t>
+            </a:r>
+          </a:p>
+          <a:p>
+            <a:pPr lvl="1"/>
+            <a:r>
+              <a:rPr lang="en-US"/>
+              <a:t>Second level</a:t>
+            </a:r>
+          </a:p>
+          <a:p>
+            <a:pPr lvl="2"/>
+            <a:r>
+              <a:rPr lang="en-US"/>
+              <a:t>Third level</a:t>
+            </a:r>
+          </a:p>
+          <a:p>
+            <a:pPr lvl="3"/>
+            <a:r>
+              <a:rPr lang="en-US"/>
+              <a:t>Fourth level</a:t>
+            </a:r>
+          </a:p>
+          <a:p>
+            <a:pPr lvl="4"/>
+            <a:r>
+              <a:rPr lang="en-US"/>
+              <a:t>Fifth level</a:t>
+            </a:r>
+          </a:p>
+        </p:txBody>
+      </p:sp>
+      <p:sp>
+        <p:nvSpPr>
+          <p:cNvPr id="6" name="Footer Placeholder 5"/>
+          <p:cNvSpPr>
+            <a:spLocks noGrp="1"/>
+          </p:cNvSpPr>
+          <p:nvPr>
+            <p:ph type="ftr" sz="quarter" idx="4"/>
+          </p:nvPr>
+        </p:nvSpPr>
+        <p:spPr>
+          <a:xfrm>
+            <a:off x="0" y="8685213"/>
+            <a:ext cx="2971800" cy="458787"/>
+          </a:xfrm>
+          <a:prstGeom prst="rect">
+            <a:avLst/>
+          </a:prstGeom>
+        </p:spPr>
+        <p:txBody>
+          <a:bodyPr vert="horz" lIns="91440" tIns="45720" rIns="91440" bIns="45720" rtlCol="0" anchor="b"/>
+          <a:lstStyle>
+            <a:lvl1pPr algn="l">
+              <a:defRPr sz="1200"/>
+            </a:lvl1pPr>
+          </a:lstStyle>
+          <a:p>
+            <a:endParaRPr lang="en-US"/>
+          </a:p>
+        </p:txBody>
+      </p:sp>
+      <p:sp>
+        <p:nvSpPr>
+          <p:cNvPr id="7" name="Slide Number Placeholder 6"/>
+          <p:cNvSpPr>
+            <a:spLocks noGrp="1"/>
+          </p:cNvSpPr>
+          <p:nvPr>
+            <p:ph type="sldNum" sz="quarter" idx="5"/>
+          </p:nvPr>
+        </p:nvSpPr>
+        <p:spPr>
+          <a:xfrm>
+            <a:off x="3884613" y="8685213"/>
+            <a:ext cx="2971800" cy="458787"/>
+          </a:xfrm>
+          <a:prstGeom prst="rect">
+            <a:avLst/>
+          </a:prstGeom>
+        </p:spPr>
+        <p:txBody>
+          <a:bodyPr vert="horz" lIns="91440" tIns="45720" rIns="91440" bIns="45720" rtlCol="0" anchor="b"/>
+          <a:lstStyle>
+            <a:lvl1pPr algn="r">
+              <a:defRPr sz="1200"/>
+            </a:lvl1pPr>
+          </a:lstStyle>
+          <a:p>
+            <a:fld id="{2C44DD81-7AC0-49C2-9B52-6F4F2025139A}" type="slidenum">
+              <a:rPr lang="en-US" smtClean="0"/>
+              <a:t>‹#›</a:t>
+            </a:fld>
+            <a:endParaRPr lang="en-US"/>
+          </a:p>
+        </p:txBody>
+      </p:sp>
+    </p:spTree>
+    <p:extLst>
+      <p:ext uri="{BB962C8B-B14F-4D97-AF65-F5344CB8AC3E}">
+        <p14:creationId xmlns:p14="http://schemas.microsoft.com/office/powerpoint/2010/main" val="1125951411"/>
+      </p:ext>
+    </p:extLst>
+  </p:cSld>
+  <p:clrMap bg1="lt1" tx1="dk1" bg2="lt2" tx2="dk2" accent1="accent1" accent2="accent2" accent3="accent3" accent4="accent4" accent5="accent5" accent6="accent6" hlink="hlink" folHlink="folHlink"/>
+  <p:notesStyle>
+    <a:lvl1pPr marL="0" algn="l" defTabSz="914400" rtl="0" eaLnBrk="1" latinLnBrk="0" hangingPunct="1">
+      <a:defRPr sz="1200" kern="1200">
+        <a:solidFill>
+          <a:schemeClr val="tx1"/>
+        </a:solidFill>
+        <a:latin typeface="+mn-lt"/>
+        <a:ea typeface="+mn-ea"/>
+        <a:cs typeface="+mn-cs"/>
+      </a:defRPr>
+    </a:lvl1pPr>
+    <a:lvl2pPr marL="457200" algn="l" defTabSz="914400" rtl="0" eaLnBrk="1" latinLnBrk="0" hangingPunct="1">
+      <a:defRPr sz="1200" kern="1200">
+        <a:solidFill>
+          <a:schemeClr val="tx1"/>
+        </a:solidFill>
+        <a:latin typeface="+mn-lt"/>
+        <a:ea typeface="+mn-ea"/>
+        <a:cs typeface="+mn-cs"/>
+      </a:defRPr>
+    </a:lvl2pPr>
+    <a:lvl3pPr marL="914400" algn="l" defTabSz="914400" rtl="0" eaLnBrk="1" latinLnBrk="0" hangingPunct="1">
+      <a:defRPr sz="1200" kern="1200">
+        <a:solidFill>
+          <a:schemeClr val="tx1"/>
+        </a:solidFill>
+        <a:latin typeface="+mn-lt"/>
+        <a:ea typeface="+mn-ea"/>
+        <a:cs typeface="+mn-cs"/>
+      </a:defRPr>
+    </a:lvl3pPr>
+    <a:lvl4pPr marL="1371600" algn="l" defTabSz="914400" rtl="0" eaLnBrk="1" latinLnBrk="0" hangingPunct="1">
+      <a:defRPr sz="1200" kern="1200">
+        <a:solidFill>
+          <a:schemeClr val="tx1"/>
+        </a:solidFill>
+        <a:latin typeface="+mn-lt"/>
+        <a:ea typeface="+mn-ea"/>
+        <a:cs typeface="+mn-cs"/>
+      </a:defRPr>
+    </a:lvl4pPr>
+    <a:lvl5pPr marL="1828800" algn="l" defTabSz="914400" rtl="0" eaLnBrk="1" latinLnBrk="0" hangingPunct="1">
+      <a:defRPr sz="1200" kern="1200">
+        <a:solidFill>
+          <a:schemeClr val="tx1"/>
+        </a:solidFill>
+        <a:latin typeface="+mn-lt"/>
+        <a:ea typeface="+mn-ea"/>
+        <a:cs typeface="+mn-cs"/>
+      </a:defRPr>
+    </a:lvl5pPr>
+    <a:lvl6pPr marL="2286000" algn="l" defTabSz="914400" rtl="0" eaLnBrk="1" latinLnBrk="0" hangingPunct="1">
+      <a:defRPr sz="1200" kern="1200">
+        <a:solidFill>
+          <a:schemeClr val="tx1"/>
+        </a:solidFill>
+        <a:latin typeface="+mn-lt"/>
+        <a:ea typeface="+mn-ea"/>
+        <a:cs typeface="+mn-cs"/>
+      </a:defRPr>
+    </a:lvl6pPr>
+    <a:lvl7pPr marL="2743200" algn="l" defTabSz="914400" rtl="0" eaLnBrk="1" latinLnBrk="0" hangingPunct="1">
+      <a:defRPr sz="1200" kern="1200">
+        <a:solidFill>
+          <a:schemeClr val="tx1"/>
+        </a:solidFill>
+        <a:latin typeface="+mn-lt"/>
+        <a:ea typeface="+mn-ea"/>
+        <a:cs typeface="+mn-cs"/>
+      </a:defRPr>
+    </a:lvl7pPr>
+    <a:lvl8pPr marL="3200400" algn="l" defTabSz="914400" rtl="0" eaLnBrk="1" latinLnBrk="0" hangingPunct="1">
+      <a:defRPr sz="1200" kern="1200">
+        <a:solidFill>
+          <a:schemeClr val="tx1"/>
+        </a:solidFill>
+        <a:latin typeface="+mn-lt"/>
+        <a:ea typeface="+mn-ea"/>
+        <a:cs typeface="+mn-cs"/>
+      </a:defRPr>
+    </a:lvl8pPr>
+    <a:lvl9pPr marL="3657600" algn="l" defTabSz="914400" rtl="0" eaLnBrk="1" latinLnBrk="0" hangingPunct="1">
+      <a:defRPr sz="1200" kern="1200">
+        <a:solidFill>
+          <a:schemeClr val="tx1"/>
+        </a:solidFill>
+        <a:latin typeface="+mn-lt"/>
+        <a:ea typeface="+mn-ea"/>
+        <a:cs typeface="+mn-cs"/>
+      </a:defRPr>
+    </a:lvl9pPr>
+  </p:notesStyle>
+</p:notesMaster>
+</file>
+
+<file path=ppt/notesSlides/notesSlide1.xml><?xml version="1.0" encoding="utf-8"?>
+<p:notes xmlns:a="http://schemas.openxmlformats.org/drawingml/2006/main" xmlns:r="http://schemas.openxmlformats.org/officeDocument/2006/relationships" xmlns:p="http://schemas.openxmlformats.org/presentationml/2006/main">
+  <p:cSld>
+    <p:spTree>
+      <p:nvGrpSpPr>
+        <p:cNvPr id="1" name=""/>
+        <p:cNvGrpSpPr/>
+        <p:nvPr/>
+      </p:nvGrpSpPr>
+      <p:grpSpPr>
+        <a:xfrm>
+          <a:off x="0" y="0"/>
+          <a:ext cx="0" cy="0"/>
+          <a:chOff x="0" y="0"/>
+          <a:chExt cx="0" cy="0"/>
+        </a:xfrm>
+      </p:grpSpPr>
+      <p:sp>
+        <p:nvSpPr>
+          <p:cNvPr id="2" name="Slide Image Placeholder 1"/>
+          <p:cNvSpPr>
+            <a:spLocks noGrp="1" noRot="1" noChangeAspect="1"/>
+          </p:cNvSpPr>
+          <p:nvPr>
+            <p:ph type="sldImg"/>
+          </p:nvPr>
+        </p:nvSpPr>
+        <p:spPr/>
+      </p:sp>
+      <p:sp>
+        <p:nvSpPr>
+          <p:cNvPr id="3" name="Notes Placeholder 2"/>
+          <p:cNvSpPr>
+            <a:spLocks noGrp="1"/>
+          </p:cNvSpPr>
+          <p:nvPr>
+            <p:ph type="body" idx="1"/>
+          </p:nvPr>
+        </p:nvSpPr>
+        <p:spPr/>
+        <p:txBody>
+          <a:bodyPr/>
+          <a:lstStyle/>
+          <a:p>
+            <a:r>
+              <a:rPr lang="en-US" dirty="0"/>
+              <a:t>I thought I would start off introducing myself .</a:t>
+            </a:r>
+          </a:p>
+          <a:p>
+            <a:r>
+              <a:rPr lang="en-US" dirty="0"/>
+              <a:t>My undergraduate background is in Chemical Engineering and Computer Science at Brigham Young University</a:t>
+            </a:r>
+          </a:p>
+          <a:p>
+            <a:r>
+              <a:rPr lang="en-US" dirty="0"/>
+              <a:t>Afterwards I worked as a control systems engineer at an oil refinery in Memphis. Basically, I managed the computer hardware and software that ran the plant. The center picture is of the H2 plant in the refinery.</a:t>
+            </a:r>
+          </a:p>
+          <a:p>
+            <a:r>
+              <a:rPr lang="en-US" dirty="0"/>
+              <a:t>I really loved working with these cyber-physical systems so much I decided to go back to graduate school. I am finishing up my PhD in Robotics at the University of Michigan</a:t>
+            </a:r>
+          </a:p>
+          <a:p>
+            <a:r>
+              <a:rPr lang="en-US" dirty="0"/>
+              <a:t>My research is focused on urgent landing of Unmanned Aerial Vehicles/ aka drones</a:t>
+            </a:r>
+          </a:p>
+          <a:p>
+            <a:r>
+              <a:rPr lang="en-US" dirty="0"/>
+              <a:t>My favorite programming languages are C++ and Python, and I love using them together!</a:t>
+            </a:r>
+          </a:p>
+          <a:p>
+            <a:endParaRPr lang="en-US" dirty="0"/>
+          </a:p>
+        </p:txBody>
+      </p:sp>
+      <p:sp>
+        <p:nvSpPr>
+          <p:cNvPr id="4" name="Slide Number Placeholder 3"/>
+          <p:cNvSpPr>
+            <a:spLocks noGrp="1"/>
+          </p:cNvSpPr>
+          <p:nvPr>
+            <p:ph type="sldNum" sz="quarter" idx="5"/>
+          </p:nvPr>
+        </p:nvSpPr>
+        <p:spPr/>
+        <p:txBody>
+          <a:bodyPr/>
+          <a:lstStyle/>
+          <a:p>
+            <a:fld id="{2C44DD81-7AC0-49C2-9B52-6F4F2025139A}" type="slidenum">
+              <a:rPr lang="en-US" smtClean="0"/>
+              <a:t>2</a:t>
+            </a:fld>
+            <a:endParaRPr lang="en-US"/>
+          </a:p>
+        </p:txBody>
+      </p:sp>
+    </p:spTree>
+    <p:extLst>
+      <p:ext uri="{BB962C8B-B14F-4D97-AF65-F5344CB8AC3E}">
+        <p14:creationId xmlns:p14="http://schemas.microsoft.com/office/powerpoint/2010/main" val="3975980018"/>
+      </p:ext>
+    </p:extLst>
+  </p:cSld>
+  <p:clrMapOvr>
+    <a:masterClrMapping/>
+  </p:clrMapOvr>
+</p:notes>
+</file>
+
+<file path=ppt/notesSlides/notesSlide10.xml><?xml version="1.0" encoding="utf-8"?>
+<p:notes xmlns:a="http://schemas.openxmlformats.org/drawingml/2006/main" xmlns:r="http://schemas.openxmlformats.org/officeDocument/2006/relationships" xmlns:p="http://schemas.openxmlformats.org/presentationml/2006/main">
+  <p:cSld>
+    <p:spTree>
+      <p:nvGrpSpPr>
+        <p:cNvPr id="1" name=""/>
+        <p:cNvGrpSpPr/>
+        <p:nvPr/>
+      </p:nvGrpSpPr>
+      <p:grpSpPr>
+        <a:xfrm>
+          <a:off x="0" y="0"/>
+          <a:ext cx="0" cy="0"/>
+          <a:chOff x="0" y="0"/>
+          <a:chExt cx="0" cy="0"/>
+        </a:xfrm>
+      </p:grpSpPr>
+      <p:sp>
+        <p:nvSpPr>
+          <p:cNvPr id="2" name="Slide Image Placeholder 1"/>
+          <p:cNvSpPr>
+            <a:spLocks noGrp="1" noRot="1" noChangeAspect="1"/>
+          </p:cNvSpPr>
+          <p:nvPr>
+            <p:ph type="sldImg"/>
+          </p:nvPr>
+        </p:nvSpPr>
+        <p:spPr/>
+      </p:sp>
+      <p:sp>
+        <p:nvSpPr>
+          <p:cNvPr id="3" name="Notes Placeholder 2"/>
+          <p:cNvSpPr>
+            <a:spLocks noGrp="1"/>
+          </p:cNvSpPr>
+          <p:nvPr>
+            <p:ph type="body" idx="1"/>
+          </p:nvPr>
+        </p:nvSpPr>
+        <p:spPr/>
+        <p:txBody>
+          <a:bodyPr/>
+          <a:lstStyle/>
+          <a:p>
+            <a:r>
+              <a:rPr lang="en-US" dirty="0"/>
+              <a:t>C++ </a:t>
+            </a:r>
+            <a:r>
+              <a:rPr lang="en-US" dirty="0" err="1"/>
+              <a:t>i</a:t>
+            </a:r>
+            <a:endParaRPr lang="en-US" dirty="0"/>
+          </a:p>
+        </p:txBody>
+      </p:sp>
+      <p:sp>
+        <p:nvSpPr>
+          <p:cNvPr id="4" name="Slide Number Placeholder 3"/>
+          <p:cNvSpPr>
+            <a:spLocks noGrp="1"/>
+          </p:cNvSpPr>
+          <p:nvPr>
+            <p:ph type="sldNum" sz="quarter" idx="5"/>
+          </p:nvPr>
+        </p:nvSpPr>
+        <p:spPr/>
+        <p:txBody>
+          <a:bodyPr/>
+          <a:lstStyle/>
+          <a:p>
+            <a:fld id="{2C44DD81-7AC0-49C2-9B52-6F4F2025139A}" type="slidenum">
+              <a:rPr lang="en-US" smtClean="0"/>
+              <a:t>11</a:t>
+            </a:fld>
+            <a:endParaRPr lang="en-US"/>
+          </a:p>
+        </p:txBody>
+      </p:sp>
+    </p:spTree>
+    <p:extLst>
+      <p:ext uri="{BB962C8B-B14F-4D97-AF65-F5344CB8AC3E}">
+        <p14:creationId xmlns:p14="http://schemas.microsoft.com/office/powerpoint/2010/main" val="1517239315"/>
+      </p:ext>
+    </p:extLst>
+  </p:cSld>
+  <p:clrMapOvr>
+    <a:masterClrMapping/>
+  </p:clrMapOvr>
+</p:notes>
+</file>
+
+<file path=ppt/notesSlides/notesSlide11.xml><?xml version="1.0" encoding="utf-8"?>
+<p:notes xmlns:a="http://schemas.openxmlformats.org/drawingml/2006/main" xmlns:r="http://schemas.openxmlformats.org/officeDocument/2006/relationships" xmlns:p="http://schemas.openxmlformats.org/presentationml/2006/main">
+  <p:cSld>
+    <p:spTree>
+      <p:nvGrpSpPr>
+        <p:cNvPr id="1" name=""/>
+        <p:cNvGrpSpPr/>
+        <p:nvPr/>
+      </p:nvGrpSpPr>
+      <p:grpSpPr>
+        <a:xfrm>
+          <a:off x="0" y="0"/>
+          <a:ext cx="0" cy="0"/>
+          <a:chOff x="0" y="0"/>
+          <a:chExt cx="0" cy="0"/>
+        </a:xfrm>
+      </p:grpSpPr>
+      <p:sp>
+        <p:nvSpPr>
+          <p:cNvPr id="2" name="Slide Image Placeholder 1"/>
+          <p:cNvSpPr>
+            <a:spLocks noGrp="1" noRot="1" noChangeAspect="1"/>
+          </p:cNvSpPr>
+          <p:nvPr>
+            <p:ph type="sldImg"/>
+          </p:nvPr>
+        </p:nvSpPr>
+        <p:spPr/>
+      </p:sp>
+      <p:sp>
+        <p:nvSpPr>
+          <p:cNvPr id="3" name="Notes Placeholder 2"/>
+          <p:cNvSpPr>
+            <a:spLocks noGrp="1"/>
+          </p:cNvSpPr>
+          <p:nvPr>
+            <p:ph type="body" idx="1"/>
+          </p:nvPr>
+        </p:nvSpPr>
+        <p:spPr/>
+        <p:txBody>
+          <a:bodyPr/>
+          <a:lstStyle/>
+          <a:p>
+            <a:r>
+              <a:rPr lang="en-US" dirty="0"/>
+              <a:t>A range based for loop executes a the lop body for each element that is inside a range</a:t>
+            </a:r>
+          </a:p>
+          <a:p>
+            <a:endParaRPr lang="en-US" dirty="0"/>
+          </a:p>
+          <a:p>
+            <a:r>
+              <a:rPr lang="en-US" dirty="0"/>
+              <a:t>Looking at the control flow diagram on the left you can see that we input a range, it calls some abstract “next” procedure. It produces an element from that list, and then the loop body is executed with access to this element.</a:t>
+            </a:r>
+          </a:p>
+          <a:p>
+            <a:r>
+              <a:rPr lang="en-US" dirty="0"/>
+              <a:t>The process then </a:t>
+            </a:r>
+            <a:r>
+              <a:rPr lang="en-US" dirty="0" err="1"/>
+              <a:t>repeates</a:t>
+            </a:r>
+            <a:r>
+              <a:rPr lang="en-US" dirty="0"/>
+              <a:t> again . If there are not more elements left in the range, then the loop finishes and ends.</a:t>
+            </a:r>
+          </a:p>
+          <a:p>
+            <a:endParaRPr lang="en-US" dirty="0"/>
+          </a:p>
+          <a:p>
+            <a:r>
+              <a:rPr lang="en-US" dirty="0"/>
+              <a:t>Lets see an example here on the right executed on our list of reindeers.</a:t>
+            </a:r>
+          </a:p>
+          <a:p>
+            <a:endParaRPr lang="en-US" dirty="0"/>
+          </a:p>
+          <a:p>
+            <a:endParaRPr lang="en-US" dirty="0"/>
+          </a:p>
+          <a:p>
+            <a:r>
+              <a:rPr lang="en-US" dirty="0"/>
+              <a:t>The for loop </a:t>
+            </a:r>
+            <a:r>
+              <a:rPr lang="en-US" dirty="0" err="1"/>
+              <a:t>begisn</a:t>
+            </a:r>
+            <a:r>
+              <a:rPr lang="en-US" dirty="0"/>
+              <a:t> with keyword for, then in </a:t>
+            </a:r>
+            <a:r>
+              <a:rPr lang="en-US" dirty="0" err="1"/>
+              <a:t>paranthsis</a:t>
+            </a:r>
+            <a:r>
+              <a:rPr lang="en-US" dirty="0"/>
+              <a:t> you have:</a:t>
+            </a:r>
+          </a:p>
+          <a:p>
+            <a:endParaRPr lang="en-US" dirty="0"/>
+          </a:p>
+          <a:p>
+            <a:r>
+              <a:rPr lang="en-US" dirty="0"/>
+              <a:t>The datatype of an element in the range, a variable name to give for this element, then a colon, then finally the actually range itself, which in our case is the vector of reindeer </a:t>
+            </a:r>
+            <a:r>
+              <a:rPr lang="en-US" dirty="0" err="1"/>
+              <a:t>neames</a:t>
+            </a:r>
+            <a:r>
+              <a:rPr lang="en-US" dirty="0"/>
+              <a:t>.</a:t>
+            </a:r>
+          </a:p>
+          <a:p>
+            <a:endParaRPr lang="en-US" dirty="0"/>
+          </a:p>
+          <a:p>
+            <a:r>
+              <a:rPr lang="en-US" dirty="0"/>
+              <a:t>Inside the loop body we can then the element that. </a:t>
+            </a:r>
+          </a:p>
+          <a:p>
+            <a:endParaRPr lang="en-US" dirty="0"/>
+          </a:p>
+          <a:p>
+            <a:r>
+              <a:rPr lang="en-US" dirty="0"/>
+              <a:t>A couple things to note. The items inside the reindeer list are still there. They have not been removed. We are simply accessing them in a iterative manner.</a:t>
+            </a:r>
+          </a:p>
+          <a:p>
+            <a:endParaRPr lang="en-US" dirty="0"/>
+          </a:p>
+          <a:p>
+            <a:endParaRPr lang="en-US" dirty="0"/>
+          </a:p>
+          <a:p>
+            <a:endParaRPr lang="en-US" dirty="0"/>
+          </a:p>
+          <a:p>
+            <a:endParaRPr lang="en-US" dirty="0"/>
+          </a:p>
+          <a:p>
+            <a:r>
+              <a:rPr lang="en-US" dirty="0"/>
+              <a:t> </a:t>
+            </a:r>
+          </a:p>
+        </p:txBody>
+      </p:sp>
+      <p:sp>
+        <p:nvSpPr>
+          <p:cNvPr id="4" name="Slide Number Placeholder 3"/>
+          <p:cNvSpPr>
+            <a:spLocks noGrp="1"/>
+          </p:cNvSpPr>
+          <p:nvPr>
+            <p:ph type="sldNum" sz="quarter" idx="5"/>
+          </p:nvPr>
+        </p:nvSpPr>
+        <p:spPr/>
+        <p:txBody>
+          <a:bodyPr/>
+          <a:lstStyle/>
+          <a:p>
+            <a:fld id="{2C44DD81-7AC0-49C2-9B52-6F4F2025139A}" type="slidenum">
+              <a:rPr lang="en-US" smtClean="0"/>
+              <a:t>12</a:t>
+            </a:fld>
+            <a:endParaRPr lang="en-US"/>
+          </a:p>
+        </p:txBody>
+      </p:sp>
+    </p:spTree>
+    <p:extLst>
+      <p:ext uri="{BB962C8B-B14F-4D97-AF65-F5344CB8AC3E}">
+        <p14:creationId xmlns:p14="http://schemas.microsoft.com/office/powerpoint/2010/main" val="4046232518"/>
+      </p:ext>
+    </p:extLst>
+  </p:cSld>
+  <p:clrMapOvr>
+    <a:masterClrMapping/>
+  </p:clrMapOvr>
+</p:notes>
+</file>
+
+<file path=ppt/notesSlides/notesSlide12.xml><?xml version="1.0" encoding="utf-8"?>
+<p:notes xmlns:a="http://schemas.openxmlformats.org/drawingml/2006/main" xmlns:r="http://schemas.openxmlformats.org/officeDocument/2006/relationships" xmlns:p="http://schemas.openxmlformats.org/presentationml/2006/main">
+  <p:cSld>
+    <p:spTree>
+      <p:nvGrpSpPr>
+        <p:cNvPr id="1" name=""/>
+        <p:cNvGrpSpPr/>
+        <p:nvPr/>
+      </p:nvGrpSpPr>
+      <p:grpSpPr>
+        <a:xfrm>
+          <a:off x="0" y="0"/>
+          <a:ext cx="0" cy="0"/>
+          <a:chOff x="0" y="0"/>
+          <a:chExt cx="0" cy="0"/>
+        </a:xfrm>
+      </p:grpSpPr>
+      <p:sp>
+        <p:nvSpPr>
+          <p:cNvPr id="2" name="Slide Image Placeholder 1"/>
+          <p:cNvSpPr>
+            <a:spLocks noGrp="1" noRot="1" noChangeAspect="1"/>
+          </p:cNvSpPr>
+          <p:nvPr>
+            <p:ph type="sldImg"/>
+          </p:nvPr>
+        </p:nvSpPr>
+        <p:spPr/>
+      </p:sp>
+      <p:sp>
+        <p:nvSpPr>
+          <p:cNvPr id="3" name="Notes Placeholder 2"/>
+          <p:cNvSpPr>
+            <a:spLocks noGrp="1"/>
+          </p:cNvSpPr>
+          <p:nvPr>
+            <p:ph type="body" idx="1"/>
+          </p:nvPr>
+        </p:nvSpPr>
+        <p:spPr/>
+        <p:txBody>
+          <a:bodyPr/>
+          <a:lstStyle/>
+          <a:p>
+            <a:r>
+              <a:rPr lang="en-US" dirty="0"/>
+              <a:t>A last little thing to talk about.</a:t>
+            </a:r>
+          </a:p>
+          <a:p>
+            <a:endParaRPr lang="en-US" dirty="0"/>
+          </a:p>
+          <a:p>
+            <a:r>
+              <a:rPr lang="en-US" dirty="0"/>
+              <a:t>C++11 introduced a new keyword called auto</a:t>
+            </a:r>
+          </a:p>
+          <a:p>
+            <a:r>
+              <a:rPr lang="en-US" dirty="0"/>
+              <a:t>Auto declares a variable whose type is deduced or inferred from the expression on the right</a:t>
+            </a:r>
+          </a:p>
+          <a:p>
+            <a:endParaRPr lang="en-US" dirty="0"/>
+          </a:p>
+          <a:p>
+            <a:r>
+              <a:rPr lang="en-US" dirty="0"/>
+              <a:t>For example is you type auto n = 10, the variable n will be deduced to be of type int</a:t>
+            </a:r>
+          </a:p>
+          <a:p>
+            <a:endParaRPr lang="en-US" dirty="0"/>
+          </a:p>
+          <a:p>
+            <a:r>
+              <a:rPr lang="en-US" dirty="0"/>
+              <a:t>Range –based for lop can also use auto to deduce the type of the element inside of the range</a:t>
+            </a:r>
+          </a:p>
+          <a:p>
+            <a:endParaRPr lang="en-US" dirty="0"/>
+          </a:p>
+          <a:p>
+            <a:r>
+              <a:rPr lang="en-US" dirty="0"/>
+              <a:t>So what type is the variable name reindeer. Exactly right its std::string</a:t>
+            </a:r>
+          </a:p>
+          <a:p>
+            <a:endParaRPr lang="en-US" dirty="0"/>
+          </a:p>
+          <a:p>
+            <a:r>
+              <a:rPr lang="en-US" dirty="0"/>
+              <a:t>This benefits because the </a:t>
+            </a:r>
+          </a:p>
+          <a:p>
+            <a:endParaRPr lang="en-US" dirty="0"/>
+          </a:p>
+          <a:p>
+            <a:r>
+              <a:rPr lang="en-US" dirty="0"/>
+              <a:t>https://docs.microsoft.com/en-us/cpp/cpp/auto-cpp?view=msvc-160</a:t>
+            </a:r>
+          </a:p>
+          <a:p>
+            <a:endParaRPr lang="en-US" dirty="0"/>
+          </a:p>
+          <a:p>
+            <a:endParaRPr lang="en-US" dirty="0"/>
+          </a:p>
+          <a:p>
+            <a:pPr>
+              <a:buFont typeface="Arial" panose="020B0604020202020204" pitchFamily="34" charset="0"/>
+              <a:buChar char="•"/>
+            </a:pPr>
+            <a:r>
+              <a:rPr lang="en-US" b="1" dirty="0"/>
+              <a:t>Robustness:</a:t>
+            </a:r>
+            <a:r>
+              <a:rPr lang="en-US" dirty="0"/>
+              <a:t> If the expression’s type is changed—this includes when a function return type is changed—it just works.</a:t>
+            </a:r>
+          </a:p>
+          <a:p>
+            <a:pPr>
+              <a:buFont typeface="Arial" panose="020B0604020202020204" pitchFamily="34" charset="0"/>
+              <a:buChar char="•"/>
+            </a:pPr>
+            <a:r>
+              <a:rPr lang="en-US" b="1" dirty="0"/>
+              <a:t>Performance:</a:t>
+            </a:r>
+            <a:r>
+              <a:rPr lang="en-US" dirty="0"/>
+              <a:t> You’re guaranteed that there will be no conversion.</a:t>
+            </a:r>
+          </a:p>
+          <a:p>
+            <a:pPr>
+              <a:buFont typeface="Arial" panose="020B0604020202020204" pitchFamily="34" charset="0"/>
+              <a:buChar char="•"/>
+            </a:pPr>
+            <a:r>
+              <a:rPr lang="en-US" b="1" dirty="0"/>
+              <a:t>Usability:</a:t>
+            </a:r>
+            <a:r>
+              <a:rPr lang="en-US" dirty="0"/>
+              <a:t> You don't have to worry about type name spelling difficulties and typos.</a:t>
+            </a:r>
+          </a:p>
+          <a:p>
+            <a:pPr>
+              <a:buFont typeface="Arial" panose="020B0604020202020204" pitchFamily="34" charset="0"/>
+              <a:buChar char="•"/>
+            </a:pPr>
+            <a:r>
+              <a:rPr lang="en-US" b="1" dirty="0"/>
+              <a:t>Efficiency:</a:t>
+            </a:r>
+            <a:r>
+              <a:rPr lang="en-US" dirty="0"/>
+              <a:t> Your coding can be more efficient.</a:t>
+            </a:r>
+          </a:p>
+          <a:p>
+            <a:r>
+              <a:rPr lang="en-US" dirty="0"/>
+              <a:t>Conversion cases in which you might not want to use </a:t>
+            </a:r>
+            <a:r>
+              <a:rPr lang="en-US" b="1" dirty="0"/>
+              <a:t>auto</a:t>
+            </a:r>
+            <a:r>
+              <a:rPr lang="en-US" dirty="0"/>
+              <a:t>:</a:t>
+            </a:r>
+          </a:p>
+          <a:p>
+            <a:pPr>
+              <a:buFont typeface="Arial" panose="020B0604020202020204" pitchFamily="34" charset="0"/>
+              <a:buChar char="•"/>
+            </a:pPr>
+            <a:r>
+              <a:rPr lang="en-US" dirty="0"/>
+              <a:t>When you want a specific type and nothing else will do.</a:t>
+            </a:r>
+          </a:p>
+          <a:p>
+            <a:endParaRPr lang="en-US" dirty="0"/>
+          </a:p>
+        </p:txBody>
+      </p:sp>
+      <p:sp>
+        <p:nvSpPr>
+          <p:cNvPr id="4" name="Slide Number Placeholder 3"/>
+          <p:cNvSpPr>
+            <a:spLocks noGrp="1"/>
+          </p:cNvSpPr>
+          <p:nvPr>
+            <p:ph type="sldNum" sz="quarter" idx="5"/>
+          </p:nvPr>
+        </p:nvSpPr>
+        <p:spPr/>
+        <p:txBody>
+          <a:bodyPr/>
+          <a:lstStyle/>
+          <a:p>
+            <a:fld id="{2C44DD81-7AC0-49C2-9B52-6F4F2025139A}" type="slidenum">
+              <a:rPr lang="en-US" smtClean="0"/>
+              <a:t>13</a:t>
+            </a:fld>
+            <a:endParaRPr lang="en-US"/>
+          </a:p>
+        </p:txBody>
+      </p:sp>
+    </p:spTree>
+    <p:extLst>
+      <p:ext uri="{BB962C8B-B14F-4D97-AF65-F5344CB8AC3E}">
+        <p14:creationId xmlns:p14="http://schemas.microsoft.com/office/powerpoint/2010/main" val="3974500291"/>
+      </p:ext>
+    </p:extLst>
+  </p:cSld>
+  <p:clrMapOvr>
+    <a:masterClrMapping/>
+  </p:clrMapOvr>
+</p:notes>
+</file>
+
+<file path=ppt/notesSlides/notesSlide2.xml><?xml version="1.0" encoding="utf-8"?>
+<p:notes xmlns:a="http://schemas.openxmlformats.org/drawingml/2006/main" xmlns:r="http://schemas.openxmlformats.org/officeDocument/2006/relationships" xmlns:p="http://schemas.openxmlformats.org/presentationml/2006/main">
+  <p:cSld>
+    <p:spTree>
+      <p:nvGrpSpPr>
+        <p:cNvPr id="1" name=""/>
+        <p:cNvGrpSpPr/>
+        <p:nvPr/>
+      </p:nvGrpSpPr>
+      <p:grpSpPr>
+        <a:xfrm>
+          <a:off x="0" y="0"/>
+          <a:ext cx="0" cy="0"/>
+          <a:chOff x="0" y="0"/>
+          <a:chExt cx="0" cy="0"/>
+        </a:xfrm>
+      </p:grpSpPr>
+      <p:sp>
+        <p:nvSpPr>
+          <p:cNvPr id="2" name="Slide Image Placeholder 1"/>
+          <p:cNvSpPr>
+            <a:spLocks noGrp="1" noRot="1" noChangeAspect="1"/>
+          </p:cNvSpPr>
+          <p:nvPr>
+            <p:ph type="sldImg"/>
+          </p:nvPr>
+        </p:nvSpPr>
+        <p:spPr/>
+      </p:sp>
+      <p:sp>
+        <p:nvSpPr>
+          <p:cNvPr id="3" name="Notes Placeholder 2"/>
+          <p:cNvSpPr>
+            <a:spLocks noGrp="1"/>
+          </p:cNvSpPr>
+          <p:nvPr>
+            <p:ph type="body" idx="1"/>
+          </p:nvPr>
+        </p:nvSpPr>
+        <p:spPr/>
+        <p:txBody>
+          <a:bodyPr/>
+          <a:lstStyle/>
+          <a:p>
+            <a:r>
+              <a:rPr lang="en-US" dirty="0"/>
+              <a:t>So a couple of getting started details:</a:t>
+            </a:r>
+          </a:p>
+          <a:p>
+            <a:r>
+              <a:rPr lang="en-US" dirty="0"/>
+              <a:t>This entire lecture and source code for examples is available on Github right now. If you are not familiar with Github it is the largest code sharing website in the world.</a:t>
+            </a:r>
+          </a:p>
+          <a:p>
+            <a:r>
+              <a:rPr lang="en-US" dirty="0"/>
+              <a:t>All the examples shown in this lecture can actually be run in your browser using a website called Repl.it. This website puts a C++ compiler and editor right in your browser and looks like this picture.</a:t>
+            </a:r>
+          </a:p>
+          <a:p>
+            <a:endParaRPr lang="en-US" dirty="0"/>
+          </a:p>
+          <a:p>
+            <a:r>
+              <a:rPr lang="en-US" dirty="0"/>
+              <a:t>This lecture assumes that the students have a basic knowledge of basic C++ data types and being able to declare variables. This lecture only uses the data types int, string, and vector.</a:t>
+            </a:r>
+          </a:p>
+          <a:p>
+            <a:r>
+              <a:rPr lang="en-US" dirty="0"/>
+              <a:t>So if that’s all you know you are pretty much good. </a:t>
+            </a:r>
+          </a:p>
+        </p:txBody>
+      </p:sp>
+      <p:sp>
+        <p:nvSpPr>
+          <p:cNvPr id="4" name="Slide Number Placeholder 3"/>
+          <p:cNvSpPr>
+            <a:spLocks noGrp="1"/>
+          </p:cNvSpPr>
+          <p:nvPr>
+            <p:ph type="sldNum" sz="quarter" idx="5"/>
+          </p:nvPr>
+        </p:nvSpPr>
+        <p:spPr/>
+        <p:txBody>
+          <a:bodyPr/>
+          <a:lstStyle/>
+          <a:p>
+            <a:fld id="{2C44DD81-7AC0-49C2-9B52-6F4F2025139A}" type="slidenum">
+              <a:rPr lang="en-US" smtClean="0"/>
+              <a:t>3</a:t>
+            </a:fld>
+            <a:endParaRPr lang="en-US"/>
+          </a:p>
+        </p:txBody>
+      </p:sp>
+    </p:spTree>
+    <p:extLst>
+      <p:ext uri="{BB962C8B-B14F-4D97-AF65-F5344CB8AC3E}">
+        <p14:creationId xmlns:p14="http://schemas.microsoft.com/office/powerpoint/2010/main" val="2972609295"/>
+      </p:ext>
+    </p:extLst>
+  </p:cSld>
+  <p:clrMapOvr>
+    <a:masterClrMapping/>
+  </p:clrMapOvr>
+</p:notes>
+</file>
+
+<file path=ppt/notesSlides/notesSlide3.xml><?xml version="1.0" encoding="utf-8"?>
+<p:notes xmlns:a="http://schemas.openxmlformats.org/drawingml/2006/main" xmlns:r="http://schemas.openxmlformats.org/officeDocument/2006/relationships" xmlns:p="http://schemas.openxmlformats.org/presentationml/2006/main">
+  <p:cSld>
+    <p:spTree>
+      <p:nvGrpSpPr>
+        <p:cNvPr id="1" name=""/>
+        <p:cNvGrpSpPr/>
+        <p:nvPr/>
+      </p:nvGrpSpPr>
+      <p:grpSpPr>
+        <a:xfrm>
+          <a:off x="0" y="0"/>
+          <a:ext cx="0" cy="0"/>
+          <a:chOff x="0" y="0"/>
+          <a:chExt cx="0" cy="0"/>
+        </a:xfrm>
+      </p:grpSpPr>
+      <p:sp>
+        <p:nvSpPr>
+          <p:cNvPr id="2" name="Slide Image Placeholder 1"/>
+          <p:cNvSpPr>
+            <a:spLocks noGrp="1" noRot="1" noChangeAspect="1"/>
+          </p:cNvSpPr>
+          <p:nvPr>
+            <p:ph type="sldImg"/>
+          </p:nvPr>
+        </p:nvSpPr>
+        <p:spPr/>
+      </p:sp>
+      <p:sp>
+        <p:nvSpPr>
+          <p:cNvPr id="3" name="Notes Placeholder 2"/>
+          <p:cNvSpPr>
+            <a:spLocks noGrp="1"/>
+          </p:cNvSpPr>
+          <p:nvPr>
+            <p:ph type="body" idx="1"/>
+          </p:nvPr>
+        </p:nvSpPr>
+        <p:spPr/>
+        <p:txBody>
+          <a:bodyPr/>
+          <a:lstStyle/>
+          <a:p>
+            <a:r>
+              <a:rPr lang="en-US" dirty="0"/>
+              <a:t>Today we are learning all about C++ Loops!</a:t>
+            </a:r>
+          </a:p>
+          <a:p>
+            <a:endParaRPr lang="en-US" dirty="0"/>
+          </a:p>
+          <a:p>
+            <a:r>
+              <a:rPr lang="en-US" dirty="0"/>
+              <a:t>What are Loops used for?</a:t>
+            </a:r>
+          </a:p>
+          <a:p>
+            <a:r>
+              <a:rPr lang="en-US" dirty="0"/>
+              <a:t> Often times we need to repeat a procedure, or a block of code over and over.</a:t>
+            </a:r>
+          </a:p>
+          <a:p>
+            <a:r>
+              <a:rPr lang="en-US" dirty="0"/>
+              <a:t> Instead of duplicating that code, we can use a loop</a:t>
+            </a:r>
+          </a:p>
+          <a:p>
+            <a:endParaRPr lang="en-US" dirty="0"/>
+          </a:p>
+          <a:p>
+            <a:r>
+              <a:rPr lang="en-US" dirty="0"/>
+              <a:t>C++ has two main types of loops: the for loop and the while loop</a:t>
+            </a:r>
+          </a:p>
+          <a:p>
+            <a:endParaRPr lang="en-US" dirty="0"/>
+          </a:p>
+          <a:p>
+            <a:r>
+              <a:rPr lang="en-US" dirty="0"/>
+              <a:t>However they both generally have this type of structure.</a:t>
+            </a:r>
+          </a:p>
+          <a:p>
+            <a:r>
+              <a:rPr lang="en-US" dirty="0"/>
+              <a:t>A conditional statement is evaluated and if true, code contained in the Loop Body is executed. The conditional is then re-evaluated and the process repeats</a:t>
+            </a:r>
+          </a:p>
+          <a:p>
+            <a:r>
+              <a:rPr lang="en-US" dirty="0"/>
+              <a:t>This creates a repeating pattern where the loop body may be executed multiple times.</a:t>
+            </a:r>
+          </a:p>
+          <a:p>
+            <a:endParaRPr lang="en-US" dirty="0"/>
+          </a:p>
+          <a:p>
+            <a:r>
+              <a:rPr lang="en-US" dirty="0"/>
+              <a:t>The C++ keywords we will be learning are: for, while, do, break, and continue</a:t>
+            </a:r>
+            <a:br>
+              <a:rPr lang="en-US" dirty="0"/>
+            </a:br>
+            <a:endParaRPr lang="en-US" dirty="0"/>
+          </a:p>
+          <a:p>
+            <a:r>
+              <a:rPr lang="en-US" dirty="0"/>
+              <a:t>We will not be learning about go to flow control. This is not used as much today and is generally frowned upon when used in higher level languages.</a:t>
+            </a:r>
+          </a:p>
+          <a:p>
+            <a:r>
+              <a:rPr lang="en-US" dirty="0"/>
+              <a:t>We will also learn about some new loops introduced in modern C++</a:t>
+            </a:r>
+          </a:p>
+          <a:p>
+            <a:r>
+              <a:rPr lang="en-US" dirty="0"/>
+              <a:t>The examples presented here are not meant to optimal or </a:t>
+            </a:r>
+            <a:r>
+              <a:rPr lang="en-US" dirty="0" err="1"/>
+              <a:t>effeceint</a:t>
+            </a:r>
+            <a:r>
+              <a:rPr lang="en-US" dirty="0"/>
+              <a:t>; they are to be simple and demonstrate principals</a:t>
+            </a:r>
+          </a:p>
+          <a:p>
+            <a:endParaRPr lang="en-US" dirty="0"/>
+          </a:p>
+          <a:p>
+            <a:endParaRPr lang="en-US" dirty="0"/>
+          </a:p>
+          <a:p>
+            <a:r>
+              <a:rPr lang="en-US" dirty="0"/>
+              <a:t>https://homepages.cwi.nl/~storm/teaching/reader/Dijkstra68.pdf</a:t>
+            </a:r>
+          </a:p>
+          <a:p>
+            <a:endParaRPr lang="en-US" dirty="0"/>
+          </a:p>
+          <a:p>
+            <a:endParaRPr lang="en-US" dirty="0"/>
+          </a:p>
+        </p:txBody>
+      </p:sp>
+      <p:sp>
+        <p:nvSpPr>
+          <p:cNvPr id="4" name="Slide Number Placeholder 3"/>
+          <p:cNvSpPr>
+            <a:spLocks noGrp="1"/>
+          </p:cNvSpPr>
+          <p:nvPr>
+            <p:ph type="sldNum" sz="quarter" idx="5"/>
+          </p:nvPr>
+        </p:nvSpPr>
+        <p:spPr/>
+        <p:txBody>
+          <a:bodyPr/>
+          <a:lstStyle/>
+          <a:p>
+            <a:fld id="{2C44DD81-7AC0-49C2-9B52-6F4F2025139A}" type="slidenum">
+              <a:rPr lang="en-US" smtClean="0"/>
+              <a:t>4</a:t>
+            </a:fld>
+            <a:endParaRPr lang="en-US"/>
+          </a:p>
+        </p:txBody>
+      </p:sp>
+    </p:spTree>
+    <p:extLst>
+      <p:ext uri="{BB962C8B-B14F-4D97-AF65-F5344CB8AC3E}">
+        <p14:creationId xmlns:p14="http://schemas.microsoft.com/office/powerpoint/2010/main" val="1276752692"/>
+      </p:ext>
+    </p:extLst>
+  </p:cSld>
+  <p:clrMapOvr>
+    <a:masterClrMapping/>
+  </p:clrMapOvr>
+</p:notes>
+</file>
+
+<file path=ppt/notesSlides/notesSlide4.xml><?xml version="1.0" encoding="utf-8"?>
+<p:notes xmlns:a="http://schemas.openxmlformats.org/drawingml/2006/main" xmlns:r="http://schemas.openxmlformats.org/officeDocument/2006/relationships" xmlns:p="http://schemas.openxmlformats.org/presentationml/2006/main">
+  <p:cSld>
+    <p:spTree>
+      <p:nvGrpSpPr>
+        <p:cNvPr id="1" name=""/>
+        <p:cNvGrpSpPr/>
+        <p:nvPr/>
+      </p:nvGrpSpPr>
+      <p:grpSpPr>
+        <a:xfrm>
+          <a:off x="0" y="0"/>
+          <a:ext cx="0" cy="0"/>
+          <a:chOff x="0" y="0"/>
+          <a:chExt cx="0" cy="0"/>
+        </a:xfrm>
+      </p:grpSpPr>
+      <p:sp>
+        <p:nvSpPr>
+          <p:cNvPr id="2" name="Slide Image Placeholder 1"/>
+          <p:cNvSpPr>
+            <a:spLocks noGrp="1" noRot="1" noChangeAspect="1"/>
+          </p:cNvSpPr>
+          <p:nvPr>
+            <p:ph type="sldImg"/>
+          </p:nvPr>
+        </p:nvSpPr>
+        <p:spPr/>
+      </p:sp>
+      <p:sp>
+        <p:nvSpPr>
+          <p:cNvPr id="3" name="Notes Placeholder 2"/>
+          <p:cNvSpPr>
+            <a:spLocks noGrp="1"/>
+          </p:cNvSpPr>
+          <p:nvPr>
+            <p:ph type="body" idx="1"/>
+          </p:nvPr>
+        </p:nvSpPr>
+        <p:spPr/>
+        <p:txBody>
+          <a:bodyPr/>
+          <a:lstStyle/>
+          <a:p>
+            <a:r>
+              <a:rPr lang="en-US" dirty="0"/>
+              <a:t>First lets being with the while loop</a:t>
+            </a:r>
+          </a:p>
+          <a:p>
+            <a:endParaRPr lang="en-US" dirty="0"/>
+          </a:p>
+          <a:p>
+            <a:r>
+              <a:rPr lang="en-US" dirty="0"/>
+              <a:t>You can see the control flow diagram on the left for a while loop. </a:t>
+            </a:r>
+          </a:p>
+          <a:p>
+            <a:endParaRPr lang="en-US" dirty="0"/>
+          </a:p>
+          <a:p>
+            <a:r>
+              <a:rPr lang="en-US" dirty="0"/>
+              <a:t>You begin at the start label and move to a conditional statement. If the condition is true you continue to the loop body, if false you end the loop.</a:t>
+            </a:r>
+          </a:p>
+          <a:p>
+            <a:endParaRPr lang="en-US" dirty="0"/>
+          </a:p>
+          <a:p>
+            <a:r>
+              <a:rPr lang="en-US" dirty="0"/>
+              <a:t>If true the Loop body is executed where control flow returns back to the condition statement. The process then repeats.</a:t>
+            </a:r>
+          </a:p>
+          <a:p>
+            <a:endParaRPr lang="en-US" dirty="0"/>
+          </a:p>
+          <a:p>
+            <a:r>
+              <a:rPr lang="en-US" dirty="0"/>
+              <a:t>An example program is shown on the right.</a:t>
+            </a:r>
+          </a:p>
+          <a:p>
+            <a:endParaRPr lang="en-US" dirty="0"/>
+          </a:p>
+          <a:p>
+            <a:r>
+              <a:rPr lang="en-US" dirty="0"/>
+              <a:t>First we need some sort of condition variable that is usually defined outside the while loop. Here we name that condition variable repeat and set it to true.</a:t>
+            </a:r>
+          </a:p>
+          <a:p>
+            <a:endParaRPr lang="en-US" dirty="0"/>
+          </a:p>
+          <a:p>
+            <a:r>
+              <a:rPr lang="en-US" dirty="0"/>
+              <a:t>Then we need to use the while keyword and place a parentheses,</a:t>
+            </a:r>
+          </a:p>
+          <a:p>
+            <a:endParaRPr lang="en-US" dirty="0"/>
+          </a:p>
+          <a:p>
+            <a:r>
+              <a:rPr lang="en-US" dirty="0"/>
+              <a:t>Everything inside of the parentheses is considered the conditional statement. In this example, we put a variable repeat inside which will evaluate to either true or false</a:t>
+            </a:r>
+          </a:p>
+          <a:p>
+            <a:endParaRPr lang="en-US" dirty="0"/>
+          </a:p>
+          <a:p>
+            <a:r>
+              <a:rPr lang="en-US" dirty="0"/>
+              <a:t>Next we insert the Loop Body which begin and ends with an opening and closing bracket respectively. Everything in between these brackets is code that may be repeated.</a:t>
+            </a:r>
+          </a:p>
+          <a:p>
+            <a:endParaRPr lang="en-US" dirty="0"/>
+          </a:p>
+          <a:p>
+            <a:r>
+              <a:rPr lang="en-US" dirty="0"/>
+              <a:t>Our loop body is quite simple. We output text to the terminal in Line 14, take input from the terminal in line 15 which is placed in the ‘input’ variable</a:t>
+            </a:r>
+          </a:p>
+          <a:p>
+            <a:endParaRPr lang="en-US" dirty="0"/>
+          </a:p>
+          <a:p>
+            <a:r>
+              <a:rPr lang="en-US" dirty="0"/>
+              <a:t>Then line 16 does something important. We update the repeat variable! If the user enters the letter ‘y’ then repeat is true, anything else will evaluate to false.</a:t>
+            </a:r>
+          </a:p>
+          <a:p>
+            <a:endParaRPr lang="en-US" dirty="0"/>
+          </a:p>
+          <a:p>
+            <a:r>
+              <a:rPr lang="en-US" b="1" dirty="0"/>
+              <a:t>Question:</a:t>
+            </a:r>
+          </a:p>
+          <a:p>
+            <a:r>
+              <a:rPr lang="en-US" b="0" dirty="0"/>
+              <a:t>Why is line 16 so important. What happens if we skip it?</a:t>
+            </a:r>
+          </a:p>
+          <a:p>
+            <a:endParaRPr lang="en-US" b="0" dirty="0"/>
+          </a:p>
+          <a:p>
+            <a:r>
+              <a:rPr lang="en-US" b="1" dirty="0"/>
+              <a:t>Question:</a:t>
+            </a:r>
+          </a:p>
+          <a:p>
+            <a:r>
+              <a:rPr lang="en-US" b="0" dirty="0"/>
+              <a:t>How do you stop a program that is in an </a:t>
+            </a:r>
+            <a:r>
+              <a:rPr lang="en-US" b="0" dirty="0" err="1"/>
+              <a:t>infinte</a:t>
+            </a:r>
+            <a:r>
+              <a:rPr lang="en-US" b="0" dirty="0"/>
+              <a:t> loop?</a:t>
+            </a:r>
+          </a:p>
+          <a:p>
+            <a:endParaRPr lang="en-US" b="0" dirty="0"/>
+          </a:p>
+          <a:p>
+            <a:r>
+              <a:rPr lang="en-US" b="0" dirty="0"/>
+              <a:t>Ctrl-c!!!</a:t>
+            </a:r>
+          </a:p>
+          <a:p>
+            <a:endParaRPr lang="en-US" b="0" dirty="0"/>
+          </a:p>
+          <a:p>
+            <a:endParaRPr lang="en-US" b="0" dirty="0"/>
+          </a:p>
+          <a:p>
+            <a:r>
+              <a:rPr lang="en-US" b="0" dirty="0"/>
+              <a:t>Example output of this program would look like this:</a:t>
+            </a:r>
+          </a:p>
+          <a:p>
+            <a:endParaRPr lang="en-US" dirty="0"/>
+          </a:p>
+          <a:p>
+            <a:endParaRPr lang="en-US" dirty="0"/>
+          </a:p>
+        </p:txBody>
+      </p:sp>
+      <p:sp>
+        <p:nvSpPr>
+          <p:cNvPr id="4" name="Slide Number Placeholder 3"/>
+          <p:cNvSpPr>
+            <a:spLocks noGrp="1"/>
+          </p:cNvSpPr>
+          <p:nvPr>
+            <p:ph type="sldNum" sz="quarter" idx="5"/>
+          </p:nvPr>
+        </p:nvSpPr>
+        <p:spPr/>
+        <p:txBody>
+          <a:bodyPr/>
+          <a:lstStyle/>
+          <a:p>
+            <a:fld id="{2C44DD81-7AC0-49C2-9B52-6F4F2025139A}" type="slidenum">
+              <a:rPr lang="en-US" smtClean="0"/>
+              <a:t>5</a:t>
+            </a:fld>
+            <a:endParaRPr lang="en-US"/>
+          </a:p>
+        </p:txBody>
+      </p:sp>
+    </p:spTree>
+    <p:extLst>
+      <p:ext uri="{BB962C8B-B14F-4D97-AF65-F5344CB8AC3E}">
+        <p14:creationId xmlns:p14="http://schemas.microsoft.com/office/powerpoint/2010/main" val="2974345512"/>
+      </p:ext>
+    </p:extLst>
+  </p:cSld>
+  <p:clrMapOvr>
+    <a:masterClrMapping/>
+  </p:clrMapOvr>
+</p:notes>
+</file>
+
+<file path=ppt/notesSlides/notesSlide5.xml><?xml version="1.0" encoding="utf-8"?>
+<p:notes xmlns:a="http://schemas.openxmlformats.org/drawingml/2006/main" xmlns:r="http://schemas.openxmlformats.org/officeDocument/2006/relationships" xmlns:p="http://schemas.openxmlformats.org/presentationml/2006/main">
+  <p:cSld>
+    <p:spTree>
+      <p:nvGrpSpPr>
+        <p:cNvPr id="1" name=""/>
+        <p:cNvGrpSpPr/>
+        <p:nvPr/>
+      </p:nvGrpSpPr>
+      <p:grpSpPr>
+        <a:xfrm>
+          <a:off x="0" y="0"/>
+          <a:ext cx="0" cy="0"/>
+          <a:chOff x="0" y="0"/>
+          <a:chExt cx="0" cy="0"/>
+        </a:xfrm>
+      </p:grpSpPr>
+      <p:sp>
+        <p:nvSpPr>
+          <p:cNvPr id="2" name="Slide Image Placeholder 1"/>
+          <p:cNvSpPr>
+            <a:spLocks noGrp="1" noRot="1" noChangeAspect="1"/>
+          </p:cNvSpPr>
+          <p:nvPr>
+            <p:ph type="sldImg"/>
+          </p:nvPr>
+        </p:nvSpPr>
+        <p:spPr/>
+      </p:sp>
+      <p:sp>
+        <p:nvSpPr>
+          <p:cNvPr id="3" name="Notes Placeholder 2"/>
+          <p:cNvSpPr>
+            <a:spLocks noGrp="1"/>
+          </p:cNvSpPr>
+          <p:nvPr>
+            <p:ph type="body" idx="1"/>
+          </p:nvPr>
+        </p:nvSpPr>
+        <p:spPr/>
+        <p:txBody>
+          <a:bodyPr/>
+          <a:lstStyle/>
+          <a:p>
+            <a:r>
+              <a:rPr lang="en-US" dirty="0"/>
+              <a:t>Next we will learn about the break statement</a:t>
+            </a:r>
+          </a:p>
+          <a:p>
+            <a:endParaRPr lang="en-US" dirty="0"/>
+          </a:p>
+          <a:p>
+            <a:endParaRPr lang="en-US" dirty="0"/>
+          </a:p>
+          <a:p>
+            <a:r>
+              <a:rPr lang="en-US" dirty="0"/>
+              <a:t>This program is the exact same as before except now the while loop is always true. That means this is an infinite loop!</a:t>
+            </a:r>
+          </a:p>
+          <a:p>
+            <a:endParaRPr lang="en-US" dirty="0"/>
+          </a:p>
+          <a:p>
+            <a:r>
+              <a:rPr lang="en-US" dirty="0"/>
+              <a:t>To exit the loop we check if the input is not ‘y’ and use the break statement in line 14 to exit the loop.</a:t>
+            </a:r>
+          </a:p>
+          <a:p>
+            <a:endParaRPr lang="en-US" dirty="0"/>
+          </a:p>
+          <a:p>
+            <a:r>
+              <a:rPr lang="en-US" dirty="0"/>
+              <a:t>So when do we generally use </a:t>
+            </a:r>
+            <a:r>
+              <a:rPr lang="en-US" dirty="0" err="1"/>
+              <a:t>whle</a:t>
+            </a:r>
+            <a:r>
+              <a:rPr lang="en-US" dirty="0"/>
+              <a:t> loops?</a:t>
+            </a:r>
+          </a:p>
+          <a:p>
+            <a:endParaRPr lang="en-US" dirty="0"/>
+          </a:p>
+          <a:p>
+            <a:r>
+              <a:rPr lang="en-US" dirty="0"/>
+              <a:t>Don’t know how many times to repeat code</a:t>
+            </a:r>
+          </a:p>
+          <a:p>
+            <a:r>
+              <a:rPr lang="en-US" dirty="0"/>
+              <a:t>Maybe we want an </a:t>
+            </a:r>
+            <a:r>
+              <a:rPr lang="en-US" dirty="0" err="1"/>
+              <a:t>infitely</a:t>
+            </a:r>
+            <a:r>
+              <a:rPr lang="en-US" dirty="0"/>
+              <a:t> repeating loop until a user input exit</a:t>
+            </a:r>
+          </a:p>
+          <a:p>
+            <a:r>
+              <a:rPr lang="en-US" dirty="0"/>
+              <a:t>Its also very often used for game loops -. Get User Input, Update, Game Render, Screen. We do this forever until the user exits the game.</a:t>
+            </a:r>
+          </a:p>
+          <a:p>
+            <a:endParaRPr lang="en-US" dirty="0"/>
+          </a:p>
+          <a:p>
+            <a:endParaRPr lang="en-US" dirty="0"/>
+          </a:p>
+        </p:txBody>
+      </p:sp>
+      <p:sp>
+        <p:nvSpPr>
+          <p:cNvPr id="4" name="Slide Number Placeholder 3"/>
+          <p:cNvSpPr>
+            <a:spLocks noGrp="1"/>
+          </p:cNvSpPr>
+          <p:nvPr>
+            <p:ph type="sldNum" sz="quarter" idx="5"/>
+          </p:nvPr>
+        </p:nvSpPr>
+        <p:spPr/>
+        <p:txBody>
+          <a:bodyPr/>
+          <a:lstStyle/>
+          <a:p>
+            <a:fld id="{2C44DD81-7AC0-49C2-9B52-6F4F2025139A}" type="slidenum">
+              <a:rPr lang="en-US" smtClean="0"/>
+              <a:t>6</a:t>
+            </a:fld>
+            <a:endParaRPr lang="en-US"/>
+          </a:p>
+        </p:txBody>
+      </p:sp>
+    </p:spTree>
+    <p:extLst>
+      <p:ext uri="{BB962C8B-B14F-4D97-AF65-F5344CB8AC3E}">
+        <p14:creationId xmlns:p14="http://schemas.microsoft.com/office/powerpoint/2010/main" val="3516159539"/>
+      </p:ext>
+    </p:extLst>
+  </p:cSld>
+  <p:clrMapOvr>
+    <a:masterClrMapping/>
+  </p:clrMapOvr>
+</p:notes>
+</file>
+
+<file path=ppt/notesSlides/notesSlide6.xml><?xml version="1.0" encoding="utf-8"?>
+<p:notes xmlns:a="http://schemas.openxmlformats.org/drawingml/2006/main" xmlns:r="http://schemas.openxmlformats.org/officeDocument/2006/relationships" xmlns:p="http://schemas.openxmlformats.org/presentationml/2006/main">
+  <p:cSld>
+    <p:spTree>
+      <p:nvGrpSpPr>
+        <p:cNvPr id="1" name=""/>
+        <p:cNvGrpSpPr/>
+        <p:nvPr/>
+      </p:nvGrpSpPr>
+      <p:grpSpPr>
+        <a:xfrm>
+          <a:off x="0" y="0"/>
+          <a:ext cx="0" cy="0"/>
+          <a:chOff x="0" y="0"/>
+          <a:chExt cx="0" cy="0"/>
+        </a:xfrm>
+      </p:grpSpPr>
+      <p:sp>
+        <p:nvSpPr>
+          <p:cNvPr id="2" name="Slide Image Placeholder 1"/>
+          <p:cNvSpPr>
+            <a:spLocks noGrp="1" noRot="1" noChangeAspect="1"/>
+          </p:cNvSpPr>
+          <p:nvPr>
+            <p:ph type="sldImg"/>
+          </p:nvPr>
+        </p:nvSpPr>
+        <p:spPr/>
+      </p:sp>
+      <p:sp>
+        <p:nvSpPr>
+          <p:cNvPr id="3" name="Notes Placeholder 2"/>
+          <p:cNvSpPr>
+            <a:spLocks noGrp="1"/>
+          </p:cNvSpPr>
+          <p:nvPr>
+            <p:ph type="body" idx="1"/>
+          </p:nvPr>
+        </p:nvSpPr>
+        <p:spPr/>
+        <p:txBody>
+          <a:bodyPr/>
+          <a:lstStyle/>
+          <a:p>
+            <a:r>
+              <a:rPr lang="en-US" dirty="0"/>
+              <a:t>This next example is for a do while loop, but it slightly different.</a:t>
+            </a:r>
+          </a:p>
+          <a:p>
+            <a:endParaRPr lang="en-US" dirty="0"/>
+          </a:p>
+          <a:p>
+            <a:r>
+              <a:rPr lang="en-US" dirty="0"/>
+              <a:t>You can see the control flow diagram on the </a:t>
+            </a:r>
+            <a:r>
+              <a:rPr lang="en-US" dirty="0" err="1"/>
+              <a:t>lft</a:t>
+            </a:r>
+            <a:r>
+              <a:rPr lang="en-US" dirty="0"/>
+              <a:t>. Can anyone tell me what's different about in this diagram from the one of the previous page.</a:t>
+            </a:r>
+          </a:p>
+          <a:p>
+            <a:endParaRPr lang="en-US" dirty="0"/>
+          </a:p>
+          <a:p>
+            <a:endParaRPr lang="en-US" dirty="0"/>
+          </a:p>
+          <a:p>
+            <a:r>
+              <a:rPr lang="en-US" dirty="0"/>
+              <a:t>Yep the only difference is the order of the </a:t>
+            </a:r>
+            <a:r>
+              <a:rPr lang="en-US" dirty="0" err="1"/>
+              <a:t>coniditonal</a:t>
+            </a:r>
+            <a:r>
+              <a:rPr lang="en-US" dirty="0"/>
+              <a:t> and the loop body. In the do while loop the </a:t>
+            </a:r>
+            <a:r>
+              <a:rPr lang="en-US" dirty="0" err="1"/>
+              <a:t>Lopo</a:t>
+            </a:r>
+            <a:r>
+              <a:rPr lang="en-US" dirty="0"/>
+              <a:t> body is </a:t>
+            </a:r>
+            <a:r>
+              <a:rPr lang="en-US" dirty="0" err="1"/>
+              <a:t>exuctued</a:t>
+            </a:r>
+            <a:r>
+              <a:rPr lang="en-US" dirty="0"/>
+              <a:t> first.</a:t>
+            </a:r>
+          </a:p>
+          <a:p>
+            <a:endParaRPr lang="en-US" dirty="0"/>
+          </a:p>
+          <a:p>
+            <a:endParaRPr lang="en-US" dirty="0"/>
+          </a:p>
+          <a:p>
+            <a:r>
+              <a:rPr lang="en-US" dirty="0"/>
+              <a:t>We still have the same condition variable, then we place down the ‘do’ keyword</a:t>
+            </a:r>
+          </a:p>
+          <a:p>
+            <a:r>
+              <a:rPr lang="en-US" dirty="0"/>
+              <a:t>Then the loop body begins to execute. It doesn’t matter that repeat is false, this loop body is still executed at least once.</a:t>
+            </a:r>
+          </a:p>
+          <a:p>
+            <a:r>
+              <a:rPr lang="en-US" dirty="0"/>
+              <a:t>We update the repeat variable in Line 13, and then perform the condition statement on line 15.</a:t>
+            </a:r>
+          </a:p>
+          <a:p>
+            <a:endParaRPr lang="en-US" dirty="0"/>
+          </a:p>
+          <a:p>
+            <a:endParaRPr lang="en-US" dirty="0"/>
+          </a:p>
+          <a:p>
+            <a:r>
+              <a:rPr lang="en-US" dirty="0"/>
+              <a:t>So basically that’s it for while loops. Does anyone have any questions about while loops so far?</a:t>
+            </a:r>
+          </a:p>
+          <a:p>
+            <a:endParaRPr lang="en-US" dirty="0"/>
+          </a:p>
+          <a:p>
+            <a:endParaRPr lang="en-US" dirty="0"/>
+          </a:p>
+          <a:p>
+            <a:endParaRPr lang="en-US" dirty="0"/>
+          </a:p>
+        </p:txBody>
+      </p:sp>
+      <p:sp>
+        <p:nvSpPr>
+          <p:cNvPr id="4" name="Slide Number Placeholder 3"/>
+          <p:cNvSpPr>
+            <a:spLocks noGrp="1"/>
+          </p:cNvSpPr>
+          <p:nvPr>
+            <p:ph type="sldNum" sz="quarter" idx="5"/>
+          </p:nvPr>
+        </p:nvSpPr>
+        <p:spPr/>
+        <p:txBody>
+          <a:bodyPr/>
+          <a:lstStyle/>
+          <a:p>
+            <a:fld id="{2C44DD81-7AC0-49C2-9B52-6F4F2025139A}" type="slidenum">
+              <a:rPr lang="en-US" smtClean="0"/>
+              <a:t>7</a:t>
+            </a:fld>
+            <a:endParaRPr lang="en-US"/>
+          </a:p>
+        </p:txBody>
+      </p:sp>
+    </p:spTree>
+    <p:extLst>
+      <p:ext uri="{BB962C8B-B14F-4D97-AF65-F5344CB8AC3E}">
+        <p14:creationId xmlns:p14="http://schemas.microsoft.com/office/powerpoint/2010/main" val="3736030804"/>
+      </p:ext>
+    </p:extLst>
+  </p:cSld>
+  <p:clrMapOvr>
+    <a:masterClrMapping/>
+  </p:clrMapOvr>
+</p:notes>
+</file>
+
+<file path=ppt/notesSlides/notesSlide7.xml><?xml version="1.0" encoding="utf-8"?>
+<p:notes xmlns:a="http://schemas.openxmlformats.org/drawingml/2006/main" xmlns:r="http://schemas.openxmlformats.org/officeDocument/2006/relationships" xmlns:p="http://schemas.openxmlformats.org/presentationml/2006/main">
+  <p:cSld>
+    <p:spTree>
+      <p:nvGrpSpPr>
+        <p:cNvPr id="1" name=""/>
+        <p:cNvGrpSpPr/>
+        <p:nvPr/>
+      </p:nvGrpSpPr>
+      <p:grpSpPr>
+        <a:xfrm>
+          <a:off x="0" y="0"/>
+          <a:ext cx="0" cy="0"/>
+          <a:chOff x="0" y="0"/>
+          <a:chExt cx="0" cy="0"/>
+        </a:xfrm>
+      </p:grpSpPr>
+      <p:sp>
+        <p:nvSpPr>
+          <p:cNvPr id="2" name="Slide Image Placeholder 1"/>
+          <p:cNvSpPr>
+            <a:spLocks noGrp="1" noRot="1" noChangeAspect="1"/>
+          </p:cNvSpPr>
+          <p:nvPr>
+            <p:ph type="sldImg"/>
+          </p:nvPr>
+        </p:nvSpPr>
+        <p:spPr/>
+      </p:sp>
+      <p:sp>
+        <p:nvSpPr>
+          <p:cNvPr id="3" name="Notes Placeholder 2"/>
+          <p:cNvSpPr>
+            <a:spLocks noGrp="1"/>
+          </p:cNvSpPr>
+          <p:nvPr>
+            <p:ph type="body" idx="1"/>
+          </p:nvPr>
+        </p:nvSpPr>
+        <p:spPr/>
+        <p:txBody>
+          <a:bodyPr/>
+          <a:lstStyle/>
+          <a:p>
+            <a:r>
+              <a:rPr lang="en-US" dirty="0"/>
+              <a:t>Next up is for loops</a:t>
+            </a:r>
+          </a:p>
+          <a:p>
+            <a:endParaRPr lang="en-US" dirty="0"/>
+          </a:p>
+          <a:p>
+            <a:endParaRPr lang="en-US" dirty="0"/>
+          </a:p>
+          <a:p>
+            <a:r>
+              <a:rPr lang="en-US" dirty="0"/>
+              <a:t>For loops have a few more steps than while loops as we can see in control flow diagram.</a:t>
+            </a:r>
+          </a:p>
+          <a:p>
+            <a:endParaRPr lang="en-US" dirty="0"/>
+          </a:p>
+          <a:p>
+            <a:r>
+              <a:rPr lang="en-US" dirty="0"/>
+              <a:t>Once again we begin at the start, but move first to an initialization statement, after initialization we then perform a conditional, we execute the loop body if true,</a:t>
+            </a:r>
+          </a:p>
+          <a:p>
+            <a:r>
+              <a:rPr lang="en-US" dirty="0"/>
+              <a:t>And finally we perform and update statement.</a:t>
+            </a:r>
+          </a:p>
+          <a:p>
+            <a:endParaRPr lang="en-US" dirty="0"/>
+          </a:p>
+          <a:p>
+            <a:r>
+              <a:rPr lang="en-US" dirty="0"/>
+              <a:t>So the two new things are the initialization and update statements.</a:t>
+            </a:r>
+          </a:p>
+          <a:p>
+            <a:endParaRPr lang="en-US" dirty="0"/>
+          </a:p>
+          <a:p>
+            <a:endParaRPr lang="en-US" dirty="0"/>
+          </a:p>
+          <a:p>
+            <a:r>
+              <a:rPr lang="en-US" dirty="0"/>
+              <a:t>Lets see an example of how this all players</a:t>
+            </a:r>
+          </a:p>
+          <a:p>
+            <a:endParaRPr lang="en-US" dirty="0"/>
+          </a:p>
+          <a:p>
+            <a:r>
+              <a:rPr lang="en-US" dirty="0"/>
+              <a:t>Let look at the code on the right.</a:t>
+            </a:r>
+          </a:p>
+          <a:p>
+            <a:r>
+              <a:rPr lang="en-US" dirty="0"/>
+              <a:t>First things first we create a vector of strings. This is just a list of reindeer names. </a:t>
+            </a:r>
+          </a:p>
+          <a:p>
+            <a:endParaRPr lang="en-US" dirty="0"/>
+          </a:p>
+          <a:p>
+            <a:r>
+              <a:rPr lang="en-US" dirty="0"/>
+              <a:t>Next we begin with the for loop</a:t>
+            </a:r>
+          </a:p>
+          <a:p>
+            <a:endParaRPr lang="en-US" dirty="0"/>
+          </a:p>
+          <a:p>
+            <a:r>
+              <a:rPr lang="en-US" dirty="0"/>
+              <a:t>First we start with for loop keyword. Then we have a parenthesis that will have 3 statements separated by </a:t>
+            </a:r>
+            <a:r>
+              <a:rPr lang="en-US" dirty="0" err="1"/>
+              <a:t>semilcolons</a:t>
+            </a:r>
+            <a:r>
+              <a:rPr lang="en-US" dirty="0"/>
+              <a:t>!</a:t>
+            </a:r>
+          </a:p>
+          <a:p>
+            <a:endParaRPr lang="en-US" dirty="0"/>
+          </a:p>
+          <a:p>
+            <a:r>
+              <a:rPr lang="en-US" dirty="0"/>
+              <a:t>The first statement is the initialization statement. Literally the most common initialization is a counter variable that that starts at 0, in this case call the variable </a:t>
+            </a:r>
+            <a:r>
+              <a:rPr lang="en-US" dirty="0" err="1"/>
+              <a:t>i</a:t>
+            </a:r>
+            <a:r>
+              <a:rPr lang="en-US" dirty="0"/>
+              <a:t>.</a:t>
+            </a:r>
+          </a:p>
+          <a:p>
+            <a:endParaRPr lang="en-US" dirty="0"/>
+          </a:p>
+          <a:p>
+            <a:r>
+              <a:rPr lang="en-US" dirty="0"/>
+              <a:t>Next we have the conditions statement. This condition statement evaluates to true if ‘</a:t>
+            </a:r>
+            <a:r>
+              <a:rPr lang="en-US" dirty="0" err="1"/>
+              <a:t>i</a:t>
+            </a:r>
+            <a:r>
+              <a:rPr lang="en-US" dirty="0"/>
+              <a:t>’ is less than the size of the </a:t>
+            </a:r>
+            <a:r>
+              <a:rPr lang="en-US" dirty="0" err="1"/>
+              <a:t>reindder</a:t>
+            </a:r>
+            <a:r>
+              <a:rPr lang="en-US" dirty="0"/>
+              <a:t> vector. And as we all know, there are 9 reindeer, including Rudolph, so this </a:t>
+            </a:r>
+            <a:r>
+              <a:rPr lang="en-US" dirty="0" err="1"/>
+              <a:t>evalutes</a:t>
+            </a:r>
+            <a:r>
+              <a:rPr lang="en-US" dirty="0"/>
+              <a:t> to true if I is less than 9</a:t>
+            </a:r>
+          </a:p>
+          <a:p>
+            <a:endParaRPr lang="en-US" dirty="0"/>
+          </a:p>
+          <a:p>
+            <a:r>
+              <a:rPr lang="en-US" dirty="0"/>
+              <a:t>Next we have the update statement. In a for loop this generally means to increment the count variable. This means each time the loop body is executed the variable ‘I’ increments by 1.</a:t>
+            </a:r>
+          </a:p>
+          <a:p>
+            <a:endParaRPr lang="en-US" dirty="0"/>
+          </a:p>
+          <a:p>
+            <a:r>
+              <a:rPr lang="en-US" dirty="0"/>
+              <a:t>Next within the body of the for loop you may want to use the ‘I’ variable. In this example we use it to retrieve the reindeer at the I position in the list</a:t>
+            </a:r>
+          </a:p>
+          <a:p>
+            <a:endParaRPr lang="en-US" dirty="0"/>
+          </a:p>
+          <a:p>
+            <a:r>
+              <a:rPr lang="en-US" dirty="0"/>
+              <a:t>The output of this program is as </a:t>
+            </a:r>
+            <a:r>
+              <a:rPr lang="en-US" dirty="0" err="1"/>
+              <a:t>expectd</a:t>
+            </a:r>
+            <a:r>
+              <a:rPr lang="en-US" dirty="0"/>
+              <a:t> and simply prints out the reindeers to the terminal.</a:t>
+            </a:r>
+          </a:p>
+          <a:p>
+            <a:endParaRPr lang="en-US" dirty="0"/>
+          </a:p>
+          <a:p>
+            <a:r>
+              <a:rPr lang="en-US" dirty="0"/>
+              <a:t>Does anyone have any questions about this for loop example?</a:t>
+            </a:r>
+          </a:p>
+          <a:p>
+            <a:endParaRPr lang="en-US" dirty="0"/>
+          </a:p>
+          <a:p>
+            <a:endParaRPr lang="en-US" dirty="0"/>
+          </a:p>
+          <a:p>
+            <a:endParaRPr lang="en-US" dirty="0"/>
+          </a:p>
+          <a:p>
+            <a:endParaRPr lang="en-US" dirty="0"/>
+          </a:p>
+        </p:txBody>
+      </p:sp>
+      <p:sp>
+        <p:nvSpPr>
+          <p:cNvPr id="4" name="Slide Number Placeholder 3"/>
+          <p:cNvSpPr>
+            <a:spLocks noGrp="1"/>
+          </p:cNvSpPr>
+          <p:nvPr>
+            <p:ph type="sldNum" sz="quarter" idx="5"/>
+          </p:nvPr>
+        </p:nvSpPr>
+        <p:spPr/>
+        <p:txBody>
+          <a:bodyPr/>
+          <a:lstStyle/>
+          <a:p>
+            <a:fld id="{2C44DD81-7AC0-49C2-9B52-6F4F2025139A}" type="slidenum">
+              <a:rPr lang="en-US" smtClean="0"/>
+              <a:t>8</a:t>
+            </a:fld>
+            <a:endParaRPr lang="en-US"/>
+          </a:p>
+        </p:txBody>
+      </p:sp>
+    </p:spTree>
+    <p:extLst>
+      <p:ext uri="{BB962C8B-B14F-4D97-AF65-F5344CB8AC3E}">
+        <p14:creationId xmlns:p14="http://schemas.microsoft.com/office/powerpoint/2010/main" val="4193191423"/>
+      </p:ext>
+    </p:extLst>
+  </p:cSld>
+  <p:clrMapOvr>
+    <a:masterClrMapping/>
+  </p:clrMapOvr>
+</p:notes>
+</file>
+
+<file path=ppt/notesSlides/notesSlide8.xml><?xml version="1.0" encoding="utf-8"?>
+<p:notes xmlns:a="http://schemas.openxmlformats.org/drawingml/2006/main" xmlns:r="http://schemas.openxmlformats.org/officeDocument/2006/relationships" xmlns:p="http://schemas.openxmlformats.org/presentationml/2006/main">
+  <p:cSld>
+    <p:spTree>
+      <p:nvGrpSpPr>
+        <p:cNvPr id="1" name=""/>
+        <p:cNvGrpSpPr/>
+        <p:nvPr/>
+      </p:nvGrpSpPr>
+      <p:grpSpPr>
+        <a:xfrm>
+          <a:off x="0" y="0"/>
+          <a:ext cx="0" cy="0"/>
+          <a:chOff x="0" y="0"/>
+          <a:chExt cx="0" cy="0"/>
+        </a:xfrm>
+      </p:grpSpPr>
+      <p:sp>
+        <p:nvSpPr>
+          <p:cNvPr id="2" name="Slide Image Placeholder 1"/>
+          <p:cNvSpPr>
+            <a:spLocks noGrp="1" noRot="1" noChangeAspect="1"/>
+          </p:cNvSpPr>
+          <p:nvPr>
+            <p:ph type="sldImg"/>
+          </p:nvPr>
+        </p:nvSpPr>
+        <p:spPr/>
+      </p:sp>
+      <p:sp>
+        <p:nvSpPr>
+          <p:cNvPr id="3" name="Notes Placeholder 2"/>
+          <p:cNvSpPr>
+            <a:spLocks noGrp="1"/>
+          </p:cNvSpPr>
+          <p:nvPr>
+            <p:ph type="body" idx="1"/>
+          </p:nvPr>
+        </p:nvSpPr>
+        <p:spPr/>
+        <p:txBody>
+          <a:bodyPr/>
+          <a:lstStyle/>
+          <a:p>
+            <a:r>
+              <a:rPr lang="en-US" dirty="0"/>
+              <a:t>Next we will learn about the continue keyword.</a:t>
+            </a:r>
+          </a:p>
+          <a:p>
+            <a:endParaRPr lang="en-US" dirty="0"/>
+          </a:p>
+          <a:p>
+            <a:r>
+              <a:rPr lang="en-US" dirty="0"/>
+              <a:t>The continue keyword is used to skip execution of the remaining body</a:t>
+            </a:r>
+          </a:p>
+          <a:p>
+            <a:endParaRPr lang="en-US" dirty="0"/>
+          </a:p>
+          <a:p>
+            <a:r>
+              <a:rPr lang="en-US" dirty="0"/>
+              <a:t>Lets look at that same for lop example.</a:t>
+            </a:r>
+          </a:p>
+          <a:p>
+            <a:endParaRPr lang="en-US" dirty="0"/>
+          </a:p>
+          <a:p>
+            <a:r>
+              <a:rPr lang="en-US" dirty="0"/>
+              <a:t>The only difference here is if branch that checks to see if the reindeer being inspected is “cupid”. If it is we execute the continue statement.</a:t>
+            </a:r>
+          </a:p>
+          <a:p>
+            <a:endParaRPr lang="en-US" dirty="0"/>
+          </a:p>
+          <a:p>
+            <a:r>
+              <a:rPr lang="en-US" dirty="0"/>
+              <a:t>When this continue </a:t>
+            </a:r>
+            <a:r>
+              <a:rPr lang="en-US" dirty="0" err="1"/>
+              <a:t>statemtnis</a:t>
+            </a:r>
+            <a:r>
+              <a:rPr lang="en-US" dirty="0"/>
+              <a:t> reached it does not execute the remaining loop, which is the printing to </a:t>
+            </a:r>
+            <a:r>
+              <a:rPr lang="en-US" dirty="0" err="1"/>
+              <a:t>erminal</a:t>
+            </a:r>
+            <a:r>
+              <a:rPr lang="en-US" dirty="0"/>
+              <a:t> and return flow back to the start of the loop.</a:t>
+            </a:r>
+          </a:p>
+          <a:p>
+            <a:r>
+              <a:rPr lang="en-US" dirty="0"/>
+              <a:t>To be clear, it will update the count variable, check the condition, and then execute </a:t>
+            </a:r>
+            <a:r>
+              <a:rPr lang="en-US" dirty="0" err="1"/>
+              <a:t>boyd</a:t>
+            </a:r>
+            <a:r>
+              <a:rPr lang="en-US" dirty="0"/>
+              <a:t> loop.</a:t>
+            </a:r>
+          </a:p>
+          <a:p>
+            <a:endParaRPr lang="en-US" dirty="0"/>
+          </a:p>
+          <a:p>
+            <a:endParaRPr lang="en-US" dirty="0"/>
+          </a:p>
+          <a:p>
+            <a:r>
+              <a:rPr lang="en-US" dirty="0"/>
+              <a:t>The example output of the program is below, and as you can see </a:t>
+            </a:r>
+            <a:r>
+              <a:rPr lang="en-US" dirty="0" err="1"/>
+              <a:t>Reinder</a:t>
+            </a:r>
+            <a:r>
+              <a:rPr lang="en-US" dirty="0"/>
+              <a:t> #5, cupid, is not printed.</a:t>
+            </a:r>
+          </a:p>
+          <a:p>
+            <a:endParaRPr lang="en-US" dirty="0"/>
+          </a:p>
+          <a:p>
+            <a:endParaRPr lang="en-US" dirty="0"/>
+          </a:p>
+        </p:txBody>
+      </p:sp>
+      <p:sp>
+        <p:nvSpPr>
+          <p:cNvPr id="4" name="Slide Number Placeholder 3"/>
+          <p:cNvSpPr>
+            <a:spLocks noGrp="1"/>
+          </p:cNvSpPr>
+          <p:nvPr>
+            <p:ph type="sldNum" sz="quarter" idx="5"/>
+          </p:nvPr>
+        </p:nvSpPr>
+        <p:spPr/>
+        <p:txBody>
+          <a:bodyPr/>
+          <a:lstStyle/>
+          <a:p>
+            <a:fld id="{2C44DD81-7AC0-49C2-9B52-6F4F2025139A}" type="slidenum">
+              <a:rPr lang="en-US" smtClean="0"/>
+              <a:t>9</a:t>
+            </a:fld>
+            <a:endParaRPr lang="en-US"/>
+          </a:p>
+        </p:txBody>
+      </p:sp>
+    </p:spTree>
+    <p:extLst>
+      <p:ext uri="{BB962C8B-B14F-4D97-AF65-F5344CB8AC3E}">
+        <p14:creationId xmlns:p14="http://schemas.microsoft.com/office/powerpoint/2010/main" val="2514873086"/>
+      </p:ext>
+    </p:extLst>
+  </p:cSld>
+  <p:clrMapOvr>
+    <a:masterClrMapping/>
+  </p:clrMapOvr>
+</p:notes>
+</file>
+
+<file path=ppt/notesSlides/notesSlide9.xml><?xml version="1.0" encoding="utf-8"?>
+<p:notes xmlns:a="http://schemas.openxmlformats.org/drawingml/2006/main" xmlns:r="http://schemas.openxmlformats.org/officeDocument/2006/relationships" xmlns:p="http://schemas.openxmlformats.org/presentationml/2006/main">
+  <p:cSld>
+    <p:spTree>
+      <p:nvGrpSpPr>
+        <p:cNvPr id="1" name=""/>
+        <p:cNvGrpSpPr/>
+        <p:nvPr/>
+      </p:nvGrpSpPr>
+      <p:grpSpPr>
+        <a:xfrm>
+          <a:off x="0" y="0"/>
+          <a:ext cx="0" cy="0"/>
+          <a:chOff x="0" y="0"/>
+          <a:chExt cx="0" cy="0"/>
+        </a:xfrm>
+      </p:grpSpPr>
+      <p:sp>
+        <p:nvSpPr>
+          <p:cNvPr id="2" name="Slide Image Placeholder 1"/>
+          <p:cNvSpPr>
+            <a:spLocks noGrp="1" noRot="1" noChangeAspect="1"/>
+          </p:cNvSpPr>
+          <p:nvPr>
+            <p:ph type="sldImg"/>
+          </p:nvPr>
+        </p:nvSpPr>
+        <p:spPr/>
+      </p:sp>
+      <p:sp>
+        <p:nvSpPr>
+          <p:cNvPr id="3" name="Notes Placeholder 2"/>
+          <p:cNvSpPr>
+            <a:spLocks noGrp="1"/>
+          </p:cNvSpPr>
+          <p:nvPr>
+            <p:ph type="body" idx="1"/>
+          </p:nvPr>
+        </p:nvSpPr>
+        <p:spPr/>
+        <p:txBody>
+          <a:bodyPr/>
+          <a:lstStyle/>
+          <a:p>
+            <a:r>
+              <a:rPr lang="en-US" dirty="0"/>
+              <a:t>Next we are going to talk about nested for loops.</a:t>
+            </a:r>
+          </a:p>
+          <a:p>
+            <a:endParaRPr lang="en-US" dirty="0"/>
+          </a:p>
+          <a:p>
+            <a:r>
+              <a:rPr lang="en-US" dirty="0"/>
+              <a:t>For loop can be inside one another, often called nested.</a:t>
+            </a:r>
+          </a:p>
+          <a:p>
+            <a:endParaRPr lang="en-US" dirty="0"/>
+          </a:p>
+          <a:p>
+            <a:r>
+              <a:rPr lang="en-US" dirty="0"/>
+              <a:t>Generally, when you have two for loop, the first was is called the outer loop ,and the second is called the inner loop</a:t>
+            </a:r>
+          </a:p>
+          <a:p>
+            <a:endParaRPr lang="en-US" dirty="0"/>
+          </a:p>
+          <a:p>
+            <a:r>
+              <a:rPr lang="en-US" dirty="0"/>
+              <a:t>Lets look a the example on the right that prints the coordinates for a 5X5 square</a:t>
+            </a:r>
+          </a:p>
+          <a:p>
+            <a:endParaRPr lang="en-US" dirty="0"/>
+          </a:p>
+          <a:p>
+            <a:endParaRPr lang="en-US" dirty="0"/>
+          </a:p>
+          <a:p>
+            <a:r>
+              <a:rPr lang="en-US" dirty="0"/>
+              <a:t>The first, or outer for lop is shown here.  Note that our count variable is the variable I in this for loop</a:t>
+            </a:r>
+          </a:p>
+          <a:p>
+            <a:endParaRPr lang="en-US" dirty="0"/>
+          </a:p>
+          <a:p>
+            <a:r>
+              <a:rPr lang="en-US" dirty="0"/>
+              <a:t>Next inside the this loop body is another for loop, this is the inner for loop, Notice that its counting </a:t>
+            </a:r>
+            <a:r>
+              <a:rPr lang="en-US" dirty="0" err="1"/>
+              <a:t>variale</a:t>
+            </a:r>
+            <a:r>
+              <a:rPr lang="en-US" dirty="0"/>
+              <a:t> is called j.  It generally needs to be different that the other for lop.</a:t>
+            </a:r>
+          </a:p>
+          <a:p>
+            <a:endParaRPr lang="en-US" dirty="0"/>
+          </a:p>
+          <a:p>
+            <a:r>
+              <a:rPr lang="en-US" dirty="0"/>
+              <a:t>Now inside the loop body of the inner for loop is our code to output to terminal. Here you can see it is printing out the </a:t>
+            </a:r>
+            <a:r>
+              <a:rPr lang="en-US" dirty="0" err="1"/>
+              <a:t>I,j</a:t>
+            </a:r>
+            <a:r>
+              <a:rPr lang="en-US" dirty="0"/>
+              <a:t> coordinates of the loop.</a:t>
+            </a:r>
+          </a:p>
+          <a:p>
+            <a:r>
+              <a:rPr lang="en-US" dirty="0"/>
+              <a:t>At each j iteration a new column is printed you see to the right. So first it prints out (0,0, then it prints (1,1)</a:t>
+            </a:r>
+          </a:p>
+          <a:p>
+            <a:r>
+              <a:rPr lang="en-US" dirty="0"/>
+              <a:t>The ‘</a:t>
+            </a:r>
+            <a:r>
+              <a:rPr lang="en-US" dirty="0" err="1"/>
+              <a:t>i</a:t>
+            </a:r>
+            <a:r>
+              <a:rPr lang="en-US" dirty="0"/>
+              <a:t>’ variable is staying constant during this iteration, because it </a:t>
+            </a:r>
+            <a:r>
+              <a:rPr lang="en-US" dirty="0" err="1"/>
+              <a:t>it</a:t>
+            </a:r>
+            <a:r>
+              <a:rPr lang="en-US" dirty="0"/>
+              <a:t> not incremented unit the outer loop body terminates.</a:t>
+            </a:r>
+          </a:p>
+          <a:p>
+            <a:r>
+              <a:rPr lang="en-US" dirty="0"/>
+              <a:t>Eventually all the columns are printed and the inner for loop terminates. Line 17 then gets executed creating a new line.</a:t>
+            </a:r>
+          </a:p>
+          <a:p>
+            <a:endParaRPr lang="en-US" dirty="0"/>
+          </a:p>
+          <a:p>
+            <a:r>
+              <a:rPr lang="en-US" dirty="0"/>
+              <a:t>The control then flow back to the outer for loop and repeated, except on the second row, or </a:t>
+            </a:r>
+            <a:r>
+              <a:rPr lang="en-US" dirty="0" err="1"/>
+              <a:t>i</a:t>
+            </a:r>
+            <a:r>
+              <a:rPr lang="en-US" dirty="0"/>
+              <a:t>=1. </a:t>
+            </a:r>
+          </a:p>
+          <a:p>
+            <a:endParaRPr lang="en-US" dirty="0"/>
+          </a:p>
+          <a:p>
+            <a:endParaRPr lang="en-US" dirty="0"/>
+          </a:p>
+          <a:p>
+            <a:r>
+              <a:rPr lang="en-US" dirty="0"/>
+              <a:t>Does anyone have any question about nested for loops.</a:t>
+            </a:r>
+          </a:p>
+          <a:p>
+            <a:endParaRPr lang="en-US" dirty="0"/>
+          </a:p>
+          <a:p>
+            <a:endParaRPr lang="en-US" dirty="0"/>
+          </a:p>
+          <a:p>
+            <a:r>
+              <a:rPr lang="en-US" dirty="0"/>
+              <a:t>Scoping, variable </a:t>
+            </a:r>
+            <a:r>
+              <a:rPr lang="en-US" dirty="0" err="1"/>
+              <a:t>shadowning</a:t>
+            </a:r>
+            <a:r>
+              <a:rPr lang="en-US" dirty="0"/>
+              <a:t>.</a:t>
+            </a:r>
+          </a:p>
+          <a:p>
+            <a:endParaRPr lang="en-US" dirty="0"/>
+          </a:p>
+        </p:txBody>
+      </p:sp>
+      <p:sp>
+        <p:nvSpPr>
+          <p:cNvPr id="4" name="Slide Number Placeholder 3"/>
+          <p:cNvSpPr>
+            <a:spLocks noGrp="1"/>
+          </p:cNvSpPr>
+          <p:nvPr>
+            <p:ph type="sldNum" sz="quarter" idx="5"/>
+          </p:nvPr>
+        </p:nvSpPr>
+        <p:spPr/>
+        <p:txBody>
+          <a:bodyPr/>
+          <a:lstStyle/>
+          <a:p>
+            <a:fld id="{2C44DD81-7AC0-49C2-9B52-6F4F2025139A}" type="slidenum">
+              <a:rPr lang="en-US" smtClean="0"/>
+              <a:t>10</a:t>
+            </a:fld>
+            <a:endParaRPr lang="en-US"/>
+          </a:p>
+        </p:txBody>
+      </p:sp>
+    </p:spTree>
+    <p:extLst>
+      <p:ext uri="{BB962C8B-B14F-4D97-AF65-F5344CB8AC3E}">
+        <p14:creationId xmlns:p14="http://schemas.microsoft.com/office/powerpoint/2010/main" val="397492458"/>
+      </p:ext>
+    </p:extLst>
+  </p:cSld>
+  <p:clrMapOvr>
+    <a:masterClrMapping/>
+  </p:clrMapOvr>
+</p:notes>
+</file>
+
 <file path=ppt/slideLayouts/slideLayout1.xml><?xml version="1.0" encoding="utf-8"?>
 <p:sldLayout xmlns:a="http://schemas.openxmlformats.org/drawingml/2006/main" xmlns:r="http://schemas.openxmlformats.org/officeDocument/2006/relationships" xmlns:p="http://schemas.openxmlformats.org/presentationml/2006/main" type="title" preserve="1">
   <p:cSld name="Title Slide">
@@ -280,7 +2885,7 @@
             <a:fld id="{11A6662E-FAF4-44BC-88B5-85A7CBFB6D30}" type="datetime1">
               <a:rPr lang="en-US" smtClean="0"/>
               <a:pPr/>
-              <a:t>12/10/2020</a:t>
+              <a:t>12/11/2020</a:t>
             </a:fld>
             <a:endParaRPr lang="en-US"/>
           </a:p>
@@ -491,7 +3096,7 @@
           <a:p>
             <a:fld id="{4C559632-1575-4E14-B53B-3DC3D5ED3947}" type="datetime1">
               <a:rPr lang="en-US" smtClean="0"/>
-              <a:t>12/10/2020</a:t>
+              <a:t>12/11/2020</a:t>
             </a:fld>
             <a:endParaRPr lang="en-US"/>
           </a:p>
@@ -699,7 +3304,7 @@
           <a:p>
             <a:fld id="{CC4A6868-2568-4CC9-B302-F37117B01A6E}" type="datetime1">
               <a:rPr lang="en-US" smtClean="0"/>
-              <a:t>12/10/2020</a:t>
+              <a:t>12/11/2020</a:t>
             </a:fld>
             <a:endParaRPr lang="en-US"/>
           </a:p>
@@ -902,7 +3507,7 @@
           <a:p>
             <a:fld id="{0055F08A-1E71-4B2B-BB49-E743F2903911}" type="datetime1">
               <a:rPr lang="en-US" smtClean="0"/>
-              <a:t>12/10/2020</a:t>
+              <a:t>12/11/2020</a:t>
             </a:fld>
             <a:endParaRPr lang="en-US" dirty="0"/>
           </a:p>
@@ -1176,7 +3781,7 @@
           <a:p>
             <a:fld id="{15417D9E-721A-44BB-8863-9873FE64DA75}" type="datetime1">
               <a:rPr lang="en-US" smtClean="0"/>
-              <a:t>12/10/2020</a:t>
+              <a:t>12/11/2020</a:t>
             </a:fld>
             <a:endParaRPr lang="en-US"/>
           </a:p>
@@ -1446,7 +4051,7 @@
           <a:p>
             <a:fld id="{5F31DA2F-80B8-49CF-99FB-5ABCA53A607A}" type="datetime1">
               <a:rPr lang="en-US" smtClean="0"/>
-              <a:t>12/10/2020</a:t>
+              <a:t>12/11/2020</a:t>
             </a:fld>
             <a:endParaRPr lang="en-US"/>
           </a:p>
@@ -1859,7 +4464,7 @@
           <a:p>
             <a:fld id="{28852172-E6C9-4B6C-929A-A9DE3837BBF1}" type="datetime1">
               <a:rPr lang="en-US" smtClean="0"/>
-              <a:t>12/10/2020</a:t>
+              <a:t>12/11/2020</a:t>
             </a:fld>
             <a:endParaRPr lang="en-US"/>
           </a:p>
@@ -2005,7 +4610,7 @@
           <a:p>
             <a:fld id="{3AB41CFF-90C9-47B3-9DA1-F2BF8D839F7E}" type="datetime1">
               <a:rPr lang="en-US" smtClean="0"/>
-              <a:t>12/10/2020</a:t>
+              <a:t>12/11/2020</a:t>
             </a:fld>
             <a:endParaRPr lang="en-US"/>
           </a:p>
@@ -2118,7 +4723,7 @@
           <a:p>
             <a:fld id="{F06048FA-06AB-4884-A69B-986B96E68A24}" type="datetime1">
               <a:rPr lang="en-US" smtClean="0"/>
-              <a:t>12/10/2020</a:t>
+              <a:t>12/11/2020</a:t>
             </a:fld>
             <a:endParaRPr lang="en-US"/>
           </a:p>
@@ -2429,7 +5034,7 @@
           <a:p>
             <a:fld id="{50DB7ABA-0172-4F9C-889D-567164F66BCD}" type="datetime1">
               <a:rPr lang="en-US" smtClean="0"/>
-              <a:t>12/10/2020</a:t>
+              <a:t>12/11/2020</a:t>
             </a:fld>
             <a:endParaRPr lang="en-US"/>
           </a:p>
@@ -2720,7 +5325,7 @@
           <a:p>
             <a:fld id="{78AC6A5B-8AE7-4A41-B5A7-9ADC6686DC18}" type="datetime1">
               <a:rPr lang="en-US" smtClean="0"/>
-              <a:t>12/10/2020</a:t>
+              <a:t>12/11/2020</a:t>
             </a:fld>
             <a:endParaRPr lang="en-US"/>
           </a:p>
@@ -3066,7 +5671,7 @@
             <a:fld id="{57E0CF6C-748E-4B7A-BC8B-3011EF78ED13}" type="datetime1">
               <a:rPr lang="en-US" smtClean="0"/>
               <a:pPr/>
-              <a:t>12/10/2020</a:t>
+              <a:t>12/11/2020</a:t>
             </a:fld>
             <a:endParaRPr lang="en-US" dirty="0"/>
           </a:p>
@@ -4204,7 +6809,7 @@
             <a:avLst/>
           </a:prstGeom>
           <a:blipFill dpi="0" rotWithShape="1">
-            <a:blip r:embed="rId2">
+            <a:blip r:embed="rId3">
               <a:alphaModFix amt="24000"/>
               <a:duotone>
                 <a:schemeClr val="accent1">
@@ -4578,7 +7183,7 @@
           <p:nvPr/>
         </p:nvPicPr>
         <p:blipFill>
-          <a:blip r:embed="rId3"/>
+          <a:blip r:embed="rId4"/>
           <a:stretch>
             <a:fillRect/>
           </a:stretch>
@@ -4782,7 +7387,7 @@
             <p:nvPr/>
           </p:nvPicPr>
           <p:blipFill rotWithShape="1">
-            <a:blip r:embed="rId4"/>
+            <a:blip r:embed="rId5"/>
             <a:srcRect t="15196"/>
             <a:stretch/>
           </p:blipFill>
@@ -4953,6 +7558,110 @@
           <a:xfrm>
             <a:off x="863600" y="4457699"/>
             <a:ext cx="3740150" cy="262883"/>
+          </a:xfrm>
+          <a:prstGeom prst="rect">
+            <a:avLst/>
+          </a:prstGeom>
+          <a:noFill/>
+          <a:ln w="19050">
+            <a:solidFill>
+              <a:srgbClr val="C00000"/>
+            </a:solidFill>
+          </a:ln>
+        </p:spPr>
+        <p:style>
+          <a:lnRef idx="2">
+            <a:schemeClr val="accent1">
+              <a:shade val="50000"/>
+            </a:schemeClr>
+          </a:lnRef>
+          <a:fillRef idx="1">
+            <a:schemeClr val="accent1"/>
+          </a:fillRef>
+          <a:effectRef idx="0">
+            <a:schemeClr val="accent1"/>
+          </a:effectRef>
+          <a:fontRef idx="minor">
+            <a:schemeClr val="lt1"/>
+          </a:fontRef>
+        </p:style>
+        <p:txBody>
+          <a:bodyPr rtlCol="0" anchor="ctr"/>
+          <a:lstStyle/>
+          <a:p>
+            <a:pPr algn="ctr"/>
+            <a:endParaRPr lang="en-US"/>
+          </a:p>
+        </p:txBody>
+      </p:sp>
+      <p:sp>
+        <p:nvSpPr>
+          <p:cNvPr id="19" name="Rectangle 18">
+            <a:extLst>
+              <a:ext uri="{FF2B5EF4-FFF2-40B4-BE49-F238E27FC236}">
+                <a16:creationId xmlns:a16="http://schemas.microsoft.com/office/drawing/2014/main" id="{69846840-3E7C-4B9E-83FC-B611383395CB}"/>
+              </a:ext>
+            </a:extLst>
+          </p:cNvPr>
+          <p:cNvSpPr/>
+          <p:nvPr/>
+        </p:nvSpPr>
+        <p:spPr>
+          <a:xfrm>
+            <a:off x="1019373" y="4397615"/>
+            <a:ext cx="583216" cy="358697"/>
+          </a:xfrm>
+          <a:prstGeom prst="rect">
+            <a:avLst/>
+          </a:prstGeom>
+          <a:noFill/>
+          <a:ln w="19050">
+            <a:solidFill>
+              <a:srgbClr val="C00000"/>
+            </a:solidFill>
+          </a:ln>
+        </p:spPr>
+        <p:style>
+          <a:lnRef idx="2">
+            <a:schemeClr val="accent1">
+              <a:shade val="50000"/>
+            </a:schemeClr>
+          </a:lnRef>
+          <a:fillRef idx="1">
+            <a:schemeClr val="accent1"/>
+          </a:fillRef>
+          <a:effectRef idx="0">
+            <a:schemeClr val="accent1"/>
+          </a:effectRef>
+          <a:fontRef idx="minor">
+            <a:schemeClr val="lt1"/>
+          </a:fontRef>
+        </p:style>
+        <p:txBody>
+          <a:bodyPr rtlCol="0" anchor="ctr"/>
+          <a:lstStyle/>
+          <a:p>
+            <a:pPr algn="ctr"/>
+            <a:endParaRPr lang="en-US"/>
+          </a:p>
+        </p:txBody>
+      </p:sp>
+      <p:sp>
+        <p:nvSpPr>
+          <p:cNvPr id="20" name="Rectangle 19">
+            <a:extLst>
+              <a:ext uri="{FF2B5EF4-FFF2-40B4-BE49-F238E27FC236}">
+                <a16:creationId xmlns:a16="http://schemas.microsoft.com/office/drawing/2014/main" id="{F0EE15D6-94F0-4888-809D-3E09B42BAF6E}"/>
+              </a:ext>
+            </a:extLst>
+          </p:cNvPr>
+          <p:cNvSpPr/>
+          <p:nvPr/>
+        </p:nvSpPr>
+        <p:spPr>
+          <a:xfrm>
+            <a:off x="1758306" y="4393311"/>
+            <a:ext cx="583216" cy="358697"/>
           </a:xfrm>
           <a:prstGeom prst="rect">
             <a:avLst/>
@@ -5155,7 +7864,7 @@
                             </p:stCondLst>
                             <p:childTnLst>
                               <p:par>
-                                <p:cTn id="17" presetID="1" presetClass="entr" presetSubtype="0" fill="hold" grpId="1" nodeType="clickEffect">
+                                <p:cTn id="17" presetID="1" presetClass="entr" presetSubtype="0" fill="hold" grpId="0" nodeType="clickEffect">
                                   <p:stCondLst>
                                     <p:cond delay="0"/>
                                   </p:stCondLst>
@@ -5168,7 +7877,7 @@
                                           </p:stCondLst>
                                         </p:cTn>
                                         <p:tgtEl>
-                                          <p:spTgt spid="15"/>
+                                          <p:spTgt spid="19"/>
                                         </p:tgtEl>
                                         <p:attrNameLst>
                                           <p:attrName>style.visibility</p:attrName>
@@ -5200,14 +7909,158 @@
                             </p:stCondLst>
                             <p:childTnLst>
                               <p:par>
-                                <p:cTn id="21" presetID="42" presetClass="path" presetSubtype="0" accel="50000" decel="50000" fill="hold" grpId="0" nodeType="clickEffect">
+                                <p:cTn id="21" presetID="1" presetClass="entr" presetSubtype="0" fill="hold" grpId="0" nodeType="clickEffect">
+                                  <p:stCondLst>
+                                    <p:cond delay="0"/>
+                                  </p:stCondLst>
+                                  <p:childTnLst>
+                                    <p:set>
+                                      <p:cBhvr>
+                                        <p:cTn id="22" dur="1" fill="hold">
+                                          <p:stCondLst>
+                                            <p:cond delay="0"/>
+                                          </p:stCondLst>
+                                        </p:cTn>
+                                        <p:tgtEl>
+                                          <p:spTgt spid="20"/>
+                                        </p:tgtEl>
+                                        <p:attrNameLst>
+                                          <p:attrName>style.visibility</p:attrName>
+                                        </p:attrNameLst>
+                                      </p:cBhvr>
+                                      <p:to>
+                                        <p:strVal val="visible"/>
+                                      </p:to>
+                                    </p:set>
+                                  </p:childTnLst>
+                                </p:cTn>
+                              </p:par>
+                              <p:par>
+                                <p:cTn id="23" presetID="1" presetClass="exit" presetSubtype="0" fill="hold" grpId="1" nodeType="withEffect">
+                                  <p:stCondLst>
+                                    <p:cond delay="0"/>
+                                  </p:stCondLst>
+                                  <p:childTnLst>
+                                    <p:set>
+                                      <p:cBhvr>
+                                        <p:cTn id="24" dur="1" fill="hold">
+                                          <p:stCondLst>
+                                            <p:cond delay="0"/>
+                                          </p:stCondLst>
+                                        </p:cTn>
+                                        <p:tgtEl>
+                                          <p:spTgt spid="19"/>
+                                        </p:tgtEl>
+                                        <p:attrNameLst>
+                                          <p:attrName>style.visibility</p:attrName>
+                                        </p:attrNameLst>
+                                      </p:cBhvr>
+                                      <p:to>
+                                        <p:strVal val="hidden"/>
+                                      </p:to>
+                                    </p:set>
+                                  </p:childTnLst>
+                                </p:cTn>
+                              </p:par>
+                            </p:childTnLst>
+                          </p:cTn>
+                        </p:par>
+                      </p:childTnLst>
+                    </p:cTn>
+                  </p:par>
+                  <p:par>
+                    <p:cTn id="25" fill="hold">
+                      <p:stCondLst>
+                        <p:cond delay="indefinite"/>
+                      </p:stCondLst>
+                      <p:childTnLst>
+                        <p:par>
+                          <p:cTn id="26" fill="hold">
+                            <p:stCondLst>
+                              <p:cond delay="0"/>
+                            </p:stCondLst>
+                            <p:childTnLst>
+                              <p:par>
+                                <p:cTn id="27" presetID="1" presetClass="entr" presetSubtype="0" fill="hold" grpId="1" nodeType="clickEffect">
+                                  <p:stCondLst>
+                                    <p:cond delay="0"/>
+                                  </p:stCondLst>
+                                  <p:childTnLst>
+                                    <p:set>
+                                      <p:cBhvr>
+                                        <p:cTn id="28" dur="1" fill="hold">
+                                          <p:stCondLst>
+                                            <p:cond delay="0"/>
+                                          </p:stCondLst>
+                                        </p:cTn>
+                                        <p:tgtEl>
+                                          <p:spTgt spid="15"/>
+                                        </p:tgtEl>
+                                        <p:attrNameLst>
+                                          <p:attrName>style.visibility</p:attrName>
+                                        </p:attrNameLst>
+                                      </p:cBhvr>
+                                      <p:to>
+                                        <p:strVal val="visible"/>
+                                      </p:to>
+                                    </p:set>
+                                  </p:childTnLst>
+                                </p:cTn>
+                              </p:par>
+                              <p:par>
+                                <p:cTn id="29" presetID="1" presetClass="exit" presetSubtype="0" fill="hold" grpId="1" nodeType="withEffect">
+                                  <p:stCondLst>
+                                    <p:cond delay="0"/>
+                                  </p:stCondLst>
+                                  <p:childTnLst>
+                                    <p:set>
+                                      <p:cBhvr>
+                                        <p:cTn id="30" dur="1" fill="hold">
+                                          <p:stCondLst>
+                                            <p:cond delay="0"/>
+                                          </p:stCondLst>
+                                        </p:cTn>
+                                        <p:tgtEl>
+                                          <p:spTgt spid="20"/>
+                                        </p:tgtEl>
+                                        <p:attrNameLst>
+                                          <p:attrName>style.visibility</p:attrName>
+                                        </p:attrNameLst>
+                                      </p:cBhvr>
+                                      <p:to>
+                                        <p:strVal val="hidden"/>
+                                      </p:to>
+                                    </p:set>
+                                  </p:childTnLst>
+                                </p:cTn>
+                              </p:par>
+                            </p:childTnLst>
+                          </p:cTn>
+                        </p:par>
+                      </p:childTnLst>
+                    </p:cTn>
+                  </p:par>
+                  <p:par>
+                    <p:cTn id="31" fill="hold">
+                      <p:stCondLst>
+                        <p:cond delay="indefinite"/>
+                      </p:stCondLst>
+                      <p:childTnLst>
+                        <p:par>
+                          <p:cTn id="32" fill="hold">
+                            <p:stCondLst>
+                              <p:cond delay="0"/>
+                            </p:stCondLst>
+                            <p:childTnLst>
+                              <p:par>
+                                <p:cTn id="33" presetID="42" presetClass="path" presetSubtype="0" accel="50000" decel="50000" fill="hold" grpId="0" nodeType="clickEffect">
                                   <p:stCondLst>
                                     <p:cond delay="0"/>
                                   </p:stCondLst>
                                   <p:childTnLst>
                                     <p:animMotion origin="layout" path="M 1.25E-6 -2.96296E-6 L 0.00182 0.1382 " pathEditMode="relative" rAng="0" ptsTypes="AA">
                                       <p:cBhvr>
-                                        <p:cTn id="22" dur="2000" fill="hold"/>
+                                        <p:cTn id="34" dur="2000" fill="hold"/>
                                         <p:tgtEl>
                                           <p:spTgt spid="15"/>
                                         </p:tgtEl>
@@ -5254,6 +8107,10 @@
       <p:bldP spid="12" grpId="0" animBg="1"/>
       <p:bldP spid="15" grpId="0" animBg="1"/>
       <p:bldP spid="15" grpId="1" animBg="1"/>
+      <p:bldP spid="19" grpId="0" animBg="1"/>
+      <p:bldP spid="19" grpId="1" animBg="1"/>
+      <p:bldP spid="20" grpId="0" animBg="1"/>
+      <p:bldP spid="20" grpId="1" animBg="1"/>
     </p:bldLst>
   </p:timing>
 </p:sld>
@@ -5491,673 +8348,6 @@
           </a:p>
         </p:txBody>
       </p:sp>
-      <p:sp>
-        <p:nvSpPr>
-          <p:cNvPr id="30" name="Rectangle 24">
-            <a:extLst>
-              <a:ext uri="{FF2B5EF4-FFF2-40B4-BE49-F238E27FC236}">
-                <a16:creationId xmlns:a16="http://schemas.microsoft.com/office/drawing/2014/main" id="{5608A5E7-BD2D-419A-8079-3103083AB134}"/>
-              </a:ext>
-              <a:ext uri="{C183D7F6-B498-43B3-948B-1728B52AA6E4}">
-                <adec:decorative xmlns:adec="http://schemas.microsoft.com/office/drawing/2017/decorative" val="1"/>
-              </a:ext>
-            </a:extLst>
-          </p:cNvPr>
-          <p:cNvSpPr>
-            <a:spLocks noGrp="1" noRot="1" noChangeAspect="1" noMove="1" noResize="1" noEditPoints="1" noAdjustHandles="1" noChangeArrowheads="1" noChangeShapeType="1" noTextEdit="1"/>
-          </p:cNvSpPr>
-          <p:nvPr>
-            <p:extLst>
-              <p:ext uri="{386F3935-93C4-4BCD-93E2-E3B085C9AB24}">
-                <p16:designElem xmlns:p16="http://schemas.microsoft.com/office/powerpoint/2015/main" val="1"/>
-              </p:ext>
-            </p:extLst>
-          </p:nvPr>
-        </p:nvSpPr>
-        <p:spPr>
-          <a:xfrm>
-            <a:off x="1524" y="0"/>
-            <a:ext cx="12188952" cy="1295400"/>
-          </a:xfrm>
-          <a:prstGeom prst="rect">
-            <a:avLst/>
-          </a:prstGeom>
-          <a:blipFill dpi="0" rotWithShape="1">
-            <a:blip r:embed="rId2">
-              <a:alphaModFix amt="24000"/>
-              <a:duotone>
-                <a:schemeClr val="accent1">
-                  <a:shade val="45000"/>
-                  <a:satMod val="135000"/>
-                </a:schemeClr>
-                <a:prstClr val="white"/>
-              </a:duotone>
-            </a:blip>
-            <a:srcRect/>
-            <a:tile tx="889000" ty="0" sx="100000" sy="100000" flip="none" algn="tl"/>
-          </a:blipFill>
-          <a:ln>
-            <a:noFill/>
-          </a:ln>
-        </p:spPr>
-        <p:style>
-          <a:lnRef idx="2">
-            <a:schemeClr val="accent1">
-              <a:shade val="50000"/>
-            </a:schemeClr>
-          </a:lnRef>
-          <a:fillRef idx="1">
-            <a:schemeClr val="accent1"/>
-          </a:fillRef>
-          <a:effectRef idx="0">
-            <a:schemeClr val="accent1"/>
-          </a:effectRef>
-          <a:fontRef idx="minor">
-            <a:schemeClr val="lt1"/>
-          </a:fontRef>
-        </p:style>
-        <p:txBody>
-          <a:bodyPr rtlCol="0" anchor="ctr"/>
-          <a:lstStyle/>
-          <a:p>
-            <a:pPr algn="ctr"/>
-            <a:endParaRPr lang="en-US" dirty="0"/>
-          </a:p>
-        </p:txBody>
-      </p:sp>
-      <p:sp>
-        <p:nvSpPr>
-          <p:cNvPr id="2" name="Title 1">
-            <a:extLst>
-              <a:ext uri="{FF2B5EF4-FFF2-40B4-BE49-F238E27FC236}">
-                <a16:creationId xmlns:a16="http://schemas.microsoft.com/office/drawing/2014/main" id="{435A2D9F-DF11-409A-8AFF-42DD6CF6FD8A}"/>
-              </a:ext>
-            </a:extLst>
-          </p:cNvPr>
-          <p:cNvSpPr>
-            <a:spLocks noGrp="1"/>
-          </p:cNvSpPr>
-          <p:nvPr>
-            <p:ph type="title"/>
-          </p:nvPr>
-        </p:nvSpPr>
-        <p:spPr>
-          <a:xfrm>
-            <a:off x="493453" y="-457200"/>
-            <a:ext cx="9988166" cy="1752600"/>
-          </a:xfrm>
-        </p:spPr>
-        <p:txBody>
-          <a:bodyPr anchor="b">
-            <a:normAutofit/>
-          </a:bodyPr>
-          <a:lstStyle/>
-          <a:p>
-            <a:r>
-              <a:rPr lang="en-US" dirty="0"/>
-              <a:t>Modern C++</a:t>
-            </a:r>
-          </a:p>
-        </p:txBody>
-      </p:sp>
-      <p:sp>
-        <p:nvSpPr>
-          <p:cNvPr id="37" name="TextBox 36">
-            <a:extLst>
-              <a:ext uri="{FF2B5EF4-FFF2-40B4-BE49-F238E27FC236}">
-                <a16:creationId xmlns:a16="http://schemas.microsoft.com/office/drawing/2014/main" id="{BF650DF9-77F0-4C5E-8BAB-3AA33FF39F16}"/>
-              </a:ext>
-            </a:extLst>
-          </p:cNvPr>
-          <p:cNvSpPr txBox="1"/>
-          <p:nvPr/>
-        </p:nvSpPr>
-        <p:spPr>
-          <a:xfrm>
-            <a:off x="430349" y="1561491"/>
-            <a:ext cx="10987360" cy="3841501"/>
-          </a:xfrm>
-          <a:prstGeom prst="rect">
-            <a:avLst/>
-          </a:prstGeom>
-          <a:noFill/>
-        </p:spPr>
-        <p:txBody>
-          <a:bodyPr wrap="square">
-            <a:spAutoFit/>
-          </a:bodyPr>
-          <a:lstStyle/>
-          <a:p>
-            <a:pPr marL="228600" indent="-228600">
-              <a:lnSpc>
-                <a:spcPct val="110000"/>
-              </a:lnSpc>
-              <a:spcBef>
-                <a:spcPts val="1000"/>
-              </a:spcBef>
-              <a:buClr>
-                <a:schemeClr val="accent1"/>
-              </a:buClr>
-              <a:buFont typeface="Arial" panose="020B0604020202020204" pitchFamily="34" charset="0"/>
-              <a:buChar char="•"/>
-            </a:pPr>
-            <a:r>
-              <a:rPr lang="en-US" dirty="0">
-                <a:solidFill>
-                  <a:schemeClr val="tx2"/>
-                </a:solidFill>
-              </a:rPr>
-              <a:t>C++ is a language with a formal specification. However, it is a </a:t>
-            </a:r>
-            <a:r>
-              <a:rPr lang="en-US" i="1" dirty="0">
-                <a:solidFill>
-                  <a:schemeClr val="tx2"/>
-                </a:solidFill>
-              </a:rPr>
-              <a:t>living</a:t>
-            </a:r>
-            <a:r>
-              <a:rPr lang="en-US" dirty="0">
-                <a:solidFill>
-                  <a:schemeClr val="tx2"/>
-                </a:solidFill>
-              </a:rPr>
-              <a:t> language!</a:t>
-            </a:r>
-          </a:p>
-          <a:p>
-            <a:pPr marL="685800" lvl="1" indent="-228600">
-              <a:lnSpc>
-                <a:spcPct val="110000"/>
-              </a:lnSpc>
-              <a:spcBef>
-                <a:spcPts val="1000"/>
-              </a:spcBef>
-              <a:buClr>
-                <a:schemeClr val="accent1"/>
-              </a:buClr>
-              <a:buFont typeface="Arial" panose="020B0604020202020204" pitchFamily="34" charset="0"/>
-              <a:buChar char="•"/>
-            </a:pPr>
-            <a:r>
-              <a:rPr lang="en-US" dirty="0">
-                <a:solidFill>
-                  <a:schemeClr val="tx2"/>
-                </a:solidFill>
-              </a:rPr>
-              <a:t>C++ 98, C++ 03, </a:t>
-            </a:r>
-            <a:r>
-              <a:rPr lang="en-US" b="1" dirty="0">
-                <a:solidFill>
-                  <a:schemeClr val="tx2"/>
-                </a:solidFill>
-              </a:rPr>
-              <a:t>C++ 11</a:t>
-            </a:r>
-            <a:r>
-              <a:rPr lang="en-US" dirty="0">
-                <a:solidFill>
-                  <a:schemeClr val="tx2"/>
-                </a:solidFill>
-              </a:rPr>
-              <a:t>, C++ 14, C++ 17, C++20</a:t>
-            </a:r>
-          </a:p>
-          <a:p>
-            <a:pPr marL="685800" lvl="1" indent="-228600">
-              <a:lnSpc>
-                <a:spcPct val="110000"/>
-              </a:lnSpc>
-              <a:spcBef>
-                <a:spcPts val="1000"/>
-              </a:spcBef>
-              <a:buClr>
-                <a:schemeClr val="accent1"/>
-              </a:buClr>
-              <a:buFont typeface="Arial" panose="020B0604020202020204" pitchFamily="34" charset="0"/>
-              <a:buChar char="•"/>
-            </a:pPr>
-            <a:r>
-              <a:rPr lang="en-US" dirty="0">
-                <a:solidFill>
-                  <a:schemeClr val="tx2"/>
-                </a:solidFill>
-              </a:rPr>
-              <a:t>Strong backwards compatibility!</a:t>
-            </a:r>
-          </a:p>
-          <a:p>
-            <a:pPr marL="228600" indent="-228600">
-              <a:lnSpc>
-                <a:spcPct val="110000"/>
-              </a:lnSpc>
-              <a:spcBef>
-                <a:spcPts val="1000"/>
-              </a:spcBef>
-              <a:buClr>
-                <a:schemeClr val="accent1"/>
-              </a:buClr>
-              <a:buFont typeface="Arial" panose="020B0604020202020204" pitchFamily="34" charset="0"/>
-              <a:buChar char="•"/>
-            </a:pPr>
-            <a:r>
-              <a:rPr lang="en-US" dirty="0">
-                <a:solidFill>
-                  <a:schemeClr val="tx2"/>
-                </a:solidFill>
-              </a:rPr>
-              <a:t>C++11 introduced many enhancements that greatly improved code quality and efficiency </a:t>
-            </a:r>
-          </a:p>
-          <a:p>
-            <a:pPr marL="228600" indent="-228600">
-              <a:lnSpc>
-                <a:spcPct val="110000"/>
-              </a:lnSpc>
-              <a:spcBef>
-                <a:spcPts val="1000"/>
-              </a:spcBef>
-              <a:buClr>
-                <a:schemeClr val="accent1"/>
-              </a:buClr>
-              <a:buFont typeface="Arial" panose="020B0604020202020204" pitchFamily="34" charset="0"/>
-              <a:buChar char="•"/>
-            </a:pPr>
-            <a:r>
-              <a:rPr lang="en-US" dirty="0">
-                <a:solidFill>
-                  <a:schemeClr val="tx2"/>
-                </a:solidFill>
-              </a:rPr>
-              <a:t>C++ 11 and after is considered </a:t>
-            </a:r>
-            <a:r>
-              <a:rPr lang="en-US" b="1" i="1" dirty="0">
-                <a:solidFill>
-                  <a:schemeClr val="tx2"/>
-                </a:solidFill>
-              </a:rPr>
-              <a:t>Modern C++</a:t>
-            </a:r>
-            <a:endParaRPr lang="en-US" dirty="0">
-              <a:solidFill>
-                <a:schemeClr val="tx2"/>
-              </a:solidFill>
-            </a:endParaRPr>
-          </a:p>
-          <a:p>
-            <a:pPr marL="228600" indent="-228600">
-              <a:lnSpc>
-                <a:spcPct val="110000"/>
-              </a:lnSpc>
-              <a:spcBef>
-                <a:spcPts val="1000"/>
-              </a:spcBef>
-              <a:buClr>
-                <a:schemeClr val="accent1"/>
-              </a:buClr>
-              <a:buFont typeface="Arial" panose="020B0604020202020204" pitchFamily="34" charset="0"/>
-              <a:buChar char="•"/>
-            </a:pPr>
-            <a:r>
-              <a:rPr lang="en-US" dirty="0">
-                <a:solidFill>
-                  <a:schemeClr val="tx2"/>
-                </a:solidFill>
-              </a:rPr>
-              <a:t>We will review a new </a:t>
-            </a:r>
-            <a:r>
-              <a:rPr lang="en-US" dirty="0">
-                <a:solidFill>
-                  <a:srgbClr val="C00000"/>
-                </a:solidFill>
-              </a:rPr>
-              <a:t>for</a:t>
-            </a:r>
-            <a:r>
-              <a:rPr lang="en-US" dirty="0">
-                <a:solidFill>
-                  <a:schemeClr val="tx2"/>
-                </a:solidFill>
-              </a:rPr>
-              <a:t> loop constructs introduced in C++11: Range-based for loops</a:t>
-            </a:r>
-          </a:p>
-          <a:p>
-            <a:pPr marL="228600" indent="-228600">
-              <a:lnSpc>
-                <a:spcPct val="110000"/>
-              </a:lnSpc>
-              <a:spcBef>
-                <a:spcPts val="1000"/>
-              </a:spcBef>
-              <a:buClr>
-                <a:schemeClr val="accent1"/>
-              </a:buClr>
-              <a:buFont typeface="Arial" panose="020B0604020202020204" pitchFamily="34" charset="0"/>
-              <a:buChar char="•"/>
-            </a:pPr>
-            <a:r>
-              <a:rPr lang="en-US" dirty="0">
-                <a:solidFill>
-                  <a:schemeClr val="tx2"/>
-                </a:solidFill>
-              </a:rPr>
-              <a:t>These don’t replace previously discussed patterns; they simply augment them</a:t>
-            </a:r>
-          </a:p>
-          <a:p>
-            <a:pPr marL="228600" indent="-228600">
-              <a:lnSpc>
-                <a:spcPct val="110000"/>
-              </a:lnSpc>
-              <a:spcBef>
-                <a:spcPts val="1000"/>
-              </a:spcBef>
-              <a:buClr>
-                <a:schemeClr val="accent1"/>
-              </a:buClr>
-              <a:buFont typeface="Arial" panose="020B0604020202020204" pitchFamily="34" charset="0"/>
-              <a:buChar char="•"/>
-            </a:pPr>
-            <a:endParaRPr lang="en-US" dirty="0"/>
-          </a:p>
-          <a:p>
-            <a:pPr marL="228600" indent="-228600">
-              <a:lnSpc>
-                <a:spcPct val="110000"/>
-              </a:lnSpc>
-              <a:spcBef>
-                <a:spcPts val="1000"/>
-              </a:spcBef>
-              <a:buClr>
-                <a:schemeClr val="accent1"/>
-              </a:buClr>
-              <a:buFont typeface="Arial" panose="020B0604020202020204" pitchFamily="34" charset="0"/>
-              <a:buChar char="•"/>
-            </a:pPr>
-            <a:endParaRPr lang="en-US" dirty="0"/>
-          </a:p>
-        </p:txBody>
-      </p:sp>
-    </p:spTree>
-    <p:extLst>
-      <p:ext uri="{BB962C8B-B14F-4D97-AF65-F5344CB8AC3E}">
-        <p14:creationId xmlns:p14="http://schemas.microsoft.com/office/powerpoint/2010/main" val="3419536657"/>
-      </p:ext>
-    </p:extLst>
-  </p:cSld>
-  <p:clrMapOvr>
-    <a:masterClrMapping/>
-  </p:clrMapOvr>
-</p:sld>
-</file>
-
-<file path=ppt/slides/slide12.xml><?xml version="1.0" encoding="utf-8"?>
-<p:sld xmlns:a="http://schemas.openxmlformats.org/drawingml/2006/main" xmlns:r="http://schemas.openxmlformats.org/officeDocument/2006/relationships" xmlns:p="http://schemas.openxmlformats.org/presentationml/2006/main">
-  <p:cSld>
-    <p:bg>
-      <p:bgPr>
-        <a:solidFill>
-          <a:schemeClr val="bg1"/>
-        </a:solidFill>
-        <a:effectLst/>
-      </p:bgPr>
-    </p:bg>
-    <p:spTree>
-      <p:nvGrpSpPr>
-        <p:cNvPr id="1" name=""/>
-        <p:cNvGrpSpPr/>
-        <p:nvPr/>
-      </p:nvGrpSpPr>
-      <p:grpSpPr>
-        <a:xfrm>
-          <a:off x="0" y="0"/>
-          <a:ext cx="0" cy="0"/>
-          <a:chOff x="0" y="0"/>
-          <a:chExt cx="0" cy="0"/>
-        </a:xfrm>
-      </p:grpSpPr>
-      <p:sp useBgFill="1">
-        <p:nvSpPr>
-          <p:cNvPr id="27" name="Rectangle 18">
-            <a:extLst>
-              <a:ext uri="{FF2B5EF4-FFF2-40B4-BE49-F238E27FC236}">
-                <a16:creationId xmlns:a16="http://schemas.microsoft.com/office/drawing/2014/main" id="{8651CFA9-6065-4243-AC48-858E359780B1}"/>
-              </a:ext>
-              <a:ext uri="{C183D7F6-B498-43B3-948B-1728B52AA6E4}">
-                <adec:decorative xmlns:adec="http://schemas.microsoft.com/office/drawing/2017/decorative" val="1"/>
-              </a:ext>
-            </a:extLst>
-          </p:cNvPr>
-          <p:cNvSpPr>
-            <a:spLocks noGrp="1" noRot="1" noChangeAspect="1" noMove="1" noResize="1" noEditPoints="1" noAdjustHandles="1" noChangeArrowheads="1" noChangeShapeType="1" noTextEdit="1"/>
-          </p:cNvSpPr>
-          <p:nvPr>
-            <p:extLst>
-              <p:ext uri="{386F3935-93C4-4BCD-93E2-E3B085C9AB24}">
-                <p16:designElem xmlns:p16="http://schemas.microsoft.com/office/powerpoint/2015/main" val="1"/>
-              </p:ext>
-            </p:extLst>
-          </p:nvPr>
-        </p:nvSpPr>
-        <p:spPr>
-          <a:xfrm>
-            <a:off x="0" y="0"/>
-            <a:ext cx="12192000" cy="6858000"/>
-          </a:xfrm>
-          <a:prstGeom prst="rect">
-            <a:avLst/>
-          </a:prstGeom>
-          <a:ln>
-            <a:noFill/>
-          </a:ln>
-        </p:spPr>
-        <p:style>
-          <a:lnRef idx="2">
-            <a:schemeClr val="accent1">
-              <a:shade val="50000"/>
-            </a:schemeClr>
-          </a:lnRef>
-          <a:fillRef idx="1">
-            <a:schemeClr val="accent1"/>
-          </a:fillRef>
-          <a:effectRef idx="0">
-            <a:schemeClr val="accent1"/>
-          </a:effectRef>
-          <a:fontRef idx="minor">
-            <a:schemeClr val="lt1"/>
-          </a:fontRef>
-        </p:style>
-        <p:txBody>
-          <a:bodyPr rtlCol="0" anchor="ctr"/>
-          <a:lstStyle/>
-          <a:p>
-            <a:pPr algn="ctr"/>
-            <a:endParaRPr lang="en-US">
-              <a:solidFill>
-                <a:schemeClr val="tx1">
-                  <a:lumMod val="65000"/>
-                  <a:lumOff val="35000"/>
-                </a:schemeClr>
-              </a:solidFill>
-              <a:latin typeface="AvenirNext LT Pro Medium" panose="020B0504020202020204" pitchFamily="34" charset="0"/>
-            </a:endParaRPr>
-          </a:p>
-        </p:txBody>
-      </p:sp>
-      <p:sp>
-        <p:nvSpPr>
-          <p:cNvPr id="28" name="Rectangle 20">
-            <a:extLst>
-              <a:ext uri="{FF2B5EF4-FFF2-40B4-BE49-F238E27FC236}">
-                <a16:creationId xmlns:a16="http://schemas.microsoft.com/office/drawing/2014/main" id="{37962AE0-6A1C-4B76-9D52-10E5E6D7D3BB}"/>
-              </a:ext>
-              <a:ext uri="{C183D7F6-B498-43B3-948B-1728B52AA6E4}">
-                <adec:decorative xmlns:adec="http://schemas.microsoft.com/office/drawing/2017/decorative" val="1"/>
-              </a:ext>
-            </a:extLst>
-          </p:cNvPr>
-          <p:cNvSpPr>
-            <a:spLocks noGrp="1" noRot="1" noChangeAspect="1" noMove="1" noResize="1" noEditPoints="1" noAdjustHandles="1" noChangeArrowheads="1" noChangeShapeType="1" noTextEdit="1"/>
-          </p:cNvSpPr>
-          <p:nvPr>
-            <p:extLst>
-              <p:ext uri="{386F3935-93C4-4BCD-93E2-E3B085C9AB24}">
-                <p16:designElem xmlns:p16="http://schemas.microsoft.com/office/powerpoint/2015/main" val="1"/>
-              </p:ext>
-            </p:extLst>
-          </p:nvPr>
-        </p:nvSpPr>
-        <p:spPr>
-          <a:xfrm>
-            <a:off x="-3048" y="0"/>
-            <a:ext cx="12188952" cy="6858000"/>
-          </a:xfrm>
-          <a:prstGeom prst="rect">
-            <a:avLst/>
-          </a:prstGeom>
-          <a:solidFill>
-            <a:schemeClr val="bg2">
-              <a:alpha val="70000"/>
-            </a:schemeClr>
-          </a:solidFill>
-          <a:ln>
-            <a:noFill/>
-          </a:ln>
-        </p:spPr>
-        <p:style>
-          <a:lnRef idx="2">
-            <a:schemeClr val="accent1">
-              <a:shade val="50000"/>
-            </a:schemeClr>
-          </a:lnRef>
-          <a:fillRef idx="1">
-            <a:schemeClr val="accent1"/>
-          </a:fillRef>
-          <a:effectRef idx="0">
-            <a:schemeClr val="accent1"/>
-          </a:effectRef>
-          <a:fontRef idx="minor">
-            <a:schemeClr val="lt1"/>
-          </a:fontRef>
-        </p:style>
-        <p:txBody>
-          <a:bodyPr rtlCol="0" anchor="ctr"/>
-          <a:lstStyle/>
-          <a:p>
-            <a:pPr algn="ctr"/>
-            <a:endParaRPr lang="en-US">
-              <a:solidFill>
-                <a:schemeClr val="tx1">
-                  <a:lumMod val="65000"/>
-                  <a:lumOff val="35000"/>
-                </a:schemeClr>
-              </a:solidFill>
-              <a:latin typeface="AvenirNext LT Pro Medium" panose="020B0504020202020204" pitchFamily="34" charset="0"/>
-            </a:endParaRPr>
-          </a:p>
-        </p:txBody>
-      </p:sp>
-      <p:sp>
-        <p:nvSpPr>
-          <p:cNvPr id="29" name="Rectangle 22">
-            <a:extLst>
-              <a:ext uri="{FF2B5EF4-FFF2-40B4-BE49-F238E27FC236}">
-                <a16:creationId xmlns:a16="http://schemas.microsoft.com/office/drawing/2014/main" id="{BF49D5AE-15AF-4BC1-8AC5-F5FA95199E94}"/>
-              </a:ext>
-              <a:ext uri="{C183D7F6-B498-43B3-948B-1728B52AA6E4}">
-                <adec:decorative xmlns:adec="http://schemas.microsoft.com/office/drawing/2017/decorative" val="1"/>
-              </a:ext>
-            </a:extLst>
-          </p:cNvPr>
-          <p:cNvSpPr>
-            <a:spLocks noGrp="1" noRot="1" noChangeAspect="1" noMove="1" noResize="1" noEditPoints="1" noAdjustHandles="1" noChangeArrowheads="1" noChangeShapeType="1" noTextEdit="1"/>
-          </p:cNvSpPr>
-          <p:nvPr>
-            <p:extLst>
-              <p:ext uri="{386F3935-93C4-4BCD-93E2-E3B085C9AB24}">
-                <p16:designElem xmlns:p16="http://schemas.microsoft.com/office/powerpoint/2015/main" val="1"/>
-              </p:ext>
-            </p:extLst>
-          </p:nvPr>
-        </p:nvSpPr>
-        <p:spPr>
-          <a:xfrm>
-            <a:off x="-3048" y="0"/>
-            <a:ext cx="12195048" cy="1295400"/>
-          </a:xfrm>
-          <a:prstGeom prst="rect">
-            <a:avLst/>
-          </a:prstGeom>
-          <a:solidFill>
-            <a:schemeClr val="tx2">
-              <a:lumMod val="90000"/>
-              <a:lumOff val="10000"/>
-            </a:schemeClr>
-          </a:solidFill>
-          <a:ln>
-            <a:noFill/>
-          </a:ln>
-        </p:spPr>
-        <p:style>
-          <a:lnRef idx="2">
-            <a:schemeClr val="accent1">
-              <a:shade val="50000"/>
-            </a:schemeClr>
-          </a:lnRef>
-          <a:fillRef idx="1">
-            <a:schemeClr val="accent1"/>
-          </a:fillRef>
-          <a:effectRef idx="0">
-            <a:schemeClr val="accent1"/>
-          </a:effectRef>
-          <a:fontRef idx="minor">
-            <a:schemeClr val="lt1"/>
-          </a:fontRef>
-        </p:style>
-        <p:txBody>
-          <a:bodyPr rtlCol="0" anchor="ctr"/>
-          <a:lstStyle/>
-          <a:p>
-            <a:pPr algn="ctr"/>
-            <a:endParaRPr lang="en-US" dirty="0"/>
-          </a:p>
-        </p:txBody>
-      </p:sp>
-      <p:pic>
-        <p:nvPicPr>
-          <p:cNvPr id="7" name="Picture 6">
-            <a:extLst>
-              <a:ext uri="{FF2B5EF4-FFF2-40B4-BE49-F238E27FC236}">
-                <a16:creationId xmlns:a16="http://schemas.microsoft.com/office/drawing/2014/main" id="{CA136111-B0F2-45B4-B799-BED40C0E6C93}"/>
-              </a:ext>
-            </a:extLst>
-          </p:cNvPr>
-          <p:cNvPicPr>
-            <a:picLocks noChangeAspect="1"/>
-          </p:cNvPicPr>
-          <p:nvPr/>
-        </p:nvPicPr>
-        <p:blipFill>
-          <a:blip r:embed="rId2"/>
-          <a:stretch>
-            <a:fillRect/>
-          </a:stretch>
-        </p:blipFill>
-        <p:spPr>
-          <a:xfrm>
-            <a:off x="6986150" y="1311691"/>
-            <a:ext cx="5195664" cy="3457944"/>
-          </a:xfrm>
-          <a:prstGeom prst="rect">
-            <a:avLst/>
-          </a:prstGeom>
-        </p:spPr>
-      </p:pic>
       <p:sp>
         <p:nvSpPr>
           <p:cNvPr id="30" name="Rectangle 24">
@@ -6262,17 +8452,17 @@
           <a:p>
             <a:r>
               <a:rPr lang="en-US" dirty="0"/>
-              <a:t>Range-based For Loop</a:t>
+              <a:t>Modern C++</a:t>
             </a:r>
           </a:p>
         </p:txBody>
       </p:sp>
       <p:sp>
         <p:nvSpPr>
-          <p:cNvPr id="26" name="TextBox 25">
+          <p:cNvPr id="37" name="TextBox 36">
             <a:extLst>
               <a:ext uri="{FF2B5EF4-FFF2-40B4-BE49-F238E27FC236}">
-                <a16:creationId xmlns:a16="http://schemas.microsoft.com/office/drawing/2014/main" id="{DE9DAED5-200A-4CC5-9401-DCF0B0447DFC}"/>
+                <a16:creationId xmlns:a16="http://schemas.microsoft.com/office/drawing/2014/main" id="{BF650DF9-77F0-4C5E-8BAB-3AA33FF39F16}"/>
               </a:ext>
             </a:extLst>
           </p:cNvPr>
@@ -6309,6 +8499,696 @@
               <a:buChar char="•"/>
             </a:pPr>
             <a:r>
+              <a:rPr lang="en-US" dirty="0">
+                <a:solidFill>
+                  <a:schemeClr val="tx2"/>
+                </a:solidFill>
+              </a:rPr>
+              <a:t>C++ is a language with a formal specification. However, it is a </a:t>
+            </a:r>
+            <a:r>
+              <a:rPr lang="en-US" i="1" dirty="0">
+                <a:solidFill>
+                  <a:schemeClr val="tx2"/>
+                </a:solidFill>
+              </a:rPr>
+              <a:t>living</a:t>
+            </a:r>
+            <a:r>
+              <a:rPr lang="en-US" dirty="0">
+                <a:solidFill>
+                  <a:schemeClr val="tx2"/>
+                </a:solidFill>
+              </a:rPr>
+              <a:t> language!</a:t>
+            </a:r>
+          </a:p>
+          <a:p>
+            <a:pPr marL="685800" lvl="1" indent="-228600">
+              <a:lnSpc>
+                <a:spcPct val="110000"/>
+              </a:lnSpc>
+              <a:spcBef>
+                <a:spcPts val="1000"/>
+              </a:spcBef>
+              <a:buClr>
+                <a:schemeClr val="accent1"/>
+              </a:buClr>
+              <a:buFont typeface="Arial" panose="020B0604020202020204" pitchFamily="34" charset="0"/>
+              <a:buChar char="•"/>
+            </a:pPr>
+            <a:r>
+              <a:rPr lang="en-US" dirty="0">
+                <a:solidFill>
+                  <a:schemeClr val="tx2"/>
+                </a:solidFill>
+              </a:rPr>
+              <a:t>C++98, C++03, </a:t>
+            </a:r>
+            <a:r>
+              <a:rPr lang="en-US" b="1" dirty="0">
+                <a:solidFill>
+                  <a:schemeClr val="tx2"/>
+                </a:solidFill>
+              </a:rPr>
+              <a:t>C++11</a:t>
+            </a:r>
+            <a:r>
+              <a:rPr lang="en-US" dirty="0">
+                <a:solidFill>
+                  <a:schemeClr val="tx2"/>
+                </a:solidFill>
+              </a:rPr>
+              <a:t>, C++14, C++17, C++20</a:t>
+            </a:r>
+          </a:p>
+          <a:p>
+            <a:pPr marL="685800" lvl="1" indent="-228600">
+              <a:lnSpc>
+                <a:spcPct val="110000"/>
+              </a:lnSpc>
+              <a:spcBef>
+                <a:spcPts val="1000"/>
+              </a:spcBef>
+              <a:buClr>
+                <a:schemeClr val="accent1"/>
+              </a:buClr>
+              <a:buFont typeface="Arial" panose="020B0604020202020204" pitchFamily="34" charset="0"/>
+              <a:buChar char="•"/>
+            </a:pPr>
+            <a:r>
+              <a:rPr lang="en-US" dirty="0">
+                <a:solidFill>
+                  <a:schemeClr val="tx2"/>
+                </a:solidFill>
+              </a:rPr>
+              <a:t>Strong backwards compatibility!</a:t>
+            </a:r>
+          </a:p>
+          <a:p>
+            <a:pPr marL="228600" indent="-228600">
+              <a:lnSpc>
+                <a:spcPct val="110000"/>
+              </a:lnSpc>
+              <a:spcBef>
+                <a:spcPts val="1000"/>
+              </a:spcBef>
+              <a:buClr>
+                <a:schemeClr val="accent1"/>
+              </a:buClr>
+              <a:buFont typeface="Arial" panose="020B0604020202020204" pitchFamily="34" charset="0"/>
+              <a:buChar char="•"/>
+            </a:pPr>
+            <a:r>
+              <a:rPr lang="en-US" dirty="0">
+                <a:solidFill>
+                  <a:schemeClr val="tx2"/>
+                </a:solidFill>
+              </a:rPr>
+              <a:t>C++11 introduced many enhancements that greatly improved code quality and efficiency </a:t>
+            </a:r>
+          </a:p>
+          <a:p>
+            <a:pPr marL="228600" indent="-228600">
+              <a:lnSpc>
+                <a:spcPct val="110000"/>
+              </a:lnSpc>
+              <a:spcBef>
+                <a:spcPts val="1000"/>
+              </a:spcBef>
+              <a:buClr>
+                <a:schemeClr val="accent1"/>
+              </a:buClr>
+              <a:buFont typeface="Arial" panose="020B0604020202020204" pitchFamily="34" charset="0"/>
+              <a:buChar char="•"/>
+            </a:pPr>
+            <a:r>
+              <a:rPr lang="en-US" dirty="0">
+                <a:solidFill>
+                  <a:schemeClr val="tx2"/>
+                </a:solidFill>
+              </a:rPr>
+              <a:t>C++11 and after is considered </a:t>
+            </a:r>
+            <a:r>
+              <a:rPr lang="en-US" b="1" i="1" dirty="0">
+                <a:solidFill>
+                  <a:schemeClr val="tx2"/>
+                </a:solidFill>
+              </a:rPr>
+              <a:t>Modern C++</a:t>
+            </a:r>
+            <a:endParaRPr lang="en-US" dirty="0">
+              <a:solidFill>
+                <a:schemeClr val="tx2"/>
+              </a:solidFill>
+            </a:endParaRPr>
+          </a:p>
+          <a:p>
+            <a:pPr marL="228600" indent="-228600">
+              <a:lnSpc>
+                <a:spcPct val="110000"/>
+              </a:lnSpc>
+              <a:spcBef>
+                <a:spcPts val="1000"/>
+              </a:spcBef>
+              <a:buClr>
+                <a:schemeClr val="accent1"/>
+              </a:buClr>
+              <a:buFont typeface="Arial" panose="020B0604020202020204" pitchFamily="34" charset="0"/>
+              <a:buChar char="•"/>
+            </a:pPr>
+            <a:r>
+              <a:rPr lang="en-US" dirty="0">
+                <a:solidFill>
+                  <a:schemeClr val="tx2"/>
+                </a:solidFill>
+              </a:rPr>
+              <a:t>We will review a new </a:t>
+            </a:r>
+            <a:r>
+              <a:rPr lang="en-US" dirty="0">
+                <a:solidFill>
+                  <a:srgbClr val="C00000"/>
+                </a:solidFill>
+              </a:rPr>
+              <a:t>for</a:t>
+            </a:r>
+            <a:r>
+              <a:rPr lang="en-US" dirty="0">
+                <a:solidFill>
+                  <a:schemeClr val="tx2"/>
+                </a:solidFill>
+              </a:rPr>
+              <a:t> loop constructs introduced in C++11: Range-based for loops</a:t>
+            </a:r>
+          </a:p>
+          <a:p>
+            <a:pPr marL="228600" indent="-228600">
+              <a:lnSpc>
+                <a:spcPct val="110000"/>
+              </a:lnSpc>
+              <a:spcBef>
+                <a:spcPts val="1000"/>
+              </a:spcBef>
+              <a:buClr>
+                <a:schemeClr val="accent1"/>
+              </a:buClr>
+              <a:buFont typeface="Arial" panose="020B0604020202020204" pitchFamily="34" charset="0"/>
+              <a:buChar char="•"/>
+            </a:pPr>
+            <a:r>
+              <a:rPr lang="en-US" dirty="0">
+                <a:solidFill>
+                  <a:schemeClr val="tx2"/>
+                </a:solidFill>
+              </a:rPr>
+              <a:t>These don’t replace previously discussed patterns; they simply augment them</a:t>
+            </a:r>
+          </a:p>
+          <a:p>
+            <a:pPr marL="685800" lvl="1" indent="-228600">
+              <a:lnSpc>
+                <a:spcPct val="110000"/>
+              </a:lnSpc>
+              <a:spcBef>
+                <a:spcPts val="1000"/>
+              </a:spcBef>
+              <a:buClr>
+                <a:schemeClr val="accent1"/>
+              </a:buClr>
+              <a:buFont typeface="Arial" panose="020B0604020202020204" pitchFamily="34" charset="0"/>
+              <a:buChar char="•"/>
+            </a:pPr>
+            <a:r>
+              <a:rPr lang="en-US" dirty="0">
+                <a:solidFill>
+                  <a:schemeClr val="tx2"/>
+                </a:solidFill>
+              </a:rPr>
+              <a:t>Specifically meant for ranges, aka sequences/lists</a:t>
+            </a:r>
+          </a:p>
+          <a:p>
+            <a:pPr marL="228600" indent="-228600">
+              <a:lnSpc>
+                <a:spcPct val="110000"/>
+              </a:lnSpc>
+              <a:spcBef>
+                <a:spcPts val="1000"/>
+              </a:spcBef>
+              <a:buClr>
+                <a:schemeClr val="accent1"/>
+              </a:buClr>
+              <a:buFont typeface="Arial" panose="020B0604020202020204" pitchFamily="34" charset="0"/>
+              <a:buChar char="•"/>
+            </a:pPr>
+            <a:endParaRPr lang="en-US" dirty="0"/>
+          </a:p>
+          <a:p>
+            <a:pPr marL="228600" indent="-228600">
+              <a:lnSpc>
+                <a:spcPct val="110000"/>
+              </a:lnSpc>
+              <a:spcBef>
+                <a:spcPts val="1000"/>
+              </a:spcBef>
+              <a:buClr>
+                <a:schemeClr val="accent1"/>
+              </a:buClr>
+              <a:buFont typeface="Arial" panose="020B0604020202020204" pitchFamily="34" charset="0"/>
+              <a:buChar char="•"/>
+            </a:pPr>
+            <a:endParaRPr lang="en-US" dirty="0"/>
+          </a:p>
+        </p:txBody>
+      </p:sp>
+    </p:spTree>
+    <p:extLst>
+      <p:ext uri="{BB962C8B-B14F-4D97-AF65-F5344CB8AC3E}">
+        <p14:creationId xmlns:p14="http://schemas.microsoft.com/office/powerpoint/2010/main" val="3419536657"/>
+      </p:ext>
+    </p:extLst>
+  </p:cSld>
+  <p:clrMapOvr>
+    <a:masterClrMapping/>
+  </p:clrMapOvr>
+</p:sld>
+</file>
+
+<file path=ppt/slides/slide12.xml><?xml version="1.0" encoding="utf-8"?>
+<p:sld xmlns:a="http://schemas.openxmlformats.org/drawingml/2006/main" xmlns:r="http://schemas.openxmlformats.org/officeDocument/2006/relationships" xmlns:p="http://schemas.openxmlformats.org/presentationml/2006/main">
+  <p:cSld>
+    <p:bg>
+      <p:bgPr>
+        <a:solidFill>
+          <a:schemeClr val="bg1"/>
+        </a:solidFill>
+        <a:effectLst/>
+      </p:bgPr>
+    </p:bg>
+    <p:spTree>
+      <p:nvGrpSpPr>
+        <p:cNvPr id="1" name=""/>
+        <p:cNvGrpSpPr/>
+        <p:nvPr/>
+      </p:nvGrpSpPr>
+      <p:grpSpPr>
+        <a:xfrm>
+          <a:off x="0" y="0"/>
+          <a:ext cx="0" cy="0"/>
+          <a:chOff x="0" y="0"/>
+          <a:chExt cx="0" cy="0"/>
+        </a:xfrm>
+      </p:grpSpPr>
+      <p:sp useBgFill="1">
+        <p:nvSpPr>
+          <p:cNvPr id="27" name="Rectangle 18">
+            <a:extLst>
+              <a:ext uri="{FF2B5EF4-FFF2-40B4-BE49-F238E27FC236}">
+                <a16:creationId xmlns:a16="http://schemas.microsoft.com/office/drawing/2014/main" id="{8651CFA9-6065-4243-AC48-858E359780B1}"/>
+              </a:ext>
+              <a:ext uri="{C183D7F6-B498-43B3-948B-1728B52AA6E4}">
+                <adec:decorative xmlns:adec="http://schemas.microsoft.com/office/drawing/2017/decorative" val="1"/>
+              </a:ext>
+            </a:extLst>
+          </p:cNvPr>
+          <p:cNvSpPr>
+            <a:spLocks noGrp="1" noRot="1" noChangeAspect="1" noMove="1" noResize="1" noEditPoints="1" noAdjustHandles="1" noChangeArrowheads="1" noChangeShapeType="1" noTextEdit="1"/>
+          </p:cNvSpPr>
+          <p:nvPr>
+            <p:extLst>
+              <p:ext uri="{386F3935-93C4-4BCD-93E2-E3B085C9AB24}">
+                <p16:designElem xmlns:p16="http://schemas.microsoft.com/office/powerpoint/2015/main" val="1"/>
+              </p:ext>
+            </p:extLst>
+          </p:nvPr>
+        </p:nvSpPr>
+        <p:spPr>
+          <a:xfrm>
+            <a:off x="0" y="0"/>
+            <a:ext cx="12192000" cy="6858000"/>
+          </a:xfrm>
+          <a:prstGeom prst="rect">
+            <a:avLst/>
+          </a:prstGeom>
+          <a:ln>
+            <a:noFill/>
+          </a:ln>
+        </p:spPr>
+        <p:style>
+          <a:lnRef idx="2">
+            <a:schemeClr val="accent1">
+              <a:shade val="50000"/>
+            </a:schemeClr>
+          </a:lnRef>
+          <a:fillRef idx="1">
+            <a:schemeClr val="accent1"/>
+          </a:fillRef>
+          <a:effectRef idx="0">
+            <a:schemeClr val="accent1"/>
+          </a:effectRef>
+          <a:fontRef idx="minor">
+            <a:schemeClr val="lt1"/>
+          </a:fontRef>
+        </p:style>
+        <p:txBody>
+          <a:bodyPr rtlCol="0" anchor="ctr"/>
+          <a:lstStyle/>
+          <a:p>
+            <a:pPr algn="ctr"/>
+            <a:endParaRPr lang="en-US">
+              <a:solidFill>
+                <a:schemeClr val="tx1">
+                  <a:lumMod val="65000"/>
+                  <a:lumOff val="35000"/>
+                </a:schemeClr>
+              </a:solidFill>
+              <a:latin typeface="AvenirNext LT Pro Medium" panose="020B0504020202020204" pitchFamily="34" charset="0"/>
+            </a:endParaRPr>
+          </a:p>
+        </p:txBody>
+      </p:sp>
+      <p:sp>
+        <p:nvSpPr>
+          <p:cNvPr id="28" name="Rectangle 20">
+            <a:extLst>
+              <a:ext uri="{FF2B5EF4-FFF2-40B4-BE49-F238E27FC236}">
+                <a16:creationId xmlns:a16="http://schemas.microsoft.com/office/drawing/2014/main" id="{37962AE0-6A1C-4B76-9D52-10E5E6D7D3BB}"/>
+              </a:ext>
+              <a:ext uri="{C183D7F6-B498-43B3-948B-1728B52AA6E4}">
+                <adec:decorative xmlns:adec="http://schemas.microsoft.com/office/drawing/2017/decorative" val="1"/>
+              </a:ext>
+            </a:extLst>
+          </p:cNvPr>
+          <p:cNvSpPr>
+            <a:spLocks noGrp="1" noRot="1" noChangeAspect="1" noMove="1" noResize="1" noEditPoints="1" noAdjustHandles="1" noChangeArrowheads="1" noChangeShapeType="1" noTextEdit="1"/>
+          </p:cNvSpPr>
+          <p:nvPr>
+            <p:extLst>
+              <p:ext uri="{386F3935-93C4-4BCD-93E2-E3B085C9AB24}">
+                <p16:designElem xmlns:p16="http://schemas.microsoft.com/office/powerpoint/2015/main" val="1"/>
+              </p:ext>
+            </p:extLst>
+          </p:nvPr>
+        </p:nvSpPr>
+        <p:spPr>
+          <a:xfrm>
+            <a:off x="-3048" y="0"/>
+            <a:ext cx="12188952" cy="6858000"/>
+          </a:xfrm>
+          <a:prstGeom prst="rect">
+            <a:avLst/>
+          </a:prstGeom>
+          <a:solidFill>
+            <a:schemeClr val="bg2">
+              <a:alpha val="70000"/>
+            </a:schemeClr>
+          </a:solidFill>
+          <a:ln>
+            <a:noFill/>
+          </a:ln>
+        </p:spPr>
+        <p:style>
+          <a:lnRef idx="2">
+            <a:schemeClr val="accent1">
+              <a:shade val="50000"/>
+            </a:schemeClr>
+          </a:lnRef>
+          <a:fillRef idx="1">
+            <a:schemeClr val="accent1"/>
+          </a:fillRef>
+          <a:effectRef idx="0">
+            <a:schemeClr val="accent1"/>
+          </a:effectRef>
+          <a:fontRef idx="minor">
+            <a:schemeClr val="lt1"/>
+          </a:fontRef>
+        </p:style>
+        <p:txBody>
+          <a:bodyPr rtlCol="0" anchor="ctr"/>
+          <a:lstStyle/>
+          <a:p>
+            <a:pPr algn="ctr"/>
+            <a:endParaRPr lang="en-US">
+              <a:solidFill>
+                <a:schemeClr val="tx1">
+                  <a:lumMod val="65000"/>
+                  <a:lumOff val="35000"/>
+                </a:schemeClr>
+              </a:solidFill>
+              <a:latin typeface="AvenirNext LT Pro Medium" panose="020B0504020202020204" pitchFamily="34" charset="0"/>
+            </a:endParaRPr>
+          </a:p>
+        </p:txBody>
+      </p:sp>
+      <p:sp>
+        <p:nvSpPr>
+          <p:cNvPr id="29" name="Rectangle 22">
+            <a:extLst>
+              <a:ext uri="{FF2B5EF4-FFF2-40B4-BE49-F238E27FC236}">
+                <a16:creationId xmlns:a16="http://schemas.microsoft.com/office/drawing/2014/main" id="{BF49D5AE-15AF-4BC1-8AC5-F5FA95199E94}"/>
+              </a:ext>
+              <a:ext uri="{C183D7F6-B498-43B3-948B-1728B52AA6E4}">
+                <adec:decorative xmlns:adec="http://schemas.microsoft.com/office/drawing/2017/decorative" val="1"/>
+              </a:ext>
+            </a:extLst>
+          </p:cNvPr>
+          <p:cNvSpPr>
+            <a:spLocks noGrp="1" noRot="1" noChangeAspect="1" noMove="1" noResize="1" noEditPoints="1" noAdjustHandles="1" noChangeArrowheads="1" noChangeShapeType="1" noTextEdit="1"/>
+          </p:cNvSpPr>
+          <p:nvPr>
+            <p:extLst>
+              <p:ext uri="{386F3935-93C4-4BCD-93E2-E3B085C9AB24}">
+                <p16:designElem xmlns:p16="http://schemas.microsoft.com/office/powerpoint/2015/main" val="1"/>
+              </p:ext>
+            </p:extLst>
+          </p:nvPr>
+        </p:nvSpPr>
+        <p:spPr>
+          <a:xfrm>
+            <a:off x="-3048" y="0"/>
+            <a:ext cx="12195048" cy="1295400"/>
+          </a:xfrm>
+          <a:prstGeom prst="rect">
+            <a:avLst/>
+          </a:prstGeom>
+          <a:solidFill>
+            <a:schemeClr val="tx2">
+              <a:lumMod val="90000"/>
+              <a:lumOff val="10000"/>
+            </a:schemeClr>
+          </a:solidFill>
+          <a:ln>
+            <a:noFill/>
+          </a:ln>
+        </p:spPr>
+        <p:style>
+          <a:lnRef idx="2">
+            <a:schemeClr val="accent1">
+              <a:shade val="50000"/>
+            </a:schemeClr>
+          </a:lnRef>
+          <a:fillRef idx="1">
+            <a:schemeClr val="accent1"/>
+          </a:fillRef>
+          <a:effectRef idx="0">
+            <a:schemeClr val="accent1"/>
+          </a:effectRef>
+          <a:fontRef idx="minor">
+            <a:schemeClr val="lt1"/>
+          </a:fontRef>
+        </p:style>
+        <p:txBody>
+          <a:bodyPr rtlCol="0" anchor="ctr"/>
+          <a:lstStyle/>
+          <a:p>
+            <a:pPr algn="ctr"/>
+            <a:endParaRPr lang="en-US" dirty="0"/>
+          </a:p>
+        </p:txBody>
+      </p:sp>
+      <p:pic>
+        <p:nvPicPr>
+          <p:cNvPr id="7" name="Picture 6">
+            <a:extLst>
+              <a:ext uri="{FF2B5EF4-FFF2-40B4-BE49-F238E27FC236}">
+                <a16:creationId xmlns:a16="http://schemas.microsoft.com/office/drawing/2014/main" id="{CA136111-B0F2-45B4-B799-BED40C0E6C93}"/>
+              </a:ext>
+            </a:extLst>
+          </p:cNvPr>
+          <p:cNvPicPr>
+            <a:picLocks noChangeAspect="1"/>
+          </p:cNvPicPr>
+          <p:nvPr/>
+        </p:nvPicPr>
+        <p:blipFill>
+          <a:blip r:embed="rId3"/>
+          <a:stretch>
+            <a:fillRect/>
+          </a:stretch>
+        </p:blipFill>
+        <p:spPr>
+          <a:xfrm>
+            <a:off x="6986150" y="1311691"/>
+            <a:ext cx="5195664" cy="3457944"/>
+          </a:xfrm>
+          <a:prstGeom prst="rect">
+            <a:avLst/>
+          </a:prstGeom>
+        </p:spPr>
+      </p:pic>
+      <p:sp>
+        <p:nvSpPr>
+          <p:cNvPr id="30" name="Rectangle 24">
+            <a:extLst>
+              <a:ext uri="{FF2B5EF4-FFF2-40B4-BE49-F238E27FC236}">
+                <a16:creationId xmlns:a16="http://schemas.microsoft.com/office/drawing/2014/main" id="{5608A5E7-BD2D-419A-8079-3103083AB134}"/>
+              </a:ext>
+              <a:ext uri="{C183D7F6-B498-43B3-948B-1728B52AA6E4}">
+                <adec:decorative xmlns:adec="http://schemas.microsoft.com/office/drawing/2017/decorative" val="1"/>
+              </a:ext>
+            </a:extLst>
+          </p:cNvPr>
+          <p:cNvSpPr>
+            <a:spLocks noGrp="1" noRot="1" noChangeAspect="1" noMove="1" noResize="1" noEditPoints="1" noAdjustHandles="1" noChangeArrowheads="1" noChangeShapeType="1" noTextEdit="1"/>
+          </p:cNvSpPr>
+          <p:nvPr>
+            <p:extLst>
+              <p:ext uri="{386F3935-93C4-4BCD-93E2-E3B085C9AB24}">
+                <p16:designElem xmlns:p16="http://schemas.microsoft.com/office/powerpoint/2015/main" val="1"/>
+              </p:ext>
+            </p:extLst>
+          </p:nvPr>
+        </p:nvSpPr>
+        <p:spPr>
+          <a:xfrm>
+            <a:off x="1524" y="0"/>
+            <a:ext cx="12188952" cy="1295400"/>
+          </a:xfrm>
+          <a:prstGeom prst="rect">
+            <a:avLst/>
+          </a:prstGeom>
+          <a:blipFill dpi="0" rotWithShape="1">
+            <a:blip r:embed="rId4">
+              <a:alphaModFix amt="24000"/>
+              <a:duotone>
+                <a:schemeClr val="accent1">
+                  <a:shade val="45000"/>
+                  <a:satMod val="135000"/>
+                </a:schemeClr>
+                <a:prstClr val="white"/>
+              </a:duotone>
+            </a:blip>
+            <a:srcRect/>
+            <a:tile tx="889000" ty="0" sx="100000" sy="100000" flip="none" algn="tl"/>
+          </a:blipFill>
+          <a:ln>
+            <a:noFill/>
+          </a:ln>
+        </p:spPr>
+        <p:style>
+          <a:lnRef idx="2">
+            <a:schemeClr val="accent1">
+              <a:shade val="50000"/>
+            </a:schemeClr>
+          </a:lnRef>
+          <a:fillRef idx="1">
+            <a:schemeClr val="accent1"/>
+          </a:fillRef>
+          <a:effectRef idx="0">
+            <a:schemeClr val="accent1"/>
+          </a:effectRef>
+          <a:fontRef idx="minor">
+            <a:schemeClr val="lt1"/>
+          </a:fontRef>
+        </p:style>
+        <p:txBody>
+          <a:bodyPr rtlCol="0" anchor="ctr"/>
+          <a:lstStyle/>
+          <a:p>
+            <a:pPr algn="ctr"/>
+            <a:endParaRPr lang="en-US" dirty="0"/>
+          </a:p>
+        </p:txBody>
+      </p:sp>
+      <p:sp>
+        <p:nvSpPr>
+          <p:cNvPr id="2" name="Title 1">
+            <a:extLst>
+              <a:ext uri="{FF2B5EF4-FFF2-40B4-BE49-F238E27FC236}">
+                <a16:creationId xmlns:a16="http://schemas.microsoft.com/office/drawing/2014/main" id="{435A2D9F-DF11-409A-8AFF-42DD6CF6FD8A}"/>
+              </a:ext>
+            </a:extLst>
+          </p:cNvPr>
+          <p:cNvSpPr>
+            <a:spLocks noGrp="1"/>
+          </p:cNvSpPr>
+          <p:nvPr>
+            <p:ph type="title"/>
+          </p:nvPr>
+        </p:nvSpPr>
+        <p:spPr>
+          <a:xfrm>
+            <a:off x="493453" y="-457200"/>
+            <a:ext cx="9988166" cy="1752600"/>
+          </a:xfrm>
+        </p:spPr>
+        <p:txBody>
+          <a:bodyPr anchor="b">
+            <a:normAutofit/>
+          </a:bodyPr>
+          <a:lstStyle/>
+          <a:p>
+            <a:r>
+              <a:rPr lang="en-US" dirty="0"/>
+              <a:t>Range-based For Loop</a:t>
+            </a:r>
+          </a:p>
+        </p:txBody>
+      </p:sp>
+      <p:sp>
+        <p:nvSpPr>
+          <p:cNvPr id="26" name="TextBox 25">
+            <a:extLst>
+              <a:ext uri="{FF2B5EF4-FFF2-40B4-BE49-F238E27FC236}">
+                <a16:creationId xmlns:a16="http://schemas.microsoft.com/office/drawing/2014/main" id="{DE9DAED5-200A-4CC5-9401-DCF0B0447DFC}"/>
+              </a:ext>
+            </a:extLst>
+          </p:cNvPr>
+          <p:cNvSpPr txBox="1"/>
+          <p:nvPr/>
+        </p:nvSpPr>
+        <p:spPr>
+          <a:xfrm>
+            <a:off x="430349" y="1561491"/>
+            <a:ext cx="10987360" cy="4274440"/>
+          </a:xfrm>
+          <a:prstGeom prst="rect">
+            <a:avLst/>
+          </a:prstGeom>
+          <a:noFill/>
+        </p:spPr>
+        <p:txBody>
+          <a:bodyPr wrap="square">
+            <a:spAutoFit/>
+          </a:bodyPr>
+          <a:lstStyle/>
+          <a:p>
+            <a:pPr marL="228600" indent="-228600">
+              <a:lnSpc>
+                <a:spcPct val="110000"/>
+              </a:lnSpc>
+              <a:spcBef>
+                <a:spcPts val="1000"/>
+              </a:spcBef>
+              <a:buClr>
+                <a:schemeClr val="accent1"/>
+              </a:buClr>
+              <a:buFont typeface="Arial" panose="020B0604020202020204" pitchFamily="34" charset="0"/>
+              <a:buChar char="•"/>
+            </a:pPr>
+            <a:r>
               <a:rPr lang="en-US" dirty="0"/>
               <a:t>Execute loop body for each </a:t>
             </a:r>
@@ -6478,7 +9358,10 @@
               <a:buFont typeface="Arial" panose="020B0604020202020204" pitchFamily="34" charset="0"/>
               <a:buChar char="•"/>
             </a:pPr>
-            <a:endParaRPr lang="en-US" dirty="0"/>
+            <a:r>
+              <a:rPr lang="en-US" dirty="0"/>
+              <a:t>Reindeer vector is not modified/changed</a:t>
+            </a:r>
           </a:p>
         </p:txBody>
       </p:sp>
@@ -6669,9 +9552,9 @@
             <p:nvPr/>
           </p:nvCxnSpPr>
           <p:spPr>
-            <a:xfrm flipV="1">
-              <a:off x="6437395" y="2773506"/>
-              <a:ext cx="3127150" cy="2310"/>
+            <a:xfrm>
+              <a:off x="6772987" y="2773506"/>
+              <a:ext cx="2791558" cy="0"/>
             </a:xfrm>
             <a:prstGeom prst="straightConnector1">
               <a:avLst/>
@@ -7104,7 +9987,7 @@
         </p:nvGrpSpPr>
         <p:grpSpPr>
           <a:xfrm>
-            <a:off x="1582640" y="4924007"/>
+            <a:off x="6399898" y="4900637"/>
             <a:ext cx="5521650" cy="1835109"/>
             <a:chOff x="1118864" y="4960927"/>
             <a:chExt cx="5521650" cy="1835109"/>
@@ -7160,7 +10043,7 @@
             <p:nvPr/>
           </p:nvPicPr>
           <p:blipFill>
-            <a:blip r:embed="rId4"/>
+            <a:blip r:embed="rId5"/>
             <a:stretch>
               <a:fillRect/>
             </a:stretch>
@@ -8398,7 +11281,7 @@
             <a:avLst/>
           </a:prstGeom>
           <a:blipFill dpi="0" rotWithShape="1">
-            <a:blip r:embed="rId2">
+            <a:blip r:embed="rId3">
               <a:alphaModFix amt="24000"/>
               <a:duotone>
                 <a:schemeClr val="accent1">
@@ -8707,7 +11590,7 @@
           <p:nvPr/>
         </p:nvPicPr>
         <p:blipFill>
-          <a:blip r:embed="rId3"/>
+          <a:blip r:embed="rId4"/>
           <a:stretch>
             <a:fillRect/>
           </a:stretch>
@@ -9078,6 +11961,1084 @@
 </p:sld>
 </file>
 
+<file path=ppt/slides/slide14.xml><?xml version="1.0" encoding="utf-8"?>
+<p:sld xmlns:a="http://schemas.openxmlformats.org/drawingml/2006/main" xmlns:r="http://schemas.openxmlformats.org/officeDocument/2006/relationships" xmlns:p="http://schemas.openxmlformats.org/presentationml/2006/main">
+  <p:cSld>
+    <p:bg>
+      <p:bgPr>
+        <a:solidFill>
+          <a:schemeClr val="bg1"/>
+        </a:solidFill>
+        <a:effectLst/>
+      </p:bgPr>
+    </p:bg>
+    <p:spTree>
+      <p:nvGrpSpPr>
+        <p:cNvPr id="1" name=""/>
+        <p:cNvGrpSpPr/>
+        <p:nvPr/>
+      </p:nvGrpSpPr>
+      <p:grpSpPr>
+        <a:xfrm>
+          <a:off x="0" y="0"/>
+          <a:ext cx="0" cy="0"/>
+          <a:chOff x="0" y="0"/>
+          <a:chExt cx="0" cy="0"/>
+        </a:xfrm>
+      </p:grpSpPr>
+      <p:sp useBgFill="1">
+        <p:nvSpPr>
+          <p:cNvPr id="27" name="Rectangle 18">
+            <a:extLst>
+              <a:ext uri="{FF2B5EF4-FFF2-40B4-BE49-F238E27FC236}">
+                <a16:creationId xmlns:a16="http://schemas.microsoft.com/office/drawing/2014/main" id="{8651CFA9-6065-4243-AC48-858E359780B1}"/>
+              </a:ext>
+              <a:ext uri="{C183D7F6-B498-43B3-948B-1728B52AA6E4}">
+                <adec:decorative xmlns:adec="http://schemas.microsoft.com/office/drawing/2017/decorative" val="1"/>
+              </a:ext>
+            </a:extLst>
+          </p:cNvPr>
+          <p:cNvSpPr>
+            <a:spLocks noGrp="1" noRot="1" noChangeAspect="1" noMove="1" noResize="1" noEditPoints="1" noAdjustHandles="1" noChangeArrowheads="1" noChangeShapeType="1" noTextEdit="1"/>
+          </p:cNvSpPr>
+          <p:nvPr>
+            <p:extLst>
+              <p:ext uri="{386F3935-93C4-4BCD-93E2-E3B085C9AB24}">
+                <p16:designElem xmlns:p16="http://schemas.microsoft.com/office/powerpoint/2015/main" val="1"/>
+              </p:ext>
+            </p:extLst>
+          </p:nvPr>
+        </p:nvSpPr>
+        <p:spPr>
+          <a:xfrm>
+            <a:off x="0" y="0"/>
+            <a:ext cx="12192000" cy="6858000"/>
+          </a:xfrm>
+          <a:prstGeom prst="rect">
+            <a:avLst/>
+          </a:prstGeom>
+          <a:ln>
+            <a:noFill/>
+          </a:ln>
+        </p:spPr>
+        <p:style>
+          <a:lnRef idx="2">
+            <a:schemeClr val="accent1">
+              <a:shade val="50000"/>
+            </a:schemeClr>
+          </a:lnRef>
+          <a:fillRef idx="1">
+            <a:schemeClr val="accent1"/>
+          </a:fillRef>
+          <a:effectRef idx="0">
+            <a:schemeClr val="accent1"/>
+          </a:effectRef>
+          <a:fontRef idx="minor">
+            <a:schemeClr val="lt1"/>
+          </a:fontRef>
+        </p:style>
+        <p:txBody>
+          <a:bodyPr rtlCol="0" anchor="ctr"/>
+          <a:lstStyle/>
+          <a:p>
+            <a:pPr algn="ctr"/>
+            <a:endParaRPr lang="en-US">
+              <a:solidFill>
+                <a:schemeClr val="tx1">
+                  <a:lumMod val="65000"/>
+                  <a:lumOff val="35000"/>
+                </a:schemeClr>
+              </a:solidFill>
+              <a:latin typeface="AvenirNext LT Pro Medium" panose="020B0504020202020204" pitchFamily="34" charset="0"/>
+            </a:endParaRPr>
+          </a:p>
+        </p:txBody>
+      </p:sp>
+      <p:sp>
+        <p:nvSpPr>
+          <p:cNvPr id="28" name="Rectangle 20">
+            <a:extLst>
+              <a:ext uri="{FF2B5EF4-FFF2-40B4-BE49-F238E27FC236}">
+                <a16:creationId xmlns:a16="http://schemas.microsoft.com/office/drawing/2014/main" id="{37962AE0-6A1C-4B76-9D52-10E5E6D7D3BB}"/>
+              </a:ext>
+              <a:ext uri="{C183D7F6-B498-43B3-948B-1728B52AA6E4}">
+                <adec:decorative xmlns:adec="http://schemas.microsoft.com/office/drawing/2017/decorative" val="1"/>
+              </a:ext>
+            </a:extLst>
+          </p:cNvPr>
+          <p:cNvSpPr>
+            <a:spLocks noGrp="1" noRot="1" noChangeAspect="1" noMove="1" noResize="1" noEditPoints="1" noAdjustHandles="1" noChangeArrowheads="1" noChangeShapeType="1" noTextEdit="1"/>
+          </p:cNvSpPr>
+          <p:nvPr>
+            <p:extLst>
+              <p:ext uri="{386F3935-93C4-4BCD-93E2-E3B085C9AB24}">
+                <p16:designElem xmlns:p16="http://schemas.microsoft.com/office/powerpoint/2015/main" val="1"/>
+              </p:ext>
+            </p:extLst>
+          </p:nvPr>
+        </p:nvSpPr>
+        <p:spPr>
+          <a:xfrm>
+            <a:off x="-3048" y="0"/>
+            <a:ext cx="12188952" cy="6858000"/>
+          </a:xfrm>
+          <a:prstGeom prst="rect">
+            <a:avLst/>
+          </a:prstGeom>
+          <a:solidFill>
+            <a:schemeClr val="bg2">
+              <a:alpha val="70000"/>
+            </a:schemeClr>
+          </a:solidFill>
+          <a:ln>
+            <a:noFill/>
+          </a:ln>
+        </p:spPr>
+        <p:style>
+          <a:lnRef idx="2">
+            <a:schemeClr val="accent1">
+              <a:shade val="50000"/>
+            </a:schemeClr>
+          </a:lnRef>
+          <a:fillRef idx="1">
+            <a:schemeClr val="accent1"/>
+          </a:fillRef>
+          <a:effectRef idx="0">
+            <a:schemeClr val="accent1"/>
+          </a:effectRef>
+          <a:fontRef idx="minor">
+            <a:schemeClr val="lt1"/>
+          </a:fontRef>
+        </p:style>
+        <p:txBody>
+          <a:bodyPr rtlCol="0" anchor="ctr"/>
+          <a:lstStyle/>
+          <a:p>
+            <a:pPr algn="ctr"/>
+            <a:endParaRPr lang="en-US">
+              <a:solidFill>
+                <a:schemeClr val="tx1">
+                  <a:lumMod val="65000"/>
+                  <a:lumOff val="35000"/>
+                </a:schemeClr>
+              </a:solidFill>
+              <a:latin typeface="AvenirNext LT Pro Medium" panose="020B0504020202020204" pitchFamily="34" charset="0"/>
+            </a:endParaRPr>
+          </a:p>
+        </p:txBody>
+      </p:sp>
+      <p:sp>
+        <p:nvSpPr>
+          <p:cNvPr id="29" name="Rectangle 22">
+            <a:extLst>
+              <a:ext uri="{FF2B5EF4-FFF2-40B4-BE49-F238E27FC236}">
+                <a16:creationId xmlns:a16="http://schemas.microsoft.com/office/drawing/2014/main" id="{BF49D5AE-15AF-4BC1-8AC5-F5FA95199E94}"/>
+              </a:ext>
+              <a:ext uri="{C183D7F6-B498-43B3-948B-1728B52AA6E4}">
+                <adec:decorative xmlns:adec="http://schemas.microsoft.com/office/drawing/2017/decorative" val="1"/>
+              </a:ext>
+            </a:extLst>
+          </p:cNvPr>
+          <p:cNvSpPr>
+            <a:spLocks noGrp="1" noRot="1" noChangeAspect="1" noMove="1" noResize="1" noEditPoints="1" noAdjustHandles="1" noChangeArrowheads="1" noChangeShapeType="1" noTextEdit="1"/>
+          </p:cNvSpPr>
+          <p:nvPr>
+            <p:extLst>
+              <p:ext uri="{386F3935-93C4-4BCD-93E2-E3B085C9AB24}">
+                <p16:designElem xmlns:p16="http://schemas.microsoft.com/office/powerpoint/2015/main" val="1"/>
+              </p:ext>
+            </p:extLst>
+          </p:nvPr>
+        </p:nvSpPr>
+        <p:spPr>
+          <a:xfrm>
+            <a:off x="-3048" y="0"/>
+            <a:ext cx="12195048" cy="1295400"/>
+          </a:xfrm>
+          <a:prstGeom prst="rect">
+            <a:avLst/>
+          </a:prstGeom>
+          <a:solidFill>
+            <a:schemeClr val="tx2">
+              <a:lumMod val="90000"/>
+              <a:lumOff val="10000"/>
+            </a:schemeClr>
+          </a:solidFill>
+          <a:ln>
+            <a:noFill/>
+          </a:ln>
+        </p:spPr>
+        <p:style>
+          <a:lnRef idx="2">
+            <a:schemeClr val="accent1">
+              <a:shade val="50000"/>
+            </a:schemeClr>
+          </a:lnRef>
+          <a:fillRef idx="1">
+            <a:schemeClr val="accent1"/>
+          </a:fillRef>
+          <a:effectRef idx="0">
+            <a:schemeClr val="accent1"/>
+          </a:effectRef>
+          <a:fontRef idx="minor">
+            <a:schemeClr val="lt1"/>
+          </a:fontRef>
+        </p:style>
+        <p:txBody>
+          <a:bodyPr rtlCol="0" anchor="ctr"/>
+          <a:lstStyle/>
+          <a:p>
+            <a:pPr algn="ctr"/>
+            <a:endParaRPr lang="en-US" dirty="0"/>
+          </a:p>
+        </p:txBody>
+      </p:sp>
+      <p:sp>
+        <p:nvSpPr>
+          <p:cNvPr id="30" name="Rectangle 24">
+            <a:extLst>
+              <a:ext uri="{FF2B5EF4-FFF2-40B4-BE49-F238E27FC236}">
+                <a16:creationId xmlns:a16="http://schemas.microsoft.com/office/drawing/2014/main" id="{5608A5E7-BD2D-419A-8079-3103083AB134}"/>
+              </a:ext>
+              <a:ext uri="{C183D7F6-B498-43B3-948B-1728B52AA6E4}">
+                <adec:decorative xmlns:adec="http://schemas.microsoft.com/office/drawing/2017/decorative" val="1"/>
+              </a:ext>
+            </a:extLst>
+          </p:cNvPr>
+          <p:cNvSpPr>
+            <a:spLocks noGrp="1" noRot="1" noChangeAspect="1" noMove="1" noResize="1" noEditPoints="1" noAdjustHandles="1" noChangeArrowheads="1" noChangeShapeType="1" noTextEdit="1"/>
+          </p:cNvSpPr>
+          <p:nvPr>
+            <p:extLst>
+              <p:ext uri="{386F3935-93C4-4BCD-93E2-E3B085C9AB24}">
+                <p16:designElem xmlns:p16="http://schemas.microsoft.com/office/powerpoint/2015/main" val="1"/>
+              </p:ext>
+            </p:extLst>
+          </p:nvPr>
+        </p:nvSpPr>
+        <p:spPr>
+          <a:xfrm>
+            <a:off x="1524" y="0"/>
+            <a:ext cx="12188952" cy="1295400"/>
+          </a:xfrm>
+          <a:prstGeom prst="rect">
+            <a:avLst/>
+          </a:prstGeom>
+          <a:blipFill dpi="0" rotWithShape="1">
+            <a:blip r:embed="rId2">
+              <a:alphaModFix amt="24000"/>
+              <a:duotone>
+                <a:schemeClr val="accent1">
+                  <a:shade val="45000"/>
+                  <a:satMod val="135000"/>
+                </a:schemeClr>
+                <a:prstClr val="white"/>
+              </a:duotone>
+            </a:blip>
+            <a:srcRect/>
+            <a:tile tx="889000" ty="0" sx="100000" sy="100000" flip="none" algn="tl"/>
+          </a:blipFill>
+          <a:ln>
+            <a:noFill/>
+          </a:ln>
+        </p:spPr>
+        <p:style>
+          <a:lnRef idx="2">
+            <a:schemeClr val="accent1">
+              <a:shade val="50000"/>
+            </a:schemeClr>
+          </a:lnRef>
+          <a:fillRef idx="1">
+            <a:schemeClr val="accent1"/>
+          </a:fillRef>
+          <a:effectRef idx="0">
+            <a:schemeClr val="accent1"/>
+          </a:effectRef>
+          <a:fontRef idx="minor">
+            <a:schemeClr val="lt1"/>
+          </a:fontRef>
+        </p:style>
+        <p:txBody>
+          <a:bodyPr rtlCol="0" anchor="ctr"/>
+          <a:lstStyle/>
+          <a:p>
+            <a:pPr algn="ctr"/>
+            <a:endParaRPr lang="en-US" dirty="0"/>
+          </a:p>
+        </p:txBody>
+      </p:sp>
+      <p:sp>
+        <p:nvSpPr>
+          <p:cNvPr id="2" name="Title 1">
+            <a:extLst>
+              <a:ext uri="{FF2B5EF4-FFF2-40B4-BE49-F238E27FC236}">
+                <a16:creationId xmlns:a16="http://schemas.microsoft.com/office/drawing/2014/main" id="{435A2D9F-DF11-409A-8AFF-42DD6CF6FD8A}"/>
+              </a:ext>
+            </a:extLst>
+          </p:cNvPr>
+          <p:cNvSpPr>
+            <a:spLocks noGrp="1"/>
+          </p:cNvSpPr>
+          <p:nvPr>
+            <p:ph type="title"/>
+          </p:nvPr>
+        </p:nvSpPr>
+        <p:spPr>
+          <a:xfrm>
+            <a:off x="493453" y="-457200"/>
+            <a:ext cx="9988166" cy="1752600"/>
+          </a:xfrm>
+        </p:spPr>
+        <p:txBody>
+          <a:bodyPr anchor="b">
+            <a:normAutofit/>
+          </a:bodyPr>
+          <a:lstStyle/>
+          <a:p>
+            <a:r>
+              <a:rPr lang="en-US" dirty="0"/>
+              <a:t>Assignment – Calculator Loop</a:t>
+            </a:r>
+          </a:p>
+        </p:txBody>
+      </p:sp>
+      <p:sp>
+        <p:nvSpPr>
+          <p:cNvPr id="26" name="TextBox 25">
+            <a:extLst>
+              <a:ext uri="{FF2B5EF4-FFF2-40B4-BE49-F238E27FC236}">
+                <a16:creationId xmlns:a16="http://schemas.microsoft.com/office/drawing/2014/main" id="{DE9DAED5-200A-4CC5-9401-DCF0B0447DFC}"/>
+              </a:ext>
+            </a:extLst>
+          </p:cNvPr>
+          <p:cNvSpPr txBox="1"/>
+          <p:nvPr/>
+        </p:nvSpPr>
+        <p:spPr>
+          <a:xfrm>
+            <a:off x="430349" y="1561491"/>
+            <a:ext cx="6489648" cy="3713261"/>
+          </a:xfrm>
+          <a:prstGeom prst="rect">
+            <a:avLst/>
+          </a:prstGeom>
+          <a:noFill/>
+        </p:spPr>
+        <p:txBody>
+          <a:bodyPr wrap="square">
+            <a:spAutoFit/>
+          </a:bodyPr>
+          <a:lstStyle/>
+          <a:p>
+            <a:pPr marL="228600" indent="-228600">
+              <a:lnSpc>
+                <a:spcPct val="110000"/>
+              </a:lnSpc>
+              <a:spcBef>
+                <a:spcPts val="1000"/>
+              </a:spcBef>
+              <a:buClr>
+                <a:schemeClr val="accent1"/>
+              </a:buClr>
+              <a:buFont typeface="Arial" panose="020B0604020202020204" pitchFamily="34" charset="0"/>
+              <a:buChar char="•"/>
+            </a:pPr>
+            <a:r>
+              <a:rPr lang="en-US" dirty="0"/>
+              <a:t>Create a calculator that loops</a:t>
+            </a:r>
+          </a:p>
+          <a:p>
+            <a:pPr marL="228600" indent="-228600">
+              <a:lnSpc>
+                <a:spcPct val="110000"/>
+              </a:lnSpc>
+              <a:spcBef>
+                <a:spcPts val="1000"/>
+              </a:spcBef>
+              <a:buClr>
+                <a:schemeClr val="accent1"/>
+              </a:buClr>
+              <a:buFont typeface="Arial" panose="020B0604020202020204" pitchFamily="34" charset="0"/>
+              <a:buChar char="•"/>
+            </a:pPr>
+            <a:r>
+              <a:rPr lang="en-US" dirty="0">
+                <a:solidFill>
+                  <a:srgbClr val="C00000"/>
+                </a:solidFill>
+              </a:rPr>
+              <a:t>auto</a:t>
+            </a:r>
+            <a:r>
+              <a:rPr lang="en-US" dirty="0"/>
+              <a:t> declares a variable whose type is deduced/inferred</a:t>
+            </a:r>
+          </a:p>
+          <a:p>
+            <a:pPr marL="228600" indent="-228600">
+              <a:lnSpc>
+                <a:spcPct val="110000"/>
+              </a:lnSpc>
+              <a:spcBef>
+                <a:spcPts val="1000"/>
+              </a:spcBef>
+              <a:buClr>
+                <a:schemeClr val="accent1"/>
+              </a:buClr>
+              <a:buFont typeface="Arial" panose="020B0604020202020204" pitchFamily="34" charset="0"/>
+              <a:buChar char="•"/>
+            </a:pPr>
+            <a:r>
+              <a:rPr lang="en-US" dirty="0">
+                <a:solidFill>
+                  <a:srgbClr val="C00000"/>
+                </a:solidFill>
+              </a:rPr>
+              <a:t>auto</a:t>
+            </a:r>
+            <a:r>
+              <a:rPr lang="en-US" dirty="0"/>
+              <a:t> n = 10 ; The variable n is of type </a:t>
+            </a:r>
+            <a:r>
+              <a:rPr lang="en-US" dirty="0">
+                <a:solidFill>
+                  <a:srgbClr val="C00000"/>
+                </a:solidFill>
+              </a:rPr>
+              <a:t>int</a:t>
+            </a:r>
+          </a:p>
+          <a:p>
+            <a:pPr marL="228600" indent="-228600">
+              <a:lnSpc>
+                <a:spcPct val="110000"/>
+              </a:lnSpc>
+              <a:spcBef>
+                <a:spcPts val="1000"/>
+              </a:spcBef>
+              <a:buClr>
+                <a:schemeClr val="accent1"/>
+              </a:buClr>
+              <a:buFont typeface="Arial" panose="020B0604020202020204" pitchFamily="34" charset="0"/>
+              <a:buChar char="•"/>
+            </a:pPr>
+            <a:r>
+              <a:rPr lang="en-US" dirty="0"/>
+              <a:t>Range-based for loops can use auto to deduce the type of the </a:t>
+            </a:r>
+            <a:r>
+              <a:rPr lang="en-US" i="1" dirty="0"/>
+              <a:t>element </a:t>
+            </a:r>
+            <a:r>
+              <a:rPr lang="en-US" dirty="0"/>
+              <a:t>inside of the range</a:t>
+            </a:r>
+            <a:endParaRPr lang="en-US" i="1" dirty="0"/>
+          </a:p>
+          <a:p>
+            <a:pPr marL="228600" indent="-228600">
+              <a:lnSpc>
+                <a:spcPct val="110000"/>
+              </a:lnSpc>
+              <a:spcBef>
+                <a:spcPts val="1000"/>
+              </a:spcBef>
+              <a:buClr>
+                <a:schemeClr val="accent1"/>
+              </a:buClr>
+              <a:buFont typeface="Arial" panose="020B0604020202020204" pitchFamily="34" charset="0"/>
+              <a:buChar char="•"/>
+            </a:pPr>
+            <a:r>
+              <a:rPr lang="en-US" dirty="0"/>
+              <a:t>This makes code less verbose</a:t>
+            </a:r>
+          </a:p>
+          <a:p>
+            <a:pPr marL="228600" indent="-228600">
+              <a:lnSpc>
+                <a:spcPct val="110000"/>
+              </a:lnSpc>
+              <a:spcBef>
+                <a:spcPts val="1000"/>
+              </a:spcBef>
+              <a:buClr>
+                <a:schemeClr val="accent1"/>
+              </a:buClr>
+              <a:buFont typeface="Arial" panose="020B0604020202020204" pitchFamily="34" charset="0"/>
+              <a:buChar char="•"/>
+            </a:pPr>
+            <a:endParaRPr lang="en-US" dirty="0"/>
+          </a:p>
+          <a:p>
+            <a:pPr marL="228600" indent="-228600">
+              <a:lnSpc>
+                <a:spcPct val="110000"/>
+              </a:lnSpc>
+              <a:spcBef>
+                <a:spcPts val="1000"/>
+              </a:spcBef>
+              <a:buClr>
+                <a:schemeClr val="accent1"/>
+              </a:buClr>
+              <a:buFont typeface="Arial" panose="020B0604020202020204" pitchFamily="34" charset="0"/>
+              <a:buChar char="•"/>
+            </a:pPr>
+            <a:endParaRPr lang="en-US" dirty="0"/>
+          </a:p>
+          <a:p>
+            <a:pPr marL="228600" indent="-228600">
+              <a:lnSpc>
+                <a:spcPct val="110000"/>
+              </a:lnSpc>
+              <a:spcBef>
+                <a:spcPts val="1000"/>
+              </a:spcBef>
+              <a:buClr>
+                <a:schemeClr val="accent1"/>
+              </a:buClr>
+              <a:buFont typeface="Arial" panose="020B0604020202020204" pitchFamily="34" charset="0"/>
+              <a:buChar char="•"/>
+            </a:pPr>
+            <a:endParaRPr lang="en-US" dirty="0"/>
+          </a:p>
+        </p:txBody>
+      </p:sp>
+    </p:spTree>
+    <p:extLst>
+      <p:ext uri="{BB962C8B-B14F-4D97-AF65-F5344CB8AC3E}">
+        <p14:creationId xmlns:p14="http://schemas.microsoft.com/office/powerpoint/2010/main" val="1394593249"/>
+      </p:ext>
+    </p:extLst>
+  </p:cSld>
+  <p:clrMapOvr>
+    <a:masterClrMapping/>
+  </p:clrMapOvr>
+</p:sld>
+</file>
+
+<file path=ppt/slides/slide15.xml><?xml version="1.0" encoding="utf-8"?>
+<p:sld xmlns:a="http://schemas.openxmlformats.org/drawingml/2006/main" xmlns:r="http://schemas.openxmlformats.org/officeDocument/2006/relationships" xmlns:p="http://schemas.openxmlformats.org/presentationml/2006/main">
+  <p:cSld>
+    <p:bg>
+      <p:bgPr>
+        <a:solidFill>
+          <a:schemeClr val="bg1"/>
+        </a:solidFill>
+        <a:effectLst/>
+      </p:bgPr>
+    </p:bg>
+    <p:spTree>
+      <p:nvGrpSpPr>
+        <p:cNvPr id="1" name=""/>
+        <p:cNvGrpSpPr/>
+        <p:nvPr/>
+      </p:nvGrpSpPr>
+      <p:grpSpPr>
+        <a:xfrm>
+          <a:off x="0" y="0"/>
+          <a:ext cx="0" cy="0"/>
+          <a:chOff x="0" y="0"/>
+          <a:chExt cx="0" cy="0"/>
+        </a:xfrm>
+      </p:grpSpPr>
+      <p:sp useBgFill="1">
+        <p:nvSpPr>
+          <p:cNvPr id="27" name="Rectangle 18">
+            <a:extLst>
+              <a:ext uri="{FF2B5EF4-FFF2-40B4-BE49-F238E27FC236}">
+                <a16:creationId xmlns:a16="http://schemas.microsoft.com/office/drawing/2014/main" id="{8651CFA9-6065-4243-AC48-858E359780B1}"/>
+              </a:ext>
+              <a:ext uri="{C183D7F6-B498-43B3-948B-1728B52AA6E4}">
+                <adec:decorative xmlns:adec="http://schemas.microsoft.com/office/drawing/2017/decorative" val="1"/>
+              </a:ext>
+            </a:extLst>
+          </p:cNvPr>
+          <p:cNvSpPr>
+            <a:spLocks noGrp="1" noRot="1" noChangeAspect="1" noMove="1" noResize="1" noEditPoints="1" noAdjustHandles="1" noChangeArrowheads="1" noChangeShapeType="1" noTextEdit="1"/>
+          </p:cNvSpPr>
+          <p:nvPr>
+            <p:extLst>
+              <p:ext uri="{386F3935-93C4-4BCD-93E2-E3B085C9AB24}">
+                <p16:designElem xmlns:p16="http://schemas.microsoft.com/office/powerpoint/2015/main" val="1"/>
+              </p:ext>
+            </p:extLst>
+          </p:nvPr>
+        </p:nvSpPr>
+        <p:spPr>
+          <a:xfrm>
+            <a:off x="0" y="0"/>
+            <a:ext cx="12192000" cy="6858000"/>
+          </a:xfrm>
+          <a:prstGeom prst="rect">
+            <a:avLst/>
+          </a:prstGeom>
+          <a:ln>
+            <a:noFill/>
+          </a:ln>
+        </p:spPr>
+        <p:style>
+          <a:lnRef idx="2">
+            <a:schemeClr val="accent1">
+              <a:shade val="50000"/>
+            </a:schemeClr>
+          </a:lnRef>
+          <a:fillRef idx="1">
+            <a:schemeClr val="accent1"/>
+          </a:fillRef>
+          <a:effectRef idx="0">
+            <a:schemeClr val="accent1"/>
+          </a:effectRef>
+          <a:fontRef idx="minor">
+            <a:schemeClr val="lt1"/>
+          </a:fontRef>
+        </p:style>
+        <p:txBody>
+          <a:bodyPr rtlCol="0" anchor="ctr"/>
+          <a:lstStyle/>
+          <a:p>
+            <a:pPr algn="ctr"/>
+            <a:endParaRPr lang="en-US">
+              <a:solidFill>
+                <a:schemeClr val="tx1">
+                  <a:lumMod val="65000"/>
+                  <a:lumOff val="35000"/>
+                </a:schemeClr>
+              </a:solidFill>
+              <a:latin typeface="AvenirNext LT Pro Medium" panose="020B0504020202020204" pitchFamily="34" charset="0"/>
+            </a:endParaRPr>
+          </a:p>
+        </p:txBody>
+      </p:sp>
+      <p:sp>
+        <p:nvSpPr>
+          <p:cNvPr id="28" name="Rectangle 20">
+            <a:extLst>
+              <a:ext uri="{FF2B5EF4-FFF2-40B4-BE49-F238E27FC236}">
+                <a16:creationId xmlns:a16="http://schemas.microsoft.com/office/drawing/2014/main" id="{37962AE0-6A1C-4B76-9D52-10E5E6D7D3BB}"/>
+              </a:ext>
+              <a:ext uri="{C183D7F6-B498-43B3-948B-1728B52AA6E4}">
+                <adec:decorative xmlns:adec="http://schemas.microsoft.com/office/drawing/2017/decorative" val="1"/>
+              </a:ext>
+            </a:extLst>
+          </p:cNvPr>
+          <p:cNvSpPr>
+            <a:spLocks noGrp="1" noRot="1" noChangeAspect="1" noMove="1" noResize="1" noEditPoints="1" noAdjustHandles="1" noChangeArrowheads="1" noChangeShapeType="1" noTextEdit="1"/>
+          </p:cNvSpPr>
+          <p:nvPr>
+            <p:extLst>
+              <p:ext uri="{386F3935-93C4-4BCD-93E2-E3B085C9AB24}">
+                <p16:designElem xmlns:p16="http://schemas.microsoft.com/office/powerpoint/2015/main" val="1"/>
+              </p:ext>
+            </p:extLst>
+          </p:nvPr>
+        </p:nvSpPr>
+        <p:spPr>
+          <a:xfrm>
+            <a:off x="-3048" y="0"/>
+            <a:ext cx="12188952" cy="6858000"/>
+          </a:xfrm>
+          <a:prstGeom prst="rect">
+            <a:avLst/>
+          </a:prstGeom>
+          <a:solidFill>
+            <a:schemeClr val="bg2">
+              <a:alpha val="70000"/>
+            </a:schemeClr>
+          </a:solidFill>
+          <a:ln>
+            <a:noFill/>
+          </a:ln>
+        </p:spPr>
+        <p:style>
+          <a:lnRef idx="2">
+            <a:schemeClr val="accent1">
+              <a:shade val="50000"/>
+            </a:schemeClr>
+          </a:lnRef>
+          <a:fillRef idx="1">
+            <a:schemeClr val="accent1"/>
+          </a:fillRef>
+          <a:effectRef idx="0">
+            <a:schemeClr val="accent1"/>
+          </a:effectRef>
+          <a:fontRef idx="minor">
+            <a:schemeClr val="lt1"/>
+          </a:fontRef>
+        </p:style>
+        <p:txBody>
+          <a:bodyPr rtlCol="0" anchor="ctr"/>
+          <a:lstStyle/>
+          <a:p>
+            <a:pPr algn="ctr"/>
+            <a:endParaRPr lang="en-US">
+              <a:solidFill>
+                <a:schemeClr val="tx1">
+                  <a:lumMod val="65000"/>
+                  <a:lumOff val="35000"/>
+                </a:schemeClr>
+              </a:solidFill>
+              <a:latin typeface="AvenirNext LT Pro Medium" panose="020B0504020202020204" pitchFamily="34" charset="0"/>
+            </a:endParaRPr>
+          </a:p>
+        </p:txBody>
+      </p:sp>
+      <p:sp>
+        <p:nvSpPr>
+          <p:cNvPr id="29" name="Rectangle 22">
+            <a:extLst>
+              <a:ext uri="{FF2B5EF4-FFF2-40B4-BE49-F238E27FC236}">
+                <a16:creationId xmlns:a16="http://schemas.microsoft.com/office/drawing/2014/main" id="{BF49D5AE-15AF-4BC1-8AC5-F5FA95199E94}"/>
+              </a:ext>
+              <a:ext uri="{C183D7F6-B498-43B3-948B-1728B52AA6E4}">
+                <adec:decorative xmlns:adec="http://schemas.microsoft.com/office/drawing/2017/decorative" val="1"/>
+              </a:ext>
+            </a:extLst>
+          </p:cNvPr>
+          <p:cNvSpPr>
+            <a:spLocks noGrp="1" noRot="1" noChangeAspect="1" noMove="1" noResize="1" noEditPoints="1" noAdjustHandles="1" noChangeArrowheads="1" noChangeShapeType="1" noTextEdit="1"/>
+          </p:cNvSpPr>
+          <p:nvPr>
+            <p:extLst>
+              <p:ext uri="{386F3935-93C4-4BCD-93E2-E3B085C9AB24}">
+                <p16:designElem xmlns:p16="http://schemas.microsoft.com/office/powerpoint/2015/main" val="1"/>
+              </p:ext>
+            </p:extLst>
+          </p:nvPr>
+        </p:nvSpPr>
+        <p:spPr>
+          <a:xfrm>
+            <a:off x="-3048" y="0"/>
+            <a:ext cx="12195048" cy="1295400"/>
+          </a:xfrm>
+          <a:prstGeom prst="rect">
+            <a:avLst/>
+          </a:prstGeom>
+          <a:solidFill>
+            <a:schemeClr val="tx2">
+              <a:lumMod val="90000"/>
+              <a:lumOff val="10000"/>
+            </a:schemeClr>
+          </a:solidFill>
+          <a:ln>
+            <a:noFill/>
+          </a:ln>
+        </p:spPr>
+        <p:style>
+          <a:lnRef idx="2">
+            <a:schemeClr val="accent1">
+              <a:shade val="50000"/>
+            </a:schemeClr>
+          </a:lnRef>
+          <a:fillRef idx="1">
+            <a:schemeClr val="accent1"/>
+          </a:fillRef>
+          <a:effectRef idx="0">
+            <a:schemeClr val="accent1"/>
+          </a:effectRef>
+          <a:fontRef idx="minor">
+            <a:schemeClr val="lt1"/>
+          </a:fontRef>
+        </p:style>
+        <p:txBody>
+          <a:bodyPr rtlCol="0" anchor="ctr"/>
+          <a:lstStyle/>
+          <a:p>
+            <a:pPr algn="ctr"/>
+            <a:endParaRPr lang="en-US" dirty="0"/>
+          </a:p>
+        </p:txBody>
+      </p:sp>
+      <p:sp>
+        <p:nvSpPr>
+          <p:cNvPr id="30" name="Rectangle 24">
+            <a:extLst>
+              <a:ext uri="{FF2B5EF4-FFF2-40B4-BE49-F238E27FC236}">
+                <a16:creationId xmlns:a16="http://schemas.microsoft.com/office/drawing/2014/main" id="{5608A5E7-BD2D-419A-8079-3103083AB134}"/>
+              </a:ext>
+              <a:ext uri="{C183D7F6-B498-43B3-948B-1728B52AA6E4}">
+                <adec:decorative xmlns:adec="http://schemas.microsoft.com/office/drawing/2017/decorative" val="1"/>
+              </a:ext>
+            </a:extLst>
+          </p:cNvPr>
+          <p:cNvSpPr>
+            <a:spLocks noGrp="1" noRot="1" noChangeAspect="1" noMove="1" noResize="1" noEditPoints="1" noAdjustHandles="1" noChangeArrowheads="1" noChangeShapeType="1" noTextEdit="1"/>
+          </p:cNvSpPr>
+          <p:nvPr>
+            <p:extLst>
+              <p:ext uri="{386F3935-93C4-4BCD-93E2-E3B085C9AB24}">
+                <p16:designElem xmlns:p16="http://schemas.microsoft.com/office/powerpoint/2015/main" val="1"/>
+              </p:ext>
+            </p:extLst>
+          </p:nvPr>
+        </p:nvSpPr>
+        <p:spPr>
+          <a:xfrm>
+            <a:off x="1524" y="0"/>
+            <a:ext cx="12188952" cy="1295400"/>
+          </a:xfrm>
+          <a:prstGeom prst="rect">
+            <a:avLst/>
+          </a:prstGeom>
+          <a:blipFill dpi="0" rotWithShape="1">
+            <a:blip r:embed="rId2">
+              <a:alphaModFix amt="24000"/>
+              <a:duotone>
+                <a:schemeClr val="accent1">
+                  <a:shade val="45000"/>
+                  <a:satMod val="135000"/>
+                </a:schemeClr>
+                <a:prstClr val="white"/>
+              </a:duotone>
+            </a:blip>
+            <a:srcRect/>
+            <a:tile tx="889000" ty="0" sx="100000" sy="100000" flip="none" algn="tl"/>
+          </a:blipFill>
+          <a:ln>
+            <a:noFill/>
+          </a:ln>
+        </p:spPr>
+        <p:style>
+          <a:lnRef idx="2">
+            <a:schemeClr val="accent1">
+              <a:shade val="50000"/>
+            </a:schemeClr>
+          </a:lnRef>
+          <a:fillRef idx="1">
+            <a:schemeClr val="accent1"/>
+          </a:fillRef>
+          <a:effectRef idx="0">
+            <a:schemeClr val="accent1"/>
+          </a:effectRef>
+          <a:fontRef idx="minor">
+            <a:schemeClr val="lt1"/>
+          </a:fontRef>
+        </p:style>
+        <p:txBody>
+          <a:bodyPr rtlCol="0" anchor="ctr"/>
+          <a:lstStyle/>
+          <a:p>
+            <a:pPr algn="ctr"/>
+            <a:endParaRPr lang="en-US" dirty="0"/>
+          </a:p>
+        </p:txBody>
+      </p:sp>
+      <p:sp>
+        <p:nvSpPr>
+          <p:cNvPr id="2" name="Title 1">
+            <a:extLst>
+              <a:ext uri="{FF2B5EF4-FFF2-40B4-BE49-F238E27FC236}">
+                <a16:creationId xmlns:a16="http://schemas.microsoft.com/office/drawing/2014/main" id="{435A2D9F-DF11-409A-8AFF-42DD6CF6FD8A}"/>
+              </a:ext>
+            </a:extLst>
+          </p:cNvPr>
+          <p:cNvSpPr>
+            <a:spLocks noGrp="1"/>
+          </p:cNvSpPr>
+          <p:nvPr>
+            <p:ph type="title"/>
+          </p:nvPr>
+        </p:nvSpPr>
+        <p:spPr>
+          <a:xfrm>
+            <a:off x="493453" y="-457200"/>
+            <a:ext cx="9988166" cy="1752600"/>
+          </a:xfrm>
+        </p:spPr>
+        <p:txBody>
+          <a:bodyPr anchor="b">
+            <a:normAutofit/>
+          </a:bodyPr>
+          <a:lstStyle/>
+          <a:p>
+            <a:r>
+              <a:rPr lang="en-US" dirty="0"/>
+              <a:t>Assignment – Calculator Loop</a:t>
+            </a:r>
+          </a:p>
+        </p:txBody>
+      </p:sp>
+      <p:sp>
+        <p:nvSpPr>
+          <p:cNvPr id="26" name="TextBox 25">
+            <a:extLst>
+              <a:ext uri="{FF2B5EF4-FFF2-40B4-BE49-F238E27FC236}">
+                <a16:creationId xmlns:a16="http://schemas.microsoft.com/office/drawing/2014/main" id="{DE9DAED5-200A-4CC5-9401-DCF0B0447DFC}"/>
+              </a:ext>
+            </a:extLst>
+          </p:cNvPr>
+          <p:cNvSpPr txBox="1"/>
+          <p:nvPr/>
+        </p:nvSpPr>
+        <p:spPr>
+          <a:xfrm>
+            <a:off x="430349" y="1561491"/>
+            <a:ext cx="11026028" cy="2975623"/>
+          </a:xfrm>
+          <a:prstGeom prst="rect">
+            <a:avLst/>
+          </a:prstGeom>
+          <a:noFill/>
+        </p:spPr>
+        <p:txBody>
+          <a:bodyPr wrap="square">
+            <a:spAutoFit/>
+          </a:bodyPr>
+          <a:lstStyle/>
+          <a:p>
+            <a:pPr marL="228600" indent="-228600">
+              <a:lnSpc>
+                <a:spcPct val="110000"/>
+              </a:lnSpc>
+              <a:spcBef>
+                <a:spcPts val="1000"/>
+              </a:spcBef>
+              <a:buClr>
+                <a:schemeClr val="accent1"/>
+              </a:buClr>
+              <a:buFont typeface="Arial" panose="020B0604020202020204" pitchFamily="34" charset="0"/>
+              <a:buChar char="•"/>
+            </a:pPr>
+            <a:r>
+              <a:rPr lang="en-US" dirty="0"/>
+              <a:t>Create a calculator that reads two integers and add them in the terminal and displays the result</a:t>
+            </a:r>
+          </a:p>
+          <a:p>
+            <a:pPr marL="228600" indent="-228600">
+              <a:lnSpc>
+                <a:spcPct val="110000"/>
+              </a:lnSpc>
+              <a:spcBef>
+                <a:spcPts val="1000"/>
+              </a:spcBef>
+              <a:buClr>
+                <a:schemeClr val="accent1"/>
+              </a:buClr>
+              <a:buFont typeface="Arial" panose="020B0604020202020204" pitchFamily="34" charset="0"/>
+              <a:buChar char="•"/>
+            </a:pPr>
+            <a:r>
+              <a:rPr lang="en-US" dirty="0"/>
+              <a:t>The process should repeat until the user types in ‘quit’ or ‘q’</a:t>
+            </a:r>
+          </a:p>
+          <a:p>
+            <a:pPr marL="228600" indent="-228600">
+              <a:lnSpc>
+                <a:spcPct val="110000"/>
+              </a:lnSpc>
+              <a:spcBef>
+                <a:spcPts val="1000"/>
+              </a:spcBef>
+              <a:buClr>
+                <a:schemeClr val="accent1"/>
+              </a:buClr>
+              <a:buFont typeface="Arial" panose="020B0604020202020204" pitchFamily="34" charset="0"/>
+              <a:buChar char="•"/>
+            </a:pPr>
+            <a:r>
+              <a:rPr lang="en-US" dirty="0"/>
+              <a:t>Helpful functions: </a:t>
+            </a:r>
+            <a:r>
+              <a:rPr lang="en-US" b="1" dirty="0" err="1"/>
+              <a:t>stoi</a:t>
+            </a:r>
+            <a:r>
+              <a:rPr lang="en-US" b="1" dirty="0"/>
+              <a:t>() </a:t>
+            </a:r>
+            <a:r>
+              <a:rPr lang="en-US" dirty="0"/>
+              <a:t>– convert from string to integer</a:t>
+            </a:r>
+          </a:p>
+          <a:p>
+            <a:pPr marL="228600" indent="-228600">
+              <a:lnSpc>
+                <a:spcPct val="110000"/>
+              </a:lnSpc>
+              <a:spcBef>
+                <a:spcPts val="1000"/>
+              </a:spcBef>
+              <a:buClr>
+                <a:schemeClr val="accent1"/>
+              </a:buClr>
+              <a:buFont typeface="Arial" panose="020B0604020202020204" pitchFamily="34" charset="0"/>
+              <a:buChar char="•"/>
+            </a:pPr>
+            <a:r>
+              <a:rPr lang="en-US" dirty="0"/>
+              <a:t>Any user input error should be reported. Remind the user of the expected format</a:t>
+            </a:r>
+          </a:p>
+          <a:p>
+            <a:pPr marL="228600" indent="-228600">
+              <a:lnSpc>
+                <a:spcPct val="110000"/>
+              </a:lnSpc>
+              <a:spcBef>
+                <a:spcPts val="1000"/>
+              </a:spcBef>
+              <a:buClr>
+                <a:schemeClr val="accent1"/>
+              </a:buClr>
+              <a:buFont typeface="Arial" panose="020B0604020202020204" pitchFamily="34" charset="0"/>
+              <a:buChar char="•"/>
+            </a:pPr>
+            <a:endParaRPr lang="en-US" dirty="0"/>
+          </a:p>
+          <a:p>
+            <a:pPr marL="228600" indent="-228600">
+              <a:lnSpc>
+                <a:spcPct val="110000"/>
+              </a:lnSpc>
+              <a:spcBef>
+                <a:spcPts val="1000"/>
+              </a:spcBef>
+              <a:buClr>
+                <a:schemeClr val="accent1"/>
+              </a:buClr>
+              <a:buFont typeface="Arial" panose="020B0604020202020204" pitchFamily="34" charset="0"/>
+              <a:buChar char="•"/>
+            </a:pPr>
+            <a:endParaRPr lang="en-US" dirty="0"/>
+          </a:p>
+          <a:p>
+            <a:pPr marL="228600" indent="-228600">
+              <a:lnSpc>
+                <a:spcPct val="110000"/>
+              </a:lnSpc>
+              <a:spcBef>
+                <a:spcPts val="1000"/>
+              </a:spcBef>
+              <a:buClr>
+                <a:schemeClr val="accent1"/>
+              </a:buClr>
+              <a:buFont typeface="Arial" panose="020B0604020202020204" pitchFamily="34" charset="0"/>
+              <a:buChar char="•"/>
+            </a:pPr>
+            <a:endParaRPr lang="en-US" dirty="0"/>
+          </a:p>
+        </p:txBody>
+      </p:sp>
+    </p:spTree>
+    <p:extLst>
+      <p:ext uri="{BB962C8B-B14F-4D97-AF65-F5344CB8AC3E}">
+        <p14:creationId xmlns:p14="http://schemas.microsoft.com/office/powerpoint/2010/main" val="2348405674"/>
+      </p:ext>
+    </p:extLst>
+  </p:cSld>
+  <p:clrMapOvr>
+    <a:masterClrMapping/>
+  </p:clrMapOvr>
+</p:sld>
+</file>
+
 <file path=ppt/slides/slide2.xml><?xml version="1.0" encoding="utf-8"?>
 <p:sld xmlns:a="http://schemas.openxmlformats.org/drawingml/2006/main" xmlns:r="http://schemas.openxmlformats.org/officeDocument/2006/relationships" xmlns:p="http://schemas.openxmlformats.org/presentationml/2006/main">
   <p:cSld>
@@ -9557,7 +13518,7 @@
             <a:avLst/>
           </a:prstGeom>
           <a:blipFill dpi="0" rotWithShape="1">
-            <a:blip r:embed="rId2">
+            <a:blip r:embed="rId3">
               <a:alphaModFix amt="20000"/>
               <a:duotone>
                 <a:schemeClr val="accent1">
@@ -9614,7 +13575,7 @@
           <p:nvPr/>
         </p:nvPicPr>
         <p:blipFill rotWithShape="1">
-          <a:blip r:embed="rId3">
+          <a:blip r:embed="rId4">
             <a:extLst>
               <a:ext uri="{28A0092B-C50C-407E-A947-70E740481C1C}">
                 <a14:useLocalDpi xmlns:a14="http://schemas.microsoft.com/office/drawing/2010/main" val="0"/>
@@ -9659,7 +13620,7 @@
           <p:nvPr/>
         </p:nvPicPr>
         <p:blipFill>
-          <a:blip r:embed="rId4">
+          <a:blip r:embed="rId5">
             <a:extLst>
               <a:ext uri="{28A0092B-C50C-407E-A947-70E740481C1C}">
                 <a14:useLocalDpi xmlns:a14="http://schemas.microsoft.com/office/drawing/2010/main" val="0"/>
@@ -9695,7 +13656,7 @@
           <p:nvPr/>
         </p:nvPicPr>
         <p:blipFill>
-          <a:blip r:embed="rId5"/>
+          <a:blip r:embed="rId6"/>
           <a:srcRect l="1278" r="1278"/>
           <a:stretch/>
         </p:blipFill>
@@ -9724,7 +13685,7 @@
           <p:nvPr/>
         </p:nvPicPr>
         <p:blipFill>
-          <a:blip r:embed="rId6">
+          <a:blip r:embed="rId7">
             <a:extLst>
               <a:ext uri="{28A0092B-C50C-407E-A947-70E740481C1C}">
                 <a14:useLocalDpi xmlns:a14="http://schemas.microsoft.com/office/drawing/2010/main" val="0"/>
@@ -9760,11 +13721,11 @@
           <p:nvPr/>
         </p:nvPicPr>
         <p:blipFill>
-          <a:blip r:embed="rId7">
+          <a:blip r:embed="rId8">
             <a:extLst>
               <a:ext uri="{BEBA8EAE-BF5A-486C-A8C5-ECC9F3942E4B}">
                 <a14:imgProps xmlns:a14="http://schemas.microsoft.com/office/drawing/2010/main">
-                  <a14:imgLayer r:embed="rId8">
+                  <a14:imgLayer r:embed="rId9">
                     <a14:imgEffect>
                       <a14:backgroundRemoval t="6137" b="89819" l="10000" r="90000">
                         <a14:foregroundMark x1="53023" y1="9484" x2="53023" y2="9484"/>
@@ -9817,7 +13778,7 @@
           <p:nvPr/>
         </p:nvPicPr>
         <p:blipFill>
-          <a:blip r:embed="rId9">
+          <a:blip r:embed="rId10">
             <a:extLst>
               <a:ext uri="{28A0092B-C50C-407E-A947-70E740481C1C}">
                 <a14:useLocalDpi xmlns:a14="http://schemas.microsoft.com/office/drawing/2010/main" val="0"/>
@@ -10115,7 +14076,7 @@
             <a:avLst/>
           </a:prstGeom>
           <a:blipFill dpi="0" rotWithShape="1">
-            <a:blip r:embed="rId2">
+            <a:blip r:embed="rId3">
               <a:alphaModFix amt="24000"/>
               <a:duotone>
                 <a:schemeClr val="accent1">
@@ -10246,7 +14207,7 @@
                 <a:solidFill>
                   <a:schemeClr val="tx2"/>
                 </a:solidFill>
-                <a:hlinkClick r:id="rId3"/>
+                <a:hlinkClick r:id="rId4"/>
               </a:rPr>
               <a:t>https://github.com/JeremyBYU/LoopIt</a:t>
             </a:r>
@@ -10283,7 +14244,7 @@
                 <a:solidFill>
                   <a:schemeClr val="tx2"/>
                 </a:solidFill>
-                <a:hlinkClick r:id="rId4"/>
+                <a:hlinkClick r:id="rId5"/>
               </a:rPr>
               <a:t>Repl.it </a:t>
             </a:r>
@@ -10499,7 +14460,7 @@
                   <a:schemeClr val="accent1"/>
                 </a:solidFill>
               </a:rPr>
-              <a:t>int</a:t>
+              <a:t>bool, int</a:t>
             </a:r>
             <a:r>
               <a:rPr lang="en-US" dirty="0">
@@ -10559,7 +14520,7 @@
           <p:nvPr/>
         </p:nvPicPr>
         <p:blipFill>
-          <a:blip r:embed="rId5"/>
+          <a:blip r:embed="rId6"/>
           <a:stretch>
             <a:fillRect/>
           </a:stretch>
@@ -10589,7 +14550,7 @@
           <p:nvPr/>
         </p:nvPicPr>
         <p:blipFill>
-          <a:blip r:embed="rId6"/>
+          <a:blip r:embed="rId7"/>
           <a:stretch>
             <a:fillRect/>
           </a:stretch>
@@ -10881,7 +14842,7 @@
             <a:avLst/>
           </a:prstGeom>
           <a:blipFill dpi="0" rotWithShape="1">
-            <a:blip r:embed="rId2">
+            <a:blip r:embed="rId3">
               <a:alphaModFix amt="24000"/>
               <a:duotone>
                 <a:schemeClr val="accent1">
@@ -11205,12 +15166,12 @@
               <a:t> learn about </a:t>
             </a:r>
             <a:r>
-              <a:rPr lang="en-US" dirty="0">
+              <a:rPr lang="en-US" dirty="0" err="1">
                 <a:solidFill>
                   <a:srgbClr val="C00000"/>
                 </a:solidFill>
               </a:rPr>
-              <a:t>go to</a:t>
+              <a:t>goto</a:t>
             </a:r>
             <a:r>
               <a:rPr lang="en-US" dirty="0">
@@ -11241,7 +15202,23 @@
                   <a:schemeClr val="tx2"/>
                 </a:solidFill>
               </a:rPr>
-              <a:t>At the end we will learn about new C++ 11 loops</a:t>
+              <a:t>At the end we will learn about modern C++ </a:t>
+            </a:r>
+            <a:r>
+              <a:rPr lang="en-US" dirty="0">
+                <a:solidFill>
+                  <a:srgbClr val="C00000"/>
+                </a:solidFill>
+              </a:rPr>
+              <a:t>for </a:t>
+            </a:r>
+            <a:r>
+              <a:rPr lang="en-US" dirty="0">
+                <a:solidFill>
+                  <a:schemeClr val="tx2"/>
+                </a:solidFill>
+              </a:rPr>
+              <a:t>loops</a:t>
             </a:r>
           </a:p>
           <a:p>
@@ -11513,6 +15490,109 @@
           </a:fontRef>
         </p:style>
       </p:cxnSp>
+      <p:sp>
+        <p:nvSpPr>
+          <p:cNvPr id="14" name="TextBox 13">
+            <a:extLst>
+              <a:ext uri="{FF2B5EF4-FFF2-40B4-BE49-F238E27FC236}">
+                <a16:creationId xmlns:a16="http://schemas.microsoft.com/office/drawing/2014/main" id="{1DA3D7F1-1B08-486A-A8C9-0C3E391D8313}"/>
+              </a:ext>
+            </a:extLst>
+          </p:cNvPr>
+          <p:cNvSpPr txBox="1"/>
+          <p:nvPr/>
+        </p:nvSpPr>
+        <p:spPr>
+          <a:xfrm>
+            <a:off x="8214914" y="2624234"/>
+            <a:ext cx="3375916" cy="1115626"/>
+          </a:xfrm>
+          <a:prstGeom prst="rect">
+            <a:avLst/>
+          </a:prstGeom>
+          <a:noFill/>
+        </p:spPr>
+        <p:txBody>
+          <a:bodyPr wrap="square">
+            <a:spAutoFit/>
+          </a:bodyPr>
+          <a:lstStyle/>
+          <a:p>
+            <a:pPr>
+              <a:lnSpc>
+                <a:spcPct val="110000"/>
+              </a:lnSpc>
+              <a:spcBef>
+                <a:spcPts val="1000"/>
+              </a:spcBef>
+              <a:buClr>
+                <a:schemeClr val="accent1"/>
+              </a:buClr>
+            </a:pPr>
+            <a:r>
+              <a:rPr lang="en-US" dirty="0">
+                <a:solidFill>
+                  <a:schemeClr val="tx2"/>
+                </a:solidFill>
+              </a:rPr>
+              <a:t>Q: What is a Conditional?</a:t>
+            </a:r>
+          </a:p>
+          <a:p>
+            <a:pPr>
+              <a:lnSpc>
+                <a:spcPct val="110000"/>
+              </a:lnSpc>
+              <a:spcBef>
+                <a:spcPts val="1000"/>
+              </a:spcBef>
+              <a:buClr>
+                <a:schemeClr val="accent1"/>
+              </a:buClr>
+            </a:pPr>
+            <a:r>
+              <a:rPr lang="en-US" dirty="0">
+                <a:solidFill>
+                  <a:schemeClr val="tx2"/>
+                </a:solidFill>
+              </a:rPr>
+              <a:t>A: Something that evaluates to either </a:t>
+            </a:r>
+            <a:r>
+              <a:rPr lang="en-US" dirty="0">
+                <a:solidFill>
+                  <a:srgbClr val="C00000"/>
+                </a:solidFill>
+              </a:rPr>
+              <a:t>true</a:t>
+            </a:r>
+            <a:r>
+              <a:rPr lang="en-US" dirty="0">
+                <a:solidFill>
+                  <a:schemeClr val="tx2"/>
+                </a:solidFill>
+              </a:rPr>
+              <a:t> (T) or </a:t>
+            </a:r>
+            <a:r>
+              <a:rPr lang="en-US" dirty="0">
+                <a:solidFill>
+                  <a:srgbClr val="C00000"/>
+                </a:solidFill>
+              </a:rPr>
+              <a:t>false</a:t>
+            </a:r>
+            <a:r>
+              <a:rPr lang="en-US" dirty="0">
+                <a:solidFill>
+                  <a:schemeClr val="tx2"/>
+                </a:solidFill>
+              </a:rPr>
+              <a:t> (F)</a:t>
+            </a:r>
+          </a:p>
+        </p:txBody>
+      </p:sp>
     </p:spTree>
     <p:extLst>
       <p:ext uri="{BB962C8B-B14F-4D97-AF65-F5344CB8AC3E}">
@@ -11790,7 +15870,7 @@
             <a:avLst/>
           </a:prstGeom>
           <a:blipFill dpi="0" rotWithShape="1">
-            <a:blip r:embed="rId2">
+            <a:blip r:embed="rId3">
               <a:alphaModFix amt="24000"/>
               <a:duotone>
                 <a:schemeClr val="accent1">
@@ -12442,7 +16522,7 @@
           <p:nvPr/>
         </p:nvPicPr>
         <p:blipFill rotWithShape="1">
-          <a:blip r:embed="rId3"/>
+          <a:blip r:embed="rId4"/>
           <a:srcRect r="5001"/>
           <a:stretch/>
         </p:blipFill>
@@ -12535,7 +16615,7 @@
           <p:spPr>
             <a:xfrm>
               <a:off x="5175605" y="2577000"/>
-              <a:ext cx="2330446" cy="369332"/>
+              <a:ext cx="2207014" cy="369332"/>
             </a:xfrm>
             <a:prstGeom prst="rect">
               <a:avLst/>
@@ -12550,7 +16630,7 @@
             <a:p>
               <a:r>
                 <a:rPr lang="en-US" dirty="0"/>
-                <a:t>Conditional Variable</a:t>
+                <a:t>Condition Variable</a:t>
               </a:r>
             </a:p>
           </p:txBody>
@@ -13064,71 +17144,92 @@
           </p:txBody>
         </p:sp>
       </p:grpSp>
-      <p:pic>
-        <p:nvPicPr>
-          <p:cNvPr id="49" name="Picture 48">
+      <p:grpSp>
+        <p:nvGrpSpPr>
+          <p:cNvPr id="16" name="Group 15">
             <a:extLst>
               <a:ext uri="{FF2B5EF4-FFF2-40B4-BE49-F238E27FC236}">
-                <a16:creationId xmlns:a16="http://schemas.microsoft.com/office/drawing/2014/main" id="{568C0E63-192E-4761-ACB6-DC6E9CA4F947}"/>
+                <a16:creationId xmlns:a16="http://schemas.microsoft.com/office/drawing/2014/main" id="{79E86957-B18D-444A-A34D-579D77CF49FD}"/>
               </a:ext>
             </a:extLst>
           </p:cNvPr>
-          <p:cNvPicPr>
-            <a:picLocks noChangeAspect="1"/>
-          </p:cNvPicPr>
+          <p:cNvGrpSpPr/>
           <p:nvPr/>
-        </p:nvPicPr>
-        <p:blipFill>
-          <a:blip r:embed="rId4"/>
-          <a:stretch>
-            <a:fillRect/>
-          </a:stretch>
-        </p:blipFill>
-        <p:spPr>
+        </p:nvGrpSpPr>
+        <p:grpSpPr>
           <a:xfrm>
-            <a:off x="5552925" y="5336020"/>
-            <a:ext cx="4012896" cy="1295302"/>
+            <a:off x="206864" y="5362909"/>
+            <a:ext cx="7148218" cy="1295302"/>
+            <a:chOff x="206864" y="5362909"/>
+            <a:chExt cx="7148218" cy="1295302"/>
           </a:xfrm>
-          <a:prstGeom prst="rect">
-            <a:avLst/>
-          </a:prstGeom>
-        </p:spPr>
-      </p:pic>
-      <p:sp>
-        <p:nvSpPr>
-          <p:cNvPr id="50" name="TextBox 49">
-            <a:extLst>
-              <a:ext uri="{FF2B5EF4-FFF2-40B4-BE49-F238E27FC236}">
-                <a16:creationId xmlns:a16="http://schemas.microsoft.com/office/drawing/2014/main" id="{81874DC5-CE93-4AC2-B623-D4969528C697}"/>
-              </a:ext>
-            </a:extLst>
-          </p:cNvPr>
-          <p:cNvSpPr txBox="1"/>
-          <p:nvPr/>
-        </p:nvSpPr>
-        <p:spPr>
-          <a:xfrm>
-            <a:off x="2417603" y="5713471"/>
-            <a:ext cx="2935034" cy="369332"/>
-          </a:xfrm>
-          <a:prstGeom prst="rect">
-            <a:avLst/>
-          </a:prstGeom>
-          <a:noFill/>
-        </p:spPr>
-        <p:txBody>
-          <a:bodyPr wrap="none" rtlCol="0">
-            <a:spAutoFit/>
-          </a:bodyPr>
-          <a:lstStyle/>
-          <a:p>
-            <a:r>
-              <a:rPr lang="en-US" dirty="0"/>
-              <a:t>Example Program Output:</a:t>
-            </a:r>
-          </a:p>
-        </p:txBody>
-      </p:sp>
+        </p:grpSpPr>
+        <p:pic>
+          <p:nvPicPr>
+            <p:cNvPr id="49" name="Picture 48">
+              <a:extLst>
+                <a:ext uri="{FF2B5EF4-FFF2-40B4-BE49-F238E27FC236}">
+                  <a16:creationId xmlns:a16="http://schemas.microsoft.com/office/drawing/2014/main" id="{568C0E63-192E-4761-ACB6-DC6E9CA4F947}"/>
+                </a:ext>
+              </a:extLst>
+            </p:cNvPr>
+            <p:cNvPicPr>
+              <a:picLocks noChangeAspect="1"/>
+            </p:cNvPicPr>
+            <p:nvPr/>
+          </p:nvPicPr>
+          <p:blipFill>
+            <a:blip r:embed="rId5"/>
+            <a:stretch>
+              <a:fillRect/>
+            </a:stretch>
+          </p:blipFill>
+          <p:spPr>
+            <a:xfrm>
+              <a:off x="3342186" y="5362909"/>
+              <a:ext cx="4012896" cy="1295302"/>
+            </a:xfrm>
+            <a:prstGeom prst="rect">
+              <a:avLst/>
+            </a:prstGeom>
+          </p:spPr>
+        </p:pic>
+        <p:sp>
+          <p:nvSpPr>
+            <p:cNvPr id="50" name="TextBox 49">
+              <a:extLst>
+                <a:ext uri="{FF2B5EF4-FFF2-40B4-BE49-F238E27FC236}">
+                  <a16:creationId xmlns:a16="http://schemas.microsoft.com/office/drawing/2014/main" id="{81874DC5-CE93-4AC2-B623-D4969528C697}"/>
+                </a:ext>
+              </a:extLst>
+            </p:cNvPr>
+            <p:cNvSpPr txBox="1"/>
+            <p:nvPr/>
+          </p:nvSpPr>
+          <p:spPr>
+            <a:xfrm>
+              <a:off x="206864" y="5740360"/>
+              <a:ext cx="2935034" cy="369332"/>
+            </a:xfrm>
+            <a:prstGeom prst="rect">
+              <a:avLst/>
+            </a:prstGeom>
+            <a:noFill/>
+          </p:spPr>
+          <p:txBody>
+            <a:bodyPr wrap="none" rtlCol="0">
+              <a:spAutoFit/>
+            </a:bodyPr>
+            <a:lstStyle/>
+            <a:p>
+              <a:r>
+                <a:rPr lang="en-US" dirty="0"/>
+                <a:t>Example Program Output:</a:t>
+              </a:r>
+            </a:p>
+          </p:txBody>
+        </p:sp>
+      </p:grpSp>
       <p:sp>
         <p:nvSpPr>
           <p:cNvPr id="51" name="Oval 50">
@@ -13197,7 +17298,7 @@
         </p:nvCxnSpPr>
         <p:spPr>
           <a:xfrm rot="5400000">
-            <a:off x="1470709" y="2687670"/>
+            <a:off x="1475472" y="2687670"/>
             <a:ext cx="229055" cy="1"/>
           </a:xfrm>
           <a:prstGeom prst="bentConnector3">
@@ -13228,6 +17329,256 @@
           </a:fontRef>
         </p:style>
       </p:cxnSp>
+      <p:grpSp>
+        <p:nvGrpSpPr>
+          <p:cNvPr id="11" name="Group 10">
+            <a:extLst>
+              <a:ext uri="{FF2B5EF4-FFF2-40B4-BE49-F238E27FC236}">
+                <a16:creationId xmlns:a16="http://schemas.microsoft.com/office/drawing/2014/main" id="{89ED479C-9F83-4DAB-93DD-F90022BA71D3}"/>
+              </a:ext>
+            </a:extLst>
+          </p:cNvPr>
+          <p:cNvGrpSpPr/>
+          <p:nvPr/>
+        </p:nvGrpSpPr>
+        <p:grpSpPr>
+          <a:xfrm>
+            <a:off x="5532744" y="3933481"/>
+            <a:ext cx="2916346" cy="679731"/>
+            <a:chOff x="5487536" y="3942171"/>
+            <a:chExt cx="2916346" cy="679731"/>
+          </a:xfrm>
+        </p:grpSpPr>
+        <p:grpSp>
+          <p:nvGrpSpPr>
+            <p:cNvPr id="44" name="Group 43">
+              <a:extLst>
+                <a:ext uri="{FF2B5EF4-FFF2-40B4-BE49-F238E27FC236}">
+                  <a16:creationId xmlns:a16="http://schemas.microsoft.com/office/drawing/2014/main" id="{A19899C1-BD14-4A1C-87CF-67ABF97A3679}"/>
+                </a:ext>
+              </a:extLst>
+            </p:cNvPr>
+            <p:cNvGrpSpPr/>
+            <p:nvPr/>
+          </p:nvGrpSpPr>
+          <p:grpSpPr>
+            <a:xfrm>
+              <a:off x="5487536" y="3942171"/>
+              <a:ext cx="2916346" cy="369332"/>
+              <a:chOff x="5601521" y="2575867"/>
+              <a:chExt cx="2916346" cy="369332"/>
+            </a:xfrm>
+          </p:grpSpPr>
+          <p:cxnSp>
+            <p:nvCxnSpPr>
+              <p:cNvPr id="45" name="Straight Arrow Connector 44">
+                <a:extLst>
+                  <a:ext uri="{FF2B5EF4-FFF2-40B4-BE49-F238E27FC236}">
+                    <a16:creationId xmlns:a16="http://schemas.microsoft.com/office/drawing/2014/main" id="{26CD8FE0-C059-4BDB-93D7-F3205D52CD67}"/>
+                  </a:ext>
+                </a:extLst>
+              </p:cNvPr>
+              <p:cNvCxnSpPr>
+                <a:cxnSpLocks/>
+              </p:cNvCxnSpPr>
+              <p:nvPr/>
+            </p:nvCxnSpPr>
+            <p:spPr>
+              <a:xfrm flipV="1">
+                <a:off x="6982394" y="2607035"/>
+                <a:ext cx="1535473" cy="158328"/>
+              </a:xfrm>
+              <a:prstGeom prst="straightConnector1">
+                <a:avLst/>
+              </a:prstGeom>
+              <a:ln>
+                <a:solidFill>
+                  <a:srgbClr val="C00000"/>
+                </a:solidFill>
+                <a:tailEnd type="triangle"/>
+              </a:ln>
+            </p:spPr>
+            <p:style>
+              <a:lnRef idx="3">
+                <a:schemeClr val="accent1"/>
+              </a:lnRef>
+              <a:fillRef idx="0">
+                <a:schemeClr val="accent1"/>
+              </a:fillRef>
+              <a:effectRef idx="2">
+                <a:schemeClr val="accent1"/>
+              </a:effectRef>
+              <a:fontRef idx="minor">
+                <a:schemeClr val="tx1"/>
+              </a:fontRef>
+            </p:style>
+          </p:cxnSp>
+          <p:sp>
+            <p:nvSpPr>
+              <p:cNvPr id="46" name="TextBox 45">
+                <a:extLst>
+                  <a:ext uri="{FF2B5EF4-FFF2-40B4-BE49-F238E27FC236}">
+                    <a16:creationId xmlns:a16="http://schemas.microsoft.com/office/drawing/2014/main" id="{6004DE3A-43A1-4C7E-BA13-1F966A239B28}"/>
+                  </a:ext>
+                </a:extLst>
+              </p:cNvPr>
+              <p:cNvSpPr txBox="1"/>
+              <p:nvPr/>
+            </p:nvSpPr>
+            <p:spPr>
+              <a:xfrm>
+                <a:off x="5601521" y="2575867"/>
+                <a:ext cx="1331455" cy="369332"/>
+              </a:xfrm>
+              <a:prstGeom prst="rect">
+                <a:avLst/>
+              </a:prstGeom>
+              <a:noFill/>
+            </p:spPr>
+            <p:txBody>
+              <a:bodyPr wrap="none" rtlCol="0">
+                <a:spAutoFit/>
+              </a:bodyPr>
+              <a:lstStyle/>
+              <a:p>
+                <a:r>
+                  <a:rPr lang="en-US" dirty="0"/>
+                  <a:t>Loop Body</a:t>
+                </a:r>
+              </a:p>
+            </p:txBody>
+          </p:sp>
+        </p:grpSp>
+        <p:cxnSp>
+          <p:nvCxnSpPr>
+            <p:cNvPr id="48" name="Straight Arrow Connector 47">
+              <a:extLst>
+                <a:ext uri="{FF2B5EF4-FFF2-40B4-BE49-F238E27FC236}">
+                  <a16:creationId xmlns:a16="http://schemas.microsoft.com/office/drawing/2014/main" id="{35B5FAB3-E5E0-4C49-BFAB-6524A375D491}"/>
+                </a:ext>
+              </a:extLst>
+            </p:cNvPr>
+            <p:cNvCxnSpPr>
+              <a:cxnSpLocks/>
+            </p:cNvCxnSpPr>
+            <p:nvPr/>
+          </p:nvCxnSpPr>
+          <p:spPr>
+            <a:xfrm>
+              <a:off x="6883659" y="4141997"/>
+              <a:ext cx="1503437" cy="479905"/>
+            </a:xfrm>
+            <a:prstGeom prst="straightConnector1">
+              <a:avLst/>
+            </a:prstGeom>
+            <a:ln>
+              <a:solidFill>
+                <a:srgbClr val="C00000"/>
+              </a:solidFill>
+              <a:tailEnd type="triangle"/>
+            </a:ln>
+          </p:spPr>
+          <p:style>
+            <a:lnRef idx="3">
+              <a:schemeClr val="accent1"/>
+            </a:lnRef>
+            <a:fillRef idx="0">
+              <a:schemeClr val="accent1"/>
+            </a:fillRef>
+            <a:effectRef idx="2">
+              <a:schemeClr val="accent1"/>
+            </a:effectRef>
+            <a:fontRef idx="minor">
+              <a:schemeClr val="tx1"/>
+            </a:fontRef>
+          </p:style>
+        </p:cxnSp>
+      </p:grpSp>
+      <p:sp>
+        <p:nvSpPr>
+          <p:cNvPr id="52" name="Arrow: Bent 51">
+            <a:extLst>
+              <a:ext uri="{FF2B5EF4-FFF2-40B4-BE49-F238E27FC236}">
+                <a16:creationId xmlns:a16="http://schemas.microsoft.com/office/drawing/2014/main" id="{E83F8BA3-94CC-4C26-8AD9-EF7A8549EECF}"/>
+              </a:ext>
+            </a:extLst>
+          </p:cNvPr>
+          <p:cNvSpPr/>
+          <p:nvPr/>
+        </p:nvSpPr>
+        <p:spPr>
+          <a:xfrm>
+            <a:off x="8127688" y="3773958"/>
+            <a:ext cx="247699" cy="854511"/>
+          </a:xfrm>
+          <a:prstGeom prst="bentArrow">
+            <a:avLst/>
+          </a:prstGeom>
+        </p:spPr>
+        <p:style>
+          <a:lnRef idx="2">
+            <a:schemeClr val="accent1">
+              <a:shade val="50000"/>
+            </a:schemeClr>
+          </a:lnRef>
+          <a:fillRef idx="1">
+            <a:schemeClr val="accent1"/>
+          </a:fillRef>
+          <a:effectRef idx="0">
+            <a:schemeClr val="accent1"/>
+          </a:effectRef>
+          <a:fontRef idx="minor">
+            <a:schemeClr val="lt1"/>
+          </a:fontRef>
+        </p:style>
+        <p:txBody>
+          <a:bodyPr rtlCol="0" anchor="ctr"/>
+          <a:lstStyle/>
+          <a:p>
+            <a:pPr algn="ctr"/>
+            <a:endParaRPr lang="en-US">
+              <a:solidFill>
+                <a:schemeClr val="tx1"/>
+              </a:solidFill>
+            </a:endParaRPr>
+          </a:p>
+        </p:txBody>
+      </p:sp>
+      <p:pic>
+        <p:nvPicPr>
+          <p:cNvPr id="15" name="Picture 14" descr="A picture containing logo&#10;&#10;Description automatically generated">
+            <a:extLst>
+              <a:ext uri="{FF2B5EF4-FFF2-40B4-BE49-F238E27FC236}">
+                <a16:creationId xmlns:a16="http://schemas.microsoft.com/office/drawing/2014/main" id="{BE353860-5A15-495F-83BF-2F97C9452CE7}"/>
+              </a:ext>
+            </a:extLst>
+          </p:cNvPr>
+          <p:cNvPicPr>
+            <a:picLocks noChangeAspect="1"/>
+          </p:cNvPicPr>
+          <p:nvPr/>
+        </p:nvPicPr>
+        <p:blipFill rotWithShape="1">
+          <a:blip r:embed="rId6">
+            <a:extLst>
+              <a:ext uri="{28A0092B-C50C-407E-A947-70E740481C1C}">
+                <a14:useLocalDpi xmlns:a14="http://schemas.microsoft.com/office/drawing/2010/main" val="0"/>
+              </a:ext>
+            </a:extLst>
+          </a:blip>
+          <a:srcRect l="7939" t="27188" r="7048" b="36091"/>
+          <a:stretch/>
+        </p:blipFill>
+        <p:spPr>
+          <a:xfrm>
+            <a:off x="8237455" y="5252685"/>
+            <a:ext cx="3310883" cy="1430149"/>
+          </a:xfrm>
+          <a:prstGeom prst="rect">
+            <a:avLst/>
+          </a:prstGeom>
+        </p:spPr>
+      </p:pic>
     </p:spTree>
     <p:extLst>
       <p:ext uri="{BB962C8B-B14F-4D97-AF65-F5344CB8AC3E}">
@@ -13461,7 +17812,7 @@
                                           </p:stCondLst>
                                         </p:cTn>
                                         <p:tgtEl>
-                                          <p:spTgt spid="40"/>
+                                          <p:spTgt spid="11"/>
                                         </p:tgtEl>
                                         <p:attrNameLst>
                                           <p:attrName>style.visibility</p:attrName>
@@ -13507,6 +17858,240 @@
                       </p:childTnLst>
                     </p:cTn>
                   </p:par>
+                  <p:par>
+                    <p:cTn id="25" fill="hold">
+                      <p:stCondLst>
+                        <p:cond delay="indefinite"/>
+                      </p:stCondLst>
+                      <p:childTnLst>
+                        <p:par>
+                          <p:cTn id="26" fill="hold">
+                            <p:stCondLst>
+                              <p:cond delay="0"/>
+                            </p:stCondLst>
+                            <p:childTnLst>
+                              <p:par>
+                                <p:cTn id="27" presetID="1" presetClass="entr" presetSubtype="0" fill="hold" nodeType="clickEffect">
+                                  <p:stCondLst>
+                                    <p:cond delay="0"/>
+                                  </p:stCondLst>
+                                  <p:childTnLst>
+                                    <p:set>
+                                      <p:cBhvr>
+                                        <p:cTn id="28" dur="1" fill="hold">
+                                          <p:stCondLst>
+                                            <p:cond delay="0"/>
+                                          </p:stCondLst>
+                                        </p:cTn>
+                                        <p:tgtEl>
+                                          <p:spTgt spid="40"/>
+                                        </p:tgtEl>
+                                        <p:attrNameLst>
+                                          <p:attrName>style.visibility</p:attrName>
+                                        </p:attrNameLst>
+                                      </p:cBhvr>
+                                      <p:to>
+                                        <p:strVal val="visible"/>
+                                      </p:to>
+                                    </p:set>
+                                  </p:childTnLst>
+                                </p:cTn>
+                              </p:par>
+                              <p:par>
+                                <p:cTn id="29" presetID="1" presetClass="exit" presetSubtype="0" fill="hold" nodeType="withEffect">
+                                  <p:stCondLst>
+                                    <p:cond delay="0"/>
+                                  </p:stCondLst>
+                                  <p:childTnLst>
+                                    <p:set>
+                                      <p:cBhvr>
+                                        <p:cTn id="30" dur="1" fill="hold">
+                                          <p:stCondLst>
+                                            <p:cond delay="0"/>
+                                          </p:stCondLst>
+                                        </p:cTn>
+                                        <p:tgtEl>
+                                          <p:spTgt spid="11"/>
+                                        </p:tgtEl>
+                                        <p:attrNameLst>
+                                          <p:attrName>style.visibility</p:attrName>
+                                        </p:attrNameLst>
+                                      </p:cBhvr>
+                                      <p:to>
+                                        <p:strVal val="hidden"/>
+                                      </p:to>
+                                    </p:set>
+                                  </p:childTnLst>
+                                </p:cTn>
+                              </p:par>
+                            </p:childTnLst>
+                          </p:cTn>
+                        </p:par>
+                      </p:childTnLst>
+                    </p:cTn>
+                  </p:par>
+                  <p:par>
+                    <p:cTn id="31" fill="hold">
+                      <p:stCondLst>
+                        <p:cond delay="indefinite"/>
+                      </p:stCondLst>
+                      <p:childTnLst>
+                        <p:par>
+                          <p:cTn id="32" fill="hold">
+                            <p:stCondLst>
+                              <p:cond delay="0"/>
+                            </p:stCondLst>
+                            <p:childTnLst>
+                              <p:par>
+                                <p:cTn id="33" presetID="1" presetClass="entr" presetSubtype="0" fill="hold" grpId="0" nodeType="clickEffect">
+                                  <p:stCondLst>
+                                    <p:cond delay="0"/>
+                                  </p:stCondLst>
+                                  <p:childTnLst>
+                                    <p:set>
+                                      <p:cBhvr>
+                                        <p:cTn id="34" dur="1" fill="hold">
+                                          <p:stCondLst>
+                                            <p:cond delay="0"/>
+                                          </p:stCondLst>
+                                        </p:cTn>
+                                        <p:tgtEl>
+                                          <p:spTgt spid="52"/>
+                                        </p:tgtEl>
+                                        <p:attrNameLst>
+                                          <p:attrName>style.visibility</p:attrName>
+                                        </p:attrNameLst>
+                                      </p:cBhvr>
+                                      <p:to>
+                                        <p:strVal val="visible"/>
+                                      </p:to>
+                                    </p:set>
+                                  </p:childTnLst>
+                                </p:cTn>
+                              </p:par>
+                              <p:par>
+                                <p:cTn id="35" presetID="1" presetClass="exit" presetSubtype="0" fill="hold" nodeType="withEffect">
+                                  <p:stCondLst>
+                                    <p:cond delay="0"/>
+                                  </p:stCondLst>
+                                  <p:childTnLst>
+                                    <p:set>
+                                      <p:cBhvr>
+                                        <p:cTn id="36" dur="1" fill="hold">
+                                          <p:stCondLst>
+                                            <p:cond delay="0"/>
+                                          </p:stCondLst>
+                                        </p:cTn>
+                                        <p:tgtEl>
+                                          <p:spTgt spid="40"/>
+                                        </p:tgtEl>
+                                        <p:attrNameLst>
+                                          <p:attrName>style.visibility</p:attrName>
+                                        </p:attrNameLst>
+                                      </p:cBhvr>
+                                      <p:to>
+                                        <p:strVal val="hidden"/>
+                                      </p:to>
+                                    </p:set>
+                                  </p:childTnLst>
+                                </p:cTn>
+                              </p:par>
+                            </p:childTnLst>
+                          </p:cTn>
+                        </p:par>
+                      </p:childTnLst>
+                    </p:cTn>
+                  </p:par>
+                  <p:par>
+                    <p:cTn id="37" fill="hold">
+                      <p:stCondLst>
+                        <p:cond delay="indefinite"/>
+                      </p:stCondLst>
+                      <p:childTnLst>
+                        <p:par>
+                          <p:cTn id="38" fill="hold">
+                            <p:stCondLst>
+                              <p:cond delay="0"/>
+                            </p:stCondLst>
+                            <p:childTnLst>
+                              <p:par>
+                                <p:cTn id="39" presetID="1" presetClass="entr" presetSubtype="0" fill="hold" nodeType="clickEffect">
+                                  <p:stCondLst>
+                                    <p:cond delay="0"/>
+                                  </p:stCondLst>
+                                  <p:childTnLst>
+                                    <p:set>
+                                      <p:cBhvr>
+                                        <p:cTn id="40" dur="1" fill="hold">
+                                          <p:stCondLst>
+                                            <p:cond delay="0"/>
+                                          </p:stCondLst>
+                                        </p:cTn>
+                                        <p:tgtEl>
+                                          <p:spTgt spid="15"/>
+                                        </p:tgtEl>
+                                        <p:attrNameLst>
+                                          <p:attrName>style.visibility</p:attrName>
+                                        </p:attrNameLst>
+                                      </p:cBhvr>
+                                      <p:to>
+                                        <p:strVal val="visible"/>
+                                      </p:to>
+                                    </p:set>
+                                  </p:childTnLst>
+                                </p:cTn>
+                              </p:par>
+                            </p:childTnLst>
+                          </p:cTn>
+                        </p:par>
+                      </p:childTnLst>
+                    </p:cTn>
+                  </p:par>
+                  <p:par>
+                    <p:cTn id="41" fill="hold">
+                      <p:stCondLst>
+                        <p:cond delay="indefinite"/>
+                      </p:stCondLst>
+                      <p:childTnLst>
+                        <p:par>
+                          <p:cTn id="42" fill="hold">
+                            <p:stCondLst>
+                              <p:cond delay="0"/>
+                            </p:stCondLst>
+                            <p:childTnLst>
+                              <p:par>
+                                <p:cTn id="43" presetID="1" presetClass="entr" presetSubtype="0" fill="hold" nodeType="clickEffect">
+                                  <p:stCondLst>
+                                    <p:cond delay="0"/>
+                                  </p:stCondLst>
+                                  <p:childTnLst>
+                                    <p:set>
+                                      <p:cBhvr>
+                                        <p:cTn id="44" dur="1" fill="hold">
+                                          <p:stCondLst>
+                                            <p:cond delay="0"/>
+                                          </p:stCondLst>
+                                        </p:cTn>
+                                        <p:tgtEl>
+                                          <p:spTgt spid="16"/>
+                                        </p:tgtEl>
+                                        <p:attrNameLst>
+                                          <p:attrName>style.visibility</p:attrName>
+                                        </p:attrNameLst>
+                                      </p:cBhvr>
+                                      <p:to>
+                                        <p:strVal val="visible"/>
+                                      </p:to>
+                                    </p:set>
+                                  </p:childTnLst>
+                                </p:cTn>
+                              </p:par>
+                            </p:childTnLst>
+                          </p:cTn>
+                        </p:par>
+                      </p:childTnLst>
+                    </p:cTn>
+                  </p:par>
                 </p:childTnLst>
               </p:cTn>
               <p:prevCondLst>
@@ -13528,6 +18113,9 @@
         </p:cTn>
       </p:par>
     </p:tnLst>
+    <p:bldLst>
+      <p:bldP spid="52" grpId="0" animBg="1"/>
+    </p:bldLst>
   </p:timing>
 </p:sld>
 </file>
@@ -13796,7 +18384,7 @@
             <a:avLst/>
           </a:prstGeom>
           <a:blipFill dpi="0" rotWithShape="1">
-            <a:blip r:embed="rId2">
+            <a:blip r:embed="rId3">
               <a:alphaModFix amt="24000"/>
               <a:duotone>
                 <a:schemeClr val="accent1">
@@ -14358,7 +18946,7 @@
           <p:nvPr/>
         </p:nvPicPr>
         <p:blipFill>
-          <a:blip r:embed="rId3"/>
+          <a:blip r:embed="rId4"/>
           <a:stretch>
             <a:fillRect/>
           </a:stretch>
@@ -14757,10 +19345,10 @@
         </p:nvGrpSpPr>
         <p:grpSpPr>
           <a:xfrm>
-            <a:off x="5398321" y="4094646"/>
-            <a:ext cx="4634679" cy="369332"/>
-            <a:chOff x="5601521" y="2575867"/>
-            <a:chExt cx="4634679" cy="369332"/>
+            <a:off x="6072605" y="4094645"/>
+            <a:ext cx="3960395" cy="369332"/>
+            <a:chOff x="6275805" y="2575866"/>
+            <a:chExt cx="3960395" cy="369332"/>
           </a:xfrm>
         </p:grpSpPr>
         <p:cxnSp>
@@ -14821,8 +19409,8 @@
           </p:nvSpPr>
           <p:spPr>
             <a:xfrm>
-              <a:off x="5601521" y="2575867"/>
-              <a:ext cx="1880579" cy="369332"/>
+              <a:off x="6275805" y="2575866"/>
+              <a:ext cx="1163139" cy="369332"/>
             </a:xfrm>
             <a:prstGeom prst="rect">
               <a:avLst/>
@@ -14837,7 +19425,7 @@
             <a:p>
               <a:r>
                 <a:rPr lang="en-US" dirty="0"/>
-                <a:t>Update Variable</a:t>
+                <a:t>Exit Loop</a:t>
               </a:r>
             </a:p>
           </p:txBody>
@@ -15560,7 +20148,7 @@
             <a:avLst/>
           </a:prstGeom>
           <a:blipFill dpi="0" rotWithShape="1">
-            <a:blip r:embed="rId2">
+            <a:blip r:embed="rId3">
               <a:alphaModFix amt="24000"/>
               <a:duotone>
                 <a:schemeClr val="accent1">
@@ -15652,7 +20240,7 @@
         <p:spPr>
           <a:xfrm>
             <a:off x="430349" y="1561491"/>
-            <a:ext cx="10987360" cy="5140318"/>
+            <a:ext cx="10987360" cy="4274440"/>
           </a:xfrm>
           <a:prstGeom prst="rect">
             <a:avLst/>
@@ -15901,45 +20489,6 @@
                 <a:schemeClr val="tx2"/>
               </a:solidFill>
             </a:endParaRPr>
-          </a:p>
-          <a:p>
-            <a:pPr marL="742950" lvl="1" indent="-285750">
-              <a:lnSpc>
-                <a:spcPct val="110000"/>
-              </a:lnSpc>
-              <a:spcBef>
-                <a:spcPts val="1000"/>
-              </a:spcBef>
-              <a:buClr>
-                <a:schemeClr val="accent1"/>
-              </a:buClr>
-              <a:buFont typeface="Arial" panose="020B0604020202020204" pitchFamily="34" charset="0"/>
-              <a:buChar char="•"/>
-            </a:pPr>
-            <a:r>
-              <a:rPr lang="en-US" dirty="0">
-                <a:solidFill>
-                  <a:schemeClr val="tx2"/>
-                </a:solidFill>
-              </a:rPr>
-              <a:t>Often used for game loops: Get Input, Update Game, Render</a:t>
-            </a:r>
-          </a:p>
-          <a:p>
-            <a:pPr marL="742950" lvl="1" indent="-285750">
-              <a:lnSpc>
-                <a:spcPct val="110000"/>
-              </a:lnSpc>
-              <a:spcBef>
-                <a:spcPts val="1000"/>
-              </a:spcBef>
-              <a:buClr>
-                <a:schemeClr val="accent1"/>
-              </a:buClr>
-              <a:buFont typeface="Arial" panose="020B0604020202020204" pitchFamily="34" charset="0"/>
-              <a:buChar char="•"/>
-            </a:pPr>
-            <a:endParaRPr lang="en-US" dirty="0"/>
           </a:p>
         </p:txBody>
       </p:sp>
@@ -16155,7 +20704,7 @@
           <p:nvPr/>
         </p:nvPicPr>
         <p:blipFill>
-          <a:blip r:embed="rId3"/>
+          <a:blip r:embed="rId4"/>
           <a:stretch>
             <a:fillRect/>
           </a:stretch>
@@ -16908,6 +21457,166 @@
           </p:txBody>
         </p:sp>
       </p:grpSp>
+      <p:grpSp>
+        <p:nvGrpSpPr>
+          <p:cNvPr id="31" name="Group 30">
+            <a:extLst>
+              <a:ext uri="{FF2B5EF4-FFF2-40B4-BE49-F238E27FC236}">
+                <a16:creationId xmlns:a16="http://schemas.microsoft.com/office/drawing/2014/main" id="{9DB5EEC7-D72C-4321-8CE0-4C13529C0186}"/>
+              </a:ext>
+            </a:extLst>
+          </p:cNvPr>
+          <p:cNvGrpSpPr/>
+          <p:nvPr/>
+        </p:nvGrpSpPr>
+        <p:grpSpPr>
+          <a:xfrm>
+            <a:off x="5869344" y="3427650"/>
+            <a:ext cx="2543758" cy="369332"/>
+            <a:chOff x="5932485" y="2567533"/>
+            <a:chExt cx="2525919" cy="369332"/>
+          </a:xfrm>
+        </p:grpSpPr>
+        <p:cxnSp>
+          <p:nvCxnSpPr>
+            <p:cNvPr id="33" name="Straight Arrow Connector 32">
+              <a:extLst>
+                <a:ext uri="{FF2B5EF4-FFF2-40B4-BE49-F238E27FC236}">
+                  <a16:creationId xmlns:a16="http://schemas.microsoft.com/office/drawing/2014/main" id="{389C904F-2E8B-4713-A811-2062CB7B6DEB}"/>
+                </a:ext>
+              </a:extLst>
+            </p:cNvPr>
+            <p:cNvCxnSpPr>
+              <a:cxnSpLocks/>
+            </p:cNvCxnSpPr>
+            <p:nvPr/>
+          </p:nvCxnSpPr>
+          <p:spPr>
+            <a:xfrm>
+              <a:off x="7402466" y="2761672"/>
+              <a:ext cx="844509" cy="1"/>
+            </a:xfrm>
+            <a:prstGeom prst="straightConnector1">
+              <a:avLst/>
+            </a:prstGeom>
+            <a:ln>
+              <a:solidFill>
+                <a:srgbClr val="C00000"/>
+              </a:solidFill>
+              <a:tailEnd type="triangle"/>
+            </a:ln>
+          </p:spPr>
+          <p:style>
+            <a:lnRef idx="3">
+              <a:schemeClr val="accent1"/>
+            </a:lnRef>
+            <a:fillRef idx="0">
+              <a:schemeClr val="accent1"/>
+            </a:fillRef>
+            <a:effectRef idx="2">
+              <a:schemeClr val="accent1"/>
+            </a:effectRef>
+            <a:fontRef idx="minor">
+              <a:schemeClr val="tx1"/>
+            </a:fontRef>
+          </p:style>
+        </p:cxnSp>
+        <p:sp>
+          <p:nvSpPr>
+            <p:cNvPr id="34" name="TextBox 33">
+              <a:extLst>
+                <a:ext uri="{FF2B5EF4-FFF2-40B4-BE49-F238E27FC236}">
+                  <a16:creationId xmlns:a16="http://schemas.microsoft.com/office/drawing/2014/main" id="{762C42DF-7F80-4C12-8377-18269FF955C4}"/>
+                </a:ext>
+              </a:extLst>
+            </p:cNvPr>
+            <p:cNvSpPr txBox="1"/>
+            <p:nvPr/>
+          </p:nvSpPr>
+          <p:spPr>
+            <a:xfrm>
+              <a:off x="5932485" y="2567533"/>
+              <a:ext cx="1416668" cy="369332"/>
+            </a:xfrm>
+            <a:prstGeom prst="rect">
+              <a:avLst/>
+            </a:prstGeom>
+            <a:noFill/>
+          </p:spPr>
+          <p:txBody>
+            <a:bodyPr wrap="none" rtlCol="0">
+              <a:spAutoFit/>
+            </a:bodyPr>
+            <a:lstStyle/>
+            <a:p>
+              <a:r>
+                <a:rPr lang="en-US" dirty="0">
+                  <a:solidFill>
+                    <a:srgbClr val="C00000"/>
+                  </a:solidFill>
+                </a:rPr>
+                <a:t>do</a:t>
+              </a:r>
+              <a:r>
+                <a:rPr lang="en-US" dirty="0"/>
+                <a:t> keyword</a:t>
+              </a:r>
+            </a:p>
+          </p:txBody>
+        </p:sp>
+        <p:sp>
+          <p:nvSpPr>
+            <p:cNvPr id="35" name="Rectangle 34">
+              <a:extLst>
+                <a:ext uri="{FF2B5EF4-FFF2-40B4-BE49-F238E27FC236}">
+                  <a16:creationId xmlns:a16="http://schemas.microsoft.com/office/drawing/2014/main" id="{238645BA-43B6-4973-9F20-47808587D0F6}"/>
+                </a:ext>
+              </a:extLst>
+            </p:cNvPr>
+            <p:cNvSpPr/>
+            <p:nvPr/>
+          </p:nvSpPr>
+          <p:spPr>
+            <a:xfrm>
+              <a:off x="8266466" y="2653756"/>
+              <a:ext cx="191938" cy="215819"/>
+            </a:xfrm>
+            <a:prstGeom prst="rect">
+              <a:avLst/>
+            </a:prstGeom>
+            <a:noFill/>
+            <a:ln>
+              <a:solidFill>
+                <a:srgbClr val="C00000"/>
+              </a:solidFill>
+            </a:ln>
+          </p:spPr>
+          <p:style>
+            <a:lnRef idx="2">
+              <a:schemeClr val="accent1">
+                <a:shade val="50000"/>
+              </a:schemeClr>
+            </a:lnRef>
+            <a:fillRef idx="1">
+              <a:schemeClr val="accent1"/>
+            </a:fillRef>
+            <a:effectRef idx="0">
+              <a:schemeClr val="accent1"/>
+            </a:effectRef>
+            <a:fontRef idx="minor">
+              <a:schemeClr val="lt1"/>
+            </a:fontRef>
+          </p:style>
+          <p:txBody>
+            <a:bodyPr rtlCol="0" anchor="ctr"/>
+            <a:lstStyle/>
+            <a:p>
+              <a:pPr algn="ctr"/>
+              <a:endParaRPr lang="en-US"/>
+            </a:p>
+          </p:txBody>
+        </p:sp>
+      </p:grpSp>
     </p:spTree>
     <p:extLst>
       <p:ext uri="{BB962C8B-B14F-4D97-AF65-F5344CB8AC3E}">
@@ -16997,7 +21706,7 @@
                                           </p:stCondLst>
                                         </p:cTn>
                                         <p:tgtEl>
-                                          <p:spTgt spid="40"/>
+                                          <p:spTgt spid="31"/>
                                         </p:tgtEl>
                                         <p:attrNameLst>
                                           <p:attrName>style.visibility</p:attrName>
@@ -17069,109 +21778,7 @@
                                           </p:stCondLst>
                                         </p:cTn>
                                         <p:tgtEl>
-                                          <p:spTgt spid="26">
-                                            <p:txEl>
-                                              <p:pRg st="8" end="8"/>
-                                            </p:txEl>
-                                          </p:spTgt>
-                                        </p:tgtEl>
-                                        <p:attrNameLst>
-                                          <p:attrName>style.visibility</p:attrName>
-                                        </p:attrNameLst>
-                                      </p:cBhvr>
-                                      <p:to>
-                                        <p:strVal val="visible"/>
-                                      </p:to>
-                                    </p:set>
-                                  </p:childTnLst>
-                                </p:cTn>
-                              </p:par>
-                            </p:childTnLst>
-                          </p:cTn>
-                        </p:par>
-                      </p:childTnLst>
-                    </p:cTn>
-                  </p:par>
-                  <p:par>
-                    <p:cTn id="17" fill="hold">
-                      <p:stCondLst>
-                        <p:cond delay="indefinite"/>
-                      </p:stCondLst>
-                      <p:childTnLst>
-                        <p:par>
-                          <p:cTn id="18" fill="hold">
-                            <p:stCondLst>
-                              <p:cond delay="0"/>
-                            </p:stCondLst>
-                            <p:childTnLst>
-                              <p:par>
-                                <p:cTn id="19" presetID="1" presetClass="entr" presetSubtype="0" fill="hold" nodeType="clickEffect">
-                                  <p:stCondLst>
-                                    <p:cond delay="0"/>
-                                  </p:stCondLst>
-                                  <p:childTnLst>
-                                    <p:set>
-                                      <p:cBhvr>
-                                        <p:cTn id="20" dur="1" fill="hold">
-                                          <p:stCondLst>
-                                            <p:cond delay="0"/>
-                                          </p:stCondLst>
-                                        </p:cTn>
-                                        <p:tgtEl>
-                                          <p:spTgt spid="26">
-                                            <p:txEl>
-                                              <p:pRg st="9" end="9"/>
-                                            </p:txEl>
-                                          </p:spTgt>
-                                        </p:tgtEl>
-                                        <p:attrNameLst>
-                                          <p:attrName>style.visibility</p:attrName>
-                                        </p:attrNameLst>
-                                      </p:cBhvr>
-                                      <p:to>
-                                        <p:strVal val="visible"/>
-                                      </p:to>
-                                    </p:set>
-                                  </p:childTnLst>
-                                </p:cTn>
-                              </p:par>
-                            </p:childTnLst>
-                          </p:cTn>
-                        </p:par>
-                      </p:childTnLst>
-                    </p:cTn>
-                  </p:par>
-                  <p:par>
-                    <p:cTn id="21" fill="hold">
-                      <p:stCondLst>
-                        <p:cond delay="indefinite"/>
-                      </p:stCondLst>
-                      <p:childTnLst>
-                        <p:par>
-                          <p:cTn id="22" fill="hold">
-                            <p:stCondLst>
-                              <p:cond delay="0"/>
-                            </p:stCondLst>
-                            <p:childTnLst>
-                              <p:par>
-                                <p:cTn id="23" presetID="1" presetClass="entr" presetSubtype="0" fill="hold" nodeType="clickEffect">
-                                  <p:stCondLst>
-                                    <p:cond delay="0"/>
-                                  </p:stCondLst>
-                                  <p:childTnLst>
-                                    <p:set>
-                                      <p:cBhvr>
-                                        <p:cTn id="24" dur="1" fill="hold">
-                                          <p:stCondLst>
-                                            <p:cond delay="0"/>
-                                          </p:stCondLst>
-                                        </p:cTn>
-                                        <p:tgtEl>
-                                          <p:spTgt spid="26">
-                                            <p:txEl>
-                                              <p:pRg st="0" end="0"/>
-                                            </p:txEl>
-                                          </p:spTgt>
+                                          <p:spTgt spid="40"/>
                                         </p:tgtEl>
                                         <p:attrNameLst>
                                           <p:attrName>style.visibility</p:attrName>
@@ -17185,31 +21792,27 @@
                                 </p:cTn>
                               </p:par>
                               <p:par>
-                                <p:cTn id="25" presetID="1" presetClass="entr" presetSubtype="0" fill="hold" nodeType="withEffect">
+                                <p:cTn id="17" presetID="1" presetClass="exit" presetSubtype="0" fill="hold" nodeType="withEffect">
                                   <p:stCondLst>
                                     <p:cond delay="0"/>
                                   </p:stCondLst>
                                   <p:childTnLst>
                                     <p:set>
                                       <p:cBhvr>
-                                        <p:cTn id="26" dur="1" fill="hold">
+                                        <p:cTn id="18" dur="1" fill="hold">
                                           <p:stCondLst>
                                             <p:cond delay="0"/>
                                           </p:stCondLst>
                                         </p:cTn>
                                         <p:tgtEl>
-                                          <p:spTgt spid="26">
-                                            <p:txEl>
-                                              <p:pRg st="10" end="10"/>
-                                            </p:txEl>
-                                          </p:spTgt>
+                                          <p:spTgt spid="31"/>
                                         </p:tgtEl>
                                         <p:attrNameLst>
                                           <p:attrName>style.visibility</p:attrName>
                                         </p:attrNameLst>
                                       </p:cBhvr>
                                       <p:to>
-                                        <p:strVal val="visible"/>
+                                        <p:strVal val="hidden"/>
                                       </p:to>
                                     </p:set>
                                   </p:childTnLst>
@@ -17222,26 +21825,26 @@
                     </p:cTn>
                   </p:par>
                   <p:par>
-                    <p:cTn id="27" fill="hold">
+                    <p:cTn id="19" fill="hold">
                       <p:stCondLst>
                         <p:cond delay="indefinite"/>
                       </p:stCondLst>
                       <p:childTnLst>
                         <p:par>
-                          <p:cTn id="28" fill="hold">
+                          <p:cTn id="20" fill="hold">
                             <p:stCondLst>
                               <p:cond delay="0"/>
                             </p:stCondLst>
                             <p:childTnLst>
                               <p:par>
-                                <p:cTn id="29" presetID="1" presetClass="entr" presetSubtype="0" fill="hold" nodeType="clickEffect">
+                                <p:cTn id="21" presetID="1" presetClass="entr" presetSubtype="0" fill="hold" nodeType="clickEffect">
                                   <p:stCondLst>
                                     <p:cond delay="0"/>
                                   </p:stCondLst>
                                   <p:childTnLst>
                                     <p:set>
                                       <p:cBhvr>
-                                        <p:cTn id="30" dur="1" fill="hold">
+                                        <p:cTn id="22" dur="1" fill="hold">
                                           <p:stCondLst>
                                             <p:cond delay="0"/>
                                           </p:stCondLst>
@@ -17261,14 +21864,14 @@
                                 </p:cTn>
                               </p:par>
                               <p:par>
-                                <p:cTn id="31" presetID="1" presetClass="exit" presetSubtype="0" fill="hold" nodeType="withEffect">
+                                <p:cTn id="23" presetID="1" presetClass="exit" presetSubtype="0" fill="hold" nodeType="withEffect">
                                   <p:stCondLst>
                                     <p:cond delay="0"/>
                                   </p:stCondLst>
                                   <p:childTnLst>
                                     <p:set>
                                       <p:cBhvr>
-                                        <p:cTn id="32" dur="1" fill="hold">
+                                        <p:cTn id="24" dur="1" fill="hold">
                                           <p:stCondLst>
                                             <p:cond delay="0"/>
                                           </p:stCondLst>
@@ -17499,7 +22102,7 @@
           <p:nvPr/>
         </p:nvPicPr>
         <p:blipFill rotWithShape="1">
-          <a:blip r:embed="rId2"/>
+          <a:blip r:embed="rId3"/>
           <a:srcRect r="4038"/>
           <a:stretch/>
         </p:blipFill>
@@ -17611,7 +22214,7 @@
             <a:avLst/>
           </a:prstGeom>
           <a:blipFill dpi="0" rotWithShape="1">
-            <a:blip r:embed="rId3">
+            <a:blip r:embed="rId4">
               <a:alphaModFix amt="24000"/>
               <a:duotone>
                 <a:schemeClr val="accent1">
@@ -19561,7 +24164,7 @@
             <p:nvPr/>
           </p:nvPicPr>
           <p:blipFill>
-            <a:blip r:embed="rId4"/>
+            <a:blip r:embed="rId5"/>
             <a:stretch>
               <a:fillRect/>
             </a:stretch>
@@ -19576,6 +24179,131 @@
             </a:prstGeom>
           </p:spPr>
         </p:pic>
+      </p:grpSp>
+      <p:grpSp>
+        <p:nvGrpSpPr>
+          <p:cNvPr id="7" name="Group 6">
+            <a:extLst>
+              <a:ext uri="{FF2B5EF4-FFF2-40B4-BE49-F238E27FC236}">
+                <a16:creationId xmlns:a16="http://schemas.microsoft.com/office/drawing/2014/main" id="{4B1EF034-5701-43BD-A7AA-A058880B669E}"/>
+              </a:ext>
+            </a:extLst>
+          </p:cNvPr>
+          <p:cNvGrpSpPr/>
+          <p:nvPr/>
+        </p:nvGrpSpPr>
+        <p:grpSpPr>
+          <a:xfrm>
+            <a:off x="1042062" y="2843948"/>
+            <a:ext cx="3308340" cy="758532"/>
+            <a:chOff x="1042062" y="2843948"/>
+            <a:chExt cx="3308340" cy="758532"/>
+          </a:xfrm>
+        </p:grpSpPr>
+        <p:sp>
+          <p:nvSpPr>
+            <p:cNvPr id="6" name="Oval 5">
+              <a:extLst>
+                <a:ext uri="{FF2B5EF4-FFF2-40B4-BE49-F238E27FC236}">
+                  <a16:creationId xmlns:a16="http://schemas.microsoft.com/office/drawing/2014/main" id="{48B421EB-0993-4260-AA5E-2F62E4A591B7}"/>
+                </a:ext>
+              </a:extLst>
+            </p:cNvPr>
+            <p:cNvSpPr/>
+            <p:nvPr/>
+          </p:nvSpPr>
+          <p:spPr>
+            <a:xfrm>
+              <a:off x="2838125" y="3086085"/>
+              <a:ext cx="1512277" cy="516395"/>
+            </a:xfrm>
+            <a:prstGeom prst="ellipse">
+              <a:avLst/>
+            </a:prstGeom>
+            <a:noFill/>
+            <a:ln w="19050">
+              <a:solidFill>
+                <a:srgbClr val="C00000"/>
+              </a:solidFill>
+            </a:ln>
+          </p:spPr>
+          <p:style>
+            <a:lnRef idx="2">
+              <a:schemeClr val="accent1">
+                <a:shade val="50000"/>
+              </a:schemeClr>
+            </a:lnRef>
+            <a:fillRef idx="1">
+              <a:schemeClr val="accent1"/>
+            </a:fillRef>
+            <a:effectRef idx="0">
+              <a:schemeClr val="accent1"/>
+            </a:effectRef>
+            <a:fontRef idx="minor">
+              <a:schemeClr val="lt1"/>
+            </a:fontRef>
+          </p:style>
+          <p:txBody>
+            <a:bodyPr rtlCol="0" anchor="ctr"/>
+            <a:lstStyle/>
+            <a:p>
+              <a:pPr algn="ctr"/>
+              <a:endParaRPr lang="en-US"/>
+            </a:p>
+          </p:txBody>
+        </p:sp>
+        <p:sp>
+          <p:nvSpPr>
+            <p:cNvPr id="52" name="Oval 51">
+              <a:extLst>
+                <a:ext uri="{FF2B5EF4-FFF2-40B4-BE49-F238E27FC236}">
+                  <a16:creationId xmlns:a16="http://schemas.microsoft.com/office/drawing/2014/main" id="{BD97B355-D5F2-4485-97D1-CCDAE6A16EA1}"/>
+                </a:ext>
+              </a:extLst>
+            </p:cNvPr>
+            <p:cNvSpPr/>
+            <p:nvPr/>
+          </p:nvSpPr>
+          <p:spPr>
+            <a:xfrm>
+              <a:off x="1042062" y="2843948"/>
+              <a:ext cx="1512277" cy="516395"/>
+            </a:xfrm>
+            <a:prstGeom prst="ellipse">
+              <a:avLst/>
+            </a:prstGeom>
+            <a:noFill/>
+            <a:ln w="19050">
+              <a:solidFill>
+                <a:srgbClr val="C00000"/>
+              </a:solidFill>
+            </a:ln>
+          </p:spPr>
+          <p:style>
+            <a:lnRef idx="2">
+              <a:schemeClr val="accent1">
+                <a:shade val="50000"/>
+              </a:schemeClr>
+            </a:lnRef>
+            <a:fillRef idx="1">
+              <a:schemeClr val="accent1"/>
+            </a:fillRef>
+            <a:effectRef idx="0">
+              <a:schemeClr val="accent1"/>
+            </a:effectRef>
+            <a:fontRef idx="minor">
+              <a:schemeClr val="lt1"/>
+            </a:fontRef>
+          </p:style>
+          <p:txBody>
+            <a:bodyPr rtlCol="0" anchor="ctr"/>
+            <a:lstStyle/>
+            <a:p>
+              <a:pPr algn="ctr"/>
+              <a:endParaRPr lang="en-US" dirty="0"/>
+            </a:p>
+          </p:txBody>
+        </p:sp>
       </p:grpSp>
     </p:spTree>
     <p:extLst>
@@ -19621,7 +24349,7 @@
                                           </p:stCondLst>
                                         </p:cTn>
                                         <p:tgtEl>
-                                          <p:spTgt spid="31"/>
+                                          <p:spTgt spid="7"/>
                                         </p:tgtEl>
                                         <p:attrNameLst>
                                           <p:attrName>style.visibility</p:attrName>
@@ -19666,6 +24394,51 @@
                                           </p:stCondLst>
                                         </p:cTn>
                                         <p:tgtEl>
+                                          <p:spTgt spid="31"/>
+                                        </p:tgtEl>
+                                        <p:attrNameLst>
+                                          <p:attrName>style.visibility</p:attrName>
+                                        </p:attrNameLst>
+                                      </p:cBhvr>
+                                      <p:to>
+                                        <p:strVal val="visible"/>
+                                      </p:to>
+                                    </p:set>
+                                  </p:childTnLst>
+                                </p:cTn>
+                              </p:par>
+                            </p:childTnLst>
+                          </p:cTn>
+                        </p:par>
+                      </p:childTnLst>
+                    </p:cTn>
+                  </p:par>
+                  <p:par>
+                    <p:cTn id="11" fill="hold">
+                      <p:stCondLst>
+                        <p:cond delay="indefinite"/>
+                      </p:stCondLst>
+                      <p:childTnLst>
+                        <p:par>
+                          <p:cTn id="12" fill="hold">
+                            <p:stCondLst>
+                              <p:cond delay="0"/>
+                            </p:stCondLst>
+                            <p:childTnLst>
+                              <p:par>
+                                <p:cTn id="13" presetID="1" presetClass="entr" presetSubtype="0" fill="hold" nodeType="clickEffect">
+                                  <p:stCondLst>
+                                    <p:cond delay="0"/>
+                                  </p:stCondLst>
+                                  <p:childTnLst>
+                                    <p:set>
+                                      <p:cBhvr>
+                                        <p:cTn id="14" dur="1" fill="hold">
+                                          <p:stCondLst>
+                                            <p:cond delay="0"/>
+                                          </p:stCondLst>
+                                        </p:cTn>
+                                        <p:tgtEl>
                                           <p:spTgt spid="32"/>
                                         </p:tgtEl>
                                         <p:attrNameLst>
@@ -19680,14 +24453,14 @@
                                 </p:cTn>
                               </p:par>
                               <p:par>
-                                <p:cTn id="11" presetID="1" presetClass="exit" presetSubtype="0" fill="hold" nodeType="withEffect">
+                                <p:cTn id="15" presetID="1" presetClass="exit" presetSubtype="0" fill="hold" nodeType="withEffect">
                                   <p:stCondLst>
                                     <p:cond delay="0"/>
                                   </p:stCondLst>
                                   <p:childTnLst>
                                     <p:set>
                                       <p:cBhvr>
-                                        <p:cTn id="12" dur="1" fill="hold">
+                                        <p:cTn id="16" dur="1" fill="hold">
                                           <p:stCondLst>
                                             <p:cond delay="0"/>
                                           </p:stCondLst>
@@ -19713,26 +24486,26 @@
                     </p:cTn>
                   </p:par>
                   <p:par>
-                    <p:cTn id="13" fill="hold">
+                    <p:cTn id="17" fill="hold">
                       <p:stCondLst>
                         <p:cond delay="indefinite"/>
                       </p:stCondLst>
                       <p:childTnLst>
                         <p:par>
-                          <p:cTn id="14" fill="hold">
+                          <p:cTn id="18" fill="hold">
                             <p:stCondLst>
                               <p:cond delay="0"/>
                             </p:stCondLst>
                             <p:childTnLst>
                               <p:par>
-                                <p:cTn id="15" presetID="1" presetClass="entr" presetSubtype="0" fill="hold" nodeType="clickEffect">
+                                <p:cTn id="19" presetID="1" presetClass="entr" presetSubtype="0" fill="hold" nodeType="clickEffect">
                                   <p:stCondLst>
                                     <p:cond delay="0"/>
                                   </p:stCondLst>
                                   <p:childTnLst>
                                     <p:set>
                                       <p:cBhvr>
-                                        <p:cTn id="16" dur="1" fill="hold">
+                                        <p:cTn id="20" dur="1" fill="hold">
                                           <p:stCondLst>
                                             <p:cond delay="0"/>
                                           </p:stCondLst>
@@ -19752,14 +24525,14 @@
                                 </p:cTn>
                               </p:par>
                               <p:par>
-                                <p:cTn id="17" presetID="1" presetClass="exit" presetSubtype="0" fill="hold" nodeType="withEffect">
+                                <p:cTn id="21" presetID="1" presetClass="exit" presetSubtype="0" fill="hold" nodeType="withEffect">
                                   <p:stCondLst>
                                     <p:cond delay="0"/>
                                   </p:stCondLst>
                                   <p:childTnLst>
                                     <p:set>
                                       <p:cBhvr>
-                                        <p:cTn id="18" dur="1" fill="hold">
+                                        <p:cTn id="22" dur="1" fill="hold">
                                           <p:stCondLst>
                                             <p:cond delay="0"/>
                                           </p:stCondLst>
@@ -19785,26 +24558,26 @@
                     </p:cTn>
                   </p:par>
                   <p:par>
-                    <p:cTn id="19" fill="hold">
+                    <p:cTn id="23" fill="hold">
                       <p:stCondLst>
                         <p:cond delay="indefinite"/>
                       </p:stCondLst>
                       <p:childTnLst>
                         <p:par>
-                          <p:cTn id="20" fill="hold">
+                          <p:cTn id="24" fill="hold">
                             <p:stCondLst>
                               <p:cond delay="0"/>
                             </p:stCondLst>
                             <p:childTnLst>
                               <p:par>
-                                <p:cTn id="21" presetID="1" presetClass="entr" presetSubtype="0" fill="hold" nodeType="clickEffect">
+                                <p:cTn id="25" presetID="1" presetClass="entr" presetSubtype="0" fill="hold" nodeType="clickEffect">
                                   <p:stCondLst>
                                     <p:cond delay="0"/>
                                   </p:stCondLst>
                                   <p:childTnLst>
                                     <p:set>
                                       <p:cBhvr>
-                                        <p:cTn id="22" dur="1" fill="hold">
+                                        <p:cTn id="26" dur="1" fill="hold">
                                           <p:stCondLst>
                                             <p:cond delay="0"/>
                                           </p:stCondLst>
@@ -19824,14 +24597,14 @@
                                 </p:cTn>
                               </p:par>
                               <p:par>
-                                <p:cTn id="23" presetID="1" presetClass="exit" presetSubtype="0" fill="hold" nodeType="withEffect">
+                                <p:cTn id="27" presetID="1" presetClass="exit" presetSubtype="0" fill="hold" nodeType="withEffect">
                                   <p:stCondLst>
                                     <p:cond delay="0"/>
                                   </p:stCondLst>
                                   <p:childTnLst>
                                     <p:set>
                                       <p:cBhvr>
-                                        <p:cTn id="24" dur="1" fill="hold">
+                                        <p:cTn id="28" dur="1" fill="hold">
                                           <p:stCondLst>
                                             <p:cond delay="0"/>
                                           </p:stCondLst>
@@ -19857,26 +24630,26 @@
                     </p:cTn>
                   </p:par>
                   <p:par>
-                    <p:cTn id="25" fill="hold">
+                    <p:cTn id="29" fill="hold">
                       <p:stCondLst>
                         <p:cond delay="indefinite"/>
                       </p:stCondLst>
                       <p:childTnLst>
                         <p:par>
-                          <p:cTn id="26" fill="hold">
+                          <p:cTn id="30" fill="hold">
                             <p:stCondLst>
                               <p:cond delay="0"/>
                             </p:stCondLst>
                             <p:childTnLst>
                               <p:par>
-                                <p:cTn id="27" presetID="1" presetClass="entr" presetSubtype="0" fill="hold" nodeType="clickEffect">
+                                <p:cTn id="31" presetID="1" presetClass="entr" presetSubtype="0" fill="hold" nodeType="clickEffect">
                                   <p:stCondLst>
                                     <p:cond delay="0"/>
                                   </p:stCondLst>
                                   <p:childTnLst>
                                     <p:set>
                                       <p:cBhvr>
-                                        <p:cTn id="28" dur="1" fill="hold">
+                                        <p:cTn id="32" dur="1" fill="hold">
                                           <p:stCondLst>
                                             <p:cond delay="0"/>
                                           </p:stCondLst>
@@ -19896,14 +24669,14 @@
                                 </p:cTn>
                               </p:par>
                               <p:par>
-                                <p:cTn id="29" presetID="1" presetClass="exit" presetSubtype="0" fill="hold" nodeType="withEffect">
+                                <p:cTn id="33" presetID="1" presetClass="exit" presetSubtype="0" fill="hold" nodeType="withEffect">
                                   <p:stCondLst>
                                     <p:cond delay="0"/>
                                   </p:stCondLst>
                                   <p:childTnLst>
                                     <p:set>
                                       <p:cBhvr>
-                                        <p:cTn id="30" dur="1" fill="hold">
+                                        <p:cTn id="34" dur="1" fill="hold">
                                           <p:stCondLst>
                                             <p:cond delay="0"/>
                                           </p:stCondLst>
@@ -19929,26 +24702,26 @@
                     </p:cTn>
                   </p:par>
                   <p:par>
-                    <p:cTn id="31" fill="hold">
+                    <p:cTn id="35" fill="hold">
                       <p:stCondLst>
                         <p:cond delay="indefinite"/>
                       </p:stCondLst>
                       <p:childTnLst>
                         <p:par>
-                          <p:cTn id="32" fill="hold">
+                          <p:cTn id="36" fill="hold">
                             <p:stCondLst>
                               <p:cond delay="0"/>
                             </p:stCondLst>
                             <p:childTnLst>
                               <p:par>
-                                <p:cTn id="33" presetID="1" presetClass="entr" presetSubtype="0" fill="hold" nodeType="clickEffect">
+                                <p:cTn id="37" presetID="1" presetClass="entr" presetSubtype="0" fill="hold" nodeType="clickEffect">
                                   <p:stCondLst>
                                     <p:cond delay="0"/>
                                   </p:stCondLst>
                                   <p:childTnLst>
                                     <p:set>
                                       <p:cBhvr>
-                                        <p:cTn id="34" dur="1" fill="hold">
+                                        <p:cTn id="38" dur="1" fill="hold">
                                           <p:stCondLst>
                                             <p:cond delay="0"/>
                                           </p:stCondLst>
@@ -19968,14 +24741,14 @@
                                 </p:cTn>
                               </p:par>
                               <p:par>
-                                <p:cTn id="35" presetID="1" presetClass="exit" presetSubtype="0" fill="hold" nodeType="withEffect">
+                                <p:cTn id="39" presetID="1" presetClass="exit" presetSubtype="0" fill="hold" nodeType="withEffect">
                                   <p:stCondLst>
                                     <p:cond delay="0"/>
                                   </p:stCondLst>
                                   <p:childTnLst>
                                     <p:set>
                                       <p:cBhvr>
-                                        <p:cTn id="36" dur="1" fill="hold">
+                                        <p:cTn id="40" dur="1" fill="hold">
                                           <p:stCondLst>
                                             <p:cond delay="0"/>
                                           </p:stCondLst>
@@ -20001,26 +24774,26 @@
                     </p:cTn>
                   </p:par>
                   <p:par>
-                    <p:cTn id="37" fill="hold">
+                    <p:cTn id="41" fill="hold">
                       <p:stCondLst>
                         <p:cond delay="indefinite"/>
                       </p:stCondLst>
                       <p:childTnLst>
                         <p:par>
-                          <p:cTn id="38" fill="hold">
+                          <p:cTn id="42" fill="hold">
                             <p:stCondLst>
                               <p:cond delay="0"/>
                             </p:stCondLst>
                             <p:childTnLst>
                               <p:par>
-                                <p:cTn id="39" presetID="1" presetClass="entr" presetSubtype="0" fill="hold" nodeType="clickEffect">
+                                <p:cTn id="43" presetID="1" presetClass="entr" presetSubtype="0" fill="hold" nodeType="clickEffect">
                                   <p:stCondLst>
                                     <p:cond delay="0"/>
                                   </p:stCondLst>
                                   <p:childTnLst>
                                     <p:set>
                                       <p:cBhvr>
-                                        <p:cTn id="40" dur="1" fill="hold">
+                                        <p:cTn id="44" dur="1" fill="hold">
                                           <p:stCondLst>
                                             <p:cond delay="0"/>
                                           </p:stCondLst>
@@ -20251,7 +25024,7 @@
           <p:nvPr/>
         </p:nvPicPr>
         <p:blipFill rotWithShape="1">
-          <a:blip r:embed="rId2"/>
+          <a:blip r:embed="rId3"/>
           <a:srcRect t="18923"/>
           <a:stretch/>
         </p:blipFill>
@@ -20363,7 +25136,7 @@
             <a:avLst/>
           </a:prstGeom>
           <a:blipFill dpi="0" rotWithShape="1">
-            <a:blip r:embed="rId3">
+            <a:blip r:embed="rId4">
               <a:alphaModFix amt="24000"/>
               <a:duotone>
                 <a:schemeClr val="accent1">
@@ -21671,7 +26444,7 @@
             <p:nvPr/>
           </p:nvPicPr>
           <p:blipFill rotWithShape="1">
-            <a:blip r:embed="rId4"/>
+            <a:blip r:embed="rId5"/>
             <a:srcRect t="-1" r="10706" b="1090"/>
             <a:stretch/>
           </p:blipFill>
@@ -21700,10 +26473,10 @@
         </p:nvGrpSpPr>
         <p:grpSpPr>
           <a:xfrm>
-            <a:off x="7670223" y="3788748"/>
-            <a:ext cx="3753228" cy="1301334"/>
-            <a:chOff x="7664481" y="4391878"/>
-            <a:chExt cx="3753228" cy="1301334"/>
+            <a:off x="7658389" y="3489686"/>
+            <a:ext cx="3765062" cy="1600396"/>
+            <a:chOff x="7652647" y="4092816"/>
+            <a:chExt cx="3765062" cy="1600396"/>
           </a:xfrm>
         </p:grpSpPr>
         <p:sp>
@@ -22013,8 +26786,8 @@
           </p:nvSpPr>
           <p:spPr>
             <a:xfrm>
-              <a:off x="7664481" y="4391878"/>
-              <a:ext cx="247699" cy="854511"/>
+              <a:off x="7652647" y="4092816"/>
+              <a:ext cx="259534" cy="1153574"/>
             </a:xfrm>
             <a:prstGeom prst="bentArrow">
               <a:avLst/>
@@ -22643,4 +27416,299 @@
     </a:ext>
   </a:extLst>
 </a:theme>
+</file>
+
+<file path=ppt/theme/theme2.xml><?xml version="1.0" encoding="utf-8"?>
+<a:theme xmlns:a="http://schemas.openxmlformats.org/drawingml/2006/main" name="Office Theme">
+  <a:themeElements>
+    <a:clrScheme name="Office">
+      <a:dk1>
+        <a:sysClr val="windowText" lastClr="000000"/>
+      </a:dk1>
+      <a:lt1>
+        <a:sysClr val="window" lastClr="FFFFFF"/>
+      </a:lt1>
+      <a:dk2>
+        <a:srgbClr val="44546A"/>
+      </a:dk2>
+      <a:lt2>
+        <a:srgbClr val="E7E6E6"/>
+      </a:lt2>
+      <a:accent1>
+        <a:srgbClr val="4472C4"/>
+      </a:accent1>
+      <a:accent2>
+        <a:srgbClr val="ED7D31"/>
+      </a:accent2>
+      <a:accent3>
+        <a:srgbClr val="A5A5A5"/>
+      </a:accent3>
+      <a:accent4>
+        <a:srgbClr val="FFC000"/>
+      </a:accent4>
+      <a:accent5>
+        <a:srgbClr val="5B9BD5"/>
+      </a:accent5>
+      <a:accent6>
+        <a:srgbClr val="70AD47"/>
+      </a:accent6>
+      <a:hlink>
+        <a:srgbClr val="0563C1"/>
+      </a:hlink>
+      <a:folHlink>
+        <a:srgbClr val="954F72"/>
+      </a:folHlink>
+    </a:clrScheme>
+    <a:fontScheme name="Office">
+      <a:majorFont>
+        <a:latin typeface="Calibri Light" panose="020F0302020204030204"/>
+        <a:ea typeface=""/>
+        <a:cs typeface=""/>
+        <a:font script="Jpan" typeface="游ゴシック Light"/>
+        <a:font script="Hang" typeface="맑은 고딕"/>
+        <a:font script="Hans" typeface="等线 Light"/>
+        <a:font script="Hant" typeface="新細明體"/>
+        <a:font script="Arab" typeface="Times New Roman"/>
+        <a:font script="Hebr" typeface="Times New Roman"/>
+        <a:font script="Thai" typeface="Angsana New"/>
+        <a:font script="Ethi" typeface="Nyala"/>
+        <a:font script="Beng" typeface="Vrinda"/>
+        <a:font script="Gujr" typeface="Shruti"/>
+        <a:font script="Khmr" typeface="MoolBoran"/>
+        <a:font script="Knda" typeface="Tunga"/>
+        <a:font script="Guru" typeface="Raavi"/>
+        <a:font script="Cans" typeface="Euphemia"/>
+        <a:font script="Cher" typeface="Plantagenet Cherokee"/>
+        <a:font script="Yiii" typeface="Microsoft Yi Baiti"/>
+        <a:font script="Tibt" typeface="Microsoft Himalaya"/>
+        <a:font script="Thaa" typeface="MV Boli"/>
+        <a:font script="Deva" typeface="Mangal"/>
+        <a:font script="Telu" typeface="Gautami"/>
+        <a:font script="Taml" typeface="Latha"/>
+        <a:font script="Syrc" typeface="Estrangelo Edessa"/>
+        <a:font script="Orya" typeface="Kalinga"/>
+        <a:font script="Mlym" typeface="Kartika"/>
+        <a:font script="Laoo" typeface="DokChampa"/>
+        <a:font script="Sinh" typeface="Iskoola Pota"/>
+        <a:font script="Mong" typeface="Mongolian Baiti"/>
+        <a:font script="Viet" typeface="Times New Roman"/>
+        <a:font script="Uigh" typeface="Microsoft Uighur"/>
+        <a:font script="Geor" typeface="Sylfaen"/>
+        <a:font script="Armn" typeface="Arial"/>
+        <a:font script="Bugi" typeface="Leelawadee UI"/>
+        <a:font script="Bopo" typeface="Microsoft JhengHei"/>
+        <a:font script="Java" typeface="Javanese Text"/>
+        <a:font script="Lisu" typeface="Segoe UI"/>
+        <a:font script="Mymr" typeface="Myanmar Text"/>
+        <a:font script="Nkoo" typeface="Ebrima"/>
+        <a:font script="Olck" typeface="Nirmala UI"/>
+        <a:font script="Osma" typeface="Ebrima"/>
+        <a:font script="Phag" typeface="Phagspa"/>
+        <a:font script="Syrn" typeface="Estrangelo Edessa"/>
+        <a:font script="Syrj" typeface="Estrangelo Edessa"/>
+        <a:font script="Syre" typeface="Estrangelo Edessa"/>
+        <a:font script="Sora" typeface="Nirmala UI"/>
+        <a:font script="Tale" typeface="Microsoft Tai Le"/>
+        <a:font script="Talu" typeface="Microsoft New Tai Lue"/>
+        <a:font script="Tfng" typeface="Ebrima"/>
+      </a:majorFont>
+      <a:minorFont>
+        <a:latin typeface="Calibri" panose="020F0502020204030204"/>
+        <a:ea typeface=""/>
+        <a:cs typeface=""/>
+        <a:font script="Jpan" typeface="游ゴシック"/>
+        <a:font script="Hang" typeface="맑은 고딕"/>
+        <a:font script="Hans" typeface="等线"/>
+        <a:font script="Hant" typeface="新細明體"/>
+        <a:font script="Arab" typeface="Arial"/>
+        <a:font script="Hebr" typeface="Arial"/>
+        <a:font script="Thai" typeface="Cordia New"/>
+        <a:font script="Ethi" typeface="Nyala"/>
+        <a:font script="Beng" typeface="Vrinda"/>
+        <a:font script="Gujr" typeface="Shruti"/>
+        <a:font script="Khmr" typeface="DaunPenh"/>
+        <a:font script="Knda" typeface="Tunga"/>
+        <a:font script="Guru" typeface="Raavi"/>
+        <a:font script="Cans" typeface="Euphemia"/>
+        <a:font script="Cher" typeface="Plantagenet Cherokee"/>
+        <a:font script="Yiii" typeface="Microsoft Yi Baiti"/>
+        <a:font script="Tibt" typeface="Microsoft Himalaya"/>
+        <a:font script="Thaa" typeface="MV Boli"/>
+        <a:font script="Deva" typeface="Mangal"/>
+        <a:font script="Telu" typeface="Gautami"/>
+        <a:font script="Taml" typeface="Latha"/>
+        <a:font script="Syrc" typeface="Estrangelo Edessa"/>
+        <a:font script="Orya" typeface="Kalinga"/>
+        <a:font script="Mlym" typeface="Kartika"/>
+        <a:font script="Laoo" typeface="DokChampa"/>
+        <a:font script="Sinh" typeface="Iskoola Pota"/>
+        <a:font script="Mong" typeface="Mongolian Baiti"/>
+        <a:font script="Viet" typeface="Arial"/>
+        <a:font script="Uigh" typeface="Microsoft Uighur"/>
+        <a:font script="Geor" typeface="Sylfaen"/>
+        <a:font script="Armn" typeface="Arial"/>
+        <a:font script="Bugi" typeface="Leelawadee UI"/>
+        <a:font script="Bopo" typeface="Microsoft JhengHei"/>
+        <a:font script="Java" typeface="Javanese Text"/>
+        <a:font script="Lisu" typeface="Segoe UI"/>
+        <a:font script="Mymr" typeface="Myanmar Text"/>
+        <a:font script="Nkoo" typeface="Ebrima"/>
+        <a:font script="Olck" typeface="Nirmala UI"/>
+        <a:font script="Osma" typeface="Ebrima"/>
+        <a:font script="Phag" typeface="Phagspa"/>
+        <a:font script="Syrn" typeface="Estrangelo Edessa"/>
+        <a:font script="Syrj" typeface="Estrangelo Edessa"/>
+        <a:font script="Syre" typeface="Estrangelo Edessa"/>
+        <a:font script="Sora" typeface="Nirmala UI"/>
+        <a:font script="Tale" typeface="Microsoft Tai Le"/>
+        <a:font script="Talu" typeface="Microsoft New Tai Lue"/>
+        <a:font script="Tfng" typeface="Ebrima"/>
+      </a:minorFont>
+    </a:fontScheme>
+    <a:fmtScheme name="Office">
+      <a:fillStyleLst>
+        <a:solidFill>
+          <a:schemeClr val="phClr"/>
+        </a:solidFill>
+        <a:gradFill rotWithShape="1">
+          <a:gsLst>
+            <a:gs pos="0">
+              <a:schemeClr val="phClr">
+                <a:lumMod val="110000"/>
+                <a:satMod val="105000"/>
+                <a:tint val="67000"/>
+              </a:schemeClr>
+            </a:gs>
+            <a:gs pos="50000">
+              <a:schemeClr val="phClr">
+                <a:lumMod val="105000"/>
+                <a:satMod val="103000"/>
+                <a:tint val="73000"/>
+              </a:schemeClr>
+            </a:gs>
+            <a:gs pos="100000">
+              <a:schemeClr val="phClr">
+                <a:lumMod val="105000"/>
+                <a:satMod val="109000"/>
+                <a:tint val="81000"/>
+              </a:schemeClr>
+            </a:gs>
+          </a:gsLst>
+          <a:lin ang="5400000" scaled="0"/>
+        </a:gradFill>
+        <a:gradFill rotWithShape="1">
+          <a:gsLst>
+            <a:gs pos="0">
+              <a:schemeClr val="phClr">
+                <a:satMod val="103000"/>
+                <a:lumMod val="102000"/>
+                <a:tint val="94000"/>
+              </a:schemeClr>
+            </a:gs>
+            <a:gs pos="50000">
+              <a:schemeClr val="phClr">
+                <a:satMod val="110000"/>
+                <a:lumMod val="100000"/>
+                <a:shade val="100000"/>
+              </a:schemeClr>
+            </a:gs>
+            <a:gs pos="100000">
+              <a:schemeClr val="phClr">
+                <a:lumMod val="99000"/>
+                <a:satMod val="120000"/>
+                <a:shade val="78000"/>
+              </a:schemeClr>
+            </a:gs>
+          </a:gsLst>
+          <a:lin ang="5400000" scaled="0"/>
+        </a:gradFill>
+      </a:fillStyleLst>
+      <a:lnStyleLst>
+        <a:ln w="6350" cap="flat" cmpd="sng" algn="ctr">
+          <a:solidFill>
+            <a:schemeClr val="phClr"/>
+          </a:solidFill>
+          <a:prstDash val="solid"/>
+          <a:miter lim="800000"/>
+        </a:ln>
+        <a:ln w="12700" cap="flat" cmpd="sng" algn="ctr">
+          <a:solidFill>
+            <a:schemeClr val="phClr"/>
+          </a:solidFill>
+          <a:prstDash val="solid"/>
+          <a:miter lim="800000"/>
+        </a:ln>
+        <a:ln w="19050" cap="flat" cmpd="sng" algn="ctr">
+          <a:solidFill>
+            <a:schemeClr val="phClr"/>
+          </a:solidFill>
+          <a:prstDash val="solid"/>
+          <a:miter lim="800000"/>
+        </a:ln>
+      </a:lnStyleLst>
+      <a:effectStyleLst>
+        <a:effectStyle>
+          <a:effectLst/>
+        </a:effectStyle>
+        <a:effectStyle>
+          <a:effectLst/>
+        </a:effectStyle>
+        <a:effectStyle>
+          <a:effectLst>
+            <a:outerShdw blurRad="57150" dist="19050" dir="5400000" algn="ctr" rotWithShape="0">
+              <a:srgbClr val="000000">
+                <a:alpha val="63000"/>
+              </a:srgbClr>
+            </a:outerShdw>
+          </a:effectLst>
+        </a:effectStyle>
+      </a:effectStyleLst>
+      <a:bgFillStyleLst>
+        <a:solidFill>
+          <a:schemeClr val="phClr"/>
+        </a:solidFill>
+        <a:solidFill>
+          <a:schemeClr val="phClr">
+            <a:tint val="95000"/>
+            <a:satMod val="170000"/>
+          </a:schemeClr>
+        </a:solidFill>
+        <a:gradFill rotWithShape="1">
+          <a:gsLst>
+            <a:gs pos="0">
+              <a:schemeClr val="phClr">
+                <a:tint val="93000"/>
+                <a:satMod val="150000"/>
+                <a:shade val="98000"/>
+                <a:lumMod val="102000"/>
+              </a:schemeClr>
+            </a:gs>
+            <a:gs pos="50000">
+              <a:schemeClr val="phClr">
+                <a:tint val="98000"/>
+                <a:satMod val="130000"/>
+                <a:shade val="90000"/>
+                <a:lumMod val="103000"/>
+              </a:schemeClr>
+            </a:gs>
+            <a:gs pos="100000">
+              <a:schemeClr val="phClr">
+                <a:shade val="63000"/>
+                <a:satMod val="120000"/>
+              </a:schemeClr>
+            </a:gs>
+          </a:gsLst>
+          <a:lin ang="5400000" scaled="0"/>
+        </a:gradFill>
+      </a:bgFillStyleLst>
+    </a:fmtScheme>
+  </a:themeElements>
+  <a:objectDefaults/>
+  <a:extraClrSchemeLst/>
+  <a:extLst>
+    <a:ext uri="{05A4C25C-085E-4340-85A3-A5531E510DB2}">
+      <thm15:themeFamily xmlns:thm15="http://schemas.microsoft.com/office/thememl/2012/main" name="Office Theme" id="{62F939B6-93AF-4DB8-9C6B-D6C7DFDC589F}" vid="{4A3C46E8-61CC-4603-A589-7422A47A8E4A}"/>
+    </a:ext>
+  </a:extLst>
+</a:theme>
 </file>
--- a/Lecture/LoopIt.pptx
+++ b/Lecture/LoopIt.pptx
@@ -5,7 +5,7 @@
     <p:sldMasterId id="2147483686" r:id="rId1"/>
   </p:sldMasterIdLst>
   <p:notesMasterIdLst>
-    <p:notesMasterId r:id="rId17"/>
+    <p:notesMasterId r:id="rId16"/>
   </p:notesMasterIdLst>
   <p:sldIdLst>
     <p:sldId id="256" r:id="rId2"/>
@@ -21,8 +21,7 @@
     <p:sldId id="267" r:id="rId12"/>
     <p:sldId id="268" r:id="rId13"/>
     <p:sldId id="269" r:id="rId14"/>
-    <p:sldId id="271" r:id="rId15"/>
-    <p:sldId id="272" r:id="rId16"/>
+    <p:sldId id="272" r:id="rId15"/>
   </p:sldIdLst>
   <p:sldSz cx="12192000" cy="6858000"/>
   <p:notesSz cx="6858000" cy="9144000"/>
@@ -1117,6 +1116,90 @@
     <p:extLst>
       <p:ext uri="{BB962C8B-B14F-4D97-AF65-F5344CB8AC3E}">
         <p14:creationId xmlns:p14="http://schemas.microsoft.com/office/powerpoint/2010/main" val="3974500291"/>
+      </p:ext>
+    </p:extLst>
+  </p:cSld>
+  <p:clrMapOvr>
+    <a:masterClrMapping/>
+  </p:clrMapOvr>
+</p:notes>
+</file>
+
+<file path=ppt/notesSlides/notesSlide13.xml><?xml version="1.0" encoding="utf-8"?>
+<p:notes xmlns:a="http://schemas.openxmlformats.org/drawingml/2006/main" xmlns:r="http://schemas.openxmlformats.org/officeDocument/2006/relationships" xmlns:p="http://schemas.openxmlformats.org/presentationml/2006/main">
+  <p:cSld>
+    <p:spTree>
+      <p:nvGrpSpPr>
+        <p:cNvPr id="1" name=""/>
+        <p:cNvGrpSpPr/>
+        <p:nvPr/>
+      </p:nvGrpSpPr>
+      <p:grpSpPr>
+        <a:xfrm>
+          <a:off x="0" y="0"/>
+          <a:ext cx="0" cy="0"/>
+          <a:chOff x="0" y="0"/>
+          <a:chExt cx="0" cy="0"/>
+        </a:xfrm>
+      </p:grpSpPr>
+      <p:sp>
+        <p:nvSpPr>
+          <p:cNvPr id="2" name="Slide Image Placeholder 1"/>
+          <p:cNvSpPr>
+            <a:spLocks noGrp="1" noRot="1" noChangeAspect="1"/>
+          </p:cNvSpPr>
+          <p:nvPr>
+            <p:ph type="sldImg"/>
+          </p:nvPr>
+        </p:nvSpPr>
+        <p:spPr/>
+      </p:sp>
+      <p:sp>
+        <p:nvSpPr>
+          <p:cNvPr id="3" name="Notes Placeholder 2"/>
+          <p:cNvSpPr>
+            <a:spLocks noGrp="1"/>
+          </p:cNvSpPr>
+          <p:nvPr>
+            <p:ph type="body" idx="1"/>
+          </p:nvPr>
+        </p:nvSpPr>
+        <p:spPr/>
+        <p:txBody>
+          <a:bodyPr/>
+          <a:lstStyle/>
+          <a:p>
+            <a:endParaRPr lang="en-US" dirty="0"/>
+          </a:p>
+        </p:txBody>
+      </p:sp>
+      <p:sp>
+        <p:nvSpPr>
+          <p:cNvPr id="4" name="Slide Number Placeholder 3"/>
+          <p:cNvSpPr>
+            <a:spLocks noGrp="1"/>
+          </p:cNvSpPr>
+          <p:nvPr>
+            <p:ph type="sldNum" sz="quarter" idx="5"/>
+          </p:nvPr>
+        </p:nvSpPr>
+        <p:spPr/>
+        <p:txBody>
+          <a:bodyPr/>
+          <a:lstStyle/>
+          <a:p>
+            <a:fld id="{2C44DD81-7AC0-49C2-9B52-6F4F2025139A}" type="slidenum">
+              <a:rPr lang="en-US" smtClean="0"/>
+              <a:t>14</a:t>
+            </a:fld>
+            <a:endParaRPr lang="en-US"/>
+          </a:p>
+        </p:txBody>
+      </p:sp>
+    </p:spTree>
+    <p:extLst>
+      <p:ext uri="{BB962C8B-B14F-4D97-AF65-F5344CB8AC3E}">
+        <p14:creationId xmlns:p14="http://schemas.microsoft.com/office/powerpoint/2010/main" val="2888312168"/>
       </p:ext>
     </p:extLst>
   </p:cSld>
@@ -12225,7 +12308,7 @@
             <a:avLst/>
           </a:prstGeom>
           <a:blipFill dpi="0" rotWithShape="1">
-            <a:blip r:embed="rId2">
+            <a:blip r:embed="rId3">
               <a:alphaModFix amt="24000"/>
               <a:duotone>
                 <a:schemeClr val="accent1">
@@ -12297,566 +12380,7 @@
           <a:p>
             <a:r>
               <a:rPr lang="en-US" dirty="0"/>
-              <a:t>Assignment – Calculator Loop</a:t>
-            </a:r>
-          </a:p>
-        </p:txBody>
-      </p:sp>
-      <p:sp>
-        <p:nvSpPr>
-          <p:cNvPr id="26" name="TextBox 25">
-            <a:extLst>
-              <a:ext uri="{FF2B5EF4-FFF2-40B4-BE49-F238E27FC236}">
-                <a16:creationId xmlns:a16="http://schemas.microsoft.com/office/drawing/2014/main" id="{DE9DAED5-200A-4CC5-9401-DCF0B0447DFC}"/>
-              </a:ext>
-            </a:extLst>
-          </p:cNvPr>
-          <p:cNvSpPr txBox="1"/>
-          <p:nvPr/>
-        </p:nvSpPr>
-        <p:spPr>
-          <a:xfrm>
-            <a:off x="430349" y="1561491"/>
-            <a:ext cx="6489648" cy="3713261"/>
-          </a:xfrm>
-          <a:prstGeom prst="rect">
-            <a:avLst/>
-          </a:prstGeom>
-          <a:noFill/>
-        </p:spPr>
-        <p:txBody>
-          <a:bodyPr wrap="square">
-            <a:spAutoFit/>
-          </a:bodyPr>
-          <a:lstStyle/>
-          <a:p>
-            <a:pPr marL="228600" indent="-228600">
-              <a:lnSpc>
-                <a:spcPct val="110000"/>
-              </a:lnSpc>
-              <a:spcBef>
-                <a:spcPts val="1000"/>
-              </a:spcBef>
-              <a:buClr>
-                <a:schemeClr val="accent1"/>
-              </a:buClr>
-              <a:buFont typeface="Arial" panose="020B0604020202020204" pitchFamily="34" charset="0"/>
-              <a:buChar char="•"/>
-            </a:pPr>
-            <a:r>
-              <a:rPr lang="en-US" dirty="0"/>
-              <a:t>Create a calculator that loops</a:t>
-            </a:r>
-          </a:p>
-          <a:p>
-            <a:pPr marL="228600" indent="-228600">
-              <a:lnSpc>
-                <a:spcPct val="110000"/>
-              </a:lnSpc>
-              <a:spcBef>
-                <a:spcPts val="1000"/>
-              </a:spcBef>
-              <a:buClr>
-                <a:schemeClr val="accent1"/>
-              </a:buClr>
-              <a:buFont typeface="Arial" panose="020B0604020202020204" pitchFamily="34" charset="0"/>
-              <a:buChar char="•"/>
-            </a:pPr>
-            <a:r>
-              <a:rPr lang="en-US" dirty="0">
-                <a:solidFill>
-                  <a:srgbClr val="C00000"/>
-                </a:solidFill>
-              </a:rPr>
-              <a:t>auto</a:t>
-            </a:r>
-            <a:r>
-              <a:rPr lang="en-US" dirty="0"/>
-              <a:t> declares a variable whose type is deduced/inferred</a:t>
-            </a:r>
-          </a:p>
-          <a:p>
-            <a:pPr marL="228600" indent="-228600">
-              <a:lnSpc>
-                <a:spcPct val="110000"/>
-              </a:lnSpc>
-              <a:spcBef>
-                <a:spcPts val="1000"/>
-              </a:spcBef>
-              <a:buClr>
-                <a:schemeClr val="accent1"/>
-              </a:buClr>
-              <a:buFont typeface="Arial" panose="020B0604020202020204" pitchFamily="34" charset="0"/>
-              <a:buChar char="•"/>
-            </a:pPr>
-            <a:r>
-              <a:rPr lang="en-US" dirty="0">
-                <a:solidFill>
-                  <a:srgbClr val="C00000"/>
-                </a:solidFill>
-              </a:rPr>
-              <a:t>auto</a:t>
-            </a:r>
-            <a:r>
-              <a:rPr lang="en-US" dirty="0"/>
-              <a:t> n = 10 ; The variable n is of type </a:t>
-            </a:r>
-            <a:r>
-              <a:rPr lang="en-US" dirty="0">
-                <a:solidFill>
-                  <a:srgbClr val="C00000"/>
-                </a:solidFill>
-              </a:rPr>
-              <a:t>int</a:t>
-            </a:r>
-          </a:p>
-          <a:p>
-            <a:pPr marL="228600" indent="-228600">
-              <a:lnSpc>
-                <a:spcPct val="110000"/>
-              </a:lnSpc>
-              <a:spcBef>
-                <a:spcPts val="1000"/>
-              </a:spcBef>
-              <a:buClr>
-                <a:schemeClr val="accent1"/>
-              </a:buClr>
-              <a:buFont typeface="Arial" panose="020B0604020202020204" pitchFamily="34" charset="0"/>
-              <a:buChar char="•"/>
-            </a:pPr>
-            <a:r>
-              <a:rPr lang="en-US" dirty="0"/>
-              <a:t>Range-based for loops can use auto to deduce the type of the </a:t>
-            </a:r>
-            <a:r>
-              <a:rPr lang="en-US" i="1" dirty="0"/>
-              <a:t>element </a:t>
-            </a:r>
-            <a:r>
-              <a:rPr lang="en-US" dirty="0"/>
-              <a:t>inside of the range</a:t>
-            </a:r>
-            <a:endParaRPr lang="en-US" i="1" dirty="0"/>
-          </a:p>
-          <a:p>
-            <a:pPr marL="228600" indent="-228600">
-              <a:lnSpc>
-                <a:spcPct val="110000"/>
-              </a:lnSpc>
-              <a:spcBef>
-                <a:spcPts val="1000"/>
-              </a:spcBef>
-              <a:buClr>
-                <a:schemeClr val="accent1"/>
-              </a:buClr>
-              <a:buFont typeface="Arial" panose="020B0604020202020204" pitchFamily="34" charset="0"/>
-              <a:buChar char="•"/>
-            </a:pPr>
-            <a:r>
-              <a:rPr lang="en-US" dirty="0"/>
-              <a:t>This makes code less verbose</a:t>
-            </a:r>
-          </a:p>
-          <a:p>
-            <a:pPr marL="228600" indent="-228600">
-              <a:lnSpc>
-                <a:spcPct val="110000"/>
-              </a:lnSpc>
-              <a:spcBef>
-                <a:spcPts val="1000"/>
-              </a:spcBef>
-              <a:buClr>
-                <a:schemeClr val="accent1"/>
-              </a:buClr>
-              <a:buFont typeface="Arial" panose="020B0604020202020204" pitchFamily="34" charset="0"/>
-              <a:buChar char="•"/>
-            </a:pPr>
-            <a:endParaRPr lang="en-US" dirty="0"/>
-          </a:p>
-          <a:p>
-            <a:pPr marL="228600" indent="-228600">
-              <a:lnSpc>
-                <a:spcPct val="110000"/>
-              </a:lnSpc>
-              <a:spcBef>
-                <a:spcPts val="1000"/>
-              </a:spcBef>
-              <a:buClr>
-                <a:schemeClr val="accent1"/>
-              </a:buClr>
-              <a:buFont typeface="Arial" panose="020B0604020202020204" pitchFamily="34" charset="0"/>
-              <a:buChar char="•"/>
-            </a:pPr>
-            <a:endParaRPr lang="en-US" dirty="0"/>
-          </a:p>
-          <a:p>
-            <a:pPr marL="228600" indent="-228600">
-              <a:lnSpc>
-                <a:spcPct val="110000"/>
-              </a:lnSpc>
-              <a:spcBef>
-                <a:spcPts val="1000"/>
-              </a:spcBef>
-              <a:buClr>
-                <a:schemeClr val="accent1"/>
-              </a:buClr>
-              <a:buFont typeface="Arial" panose="020B0604020202020204" pitchFamily="34" charset="0"/>
-              <a:buChar char="•"/>
-            </a:pPr>
-            <a:endParaRPr lang="en-US" dirty="0"/>
-          </a:p>
-        </p:txBody>
-      </p:sp>
-    </p:spTree>
-    <p:extLst>
-      <p:ext uri="{BB962C8B-B14F-4D97-AF65-F5344CB8AC3E}">
-        <p14:creationId xmlns:p14="http://schemas.microsoft.com/office/powerpoint/2010/main" val="1394593249"/>
-      </p:ext>
-    </p:extLst>
-  </p:cSld>
-  <p:clrMapOvr>
-    <a:masterClrMapping/>
-  </p:clrMapOvr>
-</p:sld>
-</file>
-
-<file path=ppt/slides/slide15.xml><?xml version="1.0" encoding="utf-8"?>
-<p:sld xmlns:a="http://schemas.openxmlformats.org/drawingml/2006/main" xmlns:r="http://schemas.openxmlformats.org/officeDocument/2006/relationships" xmlns:p="http://schemas.openxmlformats.org/presentationml/2006/main">
-  <p:cSld>
-    <p:bg>
-      <p:bgPr>
-        <a:solidFill>
-          <a:schemeClr val="bg1"/>
-        </a:solidFill>
-        <a:effectLst/>
-      </p:bgPr>
-    </p:bg>
-    <p:spTree>
-      <p:nvGrpSpPr>
-        <p:cNvPr id="1" name=""/>
-        <p:cNvGrpSpPr/>
-        <p:nvPr/>
-      </p:nvGrpSpPr>
-      <p:grpSpPr>
-        <a:xfrm>
-          <a:off x="0" y="0"/>
-          <a:ext cx="0" cy="0"/>
-          <a:chOff x="0" y="0"/>
-          <a:chExt cx="0" cy="0"/>
-        </a:xfrm>
-      </p:grpSpPr>
-      <p:sp useBgFill="1">
-        <p:nvSpPr>
-          <p:cNvPr id="27" name="Rectangle 18">
-            <a:extLst>
-              <a:ext uri="{FF2B5EF4-FFF2-40B4-BE49-F238E27FC236}">
-                <a16:creationId xmlns:a16="http://schemas.microsoft.com/office/drawing/2014/main" id="{8651CFA9-6065-4243-AC48-858E359780B1}"/>
-              </a:ext>
-              <a:ext uri="{C183D7F6-B498-43B3-948B-1728B52AA6E4}">
-                <adec:decorative xmlns:adec="http://schemas.microsoft.com/office/drawing/2017/decorative" val="1"/>
-              </a:ext>
-            </a:extLst>
-          </p:cNvPr>
-          <p:cNvSpPr>
-            <a:spLocks noGrp="1" noRot="1" noChangeAspect="1" noMove="1" noResize="1" noEditPoints="1" noAdjustHandles="1" noChangeArrowheads="1" noChangeShapeType="1" noTextEdit="1"/>
-          </p:cNvSpPr>
-          <p:nvPr>
-            <p:extLst>
-              <p:ext uri="{386F3935-93C4-4BCD-93E2-E3B085C9AB24}">
-                <p16:designElem xmlns:p16="http://schemas.microsoft.com/office/powerpoint/2015/main" val="1"/>
-              </p:ext>
-            </p:extLst>
-          </p:nvPr>
-        </p:nvSpPr>
-        <p:spPr>
-          <a:xfrm>
-            <a:off x="0" y="0"/>
-            <a:ext cx="12192000" cy="6858000"/>
-          </a:xfrm>
-          <a:prstGeom prst="rect">
-            <a:avLst/>
-          </a:prstGeom>
-          <a:ln>
-            <a:noFill/>
-          </a:ln>
-        </p:spPr>
-        <p:style>
-          <a:lnRef idx="2">
-            <a:schemeClr val="accent1">
-              <a:shade val="50000"/>
-            </a:schemeClr>
-          </a:lnRef>
-          <a:fillRef idx="1">
-            <a:schemeClr val="accent1"/>
-          </a:fillRef>
-          <a:effectRef idx="0">
-            <a:schemeClr val="accent1"/>
-          </a:effectRef>
-          <a:fontRef idx="minor">
-            <a:schemeClr val="lt1"/>
-          </a:fontRef>
-        </p:style>
-        <p:txBody>
-          <a:bodyPr rtlCol="0" anchor="ctr"/>
-          <a:lstStyle/>
-          <a:p>
-            <a:pPr algn="ctr"/>
-            <a:endParaRPr lang="en-US">
-              <a:solidFill>
-                <a:schemeClr val="tx1">
-                  <a:lumMod val="65000"/>
-                  <a:lumOff val="35000"/>
-                </a:schemeClr>
-              </a:solidFill>
-              <a:latin typeface="AvenirNext LT Pro Medium" panose="020B0504020202020204" pitchFamily="34" charset="0"/>
-            </a:endParaRPr>
-          </a:p>
-        </p:txBody>
-      </p:sp>
-      <p:sp>
-        <p:nvSpPr>
-          <p:cNvPr id="28" name="Rectangle 20">
-            <a:extLst>
-              <a:ext uri="{FF2B5EF4-FFF2-40B4-BE49-F238E27FC236}">
-                <a16:creationId xmlns:a16="http://schemas.microsoft.com/office/drawing/2014/main" id="{37962AE0-6A1C-4B76-9D52-10E5E6D7D3BB}"/>
-              </a:ext>
-              <a:ext uri="{C183D7F6-B498-43B3-948B-1728B52AA6E4}">
-                <adec:decorative xmlns:adec="http://schemas.microsoft.com/office/drawing/2017/decorative" val="1"/>
-              </a:ext>
-            </a:extLst>
-          </p:cNvPr>
-          <p:cNvSpPr>
-            <a:spLocks noGrp="1" noRot="1" noChangeAspect="1" noMove="1" noResize="1" noEditPoints="1" noAdjustHandles="1" noChangeArrowheads="1" noChangeShapeType="1" noTextEdit="1"/>
-          </p:cNvSpPr>
-          <p:nvPr>
-            <p:extLst>
-              <p:ext uri="{386F3935-93C4-4BCD-93E2-E3B085C9AB24}">
-                <p16:designElem xmlns:p16="http://schemas.microsoft.com/office/powerpoint/2015/main" val="1"/>
-              </p:ext>
-            </p:extLst>
-          </p:nvPr>
-        </p:nvSpPr>
-        <p:spPr>
-          <a:xfrm>
-            <a:off x="-3048" y="0"/>
-            <a:ext cx="12188952" cy="6858000"/>
-          </a:xfrm>
-          <a:prstGeom prst="rect">
-            <a:avLst/>
-          </a:prstGeom>
-          <a:solidFill>
-            <a:schemeClr val="bg2">
-              <a:alpha val="70000"/>
-            </a:schemeClr>
-          </a:solidFill>
-          <a:ln>
-            <a:noFill/>
-          </a:ln>
-        </p:spPr>
-        <p:style>
-          <a:lnRef idx="2">
-            <a:schemeClr val="accent1">
-              <a:shade val="50000"/>
-            </a:schemeClr>
-          </a:lnRef>
-          <a:fillRef idx="1">
-            <a:schemeClr val="accent1"/>
-          </a:fillRef>
-          <a:effectRef idx="0">
-            <a:schemeClr val="accent1"/>
-          </a:effectRef>
-          <a:fontRef idx="minor">
-            <a:schemeClr val="lt1"/>
-          </a:fontRef>
-        </p:style>
-        <p:txBody>
-          <a:bodyPr rtlCol="0" anchor="ctr"/>
-          <a:lstStyle/>
-          <a:p>
-            <a:pPr algn="ctr"/>
-            <a:endParaRPr lang="en-US">
-              <a:solidFill>
-                <a:schemeClr val="tx1">
-                  <a:lumMod val="65000"/>
-                  <a:lumOff val="35000"/>
-                </a:schemeClr>
-              </a:solidFill>
-              <a:latin typeface="AvenirNext LT Pro Medium" panose="020B0504020202020204" pitchFamily="34" charset="0"/>
-            </a:endParaRPr>
-          </a:p>
-        </p:txBody>
-      </p:sp>
-      <p:sp>
-        <p:nvSpPr>
-          <p:cNvPr id="29" name="Rectangle 22">
-            <a:extLst>
-              <a:ext uri="{FF2B5EF4-FFF2-40B4-BE49-F238E27FC236}">
-                <a16:creationId xmlns:a16="http://schemas.microsoft.com/office/drawing/2014/main" id="{BF49D5AE-15AF-4BC1-8AC5-F5FA95199E94}"/>
-              </a:ext>
-              <a:ext uri="{C183D7F6-B498-43B3-948B-1728B52AA6E4}">
-                <adec:decorative xmlns:adec="http://schemas.microsoft.com/office/drawing/2017/decorative" val="1"/>
-              </a:ext>
-            </a:extLst>
-          </p:cNvPr>
-          <p:cNvSpPr>
-            <a:spLocks noGrp="1" noRot="1" noChangeAspect="1" noMove="1" noResize="1" noEditPoints="1" noAdjustHandles="1" noChangeArrowheads="1" noChangeShapeType="1" noTextEdit="1"/>
-          </p:cNvSpPr>
-          <p:nvPr>
-            <p:extLst>
-              <p:ext uri="{386F3935-93C4-4BCD-93E2-E3B085C9AB24}">
-                <p16:designElem xmlns:p16="http://schemas.microsoft.com/office/powerpoint/2015/main" val="1"/>
-              </p:ext>
-            </p:extLst>
-          </p:nvPr>
-        </p:nvSpPr>
-        <p:spPr>
-          <a:xfrm>
-            <a:off x="-3048" y="0"/>
-            <a:ext cx="12195048" cy="1295400"/>
-          </a:xfrm>
-          <a:prstGeom prst="rect">
-            <a:avLst/>
-          </a:prstGeom>
-          <a:solidFill>
-            <a:schemeClr val="tx2">
-              <a:lumMod val="90000"/>
-              <a:lumOff val="10000"/>
-            </a:schemeClr>
-          </a:solidFill>
-          <a:ln>
-            <a:noFill/>
-          </a:ln>
-        </p:spPr>
-        <p:style>
-          <a:lnRef idx="2">
-            <a:schemeClr val="accent1">
-              <a:shade val="50000"/>
-            </a:schemeClr>
-          </a:lnRef>
-          <a:fillRef idx="1">
-            <a:schemeClr val="accent1"/>
-          </a:fillRef>
-          <a:effectRef idx="0">
-            <a:schemeClr val="accent1"/>
-          </a:effectRef>
-          <a:fontRef idx="minor">
-            <a:schemeClr val="lt1"/>
-          </a:fontRef>
-        </p:style>
-        <p:txBody>
-          <a:bodyPr rtlCol="0" anchor="ctr"/>
-          <a:lstStyle/>
-          <a:p>
-            <a:pPr algn="ctr"/>
-            <a:endParaRPr lang="en-US" dirty="0"/>
-          </a:p>
-        </p:txBody>
-      </p:sp>
-      <p:sp>
-        <p:nvSpPr>
-          <p:cNvPr id="30" name="Rectangle 24">
-            <a:extLst>
-              <a:ext uri="{FF2B5EF4-FFF2-40B4-BE49-F238E27FC236}">
-                <a16:creationId xmlns:a16="http://schemas.microsoft.com/office/drawing/2014/main" id="{5608A5E7-BD2D-419A-8079-3103083AB134}"/>
-              </a:ext>
-              <a:ext uri="{C183D7F6-B498-43B3-948B-1728B52AA6E4}">
-                <adec:decorative xmlns:adec="http://schemas.microsoft.com/office/drawing/2017/decorative" val="1"/>
-              </a:ext>
-            </a:extLst>
-          </p:cNvPr>
-          <p:cNvSpPr>
-            <a:spLocks noGrp="1" noRot="1" noChangeAspect="1" noMove="1" noResize="1" noEditPoints="1" noAdjustHandles="1" noChangeArrowheads="1" noChangeShapeType="1" noTextEdit="1"/>
-          </p:cNvSpPr>
-          <p:nvPr>
-            <p:extLst>
-              <p:ext uri="{386F3935-93C4-4BCD-93E2-E3B085C9AB24}">
-                <p16:designElem xmlns:p16="http://schemas.microsoft.com/office/powerpoint/2015/main" val="1"/>
-              </p:ext>
-            </p:extLst>
-          </p:nvPr>
-        </p:nvSpPr>
-        <p:spPr>
-          <a:xfrm>
-            <a:off x="1524" y="0"/>
-            <a:ext cx="12188952" cy="1295400"/>
-          </a:xfrm>
-          <a:prstGeom prst="rect">
-            <a:avLst/>
-          </a:prstGeom>
-          <a:blipFill dpi="0" rotWithShape="1">
-            <a:blip r:embed="rId2">
-              <a:alphaModFix amt="24000"/>
-              <a:duotone>
-                <a:schemeClr val="accent1">
-                  <a:shade val="45000"/>
-                  <a:satMod val="135000"/>
-                </a:schemeClr>
-                <a:prstClr val="white"/>
-              </a:duotone>
-            </a:blip>
-            <a:srcRect/>
-            <a:tile tx="889000" ty="0" sx="100000" sy="100000" flip="none" algn="tl"/>
-          </a:blipFill>
-          <a:ln>
-            <a:noFill/>
-          </a:ln>
-        </p:spPr>
-        <p:style>
-          <a:lnRef idx="2">
-            <a:schemeClr val="accent1">
-              <a:shade val="50000"/>
-            </a:schemeClr>
-          </a:lnRef>
-          <a:fillRef idx="1">
-            <a:schemeClr val="accent1"/>
-          </a:fillRef>
-          <a:effectRef idx="0">
-            <a:schemeClr val="accent1"/>
-          </a:effectRef>
-          <a:fontRef idx="minor">
-            <a:schemeClr val="lt1"/>
-          </a:fontRef>
-        </p:style>
-        <p:txBody>
-          <a:bodyPr rtlCol="0" anchor="ctr"/>
-          <a:lstStyle/>
-          <a:p>
-            <a:pPr algn="ctr"/>
-            <a:endParaRPr lang="en-US" dirty="0"/>
-          </a:p>
-        </p:txBody>
-      </p:sp>
-      <p:sp>
-        <p:nvSpPr>
-          <p:cNvPr id="2" name="Title 1">
-            <a:extLst>
-              <a:ext uri="{FF2B5EF4-FFF2-40B4-BE49-F238E27FC236}">
-                <a16:creationId xmlns:a16="http://schemas.microsoft.com/office/drawing/2014/main" id="{435A2D9F-DF11-409A-8AFF-42DD6CF6FD8A}"/>
-              </a:ext>
-            </a:extLst>
-          </p:cNvPr>
-          <p:cNvSpPr>
-            <a:spLocks noGrp="1"/>
-          </p:cNvSpPr>
-          <p:nvPr>
-            <p:ph type="title"/>
-          </p:nvPr>
-        </p:nvSpPr>
-        <p:spPr>
-          <a:xfrm>
-            <a:off x="493453" y="-457200"/>
-            <a:ext cx="9988166" cy="1752600"/>
-          </a:xfrm>
-        </p:spPr>
-        <p:txBody>
-          <a:bodyPr anchor="b">
-            <a:normAutofit/>
-          </a:bodyPr>
-          <a:lstStyle/>
-          <a:p>
-            <a:r>
-              <a:rPr lang="en-US" dirty="0"/>
-              <a:t>Assignment – Calculator Loop</a:t>
+              <a:t>Assignment – Count Digits</a:t>
             </a:r>
           </a:p>
         </p:txBody>
@@ -12904,7 +12428,7 @@
             </a:pPr>
             <a:r>
               <a:rPr lang="en-US" dirty="0"/>
-              <a:t>Create a calculator that reads two integers and add them in the terminal and displays the result</a:t>
+              <a:t>Create a program that reads an integer and counts the number of digits; display the result</a:t>
             </a:r>
           </a:p>
           <a:p>
@@ -12923,7 +12447,7 @@
             </a:pPr>
             <a:r>
               <a:rPr lang="en-US" dirty="0"/>
-              <a:t>The process should repeat until the user types in ‘quit’ or ‘q’</a:t>
+              <a:t>Solve this problem using loops</a:t>
             </a:r>
           </a:p>
           <a:p>
@@ -12942,19 +12466,7 @@
             </a:pPr>
             <a:r>
               <a:rPr lang="en-US" dirty="0"/>
-              <a:t>Helpful functions: </a:t>
-            </a:r>
-            <a:r>
-              <a:rPr lang="en-US" b="1" dirty="0" err="1"/>
-              <a:t>stoi</a:t>
-            </a:r>
-            <a:r>
-              <a:rPr lang="en-US" b="1" dirty="0"/>
-              <a:t>() </a:t>
-            </a:r>
-            <a:r>
-              <a:rPr lang="en-US" dirty="0"/>
-              <a:t>– convert from string to integer</a:t>
+              <a:t>Think about which type of loop would work best in this example</a:t>
             </a:r>
           </a:p>
           <a:p>
@@ -12973,7 +12485,7 @@
             </a:pPr>
             <a:r>
               <a:rPr lang="en-US" dirty="0"/>
-              <a:t>Any user input error should be reported. Remind the user of the expected format</a:t>
+              <a:t>Hints: The decimal place of a number is moved left by dividing by 10</a:t>
             </a:r>
           </a:p>
           <a:p>
@@ -13026,6 +12538,36 @@
           </a:p>
         </p:txBody>
       </p:sp>
+      <p:pic>
+        <p:nvPicPr>
+          <p:cNvPr id="4" name="Picture 3">
+            <a:extLst>
+              <a:ext uri="{FF2B5EF4-FFF2-40B4-BE49-F238E27FC236}">
+                <a16:creationId xmlns:a16="http://schemas.microsoft.com/office/drawing/2014/main" id="{016CD318-565D-411D-B094-80366BF65B00}"/>
+              </a:ext>
+            </a:extLst>
+          </p:cNvPr>
+          <p:cNvPicPr>
+            <a:picLocks noChangeAspect="1"/>
+          </p:cNvPicPr>
+          <p:nvPr/>
+        </p:nvPicPr>
+        <p:blipFill>
+          <a:blip r:embed="rId4"/>
+          <a:stretch>
+            <a:fillRect/>
+          </a:stretch>
+        </p:blipFill>
+        <p:spPr>
+          <a:xfrm>
+            <a:off x="2145322" y="3429000"/>
+            <a:ext cx="6926873" cy="2996901"/>
+          </a:xfrm>
+          <a:prstGeom prst="rect">
+            <a:avLst/>
+          </a:prstGeom>
+        </p:spPr>
+      </p:pic>
     </p:spTree>
     <p:extLst>
       <p:ext uri="{BB962C8B-B14F-4D97-AF65-F5344CB8AC3E}">
